--- a/media/schematics.pptx
+++ b/media/schematics.pptx
@@ -25307,8 +25307,8 @@
         </p:nvCxnSpPr>
         <p:spPr>
           <a:xfrm rot="5400000" flipH="1" flipV="1">
-            <a:off x="456159" y="1439927"/>
-            <a:ext cx="1490476" cy="921249"/>
+            <a:off x="540460" y="1524228"/>
+            <a:ext cx="1321874" cy="921249"/>
           </a:xfrm>
           <a:prstGeom prst="bentConnector2">
             <a:avLst/>
@@ -25336,564 +25336,69 @@
           </a:fontRef>
         </p:style>
       </p:cxnSp>
-      <p:grpSp>
-        <p:nvGrpSpPr>
-          <p:cNvPr id="185" name="Group 184">
+      <p:sp>
+        <p:nvSpPr>
+          <p:cNvPr id="36" name="Rectangle 35">
             <a:extLst>
               <a:ext uri="{FF2B5EF4-FFF2-40B4-BE49-F238E27FC236}">
-                <a16:creationId xmlns:a16="http://schemas.microsoft.com/office/drawing/2014/main" id="{BFFBAAC1-7F41-4EC4-B618-CFA7A51B0858}"/>
+                <a16:creationId xmlns:a16="http://schemas.microsoft.com/office/drawing/2014/main" id="{9920AF8D-6C1D-4930-B101-E3BFE5FA51B3}"/>
               </a:ext>
             </a:extLst>
           </p:cNvPr>
-          <p:cNvGrpSpPr/>
+          <p:cNvSpPr/>
           <p:nvPr/>
-        </p:nvGrpSpPr>
-        <p:grpSpPr>
-          <a:xfrm>
-            <a:off x="1662021" y="-25791"/>
-            <a:ext cx="8867956" cy="1989301"/>
-            <a:chOff x="1662021" y="-25791"/>
-            <a:chExt cx="8867956" cy="1989301"/>
-          </a:xfrm>
-        </p:grpSpPr>
-        <p:sp>
-          <p:nvSpPr>
-            <p:cNvPr id="13" name="Rectangle 12">
-              <a:extLst>
-                <a:ext uri="{FF2B5EF4-FFF2-40B4-BE49-F238E27FC236}">
-                  <a16:creationId xmlns:a16="http://schemas.microsoft.com/office/drawing/2014/main" id="{F2A22F9F-1A05-42B7-8524-1A09BE1A5D06}"/>
-                </a:ext>
-              </a:extLst>
-            </p:cNvPr>
-            <p:cNvSpPr/>
-            <p:nvPr/>
-          </p:nvSpPr>
-          <p:spPr>
-            <a:xfrm>
-              <a:off x="1662022" y="347116"/>
-              <a:ext cx="8867955" cy="1616394"/>
-            </a:xfrm>
-            <a:prstGeom prst="rect">
-              <a:avLst/>
-            </a:prstGeom>
-            <a:ln>
-              <a:solidFill>
-                <a:srgbClr val="0070C0"/>
-              </a:solidFill>
-            </a:ln>
-          </p:spPr>
-          <p:style>
-            <a:lnRef idx="2">
-              <a:schemeClr val="accent3"/>
-            </a:lnRef>
-            <a:fillRef idx="1">
-              <a:schemeClr val="lt1"/>
-            </a:fillRef>
-            <a:effectRef idx="0">
-              <a:schemeClr val="accent3"/>
-            </a:effectRef>
-            <a:fontRef idx="minor">
-              <a:schemeClr val="dk1"/>
-            </a:fontRef>
-          </p:style>
-          <p:txBody>
-            <a:bodyPr rtlCol="0" anchor="ctr"/>
-            <a:lstStyle/>
-            <a:p>
-              <a:pPr algn="ctr"/>
-              <a:endParaRPr lang="en-BE" dirty="0" err="1">
-                <a:solidFill>
-                  <a:schemeClr val="bg1"/>
-                </a:solidFill>
-                <a:latin typeface="Tahoma"/>
-                <a:cs typeface="Tahoma"/>
-              </a:endParaRPr>
-            </a:p>
-          </p:txBody>
-        </p:sp>
-        <p:grpSp>
-          <p:nvGrpSpPr>
-            <p:cNvPr id="34" name="Group 33">
-              <a:extLst>
-                <a:ext uri="{FF2B5EF4-FFF2-40B4-BE49-F238E27FC236}">
-                  <a16:creationId xmlns:a16="http://schemas.microsoft.com/office/drawing/2014/main" id="{D8241CF7-0EC4-4317-8597-6B12FF0A0CAA}"/>
-                </a:ext>
-              </a:extLst>
-            </p:cNvPr>
-            <p:cNvGrpSpPr/>
-            <p:nvPr/>
-          </p:nvGrpSpPr>
-          <p:grpSpPr>
-            <a:xfrm>
-              <a:off x="4065242" y="493992"/>
-              <a:ext cx="4061513" cy="631706"/>
-              <a:chOff x="3129055" y="741781"/>
-              <a:chExt cx="4061513" cy="631706"/>
-            </a:xfrm>
-          </p:grpSpPr>
-          <p:pic>
-            <p:nvPicPr>
-              <p:cNvPr id="25" name="Picture 24">
-                <a:extLst>
-                  <a:ext uri="{FF2B5EF4-FFF2-40B4-BE49-F238E27FC236}">
-                    <a16:creationId xmlns:a16="http://schemas.microsoft.com/office/drawing/2014/main" id="{54199215-15FE-4860-8FAD-96063DC0D153}"/>
-                  </a:ext>
-                </a:extLst>
-              </p:cNvPr>
-              <p:cNvPicPr>
-                <a:picLocks noChangeAspect="1"/>
-              </p:cNvPicPr>
-              <p:nvPr/>
-            </p:nvPicPr>
-            <p:blipFill>
-              <a:blip r:embed="rId3"/>
-              <a:stretch>
-                <a:fillRect/>
-              </a:stretch>
-            </p:blipFill>
-            <p:spPr>
-              <a:xfrm>
-                <a:off x="3129055" y="748812"/>
-                <a:ext cx="616163" cy="616163"/>
-              </a:xfrm>
-              <a:prstGeom prst="rect">
-                <a:avLst/>
-              </a:prstGeom>
-            </p:spPr>
-          </p:pic>
-          <p:pic>
-            <p:nvPicPr>
-              <p:cNvPr id="26" name="Picture 25">
-                <a:extLst>
-                  <a:ext uri="{FF2B5EF4-FFF2-40B4-BE49-F238E27FC236}">
-                    <a16:creationId xmlns:a16="http://schemas.microsoft.com/office/drawing/2014/main" id="{A027AF7B-7479-4D09-A7E4-425BD744C380}"/>
-                  </a:ext>
-                </a:extLst>
-              </p:cNvPr>
-              <p:cNvPicPr>
-                <a:picLocks noChangeAspect="1"/>
-              </p:cNvPicPr>
-              <p:nvPr/>
-            </p:nvPicPr>
-            <p:blipFill>
-              <a:blip r:embed="rId3"/>
-              <a:stretch>
-                <a:fillRect/>
-              </a:stretch>
-            </p:blipFill>
-            <p:spPr>
-              <a:xfrm>
-                <a:off x="4107431" y="753522"/>
-                <a:ext cx="616163" cy="616163"/>
-              </a:xfrm>
-              <a:prstGeom prst="rect">
-                <a:avLst/>
-              </a:prstGeom>
-            </p:spPr>
-          </p:pic>
-          <p:pic>
-            <p:nvPicPr>
-              <p:cNvPr id="30" name="Picture 29">
-                <a:extLst>
-                  <a:ext uri="{FF2B5EF4-FFF2-40B4-BE49-F238E27FC236}">
-                    <a16:creationId xmlns:a16="http://schemas.microsoft.com/office/drawing/2014/main" id="{BBD9A6D4-D91D-49D4-BC85-54E3A9F57236}"/>
-                  </a:ext>
-                </a:extLst>
-              </p:cNvPr>
-              <p:cNvPicPr>
-                <a:picLocks noChangeAspect="1"/>
-              </p:cNvPicPr>
-              <p:nvPr/>
-            </p:nvPicPr>
-            <p:blipFill>
-              <a:blip r:embed="rId3"/>
-              <a:stretch>
-                <a:fillRect/>
-              </a:stretch>
-            </p:blipFill>
-            <p:spPr>
-              <a:xfrm>
-                <a:off x="5596029" y="757324"/>
-                <a:ext cx="616163" cy="616163"/>
-              </a:xfrm>
-              <a:prstGeom prst="rect">
-                <a:avLst/>
-              </a:prstGeom>
-            </p:spPr>
-          </p:pic>
-          <p:pic>
-            <p:nvPicPr>
-              <p:cNvPr id="31" name="Picture 30">
-                <a:extLst>
-                  <a:ext uri="{FF2B5EF4-FFF2-40B4-BE49-F238E27FC236}">
-                    <a16:creationId xmlns:a16="http://schemas.microsoft.com/office/drawing/2014/main" id="{32A0AEEB-6624-4C9C-BA6F-8EB1B5F0F429}"/>
-                  </a:ext>
-                </a:extLst>
-              </p:cNvPr>
-              <p:cNvPicPr>
-                <a:picLocks noChangeAspect="1"/>
-              </p:cNvPicPr>
-              <p:nvPr/>
-            </p:nvPicPr>
-            <p:blipFill>
-              <a:blip r:embed="rId3"/>
-              <a:stretch>
-                <a:fillRect/>
-              </a:stretch>
-            </p:blipFill>
-            <p:spPr>
-              <a:xfrm>
-                <a:off x="6574405" y="757323"/>
-                <a:ext cx="616163" cy="616163"/>
-              </a:xfrm>
-              <a:prstGeom prst="rect">
-                <a:avLst/>
-              </a:prstGeom>
-            </p:spPr>
-          </p:pic>
-          <p:sp>
-            <p:nvSpPr>
-              <p:cNvPr id="32" name="Rectangle 31">
-                <a:extLst>
-                  <a:ext uri="{FF2B5EF4-FFF2-40B4-BE49-F238E27FC236}">
-                    <a16:creationId xmlns:a16="http://schemas.microsoft.com/office/drawing/2014/main" id="{0CFAEC96-5AB4-4AD6-BFC5-C35013244E84}"/>
-                  </a:ext>
-                </a:extLst>
-              </p:cNvPr>
-              <p:cNvSpPr/>
-              <p:nvPr/>
-            </p:nvSpPr>
-            <p:spPr>
-              <a:xfrm rot="5400000">
-                <a:off x="4851731" y="613643"/>
-                <a:ext cx="616162" cy="872437"/>
-              </a:xfrm>
-              <a:prstGeom prst="rect">
-                <a:avLst/>
-              </a:prstGeom>
-              <a:noFill/>
-              <a:ln w="19050">
-                <a:noFill/>
-              </a:ln>
-            </p:spPr>
-            <p:style>
-              <a:lnRef idx="2">
-                <a:schemeClr val="accent2"/>
-              </a:lnRef>
-              <a:fillRef idx="1">
-                <a:schemeClr val="lt1"/>
-              </a:fillRef>
-              <a:effectRef idx="0">
-                <a:schemeClr val="accent2"/>
-              </a:effectRef>
-              <a:fontRef idx="minor">
-                <a:schemeClr val="dk1"/>
-              </a:fontRef>
-            </p:style>
-            <p:txBody>
-              <a:bodyPr vert="vert270" rtlCol="0" anchor="ctr"/>
-              <a:lstStyle/>
-              <a:p>
-                <a:pPr algn="ctr"/>
-                <a:r>
-                  <a:rPr lang="en-US" sz="1200" dirty="0">
-                    <a:solidFill>
-                      <a:srgbClr val="080808"/>
-                    </a:solidFill>
-                    <a:latin typeface="Segoe UI (Body)"/>
-                    <a:cs typeface="Tahoma"/>
-                  </a:rPr>
-                  <a:t>……..</a:t>
-                </a:r>
-                <a:endParaRPr lang="en-BE" sz="1200" dirty="0" err="1">
-                  <a:solidFill>
-                    <a:srgbClr val="080808"/>
-                  </a:solidFill>
-                  <a:latin typeface="Segoe UI (Body)"/>
-                  <a:cs typeface="Tahoma"/>
-                </a:endParaRPr>
-              </a:p>
-            </p:txBody>
-          </p:sp>
-        </p:grpSp>
-        <p:sp>
-          <p:nvSpPr>
-            <p:cNvPr id="36" name="Rectangle 35">
-              <a:extLst>
-                <a:ext uri="{FF2B5EF4-FFF2-40B4-BE49-F238E27FC236}">
-                  <a16:creationId xmlns:a16="http://schemas.microsoft.com/office/drawing/2014/main" id="{9920AF8D-6C1D-4930-B101-E3BFE5FA51B3}"/>
-                </a:ext>
-              </a:extLst>
-            </p:cNvPr>
-            <p:cNvSpPr/>
-            <p:nvPr/>
-          </p:nvSpPr>
-          <p:spPr>
-            <a:xfrm rot="5400000">
-              <a:off x="5909545" y="-4273315"/>
-              <a:ext cx="372907" cy="8867955"/>
-            </a:xfrm>
-            <a:prstGeom prst="rect">
-              <a:avLst/>
-            </a:prstGeom>
+        </p:nvSpPr>
+        <p:spPr>
+          <a:xfrm rot="5400000">
+            <a:off x="5909545" y="-4273315"/>
+            <a:ext cx="372907" cy="8867955"/>
+          </a:xfrm>
+          <a:prstGeom prst="rect">
+            <a:avLst/>
+          </a:prstGeom>
+          <a:noFill/>
+          <a:ln w="19050">
             <a:noFill/>
-            <a:ln w="19050">
-              <a:noFill/>
-            </a:ln>
-          </p:spPr>
-          <p:style>
-            <a:lnRef idx="2">
-              <a:schemeClr val="accent2"/>
-            </a:lnRef>
-            <a:fillRef idx="1">
-              <a:schemeClr val="lt1"/>
-            </a:fillRef>
-            <a:effectRef idx="0">
-              <a:schemeClr val="accent2"/>
-            </a:effectRef>
-            <a:fontRef idx="minor">
-              <a:schemeClr val="dk1"/>
-            </a:fontRef>
-          </p:style>
-          <p:txBody>
-            <a:bodyPr vert="vert270" rtlCol="0" anchor="ctr"/>
-            <a:lstStyle/>
-            <a:p>
-              <a:r>
-                <a:rPr lang="en-US" sz="1400" b="1" dirty="0">
-                  <a:solidFill>
-                    <a:srgbClr val="0070C0"/>
-                  </a:solidFill>
-                  <a:latin typeface="Segoe UI (Body)"/>
-                  <a:cs typeface="Tahoma"/>
-                </a:rPr>
-                <a:t>Application Resource Group</a:t>
-              </a:r>
-              <a:endParaRPr lang="en-BE" sz="1400" b="1" dirty="0" err="1">
+          </a:ln>
+        </p:spPr>
+        <p:style>
+          <a:lnRef idx="2">
+            <a:schemeClr val="accent2"/>
+          </a:lnRef>
+          <a:fillRef idx="1">
+            <a:schemeClr val="lt1"/>
+          </a:fillRef>
+          <a:effectRef idx="0">
+            <a:schemeClr val="accent2"/>
+          </a:effectRef>
+          <a:fontRef idx="minor">
+            <a:schemeClr val="dk1"/>
+          </a:fontRef>
+        </p:style>
+        <p:txBody>
+          <a:bodyPr vert="vert270" rtlCol="0" anchor="ctr"/>
+          <a:lstStyle/>
+          <a:p>
+            <a:r>
+              <a:rPr lang="en-US" sz="1400" b="1" dirty="0">
                 <a:solidFill>
                   <a:srgbClr val="0070C0"/>
                 </a:solidFill>
                 <a:latin typeface="Segoe UI (Body)"/>
                 <a:cs typeface="Tahoma"/>
-              </a:endParaRPr>
-            </a:p>
-          </p:txBody>
-        </p:sp>
-        <p:pic>
-          <p:nvPicPr>
-            <p:cNvPr id="136" name="Picture 135">
-              <a:extLst>
-                <a:ext uri="{FF2B5EF4-FFF2-40B4-BE49-F238E27FC236}">
-                  <a16:creationId xmlns:a16="http://schemas.microsoft.com/office/drawing/2014/main" id="{5F019165-5A39-4462-9F4B-DAB7F66A4CFD}"/>
-                </a:ext>
-              </a:extLst>
-            </p:cNvPr>
-            <p:cNvPicPr>
-              <a:picLocks noChangeAspect="1"/>
-            </p:cNvPicPr>
-            <p:nvPr/>
-          </p:nvPicPr>
-          <p:blipFill>
-            <a:blip r:embed="rId4"/>
-            <a:stretch>
-              <a:fillRect/>
-            </a:stretch>
-          </p:blipFill>
-          <p:spPr>
-            <a:xfrm>
-              <a:off x="5872663" y="1316598"/>
-              <a:ext cx="446663" cy="446663"/>
-            </a:xfrm>
-            <a:prstGeom prst="rect">
-              <a:avLst/>
-            </a:prstGeom>
-          </p:spPr>
-        </p:pic>
-        <p:cxnSp>
-          <p:nvCxnSpPr>
-            <p:cNvPr id="145" name="Connector: Elbow 144">
-              <a:extLst>
-                <a:ext uri="{FF2B5EF4-FFF2-40B4-BE49-F238E27FC236}">
-                  <a16:creationId xmlns:a16="http://schemas.microsoft.com/office/drawing/2014/main" id="{61AEB452-4A01-49DE-AFFC-9B3E5E146698}"/>
-                </a:ext>
-              </a:extLst>
-            </p:cNvPr>
-            <p:cNvCxnSpPr>
-              <a:cxnSpLocks/>
-              <a:stCxn id="26" idx="2"/>
-            </p:cNvCxnSpPr>
-            <p:nvPr/>
-          </p:nvCxnSpPr>
-          <p:spPr>
-            <a:xfrm rot="16200000" flipH="1">
-              <a:off x="5428740" y="1044855"/>
-              <a:ext cx="342573" cy="496653"/>
-            </a:xfrm>
-            <a:prstGeom prst="bentConnector2">
-              <a:avLst/>
-            </a:prstGeom>
-            <a:ln w="19050">
+              </a:rPr>
+              <a:t>Application Resource Group</a:t>
+            </a:r>
+            <a:endParaRPr lang="en-BE" sz="1400" b="1" dirty="0" err="1">
               <a:solidFill>
-                <a:schemeClr val="accent1"/>
+                <a:srgbClr val="0070C0"/>
               </a:solidFill>
-              <a:prstDash val="sysDot"/>
-              <a:tailEnd type="triangle"/>
-            </a:ln>
-          </p:spPr>
-          <p:style>
-            <a:lnRef idx="1">
-              <a:schemeClr val="accent3"/>
-            </a:lnRef>
-            <a:fillRef idx="0">
-              <a:schemeClr val="accent3"/>
-            </a:fillRef>
-            <a:effectRef idx="0">
-              <a:schemeClr val="accent3"/>
-            </a:effectRef>
-            <a:fontRef idx="minor">
-              <a:schemeClr val="tx1"/>
-            </a:fontRef>
-          </p:style>
-        </p:cxnSp>
-        <p:cxnSp>
-          <p:nvCxnSpPr>
-            <p:cNvPr id="150" name="Connector: Elbow 149">
-              <a:extLst>
-                <a:ext uri="{FF2B5EF4-FFF2-40B4-BE49-F238E27FC236}">
-                  <a16:creationId xmlns:a16="http://schemas.microsoft.com/office/drawing/2014/main" id="{4294EB57-D253-43C9-8C3C-454DBD6C3372}"/>
-                </a:ext>
-              </a:extLst>
-            </p:cNvPr>
-            <p:cNvCxnSpPr>
-              <a:cxnSpLocks/>
-              <a:stCxn id="25" idx="2"/>
-            </p:cNvCxnSpPr>
-            <p:nvPr/>
-          </p:nvCxnSpPr>
-          <p:spPr>
-            <a:xfrm rot="16200000" flipH="1">
-              <a:off x="4854783" y="635726"/>
-              <a:ext cx="512110" cy="1475029"/>
-            </a:xfrm>
-            <a:prstGeom prst="bentConnector2">
-              <a:avLst/>
-            </a:prstGeom>
-            <a:ln w="19050">
-              <a:solidFill>
-                <a:schemeClr val="accent1"/>
-              </a:solidFill>
-              <a:prstDash val="sysDot"/>
-              <a:tailEnd type="triangle"/>
-            </a:ln>
-          </p:spPr>
-          <p:style>
-            <a:lnRef idx="1">
-              <a:schemeClr val="accent3"/>
-            </a:lnRef>
-            <a:fillRef idx="0">
-              <a:schemeClr val="accent3"/>
-            </a:fillRef>
-            <a:effectRef idx="0">
-              <a:schemeClr val="accent3"/>
-            </a:effectRef>
-            <a:fontRef idx="minor">
-              <a:schemeClr val="tx1"/>
-            </a:fontRef>
-          </p:style>
-        </p:cxnSp>
-        <p:cxnSp>
-          <p:nvCxnSpPr>
-            <p:cNvPr id="153" name="Connector: Elbow 152">
-              <a:extLst>
-                <a:ext uri="{FF2B5EF4-FFF2-40B4-BE49-F238E27FC236}">
-                  <a16:creationId xmlns:a16="http://schemas.microsoft.com/office/drawing/2014/main" id="{44A029BF-F4D3-489C-9C28-36A7E7C69A53}"/>
-                </a:ext>
-              </a:extLst>
-            </p:cNvPr>
-            <p:cNvCxnSpPr>
-              <a:cxnSpLocks/>
-              <a:stCxn id="31" idx="2"/>
-            </p:cNvCxnSpPr>
-            <p:nvPr/>
-          </p:nvCxnSpPr>
-          <p:spPr>
-            <a:xfrm rot="5400000">
-              <a:off x="6829361" y="639982"/>
-              <a:ext cx="503599" cy="1475029"/>
-            </a:xfrm>
-            <a:prstGeom prst="bentConnector2">
-              <a:avLst/>
-            </a:prstGeom>
-            <a:ln w="19050">
-              <a:solidFill>
-                <a:schemeClr val="accent1"/>
-              </a:solidFill>
-              <a:prstDash val="sysDot"/>
-              <a:tailEnd type="triangle"/>
-            </a:ln>
-          </p:spPr>
-          <p:style>
-            <a:lnRef idx="1">
-              <a:schemeClr val="accent3"/>
-            </a:lnRef>
-            <a:fillRef idx="0">
-              <a:schemeClr val="accent3"/>
-            </a:fillRef>
-            <a:effectRef idx="0">
-              <a:schemeClr val="accent3"/>
-            </a:effectRef>
-            <a:fontRef idx="minor">
-              <a:schemeClr val="tx1"/>
-            </a:fontRef>
-          </p:style>
-        </p:cxnSp>
-        <p:cxnSp>
-          <p:nvCxnSpPr>
-            <p:cNvPr id="159" name="Connector: Elbow 158">
-              <a:extLst>
-                <a:ext uri="{FF2B5EF4-FFF2-40B4-BE49-F238E27FC236}">
-                  <a16:creationId xmlns:a16="http://schemas.microsoft.com/office/drawing/2014/main" id="{BE73164F-0C2D-4A0C-971C-F9AC4C4DD39C}"/>
-                </a:ext>
-              </a:extLst>
-            </p:cNvPr>
-            <p:cNvCxnSpPr>
-              <a:cxnSpLocks/>
-              <a:stCxn id="30" idx="2"/>
-            </p:cNvCxnSpPr>
-            <p:nvPr/>
-          </p:nvCxnSpPr>
-          <p:spPr>
-            <a:xfrm rot="5400000">
-              <a:off x="6431287" y="1038057"/>
-              <a:ext cx="321370" cy="496652"/>
-            </a:xfrm>
-            <a:prstGeom prst="bentConnector2">
-              <a:avLst/>
-            </a:prstGeom>
-            <a:ln w="19050">
-              <a:solidFill>
-                <a:schemeClr val="accent1"/>
-              </a:solidFill>
-              <a:prstDash val="sysDot"/>
-              <a:tailEnd type="triangle"/>
-            </a:ln>
-          </p:spPr>
-          <p:style>
-            <a:lnRef idx="1">
-              <a:schemeClr val="accent3"/>
-            </a:lnRef>
-            <a:fillRef idx="0">
-              <a:schemeClr val="accent3"/>
-            </a:fillRef>
-            <a:effectRef idx="0">
-              <a:schemeClr val="accent3"/>
-            </a:effectRef>
-            <a:fontRef idx="minor">
-              <a:schemeClr val="tx1"/>
-            </a:fontRef>
-          </p:style>
-        </p:cxnSp>
-      </p:grpSp>
+              <a:latin typeface="Segoe UI (Body)"/>
+              <a:cs typeface="Tahoma"/>
+            </a:endParaRPr>
+          </a:p>
+        </p:txBody>
+      </p:sp>
       <p:grpSp>
         <p:nvGrpSpPr>
           <p:cNvPr id="184" name="Group 183">
@@ -25908,7 +25413,7 @@
         </p:nvGrpSpPr>
         <p:grpSpPr>
           <a:xfrm>
-            <a:off x="1662022" y="2048901"/>
+            <a:off x="1662022" y="2381520"/>
             <a:ext cx="8873840" cy="1283113"/>
             <a:chOff x="1662022" y="2048901"/>
             <a:chExt cx="8873840" cy="1283113"/>
@@ -25984,7 +25489,7 @@
             <p:nvPr/>
           </p:nvPicPr>
           <p:blipFill>
-            <a:blip r:embed="rId5"/>
+            <a:blip r:embed="rId3"/>
             <a:stretch>
               <a:fillRect/>
             </a:stretch>
@@ -26097,13 +25602,13 @@
               <p:nvPr/>
             </p:nvPicPr>
             <p:blipFill>
-              <a:blip r:embed="rId6">
+              <a:blip r:embed="rId4">
                 <a:extLst>
                   <a:ext uri="{28A0092B-C50C-407E-A947-70E740481C1C}">
                     <a14:useLocalDpi xmlns:a14="http://schemas.microsoft.com/office/drawing/2010/main" val="0"/>
                   </a:ext>
                   <a:ext uri="{96DAC541-7B7A-43D3-8B79-37D633B846F1}">
-                    <asvg:svgBlip xmlns:asvg="http://schemas.microsoft.com/office/drawing/2016/SVG/main" r:embed="rId7"/>
+                    <asvg:svgBlip xmlns:asvg="http://schemas.microsoft.com/office/drawing/2016/SVG/main" r:embed="rId5"/>
                   </a:ext>
                 </a:extLst>
               </a:blip>
@@ -26232,13 +25737,13 @@
               <p:nvPr/>
             </p:nvPicPr>
             <p:blipFill>
-              <a:blip r:embed="rId6">
+              <a:blip r:embed="rId4">
                 <a:extLst>
                   <a:ext uri="{28A0092B-C50C-407E-A947-70E740481C1C}">
                     <a14:useLocalDpi xmlns:a14="http://schemas.microsoft.com/office/drawing/2010/main" val="0"/>
                   </a:ext>
                   <a:ext uri="{96DAC541-7B7A-43D3-8B79-37D633B846F1}">
-                    <asvg:svgBlip xmlns:asvg="http://schemas.microsoft.com/office/drawing/2016/SVG/main" r:embed="rId7"/>
+                    <asvg:svgBlip xmlns:asvg="http://schemas.microsoft.com/office/drawing/2016/SVG/main" r:embed="rId5"/>
                   </a:ext>
                 </a:extLst>
               </a:blip>
@@ -26337,10 +25842,10 @@
       </p:grpSp>
       <p:grpSp>
         <p:nvGrpSpPr>
-          <p:cNvPr id="189" name="Group 188">
+          <p:cNvPr id="6" name="Group 5">
             <a:extLst>
               <a:ext uri="{FF2B5EF4-FFF2-40B4-BE49-F238E27FC236}">
-                <a16:creationId xmlns:a16="http://schemas.microsoft.com/office/drawing/2014/main" id="{F6895235-0CBD-4877-AAB8-7DCBD0EAF6DF}"/>
+                <a16:creationId xmlns:a16="http://schemas.microsoft.com/office/drawing/2014/main" id="{90B3181F-8FE4-47CB-BC67-8FC436CF2500}"/>
               </a:ext>
             </a:extLst>
           </p:cNvPr>
@@ -26349,10 +25854,10 @@
         </p:nvGrpSpPr>
         <p:grpSpPr>
           <a:xfrm>
-            <a:off x="1662017" y="3496314"/>
-            <a:ext cx="8867960" cy="3300725"/>
+            <a:off x="1662017" y="3820466"/>
+            <a:ext cx="8867960" cy="2867695"/>
             <a:chOff x="1662017" y="3496314"/>
-            <a:chExt cx="8867960" cy="3300725"/>
+            <a:chExt cx="8867960" cy="2867695"/>
           </a:xfrm>
         </p:grpSpPr>
         <p:sp>
@@ -26370,7 +25875,7 @@
           <p:spPr>
             <a:xfrm>
               <a:off x="1662022" y="3869222"/>
-              <a:ext cx="8867955" cy="2927817"/>
+              <a:ext cx="8867955" cy="2494787"/>
             </a:xfrm>
             <a:prstGeom prst="rect">
               <a:avLst/>
@@ -26445,7 +25950,7 @@
               <p:nvPr/>
             </p:nvPicPr>
             <p:blipFill>
-              <a:blip r:embed="rId8"/>
+              <a:blip r:embed="rId6"/>
               <a:stretch>
                 <a:fillRect/>
               </a:stretch>
@@ -26560,7 +26065,7 @@
               <p:nvPr/>
             </p:nvPicPr>
             <p:blipFill>
-              <a:blip r:embed="rId8"/>
+              <a:blip r:embed="rId6"/>
               <a:stretch>
                 <a:fillRect/>
               </a:stretch>
@@ -26718,14 +26223,14 @@
             <p:nvPr/>
           </p:nvPicPr>
           <p:blipFill>
-            <a:blip r:embed="rId9"/>
+            <a:blip r:embed="rId7"/>
             <a:stretch>
               <a:fillRect/>
             </a:stretch>
           </p:blipFill>
           <p:spPr>
             <a:xfrm>
-              <a:off x="5814684" y="5650772"/>
+              <a:off x="5814684" y="5279353"/>
               <a:ext cx="562622" cy="560248"/>
             </a:xfrm>
             <a:prstGeom prst="rect">
@@ -26747,7 +26252,7 @@
           </p:nvSpPr>
           <p:spPr>
             <a:xfrm rot="5400000">
-              <a:off x="5877194" y="5615384"/>
+              <a:off x="5877194" y="5243965"/>
               <a:ext cx="437602" cy="1546662"/>
             </a:xfrm>
             <a:prstGeom prst="rect">
@@ -26815,7 +26320,7 @@
           <p:spPr>
             <a:xfrm>
               <a:off x="5428144" y="4457222"/>
-              <a:ext cx="589275" cy="1169673"/>
+              <a:ext cx="585665" cy="780331"/>
             </a:xfrm>
             <a:prstGeom prst="bentConnector2">
               <a:avLst/>
@@ -26860,8 +26365,8 @@
           </p:nvCxnSpPr>
           <p:spPr>
             <a:xfrm rot="10800000" flipV="1">
-              <a:off x="6220203" y="4457222"/>
-              <a:ext cx="682018" cy="1169672"/>
+              <a:off x="6244257" y="4457221"/>
+              <a:ext cx="657964" cy="780331"/>
             </a:xfrm>
             <a:prstGeom prst="bentConnector2">
               <a:avLst/>
@@ -26924,7 +26429,7 @@
               <p:nvPr/>
             </p:nvPicPr>
             <p:blipFill>
-              <a:blip r:embed="rId8"/>
+              <a:blip r:embed="rId6"/>
               <a:stretch>
                 <a:fillRect/>
               </a:stretch>
@@ -26979,7 +26484,7 @@
               </a:fontRef>
             </p:style>
             <p:txBody>
-              <a:bodyPr vert="vert270" rtlCol="0" anchor="ctr"/>
+              <a:bodyPr vert="vert270" rtlCol="0" anchor="t"/>
               <a:lstStyle/>
               <a:p>
                 <a:pPr algn="ctr"/>
@@ -27039,7 +26544,7 @@
               <p:nvPr/>
             </p:nvPicPr>
             <p:blipFill>
-              <a:blip r:embed="rId8"/>
+              <a:blip r:embed="rId6"/>
               <a:stretch>
                 <a:fillRect/>
               </a:stretch>
@@ -27094,7 +26599,7 @@
               </a:fontRef>
             </p:style>
             <p:txBody>
-              <a:bodyPr vert="vert270" rtlCol="0" anchor="ctr"/>
+              <a:bodyPr vert="vert270" rtlCol="0" anchor="t"/>
               <a:lstStyle/>
               <a:p>
                 <a:pPr algn="ctr"/>
@@ -27227,14 +26732,14 @@
             <p:nvPr/>
           </p:nvPicPr>
           <p:blipFill>
-            <a:blip r:embed="rId10"/>
+            <a:blip r:embed="rId8"/>
             <a:stretch>
               <a:fillRect/>
             </a:stretch>
           </p:blipFill>
           <p:spPr>
             <a:xfrm>
-              <a:off x="2763228" y="5703664"/>
+              <a:off x="2763228" y="5332245"/>
               <a:ext cx="583908" cy="497676"/>
             </a:xfrm>
             <a:prstGeom prst="rect">
@@ -27256,7 +26761,7 @@
           </p:nvSpPr>
           <p:spPr>
             <a:xfrm rot="5400000">
-              <a:off x="2836381" y="5530982"/>
+              <a:off x="2836381" y="5159563"/>
               <a:ext cx="437602" cy="1814968"/>
             </a:xfrm>
             <a:prstGeom prst="rect">
@@ -27344,8 +26849,8 @@
         </p:nvCxnSpPr>
         <p:spPr>
           <a:xfrm rot="5400000">
-            <a:off x="5100803" y="1677453"/>
-            <a:ext cx="909385" cy="1081001"/>
+            <a:off x="5154258" y="2063527"/>
+            <a:ext cx="802475" cy="1081001"/>
           </a:xfrm>
           <a:prstGeom prst="bentConnector3">
             <a:avLst>
@@ -27393,8 +26898,8 @@
         </p:nvCxnSpPr>
         <p:spPr>
           <a:xfrm rot="16200000" flipH="1">
-            <a:off x="6258529" y="1600727"/>
-            <a:ext cx="894308" cy="1219376"/>
+            <a:off x="6311984" y="1986801"/>
+            <a:ext cx="787398" cy="1219376"/>
           </a:xfrm>
           <a:prstGeom prst="bentConnector3">
             <a:avLst>
@@ -27442,8 +26947,8 @@
         </p:nvCxnSpPr>
         <p:spPr>
           <a:xfrm>
-            <a:off x="7315371" y="3096253"/>
-            <a:ext cx="0" cy="1038422"/>
+            <a:off x="7315371" y="3428872"/>
+            <a:ext cx="0" cy="1029955"/>
           </a:xfrm>
           <a:prstGeom prst="straightConnector1">
             <a:avLst/>
@@ -27489,8 +26994,8 @@
         </p:nvCxnSpPr>
         <p:spPr>
           <a:xfrm>
-            <a:off x="5014994" y="3111330"/>
-            <a:ext cx="0" cy="1023345"/>
+            <a:off x="5014994" y="3443949"/>
+            <a:ext cx="0" cy="1014878"/>
           </a:xfrm>
           <a:prstGeom prst="straightConnector1">
             <a:avLst/>
@@ -27536,12 +27041,12 @@
         </p:nvCxnSpPr>
         <p:spPr>
           <a:xfrm flipV="1">
-            <a:off x="9691103" y="1155313"/>
-            <a:ext cx="838874" cy="3301909"/>
+            <a:off x="9691103" y="1323915"/>
+            <a:ext cx="838874" cy="3457459"/>
           </a:xfrm>
           <a:prstGeom prst="bentConnector3">
             <a:avLst>
-              <a:gd name="adj1" fmla="val 197178"/>
+              <a:gd name="adj1" fmla="val 144283"/>
             </a:avLst>
           </a:prstGeom>
           <a:ln w="19050">
@@ -27586,7 +27091,7 @@
         <p:spPr>
           <a:xfrm rot="10800000">
             <a:off x="773248" y="3482080"/>
-            <a:ext cx="1868784" cy="975142"/>
+            <a:ext cx="1868784" cy="1299294"/>
           </a:xfrm>
           <a:prstGeom prst="bentConnector2">
             <a:avLst/>
@@ -27631,7 +27136,7 @@
         </p:nvCxnSpPr>
         <p:spPr>
           <a:xfrm rot="16200000" flipH="1">
-            <a:off x="476538" y="3665811"/>
+            <a:off x="476538" y="3618544"/>
             <a:ext cx="2461773" cy="2111608"/>
           </a:xfrm>
           <a:prstGeom prst="bentConnector2">
@@ -27719,6 +27224,1014 @@
                 <a:srgbClr val="080808"/>
               </a:solidFill>
               <a:latin typeface="Segoe UI (Body)"/>
+              <a:cs typeface="Tahoma"/>
+            </a:endParaRPr>
+          </a:p>
+        </p:txBody>
+      </p:sp>
+      <p:grpSp>
+        <p:nvGrpSpPr>
+          <p:cNvPr id="33" name="Group 32">
+            <a:extLst>
+              <a:ext uri="{FF2B5EF4-FFF2-40B4-BE49-F238E27FC236}">
+                <a16:creationId xmlns:a16="http://schemas.microsoft.com/office/drawing/2014/main" id="{6C6E3BC0-4B1F-4F6C-AC68-75592248D943}"/>
+              </a:ext>
+            </a:extLst>
+          </p:cNvPr>
+          <p:cNvGrpSpPr/>
+          <p:nvPr/>
+        </p:nvGrpSpPr>
+        <p:grpSpPr>
+          <a:xfrm>
+            <a:off x="1662022" y="347115"/>
+            <a:ext cx="8867955" cy="1953599"/>
+            <a:chOff x="1662022" y="347115"/>
+            <a:chExt cx="8867955" cy="1953599"/>
+          </a:xfrm>
+        </p:grpSpPr>
+        <p:sp>
+          <p:nvSpPr>
+            <p:cNvPr id="13" name="Rectangle 12">
+              <a:extLst>
+                <a:ext uri="{FF2B5EF4-FFF2-40B4-BE49-F238E27FC236}">
+                  <a16:creationId xmlns:a16="http://schemas.microsoft.com/office/drawing/2014/main" id="{F2A22F9F-1A05-42B7-8524-1A09BE1A5D06}"/>
+                </a:ext>
+              </a:extLst>
+            </p:cNvPr>
+            <p:cNvSpPr/>
+            <p:nvPr/>
+          </p:nvSpPr>
+          <p:spPr>
+            <a:xfrm>
+              <a:off x="1662022" y="347115"/>
+              <a:ext cx="8867955" cy="1953599"/>
+            </a:xfrm>
+            <a:prstGeom prst="rect">
+              <a:avLst/>
+            </a:prstGeom>
+            <a:ln>
+              <a:solidFill>
+                <a:srgbClr val="0070C0"/>
+              </a:solidFill>
+            </a:ln>
+          </p:spPr>
+          <p:style>
+            <a:lnRef idx="2">
+              <a:schemeClr val="accent3"/>
+            </a:lnRef>
+            <a:fillRef idx="1">
+              <a:schemeClr val="lt1"/>
+            </a:fillRef>
+            <a:effectRef idx="0">
+              <a:schemeClr val="accent3"/>
+            </a:effectRef>
+            <a:fontRef idx="minor">
+              <a:schemeClr val="dk1"/>
+            </a:fontRef>
+          </p:style>
+          <p:txBody>
+            <a:bodyPr rtlCol="0" anchor="ctr"/>
+            <a:lstStyle/>
+            <a:p>
+              <a:pPr algn="ctr"/>
+              <a:endParaRPr lang="en-BE" dirty="0" err="1">
+                <a:solidFill>
+                  <a:schemeClr val="bg1"/>
+                </a:solidFill>
+                <a:latin typeface="Tahoma"/>
+                <a:cs typeface="Tahoma"/>
+              </a:endParaRPr>
+            </a:p>
+          </p:txBody>
+        </p:sp>
+        <p:grpSp>
+          <p:nvGrpSpPr>
+            <p:cNvPr id="34" name="Group 33">
+              <a:extLst>
+                <a:ext uri="{FF2B5EF4-FFF2-40B4-BE49-F238E27FC236}">
+                  <a16:creationId xmlns:a16="http://schemas.microsoft.com/office/drawing/2014/main" id="{D8241CF7-0EC4-4317-8597-6B12FF0A0CAA}"/>
+                </a:ext>
+              </a:extLst>
+            </p:cNvPr>
+            <p:cNvGrpSpPr/>
+            <p:nvPr/>
+          </p:nvGrpSpPr>
+          <p:grpSpPr>
+            <a:xfrm>
+              <a:off x="4065242" y="933521"/>
+              <a:ext cx="4061513" cy="631706"/>
+              <a:chOff x="3129055" y="741781"/>
+              <a:chExt cx="4061513" cy="631706"/>
+            </a:xfrm>
+          </p:grpSpPr>
+          <p:pic>
+            <p:nvPicPr>
+              <p:cNvPr id="25" name="Picture 24">
+                <a:extLst>
+                  <a:ext uri="{FF2B5EF4-FFF2-40B4-BE49-F238E27FC236}">
+                    <a16:creationId xmlns:a16="http://schemas.microsoft.com/office/drawing/2014/main" id="{54199215-15FE-4860-8FAD-96063DC0D153}"/>
+                  </a:ext>
+                </a:extLst>
+              </p:cNvPr>
+              <p:cNvPicPr>
+                <a:picLocks noChangeAspect="1"/>
+              </p:cNvPicPr>
+              <p:nvPr/>
+            </p:nvPicPr>
+            <p:blipFill>
+              <a:blip r:embed="rId9"/>
+              <a:stretch>
+                <a:fillRect/>
+              </a:stretch>
+            </p:blipFill>
+            <p:spPr>
+              <a:xfrm>
+                <a:off x="3129055" y="748812"/>
+                <a:ext cx="616163" cy="616163"/>
+              </a:xfrm>
+              <a:prstGeom prst="rect">
+                <a:avLst/>
+              </a:prstGeom>
+            </p:spPr>
+          </p:pic>
+          <p:pic>
+            <p:nvPicPr>
+              <p:cNvPr id="26" name="Picture 25">
+                <a:extLst>
+                  <a:ext uri="{FF2B5EF4-FFF2-40B4-BE49-F238E27FC236}">
+                    <a16:creationId xmlns:a16="http://schemas.microsoft.com/office/drawing/2014/main" id="{A027AF7B-7479-4D09-A7E4-425BD744C380}"/>
+                  </a:ext>
+                </a:extLst>
+              </p:cNvPr>
+              <p:cNvPicPr>
+                <a:picLocks noChangeAspect="1"/>
+              </p:cNvPicPr>
+              <p:nvPr/>
+            </p:nvPicPr>
+            <p:blipFill>
+              <a:blip r:embed="rId9"/>
+              <a:stretch>
+                <a:fillRect/>
+              </a:stretch>
+            </p:blipFill>
+            <p:spPr>
+              <a:xfrm>
+                <a:off x="4107431" y="753522"/>
+                <a:ext cx="616163" cy="616163"/>
+              </a:xfrm>
+              <a:prstGeom prst="rect">
+                <a:avLst/>
+              </a:prstGeom>
+            </p:spPr>
+          </p:pic>
+          <p:pic>
+            <p:nvPicPr>
+              <p:cNvPr id="30" name="Picture 29">
+                <a:extLst>
+                  <a:ext uri="{FF2B5EF4-FFF2-40B4-BE49-F238E27FC236}">
+                    <a16:creationId xmlns:a16="http://schemas.microsoft.com/office/drawing/2014/main" id="{BBD9A6D4-D91D-49D4-BC85-54E3A9F57236}"/>
+                  </a:ext>
+                </a:extLst>
+              </p:cNvPr>
+              <p:cNvPicPr>
+                <a:picLocks noChangeAspect="1"/>
+              </p:cNvPicPr>
+              <p:nvPr/>
+            </p:nvPicPr>
+            <p:blipFill>
+              <a:blip r:embed="rId9"/>
+              <a:stretch>
+                <a:fillRect/>
+              </a:stretch>
+            </p:blipFill>
+            <p:spPr>
+              <a:xfrm>
+                <a:off x="5596029" y="757324"/>
+                <a:ext cx="616163" cy="616163"/>
+              </a:xfrm>
+              <a:prstGeom prst="rect">
+                <a:avLst/>
+              </a:prstGeom>
+            </p:spPr>
+          </p:pic>
+          <p:pic>
+            <p:nvPicPr>
+              <p:cNvPr id="31" name="Picture 30">
+                <a:extLst>
+                  <a:ext uri="{FF2B5EF4-FFF2-40B4-BE49-F238E27FC236}">
+                    <a16:creationId xmlns:a16="http://schemas.microsoft.com/office/drawing/2014/main" id="{32A0AEEB-6624-4C9C-BA6F-8EB1B5F0F429}"/>
+                  </a:ext>
+                </a:extLst>
+              </p:cNvPr>
+              <p:cNvPicPr>
+                <a:picLocks noChangeAspect="1"/>
+              </p:cNvPicPr>
+              <p:nvPr/>
+            </p:nvPicPr>
+            <p:blipFill>
+              <a:blip r:embed="rId9"/>
+              <a:stretch>
+                <a:fillRect/>
+              </a:stretch>
+            </p:blipFill>
+            <p:spPr>
+              <a:xfrm>
+                <a:off x="6574405" y="757323"/>
+                <a:ext cx="616163" cy="616163"/>
+              </a:xfrm>
+              <a:prstGeom prst="rect">
+                <a:avLst/>
+              </a:prstGeom>
+            </p:spPr>
+          </p:pic>
+          <p:sp>
+            <p:nvSpPr>
+              <p:cNvPr id="32" name="Rectangle 31">
+                <a:extLst>
+                  <a:ext uri="{FF2B5EF4-FFF2-40B4-BE49-F238E27FC236}">
+                    <a16:creationId xmlns:a16="http://schemas.microsoft.com/office/drawing/2014/main" id="{0CFAEC96-5AB4-4AD6-BFC5-C35013244E84}"/>
+                  </a:ext>
+                </a:extLst>
+              </p:cNvPr>
+              <p:cNvSpPr/>
+              <p:nvPr/>
+            </p:nvSpPr>
+            <p:spPr>
+              <a:xfrm rot="5400000">
+                <a:off x="4851731" y="613643"/>
+                <a:ext cx="616162" cy="872437"/>
+              </a:xfrm>
+              <a:prstGeom prst="rect">
+                <a:avLst/>
+              </a:prstGeom>
+              <a:noFill/>
+              <a:ln w="19050">
+                <a:noFill/>
+              </a:ln>
+            </p:spPr>
+            <p:style>
+              <a:lnRef idx="2">
+                <a:schemeClr val="accent2"/>
+              </a:lnRef>
+              <a:fillRef idx="1">
+                <a:schemeClr val="lt1"/>
+              </a:fillRef>
+              <a:effectRef idx="0">
+                <a:schemeClr val="accent2"/>
+              </a:effectRef>
+              <a:fontRef idx="minor">
+                <a:schemeClr val="dk1"/>
+              </a:fontRef>
+            </p:style>
+            <p:txBody>
+              <a:bodyPr vert="vert270" rtlCol="0" anchor="ctr"/>
+              <a:lstStyle/>
+              <a:p>
+                <a:pPr algn="ctr"/>
+                <a:r>
+                  <a:rPr lang="en-US" sz="1200" dirty="0">
+                    <a:solidFill>
+                      <a:srgbClr val="080808"/>
+                    </a:solidFill>
+                    <a:latin typeface="Segoe UI (Body)"/>
+                    <a:cs typeface="Tahoma"/>
+                  </a:rPr>
+                  <a:t>……..</a:t>
+                </a:r>
+                <a:endParaRPr lang="en-BE" sz="1200" dirty="0" err="1">
+                  <a:solidFill>
+                    <a:srgbClr val="080808"/>
+                  </a:solidFill>
+                  <a:latin typeface="Segoe UI (Body)"/>
+                  <a:cs typeface="Tahoma"/>
+                </a:endParaRPr>
+              </a:p>
+            </p:txBody>
+          </p:sp>
+        </p:grpSp>
+        <p:pic>
+          <p:nvPicPr>
+            <p:cNvPr id="136" name="Picture 135">
+              <a:extLst>
+                <a:ext uri="{FF2B5EF4-FFF2-40B4-BE49-F238E27FC236}">
+                  <a16:creationId xmlns:a16="http://schemas.microsoft.com/office/drawing/2014/main" id="{5F019165-5A39-4462-9F4B-DAB7F66A4CFD}"/>
+                </a:ext>
+              </a:extLst>
+            </p:cNvPr>
+            <p:cNvPicPr>
+              <a:picLocks noChangeAspect="1"/>
+            </p:cNvPicPr>
+            <p:nvPr/>
+          </p:nvPicPr>
+          <p:blipFill>
+            <a:blip r:embed="rId10"/>
+            <a:stretch>
+              <a:fillRect/>
+            </a:stretch>
+          </p:blipFill>
+          <p:spPr>
+            <a:xfrm>
+              <a:off x="5872663" y="1756127"/>
+              <a:ext cx="446663" cy="446663"/>
+            </a:xfrm>
+            <a:prstGeom prst="rect">
+              <a:avLst/>
+            </a:prstGeom>
+          </p:spPr>
+        </p:pic>
+        <p:cxnSp>
+          <p:nvCxnSpPr>
+            <p:cNvPr id="145" name="Connector: Elbow 144">
+              <a:extLst>
+                <a:ext uri="{FF2B5EF4-FFF2-40B4-BE49-F238E27FC236}">
+                  <a16:creationId xmlns:a16="http://schemas.microsoft.com/office/drawing/2014/main" id="{61AEB452-4A01-49DE-AFFC-9B3E5E146698}"/>
+                </a:ext>
+              </a:extLst>
+            </p:cNvPr>
+            <p:cNvCxnSpPr>
+              <a:cxnSpLocks/>
+              <a:stCxn id="26" idx="2"/>
+            </p:cNvCxnSpPr>
+            <p:nvPr/>
+          </p:nvCxnSpPr>
+          <p:spPr>
+            <a:xfrm rot="16200000" flipH="1">
+              <a:off x="5428740" y="1484384"/>
+              <a:ext cx="342573" cy="496653"/>
+            </a:xfrm>
+            <a:prstGeom prst="bentConnector2">
+              <a:avLst/>
+            </a:prstGeom>
+            <a:ln w="19050">
+              <a:solidFill>
+                <a:schemeClr val="accent1"/>
+              </a:solidFill>
+              <a:prstDash val="sysDot"/>
+              <a:tailEnd type="triangle"/>
+            </a:ln>
+          </p:spPr>
+          <p:style>
+            <a:lnRef idx="1">
+              <a:schemeClr val="accent3"/>
+            </a:lnRef>
+            <a:fillRef idx="0">
+              <a:schemeClr val="accent3"/>
+            </a:fillRef>
+            <a:effectRef idx="0">
+              <a:schemeClr val="accent3"/>
+            </a:effectRef>
+            <a:fontRef idx="minor">
+              <a:schemeClr val="tx1"/>
+            </a:fontRef>
+          </p:style>
+        </p:cxnSp>
+        <p:cxnSp>
+          <p:nvCxnSpPr>
+            <p:cNvPr id="150" name="Connector: Elbow 149">
+              <a:extLst>
+                <a:ext uri="{FF2B5EF4-FFF2-40B4-BE49-F238E27FC236}">
+                  <a16:creationId xmlns:a16="http://schemas.microsoft.com/office/drawing/2014/main" id="{4294EB57-D253-43C9-8C3C-454DBD6C3372}"/>
+                </a:ext>
+              </a:extLst>
+            </p:cNvPr>
+            <p:cNvCxnSpPr>
+              <a:cxnSpLocks/>
+              <a:stCxn id="25" idx="2"/>
+            </p:cNvCxnSpPr>
+            <p:nvPr/>
+          </p:nvCxnSpPr>
+          <p:spPr>
+            <a:xfrm rot="16200000" flipH="1">
+              <a:off x="4854783" y="1075255"/>
+              <a:ext cx="512110" cy="1475029"/>
+            </a:xfrm>
+            <a:prstGeom prst="bentConnector2">
+              <a:avLst/>
+            </a:prstGeom>
+            <a:ln w="19050">
+              <a:solidFill>
+                <a:schemeClr val="accent1"/>
+              </a:solidFill>
+              <a:prstDash val="sysDot"/>
+              <a:tailEnd type="triangle"/>
+            </a:ln>
+          </p:spPr>
+          <p:style>
+            <a:lnRef idx="1">
+              <a:schemeClr val="accent3"/>
+            </a:lnRef>
+            <a:fillRef idx="0">
+              <a:schemeClr val="accent3"/>
+            </a:fillRef>
+            <a:effectRef idx="0">
+              <a:schemeClr val="accent3"/>
+            </a:effectRef>
+            <a:fontRef idx="minor">
+              <a:schemeClr val="tx1"/>
+            </a:fontRef>
+          </p:style>
+        </p:cxnSp>
+        <p:cxnSp>
+          <p:nvCxnSpPr>
+            <p:cNvPr id="153" name="Connector: Elbow 152">
+              <a:extLst>
+                <a:ext uri="{FF2B5EF4-FFF2-40B4-BE49-F238E27FC236}">
+                  <a16:creationId xmlns:a16="http://schemas.microsoft.com/office/drawing/2014/main" id="{44A029BF-F4D3-489C-9C28-36A7E7C69A53}"/>
+                </a:ext>
+              </a:extLst>
+            </p:cNvPr>
+            <p:cNvCxnSpPr>
+              <a:cxnSpLocks/>
+              <a:stCxn id="31" idx="2"/>
+            </p:cNvCxnSpPr>
+            <p:nvPr/>
+          </p:nvCxnSpPr>
+          <p:spPr>
+            <a:xfrm rot="5400000">
+              <a:off x="6829361" y="1079511"/>
+              <a:ext cx="503599" cy="1475029"/>
+            </a:xfrm>
+            <a:prstGeom prst="bentConnector2">
+              <a:avLst/>
+            </a:prstGeom>
+            <a:ln w="19050">
+              <a:solidFill>
+                <a:schemeClr val="accent1"/>
+              </a:solidFill>
+              <a:prstDash val="sysDot"/>
+              <a:tailEnd type="triangle"/>
+            </a:ln>
+          </p:spPr>
+          <p:style>
+            <a:lnRef idx="1">
+              <a:schemeClr val="accent3"/>
+            </a:lnRef>
+            <a:fillRef idx="0">
+              <a:schemeClr val="accent3"/>
+            </a:fillRef>
+            <a:effectRef idx="0">
+              <a:schemeClr val="accent3"/>
+            </a:effectRef>
+            <a:fontRef idx="minor">
+              <a:schemeClr val="tx1"/>
+            </a:fontRef>
+          </p:style>
+        </p:cxnSp>
+        <p:cxnSp>
+          <p:nvCxnSpPr>
+            <p:cNvPr id="159" name="Connector: Elbow 158">
+              <a:extLst>
+                <a:ext uri="{FF2B5EF4-FFF2-40B4-BE49-F238E27FC236}">
+                  <a16:creationId xmlns:a16="http://schemas.microsoft.com/office/drawing/2014/main" id="{BE73164F-0C2D-4A0C-971C-F9AC4C4DD39C}"/>
+                </a:ext>
+              </a:extLst>
+            </p:cNvPr>
+            <p:cNvCxnSpPr>
+              <a:cxnSpLocks/>
+              <a:stCxn id="30" idx="2"/>
+            </p:cNvCxnSpPr>
+            <p:nvPr/>
+          </p:nvCxnSpPr>
+          <p:spPr>
+            <a:xfrm rot="5400000">
+              <a:off x="6431287" y="1477586"/>
+              <a:ext cx="321370" cy="496652"/>
+            </a:xfrm>
+            <a:prstGeom prst="bentConnector2">
+              <a:avLst/>
+            </a:prstGeom>
+            <a:ln w="19050">
+              <a:solidFill>
+                <a:schemeClr val="accent1"/>
+              </a:solidFill>
+              <a:prstDash val="sysDot"/>
+              <a:tailEnd type="triangle"/>
+            </a:ln>
+          </p:spPr>
+          <p:style>
+            <a:lnRef idx="1">
+              <a:schemeClr val="accent3"/>
+            </a:lnRef>
+            <a:fillRef idx="0">
+              <a:schemeClr val="accent3"/>
+            </a:fillRef>
+            <a:effectRef idx="0">
+              <a:schemeClr val="accent3"/>
+            </a:effectRef>
+            <a:fontRef idx="minor">
+              <a:schemeClr val="tx1"/>
+            </a:fontRef>
+          </p:style>
+        </p:cxnSp>
+        <p:pic>
+          <p:nvPicPr>
+            <p:cNvPr id="17" name="Picture 16">
+              <a:extLst>
+                <a:ext uri="{FF2B5EF4-FFF2-40B4-BE49-F238E27FC236}">
+                  <a16:creationId xmlns:a16="http://schemas.microsoft.com/office/drawing/2014/main" id="{B98D6CD7-1B90-4F78-8D17-5CA3879D5907}"/>
+                </a:ext>
+              </a:extLst>
+            </p:cNvPr>
+            <p:cNvPicPr>
+              <a:picLocks noChangeAspect="1"/>
+            </p:cNvPicPr>
+            <p:nvPr/>
+          </p:nvPicPr>
+          <p:blipFill>
+            <a:blip r:embed="rId11"/>
+            <a:stretch>
+              <a:fillRect/>
+            </a:stretch>
+          </p:blipFill>
+          <p:spPr>
+            <a:xfrm>
+              <a:off x="5791921" y="426766"/>
+              <a:ext cx="600620" cy="600620"/>
+            </a:xfrm>
+            <a:prstGeom prst="rect">
+              <a:avLst/>
+            </a:prstGeom>
+          </p:spPr>
+        </p:pic>
+        <p:cxnSp>
+          <p:nvCxnSpPr>
+            <p:cNvPr id="70" name="Connector: Elbow 69">
+              <a:extLst>
+                <a:ext uri="{FF2B5EF4-FFF2-40B4-BE49-F238E27FC236}">
+                  <a16:creationId xmlns:a16="http://schemas.microsoft.com/office/drawing/2014/main" id="{22635DB3-EE01-41A6-8187-BDF938E65A54}"/>
+                </a:ext>
+              </a:extLst>
+            </p:cNvPr>
+            <p:cNvCxnSpPr>
+              <a:cxnSpLocks/>
+              <a:stCxn id="17" idx="3"/>
+              <a:endCxn id="31" idx="0"/>
+            </p:cNvCxnSpPr>
+            <p:nvPr/>
+          </p:nvCxnSpPr>
+          <p:spPr>
+            <a:xfrm>
+              <a:off x="6392541" y="727076"/>
+              <a:ext cx="1426133" cy="221987"/>
+            </a:xfrm>
+            <a:prstGeom prst="bentConnector2">
+              <a:avLst/>
+            </a:prstGeom>
+            <a:ln w="19050">
+              <a:solidFill>
+                <a:schemeClr val="accent1"/>
+              </a:solidFill>
+              <a:prstDash val="solid"/>
+              <a:tailEnd type="triangle"/>
+            </a:ln>
+          </p:spPr>
+          <p:style>
+            <a:lnRef idx="1">
+              <a:schemeClr val="accent3"/>
+            </a:lnRef>
+            <a:fillRef idx="0">
+              <a:schemeClr val="accent3"/>
+            </a:fillRef>
+            <a:effectRef idx="0">
+              <a:schemeClr val="accent3"/>
+            </a:effectRef>
+            <a:fontRef idx="minor">
+              <a:schemeClr val="tx1"/>
+            </a:fontRef>
+          </p:style>
+        </p:cxnSp>
+        <p:cxnSp>
+          <p:nvCxnSpPr>
+            <p:cNvPr id="74" name="Connector: Elbow 73">
+              <a:extLst>
+                <a:ext uri="{FF2B5EF4-FFF2-40B4-BE49-F238E27FC236}">
+                  <a16:creationId xmlns:a16="http://schemas.microsoft.com/office/drawing/2014/main" id="{7682DBFF-A857-4D16-8335-42ED71A21756}"/>
+                </a:ext>
+              </a:extLst>
+            </p:cNvPr>
+            <p:cNvCxnSpPr>
+              <a:cxnSpLocks/>
+              <a:stCxn id="17" idx="3"/>
+              <a:endCxn id="30" idx="0"/>
+            </p:cNvCxnSpPr>
+            <p:nvPr/>
+          </p:nvCxnSpPr>
+          <p:spPr>
+            <a:xfrm>
+              <a:off x="6392541" y="727076"/>
+              <a:ext cx="447757" cy="221988"/>
+            </a:xfrm>
+            <a:prstGeom prst="bentConnector2">
+              <a:avLst/>
+            </a:prstGeom>
+            <a:ln w="19050">
+              <a:solidFill>
+                <a:schemeClr val="accent1"/>
+              </a:solidFill>
+              <a:prstDash val="solid"/>
+              <a:tailEnd type="triangle"/>
+            </a:ln>
+          </p:spPr>
+          <p:style>
+            <a:lnRef idx="1">
+              <a:schemeClr val="accent3"/>
+            </a:lnRef>
+            <a:fillRef idx="0">
+              <a:schemeClr val="accent3"/>
+            </a:fillRef>
+            <a:effectRef idx="0">
+              <a:schemeClr val="accent3"/>
+            </a:effectRef>
+            <a:fontRef idx="minor">
+              <a:schemeClr val="tx1"/>
+            </a:fontRef>
+          </p:style>
+        </p:cxnSp>
+        <p:cxnSp>
+          <p:nvCxnSpPr>
+            <p:cNvPr id="77" name="Connector: Elbow 76">
+              <a:extLst>
+                <a:ext uri="{FF2B5EF4-FFF2-40B4-BE49-F238E27FC236}">
+                  <a16:creationId xmlns:a16="http://schemas.microsoft.com/office/drawing/2014/main" id="{6740CF15-7313-49FF-A3F2-8781D68A4552}"/>
+                </a:ext>
+              </a:extLst>
+            </p:cNvPr>
+            <p:cNvCxnSpPr>
+              <a:cxnSpLocks/>
+              <a:stCxn id="17" idx="1"/>
+              <a:endCxn id="26" idx="0"/>
+            </p:cNvCxnSpPr>
+            <p:nvPr/>
+          </p:nvCxnSpPr>
+          <p:spPr>
+            <a:xfrm rot="10800000" flipV="1">
+              <a:off x="5351701" y="727076"/>
+              <a:ext cx="440221" cy="218186"/>
+            </a:xfrm>
+            <a:prstGeom prst="bentConnector2">
+              <a:avLst/>
+            </a:prstGeom>
+            <a:ln w="19050">
+              <a:solidFill>
+                <a:schemeClr val="accent1"/>
+              </a:solidFill>
+              <a:prstDash val="solid"/>
+              <a:tailEnd type="triangle"/>
+            </a:ln>
+          </p:spPr>
+          <p:style>
+            <a:lnRef idx="1">
+              <a:schemeClr val="accent3"/>
+            </a:lnRef>
+            <a:fillRef idx="0">
+              <a:schemeClr val="accent3"/>
+            </a:fillRef>
+            <a:effectRef idx="0">
+              <a:schemeClr val="accent3"/>
+            </a:effectRef>
+            <a:fontRef idx="minor">
+              <a:schemeClr val="tx1"/>
+            </a:fontRef>
+          </p:style>
+        </p:cxnSp>
+        <p:cxnSp>
+          <p:nvCxnSpPr>
+            <p:cNvPr id="80" name="Connector: Elbow 79">
+              <a:extLst>
+                <a:ext uri="{FF2B5EF4-FFF2-40B4-BE49-F238E27FC236}">
+                  <a16:creationId xmlns:a16="http://schemas.microsoft.com/office/drawing/2014/main" id="{B12664EB-CF16-4E82-A91A-22FC638738F7}"/>
+                </a:ext>
+              </a:extLst>
+            </p:cNvPr>
+            <p:cNvCxnSpPr>
+              <a:cxnSpLocks/>
+              <a:stCxn id="17" idx="1"/>
+              <a:endCxn id="25" idx="0"/>
+            </p:cNvCxnSpPr>
+            <p:nvPr/>
+          </p:nvCxnSpPr>
+          <p:spPr>
+            <a:xfrm rot="10800000" flipV="1">
+              <a:off x="4373325" y="727076"/>
+              <a:ext cx="1418597" cy="213476"/>
+            </a:xfrm>
+            <a:prstGeom prst="bentConnector2">
+              <a:avLst/>
+            </a:prstGeom>
+            <a:ln w="19050">
+              <a:solidFill>
+                <a:schemeClr val="accent1"/>
+              </a:solidFill>
+              <a:prstDash val="solid"/>
+              <a:tailEnd type="triangle"/>
+            </a:ln>
+          </p:spPr>
+          <p:style>
+            <a:lnRef idx="1">
+              <a:schemeClr val="accent3"/>
+            </a:lnRef>
+            <a:fillRef idx="0">
+              <a:schemeClr val="accent3"/>
+            </a:fillRef>
+            <a:effectRef idx="0">
+              <a:schemeClr val="accent3"/>
+            </a:effectRef>
+            <a:fontRef idx="minor">
+              <a:schemeClr val="tx1"/>
+            </a:fontRef>
+          </p:style>
+        </p:cxnSp>
+      </p:grpSp>
+      <p:sp>
+        <p:nvSpPr>
+          <p:cNvPr id="39" name="Oval 38">
+            <a:extLst>
+              <a:ext uri="{FF2B5EF4-FFF2-40B4-BE49-F238E27FC236}">
+                <a16:creationId xmlns:a16="http://schemas.microsoft.com/office/drawing/2014/main" id="{C2DD5394-0E51-4EA4-9850-C1A444DE83DF}"/>
+              </a:ext>
+            </a:extLst>
+          </p:cNvPr>
+          <p:cNvSpPr/>
+          <p:nvPr/>
+        </p:nvSpPr>
+        <p:spPr>
+          <a:xfrm>
+            <a:off x="6003563" y="3104707"/>
+            <a:ext cx="202242" cy="194557"/>
+          </a:xfrm>
+          <a:prstGeom prst="ellipse">
+            <a:avLst/>
+          </a:prstGeom>
+          <a:ln w="12700"/>
+        </p:spPr>
+        <p:style>
+          <a:lnRef idx="2">
+            <a:schemeClr val="dk1"/>
+          </a:lnRef>
+          <a:fillRef idx="1">
+            <a:schemeClr val="lt1"/>
+          </a:fillRef>
+          <a:effectRef idx="0">
+            <a:schemeClr val="dk1"/>
+          </a:effectRef>
+          <a:fontRef idx="minor">
+            <a:schemeClr val="dk1"/>
+          </a:fontRef>
+        </p:style>
+        <p:txBody>
+          <a:bodyPr rtlCol="0" anchor="ctr"/>
+          <a:lstStyle/>
+          <a:p>
+            <a:pPr algn="ctr"/>
+            <a:r>
+              <a:rPr lang="en-US" sz="1400" dirty="0">
+                <a:solidFill>
+                  <a:srgbClr val="080808"/>
+                </a:solidFill>
+                <a:cs typeface="Tahoma"/>
+              </a:rPr>
+              <a:t>1</a:t>
+            </a:r>
+            <a:endParaRPr lang="LID4096" sz="1400" dirty="0" err="1">
+              <a:solidFill>
+                <a:srgbClr val="080808"/>
+              </a:solidFill>
+              <a:cs typeface="Tahoma"/>
+            </a:endParaRPr>
+          </a:p>
+        </p:txBody>
+      </p:sp>
+      <p:sp>
+        <p:nvSpPr>
+          <p:cNvPr id="43" name="Oval 42">
+            <a:extLst>
+              <a:ext uri="{FF2B5EF4-FFF2-40B4-BE49-F238E27FC236}">
+                <a16:creationId xmlns:a16="http://schemas.microsoft.com/office/drawing/2014/main" id="{919D2FB1-190A-4BD5-BEC3-F2B3A3415CAF}"/>
+              </a:ext>
+            </a:extLst>
+          </p:cNvPr>
+          <p:cNvSpPr/>
+          <p:nvPr/>
+        </p:nvSpPr>
+        <p:spPr>
+          <a:xfrm>
+            <a:off x="5994873" y="4439989"/>
+            <a:ext cx="202242" cy="194557"/>
+          </a:xfrm>
+          <a:prstGeom prst="ellipse">
+            <a:avLst/>
+          </a:prstGeom>
+          <a:ln w="12700"/>
+        </p:spPr>
+        <p:style>
+          <a:lnRef idx="2">
+            <a:schemeClr val="dk1"/>
+          </a:lnRef>
+          <a:fillRef idx="1">
+            <a:schemeClr val="lt1"/>
+          </a:fillRef>
+          <a:effectRef idx="0">
+            <a:schemeClr val="dk1"/>
+          </a:effectRef>
+          <a:fontRef idx="minor">
+            <a:schemeClr val="dk1"/>
+          </a:fontRef>
+        </p:style>
+        <p:txBody>
+          <a:bodyPr rtlCol="0" anchor="ctr"/>
+          <a:lstStyle/>
+          <a:p>
+            <a:pPr algn="ctr"/>
+            <a:r>
+              <a:rPr lang="en-US" sz="1400" dirty="0">
+                <a:solidFill>
+                  <a:srgbClr val="080808"/>
+                </a:solidFill>
+                <a:cs typeface="Tahoma"/>
+              </a:rPr>
+              <a:t>2</a:t>
+            </a:r>
+            <a:endParaRPr lang="LID4096" sz="1400" dirty="0" err="1">
+              <a:solidFill>
+                <a:srgbClr val="080808"/>
+              </a:solidFill>
+              <a:cs typeface="Tahoma"/>
+            </a:endParaRPr>
+          </a:p>
+        </p:txBody>
+      </p:sp>
+      <p:sp>
+        <p:nvSpPr>
+          <p:cNvPr id="44" name="Oval 43">
+            <a:extLst>
+              <a:ext uri="{FF2B5EF4-FFF2-40B4-BE49-F238E27FC236}">
+                <a16:creationId xmlns:a16="http://schemas.microsoft.com/office/drawing/2014/main" id="{52D19C66-EED4-4C79-95C0-1EC3EBBD84A7}"/>
+              </a:ext>
+            </a:extLst>
+          </p:cNvPr>
+          <p:cNvSpPr/>
+          <p:nvPr/>
+        </p:nvSpPr>
+        <p:spPr>
+          <a:xfrm>
+            <a:off x="9768518" y="5140684"/>
+            <a:ext cx="202242" cy="194557"/>
+          </a:xfrm>
+          <a:prstGeom prst="ellipse">
+            <a:avLst/>
+          </a:prstGeom>
+          <a:ln w="12700"/>
+        </p:spPr>
+        <p:style>
+          <a:lnRef idx="2">
+            <a:schemeClr val="dk1"/>
+          </a:lnRef>
+          <a:fillRef idx="1">
+            <a:schemeClr val="lt1"/>
+          </a:fillRef>
+          <a:effectRef idx="0">
+            <a:schemeClr val="dk1"/>
+          </a:effectRef>
+          <a:fontRef idx="minor">
+            <a:schemeClr val="dk1"/>
+          </a:fontRef>
+        </p:style>
+        <p:txBody>
+          <a:bodyPr rtlCol="0" anchor="ctr"/>
+          <a:lstStyle/>
+          <a:p>
+            <a:pPr algn="ctr"/>
+            <a:r>
+              <a:rPr lang="en-US" sz="1400" dirty="0">
+                <a:solidFill>
+                  <a:srgbClr val="080808"/>
+                </a:solidFill>
+                <a:cs typeface="Tahoma"/>
+              </a:rPr>
+              <a:t>3</a:t>
+            </a:r>
+            <a:endParaRPr lang="LID4096" sz="1400" dirty="0" err="1">
+              <a:solidFill>
+                <a:srgbClr val="080808"/>
+              </a:solidFill>
+              <a:cs typeface="Tahoma"/>
+            </a:endParaRPr>
+          </a:p>
+        </p:txBody>
+      </p:sp>
+      <p:sp>
+        <p:nvSpPr>
+          <p:cNvPr id="45" name="Oval 44">
+            <a:extLst>
+              <a:ext uri="{FF2B5EF4-FFF2-40B4-BE49-F238E27FC236}">
+                <a16:creationId xmlns:a16="http://schemas.microsoft.com/office/drawing/2014/main" id="{9604885A-B68A-48BB-8898-CD5C96CF5ADC}"/>
+              </a:ext>
+            </a:extLst>
+          </p:cNvPr>
+          <p:cNvSpPr/>
+          <p:nvPr/>
+        </p:nvSpPr>
+        <p:spPr>
+          <a:xfrm>
+            <a:off x="3525150" y="5061175"/>
+            <a:ext cx="202242" cy="194557"/>
+          </a:xfrm>
+          <a:prstGeom prst="ellipse">
+            <a:avLst/>
+          </a:prstGeom>
+          <a:ln w="12700"/>
+        </p:spPr>
+        <p:style>
+          <a:lnRef idx="2">
+            <a:schemeClr val="dk1"/>
+          </a:lnRef>
+          <a:fillRef idx="1">
+            <a:schemeClr val="lt1"/>
+          </a:fillRef>
+          <a:effectRef idx="0">
+            <a:schemeClr val="dk1"/>
+          </a:effectRef>
+          <a:fontRef idx="minor">
+            <a:schemeClr val="dk1"/>
+          </a:fontRef>
+        </p:style>
+        <p:txBody>
+          <a:bodyPr rtlCol="0" anchor="ctr"/>
+          <a:lstStyle/>
+          <a:p>
+            <a:pPr algn="ctr"/>
+            <a:r>
+              <a:rPr lang="en-US" sz="1400" dirty="0">
+                <a:solidFill>
+                  <a:srgbClr val="080808"/>
+                </a:solidFill>
+                <a:cs typeface="Tahoma"/>
+              </a:rPr>
+              <a:t>4</a:t>
+            </a:r>
+            <a:endParaRPr lang="LID4096" sz="1400" dirty="0" err="1">
+              <a:solidFill>
+                <a:srgbClr val="080808"/>
+              </a:solidFill>
+              <a:cs typeface="Tahoma"/>
+            </a:endParaRPr>
+          </a:p>
+        </p:txBody>
+      </p:sp>
+      <p:sp>
+        <p:nvSpPr>
+          <p:cNvPr id="46" name="Oval 45">
+            <a:extLst>
+              <a:ext uri="{FF2B5EF4-FFF2-40B4-BE49-F238E27FC236}">
+                <a16:creationId xmlns:a16="http://schemas.microsoft.com/office/drawing/2014/main" id="{1C46153B-1E86-43AE-890A-B25987E43972}"/>
+              </a:ext>
+            </a:extLst>
+          </p:cNvPr>
+          <p:cNvSpPr/>
+          <p:nvPr/>
+        </p:nvSpPr>
+        <p:spPr>
+          <a:xfrm>
+            <a:off x="988757" y="3495997"/>
+            <a:ext cx="202242" cy="194557"/>
+          </a:xfrm>
+          <a:prstGeom prst="ellipse">
+            <a:avLst/>
+          </a:prstGeom>
+          <a:ln w="12700"/>
+        </p:spPr>
+        <p:style>
+          <a:lnRef idx="2">
+            <a:schemeClr val="dk1"/>
+          </a:lnRef>
+          <a:fillRef idx="1">
+            <a:schemeClr val="lt1"/>
+          </a:fillRef>
+          <a:effectRef idx="0">
+            <a:schemeClr val="dk1"/>
+          </a:effectRef>
+          <a:fontRef idx="minor">
+            <a:schemeClr val="dk1"/>
+          </a:fontRef>
+        </p:style>
+        <p:txBody>
+          <a:bodyPr rtlCol="0" anchor="ctr"/>
+          <a:lstStyle/>
+          <a:p>
+            <a:pPr algn="ctr"/>
+            <a:r>
+              <a:rPr lang="en-US" sz="1400" dirty="0">
+                <a:solidFill>
+                  <a:srgbClr val="080808"/>
+                </a:solidFill>
+                <a:cs typeface="Tahoma"/>
+              </a:rPr>
+              <a:t>5</a:t>
+            </a:r>
+            <a:endParaRPr lang="LID4096" sz="1400" dirty="0" err="1">
+              <a:solidFill>
+                <a:srgbClr val="080808"/>
+              </a:solidFill>
               <a:cs typeface="Tahoma"/>
             </a:endParaRPr>
           </a:p>
@@ -29052,6 +29565,44 @@
 </file>
 
 <file path=customXml/item1.xml><?xml version="1.0" encoding="utf-8"?>
+<p:properties xmlns:p="http://schemas.microsoft.com/office/2006/metadata/properties" xmlns:xsi="http://www.w3.org/2001/XMLSchema-instance" xmlns:pc="http://schemas.microsoft.com/office/infopath/2007/PartnerControls">
+  <documentManagement>
+    <SharedWithUsers xmlns="fee67b93-6974-4599-bd16-a295bb27cfe1">
+      <UserInfo>
+        <DisplayName>Stijn Degrieck</DisplayName>
+        <AccountId>13</AccountId>
+        <AccountType/>
+      </UserInfo>
+      <UserInfo>
+        <DisplayName>Henk Buysschaert</DisplayName>
+        <AccountId>73</AccountId>
+        <AccountType/>
+      </UserInfo>
+      <UserInfo>
+        <DisplayName>Sean MacGillavry</DisplayName>
+        <AccountId>69</AccountId>
+        <AccountType/>
+      </UserInfo>
+      <UserInfo>
+        <DisplayName>Joachim De Roissart</DisplayName>
+        <AccountId>90</AccountId>
+        <AccountType/>
+      </UserInfo>
+    </SharedWithUsers>
+  </documentManagement>
+</p:properties>
+</file>
+
+<file path=customXml/item2.xml><?xml version="1.0" encoding="utf-8"?>
+<?mso-contentType ?>
+<FormTemplates xmlns="http://schemas.microsoft.com/sharepoint/v3/contenttype/forms">
+  <Display>DocumentLibraryForm</Display>
+  <Edit>DocumentLibraryForm</Edit>
+  <New>DocumentLibraryForm</New>
+</FormTemplates>
+</file>
+
+<file path=customXml/item3.xml><?xml version="1.0" encoding="utf-8"?>
 <ct:contentTypeSchema xmlns:ct="http://schemas.microsoft.com/office/2006/metadata/contentType" xmlns:ma="http://schemas.microsoft.com/office/2006/metadata/properties/metaAttributes" ct:_="" ma:_="" ma:contentTypeName="Document" ma:contentTypeID="0x010100BAB604DF092D3D49B351D6278F007E19" ma:contentTypeVersion="7" ma:contentTypeDescription="Create a new document." ma:contentTypeScope="" ma:versionID="a741f742da3336562cd50a39a69eaa15">
   <xsd:schema xmlns:xsd="http://www.w3.org/2001/XMLSchema" xmlns:xs="http://www.w3.org/2001/XMLSchema" xmlns:p="http://schemas.microsoft.com/office/2006/metadata/properties" xmlns:ns2="fee67b93-6974-4599-bd16-a295bb27cfe1" xmlns:ns3="ca5330bd-c563-4e65-982c-c703f4b94ec3" targetNamespace="http://schemas.microsoft.com/office/2006/metadata/properties" ma:root="true" ma:fieldsID="38f3fb98fb601c9cb6e194579c7111d9" ns2:_="" ns3:_="">
     <xsd:import namespace="fee67b93-6974-4599-bd16-a295bb27cfe1"/>
@@ -29236,45 +29787,32 @@
 </ct:contentTypeSchema>
 </file>
 
-<file path=customXml/item2.xml><?xml version="1.0" encoding="utf-8"?>
-<?mso-contentType ?>
-<FormTemplates xmlns="http://schemas.microsoft.com/sharepoint/v3/contenttype/forms">
-  <Display>DocumentLibraryForm</Display>
-  <Edit>DocumentLibraryForm</Edit>
-  <New>DocumentLibraryForm</New>
-</FormTemplates>
+<file path=customXml/itemProps1.xml><?xml version="1.0" encoding="utf-8"?>
+<ds:datastoreItem xmlns:ds="http://schemas.openxmlformats.org/officeDocument/2006/customXml" ds:itemID="{BB868E38-3883-485C-AA72-FE197350C91A}">
+  <ds:schemaRefs>
+    <ds:schemaRef ds:uri="http://purl.org/dc/dcmitype/"/>
+    <ds:schemaRef ds:uri="http://purl.org/dc/elements/1.1/"/>
+    <ds:schemaRef ds:uri="http://schemas.openxmlformats.org/package/2006/metadata/core-properties"/>
+    <ds:schemaRef ds:uri="http://purl.org/dc/terms/"/>
+    <ds:schemaRef ds:uri="http://schemas.microsoft.com/office/2006/documentManagement/types"/>
+    <ds:schemaRef ds:uri="http://www.w3.org/XML/1998/namespace"/>
+    <ds:schemaRef ds:uri="http://schemas.microsoft.com/office/infopath/2007/PartnerControls"/>
+    <ds:schemaRef ds:uri="ca5330bd-c563-4e65-982c-c703f4b94ec3"/>
+    <ds:schemaRef ds:uri="fee67b93-6974-4599-bd16-a295bb27cfe1"/>
+    <ds:schemaRef ds:uri="http://schemas.microsoft.com/office/2006/metadata/properties"/>
+  </ds:schemaRefs>
+</ds:datastoreItem>
 </file>
 
-<file path=customXml/item3.xml><?xml version="1.0" encoding="utf-8"?>
-<p:properties xmlns:p="http://schemas.microsoft.com/office/2006/metadata/properties" xmlns:xsi="http://www.w3.org/2001/XMLSchema-instance" xmlns:pc="http://schemas.microsoft.com/office/infopath/2007/PartnerControls">
-  <documentManagement>
-    <SharedWithUsers xmlns="fee67b93-6974-4599-bd16-a295bb27cfe1">
-      <UserInfo>
-        <DisplayName>Stijn Degrieck</DisplayName>
-        <AccountId>13</AccountId>
-        <AccountType/>
-      </UserInfo>
-      <UserInfo>
-        <DisplayName>Henk Buysschaert</DisplayName>
-        <AccountId>73</AccountId>
-        <AccountType/>
-      </UserInfo>
-      <UserInfo>
-        <DisplayName>Sean MacGillavry</DisplayName>
-        <AccountId>69</AccountId>
-        <AccountType/>
-      </UserInfo>
-      <UserInfo>
-        <DisplayName>Joachim De Roissart</DisplayName>
-        <AccountId>90</AccountId>
-        <AccountType/>
-      </UserInfo>
-    </SharedWithUsers>
-  </documentManagement>
-</p:properties>
+<file path=customXml/itemProps2.xml><?xml version="1.0" encoding="utf-8"?>
+<ds:datastoreItem xmlns:ds="http://schemas.openxmlformats.org/officeDocument/2006/customXml" ds:itemID="{BD1960A6-4BE3-42B6-BC04-74E06DF22BF7}">
+  <ds:schemaRefs>
+    <ds:schemaRef ds:uri="http://schemas.microsoft.com/sharepoint/v3/contenttype/forms"/>
+  </ds:schemaRefs>
+</ds:datastoreItem>
 </file>
 
-<file path=customXml/itemProps1.xml><?xml version="1.0" encoding="utf-8"?>
+<file path=customXml/itemProps3.xml><?xml version="1.0" encoding="utf-8"?>
 <ds:datastoreItem xmlns:ds="http://schemas.openxmlformats.org/officeDocument/2006/customXml" ds:itemID="{B84ED37A-3E41-4079-B161-B36C644DBC25}">
   <ds:schemaRefs>
     <ds:schemaRef ds:uri="http://schemas.microsoft.com/office/2006/metadata/contentType"/>
@@ -29291,29 +29829,4 @@
     <ds:schemaRef ds:uri="http://schemas.microsoft.com/internal/obd"/>
   </ds:schemaRefs>
 </ds:datastoreItem>
-</file>
-
-<file path=customXml/itemProps2.xml><?xml version="1.0" encoding="utf-8"?>
-<ds:datastoreItem xmlns:ds="http://schemas.openxmlformats.org/officeDocument/2006/customXml" ds:itemID="{BD1960A6-4BE3-42B6-BC04-74E06DF22BF7}">
-  <ds:schemaRefs>
-    <ds:schemaRef ds:uri="http://schemas.microsoft.com/sharepoint/v3/contenttype/forms"/>
-  </ds:schemaRefs>
-</ds:datastoreItem>
-</file>
-
-<file path=customXml/itemProps3.xml><?xml version="1.0" encoding="utf-8"?>
-<ds:datastoreItem xmlns:ds="http://schemas.openxmlformats.org/officeDocument/2006/customXml" ds:itemID="{BB868E38-3883-485C-AA72-FE197350C91A}">
-  <ds:schemaRefs>
-    <ds:schemaRef ds:uri="http://purl.org/dc/dcmitype/"/>
-    <ds:schemaRef ds:uri="http://purl.org/dc/elements/1.1/"/>
-    <ds:schemaRef ds:uri="http://schemas.openxmlformats.org/package/2006/metadata/core-properties"/>
-    <ds:schemaRef ds:uri="http://purl.org/dc/terms/"/>
-    <ds:schemaRef ds:uri="http://schemas.microsoft.com/office/2006/documentManagement/types"/>
-    <ds:schemaRef ds:uri="http://www.w3.org/XML/1998/namespace"/>
-    <ds:schemaRef ds:uri="http://schemas.microsoft.com/office/infopath/2007/PartnerControls"/>
-    <ds:schemaRef ds:uri="ca5330bd-c563-4e65-982c-c703f4b94ec3"/>
-    <ds:schemaRef ds:uri="fee67b93-6974-4599-bd16-a295bb27cfe1"/>
-    <ds:schemaRef ds:uri="http://schemas.microsoft.com/office/2006/metadata/properties"/>
-  </ds:schemaRefs>
-</ds:datastoreItem>
 </file>
--- a/media/schematics.pptx
+++ b/media/schematics.pptx
@@ -11,7 +11,7 @@
     <p:handoutMasterId r:id="rId8"/>
   </p:handoutMasterIdLst>
   <p:sldIdLst>
-    <p:sldId id="309" r:id="rId5"/>
+    <p:sldId id="311" r:id="rId5"/>
     <p:sldId id="310" r:id="rId6"/>
   </p:sldIdLst>
   <p:sldSz cx="12192000" cy="6858000"/>
@@ -224,7 +224,7 @@
           <a:p>
             <a:fld id="{95C1CFC4-D863-8C4F-A7C8-23B82AC551F6}" type="datetimeFigureOut">
               <a:rPr lang="en-US" smtClean="0"/>
-              <a:t>11/5/2020</a:t>
+              <a:t>11/13/2020</a:t>
             </a:fld>
             <a:endParaRPr lang="en-US"/>
           </a:p>
@@ -390,7 +390,7 @@
           <a:p>
             <a:fld id="{1B0457A4-AE58-44C7-9387-D2D184BECA68}" type="datetimeFigureOut">
               <a:rPr lang="en-US" smtClean="0"/>
-              <a:t>11/5/2020</a:t>
+              <a:t>11/13/2020</a:t>
             </a:fld>
             <a:endParaRPr lang="en-US"/>
           </a:p>
@@ -25307,8 +25307,8 @@
         </p:nvCxnSpPr>
         <p:spPr>
           <a:xfrm rot="5400000" flipH="1" flipV="1">
-            <a:off x="540460" y="1524228"/>
-            <a:ext cx="1321874" cy="921249"/>
+            <a:off x="511981" y="1495749"/>
+            <a:ext cx="1378832" cy="921249"/>
           </a:xfrm>
           <a:prstGeom prst="bentConnector2">
             <a:avLst/>
@@ -25399,12 +25399,527 @@
           </a:p>
         </p:txBody>
       </p:sp>
+      <p:sp>
+        <p:nvSpPr>
+          <p:cNvPr id="37" name="Rectangle 36">
+            <a:extLst>
+              <a:ext uri="{FF2B5EF4-FFF2-40B4-BE49-F238E27FC236}">
+                <a16:creationId xmlns:a16="http://schemas.microsoft.com/office/drawing/2014/main" id="{35750910-2495-44F8-A322-D8559608832A}"/>
+              </a:ext>
+            </a:extLst>
+          </p:cNvPr>
+          <p:cNvSpPr/>
+          <p:nvPr/>
+        </p:nvSpPr>
+        <p:spPr>
+          <a:xfrm rot="5400000">
+            <a:off x="5909542" y="39209"/>
+            <a:ext cx="372907" cy="8867957"/>
+          </a:xfrm>
+          <a:prstGeom prst="rect">
+            <a:avLst/>
+          </a:prstGeom>
+          <a:noFill/>
+          <a:ln w="19050">
+            <a:noFill/>
+          </a:ln>
+        </p:spPr>
+        <p:style>
+          <a:lnRef idx="2">
+            <a:schemeClr val="accent2"/>
+          </a:lnRef>
+          <a:fillRef idx="1">
+            <a:schemeClr val="lt1"/>
+          </a:fillRef>
+          <a:effectRef idx="0">
+            <a:schemeClr val="accent2"/>
+          </a:effectRef>
+          <a:fontRef idx="minor">
+            <a:schemeClr val="dk1"/>
+          </a:fontRef>
+        </p:style>
+        <p:txBody>
+          <a:bodyPr vert="vert270" rtlCol="0" anchor="ctr"/>
+          <a:lstStyle/>
+          <a:p>
+            <a:r>
+              <a:rPr lang="en-US" sz="1400" b="1" dirty="0">
+                <a:solidFill>
+                  <a:srgbClr val="0070C0"/>
+                </a:solidFill>
+                <a:latin typeface="Segoe UI (Body)"/>
+                <a:cs typeface="Tahoma"/>
+              </a:rPr>
+              <a:t>Autoscaling Resource Group</a:t>
+            </a:r>
+            <a:endParaRPr lang="en-BE" sz="1400" b="1" dirty="0" err="1">
+              <a:solidFill>
+                <a:srgbClr val="0070C0"/>
+              </a:solidFill>
+              <a:latin typeface="Segoe UI (Body)"/>
+              <a:cs typeface="Tahoma"/>
+            </a:endParaRPr>
+          </a:p>
+        </p:txBody>
+      </p:sp>
+      <p:cxnSp>
+        <p:nvCxnSpPr>
+          <p:cNvPr id="162" name="Connector: Elbow 161">
+            <a:extLst>
+              <a:ext uri="{FF2B5EF4-FFF2-40B4-BE49-F238E27FC236}">
+                <a16:creationId xmlns:a16="http://schemas.microsoft.com/office/drawing/2014/main" id="{7C04F6AB-144B-4DD6-8608-33AD2C170864}"/>
+              </a:ext>
+            </a:extLst>
+          </p:cNvPr>
+          <p:cNvCxnSpPr>
+            <a:cxnSpLocks/>
+            <a:stCxn id="136" idx="2"/>
+            <a:endCxn id="22" idx="0"/>
+          </p:cNvCxnSpPr>
+          <p:nvPr/>
+        </p:nvCxnSpPr>
+        <p:spPr>
+          <a:xfrm rot="5400000">
+            <a:off x="5169880" y="1920251"/>
+            <a:ext cx="771231" cy="1081001"/>
+          </a:xfrm>
+          <a:prstGeom prst="bentConnector3">
+            <a:avLst>
+              <a:gd name="adj1" fmla="val 50000"/>
+            </a:avLst>
+          </a:prstGeom>
+          <a:ln w="19050">
+            <a:solidFill>
+              <a:schemeClr val="accent5"/>
+            </a:solidFill>
+            <a:prstDash val="sysDot"/>
+            <a:tailEnd type="triangle"/>
+          </a:ln>
+        </p:spPr>
+        <p:style>
+          <a:lnRef idx="1">
+            <a:schemeClr val="accent3"/>
+          </a:lnRef>
+          <a:fillRef idx="0">
+            <a:schemeClr val="accent3"/>
+          </a:fillRef>
+          <a:effectRef idx="0">
+            <a:schemeClr val="accent3"/>
+          </a:effectRef>
+          <a:fontRef idx="minor">
+            <a:schemeClr val="tx1"/>
+          </a:fontRef>
+        </p:style>
+      </p:cxnSp>
+      <p:cxnSp>
+        <p:nvCxnSpPr>
+          <p:cNvPr id="168" name="Connector: Elbow 167">
+            <a:extLst>
+              <a:ext uri="{FF2B5EF4-FFF2-40B4-BE49-F238E27FC236}">
+                <a16:creationId xmlns:a16="http://schemas.microsoft.com/office/drawing/2014/main" id="{D2A783FA-776D-4C77-B939-62EE2DFAF96E}"/>
+              </a:ext>
+            </a:extLst>
+          </p:cNvPr>
+          <p:cNvCxnSpPr>
+            <a:cxnSpLocks/>
+            <a:stCxn id="136" idx="2"/>
+            <a:endCxn id="38" idx="0"/>
+          </p:cNvCxnSpPr>
+          <p:nvPr/>
+        </p:nvCxnSpPr>
+        <p:spPr>
+          <a:xfrm rot="16200000" flipH="1">
+            <a:off x="6327606" y="1843525"/>
+            <a:ext cx="756154" cy="1219376"/>
+          </a:xfrm>
+          <a:prstGeom prst="bentConnector3">
+            <a:avLst>
+              <a:gd name="adj1" fmla="val 50000"/>
+            </a:avLst>
+          </a:prstGeom>
+          <a:ln w="19050">
+            <a:solidFill>
+              <a:schemeClr val="accent5"/>
+            </a:solidFill>
+            <a:prstDash val="sysDot"/>
+            <a:tailEnd type="triangle"/>
+          </a:ln>
+        </p:spPr>
+        <p:style>
+          <a:lnRef idx="1">
+            <a:schemeClr val="accent3"/>
+          </a:lnRef>
+          <a:fillRef idx="0">
+            <a:schemeClr val="accent3"/>
+          </a:fillRef>
+          <a:effectRef idx="0">
+            <a:schemeClr val="accent3"/>
+          </a:effectRef>
+          <a:fontRef idx="minor">
+            <a:schemeClr val="tx1"/>
+          </a:fontRef>
+        </p:style>
+      </p:cxnSp>
+      <p:cxnSp>
+        <p:nvCxnSpPr>
+          <p:cNvPr id="171" name="Connector: Elbow 110">
+            <a:extLst>
+              <a:ext uri="{FF2B5EF4-FFF2-40B4-BE49-F238E27FC236}">
+                <a16:creationId xmlns:a16="http://schemas.microsoft.com/office/drawing/2014/main" id="{94D0376E-6CB6-4018-901B-8629035D7989}"/>
+              </a:ext>
+            </a:extLst>
+          </p:cNvPr>
+          <p:cNvCxnSpPr>
+            <a:cxnSpLocks/>
+            <a:endCxn id="62" idx="0"/>
+          </p:cNvCxnSpPr>
+          <p:nvPr/>
+        </p:nvCxnSpPr>
+        <p:spPr>
+          <a:xfrm>
+            <a:off x="7315371" y="4097190"/>
+            <a:ext cx="0" cy="829662"/>
+          </a:xfrm>
+          <a:prstGeom prst="straightConnector1">
+            <a:avLst/>
+          </a:prstGeom>
+          <a:ln w="19050">
+            <a:solidFill>
+              <a:schemeClr val="accent5"/>
+            </a:solidFill>
+            <a:prstDash val="solid"/>
+            <a:tailEnd type="triangle"/>
+          </a:ln>
+        </p:spPr>
+        <p:style>
+          <a:lnRef idx="1">
+            <a:schemeClr val="accent3"/>
+          </a:lnRef>
+          <a:fillRef idx="0">
+            <a:schemeClr val="accent3"/>
+          </a:fillRef>
+          <a:effectRef idx="0">
+            <a:schemeClr val="accent3"/>
+          </a:effectRef>
+          <a:fontRef idx="minor">
+            <a:schemeClr val="tx1"/>
+          </a:fontRef>
+        </p:style>
+      </p:cxnSp>
+      <p:cxnSp>
+        <p:nvCxnSpPr>
+          <p:cNvPr id="174" name="Connector: Elbow 110">
+            <a:extLst>
+              <a:ext uri="{FF2B5EF4-FFF2-40B4-BE49-F238E27FC236}">
+                <a16:creationId xmlns:a16="http://schemas.microsoft.com/office/drawing/2014/main" id="{10EA3EB8-3DF6-4A86-956B-C27E2CB6338A}"/>
+              </a:ext>
+            </a:extLst>
+          </p:cNvPr>
+          <p:cNvCxnSpPr>
+            <a:cxnSpLocks/>
+            <a:stCxn id="91" idx="3"/>
+            <a:endCxn id="11" idx="0"/>
+          </p:cNvCxnSpPr>
+          <p:nvPr/>
+        </p:nvCxnSpPr>
+        <p:spPr>
+          <a:xfrm>
+            <a:off x="5014994" y="4097190"/>
+            <a:ext cx="0" cy="829662"/>
+          </a:xfrm>
+          <a:prstGeom prst="straightConnector1">
+            <a:avLst/>
+          </a:prstGeom>
+          <a:ln w="19050">
+            <a:solidFill>
+              <a:schemeClr val="accent5"/>
+            </a:solidFill>
+            <a:prstDash val="solid"/>
+            <a:tailEnd type="triangle"/>
+          </a:ln>
+        </p:spPr>
+        <p:style>
+          <a:lnRef idx="1">
+            <a:schemeClr val="accent3"/>
+          </a:lnRef>
+          <a:fillRef idx="0">
+            <a:schemeClr val="accent3"/>
+          </a:fillRef>
+          <a:effectRef idx="0">
+            <a:schemeClr val="accent3"/>
+          </a:effectRef>
+          <a:fontRef idx="minor">
+            <a:schemeClr val="tx1"/>
+          </a:fontRef>
+        </p:style>
+      </p:cxnSp>
+      <p:cxnSp>
+        <p:nvCxnSpPr>
+          <p:cNvPr id="119" name="Connector: Elbow 110">
+            <a:extLst>
+              <a:ext uri="{FF2B5EF4-FFF2-40B4-BE49-F238E27FC236}">
+                <a16:creationId xmlns:a16="http://schemas.microsoft.com/office/drawing/2014/main" id="{0C30A895-D198-4F9C-88DD-F3CC45D71CB4}"/>
+              </a:ext>
+            </a:extLst>
+          </p:cNvPr>
+          <p:cNvCxnSpPr>
+            <a:cxnSpLocks/>
+            <a:stCxn id="103" idx="3"/>
+            <a:endCxn id="13" idx="3"/>
+          </p:cNvCxnSpPr>
+          <p:nvPr/>
+        </p:nvCxnSpPr>
+        <p:spPr>
+          <a:xfrm flipV="1">
+            <a:off x="9569906" y="1266957"/>
+            <a:ext cx="960071" cy="3887826"/>
+          </a:xfrm>
+          <a:prstGeom prst="bentConnector3">
+            <a:avLst>
+              <a:gd name="adj1" fmla="val 123811"/>
+            </a:avLst>
+          </a:prstGeom>
+          <a:ln w="19050">
+            <a:solidFill>
+              <a:schemeClr val="accent5"/>
+            </a:solidFill>
+            <a:prstDash val="solid"/>
+            <a:tailEnd type="triangle"/>
+          </a:ln>
+        </p:spPr>
+        <p:style>
+          <a:lnRef idx="1">
+            <a:schemeClr val="accent3"/>
+          </a:lnRef>
+          <a:fillRef idx="0">
+            <a:schemeClr val="accent3"/>
+          </a:fillRef>
+          <a:effectRef idx="0">
+            <a:schemeClr val="accent3"/>
+          </a:effectRef>
+          <a:fontRef idx="minor">
+            <a:schemeClr val="tx1"/>
+          </a:fontRef>
+        </p:style>
+      </p:cxnSp>
+      <p:cxnSp>
+        <p:nvCxnSpPr>
+          <p:cNvPr id="122" name="Connector: Elbow 110">
+            <a:extLst>
+              <a:ext uri="{FF2B5EF4-FFF2-40B4-BE49-F238E27FC236}">
+                <a16:creationId xmlns:a16="http://schemas.microsoft.com/office/drawing/2014/main" id="{F61CBF00-2D4A-4B8E-95F0-054C3C7ACC63}"/>
+              </a:ext>
+            </a:extLst>
+          </p:cNvPr>
+          <p:cNvCxnSpPr>
+            <a:cxnSpLocks/>
+            <a:stCxn id="100" idx="1"/>
+            <a:endCxn id="201" idx="3"/>
+          </p:cNvCxnSpPr>
+          <p:nvPr/>
+        </p:nvCxnSpPr>
+        <p:spPr>
+          <a:xfrm rot="10800000">
+            <a:off x="773248" y="3482081"/>
+            <a:ext cx="1989980" cy="1672703"/>
+          </a:xfrm>
+          <a:prstGeom prst="bentConnector2">
+            <a:avLst/>
+          </a:prstGeom>
+          <a:ln w="19050">
+            <a:solidFill>
+              <a:schemeClr val="accent5"/>
+            </a:solidFill>
+            <a:prstDash val="solid"/>
+            <a:tailEnd type="triangle"/>
+          </a:ln>
+        </p:spPr>
+        <p:style>
+          <a:lnRef idx="1">
+            <a:schemeClr val="accent3"/>
+          </a:lnRef>
+          <a:fillRef idx="0">
+            <a:schemeClr val="accent3"/>
+          </a:fillRef>
+          <a:effectRef idx="0">
+            <a:schemeClr val="accent3"/>
+          </a:effectRef>
+          <a:fontRef idx="minor">
+            <a:schemeClr val="tx1"/>
+          </a:fontRef>
+        </p:style>
+      </p:cxnSp>
+      <p:cxnSp>
+        <p:nvCxnSpPr>
+          <p:cNvPr id="130" name="Connector: Elbow 129">
+            <a:extLst>
+              <a:ext uri="{FF2B5EF4-FFF2-40B4-BE49-F238E27FC236}">
+                <a16:creationId xmlns:a16="http://schemas.microsoft.com/office/drawing/2014/main" id="{1F24883C-9F99-43FE-AF1F-BBBC4D237694}"/>
+              </a:ext>
+            </a:extLst>
+          </p:cNvPr>
+          <p:cNvCxnSpPr>
+            <a:cxnSpLocks/>
+            <a:endCxn id="93" idx="1"/>
+          </p:cNvCxnSpPr>
+          <p:nvPr/>
+        </p:nvCxnSpPr>
+        <p:spPr>
+          <a:xfrm rot="16200000" flipH="1">
+            <a:off x="499879" y="3709902"/>
+            <a:ext cx="2415090" cy="2111608"/>
+          </a:xfrm>
+          <a:prstGeom prst="bentConnector2">
+            <a:avLst/>
+          </a:prstGeom>
+          <a:ln w="19050">
+            <a:solidFill>
+              <a:schemeClr val="accent5"/>
+            </a:solidFill>
+            <a:prstDash val="sysDot"/>
+            <a:tailEnd type="triangle"/>
+          </a:ln>
+        </p:spPr>
+        <p:style>
+          <a:lnRef idx="1">
+            <a:schemeClr val="accent3"/>
+          </a:lnRef>
+          <a:fillRef idx="0">
+            <a:schemeClr val="accent3"/>
+          </a:fillRef>
+          <a:effectRef idx="0">
+            <a:schemeClr val="accent3"/>
+          </a:effectRef>
+          <a:fontRef idx="minor">
+            <a:schemeClr val="tx1"/>
+          </a:fontRef>
+        </p:style>
+      </p:cxnSp>
+      <p:sp>
+        <p:nvSpPr>
+          <p:cNvPr id="201" name="Rectangle 200">
+            <a:extLst>
+              <a:ext uri="{FF2B5EF4-FFF2-40B4-BE49-F238E27FC236}">
+                <a16:creationId xmlns:a16="http://schemas.microsoft.com/office/drawing/2014/main" id="{87071062-6E4A-43C3-9B23-830C66D48280}"/>
+              </a:ext>
+            </a:extLst>
+          </p:cNvPr>
+          <p:cNvSpPr/>
+          <p:nvPr/>
+        </p:nvSpPr>
+        <p:spPr>
+          <a:xfrm rot="5400000">
+            <a:off x="554447" y="2355795"/>
+            <a:ext cx="437602" cy="1814968"/>
+          </a:xfrm>
+          <a:prstGeom prst="rect">
+            <a:avLst/>
+          </a:prstGeom>
+          <a:noFill/>
+          <a:ln w="19050">
+            <a:noFill/>
+          </a:ln>
+        </p:spPr>
+        <p:style>
+          <a:lnRef idx="2">
+            <a:schemeClr val="accent2"/>
+          </a:lnRef>
+          <a:fillRef idx="1">
+            <a:schemeClr val="lt1"/>
+          </a:fillRef>
+          <a:effectRef idx="0">
+            <a:schemeClr val="accent2"/>
+          </a:effectRef>
+          <a:fontRef idx="minor">
+            <a:schemeClr val="dk1"/>
+          </a:fontRef>
+        </p:style>
+        <p:txBody>
+          <a:bodyPr vert="vert270" rtlCol="0" anchor="ctr"/>
+          <a:lstStyle/>
+          <a:p>
+            <a:pPr algn="ctr"/>
+            <a:r>
+              <a:rPr lang="en-US" sz="1200" dirty="0">
+                <a:solidFill>
+                  <a:srgbClr val="080808"/>
+                </a:solidFill>
+                <a:latin typeface="Segoe UI (Body)"/>
+                <a:cs typeface="Tahoma"/>
+              </a:rPr>
+              <a:t>Deploy Instance</a:t>
+            </a:r>
+            <a:endParaRPr lang="en-BE" sz="1200" dirty="0" err="1">
+              <a:solidFill>
+                <a:srgbClr val="080808"/>
+              </a:solidFill>
+              <a:latin typeface="Segoe UI (Body)"/>
+              <a:cs typeface="Tahoma"/>
+            </a:endParaRPr>
+          </a:p>
+        </p:txBody>
+      </p:sp>
+      <p:sp>
+        <p:nvSpPr>
+          <p:cNvPr id="13" name="Rectangle 12">
+            <a:extLst>
+              <a:ext uri="{FF2B5EF4-FFF2-40B4-BE49-F238E27FC236}">
+                <a16:creationId xmlns:a16="http://schemas.microsoft.com/office/drawing/2014/main" id="{F2A22F9F-1A05-42B7-8524-1A09BE1A5D06}"/>
+              </a:ext>
+            </a:extLst>
+          </p:cNvPr>
+          <p:cNvSpPr/>
+          <p:nvPr/>
+        </p:nvSpPr>
+        <p:spPr>
+          <a:xfrm>
+            <a:off x="1662022" y="347115"/>
+            <a:ext cx="8867955" cy="1839683"/>
+          </a:xfrm>
+          <a:prstGeom prst="rect">
+            <a:avLst/>
+          </a:prstGeom>
+          <a:ln>
+            <a:solidFill>
+              <a:srgbClr val="0070C0"/>
+            </a:solidFill>
+          </a:ln>
+        </p:spPr>
+        <p:style>
+          <a:lnRef idx="2">
+            <a:schemeClr val="accent3"/>
+          </a:lnRef>
+          <a:fillRef idx="1">
+            <a:schemeClr val="lt1"/>
+          </a:fillRef>
+          <a:effectRef idx="0">
+            <a:schemeClr val="accent3"/>
+          </a:effectRef>
+          <a:fontRef idx="minor">
+            <a:schemeClr val="dk1"/>
+          </a:fontRef>
+        </p:style>
+        <p:txBody>
+          <a:bodyPr rtlCol="0" anchor="ctr"/>
+          <a:lstStyle/>
+          <a:p>
+            <a:pPr algn="ctr"/>
+            <a:endParaRPr lang="en-BE" dirty="0" err="1">
+              <a:solidFill>
+                <a:schemeClr val="bg1"/>
+              </a:solidFill>
+              <a:latin typeface="Tahoma"/>
+              <a:cs typeface="Tahoma"/>
+            </a:endParaRPr>
+          </a:p>
+        </p:txBody>
+      </p:sp>
       <p:grpSp>
         <p:nvGrpSpPr>
-          <p:cNvPr id="184" name="Group 183">
+          <p:cNvPr id="34" name="Group 33">
             <a:extLst>
               <a:ext uri="{FF2B5EF4-FFF2-40B4-BE49-F238E27FC236}">
-                <a16:creationId xmlns:a16="http://schemas.microsoft.com/office/drawing/2014/main" id="{BE8E66AD-0F16-47C5-94B1-7119AA1E7FA1}"/>
+                <a16:creationId xmlns:a16="http://schemas.microsoft.com/office/drawing/2014/main" id="{D8241CF7-0EC4-4317-8597-6B12FF0A0CAA}"/>
               </a:ext>
             </a:extLst>
           </p:cNvPr>
@@ -25413,18 +25928,714 @@
         </p:nvGrpSpPr>
         <p:grpSpPr>
           <a:xfrm>
-            <a:off x="1662022" y="2381520"/>
-            <a:ext cx="8873840" cy="1283113"/>
-            <a:chOff x="1662022" y="2048901"/>
-            <a:chExt cx="8873840" cy="1283113"/>
+            <a:off x="4065242" y="933521"/>
+            <a:ext cx="4061513" cy="631706"/>
+            <a:chOff x="3129055" y="741781"/>
+            <a:chExt cx="4061513" cy="631706"/>
+          </a:xfrm>
+        </p:grpSpPr>
+        <p:pic>
+          <p:nvPicPr>
+            <p:cNvPr id="25" name="Picture 24">
+              <a:extLst>
+                <a:ext uri="{FF2B5EF4-FFF2-40B4-BE49-F238E27FC236}">
+                  <a16:creationId xmlns:a16="http://schemas.microsoft.com/office/drawing/2014/main" id="{54199215-15FE-4860-8FAD-96063DC0D153}"/>
+                </a:ext>
+              </a:extLst>
+            </p:cNvPr>
+            <p:cNvPicPr>
+              <a:picLocks noChangeAspect="1"/>
+            </p:cNvPicPr>
+            <p:nvPr/>
+          </p:nvPicPr>
+          <p:blipFill>
+            <a:blip r:embed="rId3"/>
+            <a:stretch>
+              <a:fillRect/>
+            </a:stretch>
+          </p:blipFill>
+          <p:spPr>
+            <a:xfrm>
+              <a:off x="3129055" y="748812"/>
+              <a:ext cx="616163" cy="616163"/>
+            </a:xfrm>
+            <a:prstGeom prst="rect">
+              <a:avLst/>
+            </a:prstGeom>
+          </p:spPr>
+        </p:pic>
+        <p:pic>
+          <p:nvPicPr>
+            <p:cNvPr id="26" name="Picture 25">
+              <a:extLst>
+                <a:ext uri="{FF2B5EF4-FFF2-40B4-BE49-F238E27FC236}">
+                  <a16:creationId xmlns:a16="http://schemas.microsoft.com/office/drawing/2014/main" id="{A027AF7B-7479-4D09-A7E4-425BD744C380}"/>
+                </a:ext>
+              </a:extLst>
+            </p:cNvPr>
+            <p:cNvPicPr>
+              <a:picLocks noChangeAspect="1"/>
+            </p:cNvPicPr>
+            <p:nvPr/>
+          </p:nvPicPr>
+          <p:blipFill>
+            <a:blip r:embed="rId3"/>
+            <a:stretch>
+              <a:fillRect/>
+            </a:stretch>
+          </p:blipFill>
+          <p:spPr>
+            <a:xfrm>
+              <a:off x="4107431" y="753522"/>
+              <a:ext cx="616163" cy="616163"/>
+            </a:xfrm>
+            <a:prstGeom prst="rect">
+              <a:avLst/>
+            </a:prstGeom>
+          </p:spPr>
+        </p:pic>
+        <p:pic>
+          <p:nvPicPr>
+            <p:cNvPr id="30" name="Picture 29">
+              <a:extLst>
+                <a:ext uri="{FF2B5EF4-FFF2-40B4-BE49-F238E27FC236}">
+                  <a16:creationId xmlns:a16="http://schemas.microsoft.com/office/drawing/2014/main" id="{BBD9A6D4-D91D-49D4-BC85-54E3A9F57236}"/>
+                </a:ext>
+              </a:extLst>
+            </p:cNvPr>
+            <p:cNvPicPr>
+              <a:picLocks noChangeAspect="1"/>
+            </p:cNvPicPr>
+            <p:nvPr/>
+          </p:nvPicPr>
+          <p:blipFill>
+            <a:blip r:embed="rId3"/>
+            <a:stretch>
+              <a:fillRect/>
+            </a:stretch>
+          </p:blipFill>
+          <p:spPr>
+            <a:xfrm>
+              <a:off x="5596029" y="757324"/>
+              <a:ext cx="616163" cy="616163"/>
+            </a:xfrm>
+            <a:prstGeom prst="rect">
+              <a:avLst/>
+            </a:prstGeom>
+          </p:spPr>
+        </p:pic>
+        <p:pic>
+          <p:nvPicPr>
+            <p:cNvPr id="31" name="Picture 30">
+              <a:extLst>
+                <a:ext uri="{FF2B5EF4-FFF2-40B4-BE49-F238E27FC236}">
+                  <a16:creationId xmlns:a16="http://schemas.microsoft.com/office/drawing/2014/main" id="{32A0AEEB-6624-4C9C-BA6F-8EB1B5F0F429}"/>
+                </a:ext>
+              </a:extLst>
+            </p:cNvPr>
+            <p:cNvPicPr>
+              <a:picLocks noChangeAspect="1"/>
+            </p:cNvPicPr>
+            <p:nvPr/>
+          </p:nvPicPr>
+          <p:blipFill>
+            <a:blip r:embed="rId3"/>
+            <a:stretch>
+              <a:fillRect/>
+            </a:stretch>
+          </p:blipFill>
+          <p:spPr>
+            <a:xfrm>
+              <a:off x="6574405" y="757323"/>
+              <a:ext cx="616163" cy="616163"/>
+            </a:xfrm>
+            <a:prstGeom prst="rect">
+              <a:avLst/>
+            </a:prstGeom>
+          </p:spPr>
+        </p:pic>
+        <p:sp>
+          <p:nvSpPr>
+            <p:cNvPr id="32" name="Rectangle 31">
+              <a:extLst>
+                <a:ext uri="{FF2B5EF4-FFF2-40B4-BE49-F238E27FC236}">
+                  <a16:creationId xmlns:a16="http://schemas.microsoft.com/office/drawing/2014/main" id="{0CFAEC96-5AB4-4AD6-BFC5-C35013244E84}"/>
+                </a:ext>
+              </a:extLst>
+            </p:cNvPr>
+            <p:cNvSpPr/>
+            <p:nvPr/>
+          </p:nvSpPr>
+          <p:spPr>
+            <a:xfrm rot="5400000">
+              <a:off x="4851731" y="613643"/>
+              <a:ext cx="616162" cy="872437"/>
+            </a:xfrm>
+            <a:prstGeom prst="rect">
+              <a:avLst/>
+            </a:prstGeom>
+            <a:noFill/>
+            <a:ln w="19050">
+              <a:noFill/>
+            </a:ln>
+          </p:spPr>
+          <p:style>
+            <a:lnRef idx="2">
+              <a:schemeClr val="accent2"/>
+            </a:lnRef>
+            <a:fillRef idx="1">
+              <a:schemeClr val="lt1"/>
+            </a:fillRef>
+            <a:effectRef idx="0">
+              <a:schemeClr val="accent2"/>
+            </a:effectRef>
+            <a:fontRef idx="minor">
+              <a:schemeClr val="dk1"/>
+            </a:fontRef>
+          </p:style>
+          <p:txBody>
+            <a:bodyPr vert="vert270" rtlCol="0" anchor="ctr"/>
+            <a:lstStyle/>
+            <a:p>
+              <a:pPr algn="ctr"/>
+              <a:r>
+                <a:rPr lang="en-US" sz="1200" dirty="0">
+                  <a:solidFill>
+                    <a:srgbClr val="080808"/>
+                  </a:solidFill>
+                  <a:latin typeface="Segoe UI (Body)"/>
+                  <a:cs typeface="Tahoma"/>
+                </a:rPr>
+                <a:t>……..</a:t>
+              </a:r>
+              <a:endParaRPr lang="en-BE" sz="1200" dirty="0" err="1">
+                <a:solidFill>
+                  <a:srgbClr val="080808"/>
+                </a:solidFill>
+                <a:latin typeface="Segoe UI (Body)"/>
+                <a:cs typeface="Tahoma"/>
+              </a:endParaRPr>
+            </a:p>
+          </p:txBody>
+        </p:sp>
+      </p:grpSp>
+      <p:pic>
+        <p:nvPicPr>
+          <p:cNvPr id="136" name="Picture 135">
+            <a:extLst>
+              <a:ext uri="{FF2B5EF4-FFF2-40B4-BE49-F238E27FC236}">
+                <a16:creationId xmlns:a16="http://schemas.microsoft.com/office/drawing/2014/main" id="{5F019165-5A39-4462-9F4B-DAB7F66A4CFD}"/>
+              </a:ext>
+            </a:extLst>
+          </p:cNvPr>
+          <p:cNvPicPr>
+            <a:picLocks noChangeAspect="1"/>
+          </p:cNvPicPr>
+          <p:nvPr/>
+        </p:nvPicPr>
+        <p:blipFill>
+          <a:blip r:embed="rId4"/>
+          <a:stretch>
+            <a:fillRect/>
+          </a:stretch>
+        </p:blipFill>
+        <p:spPr>
+          <a:xfrm>
+            <a:off x="5872663" y="1628473"/>
+            <a:ext cx="446663" cy="446663"/>
+          </a:xfrm>
+          <a:prstGeom prst="rect">
+            <a:avLst/>
+          </a:prstGeom>
+        </p:spPr>
+      </p:pic>
+      <p:cxnSp>
+        <p:nvCxnSpPr>
+          <p:cNvPr id="145" name="Connector: Elbow 144">
+            <a:extLst>
+              <a:ext uri="{FF2B5EF4-FFF2-40B4-BE49-F238E27FC236}">
+                <a16:creationId xmlns:a16="http://schemas.microsoft.com/office/drawing/2014/main" id="{61AEB452-4A01-49DE-AFFC-9B3E5E146698}"/>
+              </a:ext>
+            </a:extLst>
+          </p:cNvPr>
+          <p:cNvCxnSpPr>
+            <a:cxnSpLocks/>
+            <a:stCxn id="26" idx="2"/>
+          </p:cNvCxnSpPr>
+          <p:nvPr/>
+        </p:nvCxnSpPr>
+        <p:spPr>
+          <a:xfrm rot="16200000" flipH="1">
+            <a:off x="5469436" y="1443689"/>
+            <a:ext cx="257558" cy="493030"/>
+          </a:xfrm>
+          <a:prstGeom prst="bentConnector2">
+            <a:avLst/>
+          </a:prstGeom>
+          <a:ln w="19050">
+            <a:solidFill>
+              <a:schemeClr val="accent1"/>
+            </a:solidFill>
+            <a:prstDash val="sysDot"/>
+            <a:tailEnd type="triangle"/>
+          </a:ln>
+        </p:spPr>
+        <p:style>
+          <a:lnRef idx="1">
+            <a:schemeClr val="accent3"/>
+          </a:lnRef>
+          <a:fillRef idx="0">
+            <a:schemeClr val="accent3"/>
+          </a:fillRef>
+          <a:effectRef idx="0">
+            <a:schemeClr val="accent3"/>
+          </a:effectRef>
+          <a:fontRef idx="minor">
+            <a:schemeClr val="tx1"/>
+          </a:fontRef>
+        </p:style>
+      </p:cxnSp>
+      <p:cxnSp>
+        <p:nvCxnSpPr>
+          <p:cNvPr id="150" name="Connector: Elbow 149">
+            <a:extLst>
+              <a:ext uri="{FF2B5EF4-FFF2-40B4-BE49-F238E27FC236}">
+                <a16:creationId xmlns:a16="http://schemas.microsoft.com/office/drawing/2014/main" id="{4294EB57-D253-43C9-8C3C-454DBD6C3372}"/>
+              </a:ext>
+            </a:extLst>
+          </p:cNvPr>
+          <p:cNvCxnSpPr>
+            <a:cxnSpLocks/>
+            <a:stCxn id="25" idx="2"/>
+          </p:cNvCxnSpPr>
+          <p:nvPr/>
+        </p:nvCxnSpPr>
+        <p:spPr>
+          <a:xfrm rot="16200000" flipH="1">
+            <a:off x="4918136" y="1011903"/>
+            <a:ext cx="381784" cy="1471408"/>
+          </a:xfrm>
+          <a:prstGeom prst="bentConnector2">
+            <a:avLst/>
+          </a:prstGeom>
+          <a:ln w="19050">
+            <a:solidFill>
+              <a:schemeClr val="accent1"/>
+            </a:solidFill>
+            <a:prstDash val="sysDot"/>
+            <a:tailEnd type="triangle"/>
+          </a:ln>
+        </p:spPr>
+        <p:style>
+          <a:lnRef idx="1">
+            <a:schemeClr val="accent3"/>
+          </a:lnRef>
+          <a:fillRef idx="0">
+            <a:schemeClr val="accent3"/>
+          </a:fillRef>
+          <a:effectRef idx="0">
+            <a:schemeClr val="accent3"/>
+          </a:effectRef>
+          <a:fontRef idx="minor">
+            <a:schemeClr val="tx1"/>
+          </a:fontRef>
+        </p:style>
+      </p:cxnSp>
+      <p:cxnSp>
+        <p:nvCxnSpPr>
+          <p:cNvPr id="153" name="Connector: Elbow 152">
+            <a:extLst>
+              <a:ext uri="{FF2B5EF4-FFF2-40B4-BE49-F238E27FC236}">
+                <a16:creationId xmlns:a16="http://schemas.microsoft.com/office/drawing/2014/main" id="{44A029BF-F4D3-489C-9C28-36A7E7C69A53}"/>
+              </a:ext>
+            </a:extLst>
+          </p:cNvPr>
+          <p:cNvCxnSpPr>
+            <a:cxnSpLocks/>
+            <a:stCxn id="31" idx="2"/>
+          </p:cNvCxnSpPr>
+          <p:nvPr/>
+        </p:nvCxnSpPr>
+        <p:spPr>
+          <a:xfrm rot="5400000">
+            <a:off x="6886010" y="1016978"/>
+            <a:ext cx="384417" cy="1480913"/>
+          </a:xfrm>
+          <a:prstGeom prst="bentConnector2">
+            <a:avLst/>
+          </a:prstGeom>
+          <a:ln w="19050">
+            <a:solidFill>
+              <a:schemeClr val="accent1"/>
+            </a:solidFill>
+            <a:prstDash val="sysDot"/>
+            <a:tailEnd type="triangle"/>
+          </a:ln>
+        </p:spPr>
+        <p:style>
+          <a:lnRef idx="1">
+            <a:schemeClr val="accent3"/>
+          </a:lnRef>
+          <a:fillRef idx="0">
+            <a:schemeClr val="accent3"/>
+          </a:fillRef>
+          <a:effectRef idx="0">
+            <a:schemeClr val="accent3"/>
+          </a:effectRef>
+          <a:fontRef idx="minor">
+            <a:schemeClr val="tx1"/>
+          </a:fontRef>
+        </p:style>
+      </p:cxnSp>
+      <p:cxnSp>
+        <p:nvCxnSpPr>
+          <p:cNvPr id="159" name="Connector: Elbow 158">
+            <a:extLst>
+              <a:ext uri="{FF2B5EF4-FFF2-40B4-BE49-F238E27FC236}">
+                <a16:creationId xmlns:a16="http://schemas.microsoft.com/office/drawing/2014/main" id="{BE73164F-0C2D-4A0C-971C-F9AC4C4DD39C}"/>
+              </a:ext>
+            </a:extLst>
+          </p:cNvPr>
+          <p:cNvCxnSpPr>
+            <a:cxnSpLocks/>
+            <a:stCxn id="30" idx="2"/>
+          </p:cNvCxnSpPr>
+          <p:nvPr/>
+        </p:nvCxnSpPr>
+        <p:spPr>
+          <a:xfrm rot="5400000">
+            <a:off x="6465259" y="1437730"/>
+            <a:ext cx="247542" cy="502537"/>
+          </a:xfrm>
+          <a:prstGeom prst="bentConnector2">
+            <a:avLst/>
+          </a:prstGeom>
+          <a:ln w="19050">
+            <a:solidFill>
+              <a:schemeClr val="accent1"/>
+            </a:solidFill>
+            <a:prstDash val="sysDot"/>
+            <a:tailEnd type="triangle"/>
+          </a:ln>
+        </p:spPr>
+        <p:style>
+          <a:lnRef idx="1">
+            <a:schemeClr val="accent3"/>
+          </a:lnRef>
+          <a:fillRef idx="0">
+            <a:schemeClr val="accent3"/>
+          </a:fillRef>
+          <a:effectRef idx="0">
+            <a:schemeClr val="accent3"/>
+          </a:effectRef>
+          <a:fontRef idx="minor">
+            <a:schemeClr val="tx1"/>
+          </a:fontRef>
+        </p:style>
+      </p:cxnSp>
+      <p:pic>
+        <p:nvPicPr>
+          <p:cNvPr id="17" name="Picture 16">
+            <a:extLst>
+              <a:ext uri="{FF2B5EF4-FFF2-40B4-BE49-F238E27FC236}">
+                <a16:creationId xmlns:a16="http://schemas.microsoft.com/office/drawing/2014/main" id="{B98D6CD7-1B90-4F78-8D17-5CA3879D5907}"/>
+              </a:ext>
+            </a:extLst>
+          </p:cNvPr>
+          <p:cNvPicPr>
+            <a:picLocks noChangeAspect="1"/>
+          </p:cNvPicPr>
+          <p:nvPr/>
+        </p:nvPicPr>
+        <p:blipFill>
+          <a:blip r:embed="rId5"/>
+          <a:stretch>
+            <a:fillRect/>
+          </a:stretch>
+        </p:blipFill>
+        <p:spPr>
+          <a:xfrm>
+            <a:off x="5791921" y="426766"/>
+            <a:ext cx="600620" cy="600620"/>
+          </a:xfrm>
+          <a:prstGeom prst="rect">
+            <a:avLst/>
+          </a:prstGeom>
+        </p:spPr>
+      </p:pic>
+      <p:cxnSp>
+        <p:nvCxnSpPr>
+          <p:cNvPr id="70" name="Connector: Elbow 69">
+            <a:extLst>
+              <a:ext uri="{FF2B5EF4-FFF2-40B4-BE49-F238E27FC236}">
+                <a16:creationId xmlns:a16="http://schemas.microsoft.com/office/drawing/2014/main" id="{22635DB3-EE01-41A6-8187-BDF938E65A54}"/>
+              </a:ext>
+            </a:extLst>
+          </p:cNvPr>
+          <p:cNvCxnSpPr>
+            <a:cxnSpLocks/>
+            <a:stCxn id="17" idx="3"/>
+            <a:endCxn id="31" idx="0"/>
+          </p:cNvCxnSpPr>
+          <p:nvPr/>
+        </p:nvCxnSpPr>
+        <p:spPr>
+          <a:xfrm>
+            <a:off x="6392541" y="727076"/>
+            <a:ext cx="1426133" cy="221987"/>
+          </a:xfrm>
+          <a:prstGeom prst="bentConnector2">
+            <a:avLst/>
+          </a:prstGeom>
+          <a:ln w="19050">
+            <a:solidFill>
+              <a:schemeClr val="accent1"/>
+            </a:solidFill>
+            <a:prstDash val="solid"/>
+            <a:tailEnd type="triangle"/>
+          </a:ln>
+        </p:spPr>
+        <p:style>
+          <a:lnRef idx="1">
+            <a:schemeClr val="accent3"/>
+          </a:lnRef>
+          <a:fillRef idx="0">
+            <a:schemeClr val="accent3"/>
+          </a:fillRef>
+          <a:effectRef idx="0">
+            <a:schemeClr val="accent3"/>
+          </a:effectRef>
+          <a:fontRef idx="minor">
+            <a:schemeClr val="tx1"/>
+          </a:fontRef>
+        </p:style>
+      </p:cxnSp>
+      <p:cxnSp>
+        <p:nvCxnSpPr>
+          <p:cNvPr id="74" name="Connector: Elbow 73">
+            <a:extLst>
+              <a:ext uri="{FF2B5EF4-FFF2-40B4-BE49-F238E27FC236}">
+                <a16:creationId xmlns:a16="http://schemas.microsoft.com/office/drawing/2014/main" id="{7682DBFF-A857-4D16-8335-42ED71A21756}"/>
+              </a:ext>
+            </a:extLst>
+          </p:cNvPr>
+          <p:cNvCxnSpPr>
+            <a:cxnSpLocks/>
+            <a:stCxn id="17" idx="3"/>
+            <a:endCxn id="30" idx="0"/>
+          </p:cNvCxnSpPr>
+          <p:nvPr/>
+        </p:nvCxnSpPr>
+        <p:spPr>
+          <a:xfrm>
+            <a:off x="6392541" y="727076"/>
+            <a:ext cx="447757" cy="221988"/>
+          </a:xfrm>
+          <a:prstGeom prst="bentConnector2">
+            <a:avLst/>
+          </a:prstGeom>
+          <a:ln w="19050">
+            <a:solidFill>
+              <a:schemeClr val="accent1"/>
+            </a:solidFill>
+            <a:prstDash val="solid"/>
+            <a:tailEnd type="triangle"/>
+          </a:ln>
+        </p:spPr>
+        <p:style>
+          <a:lnRef idx="1">
+            <a:schemeClr val="accent3"/>
+          </a:lnRef>
+          <a:fillRef idx="0">
+            <a:schemeClr val="accent3"/>
+          </a:fillRef>
+          <a:effectRef idx="0">
+            <a:schemeClr val="accent3"/>
+          </a:effectRef>
+          <a:fontRef idx="minor">
+            <a:schemeClr val="tx1"/>
+          </a:fontRef>
+        </p:style>
+      </p:cxnSp>
+      <p:cxnSp>
+        <p:nvCxnSpPr>
+          <p:cNvPr id="77" name="Connector: Elbow 76">
+            <a:extLst>
+              <a:ext uri="{FF2B5EF4-FFF2-40B4-BE49-F238E27FC236}">
+                <a16:creationId xmlns:a16="http://schemas.microsoft.com/office/drawing/2014/main" id="{6740CF15-7313-49FF-A3F2-8781D68A4552}"/>
+              </a:ext>
+            </a:extLst>
+          </p:cNvPr>
+          <p:cNvCxnSpPr>
+            <a:cxnSpLocks/>
+            <a:stCxn id="17" idx="1"/>
+            <a:endCxn id="26" idx="0"/>
+          </p:cNvCxnSpPr>
+          <p:nvPr/>
+        </p:nvCxnSpPr>
+        <p:spPr>
+          <a:xfrm rot="10800000" flipV="1">
+            <a:off x="5351701" y="727076"/>
+            <a:ext cx="440221" cy="218186"/>
+          </a:xfrm>
+          <a:prstGeom prst="bentConnector2">
+            <a:avLst/>
+          </a:prstGeom>
+          <a:ln w="19050">
+            <a:solidFill>
+              <a:schemeClr val="accent1"/>
+            </a:solidFill>
+            <a:prstDash val="solid"/>
+            <a:tailEnd type="triangle"/>
+          </a:ln>
+        </p:spPr>
+        <p:style>
+          <a:lnRef idx="1">
+            <a:schemeClr val="accent3"/>
+          </a:lnRef>
+          <a:fillRef idx="0">
+            <a:schemeClr val="accent3"/>
+          </a:fillRef>
+          <a:effectRef idx="0">
+            <a:schemeClr val="accent3"/>
+          </a:effectRef>
+          <a:fontRef idx="minor">
+            <a:schemeClr val="tx1"/>
+          </a:fontRef>
+        </p:style>
+      </p:cxnSp>
+      <p:cxnSp>
+        <p:nvCxnSpPr>
+          <p:cNvPr id="80" name="Connector: Elbow 79">
+            <a:extLst>
+              <a:ext uri="{FF2B5EF4-FFF2-40B4-BE49-F238E27FC236}">
+                <a16:creationId xmlns:a16="http://schemas.microsoft.com/office/drawing/2014/main" id="{B12664EB-CF16-4E82-A91A-22FC638738F7}"/>
+              </a:ext>
+            </a:extLst>
+          </p:cNvPr>
+          <p:cNvCxnSpPr>
+            <a:cxnSpLocks/>
+            <a:stCxn id="17" idx="1"/>
+            <a:endCxn id="25" idx="0"/>
+          </p:cNvCxnSpPr>
+          <p:nvPr/>
+        </p:nvCxnSpPr>
+        <p:spPr>
+          <a:xfrm rot="10800000" flipV="1">
+            <a:off x="4373325" y="727076"/>
+            <a:ext cx="1418597" cy="213476"/>
+          </a:xfrm>
+          <a:prstGeom prst="bentConnector2">
+            <a:avLst/>
+          </a:prstGeom>
+          <a:ln w="19050">
+            <a:solidFill>
+              <a:schemeClr val="accent1"/>
+            </a:solidFill>
+            <a:prstDash val="solid"/>
+            <a:tailEnd type="triangle"/>
+          </a:ln>
+        </p:spPr>
+        <p:style>
+          <a:lnRef idx="1">
+            <a:schemeClr val="accent3"/>
+          </a:lnRef>
+          <a:fillRef idx="0">
+            <a:schemeClr val="accent3"/>
+          </a:fillRef>
+          <a:effectRef idx="0">
+            <a:schemeClr val="accent3"/>
+          </a:effectRef>
+          <a:fontRef idx="minor">
+            <a:schemeClr val="tx1"/>
+          </a:fontRef>
+        </p:style>
+      </p:cxnSp>
+      <p:sp>
+        <p:nvSpPr>
+          <p:cNvPr id="46" name="Oval 45">
+            <a:extLst>
+              <a:ext uri="{FF2B5EF4-FFF2-40B4-BE49-F238E27FC236}">
+                <a16:creationId xmlns:a16="http://schemas.microsoft.com/office/drawing/2014/main" id="{1C46153B-1E86-43AE-890A-B25987E43972}"/>
+              </a:ext>
+            </a:extLst>
+          </p:cNvPr>
+          <p:cNvSpPr/>
+          <p:nvPr/>
+        </p:nvSpPr>
+        <p:spPr>
+          <a:xfrm>
+            <a:off x="988757" y="3495997"/>
+            <a:ext cx="202242" cy="194557"/>
+          </a:xfrm>
+          <a:prstGeom prst="ellipse">
+            <a:avLst/>
+          </a:prstGeom>
+          <a:ln w="12700"/>
+        </p:spPr>
+        <p:style>
+          <a:lnRef idx="2">
+            <a:schemeClr val="dk1"/>
+          </a:lnRef>
+          <a:fillRef idx="1">
+            <a:schemeClr val="lt1"/>
+          </a:fillRef>
+          <a:effectRef idx="0">
+            <a:schemeClr val="dk1"/>
+          </a:effectRef>
+          <a:fontRef idx="minor">
+            <a:schemeClr val="dk1"/>
+          </a:fontRef>
+        </p:style>
+        <p:txBody>
+          <a:bodyPr rtlCol="0" anchor="ctr"/>
+          <a:lstStyle/>
+          <a:p>
+            <a:pPr algn="ctr"/>
+            <a:r>
+              <a:rPr lang="en-US" sz="1400" dirty="0">
+                <a:solidFill>
+                  <a:srgbClr val="080808"/>
+                </a:solidFill>
+                <a:cs typeface="Tahoma"/>
+              </a:rPr>
+              <a:t>6</a:t>
+            </a:r>
+            <a:endParaRPr lang="LID4096" sz="1400" dirty="0" err="1">
+              <a:solidFill>
+                <a:srgbClr val="080808"/>
+              </a:solidFill>
+              <a:cs typeface="Tahoma"/>
+            </a:endParaRPr>
+          </a:p>
+        </p:txBody>
+      </p:sp>
+      <p:grpSp>
+        <p:nvGrpSpPr>
+          <p:cNvPr id="125" name="Group 124">
+            <a:extLst>
+              <a:ext uri="{FF2B5EF4-FFF2-40B4-BE49-F238E27FC236}">
+                <a16:creationId xmlns:a16="http://schemas.microsoft.com/office/drawing/2014/main" id="{51CE0276-98FF-4F4E-860D-E746590A01D9}"/>
+              </a:ext>
+            </a:extLst>
+          </p:cNvPr>
+          <p:cNvGrpSpPr/>
+          <p:nvPr/>
+        </p:nvGrpSpPr>
+        <p:grpSpPr>
+          <a:xfrm>
+            <a:off x="1662022" y="4680194"/>
+            <a:ext cx="8867955" cy="2007967"/>
+            <a:chOff x="1662022" y="4680194"/>
+            <a:chExt cx="8867955" cy="2007967"/>
           </a:xfrm>
         </p:grpSpPr>
         <p:sp>
           <p:nvSpPr>
-            <p:cNvPr id="2" name="Rectangle 1">
+            <p:cNvPr id="4" name="Rectangle 3">
               <a:extLst>
                 <a:ext uri="{FF2B5EF4-FFF2-40B4-BE49-F238E27FC236}">
-                  <a16:creationId xmlns:a16="http://schemas.microsoft.com/office/drawing/2014/main" id="{E13621ED-8B6D-4151-9FC3-7DD03B8C702A}"/>
+                  <a16:creationId xmlns:a16="http://schemas.microsoft.com/office/drawing/2014/main" id="{CE38808B-6FDA-40E6-AB7C-74B0ADA195CB}"/>
                 </a:ext>
               </a:extLst>
             </p:cNvPr>
@@ -25433,8 +26644,8 @@
           </p:nvSpPr>
           <p:spPr>
             <a:xfrm>
-              <a:off x="1662022" y="2451962"/>
-              <a:ext cx="8867955" cy="880052"/>
+              <a:off x="1662022" y="4680194"/>
+              <a:ext cx="8867955" cy="2007967"/>
             </a:xfrm>
             <a:prstGeom prst="rect">
               <a:avLst/>
@@ -25474,36 +26685,1157 @@
             </a:p>
           </p:txBody>
         </p:sp>
-        <p:pic>
-          <p:nvPicPr>
-            <p:cNvPr id="8" name="Picture 7">
+        <p:grpSp>
+          <p:nvGrpSpPr>
+            <p:cNvPr id="24" name="Group 23">
               <a:extLst>
                 <a:ext uri="{FF2B5EF4-FFF2-40B4-BE49-F238E27FC236}">
-                  <a16:creationId xmlns:a16="http://schemas.microsoft.com/office/drawing/2014/main" id="{F8FEA726-C914-4C81-BB0C-862B8345EFEB}"/>
+                  <a16:creationId xmlns:a16="http://schemas.microsoft.com/office/drawing/2014/main" id="{82B177E6-1275-4035-A10A-A8E42B9C2DD6}"/>
                 </a:ext>
               </a:extLst>
             </p:cNvPr>
-            <p:cNvPicPr>
-              <a:picLocks noChangeAspect="1"/>
-            </p:cNvPicPr>
+            <p:cNvGrpSpPr/>
             <p:nvPr/>
-          </p:nvPicPr>
-          <p:blipFill>
-            <a:blip r:embed="rId3"/>
-            <a:stretch>
-              <a:fillRect/>
-            </a:stretch>
-          </p:blipFill>
+          </p:nvGrpSpPr>
+          <p:grpSpPr>
+            <a:xfrm>
+              <a:off x="4241663" y="4926852"/>
+              <a:ext cx="1546662" cy="688943"/>
+              <a:chOff x="4241663" y="4553443"/>
+              <a:chExt cx="1546662" cy="688943"/>
+            </a:xfrm>
+          </p:grpSpPr>
+          <p:pic>
+            <p:nvPicPr>
+              <p:cNvPr id="11" name="Picture 10">
+                <a:extLst>
+                  <a:ext uri="{FF2B5EF4-FFF2-40B4-BE49-F238E27FC236}">
+                    <a16:creationId xmlns:a16="http://schemas.microsoft.com/office/drawing/2014/main" id="{34BFD849-9E2F-40D7-A921-46AB74EA8630}"/>
+                  </a:ext>
+                </a:extLst>
+              </p:cNvPr>
+              <p:cNvPicPr>
+                <a:picLocks noChangeAspect="1"/>
+              </p:cNvPicPr>
+              <p:nvPr/>
+            </p:nvPicPr>
+            <p:blipFill>
+              <a:blip r:embed="rId6"/>
+              <a:stretch>
+                <a:fillRect/>
+              </a:stretch>
+            </p:blipFill>
+            <p:spPr>
+              <a:xfrm>
+                <a:off x="4723038" y="4553443"/>
+                <a:ext cx="583912" cy="455862"/>
+              </a:xfrm>
+              <a:prstGeom prst="rect">
+                <a:avLst/>
+              </a:prstGeom>
+            </p:spPr>
+          </p:pic>
+          <p:sp>
+            <p:nvSpPr>
+              <p:cNvPr id="14" name="Rectangle 13">
+                <a:extLst>
+                  <a:ext uri="{FF2B5EF4-FFF2-40B4-BE49-F238E27FC236}">
+                    <a16:creationId xmlns:a16="http://schemas.microsoft.com/office/drawing/2014/main" id="{679C8248-5E52-4539-AB77-1F838A2A22DE}"/>
+                  </a:ext>
+                </a:extLst>
+              </p:cNvPr>
+              <p:cNvSpPr/>
+              <p:nvPr/>
+            </p:nvSpPr>
+            <p:spPr>
+              <a:xfrm rot="5400000">
+                <a:off x="4898453" y="4352515"/>
+                <a:ext cx="233081" cy="1546662"/>
+              </a:xfrm>
+              <a:prstGeom prst="rect">
+                <a:avLst/>
+              </a:prstGeom>
+              <a:noFill/>
+              <a:ln w="19050">
+                <a:noFill/>
+              </a:ln>
+            </p:spPr>
+            <p:style>
+              <a:lnRef idx="2">
+                <a:schemeClr val="accent2"/>
+              </a:lnRef>
+              <a:fillRef idx="1">
+                <a:schemeClr val="lt1"/>
+              </a:fillRef>
+              <a:effectRef idx="0">
+                <a:schemeClr val="accent2"/>
+              </a:effectRef>
+              <a:fontRef idx="minor">
+                <a:schemeClr val="dk1"/>
+              </a:fontRef>
+            </p:style>
+            <p:txBody>
+              <a:bodyPr vert="vert270" rtlCol="0" anchor="ctr"/>
+              <a:lstStyle/>
+              <a:p>
+                <a:pPr algn="ctr"/>
+                <a:r>
+                  <a:rPr lang="en-US" sz="1050" b="1" dirty="0">
+                    <a:solidFill>
+                      <a:srgbClr val="080808"/>
+                    </a:solidFill>
+                    <a:latin typeface="Segoe UI (Body)"/>
+                    <a:cs typeface="Tahoma"/>
+                  </a:rPr>
+                  <a:t>Scale Controller (Out)</a:t>
+                </a:r>
+                <a:endParaRPr lang="en-BE" sz="1050" b="1" dirty="0" err="1">
+                  <a:solidFill>
+                    <a:srgbClr val="080808"/>
+                  </a:solidFill>
+                  <a:latin typeface="Segoe UI (Body)"/>
+                  <a:cs typeface="Tahoma"/>
+                </a:endParaRPr>
+              </a:p>
+            </p:txBody>
+          </p:sp>
+        </p:grpSp>
+        <p:grpSp>
+          <p:nvGrpSpPr>
+            <p:cNvPr id="29" name="Group 28">
+              <a:extLst>
+                <a:ext uri="{FF2B5EF4-FFF2-40B4-BE49-F238E27FC236}">
+                  <a16:creationId xmlns:a16="http://schemas.microsoft.com/office/drawing/2014/main" id="{E37289CD-0394-4197-8800-433447338F83}"/>
+                </a:ext>
+              </a:extLst>
+            </p:cNvPr>
+            <p:cNvGrpSpPr/>
+            <p:nvPr/>
+          </p:nvGrpSpPr>
+          <p:grpSpPr>
+            <a:xfrm>
+              <a:off x="6542040" y="4926852"/>
+              <a:ext cx="1546662" cy="828770"/>
+              <a:chOff x="6542040" y="4553443"/>
+              <a:chExt cx="1546662" cy="828770"/>
+            </a:xfrm>
+          </p:grpSpPr>
+          <p:pic>
+            <p:nvPicPr>
+              <p:cNvPr id="62" name="Picture 61">
+                <a:extLst>
+                  <a:ext uri="{FF2B5EF4-FFF2-40B4-BE49-F238E27FC236}">
+                    <a16:creationId xmlns:a16="http://schemas.microsoft.com/office/drawing/2014/main" id="{3B05CADA-D53F-4ADC-8E3D-CEF959B51E93}"/>
+                  </a:ext>
+                </a:extLst>
+              </p:cNvPr>
+              <p:cNvPicPr>
+                <a:picLocks noChangeAspect="1"/>
+              </p:cNvPicPr>
+              <p:nvPr/>
+            </p:nvPicPr>
+            <p:blipFill>
+              <a:blip r:embed="rId6"/>
+              <a:stretch>
+                <a:fillRect/>
+              </a:stretch>
+            </p:blipFill>
+            <p:spPr>
+              <a:xfrm>
+                <a:off x="7023415" y="4553443"/>
+                <a:ext cx="583912" cy="455862"/>
+              </a:xfrm>
+              <a:prstGeom prst="rect">
+                <a:avLst/>
+              </a:prstGeom>
+            </p:spPr>
+          </p:pic>
+          <p:sp>
+            <p:nvSpPr>
+              <p:cNvPr id="63" name="Rectangle 62">
+                <a:extLst>
+                  <a:ext uri="{FF2B5EF4-FFF2-40B4-BE49-F238E27FC236}">
+                    <a16:creationId xmlns:a16="http://schemas.microsoft.com/office/drawing/2014/main" id="{28896B78-4D78-4BE0-8091-2D95FAFEFE0D}"/>
+                  </a:ext>
+                </a:extLst>
+              </p:cNvPr>
+              <p:cNvSpPr/>
+              <p:nvPr/>
+            </p:nvSpPr>
+            <p:spPr>
+              <a:xfrm rot="5400000">
+                <a:off x="7096570" y="4390081"/>
+                <a:ext cx="437602" cy="1546662"/>
+              </a:xfrm>
+              <a:prstGeom prst="rect">
+                <a:avLst/>
+              </a:prstGeom>
+              <a:noFill/>
+              <a:ln w="19050">
+                <a:noFill/>
+              </a:ln>
+            </p:spPr>
+            <p:style>
+              <a:lnRef idx="2">
+                <a:schemeClr val="accent2"/>
+              </a:lnRef>
+              <a:fillRef idx="1">
+                <a:schemeClr val="lt1"/>
+              </a:fillRef>
+              <a:effectRef idx="0">
+                <a:schemeClr val="accent2"/>
+              </a:effectRef>
+              <a:fontRef idx="minor">
+                <a:schemeClr val="dk1"/>
+              </a:fontRef>
+            </p:style>
+            <p:txBody>
+              <a:bodyPr vert="vert270" rtlCol="0" anchor="t"/>
+              <a:lstStyle/>
+              <a:p>
+                <a:pPr algn="ctr"/>
+                <a:r>
+                  <a:rPr lang="en-US" sz="1050" b="1" dirty="0">
+                    <a:solidFill>
+                      <a:srgbClr val="080808"/>
+                    </a:solidFill>
+                    <a:latin typeface="Segoe UI (Body)"/>
+                    <a:cs typeface="Tahoma"/>
+                  </a:rPr>
+                  <a:t>Scale Controller (In)</a:t>
+                </a:r>
+                <a:endParaRPr lang="en-BE" sz="1050" b="1" dirty="0" err="1">
+                  <a:solidFill>
+                    <a:srgbClr val="080808"/>
+                  </a:solidFill>
+                  <a:latin typeface="Segoe UI (Body)"/>
+                  <a:cs typeface="Tahoma"/>
+                </a:endParaRPr>
+              </a:p>
+            </p:txBody>
+          </p:sp>
+        </p:grpSp>
+        <p:grpSp>
+          <p:nvGrpSpPr>
+            <p:cNvPr id="50" name="Group 49">
+              <a:extLst>
+                <a:ext uri="{FF2B5EF4-FFF2-40B4-BE49-F238E27FC236}">
+                  <a16:creationId xmlns:a16="http://schemas.microsoft.com/office/drawing/2014/main" id="{613BA51B-D2AA-4450-9AAF-7392522A750F}"/>
+                </a:ext>
+              </a:extLst>
+            </p:cNvPr>
+            <p:cNvGrpSpPr/>
+            <p:nvPr/>
+          </p:nvGrpSpPr>
+          <p:grpSpPr>
+            <a:xfrm>
+              <a:off x="5337121" y="5789221"/>
+              <a:ext cx="1546662" cy="811538"/>
+              <a:chOff x="5358119" y="5578937"/>
+              <a:chExt cx="1546662" cy="811538"/>
+            </a:xfrm>
+          </p:grpSpPr>
+          <p:pic>
+            <p:nvPicPr>
+              <p:cNvPr id="40" name="Picture 39">
+                <a:extLst>
+                  <a:ext uri="{FF2B5EF4-FFF2-40B4-BE49-F238E27FC236}">
+                    <a16:creationId xmlns:a16="http://schemas.microsoft.com/office/drawing/2014/main" id="{C31D04D2-6CEA-4C91-BC78-E46596619B34}"/>
+                  </a:ext>
+                </a:extLst>
+              </p:cNvPr>
+              <p:cNvPicPr>
+                <a:picLocks noChangeAspect="1"/>
+              </p:cNvPicPr>
+              <p:nvPr/>
+            </p:nvPicPr>
+            <p:blipFill>
+              <a:blip r:embed="rId7"/>
+              <a:stretch>
+                <a:fillRect/>
+              </a:stretch>
+            </p:blipFill>
+            <p:spPr>
+              <a:xfrm>
+                <a:off x="5901881" y="5578937"/>
+                <a:ext cx="459138" cy="457200"/>
+              </a:xfrm>
+              <a:prstGeom prst="rect">
+                <a:avLst/>
+              </a:prstGeom>
+            </p:spPr>
+          </p:pic>
+          <p:sp>
+            <p:nvSpPr>
+              <p:cNvPr id="41" name="Rectangle 40">
+                <a:extLst>
+                  <a:ext uri="{FF2B5EF4-FFF2-40B4-BE49-F238E27FC236}">
+                    <a16:creationId xmlns:a16="http://schemas.microsoft.com/office/drawing/2014/main" id="{03C3FEAE-7DB3-4094-83E3-25F81C04CF60}"/>
+                  </a:ext>
+                </a:extLst>
+              </p:cNvPr>
+              <p:cNvSpPr/>
+              <p:nvPr/>
+            </p:nvSpPr>
+            <p:spPr>
+              <a:xfrm rot="5400000">
+                <a:off x="5912649" y="5398343"/>
+                <a:ext cx="437602" cy="1546662"/>
+              </a:xfrm>
+              <a:prstGeom prst="rect">
+                <a:avLst/>
+              </a:prstGeom>
+              <a:noFill/>
+              <a:ln w="19050">
+                <a:noFill/>
+              </a:ln>
+            </p:spPr>
+            <p:style>
+              <a:lnRef idx="2">
+                <a:schemeClr val="accent2"/>
+              </a:lnRef>
+              <a:fillRef idx="1">
+                <a:schemeClr val="lt1"/>
+              </a:fillRef>
+              <a:effectRef idx="0">
+                <a:schemeClr val="accent2"/>
+              </a:effectRef>
+              <a:fontRef idx="minor">
+                <a:schemeClr val="dk1"/>
+              </a:fontRef>
+            </p:style>
+            <p:txBody>
+              <a:bodyPr vert="vert270" rtlCol="0" anchor="ctr"/>
+              <a:lstStyle/>
+              <a:p>
+                <a:pPr algn="ctr"/>
+                <a:r>
+                  <a:rPr lang="en-US" sz="1100" dirty="0">
+                    <a:solidFill>
+                      <a:srgbClr val="080808"/>
+                    </a:solidFill>
+                    <a:latin typeface="Segoe UI (Body)"/>
+                    <a:cs typeface="Tahoma"/>
+                  </a:rPr>
+                  <a:t>Scaling Events</a:t>
+                </a:r>
+                <a:endParaRPr lang="en-BE" sz="1100" dirty="0" err="1">
+                  <a:solidFill>
+                    <a:srgbClr val="080808"/>
+                  </a:solidFill>
+                  <a:latin typeface="Segoe UI (Body)"/>
+                  <a:cs typeface="Tahoma"/>
+                </a:endParaRPr>
+              </a:p>
+            </p:txBody>
+          </p:sp>
+        </p:grpSp>
+        <p:cxnSp>
+          <p:nvCxnSpPr>
+            <p:cNvPr id="49" name="Connector: Elbow 48">
+              <a:extLst>
+                <a:ext uri="{FF2B5EF4-FFF2-40B4-BE49-F238E27FC236}">
+                  <a16:creationId xmlns:a16="http://schemas.microsoft.com/office/drawing/2014/main" id="{0150E758-89EC-47FF-8F30-0415FAF58E86}"/>
+                </a:ext>
+              </a:extLst>
+            </p:cNvPr>
+            <p:cNvCxnSpPr>
+              <a:cxnSpLocks/>
+              <a:stCxn id="11" idx="3"/>
+            </p:cNvCxnSpPr>
+            <p:nvPr/>
+          </p:nvCxnSpPr>
           <p:spPr>
             <a:xfrm>
-              <a:off x="1844334" y="2610677"/>
-              <a:ext cx="562622" cy="562622"/>
+              <a:off x="5306950" y="5154783"/>
+              <a:ext cx="738047" cy="529394"/>
+            </a:xfrm>
+            <a:prstGeom prst="bentConnector3">
+              <a:avLst>
+                <a:gd name="adj1" fmla="val 100332"/>
+              </a:avLst>
+            </a:prstGeom>
+            <a:ln w="19050">
+              <a:solidFill>
+                <a:schemeClr val="accent5"/>
+              </a:solidFill>
+              <a:prstDash val="sysDot"/>
+              <a:tailEnd type="triangle"/>
+            </a:ln>
+          </p:spPr>
+          <p:style>
+            <a:lnRef idx="1">
+              <a:schemeClr val="accent3"/>
+            </a:lnRef>
+            <a:fillRef idx="0">
+              <a:schemeClr val="accent3"/>
+            </a:fillRef>
+            <a:effectRef idx="0">
+              <a:schemeClr val="accent3"/>
+            </a:effectRef>
+            <a:fontRef idx="minor">
+              <a:schemeClr val="tx1"/>
+            </a:fontRef>
+          </p:style>
+        </p:cxnSp>
+        <p:cxnSp>
+          <p:nvCxnSpPr>
+            <p:cNvPr id="92" name="Connector: Elbow 91">
+              <a:extLst>
+                <a:ext uri="{FF2B5EF4-FFF2-40B4-BE49-F238E27FC236}">
+                  <a16:creationId xmlns:a16="http://schemas.microsoft.com/office/drawing/2014/main" id="{3A2A65DB-5C09-456C-A503-900BE30679B5}"/>
+                </a:ext>
+              </a:extLst>
+            </p:cNvPr>
+            <p:cNvCxnSpPr>
+              <a:cxnSpLocks/>
+              <a:stCxn id="62" idx="1"/>
+            </p:cNvCxnSpPr>
+            <p:nvPr/>
+          </p:nvCxnSpPr>
+          <p:spPr>
+            <a:xfrm rot="10800000" flipV="1">
+              <a:off x="6218205" y="5154783"/>
+              <a:ext cx="805210" cy="529394"/>
+            </a:xfrm>
+            <a:prstGeom prst="bentConnector3">
+              <a:avLst>
+                <a:gd name="adj1" fmla="val 99683"/>
+              </a:avLst>
+            </a:prstGeom>
+            <a:ln w="19050">
+              <a:solidFill>
+                <a:schemeClr val="accent5"/>
+              </a:solidFill>
+              <a:prstDash val="sysDot"/>
+              <a:tailEnd type="triangle"/>
+            </a:ln>
+          </p:spPr>
+          <p:style>
+            <a:lnRef idx="1">
+              <a:schemeClr val="accent3"/>
+            </a:lnRef>
+            <a:fillRef idx="0">
+              <a:schemeClr val="accent3"/>
+            </a:fillRef>
+            <a:effectRef idx="0">
+              <a:schemeClr val="accent3"/>
+            </a:effectRef>
+            <a:fontRef idx="minor">
+              <a:schemeClr val="tx1"/>
+            </a:fontRef>
+          </p:style>
+        </p:cxnSp>
+        <p:grpSp>
+          <p:nvGrpSpPr>
+            <p:cNvPr id="23" name="Group 22">
+              <a:extLst>
+                <a:ext uri="{FF2B5EF4-FFF2-40B4-BE49-F238E27FC236}">
+                  <a16:creationId xmlns:a16="http://schemas.microsoft.com/office/drawing/2014/main" id="{CC4F9785-C271-40BF-BC7F-D1BBE5B25C71}"/>
+                </a:ext>
+              </a:extLst>
+            </p:cNvPr>
+            <p:cNvGrpSpPr/>
+            <p:nvPr/>
+          </p:nvGrpSpPr>
+          <p:grpSpPr>
+            <a:xfrm>
+              <a:off x="2281851" y="4926854"/>
+              <a:ext cx="1546662" cy="846997"/>
+              <a:chOff x="2281851" y="4553445"/>
+              <a:chExt cx="1546662" cy="846997"/>
+            </a:xfrm>
+          </p:grpSpPr>
+          <p:pic>
+            <p:nvPicPr>
+              <p:cNvPr id="100" name="Picture 99">
+                <a:extLst>
+                  <a:ext uri="{FF2B5EF4-FFF2-40B4-BE49-F238E27FC236}">
+                    <a16:creationId xmlns:a16="http://schemas.microsoft.com/office/drawing/2014/main" id="{80340BD3-0E48-4FC3-94E3-454F3B2CFE70}"/>
+                  </a:ext>
+                </a:extLst>
+              </p:cNvPr>
+              <p:cNvPicPr>
+                <a:picLocks noChangeAspect="1"/>
+              </p:cNvPicPr>
+              <p:nvPr/>
+            </p:nvPicPr>
+            <p:blipFill>
+              <a:blip r:embed="rId6"/>
+              <a:stretch>
+                <a:fillRect/>
+              </a:stretch>
+            </p:blipFill>
+            <p:spPr>
+              <a:xfrm>
+                <a:off x="2763228" y="4553445"/>
+                <a:ext cx="583908" cy="455858"/>
+              </a:xfrm>
+              <a:prstGeom prst="rect">
+                <a:avLst/>
+              </a:prstGeom>
+            </p:spPr>
+          </p:pic>
+          <p:sp>
+            <p:nvSpPr>
+              <p:cNvPr id="101" name="Rectangle 100">
+                <a:extLst>
+                  <a:ext uri="{FF2B5EF4-FFF2-40B4-BE49-F238E27FC236}">
+                    <a16:creationId xmlns:a16="http://schemas.microsoft.com/office/drawing/2014/main" id="{8676A514-6DD0-483F-9F5D-3DC6FDBC6C38}"/>
+                  </a:ext>
+                </a:extLst>
+              </p:cNvPr>
+              <p:cNvSpPr/>
+              <p:nvPr/>
+            </p:nvSpPr>
+            <p:spPr>
+              <a:xfrm rot="5400000">
+                <a:off x="2836381" y="4408310"/>
+                <a:ext cx="437602" cy="1546662"/>
+              </a:xfrm>
+              <a:prstGeom prst="rect">
+                <a:avLst/>
+              </a:prstGeom>
+              <a:noFill/>
+              <a:ln w="19050">
+                <a:noFill/>
+              </a:ln>
+            </p:spPr>
+            <p:style>
+              <a:lnRef idx="2">
+                <a:schemeClr val="accent2"/>
+              </a:lnRef>
+              <a:fillRef idx="1">
+                <a:schemeClr val="lt1"/>
+              </a:fillRef>
+              <a:effectRef idx="0">
+                <a:schemeClr val="accent2"/>
+              </a:effectRef>
+              <a:fontRef idx="minor">
+                <a:schemeClr val="dk1"/>
+              </a:fontRef>
+            </p:style>
+            <p:txBody>
+              <a:bodyPr vert="vert270" rtlCol="0" anchor="t"/>
+              <a:lstStyle/>
+              <a:p>
+                <a:pPr algn="ctr"/>
+                <a:r>
+                  <a:rPr lang="en-US" sz="1050" b="1" dirty="0">
+                    <a:solidFill>
+                      <a:srgbClr val="080808"/>
+                    </a:solidFill>
+                    <a:latin typeface="Segoe UI (Body)"/>
+                    <a:cs typeface="Tahoma"/>
+                  </a:rPr>
+                  <a:t>Scale Out</a:t>
+                </a:r>
+                <a:endParaRPr lang="en-BE" sz="1050" b="1" dirty="0" err="1">
+                  <a:solidFill>
+                    <a:srgbClr val="080808"/>
+                  </a:solidFill>
+                  <a:latin typeface="Segoe UI (Body)"/>
+                  <a:cs typeface="Tahoma"/>
+                </a:endParaRPr>
+              </a:p>
+            </p:txBody>
+          </p:sp>
+        </p:grpSp>
+        <p:grpSp>
+          <p:nvGrpSpPr>
+            <p:cNvPr id="28" name="Group 27">
+              <a:extLst>
+                <a:ext uri="{FF2B5EF4-FFF2-40B4-BE49-F238E27FC236}">
+                  <a16:creationId xmlns:a16="http://schemas.microsoft.com/office/drawing/2014/main" id="{A5A02383-B128-4B3E-8B58-9313CABAB90E}"/>
+                </a:ext>
+              </a:extLst>
+            </p:cNvPr>
+            <p:cNvGrpSpPr/>
+            <p:nvPr/>
+          </p:nvGrpSpPr>
+          <p:grpSpPr>
+            <a:xfrm>
+              <a:off x="8504622" y="4926855"/>
+              <a:ext cx="1546662" cy="844242"/>
+              <a:chOff x="8504622" y="4553446"/>
+              <a:chExt cx="1546662" cy="844242"/>
+            </a:xfrm>
+          </p:grpSpPr>
+          <p:pic>
+            <p:nvPicPr>
+              <p:cNvPr id="103" name="Picture 102">
+                <a:extLst>
+                  <a:ext uri="{FF2B5EF4-FFF2-40B4-BE49-F238E27FC236}">
+                    <a16:creationId xmlns:a16="http://schemas.microsoft.com/office/drawing/2014/main" id="{84D7E7D6-2F5E-45B3-87C0-30CC904C72A6}"/>
+                  </a:ext>
+                </a:extLst>
+              </p:cNvPr>
+              <p:cNvPicPr>
+                <a:picLocks noChangeAspect="1"/>
+              </p:cNvPicPr>
+              <p:nvPr/>
+            </p:nvPicPr>
+            <p:blipFill>
+              <a:blip r:embed="rId6"/>
+              <a:stretch>
+                <a:fillRect/>
+              </a:stretch>
+            </p:blipFill>
+            <p:spPr>
+              <a:xfrm>
+                <a:off x="8986000" y="4553446"/>
+                <a:ext cx="583906" cy="455856"/>
+              </a:xfrm>
+              <a:prstGeom prst="rect">
+                <a:avLst/>
+              </a:prstGeom>
+            </p:spPr>
+          </p:pic>
+          <p:sp>
+            <p:nvSpPr>
+              <p:cNvPr id="108" name="Rectangle 107">
+                <a:extLst>
+                  <a:ext uri="{FF2B5EF4-FFF2-40B4-BE49-F238E27FC236}">
+                    <a16:creationId xmlns:a16="http://schemas.microsoft.com/office/drawing/2014/main" id="{806D4719-98F1-49AD-8577-723C4A0A837F}"/>
+                  </a:ext>
+                </a:extLst>
+              </p:cNvPr>
+              <p:cNvSpPr/>
+              <p:nvPr/>
+            </p:nvSpPr>
+            <p:spPr>
+              <a:xfrm rot="5400000">
+                <a:off x="9059152" y="4405556"/>
+                <a:ext cx="437602" cy="1546662"/>
+              </a:xfrm>
+              <a:prstGeom prst="rect">
+                <a:avLst/>
+              </a:prstGeom>
+              <a:noFill/>
+              <a:ln w="19050">
+                <a:noFill/>
+              </a:ln>
+            </p:spPr>
+            <p:style>
+              <a:lnRef idx="2">
+                <a:schemeClr val="accent2"/>
+              </a:lnRef>
+              <a:fillRef idx="1">
+                <a:schemeClr val="lt1"/>
+              </a:fillRef>
+              <a:effectRef idx="0">
+                <a:schemeClr val="accent2"/>
+              </a:effectRef>
+              <a:fontRef idx="minor">
+                <a:schemeClr val="dk1"/>
+              </a:fontRef>
+            </p:style>
+            <p:txBody>
+              <a:bodyPr vert="vert270" rtlCol="0" anchor="t"/>
+              <a:lstStyle/>
+              <a:p>
+                <a:pPr algn="ctr"/>
+                <a:r>
+                  <a:rPr lang="en-US" sz="1050" b="1" dirty="0">
+                    <a:solidFill>
+                      <a:srgbClr val="080808"/>
+                    </a:solidFill>
+                    <a:latin typeface="Segoe UI (Body)"/>
+                    <a:cs typeface="Tahoma"/>
+                  </a:rPr>
+                  <a:t>Scale In</a:t>
+                </a:r>
+                <a:endParaRPr lang="en-BE" sz="1050" b="1" dirty="0" err="1">
+                  <a:solidFill>
+                    <a:srgbClr val="080808"/>
+                  </a:solidFill>
+                  <a:latin typeface="Segoe UI (Body)"/>
+                  <a:cs typeface="Tahoma"/>
+                </a:endParaRPr>
+              </a:p>
+            </p:txBody>
+          </p:sp>
+        </p:grpSp>
+        <p:cxnSp>
+          <p:nvCxnSpPr>
+            <p:cNvPr id="111" name="Connector: Elbow 110">
+              <a:extLst>
+                <a:ext uri="{FF2B5EF4-FFF2-40B4-BE49-F238E27FC236}">
+                  <a16:creationId xmlns:a16="http://schemas.microsoft.com/office/drawing/2014/main" id="{A7C30A02-B126-4BA1-AF0D-B100A74FE28A}"/>
+                </a:ext>
+              </a:extLst>
+            </p:cNvPr>
+            <p:cNvCxnSpPr>
+              <a:cxnSpLocks/>
+              <a:stCxn id="62" idx="3"/>
+              <a:endCxn id="103" idx="1"/>
+            </p:cNvCxnSpPr>
+            <p:nvPr/>
+          </p:nvCxnSpPr>
+          <p:spPr>
+            <a:xfrm>
+              <a:off x="7607327" y="5154783"/>
+              <a:ext cx="1378673" cy="0"/>
+            </a:xfrm>
+            <a:prstGeom prst="straightConnector1">
+              <a:avLst/>
+            </a:prstGeom>
+            <a:ln w="19050">
+              <a:solidFill>
+                <a:schemeClr val="accent5"/>
+              </a:solidFill>
+              <a:prstDash val="solid"/>
+              <a:tailEnd type="triangle"/>
+            </a:ln>
+          </p:spPr>
+          <p:style>
+            <a:lnRef idx="1">
+              <a:schemeClr val="accent3"/>
+            </a:lnRef>
+            <a:fillRef idx="0">
+              <a:schemeClr val="accent3"/>
+            </a:fillRef>
+            <a:effectRef idx="0">
+              <a:schemeClr val="accent3"/>
+            </a:effectRef>
+            <a:fontRef idx="minor">
+              <a:schemeClr val="tx1"/>
+            </a:fontRef>
+          </p:style>
+        </p:cxnSp>
+        <p:cxnSp>
+          <p:nvCxnSpPr>
+            <p:cNvPr id="112" name="Connector: Elbow 110">
+              <a:extLst>
+                <a:ext uri="{FF2B5EF4-FFF2-40B4-BE49-F238E27FC236}">
+                  <a16:creationId xmlns:a16="http://schemas.microsoft.com/office/drawing/2014/main" id="{59C30902-3835-43DF-B681-95A5128C802D}"/>
+                </a:ext>
+              </a:extLst>
+            </p:cNvPr>
+            <p:cNvCxnSpPr>
+              <a:cxnSpLocks/>
+              <a:endCxn id="100" idx="3"/>
+            </p:cNvCxnSpPr>
+            <p:nvPr/>
+          </p:nvCxnSpPr>
+          <p:spPr>
+            <a:xfrm flipH="1">
+              <a:off x="3347136" y="5154783"/>
+              <a:ext cx="1254710" cy="0"/>
+            </a:xfrm>
+            <a:prstGeom prst="straightConnector1">
+              <a:avLst/>
+            </a:prstGeom>
+            <a:ln w="19050">
+              <a:solidFill>
+                <a:schemeClr val="accent5"/>
+              </a:solidFill>
+              <a:prstDash val="solid"/>
+              <a:tailEnd type="triangle"/>
+            </a:ln>
+          </p:spPr>
+          <p:style>
+            <a:lnRef idx="1">
+              <a:schemeClr val="accent3"/>
+            </a:lnRef>
+            <a:fillRef idx="0">
+              <a:schemeClr val="accent3"/>
+            </a:fillRef>
+            <a:effectRef idx="0">
+              <a:schemeClr val="accent3"/>
+            </a:effectRef>
+            <a:fontRef idx="minor">
+              <a:schemeClr val="tx1"/>
+            </a:fontRef>
+          </p:style>
+        </p:cxnSp>
+        <p:grpSp>
+          <p:nvGrpSpPr>
+            <p:cNvPr id="48" name="Group 47">
+              <a:extLst>
+                <a:ext uri="{FF2B5EF4-FFF2-40B4-BE49-F238E27FC236}">
+                  <a16:creationId xmlns:a16="http://schemas.microsoft.com/office/drawing/2014/main" id="{86A55FCC-1B62-47DB-B171-6601EEC301EC}"/>
+                </a:ext>
+              </a:extLst>
+            </p:cNvPr>
+            <p:cNvGrpSpPr/>
+            <p:nvPr/>
+          </p:nvGrpSpPr>
+          <p:grpSpPr>
+            <a:xfrm>
+              <a:off x="2092925" y="5771097"/>
+              <a:ext cx="1814968" cy="865891"/>
+              <a:chOff x="2092925" y="5656397"/>
+              <a:chExt cx="1814968" cy="865891"/>
+            </a:xfrm>
+          </p:grpSpPr>
+          <p:pic>
+            <p:nvPicPr>
+              <p:cNvPr id="93" name="Picture 92">
+                <a:extLst>
+                  <a:ext uri="{FF2B5EF4-FFF2-40B4-BE49-F238E27FC236}">
+                    <a16:creationId xmlns:a16="http://schemas.microsoft.com/office/drawing/2014/main" id="{EB8C1937-E4A0-4EF6-BC40-3BD994591070}"/>
+                  </a:ext>
+                </a:extLst>
+              </p:cNvPr>
+              <p:cNvPicPr>
+                <a:picLocks noChangeAspect="1"/>
+              </p:cNvPicPr>
+              <p:nvPr/>
+            </p:nvPicPr>
+            <p:blipFill>
+              <a:blip r:embed="rId8"/>
+              <a:stretch>
+                <a:fillRect/>
+              </a:stretch>
+            </p:blipFill>
+            <p:spPr>
+              <a:xfrm>
+                <a:off x="2763228" y="5656397"/>
+                <a:ext cx="474362" cy="404308"/>
+              </a:xfrm>
+              <a:prstGeom prst="rect">
+                <a:avLst/>
+              </a:prstGeom>
+            </p:spPr>
+          </p:pic>
+          <p:sp>
+            <p:nvSpPr>
+              <p:cNvPr id="188" name="Rectangle 187">
+                <a:extLst>
+                  <a:ext uri="{FF2B5EF4-FFF2-40B4-BE49-F238E27FC236}">
+                    <a16:creationId xmlns:a16="http://schemas.microsoft.com/office/drawing/2014/main" id="{846F9722-6605-43DF-848B-998099F44944}"/>
+                  </a:ext>
+                </a:extLst>
+              </p:cNvPr>
+              <p:cNvSpPr/>
+              <p:nvPr/>
+            </p:nvSpPr>
+            <p:spPr>
+              <a:xfrm rot="5400000">
+                <a:off x="2781608" y="5396003"/>
+                <a:ext cx="437602" cy="1814968"/>
+              </a:xfrm>
+              <a:prstGeom prst="rect">
+                <a:avLst/>
+              </a:prstGeom>
+              <a:noFill/>
+              <a:ln w="19050">
+                <a:noFill/>
+              </a:ln>
+            </p:spPr>
+            <p:style>
+              <a:lnRef idx="2">
+                <a:schemeClr val="accent2"/>
+              </a:lnRef>
+              <a:fillRef idx="1">
+                <a:schemeClr val="lt1"/>
+              </a:fillRef>
+              <a:effectRef idx="0">
+                <a:schemeClr val="accent2"/>
+              </a:effectRef>
+              <a:fontRef idx="minor">
+                <a:schemeClr val="dk1"/>
+              </a:fontRef>
+            </p:style>
+            <p:txBody>
+              <a:bodyPr vert="vert270" rtlCol="0" anchor="ctr"/>
+              <a:lstStyle/>
+              <a:p>
+                <a:pPr algn="ctr"/>
+                <a:r>
+                  <a:rPr lang="en-US" sz="1100" dirty="0">
+                    <a:solidFill>
+                      <a:srgbClr val="080808"/>
+                    </a:solidFill>
+                    <a:latin typeface="Segoe UI (Body)"/>
+                    <a:cs typeface="Tahoma"/>
+                  </a:rPr>
+                  <a:t>Deployment Template</a:t>
+                </a:r>
+                <a:br>
+                  <a:rPr lang="en-US" sz="1100" dirty="0">
+                    <a:solidFill>
+                      <a:srgbClr val="080808"/>
+                    </a:solidFill>
+                    <a:latin typeface="Segoe UI (Body)"/>
+                    <a:cs typeface="Tahoma"/>
+                  </a:rPr>
+                </a:br>
+                <a:r>
+                  <a:rPr lang="en-US" sz="1100" dirty="0">
+                    <a:solidFill>
+                      <a:srgbClr val="080808"/>
+                    </a:solidFill>
+                    <a:latin typeface="Segoe UI (Body)"/>
+                    <a:cs typeface="Tahoma"/>
+                  </a:rPr>
+                  <a:t>Catalog</a:t>
+                </a:r>
+                <a:endParaRPr lang="en-BE" sz="1100" dirty="0" err="1">
+                  <a:solidFill>
+                    <a:srgbClr val="080808"/>
+                  </a:solidFill>
+                  <a:latin typeface="Segoe UI (Body)"/>
+                  <a:cs typeface="Tahoma"/>
+                </a:endParaRPr>
+              </a:p>
+            </p:txBody>
+          </p:sp>
+        </p:grpSp>
+        <p:sp>
+          <p:nvSpPr>
+            <p:cNvPr id="44" name="Oval 43">
+              <a:extLst>
+                <a:ext uri="{FF2B5EF4-FFF2-40B4-BE49-F238E27FC236}">
+                  <a16:creationId xmlns:a16="http://schemas.microsoft.com/office/drawing/2014/main" id="{52D19C66-EED4-4C79-95C0-1EC3EBBD84A7}"/>
+                </a:ext>
+              </a:extLst>
+            </p:cNvPr>
+            <p:cNvSpPr/>
+            <p:nvPr/>
+          </p:nvSpPr>
+          <p:spPr>
+            <a:xfrm>
+              <a:off x="6000762" y="4887573"/>
+              <a:ext cx="202242" cy="194557"/>
+            </a:xfrm>
+            <a:prstGeom prst="ellipse">
+              <a:avLst/>
+            </a:prstGeom>
+            <a:ln w="12700"/>
+          </p:spPr>
+          <p:style>
+            <a:lnRef idx="2">
+              <a:schemeClr val="dk1"/>
+            </a:lnRef>
+            <a:fillRef idx="1">
+              <a:schemeClr val="lt1"/>
+            </a:fillRef>
+            <a:effectRef idx="0">
+              <a:schemeClr val="dk1"/>
+            </a:effectRef>
+            <a:fontRef idx="minor">
+              <a:schemeClr val="dk1"/>
+            </a:fontRef>
+          </p:style>
+          <p:txBody>
+            <a:bodyPr rtlCol="0" anchor="ctr"/>
+            <a:lstStyle/>
+            <a:p>
+              <a:pPr algn="ctr"/>
+              <a:r>
+                <a:rPr lang="en-US" sz="1400" dirty="0">
+                  <a:solidFill>
+                    <a:srgbClr val="080808"/>
+                  </a:solidFill>
+                  <a:cs typeface="Tahoma"/>
+                </a:rPr>
+                <a:t>3</a:t>
+              </a:r>
+              <a:endParaRPr lang="LID4096" sz="1400" dirty="0" err="1">
+                <a:solidFill>
+                  <a:srgbClr val="080808"/>
+                </a:solidFill>
+                <a:cs typeface="Tahoma"/>
+              </a:endParaRPr>
+            </a:p>
+          </p:txBody>
+        </p:sp>
+        <p:sp>
+          <p:nvSpPr>
+            <p:cNvPr id="45" name="Oval 44">
+              <a:extLst>
+                <a:ext uri="{FF2B5EF4-FFF2-40B4-BE49-F238E27FC236}">
+                  <a16:creationId xmlns:a16="http://schemas.microsoft.com/office/drawing/2014/main" id="{9604885A-B68A-48BB-8898-CD5C96CF5ADC}"/>
+                </a:ext>
+              </a:extLst>
+            </p:cNvPr>
+            <p:cNvSpPr/>
+            <p:nvPr/>
+          </p:nvSpPr>
+          <p:spPr>
+            <a:xfrm>
+              <a:off x="3525150" y="5061175"/>
+              <a:ext cx="202242" cy="194557"/>
+            </a:xfrm>
+            <a:prstGeom prst="ellipse">
+              <a:avLst/>
+            </a:prstGeom>
+            <a:ln w="12700"/>
+          </p:spPr>
+          <p:style>
+            <a:lnRef idx="2">
+              <a:schemeClr val="dk1"/>
+            </a:lnRef>
+            <a:fillRef idx="1">
+              <a:schemeClr val="lt1"/>
+            </a:fillRef>
+            <a:effectRef idx="0">
+              <a:schemeClr val="dk1"/>
+            </a:effectRef>
+            <a:fontRef idx="minor">
+              <a:schemeClr val="dk1"/>
+            </a:fontRef>
+          </p:style>
+          <p:txBody>
+            <a:bodyPr rtlCol="0" anchor="ctr"/>
+            <a:lstStyle/>
+            <a:p>
+              <a:pPr algn="ctr"/>
+              <a:r>
+                <a:rPr lang="en-US" sz="1400" dirty="0">
+                  <a:solidFill>
+                    <a:srgbClr val="080808"/>
+                  </a:solidFill>
+                  <a:cs typeface="Tahoma"/>
+                </a:rPr>
+                <a:t>5</a:t>
+              </a:r>
+              <a:endParaRPr lang="LID4096" sz="1400" dirty="0" err="1">
+                <a:solidFill>
+                  <a:srgbClr val="080808"/>
+                </a:solidFill>
+                <a:cs typeface="Tahoma"/>
+              </a:endParaRPr>
+            </a:p>
+          </p:txBody>
+        </p:sp>
+        <p:sp>
+          <p:nvSpPr>
+            <p:cNvPr id="95" name="Oval 94">
+              <a:extLst>
+                <a:ext uri="{FF2B5EF4-FFF2-40B4-BE49-F238E27FC236}">
+                  <a16:creationId xmlns:a16="http://schemas.microsoft.com/office/drawing/2014/main" id="{FB2DECD0-61C4-4D04-BDB0-B6DE5F85A0E3}"/>
+                </a:ext>
+              </a:extLst>
+            </p:cNvPr>
+            <p:cNvSpPr/>
+            <p:nvPr/>
+          </p:nvSpPr>
+          <p:spPr>
+            <a:xfrm>
+              <a:off x="10059710" y="5061175"/>
+              <a:ext cx="202242" cy="194557"/>
+            </a:xfrm>
+            <a:prstGeom prst="ellipse">
+              <a:avLst/>
+            </a:prstGeom>
+            <a:ln w="12700"/>
+          </p:spPr>
+          <p:style>
+            <a:lnRef idx="2">
+              <a:schemeClr val="dk1"/>
+            </a:lnRef>
+            <a:fillRef idx="1">
+              <a:schemeClr val="lt1"/>
+            </a:fillRef>
+            <a:effectRef idx="0">
+              <a:schemeClr val="dk1"/>
+            </a:effectRef>
+            <a:fontRef idx="minor">
+              <a:schemeClr val="dk1"/>
+            </a:fontRef>
+          </p:style>
+          <p:txBody>
+            <a:bodyPr rtlCol="0" anchor="ctr"/>
+            <a:lstStyle/>
+            <a:p>
+              <a:pPr algn="ctr"/>
+              <a:r>
+                <a:rPr lang="en-US" sz="1400" dirty="0">
+                  <a:solidFill>
+                    <a:srgbClr val="080808"/>
+                  </a:solidFill>
+                  <a:cs typeface="Tahoma"/>
+                </a:rPr>
+                <a:t>4</a:t>
+              </a:r>
+              <a:endParaRPr lang="LID4096" sz="1400" dirty="0" err="1">
+                <a:solidFill>
+                  <a:srgbClr val="080808"/>
+                </a:solidFill>
+                <a:cs typeface="Tahoma"/>
+              </a:endParaRPr>
+            </a:p>
+          </p:txBody>
+        </p:sp>
+      </p:grpSp>
+      <p:grpSp>
+        <p:nvGrpSpPr>
+          <p:cNvPr id="107" name="Group 106">
+            <a:extLst>
+              <a:ext uri="{FF2B5EF4-FFF2-40B4-BE49-F238E27FC236}">
+                <a16:creationId xmlns:a16="http://schemas.microsoft.com/office/drawing/2014/main" id="{18D44A59-1695-4C8D-9CE0-AA77FC1DBF3F}"/>
+              </a:ext>
+            </a:extLst>
+          </p:cNvPr>
+          <p:cNvGrpSpPr/>
+          <p:nvPr/>
+        </p:nvGrpSpPr>
+        <p:grpSpPr>
+          <a:xfrm>
+            <a:off x="1662022" y="2241834"/>
+            <a:ext cx="8902549" cy="1964383"/>
+            <a:chOff x="1662022" y="2241834"/>
+            <a:chExt cx="8902549" cy="1964383"/>
+          </a:xfrm>
+        </p:grpSpPr>
+        <p:sp>
+          <p:nvSpPr>
+            <p:cNvPr id="2" name="Rectangle 1">
+              <a:extLst>
+                <a:ext uri="{FF2B5EF4-FFF2-40B4-BE49-F238E27FC236}">
+                  <a16:creationId xmlns:a16="http://schemas.microsoft.com/office/drawing/2014/main" id="{E13621ED-8B6D-4151-9FC3-7DD03B8C702A}"/>
+                </a:ext>
+              </a:extLst>
+            </p:cNvPr>
+            <p:cNvSpPr/>
+            <p:nvPr/>
+          </p:nvSpPr>
+          <p:spPr>
+            <a:xfrm>
+              <a:off x="1662022" y="2674253"/>
+              <a:ext cx="8867955" cy="1531964"/>
             </a:xfrm>
             <a:prstGeom prst="rect">
               <a:avLst/>
             </a:prstGeom>
+            <a:ln>
+              <a:solidFill>
+                <a:srgbClr val="0070C0"/>
+              </a:solidFill>
+            </a:ln>
           </p:spPr>
-        </p:pic>
+          <p:style>
+            <a:lnRef idx="2">
+              <a:schemeClr val="accent3"/>
+            </a:lnRef>
+            <a:fillRef idx="1">
+              <a:schemeClr val="lt1"/>
+            </a:fillRef>
+            <a:effectRef idx="0">
+              <a:schemeClr val="accent3"/>
+            </a:effectRef>
+            <a:fontRef idx="minor">
+              <a:schemeClr val="dk1"/>
+            </a:fontRef>
+          </p:style>
+          <p:txBody>
+            <a:bodyPr rtlCol="0" anchor="ctr"/>
+            <a:lstStyle/>
+            <a:p>
+              <a:pPr algn="ctr"/>
+              <a:endParaRPr lang="en-BE" dirty="0" err="1">
+                <a:solidFill>
+                  <a:schemeClr val="bg1"/>
+                </a:solidFill>
+                <a:latin typeface="Tahoma"/>
+                <a:cs typeface="Tahoma"/>
+              </a:endParaRPr>
+            </a:p>
+          </p:txBody>
+        </p:sp>
         <p:sp>
           <p:nvSpPr>
             <p:cNvPr id="42" name="Rectangle 41">
@@ -25518,7 +27850,7 @@
           </p:nvSpPr>
           <p:spPr>
             <a:xfrm rot="5400000">
-              <a:off x="5915430" y="-2198624"/>
+              <a:off x="5915430" y="-2005691"/>
               <a:ext cx="372907" cy="8867957"/>
             </a:xfrm>
             <a:prstGeom prst="rect">
@@ -25581,10 +27913,10 @@
           </p:nvGrpSpPr>
           <p:grpSpPr>
             <a:xfrm>
-              <a:off x="7096029" y="2602628"/>
-              <a:ext cx="2773610" cy="493625"/>
+              <a:off x="7096029" y="2776349"/>
+              <a:ext cx="1997171" cy="493625"/>
               <a:chOff x="7096029" y="2520353"/>
-              <a:chExt cx="2773610" cy="493625"/>
+              <a:chExt cx="1997171" cy="493625"/>
             </a:xfrm>
           </p:grpSpPr>
           <p:pic>
@@ -25602,13 +27934,13 @@
               <p:nvPr/>
             </p:nvPicPr>
             <p:blipFill>
-              <a:blip r:embed="rId4">
+              <a:blip r:embed="rId9">
                 <a:extLst>
                   <a:ext uri="{28A0092B-C50C-407E-A947-70E740481C1C}">
                     <a14:useLocalDpi xmlns:a14="http://schemas.microsoft.com/office/drawing/2010/main" val="0"/>
                   </a:ext>
                   <a:ext uri="{96DAC541-7B7A-43D3-8B79-37D633B846F1}">
-                    <asvg:svgBlip xmlns:asvg="http://schemas.microsoft.com/office/drawing/2016/SVG/main" r:embed="rId5"/>
+                    <asvg:svgBlip xmlns:asvg="http://schemas.microsoft.com/office/drawing/2016/SVG/main" r:embed="rId10"/>
                   </a:ext>
                 </a:extLst>
               </a:blip>
@@ -25640,8 +27972,8 @@
             </p:nvSpPr>
             <p:spPr>
               <a:xfrm rot="5400000">
-                <a:off x="8520585" y="1548698"/>
-                <a:ext cx="377399" cy="2320709"/>
+                <a:off x="8132365" y="1936918"/>
+                <a:ext cx="377399" cy="1544270"/>
               </a:xfrm>
               <a:prstGeom prst="rect">
                 <a:avLst/>
@@ -25677,7 +28009,7 @@
                     <a:latin typeface="Segoe UI (Body)"/>
                     <a:cs typeface="Tahoma"/>
                   </a:rPr>
-                  <a:t>Active Messages &gt; 250</a:t>
+                  <a:t>Active Messages &lt;= 100</a:t>
                 </a:r>
               </a:p>
               <a:p>
@@ -25716,10 +28048,10 @@
           </p:nvGrpSpPr>
           <p:grpSpPr>
             <a:xfrm>
-              <a:off x="2470205" y="2613190"/>
-              <a:ext cx="2764131" cy="498140"/>
-              <a:chOff x="2470205" y="2530915"/>
-              <a:chExt cx="2764131" cy="498140"/>
+              <a:off x="3237589" y="2786911"/>
+              <a:ext cx="1996747" cy="498140"/>
+              <a:chOff x="3237589" y="2530915"/>
+              <a:chExt cx="1996747" cy="498140"/>
             </a:xfrm>
           </p:grpSpPr>
           <p:pic>
@@ -25737,13 +28069,13 @@
               <p:nvPr/>
             </p:nvPicPr>
             <p:blipFill>
-              <a:blip r:embed="rId4">
+              <a:blip r:embed="rId9">
                 <a:extLst>
                   <a:ext uri="{28A0092B-C50C-407E-A947-70E740481C1C}">
                     <a14:useLocalDpi xmlns:a14="http://schemas.microsoft.com/office/drawing/2010/main" val="0"/>
                   </a:ext>
                   <a:ext uri="{96DAC541-7B7A-43D3-8B79-37D633B846F1}">
-                    <asvg:svgBlip xmlns:asvg="http://schemas.microsoft.com/office/drawing/2016/SVG/main" r:embed="rId5"/>
+                    <asvg:svgBlip xmlns:asvg="http://schemas.microsoft.com/office/drawing/2016/SVG/main" r:embed="rId10"/>
                   </a:ext>
                 </a:extLst>
               </a:blip>
@@ -25775,8 +28107,8 @@
             </p:nvSpPr>
             <p:spPr>
               <a:xfrm rot="5400000">
-                <a:off x="3441860" y="1559260"/>
-                <a:ext cx="377399" cy="2320709"/>
+                <a:off x="3825551" y="1942953"/>
+                <a:ext cx="377399" cy="1553324"/>
               </a:xfrm>
               <a:prstGeom prst="rect">
                 <a:avLst/>
@@ -25813,7 +28145,7 @@
                     <a:latin typeface="Segoe UI (Body)"/>
                     <a:cs typeface="Tahoma"/>
                   </a:rPr>
-                  <a:t>Active Messages &lt;= 100</a:t>
+                  <a:t>Active Messages &gt; 250</a:t>
                 </a:r>
               </a:p>
               <a:p>
@@ -25839,33 +28171,12 @@
             </p:txBody>
           </p:sp>
         </p:grpSp>
-      </p:grpSp>
-      <p:grpSp>
-        <p:nvGrpSpPr>
-          <p:cNvPr id="6" name="Group 5">
-            <a:extLst>
-              <a:ext uri="{FF2B5EF4-FFF2-40B4-BE49-F238E27FC236}">
-                <a16:creationId xmlns:a16="http://schemas.microsoft.com/office/drawing/2014/main" id="{90B3181F-8FE4-47CB-BC67-8FC436CF2500}"/>
-              </a:ext>
-            </a:extLst>
-          </p:cNvPr>
-          <p:cNvGrpSpPr/>
-          <p:nvPr/>
-        </p:nvGrpSpPr>
-        <p:grpSpPr>
-          <a:xfrm>
-            <a:off x="1662017" y="3820466"/>
-            <a:ext cx="8867960" cy="2867695"/>
-            <a:chOff x="1662017" y="3496314"/>
-            <a:chExt cx="8867960" cy="2867695"/>
-          </a:xfrm>
-        </p:grpSpPr>
         <p:sp>
           <p:nvSpPr>
-            <p:cNvPr id="4" name="Rectangle 3">
+            <p:cNvPr id="39" name="Oval 38">
               <a:extLst>
                 <a:ext uri="{FF2B5EF4-FFF2-40B4-BE49-F238E27FC236}">
-                  <a16:creationId xmlns:a16="http://schemas.microsoft.com/office/drawing/2014/main" id="{CE38808B-6FDA-40E6-AB7C-74B0ADA195CB}"/>
+                  <a16:creationId xmlns:a16="http://schemas.microsoft.com/office/drawing/2014/main" id="{C2DD5394-0E51-4EA4-9850-C1A444DE83DF}"/>
                 </a:ext>
               </a:extLst>
             </p:cNvPr>
@@ -25874,27 +28185,23 @@
           </p:nvSpPr>
           <p:spPr>
             <a:xfrm>
-              <a:off x="1662022" y="3869222"/>
-              <a:ext cx="8867955" cy="2494787"/>
+              <a:off x="6003563" y="2952421"/>
+              <a:ext cx="202242" cy="194557"/>
             </a:xfrm>
-            <a:prstGeom prst="rect">
+            <a:prstGeom prst="ellipse">
               <a:avLst/>
             </a:prstGeom>
-            <a:ln>
-              <a:solidFill>
-                <a:srgbClr val="0070C0"/>
-              </a:solidFill>
-            </a:ln>
+            <a:ln w="12700"/>
           </p:spPr>
           <p:style>
             <a:lnRef idx="2">
-              <a:schemeClr val="accent3"/>
+              <a:schemeClr val="dk1"/>
             </a:lnRef>
             <a:fillRef idx="1">
               <a:schemeClr val="lt1"/>
             </a:fillRef>
             <a:effectRef idx="0">
-              <a:schemeClr val="accent3"/>
+              <a:schemeClr val="dk1"/>
             </a:effectRef>
             <a:fontRef idx="minor">
               <a:schemeClr val="dk1"/>
@@ -25905,11 +28212,78 @@
             <a:lstStyle/>
             <a:p>
               <a:pPr algn="ctr"/>
-              <a:endParaRPr lang="en-BE" dirty="0" err="1">
+              <a:r>
+                <a:rPr lang="en-US" sz="1400" dirty="0">
+                  <a:solidFill>
+                    <a:srgbClr val="080808"/>
+                  </a:solidFill>
+                  <a:cs typeface="Tahoma"/>
+                </a:rPr>
+                <a:t>1</a:t>
+              </a:r>
+              <a:endParaRPr lang="LID4096" sz="1400" dirty="0" err="1">
                 <a:solidFill>
-                  <a:schemeClr val="bg1"/>
+                  <a:srgbClr val="080808"/>
                 </a:solidFill>
-                <a:latin typeface="Tahoma"/>
+                <a:cs typeface="Tahoma"/>
+              </a:endParaRPr>
+            </a:p>
+          </p:txBody>
+        </p:sp>
+        <p:sp>
+          <p:nvSpPr>
+            <p:cNvPr id="43" name="Oval 42">
+              <a:extLst>
+                <a:ext uri="{FF2B5EF4-FFF2-40B4-BE49-F238E27FC236}">
+                  <a16:creationId xmlns:a16="http://schemas.microsoft.com/office/drawing/2014/main" id="{919D2FB1-190A-4BD5-BEC3-F2B3A3415CAF}"/>
+                </a:ext>
+              </a:extLst>
+            </p:cNvPr>
+            <p:cNvSpPr/>
+            <p:nvPr/>
+          </p:nvSpPr>
+          <p:spPr>
+            <a:xfrm>
+              <a:off x="6000762" y="3495997"/>
+              <a:ext cx="202242" cy="194557"/>
+            </a:xfrm>
+            <a:prstGeom prst="ellipse">
+              <a:avLst/>
+            </a:prstGeom>
+            <a:ln w="12700"/>
+          </p:spPr>
+          <p:style>
+            <a:lnRef idx="2">
+              <a:schemeClr val="dk1"/>
+            </a:lnRef>
+            <a:fillRef idx="1">
+              <a:schemeClr val="lt1"/>
+            </a:fillRef>
+            <a:effectRef idx="0">
+              <a:schemeClr val="dk1"/>
+            </a:effectRef>
+            <a:fontRef idx="minor">
+              <a:schemeClr val="dk1"/>
+            </a:fontRef>
+          </p:style>
+          <p:txBody>
+            <a:bodyPr rtlCol="0" anchor="ctr"/>
+            <a:lstStyle/>
+            <a:p>
+              <a:pPr algn="ctr"/>
+              <a:r>
+                <a:rPr lang="en-US" sz="1400" dirty="0">
+                  <a:solidFill>
+                    <a:srgbClr val="080808"/>
+                  </a:solidFill>
+                  <a:cs typeface="Tahoma"/>
+                </a:rPr>
+                <a:t>2</a:t>
+              </a:r>
+              <a:endParaRPr lang="LID4096" sz="1400" dirty="0" err="1">
+                <a:solidFill>
+                  <a:srgbClr val="080808"/>
+                </a:solidFill>
                 <a:cs typeface="Tahoma"/>
               </a:endParaRPr>
             </a:p>
@@ -25917,10 +28291,10 @@
         </p:sp>
         <p:grpSp>
           <p:nvGrpSpPr>
-            <p:cNvPr id="18" name="Group 17">
+            <p:cNvPr id="61" name="Group 60">
               <a:extLst>
                 <a:ext uri="{FF2B5EF4-FFF2-40B4-BE49-F238E27FC236}">
-                  <a16:creationId xmlns:a16="http://schemas.microsoft.com/office/drawing/2014/main" id="{1E1D4218-4EE2-4323-96B5-231DFA4804E1}"/>
+                  <a16:creationId xmlns:a16="http://schemas.microsoft.com/office/drawing/2014/main" id="{5B1913B6-8332-44BE-8B4F-C2B5404A8AD4}"/>
                 </a:ext>
               </a:extLst>
             </p:cNvPr>
@@ -25929,18 +28303,18 @@
           </p:nvGrpSpPr>
           <p:grpSpPr>
             <a:xfrm>
-              <a:off x="4241663" y="4134675"/>
-              <a:ext cx="1546662" cy="1164569"/>
-              <a:chOff x="3706825" y="4839419"/>
-              <a:chExt cx="1546662" cy="1164569"/>
+              <a:off x="4035118" y="3394116"/>
+              <a:ext cx="1959752" cy="703074"/>
+              <a:chOff x="4035118" y="3394116"/>
+              <a:chExt cx="1959752" cy="703074"/>
             </a:xfrm>
           </p:grpSpPr>
           <p:pic>
             <p:nvPicPr>
-              <p:cNvPr id="11" name="Picture 10">
+              <p:cNvPr id="90" name="Picture 89">
                 <a:extLst>
                   <a:ext uri="{FF2B5EF4-FFF2-40B4-BE49-F238E27FC236}">
-                    <a16:creationId xmlns:a16="http://schemas.microsoft.com/office/drawing/2014/main" id="{34BFD849-9E2F-40D7-A921-46AB74EA8630}"/>
+                    <a16:creationId xmlns:a16="http://schemas.microsoft.com/office/drawing/2014/main" id="{E008A42A-2B2F-443F-93B8-A007B255FCFF}"/>
                   </a:ext>
                 </a:extLst>
               </p:cNvPr>
@@ -25957,8 +28331,8 @@
             </p:blipFill>
             <p:spPr>
               <a:xfrm>
-                <a:off x="4067006" y="4839419"/>
-                <a:ext cx="826300" cy="645094"/>
+                <a:off x="4723038" y="3394116"/>
+                <a:ext cx="583912" cy="455862"/>
               </a:xfrm>
               <a:prstGeom prst="rect">
                 <a:avLst/>
@@ -25967,10 +28341,10 @@
           </p:pic>
           <p:sp>
             <p:nvSpPr>
-              <p:cNvPr id="14" name="Rectangle 13">
+              <p:cNvPr id="91" name="Rectangle 90">
                 <a:extLst>
                   <a:ext uri="{FF2B5EF4-FFF2-40B4-BE49-F238E27FC236}">
-                    <a16:creationId xmlns:a16="http://schemas.microsoft.com/office/drawing/2014/main" id="{679C8248-5E52-4539-AB77-1F838A2A22DE}"/>
+                    <a16:creationId xmlns:a16="http://schemas.microsoft.com/office/drawing/2014/main" id="{52D99E51-E899-4132-8279-5525AD232FA0}"/>
                   </a:ext>
                 </a:extLst>
               </p:cNvPr>
@@ -25979,8 +28353,8 @@
             </p:nvSpPr>
             <p:spPr>
               <a:xfrm rot="5400000">
-                <a:off x="4261355" y="5011856"/>
-                <a:ext cx="437602" cy="1546662"/>
+                <a:off x="4877021" y="2979341"/>
+                <a:ext cx="275946" cy="1959752"/>
               </a:xfrm>
               <a:prstGeom prst="rect">
                 <a:avLst/>
@@ -26010,16 +28384,16 @@
               <a:p>
                 <a:pPr algn="ctr"/>
                 <a:r>
-                  <a:rPr lang="en-US" sz="1200" b="1" dirty="0">
+                  <a:rPr lang="en-US" sz="1050" b="1" dirty="0">
                     <a:solidFill>
                       <a:srgbClr val="080808"/>
                     </a:solidFill>
                     <a:latin typeface="Segoe UI (Body)"/>
                     <a:cs typeface="Tahoma"/>
                   </a:rPr>
-                  <a:t>Scale Controller (Out)</a:t>
+                  <a:t>Scale Trigger Request (Out)</a:t>
                 </a:r>
-                <a:endParaRPr lang="en-BE" sz="1200" b="1" dirty="0" err="1">
+                <a:endParaRPr lang="en-BE" sz="1050" b="1" dirty="0" err="1">
                   <a:solidFill>
                     <a:srgbClr val="080808"/>
                   </a:solidFill>
@@ -26032,10 +28406,10 @@
         </p:grpSp>
         <p:grpSp>
           <p:nvGrpSpPr>
-            <p:cNvPr id="75" name="Group 74">
+            <p:cNvPr id="104" name="Group 103">
               <a:extLst>
                 <a:ext uri="{FF2B5EF4-FFF2-40B4-BE49-F238E27FC236}">
-                  <a16:creationId xmlns:a16="http://schemas.microsoft.com/office/drawing/2014/main" id="{2FF99622-3999-44E0-9CE9-CB9A4A367AA7}"/>
+                  <a16:creationId xmlns:a16="http://schemas.microsoft.com/office/drawing/2014/main" id="{277F7088-C257-42A2-ABEF-D153470F5646}"/>
                 </a:ext>
               </a:extLst>
             </p:cNvPr>
@@ -26044,18 +28418,18 @@
           </p:nvGrpSpPr>
           <p:grpSpPr>
             <a:xfrm>
-              <a:off x="6542040" y="4134675"/>
-              <a:ext cx="1546662" cy="1123465"/>
-              <a:chOff x="6542040" y="4134675"/>
-              <a:chExt cx="1546662" cy="1123465"/>
+              <a:off x="6257529" y="3400406"/>
+              <a:ext cx="2115683" cy="703074"/>
+              <a:chOff x="4035118" y="3394116"/>
+              <a:chExt cx="1959752" cy="703074"/>
             </a:xfrm>
           </p:grpSpPr>
           <p:pic>
             <p:nvPicPr>
-              <p:cNvPr id="62" name="Picture 61">
+              <p:cNvPr id="105" name="Picture 104">
                 <a:extLst>
                   <a:ext uri="{FF2B5EF4-FFF2-40B4-BE49-F238E27FC236}">
-                    <a16:creationId xmlns:a16="http://schemas.microsoft.com/office/drawing/2014/main" id="{3B05CADA-D53F-4ADC-8E3D-CEF959B51E93}"/>
+                    <a16:creationId xmlns:a16="http://schemas.microsoft.com/office/drawing/2014/main" id="{1FE5D6DA-E428-450C-877F-9896C434E067}"/>
                   </a:ext>
                 </a:extLst>
               </p:cNvPr>
@@ -26072,8 +28446,8 @@
             </p:blipFill>
             <p:spPr>
               <a:xfrm>
-                <a:off x="6902221" y="4134675"/>
-                <a:ext cx="826300" cy="645094"/>
+                <a:off x="4723038" y="3394116"/>
+                <a:ext cx="583912" cy="455862"/>
               </a:xfrm>
               <a:prstGeom prst="rect">
                 <a:avLst/>
@@ -26082,10 +28456,10 @@
           </p:pic>
           <p:sp>
             <p:nvSpPr>
-              <p:cNvPr id="63" name="Rectangle 62">
+              <p:cNvPr id="106" name="Rectangle 105">
                 <a:extLst>
                   <a:ext uri="{FF2B5EF4-FFF2-40B4-BE49-F238E27FC236}">
-                    <a16:creationId xmlns:a16="http://schemas.microsoft.com/office/drawing/2014/main" id="{28896B78-4D78-4BE0-8091-2D95FAFEFE0D}"/>
+                    <a16:creationId xmlns:a16="http://schemas.microsoft.com/office/drawing/2014/main" id="{5F05F9EB-145D-42C4-9B73-43480AFD97EE}"/>
                   </a:ext>
                 </a:extLst>
               </p:cNvPr>
@@ -26094,8 +28468,8 @@
             </p:nvSpPr>
             <p:spPr>
               <a:xfrm rot="5400000">
-                <a:off x="7096570" y="4266008"/>
-                <a:ext cx="437602" cy="1546662"/>
+                <a:off x="4877021" y="2979341"/>
+                <a:ext cx="275946" cy="1959752"/>
               </a:xfrm>
               <a:prstGeom prst="rect">
                 <a:avLst/>
@@ -26120,21 +28494,21 @@
               </a:fontRef>
             </p:style>
             <p:txBody>
-              <a:bodyPr vert="vert270" rtlCol="0" anchor="t"/>
+              <a:bodyPr vert="vert270" rtlCol="0" anchor="ctr"/>
               <a:lstStyle/>
               <a:p>
                 <a:pPr algn="ctr"/>
                 <a:r>
-                  <a:rPr lang="en-US" sz="1200" b="1" dirty="0">
+                  <a:rPr lang="en-US" sz="1050" b="1" dirty="0">
                     <a:solidFill>
                       <a:srgbClr val="080808"/>
                     </a:solidFill>
                     <a:latin typeface="Segoe UI (Body)"/>
                     <a:cs typeface="Tahoma"/>
                   </a:rPr>
-                  <a:t>Scale Controller (In)</a:t>
+                  <a:t>Scale Trigger Request (In)</a:t>
                 </a:r>
-                <a:endParaRPr lang="en-BE" sz="1200" b="1" dirty="0" err="1">
+                <a:endParaRPr lang="en-BE" sz="1050" b="1" dirty="0" err="1">
                   <a:solidFill>
                     <a:srgbClr val="080808"/>
                   </a:solidFill>
@@ -26145,12 +28519,174 @@
             </p:txBody>
           </p:sp>
         </p:grpSp>
+        <p:grpSp>
+          <p:nvGrpSpPr>
+            <p:cNvPr id="109" name="Group 108">
+              <a:extLst>
+                <a:ext uri="{FF2B5EF4-FFF2-40B4-BE49-F238E27FC236}">
+                  <a16:creationId xmlns:a16="http://schemas.microsoft.com/office/drawing/2014/main" id="{96992EB7-3CDB-4880-B81A-C98E4C1EB6A5}"/>
+                </a:ext>
+              </a:extLst>
+            </p:cNvPr>
+            <p:cNvGrpSpPr/>
+            <p:nvPr/>
+          </p:nvGrpSpPr>
+          <p:grpSpPr>
+            <a:xfrm>
+              <a:off x="8448888" y="3393477"/>
+              <a:ext cx="2115683" cy="701506"/>
+              <a:chOff x="4035118" y="3394116"/>
+              <a:chExt cx="1959752" cy="701506"/>
+            </a:xfrm>
+          </p:grpSpPr>
+          <p:pic>
+            <p:nvPicPr>
+              <p:cNvPr id="110" name="Picture 109">
+                <a:extLst>
+                  <a:ext uri="{FF2B5EF4-FFF2-40B4-BE49-F238E27FC236}">
+                    <a16:creationId xmlns:a16="http://schemas.microsoft.com/office/drawing/2014/main" id="{C94F4759-606A-4455-A2E7-79C4D0522EBD}"/>
+                  </a:ext>
+                </a:extLst>
+              </p:cNvPr>
+              <p:cNvPicPr>
+                <a:picLocks noChangeAspect="1"/>
+              </p:cNvPicPr>
+              <p:nvPr/>
+            </p:nvPicPr>
+            <p:blipFill>
+              <a:blip r:embed="rId6"/>
+              <a:stretch>
+                <a:fillRect/>
+              </a:stretch>
+            </p:blipFill>
+            <p:spPr>
+              <a:xfrm>
+                <a:off x="4723038" y="3394116"/>
+                <a:ext cx="583912" cy="455862"/>
+              </a:xfrm>
+              <a:prstGeom prst="rect">
+                <a:avLst/>
+              </a:prstGeom>
+            </p:spPr>
+          </p:pic>
+          <p:sp>
+            <p:nvSpPr>
+              <p:cNvPr id="113" name="Rectangle 112">
+                <a:extLst>
+                  <a:ext uri="{FF2B5EF4-FFF2-40B4-BE49-F238E27FC236}">
+                    <a16:creationId xmlns:a16="http://schemas.microsoft.com/office/drawing/2014/main" id="{975DE49F-64FC-47B8-9144-645C564607D0}"/>
+                  </a:ext>
+                </a:extLst>
+              </p:cNvPr>
+              <p:cNvSpPr/>
+              <p:nvPr/>
+            </p:nvSpPr>
+            <p:spPr>
+              <a:xfrm rot="5400000">
+                <a:off x="4877021" y="2977773"/>
+                <a:ext cx="275946" cy="1959752"/>
+              </a:xfrm>
+              <a:prstGeom prst="rect">
+                <a:avLst/>
+              </a:prstGeom>
+              <a:noFill/>
+              <a:ln w="19050">
+                <a:noFill/>
+              </a:ln>
+            </p:spPr>
+            <p:style>
+              <a:lnRef idx="2">
+                <a:schemeClr val="accent2"/>
+              </a:lnRef>
+              <a:fillRef idx="1">
+                <a:schemeClr val="lt1"/>
+              </a:fillRef>
+              <a:effectRef idx="0">
+                <a:schemeClr val="accent2"/>
+              </a:effectRef>
+              <a:fontRef idx="minor">
+                <a:schemeClr val="dk1"/>
+              </a:fontRef>
+            </p:style>
+            <p:txBody>
+              <a:bodyPr vert="vert270" rtlCol="0" anchor="ctr"/>
+              <a:lstStyle/>
+              <a:p>
+                <a:pPr algn="ctr"/>
+                <a:r>
+                  <a:rPr lang="en-US" sz="1050" b="1" dirty="0">
+                    <a:solidFill>
+                      <a:srgbClr val="080808"/>
+                    </a:solidFill>
+                    <a:latin typeface="Segoe UI (Body)"/>
+                    <a:cs typeface="Tahoma"/>
+                  </a:rPr>
+                  <a:t>Scale Trigger Orchestrator (In)</a:t>
+                </a:r>
+                <a:endParaRPr lang="en-BE" sz="1050" b="1" dirty="0" err="1">
+                  <a:solidFill>
+                    <a:srgbClr val="080808"/>
+                  </a:solidFill>
+                  <a:latin typeface="Segoe UI (Body)"/>
+                  <a:cs typeface="Tahoma"/>
+                </a:endParaRPr>
+              </a:p>
+            </p:txBody>
+          </p:sp>
+        </p:grpSp>
+        <p:cxnSp>
+          <p:nvCxnSpPr>
+            <p:cNvPr id="114" name="Connector: Elbow 110">
+              <a:extLst>
+                <a:ext uri="{FF2B5EF4-FFF2-40B4-BE49-F238E27FC236}">
+                  <a16:creationId xmlns:a16="http://schemas.microsoft.com/office/drawing/2014/main" id="{82C5C636-44C5-4053-8988-EBB0CBCE5A02}"/>
+                </a:ext>
+              </a:extLst>
+            </p:cNvPr>
+            <p:cNvCxnSpPr>
+              <a:cxnSpLocks/>
+              <a:stCxn id="110" idx="1"/>
+              <a:endCxn id="105" idx="3"/>
+            </p:cNvCxnSpPr>
+            <p:nvPr/>
+          </p:nvCxnSpPr>
+          <p:spPr>
+            <a:xfrm flipH="1">
+              <a:off x="7630557" y="3621408"/>
+              <a:ext cx="1560987" cy="6929"/>
+            </a:xfrm>
+            <a:prstGeom prst="straightConnector1">
+              <a:avLst/>
+            </a:prstGeom>
+            <a:ln w="19050">
+              <a:solidFill>
+                <a:schemeClr val="accent5"/>
+              </a:solidFill>
+              <a:prstDash val="sysDash"/>
+              <a:tailEnd type="triangle"/>
+            </a:ln>
+          </p:spPr>
+          <p:style>
+            <a:lnRef idx="1">
+              <a:schemeClr val="accent3"/>
+            </a:lnRef>
+            <a:fillRef idx="0">
+              <a:schemeClr val="accent3"/>
+            </a:fillRef>
+            <a:effectRef idx="0">
+              <a:schemeClr val="accent3"/>
+            </a:effectRef>
+            <a:fontRef idx="minor">
+              <a:schemeClr val="tx1"/>
+            </a:fontRef>
+          </p:style>
+        </p:cxnSp>
         <p:sp>
           <p:nvSpPr>
-            <p:cNvPr id="37" name="Rectangle 36">
+            <p:cNvPr id="68" name="Rectangle 67">
               <a:extLst>
                 <a:ext uri="{FF2B5EF4-FFF2-40B4-BE49-F238E27FC236}">
-                  <a16:creationId xmlns:a16="http://schemas.microsoft.com/office/drawing/2014/main" id="{35750910-2495-44F8-A322-D8559608832A}"/>
+                  <a16:creationId xmlns:a16="http://schemas.microsoft.com/office/drawing/2014/main" id="{B155F7E5-0465-40F4-B233-AFC372E50376}"/>
                 </a:ext>
               </a:extLst>
             </p:cNvPr>
@@ -26159,101 +28695,8 @@
           </p:nvSpPr>
           <p:spPr>
             <a:xfrm rot="5400000">
-              <a:off x="5909542" y="-751211"/>
-              <a:ext cx="372907" cy="8867957"/>
-            </a:xfrm>
-            <a:prstGeom prst="rect">
-              <a:avLst/>
-            </a:prstGeom>
-            <a:noFill/>
-            <a:ln w="19050">
-              <a:noFill/>
-            </a:ln>
-          </p:spPr>
-          <p:style>
-            <a:lnRef idx="2">
-              <a:schemeClr val="accent2"/>
-            </a:lnRef>
-            <a:fillRef idx="1">
-              <a:schemeClr val="lt1"/>
-            </a:fillRef>
-            <a:effectRef idx="0">
-              <a:schemeClr val="accent2"/>
-            </a:effectRef>
-            <a:fontRef idx="minor">
-              <a:schemeClr val="dk1"/>
-            </a:fontRef>
-          </p:style>
-          <p:txBody>
-            <a:bodyPr vert="vert270" rtlCol="0" anchor="ctr"/>
-            <a:lstStyle/>
-            <a:p>
-              <a:r>
-                <a:rPr lang="en-US" sz="1400" b="1" dirty="0">
-                  <a:solidFill>
-                    <a:srgbClr val="0070C0"/>
-                  </a:solidFill>
-                  <a:latin typeface="Segoe UI (Body)"/>
-                  <a:cs typeface="Tahoma"/>
-                </a:rPr>
-                <a:t>Autoscaling Resource Group</a:t>
-              </a:r>
-              <a:endParaRPr lang="en-BE" sz="1400" b="1" dirty="0" err="1">
-                <a:solidFill>
-                  <a:srgbClr val="0070C0"/>
-                </a:solidFill>
-                <a:latin typeface="Segoe UI (Body)"/>
-                <a:cs typeface="Tahoma"/>
-              </a:endParaRPr>
-            </a:p>
-          </p:txBody>
-        </p:sp>
-        <p:pic>
-          <p:nvPicPr>
-            <p:cNvPr id="40" name="Picture 39">
-              <a:extLst>
-                <a:ext uri="{FF2B5EF4-FFF2-40B4-BE49-F238E27FC236}">
-                  <a16:creationId xmlns:a16="http://schemas.microsoft.com/office/drawing/2014/main" id="{C31D04D2-6CEA-4C91-BC78-E46596619B34}"/>
-                </a:ext>
-              </a:extLst>
-            </p:cNvPr>
-            <p:cNvPicPr>
-              <a:picLocks noChangeAspect="1"/>
-            </p:cNvPicPr>
-            <p:nvPr/>
-          </p:nvPicPr>
-          <p:blipFill>
-            <a:blip r:embed="rId7"/>
-            <a:stretch>
-              <a:fillRect/>
-            </a:stretch>
-          </p:blipFill>
-          <p:spPr>
-            <a:xfrm>
-              <a:off x="5814684" y="5279353"/>
-              <a:ext cx="562622" cy="560248"/>
-            </a:xfrm>
-            <a:prstGeom prst="rect">
-              <a:avLst/>
-            </a:prstGeom>
-          </p:spPr>
-        </p:pic>
-        <p:sp>
-          <p:nvSpPr>
-            <p:cNvPr id="41" name="Rectangle 40">
-              <a:extLst>
-                <a:ext uri="{FF2B5EF4-FFF2-40B4-BE49-F238E27FC236}">
-                  <a16:creationId xmlns:a16="http://schemas.microsoft.com/office/drawing/2014/main" id="{03C3FEAE-7DB3-4094-83E3-25F81C04CF60}"/>
-                </a:ext>
-              </a:extLst>
-            </p:cNvPr>
-            <p:cNvSpPr/>
-            <p:nvPr/>
-          </p:nvSpPr>
-          <p:spPr>
-            <a:xfrm rot="5400000">
-              <a:off x="5877194" y="5243965"/>
-              <a:ext cx="437602" cy="1546662"/>
+              <a:off x="8283254" y="2694322"/>
+              <a:ext cx="350255" cy="1655650"/>
             </a:xfrm>
             <a:prstGeom prst="rect">
               <a:avLst/>
@@ -26283,16 +28726,16 @@
             <a:p>
               <a:pPr algn="ctr"/>
               <a:r>
-                <a:rPr lang="en-US" sz="1200" dirty="0">
+                <a:rPr lang="en-US" sz="900" i="1" dirty="0">
                   <a:solidFill>
                     <a:srgbClr val="080808"/>
                   </a:solidFill>
                   <a:latin typeface="Segoe UI (Body)"/>
                   <a:cs typeface="Tahoma"/>
                 </a:rPr>
-                <a:t>Scaling Events</a:t>
+                <a:t>Enable / Disable</a:t>
               </a:r>
-              <a:endParaRPr lang="en-BE" sz="1200" dirty="0" err="1">
+              <a:endParaRPr lang="en-BE" sz="900" i="1" dirty="0" err="1">
                 <a:solidFill>
                   <a:srgbClr val="080808"/>
                 </a:solidFill>
@@ -26302,104 +28745,12 @@
             </a:p>
           </p:txBody>
         </p:sp>
-        <p:cxnSp>
-          <p:nvCxnSpPr>
-            <p:cNvPr id="49" name="Connector: Elbow 48">
+        <p:grpSp>
+          <p:nvGrpSpPr>
+            <p:cNvPr id="117" name="Group 116">
               <a:extLst>
                 <a:ext uri="{FF2B5EF4-FFF2-40B4-BE49-F238E27FC236}">
-                  <a16:creationId xmlns:a16="http://schemas.microsoft.com/office/drawing/2014/main" id="{0150E758-89EC-47FF-8F30-0415FAF58E86}"/>
-                </a:ext>
-              </a:extLst>
-            </p:cNvPr>
-            <p:cNvCxnSpPr>
-              <a:cxnSpLocks/>
-              <a:stCxn id="11" idx="3"/>
-            </p:cNvCxnSpPr>
-            <p:nvPr/>
-          </p:nvCxnSpPr>
-          <p:spPr>
-            <a:xfrm>
-              <a:off x="5428144" y="4457222"/>
-              <a:ext cx="585665" cy="780331"/>
-            </a:xfrm>
-            <a:prstGeom prst="bentConnector2">
-              <a:avLst/>
-            </a:prstGeom>
-            <a:ln w="19050">
-              <a:solidFill>
-                <a:schemeClr val="accent5"/>
-              </a:solidFill>
-              <a:prstDash val="sysDot"/>
-              <a:tailEnd type="triangle"/>
-            </a:ln>
-          </p:spPr>
-          <p:style>
-            <a:lnRef idx="1">
-              <a:schemeClr val="accent3"/>
-            </a:lnRef>
-            <a:fillRef idx="0">
-              <a:schemeClr val="accent3"/>
-            </a:fillRef>
-            <a:effectRef idx="0">
-              <a:schemeClr val="accent3"/>
-            </a:effectRef>
-            <a:fontRef idx="minor">
-              <a:schemeClr val="tx1"/>
-            </a:fontRef>
-          </p:style>
-        </p:cxnSp>
-        <p:cxnSp>
-          <p:nvCxnSpPr>
-            <p:cNvPr id="92" name="Connector: Elbow 91">
-              <a:extLst>
-                <a:ext uri="{FF2B5EF4-FFF2-40B4-BE49-F238E27FC236}">
-                  <a16:creationId xmlns:a16="http://schemas.microsoft.com/office/drawing/2014/main" id="{3A2A65DB-5C09-456C-A503-900BE30679B5}"/>
-                </a:ext>
-              </a:extLst>
-            </p:cNvPr>
-            <p:cNvCxnSpPr>
-              <a:cxnSpLocks/>
-              <a:stCxn id="62" idx="1"/>
-            </p:cNvCxnSpPr>
-            <p:nvPr/>
-          </p:nvCxnSpPr>
-          <p:spPr>
-            <a:xfrm rot="10800000" flipV="1">
-              <a:off x="6244257" y="4457221"/>
-              <a:ext cx="657964" cy="780331"/>
-            </a:xfrm>
-            <a:prstGeom prst="bentConnector2">
-              <a:avLst/>
-            </a:prstGeom>
-            <a:ln w="19050">
-              <a:solidFill>
-                <a:schemeClr val="accent5"/>
-              </a:solidFill>
-              <a:prstDash val="sysDot"/>
-              <a:tailEnd type="triangle"/>
-            </a:ln>
-          </p:spPr>
-          <p:style>
-            <a:lnRef idx="1">
-              <a:schemeClr val="accent3"/>
-            </a:lnRef>
-            <a:fillRef idx="0">
-              <a:schemeClr val="accent3"/>
-            </a:fillRef>
-            <a:effectRef idx="0">
-              <a:schemeClr val="accent3"/>
-            </a:effectRef>
-            <a:fontRef idx="minor">
-              <a:schemeClr val="tx1"/>
-            </a:fontRef>
-          </p:style>
-        </p:cxnSp>
-        <p:grpSp>
-          <p:nvGrpSpPr>
-            <p:cNvPr id="99" name="Group 98">
-              <a:extLst>
-                <a:ext uri="{FF2B5EF4-FFF2-40B4-BE49-F238E27FC236}">
-                  <a16:creationId xmlns:a16="http://schemas.microsoft.com/office/drawing/2014/main" id="{2C7E4F9E-C596-46B7-BEE0-D6B54CF6081C}"/>
+                  <a16:creationId xmlns:a16="http://schemas.microsoft.com/office/drawing/2014/main" id="{97302A35-EB46-4CDA-9056-F52A128FCE31}"/>
                 </a:ext>
               </a:extLst>
             </p:cNvPr>
@@ -26408,18 +28759,18 @@
           </p:nvGrpSpPr>
           <p:grpSpPr>
             <a:xfrm>
-              <a:off x="2281851" y="4134675"/>
-              <a:ext cx="1546662" cy="1164569"/>
-              <a:chOff x="3706825" y="4839419"/>
-              <a:chExt cx="1546662" cy="1164569"/>
+              <a:off x="1683951" y="3383074"/>
+              <a:ext cx="2115683" cy="701506"/>
+              <a:chOff x="4035118" y="3394116"/>
+              <a:chExt cx="1959752" cy="701506"/>
             </a:xfrm>
           </p:grpSpPr>
           <p:pic>
             <p:nvPicPr>
-              <p:cNvPr id="100" name="Picture 99">
+              <p:cNvPr id="118" name="Picture 117">
                 <a:extLst>
                   <a:ext uri="{FF2B5EF4-FFF2-40B4-BE49-F238E27FC236}">
-                    <a16:creationId xmlns:a16="http://schemas.microsoft.com/office/drawing/2014/main" id="{80340BD3-0E48-4FC3-94E3-454F3B2CFE70}"/>
+                    <a16:creationId xmlns:a16="http://schemas.microsoft.com/office/drawing/2014/main" id="{6C9869AB-3B11-4631-9355-C737848A3506}"/>
                   </a:ext>
                 </a:extLst>
               </p:cNvPr>
@@ -26436,8 +28787,8 @@
             </p:blipFill>
             <p:spPr>
               <a:xfrm>
-                <a:off x="4067006" y="4839419"/>
-                <a:ext cx="826300" cy="645094"/>
+                <a:off x="4723038" y="3394116"/>
+                <a:ext cx="583912" cy="455862"/>
               </a:xfrm>
               <a:prstGeom prst="rect">
                 <a:avLst/>
@@ -26446,10 +28797,10 @@
           </p:pic>
           <p:sp>
             <p:nvSpPr>
-              <p:cNvPr id="101" name="Rectangle 100">
+              <p:cNvPr id="120" name="Rectangle 119">
                 <a:extLst>
                   <a:ext uri="{FF2B5EF4-FFF2-40B4-BE49-F238E27FC236}">
-                    <a16:creationId xmlns:a16="http://schemas.microsoft.com/office/drawing/2014/main" id="{8676A514-6DD0-483F-9F5D-3DC6FDBC6C38}"/>
+                    <a16:creationId xmlns:a16="http://schemas.microsoft.com/office/drawing/2014/main" id="{629C048C-29C7-4CC8-BBEE-5AC4D5DB9BB6}"/>
                   </a:ext>
                 </a:extLst>
               </p:cNvPr>
@@ -26458,8 +28809,8 @@
             </p:nvSpPr>
             <p:spPr>
               <a:xfrm rot="5400000">
-                <a:off x="4261355" y="5011856"/>
-                <a:ext cx="437602" cy="1546662"/>
+                <a:off x="4877021" y="2977773"/>
+                <a:ext cx="275946" cy="1959752"/>
               </a:xfrm>
               <a:prstGeom prst="rect">
                 <a:avLst/>
@@ -26484,136 +28835,21 @@
               </a:fontRef>
             </p:style>
             <p:txBody>
-              <a:bodyPr vert="vert270" rtlCol="0" anchor="t"/>
+              <a:bodyPr vert="vert270" rtlCol="0" anchor="ctr"/>
               <a:lstStyle/>
               <a:p>
                 <a:pPr algn="ctr"/>
                 <a:r>
-                  <a:rPr lang="en-US" sz="1200" b="1" dirty="0">
+                  <a:rPr lang="en-US" sz="1050" b="1" dirty="0">
                     <a:solidFill>
                       <a:srgbClr val="080808"/>
                     </a:solidFill>
                     <a:latin typeface="Segoe UI (Body)"/>
                     <a:cs typeface="Tahoma"/>
                   </a:rPr>
-                  <a:t>Scale Out</a:t>
+                  <a:t>Scale Trigger Orchestrator (Out)</a:t>
                 </a:r>
-                <a:endParaRPr lang="en-BE" sz="1200" b="1" dirty="0" err="1">
-                  <a:solidFill>
-                    <a:srgbClr val="080808"/>
-                  </a:solidFill>
-                  <a:latin typeface="Segoe UI (Body)"/>
-                  <a:cs typeface="Tahoma"/>
-                </a:endParaRPr>
-              </a:p>
-            </p:txBody>
-          </p:sp>
-        </p:grpSp>
-        <p:grpSp>
-          <p:nvGrpSpPr>
-            <p:cNvPr id="102" name="Group 101">
-              <a:extLst>
-                <a:ext uri="{FF2B5EF4-FFF2-40B4-BE49-F238E27FC236}">
-                  <a16:creationId xmlns:a16="http://schemas.microsoft.com/office/drawing/2014/main" id="{DF6C8BF8-80F5-46A7-BCD3-3E833D60699C}"/>
-                </a:ext>
-              </a:extLst>
-            </p:cNvPr>
-            <p:cNvGrpSpPr/>
-            <p:nvPr/>
-          </p:nvGrpSpPr>
-          <p:grpSpPr>
-            <a:xfrm>
-              <a:off x="8504622" y="4134675"/>
-              <a:ext cx="1546662" cy="1164569"/>
-              <a:chOff x="3706825" y="4839419"/>
-              <a:chExt cx="1546662" cy="1164569"/>
-            </a:xfrm>
-          </p:grpSpPr>
-          <p:pic>
-            <p:nvPicPr>
-              <p:cNvPr id="103" name="Picture 102">
-                <a:extLst>
-                  <a:ext uri="{FF2B5EF4-FFF2-40B4-BE49-F238E27FC236}">
-                    <a16:creationId xmlns:a16="http://schemas.microsoft.com/office/drawing/2014/main" id="{84D7E7D6-2F5E-45B3-87C0-30CC904C72A6}"/>
-                  </a:ext>
-                </a:extLst>
-              </p:cNvPr>
-              <p:cNvPicPr>
-                <a:picLocks noChangeAspect="1"/>
-              </p:cNvPicPr>
-              <p:nvPr/>
-            </p:nvPicPr>
-            <p:blipFill>
-              <a:blip r:embed="rId6"/>
-              <a:stretch>
-                <a:fillRect/>
-              </a:stretch>
-            </p:blipFill>
-            <p:spPr>
-              <a:xfrm>
-                <a:off x="4067006" y="4839419"/>
-                <a:ext cx="826300" cy="645094"/>
-              </a:xfrm>
-              <a:prstGeom prst="rect">
-                <a:avLst/>
-              </a:prstGeom>
-            </p:spPr>
-          </p:pic>
-          <p:sp>
-            <p:nvSpPr>
-              <p:cNvPr id="108" name="Rectangle 107">
-                <a:extLst>
-                  <a:ext uri="{FF2B5EF4-FFF2-40B4-BE49-F238E27FC236}">
-                    <a16:creationId xmlns:a16="http://schemas.microsoft.com/office/drawing/2014/main" id="{806D4719-98F1-49AD-8577-723C4A0A837F}"/>
-                  </a:ext>
-                </a:extLst>
-              </p:cNvPr>
-              <p:cNvSpPr/>
-              <p:nvPr/>
-            </p:nvSpPr>
-            <p:spPr>
-              <a:xfrm rot="5400000">
-                <a:off x="4261355" y="5011856"/>
-                <a:ext cx="437602" cy="1546662"/>
-              </a:xfrm>
-              <a:prstGeom prst="rect">
-                <a:avLst/>
-              </a:prstGeom>
-              <a:noFill/>
-              <a:ln w="19050">
-                <a:noFill/>
-              </a:ln>
-            </p:spPr>
-            <p:style>
-              <a:lnRef idx="2">
-                <a:schemeClr val="accent2"/>
-              </a:lnRef>
-              <a:fillRef idx="1">
-                <a:schemeClr val="lt1"/>
-              </a:fillRef>
-              <a:effectRef idx="0">
-                <a:schemeClr val="accent2"/>
-              </a:effectRef>
-              <a:fontRef idx="minor">
-                <a:schemeClr val="dk1"/>
-              </a:fontRef>
-            </p:style>
-            <p:txBody>
-              <a:bodyPr vert="vert270" rtlCol="0" anchor="t"/>
-              <a:lstStyle/>
-              <a:p>
-                <a:pPr algn="ctr"/>
-                <a:r>
-                  <a:rPr lang="en-US" sz="1200" b="1" dirty="0">
-                    <a:solidFill>
-                      <a:srgbClr val="080808"/>
-                    </a:solidFill>
-                    <a:latin typeface="Segoe UI (Body)"/>
-                    <a:cs typeface="Tahoma"/>
-                  </a:rPr>
-                  <a:t>Scale In</a:t>
-                </a:r>
-                <a:endParaRPr lang="en-BE" sz="1200" b="1" dirty="0" err="1">
+                <a:endParaRPr lang="en-BE" sz="1050" b="1" dirty="0" err="1">
                   <a:solidFill>
                     <a:srgbClr val="080808"/>
                   </a:solidFill>
@@ -26626,24 +28862,24 @@
         </p:grpSp>
         <p:cxnSp>
           <p:nvCxnSpPr>
-            <p:cNvPr id="111" name="Connector: Elbow 110">
+            <p:cNvPr id="121" name="Connector: Elbow 110">
               <a:extLst>
                 <a:ext uri="{FF2B5EF4-FFF2-40B4-BE49-F238E27FC236}">
-                  <a16:creationId xmlns:a16="http://schemas.microsoft.com/office/drawing/2014/main" id="{A7C30A02-B126-4BA1-AF0D-B100A74FE28A}"/>
+                  <a16:creationId xmlns:a16="http://schemas.microsoft.com/office/drawing/2014/main" id="{02E7779B-28A3-4C8B-9B3E-68FC39063CE7}"/>
                 </a:ext>
               </a:extLst>
             </p:cNvPr>
             <p:cNvCxnSpPr>
               <a:cxnSpLocks/>
-              <a:stCxn id="62" idx="3"/>
-              <a:endCxn id="103" idx="1"/>
+              <a:stCxn id="118" idx="3"/>
+              <a:endCxn id="90" idx="1"/>
             </p:cNvCxnSpPr>
             <p:nvPr/>
           </p:nvCxnSpPr>
           <p:spPr>
             <a:xfrm>
-              <a:off x="7728521" y="4457222"/>
-              <a:ext cx="1136282" cy="0"/>
+              <a:off x="3056979" y="3611005"/>
+              <a:ext cx="1666059" cy="11042"/>
             </a:xfrm>
             <a:prstGeom prst="straightConnector1">
               <a:avLst/>
@@ -26652,7 +28888,7 @@
               <a:solidFill>
                 <a:schemeClr val="accent5"/>
               </a:solidFill>
-              <a:prstDash val="solid"/>
+              <a:prstDash val="sysDash"/>
               <a:tailEnd type="triangle"/>
             </a:ln>
           </p:spPr>
@@ -26671,88 +28907,12 @@
             </a:fontRef>
           </p:style>
         </p:cxnSp>
-        <p:cxnSp>
-          <p:nvCxnSpPr>
-            <p:cNvPr id="112" name="Connector: Elbow 110">
+        <p:sp>
+          <p:nvSpPr>
+            <p:cNvPr id="72" name="Rectangle 71">
               <a:extLst>
                 <a:ext uri="{FF2B5EF4-FFF2-40B4-BE49-F238E27FC236}">
-                  <a16:creationId xmlns:a16="http://schemas.microsoft.com/office/drawing/2014/main" id="{59C30902-3835-43DF-B681-95A5128C802D}"/>
-                </a:ext>
-              </a:extLst>
-            </p:cNvPr>
-            <p:cNvCxnSpPr>
-              <a:cxnSpLocks/>
-              <a:endCxn id="100" idx="3"/>
-            </p:cNvCxnSpPr>
-            <p:nvPr/>
-          </p:nvCxnSpPr>
-          <p:spPr>
-            <a:xfrm flipH="1">
-              <a:off x="3468332" y="4457222"/>
-              <a:ext cx="1133512" cy="0"/>
-            </a:xfrm>
-            <a:prstGeom prst="straightConnector1">
-              <a:avLst/>
-            </a:prstGeom>
-            <a:ln w="19050">
-              <a:solidFill>
-                <a:schemeClr val="accent5"/>
-              </a:solidFill>
-              <a:prstDash val="solid"/>
-              <a:tailEnd type="triangle"/>
-            </a:ln>
-          </p:spPr>
-          <p:style>
-            <a:lnRef idx="1">
-              <a:schemeClr val="accent3"/>
-            </a:lnRef>
-            <a:fillRef idx="0">
-              <a:schemeClr val="accent3"/>
-            </a:fillRef>
-            <a:effectRef idx="0">
-              <a:schemeClr val="accent3"/>
-            </a:effectRef>
-            <a:fontRef idx="minor">
-              <a:schemeClr val="tx1"/>
-            </a:fontRef>
-          </p:style>
-        </p:cxnSp>
-        <p:pic>
-          <p:nvPicPr>
-            <p:cNvPr id="93" name="Picture 92">
-              <a:extLst>
-                <a:ext uri="{FF2B5EF4-FFF2-40B4-BE49-F238E27FC236}">
-                  <a16:creationId xmlns:a16="http://schemas.microsoft.com/office/drawing/2014/main" id="{EB8C1937-E4A0-4EF6-BC40-3BD994591070}"/>
-                </a:ext>
-              </a:extLst>
-            </p:cNvPr>
-            <p:cNvPicPr>
-              <a:picLocks noChangeAspect="1"/>
-            </p:cNvPicPr>
-            <p:nvPr/>
-          </p:nvPicPr>
-          <p:blipFill>
-            <a:blip r:embed="rId8"/>
-            <a:stretch>
-              <a:fillRect/>
-            </a:stretch>
-          </p:blipFill>
-          <p:spPr>
-            <a:xfrm>
-              <a:off x="2763228" y="5332245"/>
-              <a:ext cx="583908" cy="497676"/>
-            </a:xfrm>
-            <a:prstGeom prst="rect">
-              <a:avLst/>
-            </a:prstGeom>
-          </p:spPr>
-        </p:pic>
-        <p:sp>
-          <p:nvSpPr>
-            <p:cNvPr id="188" name="Rectangle 187">
-              <a:extLst>
-                <a:ext uri="{FF2B5EF4-FFF2-40B4-BE49-F238E27FC236}">
-                  <a16:creationId xmlns:a16="http://schemas.microsoft.com/office/drawing/2014/main" id="{846F9722-6605-43DF-848B-998099F44944}"/>
+                  <a16:creationId xmlns:a16="http://schemas.microsoft.com/office/drawing/2014/main" id="{3504F3AA-DE18-4252-BDF3-CF0F329EABDA}"/>
                 </a:ext>
               </a:extLst>
             </p:cNvPr>
@@ -26761,8 +28921,8 @@
           </p:nvSpPr>
           <p:spPr>
             <a:xfrm rot="5400000">
-              <a:off x="2836381" y="5159563"/>
-              <a:ext cx="437602" cy="1814968"/>
+              <a:off x="3749903" y="2682175"/>
+              <a:ext cx="350255" cy="1655650"/>
             </a:xfrm>
             <a:prstGeom prst="rect">
               <a:avLst/>
@@ -26792,35 +28952,16 @@
             <a:p>
               <a:pPr algn="ctr"/>
               <a:r>
-                <a:rPr lang="en-US" sz="1200" dirty="0">
+                <a:rPr lang="en-US" sz="900" i="1" dirty="0">
                   <a:solidFill>
                     <a:srgbClr val="080808"/>
                   </a:solidFill>
                   <a:latin typeface="Segoe UI (Body)"/>
                   <a:cs typeface="Tahoma"/>
                 </a:rPr>
-                <a:t>Deployment Template</a:t>
+                <a:t>Enable / Disable</a:t>
               </a:r>
-              <a:br>
-                <a:rPr lang="en-US" sz="1200" dirty="0">
-                  <a:solidFill>
-                    <a:srgbClr val="080808"/>
-                  </a:solidFill>
-                  <a:latin typeface="Segoe UI (Body)"/>
-                  <a:cs typeface="Tahoma"/>
-                </a:rPr>
-              </a:br>
-              <a:r>
-                <a:rPr lang="en-US" sz="1200" dirty="0">
-                  <a:solidFill>
-                    <a:srgbClr val="080808"/>
-                  </a:solidFill>
-                  <a:latin typeface="Segoe UI (Body)"/>
-                  <a:cs typeface="Tahoma"/>
-                </a:rPr>
-                <a:t>Catalog</a:t>
-              </a:r>
-              <a:endParaRPr lang="en-BE" sz="1200" dirty="0" err="1">
+              <a:endParaRPr lang="en-BE" sz="900" i="1" dirty="0" err="1">
                 <a:solidFill>
                   <a:srgbClr val="080808"/>
                 </a:solidFill>
@@ -26830,956 +28971,33 @@
             </a:p>
           </p:txBody>
         </p:sp>
-      </p:grpSp>
-      <p:cxnSp>
-        <p:nvCxnSpPr>
-          <p:cNvPr id="162" name="Connector: Elbow 161">
-            <a:extLst>
-              <a:ext uri="{FF2B5EF4-FFF2-40B4-BE49-F238E27FC236}">
-                <a16:creationId xmlns:a16="http://schemas.microsoft.com/office/drawing/2014/main" id="{7C04F6AB-144B-4DD6-8608-33AD2C170864}"/>
-              </a:ext>
-            </a:extLst>
-          </p:cNvPr>
-          <p:cNvCxnSpPr>
-            <a:cxnSpLocks/>
-            <a:stCxn id="136" idx="2"/>
-            <a:endCxn id="22" idx="0"/>
-          </p:cNvCxnSpPr>
-          <p:nvPr/>
-        </p:nvCxnSpPr>
-        <p:spPr>
-          <a:xfrm rot="5400000">
-            <a:off x="5154258" y="2063527"/>
-            <a:ext cx="802475" cy="1081001"/>
-          </a:xfrm>
-          <a:prstGeom prst="bentConnector3">
-            <a:avLst>
-              <a:gd name="adj1" fmla="val 50000"/>
-            </a:avLst>
-          </a:prstGeom>
-          <a:ln w="19050">
-            <a:solidFill>
-              <a:schemeClr val="accent5"/>
-            </a:solidFill>
-            <a:prstDash val="sysDot"/>
-            <a:tailEnd type="triangle"/>
-          </a:ln>
-        </p:spPr>
-        <p:style>
-          <a:lnRef idx="1">
-            <a:schemeClr val="accent3"/>
-          </a:lnRef>
-          <a:fillRef idx="0">
-            <a:schemeClr val="accent3"/>
-          </a:fillRef>
-          <a:effectRef idx="0">
-            <a:schemeClr val="accent3"/>
-          </a:effectRef>
-          <a:fontRef idx="minor">
-            <a:schemeClr val="tx1"/>
-          </a:fontRef>
-        </p:style>
-      </p:cxnSp>
-      <p:cxnSp>
-        <p:nvCxnSpPr>
-          <p:cNvPr id="168" name="Connector: Elbow 167">
-            <a:extLst>
-              <a:ext uri="{FF2B5EF4-FFF2-40B4-BE49-F238E27FC236}">
-                <a16:creationId xmlns:a16="http://schemas.microsoft.com/office/drawing/2014/main" id="{D2A783FA-776D-4C77-B939-62EE2DFAF96E}"/>
-              </a:ext>
-            </a:extLst>
-          </p:cNvPr>
-          <p:cNvCxnSpPr>
-            <a:cxnSpLocks/>
-            <a:stCxn id="136" idx="2"/>
-            <a:endCxn id="38" idx="0"/>
-          </p:cNvCxnSpPr>
-          <p:nvPr/>
-        </p:nvCxnSpPr>
-        <p:spPr>
-          <a:xfrm rot="16200000" flipH="1">
-            <a:off x="6311984" y="1986801"/>
-            <a:ext cx="787398" cy="1219376"/>
-          </a:xfrm>
-          <a:prstGeom prst="bentConnector3">
-            <a:avLst>
-              <a:gd name="adj1" fmla="val 50000"/>
-            </a:avLst>
-          </a:prstGeom>
-          <a:ln w="19050">
-            <a:solidFill>
-              <a:schemeClr val="accent5"/>
-            </a:solidFill>
-            <a:prstDash val="sysDot"/>
-            <a:tailEnd type="triangle"/>
-          </a:ln>
-        </p:spPr>
-        <p:style>
-          <a:lnRef idx="1">
-            <a:schemeClr val="accent3"/>
-          </a:lnRef>
-          <a:fillRef idx="0">
-            <a:schemeClr val="accent3"/>
-          </a:fillRef>
-          <a:effectRef idx="0">
-            <a:schemeClr val="accent3"/>
-          </a:effectRef>
-          <a:fontRef idx="minor">
-            <a:schemeClr val="tx1"/>
-          </a:fontRef>
-        </p:style>
-      </p:cxnSp>
-      <p:cxnSp>
-        <p:nvCxnSpPr>
-          <p:cNvPr id="171" name="Connector: Elbow 110">
-            <a:extLst>
-              <a:ext uri="{FF2B5EF4-FFF2-40B4-BE49-F238E27FC236}">
-                <a16:creationId xmlns:a16="http://schemas.microsoft.com/office/drawing/2014/main" id="{94D0376E-6CB6-4018-901B-8629035D7989}"/>
-              </a:ext>
-            </a:extLst>
-          </p:cNvPr>
-          <p:cNvCxnSpPr>
-            <a:cxnSpLocks/>
-            <a:stCxn id="38" idx="2"/>
-            <a:endCxn id="62" idx="0"/>
-          </p:cNvCxnSpPr>
-          <p:nvPr/>
-        </p:nvCxnSpPr>
-        <p:spPr>
-          <a:xfrm>
-            <a:off x="7315371" y="3428872"/>
-            <a:ext cx="0" cy="1029955"/>
-          </a:xfrm>
-          <a:prstGeom prst="straightConnector1">
-            <a:avLst/>
-          </a:prstGeom>
-          <a:ln w="19050">
-            <a:solidFill>
-              <a:schemeClr val="accent5"/>
-            </a:solidFill>
-            <a:prstDash val="solid"/>
-            <a:tailEnd type="triangle"/>
-          </a:ln>
-        </p:spPr>
-        <p:style>
-          <a:lnRef idx="1">
-            <a:schemeClr val="accent3"/>
-          </a:lnRef>
-          <a:fillRef idx="0">
-            <a:schemeClr val="accent3"/>
-          </a:fillRef>
-          <a:effectRef idx="0">
-            <a:schemeClr val="accent3"/>
-          </a:effectRef>
-          <a:fontRef idx="minor">
-            <a:schemeClr val="tx1"/>
-          </a:fontRef>
-        </p:style>
-      </p:cxnSp>
-      <p:cxnSp>
-        <p:nvCxnSpPr>
-          <p:cNvPr id="174" name="Connector: Elbow 110">
-            <a:extLst>
-              <a:ext uri="{FF2B5EF4-FFF2-40B4-BE49-F238E27FC236}">
-                <a16:creationId xmlns:a16="http://schemas.microsoft.com/office/drawing/2014/main" id="{10EA3EB8-3DF6-4A86-956B-C27E2CB6338A}"/>
-              </a:ext>
-            </a:extLst>
-          </p:cNvPr>
-          <p:cNvCxnSpPr>
-            <a:cxnSpLocks/>
-            <a:stCxn id="22" idx="2"/>
-            <a:endCxn id="11" idx="0"/>
-          </p:cNvCxnSpPr>
-          <p:nvPr/>
-        </p:nvCxnSpPr>
-        <p:spPr>
-          <a:xfrm>
-            <a:off x="5014994" y="3443949"/>
-            <a:ext cx="0" cy="1014878"/>
-          </a:xfrm>
-          <a:prstGeom prst="straightConnector1">
-            <a:avLst/>
-          </a:prstGeom>
-          <a:ln w="19050">
-            <a:solidFill>
-              <a:schemeClr val="accent5"/>
-            </a:solidFill>
-            <a:prstDash val="solid"/>
-            <a:tailEnd type="triangle"/>
-          </a:ln>
-        </p:spPr>
-        <p:style>
-          <a:lnRef idx="1">
-            <a:schemeClr val="accent3"/>
-          </a:lnRef>
-          <a:fillRef idx="0">
-            <a:schemeClr val="accent3"/>
-          </a:fillRef>
-          <a:effectRef idx="0">
-            <a:schemeClr val="accent3"/>
-          </a:effectRef>
-          <a:fontRef idx="minor">
-            <a:schemeClr val="tx1"/>
-          </a:fontRef>
-        </p:style>
-      </p:cxnSp>
-      <p:cxnSp>
-        <p:nvCxnSpPr>
-          <p:cNvPr id="119" name="Connector: Elbow 110">
-            <a:extLst>
-              <a:ext uri="{FF2B5EF4-FFF2-40B4-BE49-F238E27FC236}">
-                <a16:creationId xmlns:a16="http://schemas.microsoft.com/office/drawing/2014/main" id="{0C30A895-D198-4F9C-88DD-F3CC45D71CB4}"/>
-              </a:ext>
-            </a:extLst>
-          </p:cNvPr>
-          <p:cNvCxnSpPr>
-            <a:cxnSpLocks/>
-            <a:stCxn id="103" idx="3"/>
-            <a:endCxn id="13" idx="3"/>
-          </p:cNvCxnSpPr>
-          <p:nvPr/>
-        </p:nvCxnSpPr>
-        <p:spPr>
-          <a:xfrm flipV="1">
-            <a:off x="9691103" y="1323915"/>
-            <a:ext cx="838874" cy="3457459"/>
-          </a:xfrm>
-          <a:prstGeom prst="bentConnector3">
-            <a:avLst>
-              <a:gd name="adj1" fmla="val 144283"/>
-            </a:avLst>
-          </a:prstGeom>
-          <a:ln w="19050">
-            <a:solidFill>
-              <a:schemeClr val="accent5"/>
-            </a:solidFill>
-            <a:prstDash val="solid"/>
-            <a:tailEnd type="triangle"/>
-          </a:ln>
-        </p:spPr>
-        <p:style>
-          <a:lnRef idx="1">
-            <a:schemeClr val="accent3"/>
-          </a:lnRef>
-          <a:fillRef idx="0">
-            <a:schemeClr val="accent3"/>
-          </a:fillRef>
-          <a:effectRef idx="0">
-            <a:schemeClr val="accent3"/>
-          </a:effectRef>
-          <a:fontRef idx="minor">
-            <a:schemeClr val="tx1"/>
-          </a:fontRef>
-        </p:style>
-      </p:cxnSp>
-      <p:cxnSp>
-        <p:nvCxnSpPr>
-          <p:cNvPr id="122" name="Connector: Elbow 110">
-            <a:extLst>
-              <a:ext uri="{FF2B5EF4-FFF2-40B4-BE49-F238E27FC236}">
-                <a16:creationId xmlns:a16="http://schemas.microsoft.com/office/drawing/2014/main" id="{F61CBF00-2D4A-4B8E-95F0-054C3C7ACC63}"/>
-              </a:ext>
-            </a:extLst>
-          </p:cNvPr>
-          <p:cNvCxnSpPr>
-            <a:cxnSpLocks/>
-            <a:stCxn id="100" idx="1"/>
-            <a:endCxn id="201" idx="3"/>
-          </p:cNvCxnSpPr>
-          <p:nvPr/>
-        </p:nvCxnSpPr>
-        <p:spPr>
-          <a:xfrm rot="10800000">
-            <a:off x="773248" y="3482080"/>
-            <a:ext cx="1868784" cy="1299294"/>
-          </a:xfrm>
-          <a:prstGeom prst="bentConnector2">
-            <a:avLst/>
-          </a:prstGeom>
-          <a:ln w="19050">
-            <a:solidFill>
-              <a:schemeClr val="accent5"/>
-            </a:solidFill>
-            <a:prstDash val="solid"/>
-            <a:tailEnd type="triangle"/>
-          </a:ln>
-        </p:spPr>
-        <p:style>
-          <a:lnRef idx="1">
-            <a:schemeClr val="accent3"/>
-          </a:lnRef>
-          <a:fillRef idx="0">
-            <a:schemeClr val="accent3"/>
-          </a:fillRef>
-          <a:effectRef idx="0">
-            <a:schemeClr val="accent3"/>
-          </a:effectRef>
-          <a:fontRef idx="minor">
-            <a:schemeClr val="tx1"/>
-          </a:fontRef>
-        </p:style>
-      </p:cxnSp>
-      <p:cxnSp>
-        <p:nvCxnSpPr>
-          <p:cNvPr id="130" name="Connector: Elbow 129">
-            <a:extLst>
-              <a:ext uri="{FF2B5EF4-FFF2-40B4-BE49-F238E27FC236}">
-                <a16:creationId xmlns:a16="http://schemas.microsoft.com/office/drawing/2014/main" id="{1F24883C-9F99-43FE-AF1F-BBBC4D237694}"/>
-              </a:ext>
-            </a:extLst>
-          </p:cNvPr>
-          <p:cNvCxnSpPr>
-            <a:cxnSpLocks/>
-            <a:endCxn id="93" idx="1"/>
-          </p:cNvCxnSpPr>
-          <p:nvPr/>
-        </p:nvCxnSpPr>
-        <p:spPr>
-          <a:xfrm rot="16200000" flipH="1">
-            <a:off x="476538" y="3618544"/>
-            <a:ext cx="2461773" cy="2111608"/>
-          </a:xfrm>
-          <a:prstGeom prst="bentConnector2">
-            <a:avLst/>
-          </a:prstGeom>
-          <a:ln w="19050">
-            <a:solidFill>
-              <a:schemeClr val="accent5"/>
-            </a:solidFill>
-            <a:prstDash val="sysDot"/>
-            <a:tailEnd type="triangle"/>
-          </a:ln>
-        </p:spPr>
-        <p:style>
-          <a:lnRef idx="1">
-            <a:schemeClr val="accent3"/>
-          </a:lnRef>
-          <a:fillRef idx="0">
-            <a:schemeClr val="accent3"/>
-          </a:fillRef>
-          <a:effectRef idx="0">
-            <a:schemeClr val="accent3"/>
-          </a:effectRef>
-          <a:fontRef idx="minor">
-            <a:schemeClr val="tx1"/>
-          </a:fontRef>
-        </p:style>
-      </p:cxnSp>
-      <p:sp>
-        <p:nvSpPr>
-          <p:cNvPr id="201" name="Rectangle 200">
-            <a:extLst>
-              <a:ext uri="{FF2B5EF4-FFF2-40B4-BE49-F238E27FC236}">
-                <a16:creationId xmlns:a16="http://schemas.microsoft.com/office/drawing/2014/main" id="{87071062-6E4A-43C3-9B23-830C66D48280}"/>
-              </a:ext>
-            </a:extLst>
-          </p:cNvPr>
-          <p:cNvSpPr/>
-          <p:nvPr/>
-        </p:nvSpPr>
-        <p:spPr>
-          <a:xfrm rot="5400000">
-            <a:off x="554447" y="2355795"/>
-            <a:ext cx="437602" cy="1814968"/>
-          </a:xfrm>
-          <a:prstGeom prst="rect">
-            <a:avLst/>
-          </a:prstGeom>
-          <a:noFill/>
-          <a:ln w="19050">
-            <a:noFill/>
-          </a:ln>
-        </p:spPr>
-        <p:style>
-          <a:lnRef idx="2">
-            <a:schemeClr val="accent2"/>
-          </a:lnRef>
-          <a:fillRef idx="1">
-            <a:schemeClr val="lt1"/>
-          </a:fillRef>
-          <a:effectRef idx="0">
-            <a:schemeClr val="accent2"/>
-          </a:effectRef>
-          <a:fontRef idx="minor">
-            <a:schemeClr val="dk1"/>
-          </a:fontRef>
-        </p:style>
-        <p:txBody>
-          <a:bodyPr vert="vert270" rtlCol="0" anchor="ctr"/>
-          <a:lstStyle/>
-          <a:p>
-            <a:pPr algn="ctr"/>
-            <a:r>
-              <a:rPr lang="en-US" sz="1200" dirty="0">
-                <a:solidFill>
-                  <a:srgbClr val="080808"/>
-                </a:solidFill>
-                <a:latin typeface="Segoe UI (Body)"/>
-                <a:cs typeface="Tahoma"/>
-              </a:rPr>
-              <a:t>Deploy Instance</a:t>
-            </a:r>
-            <a:endParaRPr lang="en-BE" sz="1200" dirty="0" err="1">
-              <a:solidFill>
-                <a:srgbClr val="080808"/>
-              </a:solidFill>
-              <a:latin typeface="Segoe UI (Body)"/>
-              <a:cs typeface="Tahoma"/>
-            </a:endParaRPr>
-          </a:p>
-        </p:txBody>
-      </p:sp>
-      <p:grpSp>
-        <p:nvGrpSpPr>
-          <p:cNvPr id="33" name="Group 32">
-            <a:extLst>
-              <a:ext uri="{FF2B5EF4-FFF2-40B4-BE49-F238E27FC236}">
-                <a16:creationId xmlns:a16="http://schemas.microsoft.com/office/drawing/2014/main" id="{6C6E3BC0-4B1F-4F6C-AC68-75592248D943}"/>
-              </a:ext>
-            </a:extLst>
-          </p:cNvPr>
-          <p:cNvGrpSpPr/>
-          <p:nvPr/>
-        </p:nvGrpSpPr>
-        <p:grpSpPr>
-          <a:xfrm>
-            <a:off x="1662022" y="347115"/>
-            <a:ext cx="8867955" cy="1953599"/>
-            <a:chOff x="1662022" y="347115"/>
-            <a:chExt cx="8867955" cy="1953599"/>
-          </a:xfrm>
-        </p:grpSpPr>
-        <p:sp>
-          <p:nvSpPr>
-            <p:cNvPr id="13" name="Rectangle 12">
+        <p:cxnSp>
+          <p:nvCxnSpPr>
+            <p:cNvPr id="124" name="Connector: Elbow 110">
               <a:extLst>
                 <a:ext uri="{FF2B5EF4-FFF2-40B4-BE49-F238E27FC236}">
-                  <a16:creationId xmlns:a16="http://schemas.microsoft.com/office/drawing/2014/main" id="{F2A22F9F-1A05-42B7-8524-1A09BE1A5D06}"/>
-                </a:ext>
-              </a:extLst>
-            </p:cNvPr>
-            <p:cNvSpPr/>
-            <p:nvPr/>
-          </p:nvSpPr>
-          <p:spPr>
-            <a:xfrm>
-              <a:off x="1662022" y="347115"/>
-              <a:ext cx="8867955" cy="1953599"/>
-            </a:xfrm>
-            <a:prstGeom prst="rect">
-              <a:avLst/>
-            </a:prstGeom>
-            <a:ln>
-              <a:solidFill>
-                <a:srgbClr val="0070C0"/>
-              </a:solidFill>
-            </a:ln>
-          </p:spPr>
-          <p:style>
-            <a:lnRef idx="2">
-              <a:schemeClr val="accent3"/>
-            </a:lnRef>
-            <a:fillRef idx="1">
-              <a:schemeClr val="lt1"/>
-            </a:fillRef>
-            <a:effectRef idx="0">
-              <a:schemeClr val="accent3"/>
-            </a:effectRef>
-            <a:fontRef idx="minor">
-              <a:schemeClr val="dk1"/>
-            </a:fontRef>
-          </p:style>
-          <p:txBody>
-            <a:bodyPr rtlCol="0" anchor="ctr"/>
-            <a:lstStyle/>
-            <a:p>
-              <a:pPr algn="ctr"/>
-              <a:endParaRPr lang="en-BE" dirty="0" err="1">
-                <a:solidFill>
-                  <a:schemeClr val="bg1"/>
-                </a:solidFill>
-                <a:latin typeface="Tahoma"/>
-                <a:cs typeface="Tahoma"/>
-              </a:endParaRPr>
-            </a:p>
-          </p:txBody>
-        </p:sp>
-        <p:grpSp>
-          <p:nvGrpSpPr>
-            <p:cNvPr id="34" name="Group 33">
-              <a:extLst>
-                <a:ext uri="{FF2B5EF4-FFF2-40B4-BE49-F238E27FC236}">
-                  <a16:creationId xmlns:a16="http://schemas.microsoft.com/office/drawing/2014/main" id="{D8241CF7-0EC4-4317-8597-6B12FF0A0CAA}"/>
-                </a:ext>
-              </a:extLst>
-            </p:cNvPr>
-            <p:cNvGrpSpPr/>
-            <p:nvPr/>
-          </p:nvGrpSpPr>
-          <p:grpSpPr>
-            <a:xfrm>
-              <a:off x="4065242" y="933521"/>
-              <a:ext cx="4061513" cy="631706"/>
-              <a:chOff x="3129055" y="741781"/>
-              <a:chExt cx="4061513" cy="631706"/>
-            </a:xfrm>
-          </p:grpSpPr>
-          <p:pic>
-            <p:nvPicPr>
-              <p:cNvPr id="25" name="Picture 24">
-                <a:extLst>
-                  <a:ext uri="{FF2B5EF4-FFF2-40B4-BE49-F238E27FC236}">
-                    <a16:creationId xmlns:a16="http://schemas.microsoft.com/office/drawing/2014/main" id="{54199215-15FE-4860-8FAD-96063DC0D153}"/>
-                  </a:ext>
-                </a:extLst>
-              </p:cNvPr>
-              <p:cNvPicPr>
-                <a:picLocks noChangeAspect="1"/>
-              </p:cNvPicPr>
-              <p:nvPr/>
-            </p:nvPicPr>
-            <p:blipFill>
-              <a:blip r:embed="rId9"/>
-              <a:stretch>
-                <a:fillRect/>
-              </a:stretch>
-            </p:blipFill>
-            <p:spPr>
-              <a:xfrm>
-                <a:off x="3129055" y="748812"/>
-                <a:ext cx="616163" cy="616163"/>
-              </a:xfrm>
-              <a:prstGeom prst="rect">
-                <a:avLst/>
-              </a:prstGeom>
-            </p:spPr>
-          </p:pic>
-          <p:pic>
-            <p:nvPicPr>
-              <p:cNvPr id="26" name="Picture 25">
-                <a:extLst>
-                  <a:ext uri="{FF2B5EF4-FFF2-40B4-BE49-F238E27FC236}">
-                    <a16:creationId xmlns:a16="http://schemas.microsoft.com/office/drawing/2014/main" id="{A027AF7B-7479-4D09-A7E4-425BD744C380}"/>
-                  </a:ext>
-                </a:extLst>
-              </p:cNvPr>
-              <p:cNvPicPr>
-                <a:picLocks noChangeAspect="1"/>
-              </p:cNvPicPr>
-              <p:nvPr/>
-            </p:nvPicPr>
-            <p:blipFill>
-              <a:blip r:embed="rId9"/>
-              <a:stretch>
-                <a:fillRect/>
-              </a:stretch>
-            </p:blipFill>
-            <p:spPr>
-              <a:xfrm>
-                <a:off x="4107431" y="753522"/>
-                <a:ext cx="616163" cy="616163"/>
-              </a:xfrm>
-              <a:prstGeom prst="rect">
-                <a:avLst/>
-              </a:prstGeom>
-            </p:spPr>
-          </p:pic>
-          <p:pic>
-            <p:nvPicPr>
-              <p:cNvPr id="30" name="Picture 29">
-                <a:extLst>
-                  <a:ext uri="{FF2B5EF4-FFF2-40B4-BE49-F238E27FC236}">
-                    <a16:creationId xmlns:a16="http://schemas.microsoft.com/office/drawing/2014/main" id="{BBD9A6D4-D91D-49D4-BC85-54E3A9F57236}"/>
-                  </a:ext>
-                </a:extLst>
-              </p:cNvPr>
-              <p:cNvPicPr>
-                <a:picLocks noChangeAspect="1"/>
-              </p:cNvPicPr>
-              <p:nvPr/>
-            </p:nvPicPr>
-            <p:blipFill>
-              <a:blip r:embed="rId9"/>
-              <a:stretch>
-                <a:fillRect/>
-              </a:stretch>
-            </p:blipFill>
-            <p:spPr>
-              <a:xfrm>
-                <a:off x="5596029" y="757324"/>
-                <a:ext cx="616163" cy="616163"/>
-              </a:xfrm>
-              <a:prstGeom prst="rect">
-                <a:avLst/>
-              </a:prstGeom>
-            </p:spPr>
-          </p:pic>
-          <p:pic>
-            <p:nvPicPr>
-              <p:cNvPr id="31" name="Picture 30">
-                <a:extLst>
-                  <a:ext uri="{FF2B5EF4-FFF2-40B4-BE49-F238E27FC236}">
-                    <a16:creationId xmlns:a16="http://schemas.microsoft.com/office/drawing/2014/main" id="{32A0AEEB-6624-4C9C-BA6F-8EB1B5F0F429}"/>
-                  </a:ext>
-                </a:extLst>
-              </p:cNvPr>
-              <p:cNvPicPr>
-                <a:picLocks noChangeAspect="1"/>
-              </p:cNvPicPr>
-              <p:nvPr/>
-            </p:nvPicPr>
-            <p:blipFill>
-              <a:blip r:embed="rId9"/>
-              <a:stretch>
-                <a:fillRect/>
-              </a:stretch>
-            </p:blipFill>
-            <p:spPr>
-              <a:xfrm>
-                <a:off x="6574405" y="757323"/>
-                <a:ext cx="616163" cy="616163"/>
-              </a:xfrm>
-              <a:prstGeom prst="rect">
-                <a:avLst/>
-              </a:prstGeom>
-            </p:spPr>
-          </p:pic>
-          <p:sp>
-            <p:nvSpPr>
-              <p:cNvPr id="32" name="Rectangle 31">
-                <a:extLst>
-                  <a:ext uri="{FF2B5EF4-FFF2-40B4-BE49-F238E27FC236}">
-                    <a16:creationId xmlns:a16="http://schemas.microsoft.com/office/drawing/2014/main" id="{0CFAEC96-5AB4-4AD6-BFC5-C35013244E84}"/>
-                  </a:ext>
-                </a:extLst>
-              </p:cNvPr>
-              <p:cNvSpPr/>
-              <p:nvPr/>
-            </p:nvSpPr>
-            <p:spPr>
-              <a:xfrm rot="5400000">
-                <a:off x="4851731" y="613643"/>
-                <a:ext cx="616162" cy="872437"/>
-              </a:xfrm>
-              <a:prstGeom prst="rect">
-                <a:avLst/>
-              </a:prstGeom>
-              <a:noFill/>
-              <a:ln w="19050">
-                <a:noFill/>
-              </a:ln>
-            </p:spPr>
-            <p:style>
-              <a:lnRef idx="2">
-                <a:schemeClr val="accent2"/>
-              </a:lnRef>
-              <a:fillRef idx="1">
-                <a:schemeClr val="lt1"/>
-              </a:fillRef>
-              <a:effectRef idx="0">
-                <a:schemeClr val="accent2"/>
-              </a:effectRef>
-              <a:fontRef idx="minor">
-                <a:schemeClr val="dk1"/>
-              </a:fontRef>
-            </p:style>
-            <p:txBody>
-              <a:bodyPr vert="vert270" rtlCol="0" anchor="ctr"/>
-              <a:lstStyle/>
-              <a:p>
-                <a:pPr algn="ctr"/>
-                <a:r>
-                  <a:rPr lang="en-US" sz="1200" dirty="0">
-                    <a:solidFill>
-                      <a:srgbClr val="080808"/>
-                    </a:solidFill>
-                    <a:latin typeface="Segoe UI (Body)"/>
-                    <a:cs typeface="Tahoma"/>
-                  </a:rPr>
-                  <a:t>……..</a:t>
-                </a:r>
-                <a:endParaRPr lang="en-BE" sz="1200" dirty="0" err="1">
-                  <a:solidFill>
-                    <a:srgbClr val="080808"/>
-                  </a:solidFill>
-                  <a:latin typeface="Segoe UI (Body)"/>
-                  <a:cs typeface="Tahoma"/>
-                </a:endParaRPr>
-              </a:p>
-            </p:txBody>
-          </p:sp>
-        </p:grpSp>
-        <p:pic>
-          <p:nvPicPr>
-            <p:cNvPr id="136" name="Picture 135">
-              <a:extLst>
-                <a:ext uri="{FF2B5EF4-FFF2-40B4-BE49-F238E27FC236}">
-                  <a16:creationId xmlns:a16="http://schemas.microsoft.com/office/drawing/2014/main" id="{5F019165-5A39-4462-9F4B-DAB7F66A4CFD}"/>
-                </a:ext>
-              </a:extLst>
-            </p:cNvPr>
-            <p:cNvPicPr>
-              <a:picLocks noChangeAspect="1"/>
-            </p:cNvPicPr>
-            <p:nvPr/>
-          </p:nvPicPr>
-          <p:blipFill>
-            <a:blip r:embed="rId10"/>
-            <a:stretch>
-              <a:fillRect/>
-            </a:stretch>
-          </p:blipFill>
-          <p:spPr>
-            <a:xfrm>
-              <a:off x="5872663" y="1756127"/>
-              <a:ext cx="446663" cy="446663"/>
-            </a:xfrm>
-            <a:prstGeom prst="rect">
-              <a:avLst/>
-            </a:prstGeom>
-          </p:spPr>
-        </p:pic>
-        <p:cxnSp>
-          <p:nvCxnSpPr>
-            <p:cNvPr id="145" name="Connector: Elbow 144">
-              <a:extLst>
-                <a:ext uri="{FF2B5EF4-FFF2-40B4-BE49-F238E27FC236}">
-                  <a16:creationId xmlns:a16="http://schemas.microsoft.com/office/drawing/2014/main" id="{61AEB452-4A01-49DE-AFFC-9B3E5E146698}"/>
+                  <a16:creationId xmlns:a16="http://schemas.microsoft.com/office/drawing/2014/main" id="{BE106D3F-3D7E-4BE1-8F66-61ED38751873}"/>
                 </a:ext>
               </a:extLst>
             </p:cNvPr>
             <p:cNvCxnSpPr>
               <a:cxnSpLocks/>
-              <a:stCxn id="26" idx="2"/>
             </p:cNvCxnSpPr>
             <p:nvPr/>
           </p:nvCxnSpPr>
           <p:spPr>
-            <a:xfrm rot="16200000" flipH="1">
-              <a:off x="5428740" y="1484384"/>
-              <a:ext cx="342573" cy="496653"/>
+            <a:xfrm rot="10800000" flipV="1">
+              <a:off x="2763228" y="2981520"/>
+              <a:ext cx="474360" cy="390506"/>
             </a:xfrm>
-            <a:prstGeom prst="bentConnector2">
-              <a:avLst/>
+            <a:prstGeom prst="bentConnector3">
+              <a:avLst>
+                <a:gd name="adj1" fmla="val 100199"/>
+              </a:avLst>
             </a:prstGeom>
             <a:ln w="19050">
               <a:solidFill>
-                <a:schemeClr val="accent1"/>
-              </a:solidFill>
-              <a:prstDash val="sysDot"/>
-              <a:tailEnd type="triangle"/>
-            </a:ln>
-          </p:spPr>
-          <p:style>
-            <a:lnRef idx="1">
-              <a:schemeClr val="accent3"/>
-            </a:lnRef>
-            <a:fillRef idx="0">
-              <a:schemeClr val="accent3"/>
-            </a:fillRef>
-            <a:effectRef idx="0">
-              <a:schemeClr val="accent3"/>
-            </a:effectRef>
-            <a:fontRef idx="minor">
-              <a:schemeClr val="tx1"/>
-            </a:fontRef>
-          </p:style>
-        </p:cxnSp>
-        <p:cxnSp>
-          <p:nvCxnSpPr>
-            <p:cNvPr id="150" name="Connector: Elbow 149">
-              <a:extLst>
-                <a:ext uri="{FF2B5EF4-FFF2-40B4-BE49-F238E27FC236}">
-                  <a16:creationId xmlns:a16="http://schemas.microsoft.com/office/drawing/2014/main" id="{4294EB57-D253-43C9-8C3C-454DBD6C3372}"/>
-                </a:ext>
-              </a:extLst>
-            </p:cNvPr>
-            <p:cNvCxnSpPr>
-              <a:cxnSpLocks/>
-              <a:stCxn id="25" idx="2"/>
-            </p:cNvCxnSpPr>
-            <p:nvPr/>
-          </p:nvCxnSpPr>
-          <p:spPr>
-            <a:xfrm rot="16200000" flipH="1">
-              <a:off x="4854783" y="1075255"/>
-              <a:ext cx="512110" cy="1475029"/>
-            </a:xfrm>
-            <a:prstGeom prst="bentConnector2">
-              <a:avLst/>
-            </a:prstGeom>
-            <a:ln w="19050">
-              <a:solidFill>
-                <a:schemeClr val="accent1"/>
-              </a:solidFill>
-              <a:prstDash val="sysDot"/>
-              <a:tailEnd type="triangle"/>
-            </a:ln>
-          </p:spPr>
-          <p:style>
-            <a:lnRef idx="1">
-              <a:schemeClr val="accent3"/>
-            </a:lnRef>
-            <a:fillRef idx="0">
-              <a:schemeClr val="accent3"/>
-            </a:fillRef>
-            <a:effectRef idx="0">
-              <a:schemeClr val="accent3"/>
-            </a:effectRef>
-            <a:fontRef idx="minor">
-              <a:schemeClr val="tx1"/>
-            </a:fontRef>
-          </p:style>
-        </p:cxnSp>
-        <p:cxnSp>
-          <p:nvCxnSpPr>
-            <p:cNvPr id="153" name="Connector: Elbow 152">
-              <a:extLst>
-                <a:ext uri="{FF2B5EF4-FFF2-40B4-BE49-F238E27FC236}">
-                  <a16:creationId xmlns:a16="http://schemas.microsoft.com/office/drawing/2014/main" id="{44A029BF-F4D3-489C-9C28-36A7E7C69A53}"/>
-                </a:ext>
-              </a:extLst>
-            </p:cNvPr>
-            <p:cNvCxnSpPr>
-              <a:cxnSpLocks/>
-              <a:stCxn id="31" idx="2"/>
-            </p:cNvCxnSpPr>
-            <p:nvPr/>
-          </p:nvCxnSpPr>
-          <p:spPr>
-            <a:xfrm rot="5400000">
-              <a:off x="6829361" y="1079511"/>
-              <a:ext cx="503599" cy="1475029"/>
-            </a:xfrm>
-            <a:prstGeom prst="bentConnector2">
-              <a:avLst/>
-            </a:prstGeom>
-            <a:ln w="19050">
-              <a:solidFill>
-                <a:schemeClr val="accent1"/>
-              </a:solidFill>
-              <a:prstDash val="sysDot"/>
-              <a:tailEnd type="triangle"/>
-            </a:ln>
-          </p:spPr>
-          <p:style>
-            <a:lnRef idx="1">
-              <a:schemeClr val="accent3"/>
-            </a:lnRef>
-            <a:fillRef idx="0">
-              <a:schemeClr val="accent3"/>
-            </a:fillRef>
-            <a:effectRef idx="0">
-              <a:schemeClr val="accent3"/>
-            </a:effectRef>
-            <a:fontRef idx="minor">
-              <a:schemeClr val="tx1"/>
-            </a:fontRef>
-          </p:style>
-        </p:cxnSp>
-        <p:cxnSp>
-          <p:nvCxnSpPr>
-            <p:cNvPr id="159" name="Connector: Elbow 158">
-              <a:extLst>
-                <a:ext uri="{FF2B5EF4-FFF2-40B4-BE49-F238E27FC236}">
-                  <a16:creationId xmlns:a16="http://schemas.microsoft.com/office/drawing/2014/main" id="{BE73164F-0C2D-4A0C-971C-F9AC4C4DD39C}"/>
-                </a:ext>
-              </a:extLst>
-            </p:cNvPr>
-            <p:cNvCxnSpPr>
-              <a:cxnSpLocks/>
-              <a:stCxn id="30" idx="2"/>
-            </p:cNvCxnSpPr>
-            <p:nvPr/>
-          </p:nvCxnSpPr>
-          <p:spPr>
-            <a:xfrm rot="5400000">
-              <a:off x="6431287" y="1477586"/>
-              <a:ext cx="321370" cy="496652"/>
-            </a:xfrm>
-            <a:prstGeom prst="bentConnector2">
-              <a:avLst/>
-            </a:prstGeom>
-            <a:ln w="19050">
-              <a:solidFill>
-                <a:schemeClr val="accent1"/>
-              </a:solidFill>
-              <a:prstDash val="sysDot"/>
-              <a:tailEnd type="triangle"/>
-            </a:ln>
-          </p:spPr>
-          <p:style>
-            <a:lnRef idx="1">
-              <a:schemeClr val="accent3"/>
-            </a:lnRef>
-            <a:fillRef idx="0">
-              <a:schemeClr val="accent3"/>
-            </a:fillRef>
-            <a:effectRef idx="0">
-              <a:schemeClr val="accent3"/>
-            </a:effectRef>
-            <a:fontRef idx="minor">
-              <a:schemeClr val="tx1"/>
-            </a:fontRef>
-          </p:style>
-        </p:cxnSp>
-        <p:pic>
-          <p:nvPicPr>
-            <p:cNvPr id="17" name="Picture 16">
-              <a:extLst>
-                <a:ext uri="{FF2B5EF4-FFF2-40B4-BE49-F238E27FC236}">
-                  <a16:creationId xmlns:a16="http://schemas.microsoft.com/office/drawing/2014/main" id="{B98D6CD7-1B90-4F78-8D17-5CA3879D5907}"/>
-                </a:ext>
-              </a:extLst>
-            </p:cNvPr>
-            <p:cNvPicPr>
-              <a:picLocks noChangeAspect="1"/>
-            </p:cNvPicPr>
-            <p:nvPr/>
-          </p:nvPicPr>
-          <p:blipFill>
-            <a:blip r:embed="rId11"/>
-            <a:stretch>
-              <a:fillRect/>
-            </a:stretch>
-          </p:blipFill>
-          <p:spPr>
-            <a:xfrm>
-              <a:off x="5791921" y="426766"/>
-              <a:ext cx="600620" cy="600620"/>
-            </a:xfrm>
-            <a:prstGeom prst="rect">
-              <a:avLst/>
-            </a:prstGeom>
-          </p:spPr>
-        </p:pic>
-        <p:cxnSp>
-          <p:nvCxnSpPr>
-            <p:cNvPr id="70" name="Connector: Elbow 69">
-              <a:extLst>
-                <a:ext uri="{FF2B5EF4-FFF2-40B4-BE49-F238E27FC236}">
-                  <a16:creationId xmlns:a16="http://schemas.microsoft.com/office/drawing/2014/main" id="{22635DB3-EE01-41A6-8187-BDF938E65A54}"/>
-                </a:ext>
-              </a:extLst>
-            </p:cNvPr>
-            <p:cNvCxnSpPr>
-              <a:cxnSpLocks/>
-              <a:stCxn id="17" idx="3"/>
-              <a:endCxn id="31" idx="0"/>
-            </p:cNvCxnSpPr>
-            <p:nvPr/>
-          </p:nvCxnSpPr>
-          <p:spPr>
-            <a:xfrm>
-              <a:off x="6392541" y="727076"/>
-              <a:ext cx="1426133" cy="221987"/>
-            </a:xfrm>
-            <a:prstGeom prst="bentConnector2">
-              <a:avLst/>
-            </a:prstGeom>
-            <a:ln w="19050">
-              <a:solidFill>
-                <a:schemeClr val="accent1"/>
+                <a:schemeClr val="accent5"/>
               </a:solidFill>
               <a:prstDash val="solid"/>
               <a:tailEnd type="triangle"/>
@@ -27802,125 +29020,31 @@
         </p:cxnSp>
         <p:cxnSp>
           <p:nvCxnSpPr>
-            <p:cNvPr id="74" name="Connector: Elbow 73">
+            <p:cNvPr id="141" name="Connector: Elbow 110">
               <a:extLst>
                 <a:ext uri="{FF2B5EF4-FFF2-40B4-BE49-F238E27FC236}">
-                  <a16:creationId xmlns:a16="http://schemas.microsoft.com/office/drawing/2014/main" id="{7682DBFF-A857-4D16-8335-42ED71A21756}"/>
+                  <a16:creationId xmlns:a16="http://schemas.microsoft.com/office/drawing/2014/main" id="{A5A2EEAF-B1B0-4D21-B7E6-2052E2D93B4A}"/>
                 </a:ext>
               </a:extLst>
             </p:cNvPr>
             <p:cNvCxnSpPr>
               <a:cxnSpLocks/>
-              <a:stCxn id="17" idx="3"/>
-              <a:endCxn id="30" idx="0"/>
+              <a:stCxn id="176" idx="0"/>
+              <a:endCxn id="110" idx="0"/>
             </p:cNvCxnSpPr>
             <p:nvPr/>
           </p:nvCxnSpPr>
           <p:spPr>
             <a:xfrm>
-              <a:off x="6392541" y="727076"/>
-              <a:ext cx="447757" cy="221988"/>
+              <a:off x="9093200" y="2965050"/>
+              <a:ext cx="413530" cy="428427"/>
             </a:xfrm>
             <a:prstGeom prst="bentConnector2">
               <a:avLst/>
             </a:prstGeom>
             <a:ln w="19050">
               <a:solidFill>
-                <a:schemeClr val="accent1"/>
-              </a:solidFill>
-              <a:prstDash val="solid"/>
-              <a:tailEnd type="triangle"/>
-            </a:ln>
-          </p:spPr>
-          <p:style>
-            <a:lnRef idx="1">
-              <a:schemeClr val="accent3"/>
-            </a:lnRef>
-            <a:fillRef idx="0">
-              <a:schemeClr val="accent3"/>
-            </a:fillRef>
-            <a:effectRef idx="0">
-              <a:schemeClr val="accent3"/>
-            </a:effectRef>
-            <a:fontRef idx="minor">
-              <a:schemeClr val="tx1"/>
-            </a:fontRef>
-          </p:style>
-        </p:cxnSp>
-        <p:cxnSp>
-          <p:nvCxnSpPr>
-            <p:cNvPr id="77" name="Connector: Elbow 76">
-              <a:extLst>
-                <a:ext uri="{FF2B5EF4-FFF2-40B4-BE49-F238E27FC236}">
-                  <a16:creationId xmlns:a16="http://schemas.microsoft.com/office/drawing/2014/main" id="{6740CF15-7313-49FF-A3F2-8781D68A4552}"/>
-                </a:ext>
-              </a:extLst>
-            </p:cNvPr>
-            <p:cNvCxnSpPr>
-              <a:cxnSpLocks/>
-              <a:stCxn id="17" idx="1"/>
-              <a:endCxn id="26" idx="0"/>
-            </p:cNvCxnSpPr>
-            <p:nvPr/>
-          </p:nvCxnSpPr>
-          <p:spPr>
-            <a:xfrm rot="10800000" flipV="1">
-              <a:off x="5351701" y="727076"/>
-              <a:ext cx="440221" cy="218186"/>
-            </a:xfrm>
-            <a:prstGeom prst="bentConnector2">
-              <a:avLst/>
-            </a:prstGeom>
-            <a:ln w="19050">
-              <a:solidFill>
-                <a:schemeClr val="accent1"/>
-              </a:solidFill>
-              <a:prstDash val="solid"/>
-              <a:tailEnd type="triangle"/>
-            </a:ln>
-          </p:spPr>
-          <p:style>
-            <a:lnRef idx="1">
-              <a:schemeClr val="accent3"/>
-            </a:lnRef>
-            <a:fillRef idx="0">
-              <a:schemeClr val="accent3"/>
-            </a:fillRef>
-            <a:effectRef idx="0">
-              <a:schemeClr val="accent3"/>
-            </a:effectRef>
-            <a:fontRef idx="minor">
-              <a:schemeClr val="tx1"/>
-            </a:fontRef>
-          </p:style>
-        </p:cxnSp>
-        <p:cxnSp>
-          <p:nvCxnSpPr>
-            <p:cNvPr id="80" name="Connector: Elbow 79">
-              <a:extLst>
-                <a:ext uri="{FF2B5EF4-FFF2-40B4-BE49-F238E27FC236}">
-                  <a16:creationId xmlns:a16="http://schemas.microsoft.com/office/drawing/2014/main" id="{B12664EB-CF16-4E82-A91A-22FC638738F7}"/>
-                </a:ext>
-              </a:extLst>
-            </p:cNvPr>
-            <p:cNvCxnSpPr>
-              <a:cxnSpLocks/>
-              <a:stCxn id="17" idx="1"/>
-              <a:endCxn id="25" idx="0"/>
-            </p:cNvCxnSpPr>
-            <p:nvPr/>
-          </p:nvCxnSpPr>
-          <p:spPr>
-            <a:xfrm rot="10800000" flipV="1">
-              <a:off x="4373325" y="727076"/>
-              <a:ext cx="1418597" cy="213476"/>
-            </a:xfrm>
-            <a:prstGeom prst="bentConnector2">
-              <a:avLst/>
-            </a:prstGeom>
-            <a:ln w="19050">
-              <a:solidFill>
-                <a:schemeClr val="accent1"/>
+                <a:schemeClr val="accent5"/>
               </a:solidFill>
               <a:prstDash val="solid"/>
               <a:tailEnd type="triangle"/>
@@ -27942,305 +29066,10 @@
           </p:style>
         </p:cxnSp>
       </p:grpSp>
-      <p:sp>
-        <p:nvSpPr>
-          <p:cNvPr id="39" name="Oval 38">
-            <a:extLst>
-              <a:ext uri="{FF2B5EF4-FFF2-40B4-BE49-F238E27FC236}">
-                <a16:creationId xmlns:a16="http://schemas.microsoft.com/office/drawing/2014/main" id="{C2DD5394-0E51-4EA4-9850-C1A444DE83DF}"/>
-              </a:ext>
-            </a:extLst>
-          </p:cNvPr>
-          <p:cNvSpPr/>
-          <p:nvPr/>
-        </p:nvSpPr>
-        <p:spPr>
-          <a:xfrm>
-            <a:off x="6003563" y="3104707"/>
-            <a:ext cx="202242" cy="194557"/>
-          </a:xfrm>
-          <a:prstGeom prst="ellipse">
-            <a:avLst/>
-          </a:prstGeom>
-          <a:ln w="12700"/>
-        </p:spPr>
-        <p:style>
-          <a:lnRef idx="2">
-            <a:schemeClr val="dk1"/>
-          </a:lnRef>
-          <a:fillRef idx="1">
-            <a:schemeClr val="lt1"/>
-          </a:fillRef>
-          <a:effectRef idx="0">
-            <a:schemeClr val="dk1"/>
-          </a:effectRef>
-          <a:fontRef idx="minor">
-            <a:schemeClr val="dk1"/>
-          </a:fontRef>
-        </p:style>
-        <p:txBody>
-          <a:bodyPr rtlCol="0" anchor="ctr"/>
-          <a:lstStyle/>
-          <a:p>
-            <a:pPr algn="ctr"/>
-            <a:r>
-              <a:rPr lang="en-US" sz="1400" dirty="0">
-                <a:solidFill>
-                  <a:srgbClr val="080808"/>
-                </a:solidFill>
-                <a:cs typeface="Tahoma"/>
-              </a:rPr>
-              <a:t>1</a:t>
-            </a:r>
-            <a:endParaRPr lang="LID4096" sz="1400" dirty="0" err="1">
-              <a:solidFill>
-                <a:srgbClr val="080808"/>
-              </a:solidFill>
-              <a:cs typeface="Tahoma"/>
-            </a:endParaRPr>
-          </a:p>
-        </p:txBody>
-      </p:sp>
-      <p:sp>
-        <p:nvSpPr>
-          <p:cNvPr id="43" name="Oval 42">
-            <a:extLst>
-              <a:ext uri="{FF2B5EF4-FFF2-40B4-BE49-F238E27FC236}">
-                <a16:creationId xmlns:a16="http://schemas.microsoft.com/office/drawing/2014/main" id="{919D2FB1-190A-4BD5-BEC3-F2B3A3415CAF}"/>
-              </a:ext>
-            </a:extLst>
-          </p:cNvPr>
-          <p:cNvSpPr/>
-          <p:nvPr/>
-        </p:nvSpPr>
-        <p:spPr>
-          <a:xfrm>
-            <a:off x="5994873" y="4439989"/>
-            <a:ext cx="202242" cy="194557"/>
-          </a:xfrm>
-          <a:prstGeom prst="ellipse">
-            <a:avLst/>
-          </a:prstGeom>
-          <a:ln w="12700"/>
-        </p:spPr>
-        <p:style>
-          <a:lnRef idx="2">
-            <a:schemeClr val="dk1"/>
-          </a:lnRef>
-          <a:fillRef idx="1">
-            <a:schemeClr val="lt1"/>
-          </a:fillRef>
-          <a:effectRef idx="0">
-            <a:schemeClr val="dk1"/>
-          </a:effectRef>
-          <a:fontRef idx="minor">
-            <a:schemeClr val="dk1"/>
-          </a:fontRef>
-        </p:style>
-        <p:txBody>
-          <a:bodyPr rtlCol="0" anchor="ctr"/>
-          <a:lstStyle/>
-          <a:p>
-            <a:pPr algn="ctr"/>
-            <a:r>
-              <a:rPr lang="en-US" sz="1400" dirty="0">
-                <a:solidFill>
-                  <a:srgbClr val="080808"/>
-                </a:solidFill>
-                <a:cs typeface="Tahoma"/>
-              </a:rPr>
-              <a:t>2</a:t>
-            </a:r>
-            <a:endParaRPr lang="LID4096" sz="1400" dirty="0" err="1">
-              <a:solidFill>
-                <a:srgbClr val="080808"/>
-              </a:solidFill>
-              <a:cs typeface="Tahoma"/>
-            </a:endParaRPr>
-          </a:p>
-        </p:txBody>
-      </p:sp>
-      <p:sp>
-        <p:nvSpPr>
-          <p:cNvPr id="44" name="Oval 43">
-            <a:extLst>
-              <a:ext uri="{FF2B5EF4-FFF2-40B4-BE49-F238E27FC236}">
-                <a16:creationId xmlns:a16="http://schemas.microsoft.com/office/drawing/2014/main" id="{52D19C66-EED4-4C79-95C0-1EC3EBBD84A7}"/>
-              </a:ext>
-            </a:extLst>
-          </p:cNvPr>
-          <p:cNvSpPr/>
-          <p:nvPr/>
-        </p:nvSpPr>
-        <p:spPr>
-          <a:xfrm>
-            <a:off x="9768518" y="5140684"/>
-            <a:ext cx="202242" cy="194557"/>
-          </a:xfrm>
-          <a:prstGeom prst="ellipse">
-            <a:avLst/>
-          </a:prstGeom>
-          <a:ln w="12700"/>
-        </p:spPr>
-        <p:style>
-          <a:lnRef idx="2">
-            <a:schemeClr val="dk1"/>
-          </a:lnRef>
-          <a:fillRef idx="1">
-            <a:schemeClr val="lt1"/>
-          </a:fillRef>
-          <a:effectRef idx="0">
-            <a:schemeClr val="dk1"/>
-          </a:effectRef>
-          <a:fontRef idx="minor">
-            <a:schemeClr val="dk1"/>
-          </a:fontRef>
-        </p:style>
-        <p:txBody>
-          <a:bodyPr rtlCol="0" anchor="ctr"/>
-          <a:lstStyle/>
-          <a:p>
-            <a:pPr algn="ctr"/>
-            <a:r>
-              <a:rPr lang="en-US" sz="1400" dirty="0">
-                <a:solidFill>
-                  <a:srgbClr val="080808"/>
-                </a:solidFill>
-                <a:cs typeface="Tahoma"/>
-              </a:rPr>
-              <a:t>3</a:t>
-            </a:r>
-            <a:endParaRPr lang="LID4096" sz="1400" dirty="0" err="1">
-              <a:solidFill>
-                <a:srgbClr val="080808"/>
-              </a:solidFill>
-              <a:cs typeface="Tahoma"/>
-            </a:endParaRPr>
-          </a:p>
-        </p:txBody>
-      </p:sp>
-      <p:sp>
-        <p:nvSpPr>
-          <p:cNvPr id="45" name="Oval 44">
-            <a:extLst>
-              <a:ext uri="{FF2B5EF4-FFF2-40B4-BE49-F238E27FC236}">
-                <a16:creationId xmlns:a16="http://schemas.microsoft.com/office/drawing/2014/main" id="{9604885A-B68A-48BB-8898-CD5C96CF5ADC}"/>
-              </a:ext>
-            </a:extLst>
-          </p:cNvPr>
-          <p:cNvSpPr/>
-          <p:nvPr/>
-        </p:nvSpPr>
-        <p:spPr>
-          <a:xfrm>
-            <a:off x="3525150" y="5061175"/>
-            <a:ext cx="202242" cy="194557"/>
-          </a:xfrm>
-          <a:prstGeom prst="ellipse">
-            <a:avLst/>
-          </a:prstGeom>
-          <a:ln w="12700"/>
-        </p:spPr>
-        <p:style>
-          <a:lnRef idx="2">
-            <a:schemeClr val="dk1"/>
-          </a:lnRef>
-          <a:fillRef idx="1">
-            <a:schemeClr val="lt1"/>
-          </a:fillRef>
-          <a:effectRef idx="0">
-            <a:schemeClr val="dk1"/>
-          </a:effectRef>
-          <a:fontRef idx="minor">
-            <a:schemeClr val="dk1"/>
-          </a:fontRef>
-        </p:style>
-        <p:txBody>
-          <a:bodyPr rtlCol="0" anchor="ctr"/>
-          <a:lstStyle/>
-          <a:p>
-            <a:pPr algn="ctr"/>
-            <a:r>
-              <a:rPr lang="en-US" sz="1400" dirty="0">
-                <a:solidFill>
-                  <a:srgbClr val="080808"/>
-                </a:solidFill>
-                <a:cs typeface="Tahoma"/>
-              </a:rPr>
-              <a:t>4</a:t>
-            </a:r>
-            <a:endParaRPr lang="LID4096" sz="1400" dirty="0" err="1">
-              <a:solidFill>
-                <a:srgbClr val="080808"/>
-              </a:solidFill>
-              <a:cs typeface="Tahoma"/>
-            </a:endParaRPr>
-          </a:p>
-        </p:txBody>
-      </p:sp>
-      <p:sp>
-        <p:nvSpPr>
-          <p:cNvPr id="46" name="Oval 45">
-            <a:extLst>
-              <a:ext uri="{FF2B5EF4-FFF2-40B4-BE49-F238E27FC236}">
-                <a16:creationId xmlns:a16="http://schemas.microsoft.com/office/drawing/2014/main" id="{1C46153B-1E86-43AE-890A-B25987E43972}"/>
-              </a:ext>
-            </a:extLst>
-          </p:cNvPr>
-          <p:cNvSpPr/>
-          <p:nvPr/>
-        </p:nvSpPr>
-        <p:spPr>
-          <a:xfrm>
-            <a:off x="988757" y="3495997"/>
-            <a:ext cx="202242" cy="194557"/>
-          </a:xfrm>
-          <a:prstGeom prst="ellipse">
-            <a:avLst/>
-          </a:prstGeom>
-          <a:ln w="12700"/>
-        </p:spPr>
-        <p:style>
-          <a:lnRef idx="2">
-            <a:schemeClr val="dk1"/>
-          </a:lnRef>
-          <a:fillRef idx="1">
-            <a:schemeClr val="lt1"/>
-          </a:fillRef>
-          <a:effectRef idx="0">
-            <a:schemeClr val="dk1"/>
-          </a:effectRef>
-          <a:fontRef idx="minor">
-            <a:schemeClr val="dk1"/>
-          </a:fontRef>
-        </p:style>
-        <p:txBody>
-          <a:bodyPr rtlCol="0" anchor="ctr"/>
-          <a:lstStyle/>
-          <a:p>
-            <a:pPr algn="ctr"/>
-            <a:r>
-              <a:rPr lang="en-US" sz="1400" dirty="0">
-                <a:solidFill>
-                  <a:srgbClr val="080808"/>
-                </a:solidFill>
-                <a:cs typeface="Tahoma"/>
-              </a:rPr>
-              <a:t>5</a:t>
-            </a:r>
-            <a:endParaRPr lang="LID4096" sz="1400" dirty="0" err="1">
-              <a:solidFill>
-                <a:srgbClr val="080808"/>
-              </a:solidFill>
-              <a:cs typeface="Tahoma"/>
-            </a:endParaRPr>
-          </a:p>
-        </p:txBody>
-      </p:sp>
     </p:spTree>
     <p:extLst>
       <p:ext uri="{BB962C8B-B14F-4D97-AF65-F5344CB8AC3E}">
-        <p14:creationId xmlns:p14="http://schemas.microsoft.com/office/powerpoint/2010/main" val="3025580234"/>
+        <p14:creationId xmlns:p14="http://schemas.microsoft.com/office/powerpoint/2010/main" val="3669059076"/>
       </p:ext>
     </p:extLst>
   </p:cSld>
@@ -29565,44 +30394,6 @@
 </file>
 
 <file path=customXml/item1.xml><?xml version="1.0" encoding="utf-8"?>
-<p:properties xmlns:p="http://schemas.microsoft.com/office/2006/metadata/properties" xmlns:xsi="http://www.w3.org/2001/XMLSchema-instance" xmlns:pc="http://schemas.microsoft.com/office/infopath/2007/PartnerControls">
-  <documentManagement>
-    <SharedWithUsers xmlns="fee67b93-6974-4599-bd16-a295bb27cfe1">
-      <UserInfo>
-        <DisplayName>Stijn Degrieck</DisplayName>
-        <AccountId>13</AccountId>
-        <AccountType/>
-      </UserInfo>
-      <UserInfo>
-        <DisplayName>Henk Buysschaert</DisplayName>
-        <AccountId>73</AccountId>
-        <AccountType/>
-      </UserInfo>
-      <UserInfo>
-        <DisplayName>Sean MacGillavry</DisplayName>
-        <AccountId>69</AccountId>
-        <AccountType/>
-      </UserInfo>
-      <UserInfo>
-        <DisplayName>Joachim De Roissart</DisplayName>
-        <AccountId>90</AccountId>
-        <AccountType/>
-      </UserInfo>
-    </SharedWithUsers>
-  </documentManagement>
-</p:properties>
-</file>
-
-<file path=customXml/item2.xml><?xml version="1.0" encoding="utf-8"?>
-<?mso-contentType ?>
-<FormTemplates xmlns="http://schemas.microsoft.com/sharepoint/v3/contenttype/forms">
-  <Display>DocumentLibraryForm</Display>
-  <Edit>DocumentLibraryForm</Edit>
-  <New>DocumentLibraryForm</New>
-</FormTemplates>
-</file>
-
-<file path=customXml/item3.xml><?xml version="1.0" encoding="utf-8"?>
 <ct:contentTypeSchema xmlns:ct="http://schemas.microsoft.com/office/2006/metadata/contentType" xmlns:ma="http://schemas.microsoft.com/office/2006/metadata/properties/metaAttributes" ct:_="" ma:_="" ma:contentTypeName="Document" ma:contentTypeID="0x010100BAB604DF092D3D49B351D6278F007E19" ma:contentTypeVersion="7" ma:contentTypeDescription="Create a new document." ma:contentTypeScope="" ma:versionID="a741f742da3336562cd50a39a69eaa15">
   <xsd:schema xmlns:xsd="http://www.w3.org/2001/XMLSchema" xmlns:xs="http://www.w3.org/2001/XMLSchema" xmlns:p="http://schemas.microsoft.com/office/2006/metadata/properties" xmlns:ns2="fee67b93-6974-4599-bd16-a295bb27cfe1" xmlns:ns3="ca5330bd-c563-4e65-982c-c703f4b94ec3" targetNamespace="http://schemas.microsoft.com/office/2006/metadata/properties" ma:root="true" ma:fieldsID="38f3fb98fb601c9cb6e194579c7111d9" ns2:_="" ns3:_="">
     <xsd:import namespace="fee67b93-6974-4599-bd16-a295bb27cfe1"/>
@@ -29787,32 +30578,45 @@
 </ct:contentTypeSchema>
 </file>
 
-<file path=customXml/itemProps1.xml><?xml version="1.0" encoding="utf-8"?>
-<ds:datastoreItem xmlns:ds="http://schemas.openxmlformats.org/officeDocument/2006/customXml" ds:itemID="{BB868E38-3883-485C-AA72-FE197350C91A}">
-  <ds:schemaRefs>
-    <ds:schemaRef ds:uri="http://purl.org/dc/dcmitype/"/>
-    <ds:schemaRef ds:uri="http://purl.org/dc/elements/1.1/"/>
-    <ds:schemaRef ds:uri="http://schemas.openxmlformats.org/package/2006/metadata/core-properties"/>
-    <ds:schemaRef ds:uri="http://purl.org/dc/terms/"/>
-    <ds:schemaRef ds:uri="http://schemas.microsoft.com/office/2006/documentManagement/types"/>
-    <ds:schemaRef ds:uri="http://www.w3.org/XML/1998/namespace"/>
-    <ds:schemaRef ds:uri="http://schemas.microsoft.com/office/infopath/2007/PartnerControls"/>
-    <ds:schemaRef ds:uri="ca5330bd-c563-4e65-982c-c703f4b94ec3"/>
-    <ds:schemaRef ds:uri="fee67b93-6974-4599-bd16-a295bb27cfe1"/>
-    <ds:schemaRef ds:uri="http://schemas.microsoft.com/office/2006/metadata/properties"/>
-  </ds:schemaRefs>
-</ds:datastoreItem>
+<file path=customXml/item2.xml><?xml version="1.0" encoding="utf-8"?>
+<?mso-contentType ?>
+<FormTemplates xmlns="http://schemas.microsoft.com/sharepoint/v3/contenttype/forms">
+  <Display>DocumentLibraryForm</Display>
+  <Edit>DocumentLibraryForm</Edit>
+  <New>DocumentLibraryForm</New>
+</FormTemplates>
 </file>
 
-<file path=customXml/itemProps2.xml><?xml version="1.0" encoding="utf-8"?>
-<ds:datastoreItem xmlns:ds="http://schemas.openxmlformats.org/officeDocument/2006/customXml" ds:itemID="{BD1960A6-4BE3-42B6-BC04-74E06DF22BF7}">
-  <ds:schemaRefs>
-    <ds:schemaRef ds:uri="http://schemas.microsoft.com/sharepoint/v3/contenttype/forms"/>
-  </ds:schemaRefs>
-</ds:datastoreItem>
+<file path=customXml/item3.xml><?xml version="1.0" encoding="utf-8"?>
+<p:properties xmlns:p="http://schemas.microsoft.com/office/2006/metadata/properties" xmlns:xsi="http://www.w3.org/2001/XMLSchema-instance" xmlns:pc="http://schemas.microsoft.com/office/infopath/2007/PartnerControls">
+  <documentManagement>
+    <SharedWithUsers xmlns="fee67b93-6974-4599-bd16-a295bb27cfe1">
+      <UserInfo>
+        <DisplayName>Stijn Degrieck</DisplayName>
+        <AccountId>13</AccountId>
+        <AccountType/>
+      </UserInfo>
+      <UserInfo>
+        <DisplayName>Henk Buysschaert</DisplayName>
+        <AccountId>73</AccountId>
+        <AccountType/>
+      </UserInfo>
+      <UserInfo>
+        <DisplayName>Sean MacGillavry</DisplayName>
+        <AccountId>69</AccountId>
+        <AccountType/>
+      </UserInfo>
+      <UserInfo>
+        <DisplayName>Joachim De Roissart</DisplayName>
+        <AccountId>90</AccountId>
+        <AccountType/>
+      </UserInfo>
+    </SharedWithUsers>
+  </documentManagement>
+</p:properties>
 </file>
 
-<file path=customXml/itemProps3.xml><?xml version="1.0" encoding="utf-8"?>
+<file path=customXml/itemProps1.xml><?xml version="1.0" encoding="utf-8"?>
 <ds:datastoreItem xmlns:ds="http://schemas.openxmlformats.org/officeDocument/2006/customXml" ds:itemID="{B84ED37A-3E41-4079-B161-B36C644DBC25}">
   <ds:schemaRefs>
     <ds:schemaRef ds:uri="http://schemas.microsoft.com/office/2006/metadata/contentType"/>
@@ -29829,4 +30633,29 @@
     <ds:schemaRef ds:uri="http://schemas.microsoft.com/internal/obd"/>
   </ds:schemaRefs>
 </ds:datastoreItem>
+</file>
+
+<file path=customXml/itemProps2.xml><?xml version="1.0" encoding="utf-8"?>
+<ds:datastoreItem xmlns:ds="http://schemas.openxmlformats.org/officeDocument/2006/customXml" ds:itemID="{BD1960A6-4BE3-42B6-BC04-74E06DF22BF7}">
+  <ds:schemaRefs>
+    <ds:schemaRef ds:uri="http://schemas.microsoft.com/sharepoint/v3/contenttype/forms"/>
+  </ds:schemaRefs>
+</ds:datastoreItem>
+</file>
+
+<file path=customXml/itemProps3.xml><?xml version="1.0" encoding="utf-8"?>
+<ds:datastoreItem xmlns:ds="http://schemas.openxmlformats.org/officeDocument/2006/customXml" ds:itemID="{BB868E38-3883-485C-AA72-FE197350C91A}">
+  <ds:schemaRefs>
+    <ds:schemaRef ds:uri="http://purl.org/dc/dcmitype/"/>
+    <ds:schemaRef ds:uri="http://purl.org/dc/elements/1.1/"/>
+    <ds:schemaRef ds:uri="http://schemas.openxmlformats.org/package/2006/metadata/core-properties"/>
+    <ds:schemaRef ds:uri="http://purl.org/dc/terms/"/>
+    <ds:schemaRef ds:uri="http://schemas.microsoft.com/office/2006/documentManagement/types"/>
+    <ds:schemaRef ds:uri="http://www.w3.org/XML/1998/namespace"/>
+    <ds:schemaRef ds:uri="http://schemas.microsoft.com/office/infopath/2007/PartnerControls"/>
+    <ds:schemaRef ds:uri="ca5330bd-c563-4e65-982c-c703f4b94ec3"/>
+    <ds:schemaRef ds:uri="fee67b93-6974-4599-bd16-a295bb27cfe1"/>
+    <ds:schemaRef ds:uri="http://schemas.microsoft.com/office/2006/metadata/properties"/>
+  </ds:schemaRefs>
+</ds:datastoreItem>
 </file>
--- a/media/schematics.pptx
+++ b/media/schematics.pptx
@@ -25307,8 +25307,8 @@
         </p:nvCxnSpPr>
         <p:spPr>
           <a:xfrm rot="5400000" flipH="1" flipV="1">
-            <a:off x="511981" y="1495749"/>
-            <a:ext cx="1378832" cy="921249"/>
+            <a:off x="458785" y="1548945"/>
+            <a:ext cx="1378832" cy="814856"/>
           </a:xfrm>
           <a:prstGeom prst="bentConnector2">
             <a:avLst/>
@@ -25336,132 +25336,6 @@
           </a:fontRef>
         </p:style>
       </p:cxnSp>
-      <p:sp>
-        <p:nvSpPr>
-          <p:cNvPr id="36" name="Rectangle 35">
-            <a:extLst>
-              <a:ext uri="{FF2B5EF4-FFF2-40B4-BE49-F238E27FC236}">
-                <a16:creationId xmlns:a16="http://schemas.microsoft.com/office/drawing/2014/main" id="{9920AF8D-6C1D-4930-B101-E3BFE5FA51B3}"/>
-              </a:ext>
-            </a:extLst>
-          </p:cNvPr>
-          <p:cNvSpPr/>
-          <p:nvPr/>
-        </p:nvSpPr>
-        <p:spPr>
-          <a:xfrm rot="5400000">
-            <a:off x="5909545" y="-4273315"/>
-            <a:ext cx="372907" cy="8867955"/>
-          </a:xfrm>
-          <a:prstGeom prst="rect">
-            <a:avLst/>
-          </a:prstGeom>
-          <a:noFill/>
-          <a:ln w="19050">
-            <a:noFill/>
-          </a:ln>
-        </p:spPr>
-        <p:style>
-          <a:lnRef idx="2">
-            <a:schemeClr val="accent2"/>
-          </a:lnRef>
-          <a:fillRef idx="1">
-            <a:schemeClr val="lt1"/>
-          </a:fillRef>
-          <a:effectRef idx="0">
-            <a:schemeClr val="accent2"/>
-          </a:effectRef>
-          <a:fontRef idx="minor">
-            <a:schemeClr val="dk1"/>
-          </a:fontRef>
-        </p:style>
-        <p:txBody>
-          <a:bodyPr vert="vert270" rtlCol="0" anchor="ctr"/>
-          <a:lstStyle/>
-          <a:p>
-            <a:r>
-              <a:rPr lang="en-US" sz="1400" b="1" dirty="0">
-                <a:solidFill>
-                  <a:srgbClr val="0070C0"/>
-                </a:solidFill>
-                <a:latin typeface="Segoe UI (Body)"/>
-                <a:cs typeface="Tahoma"/>
-              </a:rPr>
-              <a:t>Application Resource Group</a:t>
-            </a:r>
-            <a:endParaRPr lang="en-BE" sz="1400" b="1" dirty="0" err="1">
-              <a:solidFill>
-                <a:srgbClr val="0070C0"/>
-              </a:solidFill>
-              <a:latin typeface="Segoe UI (Body)"/>
-              <a:cs typeface="Tahoma"/>
-            </a:endParaRPr>
-          </a:p>
-        </p:txBody>
-      </p:sp>
-      <p:sp>
-        <p:nvSpPr>
-          <p:cNvPr id="37" name="Rectangle 36">
-            <a:extLst>
-              <a:ext uri="{FF2B5EF4-FFF2-40B4-BE49-F238E27FC236}">
-                <a16:creationId xmlns:a16="http://schemas.microsoft.com/office/drawing/2014/main" id="{35750910-2495-44F8-A322-D8559608832A}"/>
-              </a:ext>
-            </a:extLst>
-          </p:cNvPr>
-          <p:cNvSpPr/>
-          <p:nvPr/>
-        </p:nvSpPr>
-        <p:spPr>
-          <a:xfrm rot="5400000">
-            <a:off x="5909542" y="39209"/>
-            <a:ext cx="372907" cy="8867957"/>
-          </a:xfrm>
-          <a:prstGeom prst="rect">
-            <a:avLst/>
-          </a:prstGeom>
-          <a:noFill/>
-          <a:ln w="19050">
-            <a:noFill/>
-          </a:ln>
-        </p:spPr>
-        <p:style>
-          <a:lnRef idx="2">
-            <a:schemeClr val="accent2"/>
-          </a:lnRef>
-          <a:fillRef idx="1">
-            <a:schemeClr val="lt1"/>
-          </a:fillRef>
-          <a:effectRef idx="0">
-            <a:schemeClr val="accent2"/>
-          </a:effectRef>
-          <a:fontRef idx="minor">
-            <a:schemeClr val="dk1"/>
-          </a:fontRef>
-        </p:style>
-        <p:txBody>
-          <a:bodyPr vert="vert270" rtlCol="0" anchor="ctr"/>
-          <a:lstStyle/>
-          <a:p>
-            <a:r>
-              <a:rPr lang="en-US" sz="1400" b="1" dirty="0">
-                <a:solidFill>
-                  <a:srgbClr val="0070C0"/>
-                </a:solidFill>
-                <a:latin typeface="Segoe UI (Body)"/>
-                <a:cs typeface="Tahoma"/>
-              </a:rPr>
-              <a:t>Autoscaling Resource Group</a:t>
-            </a:r>
-            <a:endParaRPr lang="en-BE" sz="1400" b="1" dirty="0" err="1">
-              <a:solidFill>
-                <a:srgbClr val="0070C0"/>
-              </a:solidFill>
-              <a:latin typeface="Segoe UI (Body)"/>
-              <a:cs typeface="Tahoma"/>
-            </a:endParaRPr>
-          </a:p>
-        </p:txBody>
-      </p:sp>
       <p:cxnSp>
         <p:nvCxnSpPr>
           <p:cNvPr id="162" name="Connector: Elbow 161">
@@ -25672,11 +25546,11 @@
         <p:spPr>
           <a:xfrm flipV="1">
             <a:off x="9569906" y="1266957"/>
-            <a:ext cx="960071" cy="3887826"/>
+            <a:ext cx="1066465" cy="3887826"/>
           </a:xfrm>
           <a:prstGeom prst="bentConnector3">
             <a:avLst>
-              <a:gd name="adj1" fmla="val 123811"/>
+              <a:gd name="adj1" fmla="val 121435"/>
             </a:avLst>
           </a:prstGeom>
           <a:ln w="19050">
@@ -25859,67 +25733,12 @@
           </a:p>
         </p:txBody>
       </p:sp>
-      <p:sp>
-        <p:nvSpPr>
-          <p:cNvPr id="13" name="Rectangle 12">
+      <p:grpSp>
+        <p:nvGrpSpPr>
+          <p:cNvPr id="8" name="Group 7">
             <a:extLst>
               <a:ext uri="{FF2B5EF4-FFF2-40B4-BE49-F238E27FC236}">
-                <a16:creationId xmlns:a16="http://schemas.microsoft.com/office/drawing/2014/main" id="{F2A22F9F-1A05-42B7-8524-1A09BE1A5D06}"/>
-              </a:ext>
-            </a:extLst>
-          </p:cNvPr>
-          <p:cNvSpPr/>
-          <p:nvPr/>
-        </p:nvSpPr>
-        <p:spPr>
-          <a:xfrm>
-            <a:off x="1662022" y="347115"/>
-            <a:ext cx="8867955" cy="1839683"/>
-          </a:xfrm>
-          <a:prstGeom prst="rect">
-            <a:avLst/>
-          </a:prstGeom>
-          <a:ln>
-            <a:solidFill>
-              <a:srgbClr val="0070C0"/>
-            </a:solidFill>
-          </a:ln>
-        </p:spPr>
-        <p:style>
-          <a:lnRef idx="2">
-            <a:schemeClr val="accent3"/>
-          </a:lnRef>
-          <a:fillRef idx="1">
-            <a:schemeClr val="lt1"/>
-          </a:fillRef>
-          <a:effectRef idx="0">
-            <a:schemeClr val="accent3"/>
-          </a:effectRef>
-          <a:fontRef idx="minor">
-            <a:schemeClr val="dk1"/>
-          </a:fontRef>
-        </p:style>
-        <p:txBody>
-          <a:bodyPr rtlCol="0" anchor="ctr"/>
-          <a:lstStyle/>
-          <a:p>
-            <a:pPr algn="ctr"/>
-            <a:endParaRPr lang="en-BE" dirty="0" err="1">
-              <a:solidFill>
-                <a:schemeClr val="bg1"/>
-              </a:solidFill>
-              <a:latin typeface="Tahoma"/>
-              <a:cs typeface="Tahoma"/>
-            </a:endParaRPr>
-          </a:p>
-        </p:txBody>
-      </p:sp>
-      <p:grpSp>
-        <p:nvGrpSpPr>
-          <p:cNvPr id="34" name="Group 33">
-            <a:extLst>
-              <a:ext uri="{FF2B5EF4-FFF2-40B4-BE49-F238E27FC236}">
-                <a16:creationId xmlns:a16="http://schemas.microsoft.com/office/drawing/2014/main" id="{D8241CF7-0EC4-4317-8597-6B12FF0A0CAA}"/>
+                <a16:creationId xmlns:a16="http://schemas.microsoft.com/office/drawing/2014/main" id="{37A00946-520A-44E4-85A5-B2D1E351DEBC}"/>
               </a:ext>
             </a:extLst>
           </p:cNvPr>
@@ -25928,138 +25747,18 @@
         </p:nvGrpSpPr>
         <p:grpSpPr>
           <a:xfrm>
-            <a:off x="4065242" y="933521"/>
-            <a:ext cx="4061513" cy="631706"/>
-            <a:chOff x="3129055" y="741781"/>
-            <a:chExt cx="4061513" cy="631706"/>
+            <a:off x="1555629" y="-25791"/>
+            <a:ext cx="9080742" cy="2212589"/>
+            <a:chOff x="1555629" y="-25791"/>
+            <a:chExt cx="9080742" cy="2212589"/>
           </a:xfrm>
         </p:grpSpPr>
-        <p:pic>
-          <p:nvPicPr>
-            <p:cNvPr id="25" name="Picture 24">
+        <p:sp>
+          <p:nvSpPr>
+            <p:cNvPr id="36" name="Rectangle 35">
               <a:extLst>
                 <a:ext uri="{FF2B5EF4-FFF2-40B4-BE49-F238E27FC236}">
-                  <a16:creationId xmlns:a16="http://schemas.microsoft.com/office/drawing/2014/main" id="{54199215-15FE-4860-8FAD-96063DC0D153}"/>
-                </a:ext>
-              </a:extLst>
-            </p:cNvPr>
-            <p:cNvPicPr>
-              <a:picLocks noChangeAspect="1"/>
-            </p:cNvPicPr>
-            <p:nvPr/>
-          </p:nvPicPr>
-          <p:blipFill>
-            <a:blip r:embed="rId3"/>
-            <a:stretch>
-              <a:fillRect/>
-            </a:stretch>
-          </p:blipFill>
-          <p:spPr>
-            <a:xfrm>
-              <a:off x="3129055" y="748812"/>
-              <a:ext cx="616163" cy="616163"/>
-            </a:xfrm>
-            <a:prstGeom prst="rect">
-              <a:avLst/>
-            </a:prstGeom>
-          </p:spPr>
-        </p:pic>
-        <p:pic>
-          <p:nvPicPr>
-            <p:cNvPr id="26" name="Picture 25">
-              <a:extLst>
-                <a:ext uri="{FF2B5EF4-FFF2-40B4-BE49-F238E27FC236}">
-                  <a16:creationId xmlns:a16="http://schemas.microsoft.com/office/drawing/2014/main" id="{A027AF7B-7479-4D09-A7E4-425BD744C380}"/>
-                </a:ext>
-              </a:extLst>
-            </p:cNvPr>
-            <p:cNvPicPr>
-              <a:picLocks noChangeAspect="1"/>
-            </p:cNvPicPr>
-            <p:nvPr/>
-          </p:nvPicPr>
-          <p:blipFill>
-            <a:blip r:embed="rId3"/>
-            <a:stretch>
-              <a:fillRect/>
-            </a:stretch>
-          </p:blipFill>
-          <p:spPr>
-            <a:xfrm>
-              <a:off x="4107431" y="753522"/>
-              <a:ext cx="616163" cy="616163"/>
-            </a:xfrm>
-            <a:prstGeom prst="rect">
-              <a:avLst/>
-            </a:prstGeom>
-          </p:spPr>
-        </p:pic>
-        <p:pic>
-          <p:nvPicPr>
-            <p:cNvPr id="30" name="Picture 29">
-              <a:extLst>
-                <a:ext uri="{FF2B5EF4-FFF2-40B4-BE49-F238E27FC236}">
-                  <a16:creationId xmlns:a16="http://schemas.microsoft.com/office/drawing/2014/main" id="{BBD9A6D4-D91D-49D4-BC85-54E3A9F57236}"/>
-                </a:ext>
-              </a:extLst>
-            </p:cNvPr>
-            <p:cNvPicPr>
-              <a:picLocks noChangeAspect="1"/>
-            </p:cNvPicPr>
-            <p:nvPr/>
-          </p:nvPicPr>
-          <p:blipFill>
-            <a:blip r:embed="rId3"/>
-            <a:stretch>
-              <a:fillRect/>
-            </a:stretch>
-          </p:blipFill>
-          <p:spPr>
-            <a:xfrm>
-              <a:off x="5596029" y="757324"/>
-              <a:ext cx="616163" cy="616163"/>
-            </a:xfrm>
-            <a:prstGeom prst="rect">
-              <a:avLst/>
-            </a:prstGeom>
-          </p:spPr>
-        </p:pic>
-        <p:pic>
-          <p:nvPicPr>
-            <p:cNvPr id="31" name="Picture 30">
-              <a:extLst>
-                <a:ext uri="{FF2B5EF4-FFF2-40B4-BE49-F238E27FC236}">
-                  <a16:creationId xmlns:a16="http://schemas.microsoft.com/office/drawing/2014/main" id="{32A0AEEB-6624-4C9C-BA6F-8EB1B5F0F429}"/>
-                </a:ext>
-              </a:extLst>
-            </p:cNvPr>
-            <p:cNvPicPr>
-              <a:picLocks noChangeAspect="1"/>
-            </p:cNvPicPr>
-            <p:nvPr/>
-          </p:nvPicPr>
-          <p:blipFill>
-            <a:blip r:embed="rId3"/>
-            <a:stretch>
-              <a:fillRect/>
-            </a:stretch>
-          </p:blipFill>
-          <p:spPr>
-            <a:xfrm>
-              <a:off x="6574405" y="757323"/>
-              <a:ext cx="616163" cy="616163"/>
-            </a:xfrm>
-            <a:prstGeom prst="rect">
-              <a:avLst/>
-            </a:prstGeom>
-          </p:spPr>
-        </p:pic>
-        <p:sp>
-          <p:nvSpPr>
-            <p:cNvPr id="32" name="Rectangle 31">
-              <a:extLst>
-                <a:ext uri="{FF2B5EF4-FFF2-40B4-BE49-F238E27FC236}">
-                  <a16:creationId xmlns:a16="http://schemas.microsoft.com/office/drawing/2014/main" id="{0CFAEC96-5AB4-4AD6-BFC5-C35013244E84}"/>
+                  <a16:creationId xmlns:a16="http://schemas.microsoft.com/office/drawing/2014/main" id="{9920AF8D-6C1D-4930-B101-E3BFE5FA51B3}"/>
                 </a:ext>
               </a:extLst>
             </p:cNvPr>
@@ -26068,8 +25767,8 @@
           </p:nvSpPr>
           <p:spPr>
             <a:xfrm rot="5400000">
-              <a:off x="4851731" y="613643"/>
-              <a:ext cx="616162" cy="872437"/>
+              <a:off x="5909545" y="-4273315"/>
+              <a:ext cx="372907" cy="8867955"/>
             </a:xfrm>
             <a:prstGeom prst="rect">
               <a:avLst/>
@@ -26097,20 +25796,19 @@
             <a:bodyPr vert="vert270" rtlCol="0" anchor="ctr"/>
             <a:lstStyle/>
             <a:p>
-              <a:pPr algn="ctr"/>
               <a:r>
-                <a:rPr lang="en-US" sz="1200" dirty="0">
+                <a:rPr lang="en-US" sz="1400" b="1" dirty="0">
                   <a:solidFill>
-                    <a:srgbClr val="080808"/>
+                    <a:srgbClr val="0070C0"/>
                   </a:solidFill>
                   <a:latin typeface="Segoe UI (Body)"/>
                   <a:cs typeface="Tahoma"/>
                 </a:rPr>
-                <a:t>……..</a:t>
+                <a:t>Application Resource Group</a:t>
               </a:r>
-              <a:endParaRPr lang="en-BE" sz="1200" dirty="0" err="1">
+              <a:endParaRPr lang="en-BE" sz="1400" b="1" dirty="0" err="1">
                 <a:solidFill>
-                  <a:srgbClr val="080808"/>
+                  <a:srgbClr val="0070C0"/>
                 </a:solidFill>
                 <a:latin typeface="Segoe UI (Body)"/>
                 <a:cs typeface="Tahoma"/>
@@ -26118,439 +25816,699 @@
             </a:p>
           </p:txBody>
         </p:sp>
+        <p:sp>
+          <p:nvSpPr>
+            <p:cNvPr id="13" name="Rectangle 12">
+              <a:extLst>
+                <a:ext uri="{FF2B5EF4-FFF2-40B4-BE49-F238E27FC236}">
+                  <a16:creationId xmlns:a16="http://schemas.microsoft.com/office/drawing/2014/main" id="{F2A22F9F-1A05-42B7-8524-1A09BE1A5D06}"/>
+                </a:ext>
+              </a:extLst>
+            </p:cNvPr>
+            <p:cNvSpPr/>
+            <p:nvPr/>
+          </p:nvSpPr>
+          <p:spPr>
+            <a:xfrm>
+              <a:off x="1555629" y="347115"/>
+              <a:ext cx="9080742" cy="1839683"/>
+            </a:xfrm>
+            <a:prstGeom prst="rect">
+              <a:avLst/>
+            </a:prstGeom>
+            <a:ln>
+              <a:solidFill>
+                <a:srgbClr val="0070C0"/>
+              </a:solidFill>
+            </a:ln>
+          </p:spPr>
+          <p:style>
+            <a:lnRef idx="2">
+              <a:schemeClr val="accent3"/>
+            </a:lnRef>
+            <a:fillRef idx="1">
+              <a:schemeClr val="lt1"/>
+            </a:fillRef>
+            <a:effectRef idx="0">
+              <a:schemeClr val="accent3"/>
+            </a:effectRef>
+            <a:fontRef idx="minor">
+              <a:schemeClr val="dk1"/>
+            </a:fontRef>
+          </p:style>
+          <p:txBody>
+            <a:bodyPr rtlCol="0" anchor="ctr"/>
+            <a:lstStyle/>
+            <a:p>
+              <a:pPr algn="ctr"/>
+              <a:endParaRPr lang="en-BE" dirty="0" err="1">
+                <a:solidFill>
+                  <a:schemeClr val="bg1"/>
+                </a:solidFill>
+                <a:latin typeface="Tahoma"/>
+                <a:cs typeface="Tahoma"/>
+              </a:endParaRPr>
+            </a:p>
+          </p:txBody>
+        </p:sp>
+        <p:grpSp>
+          <p:nvGrpSpPr>
+            <p:cNvPr id="34" name="Group 33">
+              <a:extLst>
+                <a:ext uri="{FF2B5EF4-FFF2-40B4-BE49-F238E27FC236}">
+                  <a16:creationId xmlns:a16="http://schemas.microsoft.com/office/drawing/2014/main" id="{D8241CF7-0EC4-4317-8597-6B12FF0A0CAA}"/>
+                </a:ext>
+              </a:extLst>
+            </p:cNvPr>
+            <p:cNvGrpSpPr/>
+            <p:nvPr/>
+          </p:nvGrpSpPr>
+          <p:grpSpPr>
+            <a:xfrm>
+              <a:off x="4065242" y="933521"/>
+              <a:ext cx="4061513" cy="631706"/>
+              <a:chOff x="3129055" y="741781"/>
+              <a:chExt cx="4061513" cy="631706"/>
+            </a:xfrm>
+          </p:grpSpPr>
+          <p:pic>
+            <p:nvPicPr>
+              <p:cNvPr id="25" name="Picture 24">
+                <a:extLst>
+                  <a:ext uri="{FF2B5EF4-FFF2-40B4-BE49-F238E27FC236}">
+                    <a16:creationId xmlns:a16="http://schemas.microsoft.com/office/drawing/2014/main" id="{54199215-15FE-4860-8FAD-96063DC0D153}"/>
+                  </a:ext>
+                </a:extLst>
+              </p:cNvPr>
+              <p:cNvPicPr>
+                <a:picLocks noChangeAspect="1"/>
+              </p:cNvPicPr>
+              <p:nvPr/>
+            </p:nvPicPr>
+            <p:blipFill>
+              <a:blip r:embed="rId3"/>
+              <a:stretch>
+                <a:fillRect/>
+              </a:stretch>
+            </p:blipFill>
+            <p:spPr>
+              <a:xfrm>
+                <a:off x="3129055" y="748812"/>
+                <a:ext cx="616163" cy="616163"/>
+              </a:xfrm>
+              <a:prstGeom prst="rect">
+                <a:avLst/>
+              </a:prstGeom>
+            </p:spPr>
+          </p:pic>
+          <p:pic>
+            <p:nvPicPr>
+              <p:cNvPr id="26" name="Picture 25">
+                <a:extLst>
+                  <a:ext uri="{FF2B5EF4-FFF2-40B4-BE49-F238E27FC236}">
+                    <a16:creationId xmlns:a16="http://schemas.microsoft.com/office/drawing/2014/main" id="{A027AF7B-7479-4D09-A7E4-425BD744C380}"/>
+                  </a:ext>
+                </a:extLst>
+              </p:cNvPr>
+              <p:cNvPicPr>
+                <a:picLocks noChangeAspect="1"/>
+              </p:cNvPicPr>
+              <p:nvPr/>
+            </p:nvPicPr>
+            <p:blipFill>
+              <a:blip r:embed="rId3"/>
+              <a:stretch>
+                <a:fillRect/>
+              </a:stretch>
+            </p:blipFill>
+            <p:spPr>
+              <a:xfrm>
+                <a:off x="4107431" y="753522"/>
+                <a:ext cx="616163" cy="616163"/>
+              </a:xfrm>
+              <a:prstGeom prst="rect">
+                <a:avLst/>
+              </a:prstGeom>
+            </p:spPr>
+          </p:pic>
+          <p:pic>
+            <p:nvPicPr>
+              <p:cNvPr id="30" name="Picture 29">
+                <a:extLst>
+                  <a:ext uri="{FF2B5EF4-FFF2-40B4-BE49-F238E27FC236}">
+                    <a16:creationId xmlns:a16="http://schemas.microsoft.com/office/drawing/2014/main" id="{BBD9A6D4-D91D-49D4-BC85-54E3A9F57236}"/>
+                  </a:ext>
+                </a:extLst>
+              </p:cNvPr>
+              <p:cNvPicPr>
+                <a:picLocks noChangeAspect="1"/>
+              </p:cNvPicPr>
+              <p:nvPr/>
+            </p:nvPicPr>
+            <p:blipFill>
+              <a:blip r:embed="rId3"/>
+              <a:stretch>
+                <a:fillRect/>
+              </a:stretch>
+            </p:blipFill>
+            <p:spPr>
+              <a:xfrm>
+                <a:off x="5596029" y="757324"/>
+                <a:ext cx="616163" cy="616163"/>
+              </a:xfrm>
+              <a:prstGeom prst="rect">
+                <a:avLst/>
+              </a:prstGeom>
+            </p:spPr>
+          </p:pic>
+          <p:pic>
+            <p:nvPicPr>
+              <p:cNvPr id="31" name="Picture 30">
+                <a:extLst>
+                  <a:ext uri="{FF2B5EF4-FFF2-40B4-BE49-F238E27FC236}">
+                    <a16:creationId xmlns:a16="http://schemas.microsoft.com/office/drawing/2014/main" id="{32A0AEEB-6624-4C9C-BA6F-8EB1B5F0F429}"/>
+                  </a:ext>
+                </a:extLst>
+              </p:cNvPr>
+              <p:cNvPicPr>
+                <a:picLocks noChangeAspect="1"/>
+              </p:cNvPicPr>
+              <p:nvPr/>
+            </p:nvPicPr>
+            <p:blipFill>
+              <a:blip r:embed="rId3"/>
+              <a:stretch>
+                <a:fillRect/>
+              </a:stretch>
+            </p:blipFill>
+            <p:spPr>
+              <a:xfrm>
+                <a:off x="6574405" y="757323"/>
+                <a:ext cx="616163" cy="616163"/>
+              </a:xfrm>
+              <a:prstGeom prst="rect">
+                <a:avLst/>
+              </a:prstGeom>
+            </p:spPr>
+          </p:pic>
+          <p:sp>
+            <p:nvSpPr>
+              <p:cNvPr id="32" name="Rectangle 31">
+                <a:extLst>
+                  <a:ext uri="{FF2B5EF4-FFF2-40B4-BE49-F238E27FC236}">
+                    <a16:creationId xmlns:a16="http://schemas.microsoft.com/office/drawing/2014/main" id="{0CFAEC96-5AB4-4AD6-BFC5-C35013244E84}"/>
+                  </a:ext>
+                </a:extLst>
+              </p:cNvPr>
+              <p:cNvSpPr/>
+              <p:nvPr/>
+            </p:nvSpPr>
+            <p:spPr>
+              <a:xfrm rot="5400000">
+                <a:off x="4851731" y="613643"/>
+                <a:ext cx="616162" cy="872437"/>
+              </a:xfrm>
+              <a:prstGeom prst="rect">
+                <a:avLst/>
+              </a:prstGeom>
+              <a:noFill/>
+              <a:ln w="19050">
+                <a:noFill/>
+              </a:ln>
+            </p:spPr>
+            <p:style>
+              <a:lnRef idx="2">
+                <a:schemeClr val="accent2"/>
+              </a:lnRef>
+              <a:fillRef idx="1">
+                <a:schemeClr val="lt1"/>
+              </a:fillRef>
+              <a:effectRef idx="0">
+                <a:schemeClr val="accent2"/>
+              </a:effectRef>
+              <a:fontRef idx="minor">
+                <a:schemeClr val="dk1"/>
+              </a:fontRef>
+            </p:style>
+            <p:txBody>
+              <a:bodyPr vert="vert270" rtlCol="0" anchor="ctr"/>
+              <a:lstStyle/>
+              <a:p>
+                <a:pPr algn="ctr"/>
+                <a:r>
+                  <a:rPr lang="en-US" sz="1200" dirty="0">
+                    <a:solidFill>
+                      <a:srgbClr val="080808"/>
+                    </a:solidFill>
+                    <a:latin typeface="Segoe UI (Body)"/>
+                    <a:cs typeface="Tahoma"/>
+                  </a:rPr>
+                  <a:t>……..</a:t>
+                </a:r>
+                <a:endParaRPr lang="en-BE" sz="1200" dirty="0" err="1">
+                  <a:solidFill>
+                    <a:srgbClr val="080808"/>
+                  </a:solidFill>
+                  <a:latin typeface="Segoe UI (Body)"/>
+                  <a:cs typeface="Tahoma"/>
+                </a:endParaRPr>
+              </a:p>
+            </p:txBody>
+          </p:sp>
+        </p:grpSp>
+        <p:pic>
+          <p:nvPicPr>
+            <p:cNvPr id="136" name="Picture 135">
+              <a:extLst>
+                <a:ext uri="{FF2B5EF4-FFF2-40B4-BE49-F238E27FC236}">
+                  <a16:creationId xmlns:a16="http://schemas.microsoft.com/office/drawing/2014/main" id="{5F019165-5A39-4462-9F4B-DAB7F66A4CFD}"/>
+                </a:ext>
+              </a:extLst>
+            </p:cNvPr>
+            <p:cNvPicPr>
+              <a:picLocks noChangeAspect="1"/>
+            </p:cNvPicPr>
+            <p:nvPr/>
+          </p:nvPicPr>
+          <p:blipFill>
+            <a:blip r:embed="rId4"/>
+            <a:stretch>
+              <a:fillRect/>
+            </a:stretch>
+          </p:blipFill>
+          <p:spPr>
+            <a:xfrm>
+              <a:off x="5872663" y="1628473"/>
+              <a:ext cx="446663" cy="446663"/>
+            </a:xfrm>
+            <a:prstGeom prst="rect">
+              <a:avLst/>
+            </a:prstGeom>
+          </p:spPr>
+        </p:pic>
+        <p:cxnSp>
+          <p:nvCxnSpPr>
+            <p:cNvPr id="145" name="Connector: Elbow 144">
+              <a:extLst>
+                <a:ext uri="{FF2B5EF4-FFF2-40B4-BE49-F238E27FC236}">
+                  <a16:creationId xmlns:a16="http://schemas.microsoft.com/office/drawing/2014/main" id="{61AEB452-4A01-49DE-AFFC-9B3E5E146698}"/>
+                </a:ext>
+              </a:extLst>
+            </p:cNvPr>
+            <p:cNvCxnSpPr>
+              <a:cxnSpLocks/>
+              <a:stCxn id="26" idx="2"/>
+            </p:cNvCxnSpPr>
+            <p:nvPr/>
+          </p:nvCxnSpPr>
+          <p:spPr>
+            <a:xfrm rot="16200000" flipH="1">
+              <a:off x="5469436" y="1443689"/>
+              <a:ext cx="257558" cy="493030"/>
+            </a:xfrm>
+            <a:prstGeom prst="bentConnector2">
+              <a:avLst/>
+            </a:prstGeom>
+            <a:ln w="19050">
+              <a:solidFill>
+                <a:schemeClr val="accent1"/>
+              </a:solidFill>
+              <a:prstDash val="sysDot"/>
+              <a:tailEnd type="triangle"/>
+            </a:ln>
+          </p:spPr>
+          <p:style>
+            <a:lnRef idx="1">
+              <a:schemeClr val="accent3"/>
+            </a:lnRef>
+            <a:fillRef idx="0">
+              <a:schemeClr val="accent3"/>
+            </a:fillRef>
+            <a:effectRef idx="0">
+              <a:schemeClr val="accent3"/>
+            </a:effectRef>
+            <a:fontRef idx="minor">
+              <a:schemeClr val="tx1"/>
+            </a:fontRef>
+          </p:style>
+        </p:cxnSp>
+        <p:cxnSp>
+          <p:nvCxnSpPr>
+            <p:cNvPr id="150" name="Connector: Elbow 149">
+              <a:extLst>
+                <a:ext uri="{FF2B5EF4-FFF2-40B4-BE49-F238E27FC236}">
+                  <a16:creationId xmlns:a16="http://schemas.microsoft.com/office/drawing/2014/main" id="{4294EB57-D253-43C9-8C3C-454DBD6C3372}"/>
+                </a:ext>
+              </a:extLst>
+            </p:cNvPr>
+            <p:cNvCxnSpPr>
+              <a:cxnSpLocks/>
+              <a:stCxn id="25" idx="2"/>
+            </p:cNvCxnSpPr>
+            <p:nvPr/>
+          </p:nvCxnSpPr>
+          <p:spPr>
+            <a:xfrm rot="16200000" flipH="1">
+              <a:off x="4918136" y="1011903"/>
+              <a:ext cx="381784" cy="1471408"/>
+            </a:xfrm>
+            <a:prstGeom prst="bentConnector2">
+              <a:avLst/>
+            </a:prstGeom>
+            <a:ln w="19050">
+              <a:solidFill>
+                <a:schemeClr val="accent1"/>
+              </a:solidFill>
+              <a:prstDash val="sysDot"/>
+              <a:tailEnd type="triangle"/>
+            </a:ln>
+          </p:spPr>
+          <p:style>
+            <a:lnRef idx="1">
+              <a:schemeClr val="accent3"/>
+            </a:lnRef>
+            <a:fillRef idx="0">
+              <a:schemeClr val="accent3"/>
+            </a:fillRef>
+            <a:effectRef idx="0">
+              <a:schemeClr val="accent3"/>
+            </a:effectRef>
+            <a:fontRef idx="minor">
+              <a:schemeClr val="tx1"/>
+            </a:fontRef>
+          </p:style>
+        </p:cxnSp>
+        <p:cxnSp>
+          <p:nvCxnSpPr>
+            <p:cNvPr id="153" name="Connector: Elbow 152">
+              <a:extLst>
+                <a:ext uri="{FF2B5EF4-FFF2-40B4-BE49-F238E27FC236}">
+                  <a16:creationId xmlns:a16="http://schemas.microsoft.com/office/drawing/2014/main" id="{44A029BF-F4D3-489C-9C28-36A7E7C69A53}"/>
+                </a:ext>
+              </a:extLst>
+            </p:cNvPr>
+            <p:cNvCxnSpPr>
+              <a:cxnSpLocks/>
+              <a:stCxn id="31" idx="2"/>
+            </p:cNvCxnSpPr>
+            <p:nvPr/>
+          </p:nvCxnSpPr>
+          <p:spPr>
+            <a:xfrm rot="5400000">
+              <a:off x="6886010" y="1016978"/>
+              <a:ext cx="384417" cy="1480913"/>
+            </a:xfrm>
+            <a:prstGeom prst="bentConnector2">
+              <a:avLst/>
+            </a:prstGeom>
+            <a:ln w="19050">
+              <a:solidFill>
+                <a:schemeClr val="accent1"/>
+              </a:solidFill>
+              <a:prstDash val="sysDot"/>
+              <a:tailEnd type="triangle"/>
+            </a:ln>
+          </p:spPr>
+          <p:style>
+            <a:lnRef idx="1">
+              <a:schemeClr val="accent3"/>
+            </a:lnRef>
+            <a:fillRef idx="0">
+              <a:schemeClr val="accent3"/>
+            </a:fillRef>
+            <a:effectRef idx="0">
+              <a:schemeClr val="accent3"/>
+            </a:effectRef>
+            <a:fontRef idx="minor">
+              <a:schemeClr val="tx1"/>
+            </a:fontRef>
+          </p:style>
+        </p:cxnSp>
+        <p:cxnSp>
+          <p:nvCxnSpPr>
+            <p:cNvPr id="159" name="Connector: Elbow 158">
+              <a:extLst>
+                <a:ext uri="{FF2B5EF4-FFF2-40B4-BE49-F238E27FC236}">
+                  <a16:creationId xmlns:a16="http://schemas.microsoft.com/office/drawing/2014/main" id="{BE73164F-0C2D-4A0C-971C-F9AC4C4DD39C}"/>
+                </a:ext>
+              </a:extLst>
+            </p:cNvPr>
+            <p:cNvCxnSpPr>
+              <a:cxnSpLocks/>
+              <a:stCxn id="30" idx="2"/>
+            </p:cNvCxnSpPr>
+            <p:nvPr/>
+          </p:nvCxnSpPr>
+          <p:spPr>
+            <a:xfrm rot="5400000">
+              <a:off x="6465259" y="1437730"/>
+              <a:ext cx="247542" cy="502537"/>
+            </a:xfrm>
+            <a:prstGeom prst="bentConnector2">
+              <a:avLst/>
+            </a:prstGeom>
+            <a:ln w="19050">
+              <a:solidFill>
+                <a:schemeClr val="accent1"/>
+              </a:solidFill>
+              <a:prstDash val="sysDot"/>
+              <a:tailEnd type="triangle"/>
+            </a:ln>
+          </p:spPr>
+          <p:style>
+            <a:lnRef idx="1">
+              <a:schemeClr val="accent3"/>
+            </a:lnRef>
+            <a:fillRef idx="0">
+              <a:schemeClr val="accent3"/>
+            </a:fillRef>
+            <a:effectRef idx="0">
+              <a:schemeClr val="accent3"/>
+            </a:effectRef>
+            <a:fontRef idx="minor">
+              <a:schemeClr val="tx1"/>
+            </a:fontRef>
+          </p:style>
+        </p:cxnSp>
+        <p:pic>
+          <p:nvPicPr>
+            <p:cNvPr id="17" name="Picture 16">
+              <a:extLst>
+                <a:ext uri="{FF2B5EF4-FFF2-40B4-BE49-F238E27FC236}">
+                  <a16:creationId xmlns:a16="http://schemas.microsoft.com/office/drawing/2014/main" id="{B98D6CD7-1B90-4F78-8D17-5CA3879D5907}"/>
+                </a:ext>
+              </a:extLst>
+            </p:cNvPr>
+            <p:cNvPicPr>
+              <a:picLocks noChangeAspect="1"/>
+            </p:cNvPicPr>
+            <p:nvPr/>
+          </p:nvPicPr>
+          <p:blipFill>
+            <a:blip r:embed="rId5"/>
+            <a:stretch>
+              <a:fillRect/>
+            </a:stretch>
+          </p:blipFill>
+          <p:spPr>
+            <a:xfrm>
+              <a:off x="5791921" y="426766"/>
+              <a:ext cx="600620" cy="600620"/>
+            </a:xfrm>
+            <a:prstGeom prst="rect">
+              <a:avLst/>
+            </a:prstGeom>
+          </p:spPr>
+        </p:pic>
+        <p:cxnSp>
+          <p:nvCxnSpPr>
+            <p:cNvPr id="70" name="Connector: Elbow 69">
+              <a:extLst>
+                <a:ext uri="{FF2B5EF4-FFF2-40B4-BE49-F238E27FC236}">
+                  <a16:creationId xmlns:a16="http://schemas.microsoft.com/office/drawing/2014/main" id="{22635DB3-EE01-41A6-8187-BDF938E65A54}"/>
+                </a:ext>
+              </a:extLst>
+            </p:cNvPr>
+            <p:cNvCxnSpPr>
+              <a:cxnSpLocks/>
+              <a:stCxn id="17" idx="3"/>
+              <a:endCxn id="31" idx="0"/>
+            </p:cNvCxnSpPr>
+            <p:nvPr/>
+          </p:nvCxnSpPr>
+          <p:spPr>
+            <a:xfrm>
+              <a:off x="6392541" y="727076"/>
+              <a:ext cx="1426133" cy="221987"/>
+            </a:xfrm>
+            <a:prstGeom prst="bentConnector2">
+              <a:avLst/>
+            </a:prstGeom>
+            <a:ln w="19050">
+              <a:solidFill>
+                <a:schemeClr val="accent1"/>
+              </a:solidFill>
+              <a:prstDash val="solid"/>
+              <a:tailEnd type="triangle"/>
+            </a:ln>
+          </p:spPr>
+          <p:style>
+            <a:lnRef idx="1">
+              <a:schemeClr val="accent3"/>
+            </a:lnRef>
+            <a:fillRef idx="0">
+              <a:schemeClr val="accent3"/>
+            </a:fillRef>
+            <a:effectRef idx="0">
+              <a:schemeClr val="accent3"/>
+            </a:effectRef>
+            <a:fontRef idx="minor">
+              <a:schemeClr val="tx1"/>
+            </a:fontRef>
+          </p:style>
+        </p:cxnSp>
+        <p:cxnSp>
+          <p:nvCxnSpPr>
+            <p:cNvPr id="74" name="Connector: Elbow 73">
+              <a:extLst>
+                <a:ext uri="{FF2B5EF4-FFF2-40B4-BE49-F238E27FC236}">
+                  <a16:creationId xmlns:a16="http://schemas.microsoft.com/office/drawing/2014/main" id="{7682DBFF-A857-4D16-8335-42ED71A21756}"/>
+                </a:ext>
+              </a:extLst>
+            </p:cNvPr>
+            <p:cNvCxnSpPr>
+              <a:cxnSpLocks/>
+              <a:stCxn id="17" idx="3"/>
+              <a:endCxn id="30" idx="0"/>
+            </p:cNvCxnSpPr>
+            <p:nvPr/>
+          </p:nvCxnSpPr>
+          <p:spPr>
+            <a:xfrm>
+              <a:off x="6392541" y="727076"/>
+              <a:ext cx="447757" cy="221988"/>
+            </a:xfrm>
+            <a:prstGeom prst="bentConnector2">
+              <a:avLst/>
+            </a:prstGeom>
+            <a:ln w="19050">
+              <a:solidFill>
+                <a:schemeClr val="accent1"/>
+              </a:solidFill>
+              <a:prstDash val="solid"/>
+              <a:tailEnd type="triangle"/>
+            </a:ln>
+          </p:spPr>
+          <p:style>
+            <a:lnRef idx="1">
+              <a:schemeClr val="accent3"/>
+            </a:lnRef>
+            <a:fillRef idx="0">
+              <a:schemeClr val="accent3"/>
+            </a:fillRef>
+            <a:effectRef idx="0">
+              <a:schemeClr val="accent3"/>
+            </a:effectRef>
+            <a:fontRef idx="minor">
+              <a:schemeClr val="tx1"/>
+            </a:fontRef>
+          </p:style>
+        </p:cxnSp>
+        <p:cxnSp>
+          <p:nvCxnSpPr>
+            <p:cNvPr id="77" name="Connector: Elbow 76">
+              <a:extLst>
+                <a:ext uri="{FF2B5EF4-FFF2-40B4-BE49-F238E27FC236}">
+                  <a16:creationId xmlns:a16="http://schemas.microsoft.com/office/drawing/2014/main" id="{6740CF15-7313-49FF-A3F2-8781D68A4552}"/>
+                </a:ext>
+              </a:extLst>
+            </p:cNvPr>
+            <p:cNvCxnSpPr>
+              <a:cxnSpLocks/>
+              <a:stCxn id="17" idx="1"/>
+              <a:endCxn id="26" idx="0"/>
+            </p:cNvCxnSpPr>
+            <p:nvPr/>
+          </p:nvCxnSpPr>
+          <p:spPr>
+            <a:xfrm rot="10800000" flipV="1">
+              <a:off x="5351701" y="727076"/>
+              <a:ext cx="440221" cy="218186"/>
+            </a:xfrm>
+            <a:prstGeom prst="bentConnector2">
+              <a:avLst/>
+            </a:prstGeom>
+            <a:ln w="19050">
+              <a:solidFill>
+                <a:schemeClr val="accent1"/>
+              </a:solidFill>
+              <a:prstDash val="solid"/>
+              <a:tailEnd type="triangle"/>
+            </a:ln>
+          </p:spPr>
+          <p:style>
+            <a:lnRef idx="1">
+              <a:schemeClr val="accent3"/>
+            </a:lnRef>
+            <a:fillRef idx="0">
+              <a:schemeClr val="accent3"/>
+            </a:fillRef>
+            <a:effectRef idx="0">
+              <a:schemeClr val="accent3"/>
+            </a:effectRef>
+            <a:fontRef idx="minor">
+              <a:schemeClr val="tx1"/>
+            </a:fontRef>
+          </p:style>
+        </p:cxnSp>
+        <p:cxnSp>
+          <p:nvCxnSpPr>
+            <p:cNvPr id="80" name="Connector: Elbow 79">
+              <a:extLst>
+                <a:ext uri="{FF2B5EF4-FFF2-40B4-BE49-F238E27FC236}">
+                  <a16:creationId xmlns:a16="http://schemas.microsoft.com/office/drawing/2014/main" id="{B12664EB-CF16-4E82-A91A-22FC638738F7}"/>
+                </a:ext>
+              </a:extLst>
+            </p:cNvPr>
+            <p:cNvCxnSpPr>
+              <a:cxnSpLocks/>
+              <a:stCxn id="17" idx="1"/>
+              <a:endCxn id="25" idx="0"/>
+            </p:cNvCxnSpPr>
+            <p:nvPr/>
+          </p:nvCxnSpPr>
+          <p:spPr>
+            <a:xfrm rot="10800000" flipV="1">
+              <a:off x="4373325" y="727076"/>
+              <a:ext cx="1418597" cy="213476"/>
+            </a:xfrm>
+            <a:prstGeom prst="bentConnector2">
+              <a:avLst/>
+            </a:prstGeom>
+            <a:ln w="19050">
+              <a:solidFill>
+                <a:schemeClr val="accent1"/>
+              </a:solidFill>
+              <a:prstDash val="solid"/>
+              <a:tailEnd type="triangle"/>
+            </a:ln>
+          </p:spPr>
+          <p:style>
+            <a:lnRef idx="1">
+              <a:schemeClr val="accent3"/>
+            </a:lnRef>
+            <a:fillRef idx="0">
+              <a:schemeClr val="accent3"/>
+            </a:fillRef>
+            <a:effectRef idx="0">
+              <a:schemeClr val="accent3"/>
+            </a:effectRef>
+            <a:fontRef idx="minor">
+              <a:schemeClr val="tx1"/>
+            </a:fontRef>
+          </p:style>
+        </p:cxnSp>
       </p:grpSp>
-      <p:pic>
-        <p:nvPicPr>
-          <p:cNvPr id="136" name="Picture 135">
-            <a:extLst>
-              <a:ext uri="{FF2B5EF4-FFF2-40B4-BE49-F238E27FC236}">
-                <a16:creationId xmlns:a16="http://schemas.microsoft.com/office/drawing/2014/main" id="{5F019165-5A39-4462-9F4B-DAB7F66A4CFD}"/>
-              </a:ext>
-            </a:extLst>
-          </p:cNvPr>
-          <p:cNvPicPr>
-            <a:picLocks noChangeAspect="1"/>
-          </p:cNvPicPr>
-          <p:nvPr/>
-        </p:nvPicPr>
-        <p:blipFill>
-          <a:blip r:embed="rId4"/>
-          <a:stretch>
-            <a:fillRect/>
-          </a:stretch>
-        </p:blipFill>
-        <p:spPr>
-          <a:xfrm>
-            <a:off x="5872663" y="1628473"/>
-            <a:ext cx="446663" cy="446663"/>
-          </a:xfrm>
-          <a:prstGeom prst="rect">
-            <a:avLst/>
-          </a:prstGeom>
-        </p:spPr>
-      </p:pic>
-      <p:cxnSp>
-        <p:nvCxnSpPr>
-          <p:cNvPr id="145" name="Connector: Elbow 144">
-            <a:extLst>
-              <a:ext uri="{FF2B5EF4-FFF2-40B4-BE49-F238E27FC236}">
-                <a16:creationId xmlns:a16="http://schemas.microsoft.com/office/drawing/2014/main" id="{61AEB452-4A01-49DE-AFFC-9B3E5E146698}"/>
-              </a:ext>
-            </a:extLst>
-          </p:cNvPr>
-          <p:cNvCxnSpPr>
-            <a:cxnSpLocks/>
-            <a:stCxn id="26" idx="2"/>
-          </p:cNvCxnSpPr>
-          <p:nvPr/>
-        </p:nvCxnSpPr>
-        <p:spPr>
-          <a:xfrm rot="16200000" flipH="1">
-            <a:off x="5469436" y="1443689"/>
-            <a:ext cx="257558" cy="493030"/>
-          </a:xfrm>
-          <a:prstGeom prst="bentConnector2">
-            <a:avLst/>
-          </a:prstGeom>
-          <a:ln w="19050">
-            <a:solidFill>
-              <a:schemeClr val="accent1"/>
-            </a:solidFill>
-            <a:prstDash val="sysDot"/>
-            <a:tailEnd type="triangle"/>
-          </a:ln>
-        </p:spPr>
-        <p:style>
-          <a:lnRef idx="1">
-            <a:schemeClr val="accent3"/>
-          </a:lnRef>
-          <a:fillRef idx="0">
-            <a:schemeClr val="accent3"/>
-          </a:fillRef>
-          <a:effectRef idx="0">
-            <a:schemeClr val="accent3"/>
-          </a:effectRef>
-          <a:fontRef idx="minor">
-            <a:schemeClr val="tx1"/>
-          </a:fontRef>
-        </p:style>
-      </p:cxnSp>
-      <p:cxnSp>
-        <p:nvCxnSpPr>
-          <p:cNvPr id="150" name="Connector: Elbow 149">
-            <a:extLst>
-              <a:ext uri="{FF2B5EF4-FFF2-40B4-BE49-F238E27FC236}">
-                <a16:creationId xmlns:a16="http://schemas.microsoft.com/office/drawing/2014/main" id="{4294EB57-D253-43C9-8C3C-454DBD6C3372}"/>
-              </a:ext>
-            </a:extLst>
-          </p:cNvPr>
-          <p:cNvCxnSpPr>
-            <a:cxnSpLocks/>
-            <a:stCxn id="25" idx="2"/>
-          </p:cNvCxnSpPr>
-          <p:nvPr/>
-        </p:nvCxnSpPr>
-        <p:spPr>
-          <a:xfrm rot="16200000" flipH="1">
-            <a:off x="4918136" y="1011903"/>
-            <a:ext cx="381784" cy="1471408"/>
-          </a:xfrm>
-          <a:prstGeom prst="bentConnector2">
-            <a:avLst/>
-          </a:prstGeom>
-          <a:ln w="19050">
-            <a:solidFill>
-              <a:schemeClr val="accent1"/>
-            </a:solidFill>
-            <a:prstDash val="sysDot"/>
-            <a:tailEnd type="triangle"/>
-          </a:ln>
-        </p:spPr>
-        <p:style>
-          <a:lnRef idx="1">
-            <a:schemeClr val="accent3"/>
-          </a:lnRef>
-          <a:fillRef idx="0">
-            <a:schemeClr val="accent3"/>
-          </a:fillRef>
-          <a:effectRef idx="0">
-            <a:schemeClr val="accent3"/>
-          </a:effectRef>
-          <a:fontRef idx="minor">
-            <a:schemeClr val="tx1"/>
-          </a:fontRef>
-        </p:style>
-      </p:cxnSp>
-      <p:cxnSp>
-        <p:nvCxnSpPr>
-          <p:cNvPr id="153" name="Connector: Elbow 152">
-            <a:extLst>
-              <a:ext uri="{FF2B5EF4-FFF2-40B4-BE49-F238E27FC236}">
-                <a16:creationId xmlns:a16="http://schemas.microsoft.com/office/drawing/2014/main" id="{44A029BF-F4D3-489C-9C28-36A7E7C69A53}"/>
-              </a:ext>
-            </a:extLst>
-          </p:cNvPr>
-          <p:cNvCxnSpPr>
-            <a:cxnSpLocks/>
-            <a:stCxn id="31" idx="2"/>
-          </p:cNvCxnSpPr>
-          <p:nvPr/>
-        </p:nvCxnSpPr>
-        <p:spPr>
-          <a:xfrm rot="5400000">
-            <a:off x="6886010" y="1016978"/>
-            <a:ext cx="384417" cy="1480913"/>
-          </a:xfrm>
-          <a:prstGeom prst="bentConnector2">
-            <a:avLst/>
-          </a:prstGeom>
-          <a:ln w="19050">
-            <a:solidFill>
-              <a:schemeClr val="accent1"/>
-            </a:solidFill>
-            <a:prstDash val="sysDot"/>
-            <a:tailEnd type="triangle"/>
-          </a:ln>
-        </p:spPr>
-        <p:style>
-          <a:lnRef idx="1">
-            <a:schemeClr val="accent3"/>
-          </a:lnRef>
-          <a:fillRef idx="0">
-            <a:schemeClr val="accent3"/>
-          </a:fillRef>
-          <a:effectRef idx="0">
-            <a:schemeClr val="accent3"/>
-          </a:effectRef>
-          <a:fontRef idx="minor">
-            <a:schemeClr val="tx1"/>
-          </a:fontRef>
-        </p:style>
-      </p:cxnSp>
-      <p:cxnSp>
-        <p:nvCxnSpPr>
-          <p:cNvPr id="159" name="Connector: Elbow 158">
-            <a:extLst>
-              <a:ext uri="{FF2B5EF4-FFF2-40B4-BE49-F238E27FC236}">
-                <a16:creationId xmlns:a16="http://schemas.microsoft.com/office/drawing/2014/main" id="{BE73164F-0C2D-4A0C-971C-F9AC4C4DD39C}"/>
-              </a:ext>
-            </a:extLst>
-          </p:cNvPr>
-          <p:cNvCxnSpPr>
-            <a:cxnSpLocks/>
-            <a:stCxn id="30" idx="2"/>
-          </p:cNvCxnSpPr>
-          <p:nvPr/>
-        </p:nvCxnSpPr>
-        <p:spPr>
-          <a:xfrm rot="5400000">
-            <a:off x="6465259" y="1437730"/>
-            <a:ext cx="247542" cy="502537"/>
-          </a:xfrm>
-          <a:prstGeom prst="bentConnector2">
-            <a:avLst/>
-          </a:prstGeom>
-          <a:ln w="19050">
-            <a:solidFill>
-              <a:schemeClr val="accent1"/>
-            </a:solidFill>
-            <a:prstDash val="sysDot"/>
-            <a:tailEnd type="triangle"/>
-          </a:ln>
-        </p:spPr>
-        <p:style>
-          <a:lnRef idx="1">
-            <a:schemeClr val="accent3"/>
-          </a:lnRef>
-          <a:fillRef idx="0">
-            <a:schemeClr val="accent3"/>
-          </a:fillRef>
-          <a:effectRef idx="0">
-            <a:schemeClr val="accent3"/>
-          </a:effectRef>
-          <a:fontRef idx="minor">
-            <a:schemeClr val="tx1"/>
-          </a:fontRef>
-        </p:style>
-      </p:cxnSp>
-      <p:pic>
-        <p:nvPicPr>
-          <p:cNvPr id="17" name="Picture 16">
-            <a:extLst>
-              <a:ext uri="{FF2B5EF4-FFF2-40B4-BE49-F238E27FC236}">
-                <a16:creationId xmlns:a16="http://schemas.microsoft.com/office/drawing/2014/main" id="{B98D6CD7-1B90-4F78-8D17-5CA3879D5907}"/>
-              </a:ext>
-            </a:extLst>
-          </p:cNvPr>
-          <p:cNvPicPr>
-            <a:picLocks noChangeAspect="1"/>
-          </p:cNvPicPr>
-          <p:nvPr/>
-        </p:nvPicPr>
-        <p:blipFill>
-          <a:blip r:embed="rId5"/>
-          <a:stretch>
-            <a:fillRect/>
-          </a:stretch>
-        </p:blipFill>
-        <p:spPr>
-          <a:xfrm>
-            <a:off x="5791921" y="426766"/>
-            <a:ext cx="600620" cy="600620"/>
-          </a:xfrm>
-          <a:prstGeom prst="rect">
-            <a:avLst/>
-          </a:prstGeom>
-        </p:spPr>
-      </p:pic>
-      <p:cxnSp>
-        <p:nvCxnSpPr>
-          <p:cNvPr id="70" name="Connector: Elbow 69">
-            <a:extLst>
-              <a:ext uri="{FF2B5EF4-FFF2-40B4-BE49-F238E27FC236}">
-                <a16:creationId xmlns:a16="http://schemas.microsoft.com/office/drawing/2014/main" id="{22635DB3-EE01-41A6-8187-BDF938E65A54}"/>
-              </a:ext>
-            </a:extLst>
-          </p:cNvPr>
-          <p:cNvCxnSpPr>
-            <a:cxnSpLocks/>
-            <a:stCxn id="17" idx="3"/>
-            <a:endCxn id="31" idx="0"/>
-          </p:cNvCxnSpPr>
-          <p:nvPr/>
-        </p:nvCxnSpPr>
-        <p:spPr>
-          <a:xfrm>
-            <a:off x="6392541" y="727076"/>
-            <a:ext cx="1426133" cy="221987"/>
-          </a:xfrm>
-          <a:prstGeom prst="bentConnector2">
-            <a:avLst/>
-          </a:prstGeom>
-          <a:ln w="19050">
-            <a:solidFill>
-              <a:schemeClr val="accent1"/>
-            </a:solidFill>
-            <a:prstDash val="solid"/>
-            <a:tailEnd type="triangle"/>
-          </a:ln>
-        </p:spPr>
-        <p:style>
-          <a:lnRef idx="1">
-            <a:schemeClr val="accent3"/>
-          </a:lnRef>
-          <a:fillRef idx="0">
-            <a:schemeClr val="accent3"/>
-          </a:fillRef>
-          <a:effectRef idx="0">
-            <a:schemeClr val="accent3"/>
-          </a:effectRef>
-          <a:fontRef idx="minor">
-            <a:schemeClr val="tx1"/>
-          </a:fontRef>
-        </p:style>
-      </p:cxnSp>
-      <p:cxnSp>
-        <p:nvCxnSpPr>
-          <p:cNvPr id="74" name="Connector: Elbow 73">
-            <a:extLst>
-              <a:ext uri="{FF2B5EF4-FFF2-40B4-BE49-F238E27FC236}">
-                <a16:creationId xmlns:a16="http://schemas.microsoft.com/office/drawing/2014/main" id="{7682DBFF-A857-4D16-8335-42ED71A21756}"/>
-              </a:ext>
-            </a:extLst>
-          </p:cNvPr>
-          <p:cNvCxnSpPr>
-            <a:cxnSpLocks/>
-            <a:stCxn id="17" idx="3"/>
-            <a:endCxn id="30" idx="0"/>
-          </p:cNvCxnSpPr>
-          <p:nvPr/>
-        </p:nvCxnSpPr>
-        <p:spPr>
-          <a:xfrm>
-            <a:off x="6392541" y="727076"/>
-            <a:ext cx="447757" cy="221988"/>
-          </a:xfrm>
-          <a:prstGeom prst="bentConnector2">
-            <a:avLst/>
-          </a:prstGeom>
-          <a:ln w="19050">
-            <a:solidFill>
-              <a:schemeClr val="accent1"/>
-            </a:solidFill>
-            <a:prstDash val="solid"/>
-            <a:tailEnd type="triangle"/>
-          </a:ln>
-        </p:spPr>
-        <p:style>
-          <a:lnRef idx="1">
-            <a:schemeClr val="accent3"/>
-          </a:lnRef>
-          <a:fillRef idx="0">
-            <a:schemeClr val="accent3"/>
-          </a:fillRef>
-          <a:effectRef idx="0">
-            <a:schemeClr val="accent3"/>
-          </a:effectRef>
-          <a:fontRef idx="minor">
-            <a:schemeClr val="tx1"/>
-          </a:fontRef>
-        </p:style>
-      </p:cxnSp>
-      <p:cxnSp>
-        <p:nvCxnSpPr>
-          <p:cNvPr id="77" name="Connector: Elbow 76">
-            <a:extLst>
-              <a:ext uri="{FF2B5EF4-FFF2-40B4-BE49-F238E27FC236}">
-                <a16:creationId xmlns:a16="http://schemas.microsoft.com/office/drawing/2014/main" id="{6740CF15-7313-49FF-A3F2-8781D68A4552}"/>
-              </a:ext>
-            </a:extLst>
-          </p:cNvPr>
-          <p:cNvCxnSpPr>
-            <a:cxnSpLocks/>
-            <a:stCxn id="17" idx="1"/>
-            <a:endCxn id="26" idx="0"/>
-          </p:cNvCxnSpPr>
-          <p:nvPr/>
-        </p:nvCxnSpPr>
-        <p:spPr>
-          <a:xfrm rot="10800000" flipV="1">
-            <a:off x="5351701" y="727076"/>
-            <a:ext cx="440221" cy="218186"/>
-          </a:xfrm>
-          <a:prstGeom prst="bentConnector2">
-            <a:avLst/>
-          </a:prstGeom>
-          <a:ln w="19050">
-            <a:solidFill>
-              <a:schemeClr val="accent1"/>
-            </a:solidFill>
-            <a:prstDash val="solid"/>
-            <a:tailEnd type="triangle"/>
-          </a:ln>
-        </p:spPr>
-        <p:style>
-          <a:lnRef idx="1">
-            <a:schemeClr val="accent3"/>
-          </a:lnRef>
-          <a:fillRef idx="0">
-            <a:schemeClr val="accent3"/>
-          </a:fillRef>
-          <a:effectRef idx="0">
-            <a:schemeClr val="accent3"/>
-          </a:effectRef>
-          <a:fontRef idx="minor">
-            <a:schemeClr val="tx1"/>
-          </a:fontRef>
-        </p:style>
-      </p:cxnSp>
-      <p:cxnSp>
-        <p:nvCxnSpPr>
-          <p:cNvPr id="80" name="Connector: Elbow 79">
-            <a:extLst>
-              <a:ext uri="{FF2B5EF4-FFF2-40B4-BE49-F238E27FC236}">
-                <a16:creationId xmlns:a16="http://schemas.microsoft.com/office/drawing/2014/main" id="{B12664EB-CF16-4E82-A91A-22FC638738F7}"/>
-              </a:ext>
-            </a:extLst>
-          </p:cNvPr>
-          <p:cNvCxnSpPr>
-            <a:cxnSpLocks/>
-            <a:stCxn id="17" idx="1"/>
-            <a:endCxn id="25" idx="0"/>
-          </p:cNvCxnSpPr>
-          <p:nvPr/>
-        </p:nvCxnSpPr>
-        <p:spPr>
-          <a:xfrm rot="10800000" flipV="1">
-            <a:off x="4373325" y="727076"/>
-            <a:ext cx="1418597" cy="213476"/>
-          </a:xfrm>
-          <a:prstGeom prst="bentConnector2">
-            <a:avLst/>
-          </a:prstGeom>
-          <a:ln w="19050">
-            <a:solidFill>
-              <a:schemeClr val="accent1"/>
-            </a:solidFill>
-            <a:prstDash val="solid"/>
-            <a:tailEnd type="triangle"/>
-          </a:ln>
-        </p:spPr>
-        <p:style>
-          <a:lnRef idx="1">
-            <a:schemeClr val="accent3"/>
-          </a:lnRef>
-          <a:fillRef idx="0">
-            <a:schemeClr val="accent3"/>
-          </a:fillRef>
-          <a:effectRef idx="0">
-            <a:schemeClr val="accent3"/>
-          </a:effectRef>
-          <a:fontRef idx="minor">
-            <a:schemeClr val="tx1"/>
-          </a:fontRef>
-        </p:style>
-      </p:cxnSp>
       <p:sp>
         <p:nvSpPr>
           <p:cNvPr id="46" name="Oval 45">
@@ -26612,10 +26570,10 @@
       </p:sp>
       <p:grpSp>
         <p:nvGrpSpPr>
-          <p:cNvPr id="125" name="Group 124">
+          <p:cNvPr id="10" name="Group 9">
             <a:extLst>
               <a:ext uri="{FF2B5EF4-FFF2-40B4-BE49-F238E27FC236}">
-                <a16:creationId xmlns:a16="http://schemas.microsoft.com/office/drawing/2014/main" id="{51CE0276-98FF-4F4E-860D-E746590A01D9}"/>
+                <a16:creationId xmlns:a16="http://schemas.microsoft.com/office/drawing/2014/main" id="{85948441-2071-4022-AA84-69BE26FB14FB}"/>
               </a:ext>
             </a:extLst>
           </p:cNvPr>
@@ -26624,12 +26582,75 @@
         </p:nvGrpSpPr>
         <p:grpSpPr>
           <a:xfrm>
-            <a:off x="1662022" y="4680194"/>
-            <a:ext cx="8867955" cy="2007967"/>
-            <a:chOff x="1662022" y="4680194"/>
-            <a:chExt cx="8867955" cy="2007967"/>
+            <a:off x="1555628" y="4286734"/>
+            <a:ext cx="9080744" cy="2401427"/>
+            <a:chOff x="1555628" y="4286734"/>
+            <a:chExt cx="9080744" cy="2401427"/>
           </a:xfrm>
         </p:grpSpPr>
+        <p:sp>
+          <p:nvSpPr>
+            <p:cNvPr id="37" name="Rectangle 36">
+              <a:extLst>
+                <a:ext uri="{FF2B5EF4-FFF2-40B4-BE49-F238E27FC236}">
+                  <a16:creationId xmlns:a16="http://schemas.microsoft.com/office/drawing/2014/main" id="{35750910-2495-44F8-A322-D8559608832A}"/>
+                </a:ext>
+              </a:extLst>
+            </p:cNvPr>
+            <p:cNvSpPr/>
+            <p:nvPr/>
+          </p:nvSpPr>
+          <p:spPr>
+            <a:xfrm rot="5400000">
+              <a:off x="5909542" y="39209"/>
+              <a:ext cx="372907" cy="8867957"/>
+            </a:xfrm>
+            <a:prstGeom prst="rect">
+              <a:avLst/>
+            </a:prstGeom>
+            <a:noFill/>
+            <a:ln w="19050">
+              <a:noFill/>
+            </a:ln>
+          </p:spPr>
+          <p:style>
+            <a:lnRef idx="2">
+              <a:schemeClr val="accent2"/>
+            </a:lnRef>
+            <a:fillRef idx="1">
+              <a:schemeClr val="lt1"/>
+            </a:fillRef>
+            <a:effectRef idx="0">
+              <a:schemeClr val="accent2"/>
+            </a:effectRef>
+            <a:fontRef idx="minor">
+              <a:schemeClr val="dk1"/>
+            </a:fontRef>
+          </p:style>
+          <p:txBody>
+            <a:bodyPr vert="vert270" rtlCol="0" anchor="ctr"/>
+            <a:lstStyle/>
+            <a:p>
+              <a:r>
+                <a:rPr lang="en-US" sz="1400" b="1" dirty="0">
+                  <a:solidFill>
+                    <a:srgbClr val="0070C0"/>
+                  </a:solidFill>
+                  <a:latin typeface="Segoe UI (Body)"/>
+                  <a:cs typeface="Tahoma"/>
+                </a:rPr>
+                <a:t>Autoscaling Resource Group</a:t>
+              </a:r>
+              <a:endParaRPr lang="en-BE" sz="1400" b="1" dirty="0" err="1">
+                <a:solidFill>
+                  <a:srgbClr val="0070C0"/>
+                </a:solidFill>
+                <a:latin typeface="Segoe UI (Body)"/>
+                <a:cs typeface="Tahoma"/>
+              </a:endParaRPr>
+            </a:p>
+          </p:txBody>
+        </p:sp>
         <p:sp>
           <p:nvSpPr>
             <p:cNvPr id="4" name="Rectangle 3">
@@ -26644,8 +26665,8 @@
           </p:nvSpPr>
           <p:spPr>
             <a:xfrm>
-              <a:off x="1662022" y="4680194"/>
-              <a:ext cx="8867955" cy="2007967"/>
+              <a:off x="1555628" y="4680194"/>
+              <a:ext cx="9080744" cy="2007967"/>
             </a:xfrm>
             <a:prstGeom prst="rect">
               <a:avLst/>
@@ -27763,10 +27784,10 @@
       </p:grpSp>
       <p:grpSp>
         <p:nvGrpSpPr>
-          <p:cNvPr id="107" name="Group 106">
+          <p:cNvPr id="9" name="Group 8">
             <a:extLst>
               <a:ext uri="{FF2B5EF4-FFF2-40B4-BE49-F238E27FC236}">
-                <a16:creationId xmlns:a16="http://schemas.microsoft.com/office/drawing/2014/main" id="{18D44A59-1695-4C8D-9CE0-AA77FC1DBF3F}"/>
+                <a16:creationId xmlns:a16="http://schemas.microsoft.com/office/drawing/2014/main" id="{7EF2921C-260D-4166-8250-FC2A21A56474}"/>
               </a:ext>
             </a:extLst>
           </p:cNvPr>
@@ -27775,10 +27796,10 @@
         </p:nvGrpSpPr>
         <p:grpSpPr>
           <a:xfrm>
-            <a:off x="1662022" y="2241834"/>
-            <a:ext cx="8902549" cy="1964383"/>
-            <a:chOff x="1662022" y="2241834"/>
-            <a:chExt cx="8902549" cy="1964383"/>
+            <a:off x="1555629" y="2241834"/>
+            <a:ext cx="9080742" cy="1964383"/>
+            <a:chOff x="1555629" y="2241834"/>
+            <a:chExt cx="9080742" cy="1964383"/>
           </a:xfrm>
         </p:grpSpPr>
         <p:sp>
@@ -27795,8 +27816,8 @@
           </p:nvSpPr>
           <p:spPr>
             <a:xfrm>
-              <a:off x="1662022" y="2674253"/>
-              <a:ext cx="8867955" cy="1531964"/>
+              <a:off x="1555629" y="2674253"/>
+              <a:ext cx="9080742" cy="1531964"/>
             </a:xfrm>
             <a:prstGeom prst="rect">
               <a:avLst/>
@@ -30394,6 +30415,44 @@
 </file>
 
 <file path=customXml/item1.xml><?xml version="1.0" encoding="utf-8"?>
+<p:properties xmlns:p="http://schemas.microsoft.com/office/2006/metadata/properties" xmlns:xsi="http://www.w3.org/2001/XMLSchema-instance" xmlns:pc="http://schemas.microsoft.com/office/infopath/2007/PartnerControls">
+  <documentManagement>
+    <SharedWithUsers xmlns="fee67b93-6974-4599-bd16-a295bb27cfe1">
+      <UserInfo>
+        <DisplayName>Stijn Degrieck</DisplayName>
+        <AccountId>13</AccountId>
+        <AccountType/>
+      </UserInfo>
+      <UserInfo>
+        <DisplayName>Henk Buysschaert</DisplayName>
+        <AccountId>73</AccountId>
+        <AccountType/>
+      </UserInfo>
+      <UserInfo>
+        <DisplayName>Sean MacGillavry</DisplayName>
+        <AccountId>69</AccountId>
+        <AccountType/>
+      </UserInfo>
+      <UserInfo>
+        <DisplayName>Joachim De Roissart</DisplayName>
+        <AccountId>90</AccountId>
+        <AccountType/>
+      </UserInfo>
+    </SharedWithUsers>
+  </documentManagement>
+</p:properties>
+</file>
+
+<file path=customXml/item2.xml><?xml version="1.0" encoding="utf-8"?>
+<?mso-contentType ?>
+<FormTemplates xmlns="http://schemas.microsoft.com/sharepoint/v3/contenttype/forms">
+  <Display>DocumentLibraryForm</Display>
+  <Edit>DocumentLibraryForm</Edit>
+  <New>DocumentLibraryForm</New>
+</FormTemplates>
+</file>
+
+<file path=customXml/item3.xml><?xml version="1.0" encoding="utf-8"?>
 <ct:contentTypeSchema xmlns:ct="http://schemas.microsoft.com/office/2006/metadata/contentType" xmlns:ma="http://schemas.microsoft.com/office/2006/metadata/properties/metaAttributes" ct:_="" ma:_="" ma:contentTypeName="Document" ma:contentTypeID="0x010100BAB604DF092D3D49B351D6278F007E19" ma:contentTypeVersion="7" ma:contentTypeDescription="Create a new document." ma:contentTypeScope="" ma:versionID="a741f742da3336562cd50a39a69eaa15">
   <xsd:schema xmlns:xsd="http://www.w3.org/2001/XMLSchema" xmlns:xs="http://www.w3.org/2001/XMLSchema" xmlns:p="http://schemas.microsoft.com/office/2006/metadata/properties" xmlns:ns2="fee67b93-6974-4599-bd16-a295bb27cfe1" xmlns:ns3="ca5330bd-c563-4e65-982c-c703f4b94ec3" targetNamespace="http://schemas.microsoft.com/office/2006/metadata/properties" ma:root="true" ma:fieldsID="38f3fb98fb601c9cb6e194579c7111d9" ns2:_="" ns3:_="">
     <xsd:import namespace="fee67b93-6974-4599-bd16-a295bb27cfe1"/>
@@ -30578,45 +30637,32 @@
 </ct:contentTypeSchema>
 </file>
 
-<file path=customXml/item2.xml><?xml version="1.0" encoding="utf-8"?>
-<?mso-contentType ?>
-<FormTemplates xmlns="http://schemas.microsoft.com/sharepoint/v3/contenttype/forms">
-  <Display>DocumentLibraryForm</Display>
-  <Edit>DocumentLibraryForm</Edit>
-  <New>DocumentLibraryForm</New>
-</FormTemplates>
+<file path=customXml/itemProps1.xml><?xml version="1.0" encoding="utf-8"?>
+<ds:datastoreItem xmlns:ds="http://schemas.openxmlformats.org/officeDocument/2006/customXml" ds:itemID="{BB868E38-3883-485C-AA72-FE197350C91A}">
+  <ds:schemaRefs>
+    <ds:schemaRef ds:uri="http://purl.org/dc/dcmitype/"/>
+    <ds:schemaRef ds:uri="http://purl.org/dc/elements/1.1/"/>
+    <ds:schemaRef ds:uri="http://schemas.openxmlformats.org/package/2006/metadata/core-properties"/>
+    <ds:schemaRef ds:uri="http://purl.org/dc/terms/"/>
+    <ds:schemaRef ds:uri="http://schemas.microsoft.com/office/2006/documentManagement/types"/>
+    <ds:schemaRef ds:uri="http://www.w3.org/XML/1998/namespace"/>
+    <ds:schemaRef ds:uri="http://schemas.microsoft.com/office/infopath/2007/PartnerControls"/>
+    <ds:schemaRef ds:uri="ca5330bd-c563-4e65-982c-c703f4b94ec3"/>
+    <ds:schemaRef ds:uri="fee67b93-6974-4599-bd16-a295bb27cfe1"/>
+    <ds:schemaRef ds:uri="http://schemas.microsoft.com/office/2006/metadata/properties"/>
+  </ds:schemaRefs>
+</ds:datastoreItem>
 </file>
 
-<file path=customXml/item3.xml><?xml version="1.0" encoding="utf-8"?>
-<p:properties xmlns:p="http://schemas.microsoft.com/office/2006/metadata/properties" xmlns:xsi="http://www.w3.org/2001/XMLSchema-instance" xmlns:pc="http://schemas.microsoft.com/office/infopath/2007/PartnerControls">
-  <documentManagement>
-    <SharedWithUsers xmlns="fee67b93-6974-4599-bd16-a295bb27cfe1">
-      <UserInfo>
-        <DisplayName>Stijn Degrieck</DisplayName>
-        <AccountId>13</AccountId>
-        <AccountType/>
-      </UserInfo>
-      <UserInfo>
-        <DisplayName>Henk Buysschaert</DisplayName>
-        <AccountId>73</AccountId>
-        <AccountType/>
-      </UserInfo>
-      <UserInfo>
-        <DisplayName>Sean MacGillavry</DisplayName>
-        <AccountId>69</AccountId>
-        <AccountType/>
-      </UserInfo>
-      <UserInfo>
-        <DisplayName>Joachim De Roissart</DisplayName>
-        <AccountId>90</AccountId>
-        <AccountType/>
-      </UserInfo>
-    </SharedWithUsers>
-  </documentManagement>
-</p:properties>
+<file path=customXml/itemProps2.xml><?xml version="1.0" encoding="utf-8"?>
+<ds:datastoreItem xmlns:ds="http://schemas.openxmlformats.org/officeDocument/2006/customXml" ds:itemID="{BD1960A6-4BE3-42B6-BC04-74E06DF22BF7}">
+  <ds:schemaRefs>
+    <ds:schemaRef ds:uri="http://schemas.microsoft.com/sharepoint/v3/contenttype/forms"/>
+  </ds:schemaRefs>
+</ds:datastoreItem>
 </file>
 
-<file path=customXml/itemProps1.xml><?xml version="1.0" encoding="utf-8"?>
+<file path=customXml/itemProps3.xml><?xml version="1.0" encoding="utf-8"?>
 <ds:datastoreItem xmlns:ds="http://schemas.openxmlformats.org/officeDocument/2006/customXml" ds:itemID="{B84ED37A-3E41-4079-B161-B36C644DBC25}">
   <ds:schemaRefs>
     <ds:schemaRef ds:uri="http://schemas.microsoft.com/office/2006/metadata/contentType"/>
@@ -30633,29 +30679,4 @@
     <ds:schemaRef ds:uri="http://schemas.microsoft.com/internal/obd"/>
   </ds:schemaRefs>
 </ds:datastoreItem>
-</file>
-
-<file path=customXml/itemProps2.xml><?xml version="1.0" encoding="utf-8"?>
-<ds:datastoreItem xmlns:ds="http://schemas.openxmlformats.org/officeDocument/2006/customXml" ds:itemID="{BD1960A6-4BE3-42B6-BC04-74E06DF22BF7}">
-  <ds:schemaRefs>
-    <ds:schemaRef ds:uri="http://schemas.microsoft.com/sharepoint/v3/contenttype/forms"/>
-  </ds:schemaRefs>
-</ds:datastoreItem>
-</file>
-
-<file path=customXml/itemProps3.xml><?xml version="1.0" encoding="utf-8"?>
-<ds:datastoreItem xmlns:ds="http://schemas.openxmlformats.org/officeDocument/2006/customXml" ds:itemID="{BB868E38-3883-485C-AA72-FE197350C91A}">
-  <ds:schemaRefs>
-    <ds:schemaRef ds:uri="http://purl.org/dc/dcmitype/"/>
-    <ds:schemaRef ds:uri="http://purl.org/dc/elements/1.1/"/>
-    <ds:schemaRef ds:uri="http://schemas.openxmlformats.org/package/2006/metadata/core-properties"/>
-    <ds:schemaRef ds:uri="http://purl.org/dc/terms/"/>
-    <ds:schemaRef ds:uri="http://schemas.microsoft.com/office/2006/documentManagement/types"/>
-    <ds:schemaRef ds:uri="http://www.w3.org/XML/1998/namespace"/>
-    <ds:schemaRef ds:uri="http://schemas.microsoft.com/office/infopath/2007/PartnerControls"/>
-    <ds:schemaRef ds:uri="ca5330bd-c563-4e65-982c-c703f4b94ec3"/>
-    <ds:schemaRef ds:uri="fee67b93-6974-4599-bd16-a295bb27cfe1"/>
-    <ds:schemaRef ds:uri="http://schemas.microsoft.com/office/2006/metadata/properties"/>
-  </ds:schemaRefs>
-</ds:datastoreItem>
 </file>
--- a/media/schematics.pptx
+++ b/media/schematics.pptx
@@ -11,7 +11,7 @@
     <p:handoutMasterId r:id="rId8"/>
   </p:handoutMasterIdLst>
   <p:sldIdLst>
-    <p:sldId id="309" r:id="rId5"/>
+    <p:sldId id="311" r:id="rId5"/>
     <p:sldId id="310" r:id="rId6"/>
   </p:sldIdLst>
   <p:sldSz cx="12192000" cy="6858000"/>
@@ -224,7 +224,7 @@
           <a:p>
             <a:fld id="{95C1CFC4-D863-8C4F-A7C8-23B82AC551F6}" type="datetimeFigureOut">
               <a:rPr lang="en-US" smtClean="0"/>
-              <a:t>11/5/2020</a:t>
+              <a:t>11/13/2020</a:t>
             </a:fld>
             <a:endParaRPr lang="en-US"/>
           </a:p>
@@ -390,7 +390,7 @@
           <a:p>
             <a:fld id="{1B0457A4-AE58-44C7-9387-D2D184BECA68}" type="datetimeFigureOut">
               <a:rPr lang="en-US" smtClean="0"/>
-              <a:t>11/5/2020</a:t>
+              <a:t>11/13/2020</a:t>
             </a:fld>
             <a:endParaRPr lang="en-US"/>
           </a:p>
@@ -25307,8 +25307,8 @@
         </p:nvCxnSpPr>
         <p:spPr>
           <a:xfrm rot="5400000" flipH="1" flipV="1">
-            <a:off x="540460" y="1524228"/>
-            <a:ext cx="1321874" cy="921249"/>
+            <a:off x="458785" y="1548945"/>
+            <a:ext cx="1378832" cy="814856"/>
           </a:xfrm>
           <a:prstGeom prst="bentConnector2">
             <a:avLst/>
@@ -25336,12 +25336,345 @@
           </a:fontRef>
         </p:style>
       </p:cxnSp>
-      <p:sp>
-        <p:nvSpPr>
-          <p:cNvPr id="36" name="Rectangle 35">
+      <p:cxnSp>
+        <p:nvCxnSpPr>
+          <p:cNvPr id="162" name="Connector: Elbow 161">
             <a:extLst>
               <a:ext uri="{FF2B5EF4-FFF2-40B4-BE49-F238E27FC236}">
-                <a16:creationId xmlns:a16="http://schemas.microsoft.com/office/drawing/2014/main" id="{9920AF8D-6C1D-4930-B101-E3BFE5FA51B3}"/>
+                <a16:creationId xmlns:a16="http://schemas.microsoft.com/office/drawing/2014/main" id="{7C04F6AB-144B-4DD6-8608-33AD2C170864}"/>
+              </a:ext>
+            </a:extLst>
+          </p:cNvPr>
+          <p:cNvCxnSpPr>
+            <a:cxnSpLocks/>
+            <a:stCxn id="136" idx="2"/>
+            <a:endCxn id="22" idx="0"/>
+          </p:cNvCxnSpPr>
+          <p:nvPr/>
+        </p:nvCxnSpPr>
+        <p:spPr>
+          <a:xfrm rot="5400000">
+            <a:off x="5169880" y="1920251"/>
+            <a:ext cx="771231" cy="1081001"/>
+          </a:xfrm>
+          <a:prstGeom prst="bentConnector3">
+            <a:avLst>
+              <a:gd name="adj1" fmla="val 50000"/>
+            </a:avLst>
+          </a:prstGeom>
+          <a:ln w="19050">
+            <a:solidFill>
+              <a:schemeClr val="accent5"/>
+            </a:solidFill>
+            <a:prstDash val="sysDot"/>
+            <a:tailEnd type="triangle"/>
+          </a:ln>
+        </p:spPr>
+        <p:style>
+          <a:lnRef idx="1">
+            <a:schemeClr val="accent3"/>
+          </a:lnRef>
+          <a:fillRef idx="0">
+            <a:schemeClr val="accent3"/>
+          </a:fillRef>
+          <a:effectRef idx="0">
+            <a:schemeClr val="accent3"/>
+          </a:effectRef>
+          <a:fontRef idx="minor">
+            <a:schemeClr val="tx1"/>
+          </a:fontRef>
+        </p:style>
+      </p:cxnSp>
+      <p:cxnSp>
+        <p:nvCxnSpPr>
+          <p:cNvPr id="168" name="Connector: Elbow 167">
+            <a:extLst>
+              <a:ext uri="{FF2B5EF4-FFF2-40B4-BE49-F238E27FC236}">
+                <a16:creationId xmlns:a16="http://schemas.microsoft.com/office/drawing/2014/main" id="{D2A783FA-776D-4C77-B939-62EE2DFAF96E}"/>
+              </a:ext>
+            </a:extLst>
+          </p:cNvPr>
+          <p:cNvCxnSpPr>
+            <a:cxnSpLocks/>
+            <a:stCxn id="136" idx="2"/>
+            <a:endCxn id="38" idx="0"/>
+          </p:cNvCxnSpPr>
+          <p:nvPr/>
+        </p:nvCxnSpPr>
+        <p:spPr>
+          <a:xfrm rot="16200000" flipH="1">
+            <a:off x="6327606" y="1843525"/>
+            <a:ext cx="756154" cy="1219376"/>
+          </a:xfrm>
+          <a:prstGeom prst="bentConnector3">
+            <a:avLst>
+              <a:gd name="adj1" fmla="val 50000"/>
+            </a:avLst>
+          </a:prstGeom>
+          <a:ln w="19050">
+            <a:solidFill>
+              <a:schemeClr val="accent5"/>
+            </a:solidFill>
+            <a:prstDash val="sysDot"/>
+            <a:tailEnd type="triangle"/>
+          </a:ln>
+        </p:spPr>
+        <p:style>
+          <a:lnRef idx="1">
+            <a:schemeClr val="accent3"/>
+          </a:lnRef>
+          <a:fillRef idx="0">
+            <a:schemeClr val="accent3"/>
+          </a:fillRef>
+          <a:effectRef idx="0">
+            <a:schemeClr val="accent3"/>
+          </a:effectRef>
+          <a:fontRef idx="minor">
+            <a:schemeClr val="tx1"/>
+          </a:fontRef>
+        </p:style>
+      </p:cxnSp>
+      <p:cxnSp>
+        <p:nvCxnSpPr>
+          <p:cNvPr id="171" name="Connector: Elbow 110">
+            <a:extLst>
+              <a:ext uri="{FF2B5EF4-FFF2-40B4-BE49-F238E27FC236}">
+                <a16:creationId xmlns:a16="http://schemas.microsoft.com/office/drawing/2014/main" id="{94D0376E-6CB6-4018-901B-8629035D7989}"/>
+              </a:ext>
+            </a:extLst>
+          </p:cNvPr>
+          <p:cNvCxnSpPr>
+            <a:cxnSpLocks/>
+            <a:endCxn id="62" idx="0"/>
+          </p:cNvCxnSpPr>
+          <p:nvPr/>
+        </p:nvCxnSpPr>
+        <p:spPr>
+          <a:xfrm>
+            <a:off x="7315371" y="4097190"/>
+            <a:ext cx="0" cy="829662"/>
+          </a:xfrm>
+          <a:prstGeom prst="straightConnector1">
+            <a:avLst/>
+          </a:prstGeom>
+          <a:ln w="19050">
+            <a:solidFill>
+              <a:schemeClr val="accent5"/>
+            </a:solidFill>
+            <a:prstDash val="solid"/>
+            <a:tailEnd type="triangle"/>
+          </a:ln>
+        </p:spPr>
+        <p:style>
+          <a:lnRef idx="1">
+            <a:schemeClr val="accent3"/>
+          </a:lnRef>
+          <a:fillRef idx="0">
+            <a:schemeClr val="accent3"/>
+          </a:fillRef>
+          <a:effectRef idx="0">
+            <a:schemeClr val="accent3"/>
+          </a:effectRef>
+          <a:fontRef idx="minor">
+            <a:schemeClr val="tx1"/>
+          </a:fontRef>
+        </p:style>
+      </p:cxnSp>
+      <p:cxnSp>
+        <p:nvCxnSpPr>
+          <p:cNvPr id="174" name="Connector: Elbow 110">
+            <a:extLst>
+              <a:ext uri="{FF2B5EF4-FFF2-40B4-BE49-F238E27FC236}">
+                <a16:creationId xmlns:a16="http://schemas.microsoft.com/office/drawing/2014/main" id="{10EA3EB8-3DF6-4A86-956B-C27E2CB6338A}"/>
+              </a:ext>
+            </a:extLst>
+          </p:cNvPr>
+          <p:cNvCxnSpPr>
+            <a:cxnSpLocks/>
+            <a:stCxn id="91" idx="3"/>
+            <a:endCxn id="11" idx="0"/>
+          </p:cNvCxnSpPr>
+          <p:nvPr/>
+        </p:nvCxnSpPr>
+        <p:spPr>
+          <a:xfrm>
+            <a:off x="5014994" y="4097190"/>
+            <a:ext cx="0" cy="829662"/>
+          </a:xfrm>
+          <a:prstGeom prst="straightConnector1">
+            <a:avLst/>
+          </a:prstGeom>
+          <a:ln w="19050">
+            <a:solidFill>
+              <a:schemeClr val="accent5"/>
+            </a:solidFill>
+            <a:prstDash val="solid"/>
+            <a:tailEnd type="triangle"/>
+          </a:ln>
+        </p:spPr>
+        <p:style>
+          <a:lnRef idx="1">
+            <a:schemeClr val="accent3"/>
+          </a:lnRef>
+          <a:fillRef idx="0">
+            <a:schemeClr val="accent3"/>
+          </a:fillRef>
+          <a:effectRef idx="0">
+            <a:schemeClr val="accent3"/>
+          </a:effectRef>
+          <a:fontRef idx="minor">
+            <a:schemeClr val="tx1"/>
+          </a:fontRef>
+        </p:style>
+      </p:cxnSp>
+      <p:cxnSp>
+        <p:nvCxnSpPr>
+          <p:cNvPr id="119" name="Connector: Elbow 110">
+            <a:extLst>
+              <a:ext uri="{FF2B5EF4-FFF2-40B4-BE49-F238E27FC236}">
+                <a16:creationId xmlns:a16="http://schemas.microsoft.com/office/drawing/2014/main" id="{0C30A895-D198-4F9C-88DD-F3CC45D71CB4}"/>
+              </a:ext>
+            </a:extLst>
+          </p:cNvPr>
+          <p:cNvCxnSpPr>
+            <a:cxnSpLocks/>
+            <a:stCxn id="103" idx="3"/>
+            <a:endCxn id="13" idx="3"/>
+          </p:cNvCxnSpPr>
+          <p:nvPr/>
+        </p:nvCxnSpPr>
+        <p:spPr>
+          <a:xfrm flipV="1">
+            <a:off x="9569906" y="1266957"/>
+            <a:ext cx="1066465" cy="3887826"/>
+          </a:xfrm>
+          <a:prstGeom prst="bentConnector3">
+            <a:avLst>
+              <a:gd name="adj1" fmla="val 121435"/>
+            </a:avLst>
+          </a:prstGeom>
+          <a:ln w="19050">
+            <a:solidFill>
+              <a:schemeClr val="accent5"/>
+            </a:solidFill>
+            <a:prstDash val="solid"/>
+            <a:tailEnd type="triangle"/>
+          </a:ln>
+        </p:spPr>
+        <p:style>
+          <a:lnRef idx="1">
+            <a:schemeClr val="accent3"/>
+          </a:lnRef>
+          <a:fillRef idx="0">
+            <a:schemeClr val="accent3"/>
+          </a:fillRef>
+          <a:effectRef idx="0">
+            <a:schemeClr val="accent3"/>
+          </a:effectRef>
+          <a:fontRef idx="minor">
+            <a:schemeClr val="tx1"/>
+          </a:fontRef>
+        </p:style>
+      </p:cxnSp>
+      <p:cxnSp>
+        <p:nvCxnSpPr>
+          <p:cNvPr id="122" name="Connector: Elbow 110">
+            <a:extLst>
+              <a:ext uri="{FF2B5EF4-FFF2-40B4-BE49-F238E27FC236}">
+                <a16:creationId xmlns:a16="http://schemas.microsoft.com/office/drawing/2014/main" id="{F61CBF00-2D4A-4B8E-95F0-054C3C7ACC63}"/>
+              </a:ext>
+            </a:extLst>
+          </p:cNvPr>
+          <p:cNvCxnSpPr>
+            <a:cxnSpLocks/>
+            <a:stCxn id="100" idx="1"/>
+            <a:endCxn id="201" idx="3"/>
+          </p:cNvCxnSpPr>
+          <p:nvPr/>
+        </p:nvCxnSpPr>
+        <p:spPr>
+          <a:xfrm rot="10800000">
+            <a:off x="773248" y="3482081"/>
+            <a:ext cx="1989980" cy="1672703"/>
+          </a:xfrm>
+          <a:prstGeom prst="bentConnector2">
+            <a:avLst/>
+          </a:prstGeom>
+          <a:ln w="19050">
+            <a:solidFill>
+              <a:schemeClr val="accent5"/>
+            </a:solidFill>
+            <a:prstDash val="solid"/>
+            <a:tailEnd type="triangle"/>
+          </a:ln>
+        </p:spPr>
+        <p:style>
+          <a:lnRef idx="1">
+            <a:schemeClr val="accent3"/>
+          </a:lnRef>
+          <a:fillRef idx="0">
+            <a:schemeClr val="accent3"/>
+          </a:fillRef>
+          <a:effectRef idx="0">
+            <a:schemeClr val="accent3"/>
+          </a:effectRef>
+          <a:fontRef idx="minor">
+            <a:schemeClr val="tx1"/>
+          </a:fontRef>
+        </p:style>
+      </p:cxnSp>
+      <p:cxnSp>
+        <p:nvCxnSpPr>
+          <p:cNvPr id="130" name="Connector: Elbow 129">
+            <a:extLst>
+              <a:ext uri="{FF2B5EF4-FFF2-40B4-BE49-F238E27FC236}">
+                <a16:creationId xmlns:a16="http://schemas.microsoft.com/office/drawing/2014/main" id="{1F24883C-9F99-43FE-AF1F-BBBC4D237694}"/>
+              </a:ext>
+            </a:extLst>
+          </p:cNvPr>
+          <p:cNvCxnSpPr>
+            <a:cxnSpLocks/>
+            <a:endCxn id="93" idx="1"/>
+          </p:cNvCxnSpPr>
+          <p:nvPr/>
+        </p:nvCxnSpPr>
+        <p:spPr>
+          <a:xfrm rot="16200000" flipH="1">
+            <a:off x="499879" y="3709902"/>
+            <a:ext cx="2415090" cy="2111608"/>
+          </a:xfrm>
+          <a:prstGeom prst="bentConnector2">
+            <a:avLst/>
+          </a:prstGeom>
+          <a:ln w="19050">
+            <a:solidFill>
+              <a:schemeClr val="accent5"/>
+            </a:solidFill>
+            <a:prstDash val="sysDot"/>
+            <a:tailEnd type="triangle"/>
+          </a:ln>
+        </p:spPr>
+        <p:style>
+          <a:lnRef idx="1">
+            <a:schemeClr val="accent3"/>
+          </a:lnRef>
+          <a:fillRef idx="0">
+            <a:schemeClr val="accent3"/>
+          </a:fillRef>
+          <a:effectRef idx="0">
+            <a:schemeClr val="accent3"/>
+          </a:effectRef>
+          <a:fontRef idx="minor">
+            <a:schemeClr val="tx1"/>
+          </a:fontRef>
+        </p:style>
+      </p:cxnSp>
+      <p:sp>
+        <p:nvSpPr>
+          <p:cNvPr id="201" name="Rectangle 200">
+            <a:extLst>
+              <a:ext uri="{FF2B5EF4-FFF2-40B4-BE49-F238E27FC236}">
+                <a16:creationId xmlns:a16="http://schemas.microsoft.com/office/drawing/2014/main" id="{87071062-6E4A-43C3-9B23-830C66D48280}"/>
               </a:ext>
             </a:extLst>
           </p:cNvPr>
@@ -25350,8 +25683,8 @@
         </p:nvSpPr>
         <p:spPr>
           <a:xfrm rot="5400000">
-            <a:off x="5909545" y="-4273315"/>
-            <a:ext cx="372907" cy="8867955"/>
+            <a:off x="554447" y="2355795"/>
+            <a:ext cx="437602" cy="1814968"/>
           </a:xfrm>
           <a:prstGeom prst="rect">
             <a:avLst/>
@@ -25379,19 +25712,20 @@
           <a:bodyPr vert="vert270" rtlCol="0" anchor="ctr"/>
           <a:lstStyle/>
           <a:p>
-            <a:r>
-              <a:rPr lang="en-US" sz="1400" b="1" dirty="0">
+            <a:pPr algn="ctr"/>
+            <a:r>
+              <a:rPr lang="en-US" sz="1200" dirty="0">
                 <a:solidFill>
-                  <a:srgbClr val="0070C0"/>
+                  <a:srgbClr val="080808"/>
                 </a:solidFill>
                 <a:latin typeface="Segoe UI (Body)"/>
                 <a:cs typeface="Tahoma"/>
               </a:rPr>
-              <a:t>Application Resource Group</a:t>
-            </a:r>
-            <a:endParaRPr lang="en-BE" sz="1400" b="1" dirty="0" err="1">
+              <a:t>Deploy Instance</a:t>
+            </a:r>
+            <a:endParaRPr lang="en-BE" sz="1200" dirty="0" err="1">
               <a:solidFill>
-                <a:srgbClr val="0070C0"/>
+                <a:srgbClr val="080808"/>
               </a:solidFill>
               <a:latin typeface="Segoe UI (Body)"/>
               <a:cs typeface="Tahoma"/>
@@ -25401,10 +25735,10 @@
       </p:sp>
       <p:grpSp>
         <p:nvGrpSpPr>
-          <p:cNvPr id="184" name="Group 183">
+          <p:cNvPr id="8" name="Group 7">
             <a:extLst>
               <a:ext uri="{FF2B5EF4-FFF2-40B4-BE49-F238E27FC236}">
-                <a16:creationId xmlns:a16="http://schemas.microsoft.com/office/drawing/2014/main" id="{BE8E66AD-0F16-47C5-94B1-7119AA1E7FA1}"/>
+                <a16:creationId xmlns:a16="http://schemas.microsoft.com/office/drawing/2014/main" id="{37A00946-520A-44E4-85A5-B2D1E351DEBC}"/>
               </a:ext>
             </a:extLst>
           </p:cNvPr>
@@ -25413,103 +25747,18 @@
         </p:nvGrpSpPr>
         <p:grpSpPr>
           <a:xfrm>
-            <a:off x="1662022" y="2381520"/>
-            <a:ext cx="8873840" cy="1283113"/>
-            <a:chOff x="1662022" y="2048901"/>
-            <a:chExt cx="8873840" cy="1283113"/>
+            <a:off x="1555629" y="-25791"/>
+            <a:ext cx="9080742" cy="2212589"/>
+            <a:chOff x="1555629" y="-25791"/>
+            <a:chExt cx="9080742" cy="2212589"/>
           </a:xfrm>
         </p:grpSpPr>
         <p:sp>
           <p:nvSpPr>
-            <p:cNvPr id="2" name="Rectangle 1">
+            <p:cNvPr id="36" name="Rectangle 35">
               <a:extLst>
                 <a:ext uri="{FF2B5EF4-FFF2-40B4-BE49-F238E27FC236}">
-                  <a16:creationId xmlns:a16="http://schemas.microsoft.com/office/drawing/2014/main" id="{E13621ED-8B6D-4151-9FC3-7DD03B8C702A}"/>
-                </a:ext>
-              </a:extLst>
-            </p:cNvPr>
-            <p:cNvSpPr/>
-            <p:nvPr/>
-          </p:nvSpPr>
-          <p:spPr>
-            <a:xfrm>
-              <a:off x="1662022" y="2451962"/>
-              <a:ext cx="8867955" cy="880052"/>
-            </a:xfrm>
-            <a:prstGeom prst="rect">
-              <a:avLst/>
-            </a:prstGeom>
-            <a:ln>
-              <a:solidFill>
-                <a:srgbClr val="0070C0"/>
-              </a:solidFill>
-            </a:ln>
-          </p:spPr>
-          <p:style>
-            <a:lnRef idx="2">
-              <a:schemeClr val="accent3"/>
-            </a:lnRef>
-            <a:fillRef idx="1">
-              <a:schemeClr val="lt1"/>
-            </a:fillRef>
-            <a:effectRef idx="0">
-              <a:schemeClr val="accent3"/>
-            </a:effectRef>
-            <a:fontRef idx="minor">
-              <a:schemeClr val="dk1"/>
-            </a:fontRef>
-          </p:style>
-          <p:txBody>
-            <a:bodyPr rtlCol="0" anchor="ctr"/>
-            <a:lstStyle/>
-            <a:p>
-              <a:pPr algn="ctr"/>
-              <a:endParaRPr lang="en-BE" dirty="0" err="1">
-                <a:solidFill>
-                  <a:schemeClr val="bg1"/>
-                </a:solidFill>
-                <a:latin typeface="Tahoma"/>
-                <a:cs typeface="Tahoma"/>
-              </a:endParaRPr>
-            </a:p>
-          </p:txBody>
-        </p:sp>
-        <p:pic>
-          <p:nvPicPr>
-            <p:cNvPr id="8" name="Picture 7">
-              <a:extLst>
-                <a:ext uri="{FF2B5EF4-FFF2-40B4-BE49-F238E27FC236}">
-                  <a16:creationId xmlns:a16="http://schemas.microsoft.com/office/drawing/2014/main" id="{F8FEA726-C914-4C81-BB0C-862B8345EFEB}"/>
-                </a:ext>
-              </a:extLst>
-            </p:cNvPr>
-            <p:cNvPicPr>
-              <a:picLocks noChangeAspect="1"/>
-            </p:cNvPicPr>
-            <p:nvPr/>
-          </p:nvPicPr>
-          <p:blipFill>
-            <a:blip r:embed="rId3"/>
-            <a:stretch>
-              <a:fillRect/>
-            </a:stretch>
-          </p:blipFill>
-          <p:spPr>
-            <a:xfrm>
-              <a:off x="1844334" y="2610677"/>
-              <a:ext cx="562622" cy="562622"/>
-            </a:xfrm>
-            <a:prstGeom prst="rect">
-              <a:avLst/>
-            </a:prstGeom>
-          </p:spPr>
-        </p:pic>
-        <p:sp>
-          <p:nvSpPr>
-            <p:cNvPr id="42" name="Rectangle 41">
-              <a:extLst>
-                <a:ext uri="{FF2B5EF4-FFF2-40B4-BE49-F238E27FC236}">
-                  <a16:creationId xmlns:a16="http://schemas.microsoft.com/office/drawing/2014/main" id="{07324EFD-449D-4823-B732-BD7D32346F48}"/>
+                  <a16:creationId xmlns:a16="http://schemas.microsoft.com/office/drawing/2014/main" id="{9920AF8D-6C1D-4930-B101-E3BFE5FA51B3}"/>
                 </a:ext>
               </a:extLst>
             </p:cNvPr>
@@ -25518,8 +25767,8 @@
           </p:nvSpPr>
           <p:spPr>
             <a:xfrm rot="5400000">
-              <a:off x="5915430" y="-2198624"/>
-              <a:ext cx="372907" cy="8867957"/>
+              <a:off x="5909545" y="-4273315"/>
+              <a:ext cx="372907" cy="8867955"/>
             </a:xfrm>
             <a:prstGeom prst="rect">
               <a:avLst/>
@@ -25555,7 +25804,7 @@
                   <a:latin typeface="Segoe UI (Body)"/>
                   <a:cs typeface="Tahoma"/>
                 </a:rPr>
-                <a:t>Monitoring &amp; Scaling Triggers</a:t>
+                <a:t>Application Resource Group</a:t>
               </a:r>
               <a:endParaRPr lang="en-BE" sz="1400" b="1" dirty="0" err="1">
                 <a:solidFill>
@@ -25567,1688 +25816,6 @@
             </a:p>
           </p:txBody>
         </p:sp>
-        <p:grpSp>
-          <p:nvGrpSpPr>
-            <p:cNvPr id="178" name="Group 177">
-              <a:extLst>
-                <a:ext uri="{FF2B5EF4-FFF2-40B4-BE49-F238E27FC236}">
-                  <a16:creationId xmlns:a16="http://schemas.microsoft.com/office/drawing/2014/main" id="{EC0685BD-6C68-48E1-AEB1-DE90A10413B1}"/>
-                </a:ext>
-              </a:extLst>
-            </p:cNvPr>
-            <p:cNvGrpSpPr/>
-            <p:nvPr/>
-          </p:nvGrpSpPr>
-          <p:grpSpPr>
-            <a:xfrm>
-              <a:off x="7096029" y="2602628"/>
-              <a:ext cx="2773610" cy="493625"/>
-              <a:chOff x="7096029" y="2520353"/>
-              <a:chExt cx="2773610" cy="493625"/>
-            </a:xfrm>
-          </p:grpSpPr>
-          <p:pic>
-            <p:nvPicPr>
-              <p:cNvPr id="38" name="Graphic 37">
-                <a:extLst>
-                  <a:ext uri="{FF2B5EF4-FFF2-40B4-BE49-F238E27FC236}">
-                    <a16:creationId xmlns:a16="http://schemas.microsoft.com/office/drawing/2014/main" id="{F9D90FAD-DFB0-4AB8-BDE8-1CEB982B9B93}"/>
-                  </a:ext>
-                </a:extLst>
-              </p:cNvPr>
-              <p:cNvPicPr>
-                <a:picLocks noChangeAspect="1"/>
-              </p:cNvPicPr>
-              <p:nvPr/>
-            </p:nvPicPr>
-            <p:blipFill>
-              <a:blip r:embed="rId4">
-                <a:extLst>
-                  <a:ext uri="{28A0092B-C50C-407E-A947-70E740481C1C}">
-                    <a14:useLocalDpi xmlns:a14="http://schemas.microsoft.com/office/drawing/2010/main" val="0"/>
-                  </a:ext>
-                  <a:ext uri="{96DAC541-7B7A-43D3-8B79-37D633B846F1}">
-                    <asvg:svgBlip xmlns:asvg="http://schemas.microsoft.com/office/drawing/2016/SVG/main" r:embed="rId5"/>
-                  </a:ext>
-                </a:extLst>
-              </a:blip>
-              <a:stretch>
-                <a:fillRect/>
-              </a:stretch>
-            </p:blipFill>
-            <p:spPr>
-              <a:xfrm>
-                <a:off x="7096029" y="2575294"/>
-                <a:ext cx="438684" cy="438684"/>
-              </a:xfrm>
-              <a:prstGeom prst="rect">
-                <a:avLst/>
-              </a:prstGeom>
-            </p:spPr>
-          </p:pic>
-          <p:sp>
-            <p:nvSpPr>
-              <p:cNvPr id="176" name="Rectangle 175">
-                <a:extLst>
-                  <a:ext uri="{FF2B5EF4-FFF2-40B4-BE49-F238E27FC236}">
-                    <a16:creationId xmlns:a16="http://schemas.microsoft.com/office/drawing/2014/main" id="{A47E53A5-AE66-4D01-9196-3A0200105286}"/>
-                  </a:ext>
-                </a:extLst>
-              </p:cNvPr>
-              <p:cNvSpPr/>
-              <p:nvPr/>
-            </p:nvSpPr>
-            <p:spPr>
-              <a:xfrm rot="5400000">
-                <a:off x="8520585" y="1548698"/>
-                <a:ext cx="377399" cy="2320709"/>
-              </a:xfrm>
-              <a:prstGeom prst="rect">
-                <a:avLst/>
-              </a:prstGeom>
-              <a:noFill/>
-              <a:ln w="19050">
-                <a:noFill/>
-              </a:ln>
-            </p:spPr>
-            <p:style>
-              <a:lnRef idx="2">
-                <a:schemeClr val="accent2"/>
-              </a:lnRef>
-              <a:fillRef idx="1">
-                <a:schemeClr val="lt1"/>
-              </a:fillRef>
-              <a:effectRef idx="0">
-                <a:schemeClr val="accent2"/>
-              </a:effectRef>
-              <a:fontRef idx="minor">
-                <a:schemeClr val="dk1"/>
-              </a:fontRef>
-            </p:style>
-            <p:txBody>
-              <a:bodyPr vert="vert270" rtlCol="0" anchor="t"/>
-              <a:lstStyle/>
-              <a:p>
-                <a:r>
-                  <a:rPr lang="en-US" sz="1000" b="1" dirty="0">
-                    <a:solidFill>
-                      <a:srgbClr val="080808"/>
-                    </a:solidFill>
-                    <a:latin typeface="Segoe UI (Body)"/>
-                    <a:cs typeface="Tahoma"/>
-                  </a:rPr>
-                  <a:t>Active Messages &gt; 250</a:t>
-                </a:r>
-              </a:p>
-              <a:p>
-                <a:r>
-                  <a:rPr lang="en-US" sz="1000" i="1" dirty="0">
-                    <a:solidFill>
-                      <a:srgbClr val="080808"/>
-                    </a:solidFill>
-                    <a:latin typeface="Segoe UI (Body)"/>
-                    <a:cs typeface="Tahoma"/>
-                  </a:rPr>
-                  <a:t>Scaling Criteria</a:t>
-                </a:r>
-                <a:endParaRPr lang="en-BE" sz="1000" i="1" dirty="0" err="1">
-                  <a:solidFill>
-                    <a:srgbClr val="080808"/>
-                  </a:solidFill>
-                  <a:latin typeface="Segoe UI (Body)"/>
-                  <a:cs typeface="Tahoma"/>
-                </a:endParaRPr>
-              </a:p>
-            </p:txBody>
-          </p:sp>
-        </p:grpSp>
-        <p:grpSp>
-          <p:nvGrpSpPr>
-            <p:cNvPr id="183" name="Group 182">
-              <a:extLst>
-                <a:ext uri="{FF2B5EF4-FFF2-40B4-BE49-F238E27FC236}">
-                  <a16:creationId xmlns:a16="http://schemas.microsoft.com/office/drawing/2014/main" id="{88394F1E-B25C-4D0C-8DD8-6BBABC749922}"/>
-                </a:ext>
-              </a:extLst>
-            </p:cNvPr>
-            <p:cNvGrpSpPr/>
-            <p:nvPr/>
-          </p:nvGrpSpPr>
-          <p:grpSpPr>
-            <a:xfrm>
-              <a:off x="2470205" y="2613190"/>
-              <a:ext cx="2764131" cy="498140"/>
-              <a:chOff x="2470205" y="2530915"/>
-              <a:chExt cx="2764131" cy="498140"/>
-            </a:xfrm>
-          </p:grpSpPr>
-          <p:pic>
-            <p:nvPicPr>
-              <p:cNvPr id="22" name="Graphic 21">
-                <a:extLst>
-                  <a:ext uri="{FF2B5EF4-FFF2-40B4-BE49-F238E27FC236}">
-                    <a16:creationId xmlns:a16="http://schemas.microsoft.com/office/drawing/2014/main" id="{D63A3D3B-121F-4F55-876D-46DCD7B9F71D}"/>
-                  </a:ext>
-                </a:extLst>
-              </p:cNvPr>
-              <p:cNvPicPr>
-                <a:picLocks noChangeAspect="1"/>
-              </p:cNvPicPr>
-              <p:nvPr/>
-            </p:nvPicPr>
-            <p:blipFill>
-              <a:blip r:embed="rId4">
-                <a:extLst>
-                  <a:ext uri="{28A0092B-C50C-407E-A947-70E740481C1C}">
-                    <a14:useLocalDpi xmlns:a14="http://schemas.microsoft.com/office/drawing/2010/main" val="0"/>
-                  </a:ext>
-                  <a:ext uri="{96DAC541-7B7A-43D3-8B79-37D633B846F1}">
-                    <asvg:svgBlip xmlns:asvg="http://schemas.microsoft.com/office/drawing/2016/SVG/main" r:embed="rId5"/>
-                  </a:ext>
-                </a:extLst>
-              </a:blip>
-              <a:stretch>
-                <a:fillRect/>
-              </a:stretch>
-            </p:blipFill>
-            <p:spPr>
-              <a:xfrm>
-                <a:off x="4795652" y="2590371"/>
-                <a:ext cx="438684" cy="438684"/>
-              </a:xfrm>
-              <a:prstGeom prst="rect">
-                <a:avLst/>
-              </a:prstGeom>
-            </p:spPr>
-          </p:pic>
-          <p:sp>
-            <p:nvSpPr>
-              <p:cNvPr id="177" name="Rectangle 176">
-                <a:extLst>
-                  <a:ext uri="{FF2B5EF4-FFF2-40B4-BE49-F238E27FC236}">
-                    <a16:creationId xmlns:a16="http://schemas.microsoft.com/office/drawing/2014/main" id="{E9838BBB-AF32-44D6-951D-CC5E9F1CE98A}"/>
-                  </a:ext>
-                </a:extLst>
-              </p:cNvPr>
-              <p:cNvSpPr/>
-              <p:nvPr/>
-            </p:nvSpPr>
-            <p:spPr>
-              <a:xfrm rot="5400000">
-                <a:off x="3441860" y="1559260"/>
-                <a:ext cx="377399" cy="2320709"/>
-              </a:xfrm>
-              <a:prstGeom prst="rect">
-                <a:avLst/>
-              </a:prstGeom>
-              <a:noFill/>
-              <a:ln w="19050">
-                <a:noFill/>
-              </a:ln>
-            </p:spPr>
-            <p:style>
-              <a:lnRef idx="2">
-                <a:schemeClr val="accent2"/>
-              </a:lnRef>
-              <a:fillRef idx="1">
-                <a:schemeClr val="lt1"/>
-              </a:fillRef>
-              <a:effectRef idx="0">
-                <a:schemeClr val="accent2"/>
-              </a:effectRef>
-              <a:fontRef idx="minor">
-                <a:schemeClr val="dk1"/>
-              </a:fontRef>
-            </p:style>
-            <p:txBody>
-              <a:bodyPr vert="vert270" rtlCol="0" anchor="t"/>
-              <a:lstStyle/>
-              <a:p>
-                <a:pPr algn="r"/>
-                <a:r>
-                  <a:rPr lang="en-US" sz="1000" b="1" dirty="0">
-                    <a:solidFill>
-                      <a:srgbClr val="080808"/>
-                    </a:solidFill>
-                    <a:latin typeface="Segoe UI (Body)"/>
-                    <a:cs typeface="Tahoma"/>
-                  </a:rPr>
-                  <a:t>Active Messages &lt;= 100</a:t>
-                </a:r>
-              </a:p>
-              <a:p>
-                <a:pPr algn="r"/>
-                <a:r>
-                  <a:rPr lang="en-US" sz="1000" i="1" dirty="0">
-                    <a:solidFill>
-                      <a:srgbClr val="080808"/>
-                    </a:solidFill>
-                    <a:latin typeface="Segoe UI (Body)"/>
-                    <a:cs typeface="Tahoma"/>
-                  </a:rPr>
-                  <a:t>Scaling Criteria</a:t>
-                </a:r>
-                <a:endParaRPr lang="en-BE" sz="1000" i="1" dirty="0" err="1">
-                  <a:solidFill>
-                    <a:srgbClr val="080808"/>
-                  </a:solidFill>
-                  <a:latin typeface="Segoe UI (Body)"/>
-                  <a:cs typeface="Tahoma"/>
-                </a:endParaRPr>
-              </a:p>
-            </p:txBody>
-          </p:sp>
-        </p:grpSp>
-      </p:grpSp>
-      <p:grpSp>
-        <p:nvGrpSpPr>
-          <p:cNvPr id="6" name="Group 5">
-            <a:extLst>
-              <a:ext uri="{FF2B5EF4-FFF2-40B4-BE49-F238E27FC236}">
-                <a16:creationId xmlns:a16="http://schemas.microsoft.com/office/drawing/2014/main" id="{90B3181F-8FE4-47CB-BC67-8FC436CF2500}"/>
-              </a:ext>
-            </a:extLst>
-          </p:cNvPr>
-          <p:cNvGrpSpPr/>
-          <p:nvPr/>
-        </p:nvGrpSpPr>
-        <p:grpSpPr>
-          <a:xfrm>
-            <a:off x="1662017" y="3820466"/>
-            <a:ext cx="8867960" cy="2867695"/>
-            <a:chOff x="1662017" y="3496314"/>
-            <a:chExt cx="8867960" cy="2867695"/>
-          </a:xfrm>
-        </p:grpSpPr>
-        <p:sp>
-          <p:nvSpPr>
-            <p:cNvPr id="4" name="Rectangle 3">
-              <a:extLst>
-                <a:ext uri="{FF2B5EF4-FFF2-40B4-BE49-F238E27FC236}">
-                  <a16:creationId xmlns:a16="http://schemas.microsoft.com/office/drawing/2014/main" id="{CE38808B-6FDA-40E6-AB7C-74B0ADA195CB}"/>
-                </a:ext>
-              </a:extLst>
-            </p:cNvPr>
-            <p:cNvSpPr/>
-            <p:nvPr/>
-          </p:nvSpPr>
-          <p:spPr>
-            <a:xfrm>
-              <a:off x="1662022" y="3869222"/>
-              <a:ext cx="8867955" cy="2494787"/>
-            </a:xfrm>
-            <a:prstGeom prst="rect">
-              <a:avLst/>
-            </a:prstGeom>
-            <a:ln>
-              <a:solidFill>
-                <a:srgbClr val="0070C0"/>
-              </a:solidFill>
-            </a:ln>
-          </p:spPr>
-          <p:style>
-            <a:lnRef idx="2">
-              <a:schemeClr val="accent3"/>
-            </a:lnRef>
-            <a:fillRef idx="1">
-              <a:schemeClr val="lt1"/>
-            </a:fillRef>
-            <a:effectRef idx="0">
-              <a:schemeClr val="accent3"/>
-            </a:effectRef>
-            <a:fontRef idx="minor">
-              <a:schemeClr val="dk1"/>
-            </a:fontRef>
-          </p:style>
-          <p:txBody>
-            <a:bodyPr rtlCol="0" anchor="ctr"/>
-            <a:lstStyle/>
-            <a:p>
-              <a:pPr algn="ctr"/>
-              <a:endParaRPr lang="en-BE" dirty="0" err="1">
-                <a:solidFill>
-                  <a:schemeClr val="bg1"/>
-                </a:solidFill>
-                <a:latin typeface="Tahoma"/>
-                <a:cs typeface="Tahoma"/>
-              </a:endParaRPr>
-            </a:p>
-          </p:txBody>
-        </p:sp>
-        <p:grpSp>
-          <p:nvGrpSpPr>
-            <p:cNvPr id="18" name="Group 17">
-              <a:extLst>
-                <a:ext uri="{FF2B5EF4-FFF2-40B4-BE49-F238E27FC236}">
-                  <a16:creationId xmlns:a16="http://schemas.microsoft.com/office/drawing/2014/main" id="{1E1D4218-4EE2-4323-96B5-231DFA4804E1}"/>
-                </a:ext>
-              </a:extLst>
-            </p:cNvPr>
-            <p:cNvGrpSpPr/>
-            <p:nvPr/>
-          </p:nvGrpSpPr>
-          <p:grpSpPr>
-            <a:xfrm>
-              <a:off x="4241663" y="4134675"/>
-              <a:ext cx="1546662" cy="1164569"/>
-              <a:chOff x="3706825" y="4839419"/>
-              <a:chExt cx="1546662" cy="1164569"/>
-            </a:xfrm>
-          </p:grpSpPr>
-          <p:pic>
-            <p:nvPicPr>
-              <p:cNvPr id="11" name="Picture 10">
-                <a:extLst>
-                  <a:ext uri="{FF2B5EF4-FFF2-40B4-BE49-F238E27FC236}">
-                    <a16:creationId xmlns:a16="http://schemas.microsoft.com/office/drawing/2014/main" id="{34BFD849-9E2F-40D7-A921-46AB74EA8630}"/>
-                  </a:ext>
-                </a:extLst>
-              </p:cNvPr>
-              <p:cNvPicPr>
-                <a:picLocks noChangeAspect="1"/>
-              </p:cNvPicPr>
-              <p:nvPr/>
-            </p:nvPicPr>
-            <p:blipFill>
-              <a:blip r:embed="rId6"/>
-              <a:stretch>
-                <a:fillRect/>
-              </a:stretch>
-            </p:blipFill>
-            <p:spPr>
-              <a:xfrm>
-                <a:off x="4067006" y="4839419"/>
-                <a:ext cx="826300" cy="645094"/>
-              </a:xfrm>
-              <a:prstGeom prst="rect">
-                <a:avLst/>
-              </a:prstGeom>
-            </p:spPr>
-          </p:pic>
-          <p:sp>
-            <p:nvSpPr>
-              <p:cNvPr id="14" name="Rectangle 13">
-                <a:extLst>
-                  <a:ext uri="{FF2B5EF4-FFF2-40B4-BE49-F238E27FC236}">
-                    <a16:creationId xmlns:a16="http://schemas.microsoft.com/office/drawing/2014/main" id="{679C8248-5E52-4539-AB77-1F838A2A22DE}"/>
-                  </a:ext>
-                </a:extLst>
-              </p:cNvPr>
-              <p:cNvSpPr/>
-              <p:nvPr/>
-            </p:nvSpPr>
-            <p:spPr>
-              <a:xfrm rot="5400000">
-                <a:off x="4261355" y="5011856"/>
-                <a:ext cx="437602" cy="1546662"/>
-              </a:xfrm>
-              <a:prstGeom prst="rect">
-                <a:avLst/>
-              </a:prstGeom>
-              <a:noFill/>
-              <a:ln w="19050">
-                <a:noFill/>
-              </a:ln>
-            </p:spPr>
-            <p:style>
-              <a:lnRef idx="2">
-                <a:schemeClr val="accent2"/>
-              </a:lnRef>
-              <a:fillRef idx="1">
-                <a:schemeClr val="lt1"/>
-              </a:fillRef>
-              <a:effectRef idx="0">
-                <a:schemeClr val="accent2"/>
-              </a:effectRef>
-              <a:fontRef idx="minor">
-                <a:schemeClr val="dk1"/>
-              </a:fontRef>
-            </p:style>
-            <p:txBody>
-              <a:bodyPr vert="vert270" rtlCol="0" anchor="ctr"/>
-              <a:lstStyle/>
-              <a:p>
-                <a:pPr algn="ctr"/>
-                <a:r>
-                  <a:rPr lang="en-US" sz="1200" b="1" dirty="0">
-                    <a:solidFill>
-                      <a:srgbClr val="080808"/>
-                    </a:solidFill>
-                    <a:latin typeface="Segoe UI (Body)"/>
-                    <a:cs typeface="Tahoma"/>
-                  </a:rPr>
-                  <a:t>Scale Controller (Out)</a:t>
-                </a:r>
-                <a:endParaRPr lang="en-BE" sz="1200" b="1" dirty="0" err="1">
-                  <a:solidFill>
-                    <a:srgbClr val="080808"/>
-                  </a:solidFill>
-                  <a:latin typeface="Segoe UI (Body)"/>
-                  <a:cs typeface="Tahoma"/>
-                </a:endParaRPr>
-              </a:p>
-            </p:txBody>
-          </p:sp>
-        </p:grpSp>
-        <p:grpSp>
-          <p:nvGrpSpPr>
-            <p:cNvPr id="75" name="Group 74">
-              <a:extLst>
-                <a:ext uri="{FF2B5EF4-FFF2-40B4-BE49-F238E27FC236}">
-                  <a16:creationId xmlns:a16="http://schemas.microsoft.com/office/drawing/2014/main" id="{2FF99622-3999-44E0-9CE9-CB9A4A367AA7}"/>
-                </a:ext>
-              </a:extLst>
-            </p:cNvPr>
-            <p:cNvGrpSpPr/>
-            <p:nvPr/>
-          </p:nvGrpSpPr>
-          <p:grpSpPr>
-            <a:xfrm>
-              <a:off x="6542040" y="4134675"/>
-              <a:ext cx="1546662" cy="1123465"/>
-              <a:chOff x="6542040" y="4134675"/>
-              <a:chExt cx="1546662" cy="1123465"/>
-            </a:xfrm>
-          </p:grpSpPr>
-          <p:pic>
-            <p:nvPicPr>
-              <p:cNvPr id="62" name="Picture 61">
-                <a:extLst>
-                  <a:ext uri="{FF2B5EF4-FFF2-40B4-BE49-F238E27FC236}">
-                    <a16:creationId xmlns:a16="http://schemas.microsoft.com/office/drawing/2014/main" id="{3B05CADA-D53F-4ADC-8E3D-CEF959B51E93}"/>
-                  </a:ext>
-                </a:extLst>
-              </p:cNvPr>
-              <p:cNvPicPr>
-                <a:picLocks noChangeAspect="1"/>
-              </p:cNvPicPr>
-              <p:nvPr/>
-            </p:nvPicPr>
-            <p:blipFill>
-              <a:blip r:embed="rId6"/>
-              <a:stretch>
-                <a:fillRect/>
-              </a:stretch>
-            </p:blipFill>
-            <p:spPr>
-              <a:xfrm>
-                <a:off x="6902221" y="4134675"/>
-                <a:ext cx="826300" cy="645094"/>
-              </a:xfrm>
-              <a:prstGeom prst="rect">
-                <a:avLst/>
-              </a:prstGeom>
-            </p:spPr>
-          </p:pic>
-          <p:sp>
-            <p:nvSpPr>
-              <p:cNvPr id="63" name="Rectangle 62">
-                <a:extLst>
-                  <a:ext uri="{FF2B5EF4-FFF2-40B4-BE49-F238E27FC236}">
-                    <a16:creationId xmlns:a16="http://schemas.microsoft.com/office/drawing/2014/main" id="{28896B78-4D78-4BE0-8091-2D95FAFEFE0D}"/>
-                  </a:ext>
-                </a:extLst>
-              </p:cNvPr>
-              <p:cNvSpPr/>
-              <p:nvPr/>
-            </p:nvSpPr>
-            <p:spPr>
-              <a:xfrm rot="5400000">
-                <a:off x="7096570" y="4266008"/>
-                <a:ext cx="437602" cy="1546662"/>
-              </a:xfrm>
-              <a:prstGeom prst="rect">
-                <a:avLst/>
-              </a:prstGeom>
-              <a:noFill/>
-              <a:ln w="19050">
-                <a:noFill/>
-              </a:ln>
-            </p:spPr>
-            <p:style>
-              <a:lnRef idx="2">
-                <a:schemeClr val="accent2"/>
-              </a:lnRef>
-              <a:fillRef idx="1">
-                <a:schemeClr val="lt1"/>
-              </a:fillRef>
-              <a:effectRef idx="0">
-                <a:schemeClr val="accent2"/>
-              </a:effectRef>
-              <a:fontRef idx="minor">
-                <a:schemeClr val="dk1"/>
-              </a:fontRef>
-            </p:style>
-            <p:txBody>
-              <a:bodyPr vert="vert270" rtlCol="0" anchor="t"/>
-              <a:lstStyle/>
-              <a:p>
-                <a:pPr algn="ctr"/>
-                <a:r>
-                  <a:rPr lang="en-US" sz="1200" b="1" dirty="0">
-                    <a:solidFill>
-                      <a:srgbClr val="080808"/>
-                    </a:solidFill>
-                    <a:latin typeface="Segoe UI (Body)"/>
-                    <a:cs typeface="Tahoma"/>
-                  </a:rPr>
-                  <a:t>Scale Controller (In)</a:t>
-                </a:r>
-                <a:endParaRPr lang="en-BE" sz="1200" b="1" dirty="0" err="1">
-                  <a:solidFill>
-                    <a:srgbClr val="080808"/>
-                  </a:solidFill>
-                  <a:latin typeface="Segoe UI (Body)"/>
-                  <a:cs typeface="Tahoma"/>
-                </a:endParaRPr>
-              </a:p>
-            </p:txBody>
-          </p:sp>
-        </p:grpSp>
-        <p:sp>
-          <p:nvSpPr>
-            <p:cNvPr id="37" name="Rectangle 36">
-              <a:extLst>
-                <a:ext uri="{FF2B5EF4-FFF2-40B4-BE49-F238E27FC236}">
-                  <a16:creationId xmlns:a16="http://schemas.microsoft.com/office/drawing/2014/main" id="{35750910-2495-44F8-A322-D8559608832A}"/>
-                </a:ext>
-              </a:extLst>
-            </p:cNvPr>
-            <p:cNvSpPr/>
-            <p:nvPr/>
-          </p:nvSpPr>
-          <p:spPr>
-            <a:xfrm rot="5400000">
-              <a:off x="5909542" y="-751211"/>
-              <a:ext cx="372907" cy="8867957"/>
-            </a:xfrm>
-            <a:prstGeom prst="rect">
-              <a:avLst/>
-            </a:prstGeom>
-            <a:noFill/>
-            <a:ln w="19050">
-              <a:noFill/>
-            </a:ln>
-          </p:spPr>
-          <p:style>
-            <a:lnRef idx="2">
-              <a:schemeClr val="accent2"/>
-            </a:lnRef>
-            <a:fillRef idx="1">
-              <a:schemeClr val="lt1"/>
-            </a:fillRef>
-            <a:effectRef idx="0">
-              <a:schemeClr val="accent2"/>
-            </a:effectRef>
-            <a:fontRef idx="minor">
-              <a:schemeClr val="dk1"/>
-            </a:fontRef>
-          </p:style>
-          <p:txBody>
-            <a:bodyPr vert="vert270" rtlCol="0" anchor="ctr"/>
-            <a:lstStyle/>
-            <a:p>
-              <a:r>
-                <a:rPr lang="en-US" sz="1400" b="1" dirty="0">
-                  <a:solidFill>
-                    <a:srgbClr val="0070C0"/>
-                  </a:solidFill>
-                  <a:latin typeface="Segoe UI (Body)"/>
-                  <a:cs typeface="Tahoma"/>
-                </a:rPr>
-                <a:t>Autoscaling Resource Group</a:t>
-              </a:r>
-              <a:endParaRPr lang="en-BE" sz="1400" b="1" dirty="0" err="1">
-                <a:solidFill>
-                  <a:srgbClr val="0070C0"/>
-                </a:solidFill>
-                <a:latin typeface="Segoe UI (Body)"/>
-                <a:cs typeface="Tahoma"/>
-              </a:endParaRPr>
-            </a:p>
-          </p:txBody>
-        </p:sp>
-        <p:pic>
-          <p:nvPicPr>
-            <p:cNvPr id="40" name="Picture 39">
-              <a:extLst>
-                <a:ext uri="{FF2B5EF4-FFF2-40B4-BE49-F238E27FC236}">
-                  <a16:creationId xmlns:a16="http://schemas.microsoft.com/office/drawing/2014/main" id="{C31D04D2-6CEA-4C91-BC78-E46596619B34}"/>
-                </a:ext>
-              </a:extLst>
-            </p:cNvPr>
-            <p:cNvPicPr>
-              <a:picLocks noChangeAspect="1"/>
-            </p:cNvPicPr>
-            <p:nvPr/>
-          </p:nvPicPr>
-          <p:blipFill>
-            <a:blip r:embed="rId7"/>
-            <a:stretch>
-              <a:fillRect/>
-            </a:stretch>
-          </p:blipFill>
-          <p:spPr>
-            <a:xfrm>
-              <a:off x="5814684" y="5279353"/>
-              <a:ext cx="562622" cy="560248"/>
-            </a:xfrm>
-            <a:prstGeom prst="rect">
-              <a:avLst/>
-            </a:prstGeom>
-          </p:spPr>
-        </p:pic>
-        <p:sp>
-          <p:nvSpPr>
-            <p:cNvPr id="41" name="Rectangle 40">
-              <a:extLst>
-                <a:ext uri="{FF2B5EF4-FFF2-40B4-BE49-F238E27FC236}">
-                  <a16:creationId xmlns:a16="http://schemas.microsoft.com/office/drawing/2014/main" id="{03C3FEAE-7DB3-4094-83E3-25F81C04CF60}"/>
-                </a:ext>
-              </a:extLst>
-            </p:cNvPr>
-            <p:cNvSpPr/>
-            <p:nvPr/>
-          </p:nvSpPr>
-          <p:spPr>
-            <a:xfrm rot="5400000">
-              <a:off x="5877194" y="5243965"/>
-              <a:ext cx="437602" cy="1546662"/>
-            </a:xfrm>
-            <a:prstGeom prst="rect">
-              <a:avLst/>
-            </a:prstGeom>
-            <a:noFill/>
-            <a:ln w="19050">
-              <a:noFill/>
-            </a:ln>
-          </p:spPr>
-          <p:style>
-            <a:lnRef idx="2">
-              <a:schemeClr val="accent2"/>
-            </a:lnRef>
-            <a:fillRef idx="1">
-              <a:schemeClr val="lt1"/>
-            </a:fillRef>
-            <a:effectRef idx="0">
-              <a:schemeClr val="accent2"/>
-            </a:effectRef>
-            <a:fontRef idx="minor">
-              <a:schemeClr val="dk1"/>
-            </a:fontRef>
-          </p:style>
-          <p:txBody>
-            <a:bodyPr vert="vert270" rtlCol="0" anchor="ctr"/>
-            <a:lstStyle/>
-            <a:p>
-              <a:pPr algn="ctr"/>
-              <a:r>
-                <a:rPr lang="en-US" sz="1200" dirty="0">
-                  <a:solidFill>
-                    <a:srgbClr val="080808"/>
-                  </a:solidFill>
-                  <a:latin typeface="Segoe UI (Body)"/>
-                  <a:cs typeface="Tahoma"/>
-                </a:rPr>
-                <a:t>Scaling Events</a:t>
-              </a:r>
-              <a:endParaRPr lang="en-BE" sz="1200" dirty="0" err="1">
-                <a:solidFill>
-                  <a:srgbClr val="080808"/>
-                </a:solidFill>
-                <a:latin typeface="Segoe UI (Body)"/>
-                <a:cs typeface="Tahoma"/>
-              </a:endParaRPr>
-            </a:p>
-          </p:txBody>
-        </p:sp>
-        <p:cxnSp>
-          <p:nvCxnSpPr>
-            <p:cNvPr id="49" name="Connector: Elbow 48">
-              <a:extLst>
-                <a:ext uri="{FF2B5EF4-FFF2-40B4-BE49-F238E27FC236}">
-                  <a16:creationId xmlns:a16="http://schemas.microsoft.com/office/drawing/2014/main" id="{0150E758-89EC-47FF-8F30-0415FAF58E86}"/>
-                </a:ext>
-              </a:extLst>
-            </p:cNvPr>
-            <p:cNvCxnSpPr>
-              <a:cxnSpLocks/>
-              <a:stCxn id="11" idx="3"/>
-            </p:cNvCxnSpPr>
-            <p:nvPr/>
-          </p:nvCxnSpPr>
-          <p:spPr>
-            <a:xfrm>
-              <a:off x="5428144" y="4457222"/>
-              <a:ext cx="585665" cy="780331"/>
-            </a:xfrm>
-            <a:prstGeom prst="bentConnector2">
-              <a:avLst/>
-            </a:prstGeom>
-            <a:ln w="19050">
-              <a:solidFill>
-                <a:schemeClr val="accent5"/>
-              </a:solidFill>
-              <a:prstDash val="sysDot"/>
-              <a:tailEnd type="triangle"/>
-            </a:ln>
-          </p:spPr>
-          <p:style>
-            <a:lnRef idx="1">
-              <a:schemeClr val="accent3"/>
-            </a:lnRef>
-            <a:fillRef idx="0">
-              <a:schemeClr val="accent3"/>
-            </a:fillRef>
-            <a:effectRef idx="0">
-              <a:schemeClr val="accent3"/>
-            </a:effectRef>
-            <a:fontRef idx="minor">
-              <a:schemeClr val="tx1"/>
-            </a:fontRef>
-          </p:style>
-        </p:cxnSp>
-        <p:cxnSp>
-          <p:nvCxnSpPr>
-            <p:cNvPr id="92" name="Connector: Elbow 91">
-              <a:extLst>
-                <a:ext uri="{FF2B5EF4-FFF2-40B4-BE49-F238E27FC236}">
-                  <a16:creationId xmlns:a16="http://schemas.microsoft.com/office/drawing/2014/main" id="{3A2A65DB-5C09-456C-A503-900BE30679B5}"/>
-                </a:ext>
-              </a:extLst>
-            </p:cNvPr>
-            <p:cNvCxnSpPr>
-              <a:cxnSpLocks/>
-              <a:stCxn id="62" idx="1"/>
-            </p:cNvCxnSpPr>
-            <p:nvPr/>
-          </p:nvCxnSpPr>
-          <p:spPr>
-            <a:xfrm rot="10800000" flipV="1">
-              <a:off x="6244257" y="4457221"/>
-              <a:ext cx="657964" cy="780331"/>
-            </a:xfrm>
-            <a:prstGeom prst="bentConnector2">
-              <a:avLst/>
-            </a:prstGeom>
-            <a:ln w="19050">
-              <a:solidFill>
-                <a:schemeClr val="accent5"/>
-              </a:solidFill>
-              <a:prstDash val="sysDot"/>
-              <a:tailEnd type="triangle"/>
-            </a:ln>
-          </p:spPr>
-          <p:style>
-            <a:lnRef idx="1">
-              <a:schemeClr val="accent3"/>
-            </a:lnRef>
-            <a:fillRef idx="0">
-              <a:schemeClr val="accent3"/>
-            </a:fillRef>
-            <a:effectRef idx="0">
-              <a:schemeClr val="accent3"/>
-            </a:effectRef>
-            <a:fontRef idx="minor">
-              <a:schemeClr val="tx1"/>
-            </a:fontRef>
-          </p:style>
-        </p:cxnSp>
-        <p:grpSp>
-          <p:nvGrpSpPr>
-            <p:cNvPr id="99" name="Group 98">
-              <a:extLst>
-                <a:ext uri="{FF2B5EF4-FFF2-40B4-BE49-F238E27FC236}">
-                  <a16:creationId xmlns:a16="http://schemas.microsoft.com/office/drawing/2014/main" id="{2C7E4F9E-C596-46B7-BEE0-D6B54CF6081C}"/>
-                </a:ext>
-              </a:extLst>
-            </p:cNvPr>
-            <p:cNvGrpSpPr/>
-            <p:nvPr/>
-          </p:nvGrpSpPr>
-          <p:grpSpPr>
-            <a:xfrm>
-              <a:off x="2281851" y="4134675"/>
-              <a:ext cx="1546662" cy="1164569"/>
-              <a:chOff x="3706825" y="4839419"/>
-              <a:chExt cx="1546662" cy="1164569"/>
-            </a:xfrm>
-          </p:grpSpPr>
-          <p:pic>
-            <p:nvPicPr>
-              <p:cNvPr id="100" name="Picture 99">
-                <a:extLst>
-                  <a:ext uri="{FF2B5EF4-FFF2-40B4-BE49-F238E27FC236}">
-                    <a16:creationId xmlns:a16="http://schemas.microsoft.com/office/drawing/2014/main" id="{80340BD3-0E48-4FC3-94E3-454F3B2CFE70}"/>
-                  </a:ext>
-                </a:extLst>
-              </p:cNvPr>
-              <p:cNvPicPr>
-                <a:picLocks noChangeAspect="1"/>
-              </p:cNvPicPr>
-              <p:nvPr/>
-            </p:nvPicPr>
-            <p:blipFill>
-              <a:blip r:embed="rId6"/>
-              <a:stretch>
-                <a:fillRect/>
-              </a:stretch>
-            </p:blipFill>
-            <p:spPr>
-              <a:xfrm>
-                <a:off x="4067006" y="4839419"/>
-                <a:ext cx="826300" cy="645094"/>
-              </a:xfrm>
-              <a:prstGeom prst="rect">
-                <a:avLst/>
-              </a:prstGeom>
-            </p:spPr>
-          </p:pic>
-          <p:sp>
-            <p:nvSpPr>
-              <p:cNvPr id="101" name="Rectangle 100">
-                <a:extLst>
-                  <a:ext uri="{FF2B5EF4-FFF2-40B4-BE49-F238E27FC236}">
-                    <a16:creationId xmlns:a16="http://schemas.microsoft.com/office/drawing/2014/main" id="{8676A514-6DD0-483F-9F5D-3DC6FDBC6C38}"/>
-                  </a:ext>
-                </a:extLst>
-              </p:cNvPr>
-              <p:cNvSpPr/>
-              <p:nvPr/>
-            </p:nvSpPr>
-            <p:spPr>
-              <a:xfrm rot="5400000">
-                <a:off x="4261355" y="5011856"/>
-                <a:ext cx="437602" cy="1546662"/>
-              </a:xfrm>
-              <a:prstGeom prst="rect">
-                <a:avLst/>
-              </a:prstGeom>
-              <a:noFill/>
-              <a:ln w="19050">
-                <a:noFill/>
-              </a:ln>
-            </p:spPr>
-            <p:style>
-              <a:lnRef idx="2">
-                <a:schemeClr val="accent2"/>
-              </a:lnRef>
-              <a:fillRef idx="1">
-                <a:schemeClr val="lt1"/>
-              </a:fillRef>
-              <a:effectRef idx="0">
-                <a:schemeClr val="accent2"/>
-              </a:effectRef>
-              <a:fontRef idx="minor">
-                <a:schemeClr val="dk1"/>
-              </a:fontRef>
-            </p:style>
-            <p:txBody>
-              <a:bodyPr vert="vert270" rtlCol="0" anchor="t"/>
-              <a:lstStyle/>
-              <a:p>
-                <a:pPr algn="ctr"/>
-                <a:r>
-                  <a:rPr lang="en-US" sz="1200" b="1" dirty="0">
-                    <a:solidFill>
-                      <a:srgbClr val="080808"/>
-                    </a:solidFill>
-                    <a:latin typeface="Segoe UI (Body)"/>
-                    <a:cs typeface="Tahoma"/>
-                  </a:rPr>
-                  <a:t>Scale Out</a:t>
-                </a:r>
-                <a:endParaRPr lang="en-BE" sz="1200" b="1" dirty="0" err="1">
-                  <a:solidFill>
-                    <a:srgbClr val="080808"/>
-                  </a:solidFill>
-                  <a:latin typeface="Segoe UI (Body)"/>
-                  <a:cs typeface="Tahoma"/>
-                </a:endParaRPr>
-              </a:p>
-            </p:txBody>
-          </p:sp>
-        </p:grpSp>
-        <p:grpSp>
-          <p:nvGrpSpPr>
-            <p:cNvPr id="102" name="Group 101">
-              <a:extLst>
-                <a:ext uri="{FF2B5EF4-FFF2-40B4-BE49-F238E27FC236}">
-                  <a16:creationId xmlns:a16="http://schemas.microsoft.com/office/drawing/2014/main" id="{DF6C8BF8-80F5-46A7-BCD3-3E833D60699C}"/>
-                </a:ext>
-              </a:extLst>
-            </p:cNvPr>
-            <p:cNvGrpSpPr/>
-            <p:nvPr/>
-          </p:nvGrpSpPr>
-          <p:grpSpPr>
-            <a:xfrm>
-              <a:off x="8504622" y="4134675"/>
-              <a:ext cx="1546662" cy="1164569"/>
-              <a:chOff x="3706825" y="4839419"/>
-              <a:chExt cx="1546662" cy="1164569"/>
-            </a:xfrm>
-          </p:grpSpPr>
-          <p:pic>
-            <p:nvPicPr>
-              <p:cNvPr id="103" name="Picture 102">
-                <a:extLst>
-                  <a:ext uri="{FF2B5EF4-FFF2-40B4-BE49-F238E27FC236}">
-                    <a16:creationId xmlns:a16="http://schemas.microsoft.com/office/drawing/2014/main" id="{84D7E7D6-2F5E-45B3-87C0-30CC904C72A6}"/>
-                  </a:ext>
-                </a:extLst>
-              </p:cNvPr>
-              <p:cNvPicPr>
-                <a:picLocks noChangeAspect="1"/>
-              </p:cNvPicPr>
-              <p:nvPr/>
-            </p:nvPicPr>
-            <p:blipFill>
-              <a:blip r:embed="rId6"/>
-              <a:stretch>
-                <a:fillRect/>
-              </a:stretch>
-            </p:blipFill>
-            <p:spPr>
-              <a:xfrm>
-                <a:off x="4067006" y="4839419"/>
-                <a:ext cx="826300" cy="645094"/>
-              </a:xfrm>
-              <a:prstGeom prst="rect">
-                <a:avLst/>
-              </a:prstGeom>
-            </p:spPr>
-          </p:pic>
-          <p:sp>
-            <p:nvSpPr>
-              <p:cNvPr id="108" name="Rectangle 107">
-                <a:extLst>
-                  <a:ext uri="{FF2B5EF4-FFF2-40B4-BE49-F238E27FC236}">
-                    <a16:creationId xmlns:a16="http://schemas.microsoft.com/office/drawing/2014/main" id="{806D4719-98F1-49AD-8577-723C4A0A837F}"/>
-                  </a:ext>
-                </a:extLst>
-              </p:cNvPr>
-              <p:cNvSpPr/>
-              <p:nvPr/>
-            </p:nvSpPr>
-            <p:spPr>
-              <a:xfrm rot="5400000">
-                <a:off x="4261355" y="5011856"/>
-                <a:ext cx="437602" cy="1546662"/>
-              </a:xfrm>
-              <a:prstGeom prst="rect">
-                <a:avLst/>
-              </a:prstGeom>
-              <a:noFill/>
-              <a:ln w="19050">
-                <a:noFill/>
-              </a:ln>
-            </p:spPr>
-            <p:style>
-              <a:lnRef idx="2">
-                <a:schemeClr val="accent2"/>
-              </a:lnRef>
-              <a:fillRef idx="1">
-                <a:schemeClr val="lt1"/>
-              </a:fillRef>
-              <a:effectRef idx="0">
-                <a:schemeClr val="accent2"/>
-              </a:effectRef>
-              <a:fontRef idx="minor">
-                <a:schemeClr val="dk1"/>
-              </a:fontRef>
-            </p:style>
-            <p:txBody>
-              <a:bodyPr vert="vert270" rtlCol="0" anchor="t"/>
-              <a:lstStyle/>
-              <a:p>
-                <a:pPr algn="ctr"/>
-                <a:r>
-                  <a:rPr lang="en-US" sz="1200" b="1" dirty="0">
-                    <a:solidFill>
-                      <a:srgbClr val="080808"/>
-                    </a:solidFill>
-                    <a:latin typeface="Segoe UI (Body)"/>
-                    <a:cs typeface="Tahoma"/>
-                  </a:rPr>
-                  <a:t>Scale In</a:t>
-                </a:r>
-                <a:endParaRPr lang="en-BE" sz="1200" b="1" dirty="0" err="1">
-                  <a:solidFill>
-                    <a:srgbClr val="080808"/>
-                  </a:solidFill>
-                  <a:latin typeface="Segoe UI (Body)"/>
-                  <a:cs typeface="Tahoma"/>
-                </a:endParaRPr>
-              </a:p>
-            </p:txBody>
-          </p:sp>
-        </p:grpSp>
-        <p:cxnSp>
-          <p:nvCxnSpPr>
-            <p:cNvPr id="111" name="Connector: Elbow 110">
-              <a:extLst>
-                <a:ext uri="{FF2B5EF4-FFF2-40B4-BE49-F238E27FC236}">
-                  <a16:creationId xmlns:a16="http://schemas.microsoft.com/office/drawing/2014/main" id="{A7C30A02-B126-4BA1-AF0D-B100A74FE28A}"/>
-                </a:ext>
-              </a:extLst>
-            </p:cNvPr>
-            <p:cNvCxnSpPr>
-              <a:cxnSpLocks/>
-              <a:stCxn id="62" idx="3"/>
-              <a:endCxn id="103" idx="1"/>
-            </p:cNvCxnSpPr>
-            <p:nvPr/>
-          </p:nvCxnSpPr>
-          <p:spPr>
-            <a:xfrm>
-              <a:off x="7728521" y="4457222"/>
-              <a:ext cx="1136282" cy="0"/>
-            </a:xfrm>
-            <a:prstGeom prst="straightConnector1">
-              <a:avLst/>
-            </a:prstGeom>
-            <a:ln w="19050">
-              <a:solidFill>
-                <a:schemeClr val="accent5"/>
-              </a:solidFill>
-              <a:prstDash val="solid"/>
-              <a:tailEnd type="triangle"/>
-            </a:ln>
-          </p:spPr>
-          <p:style>
-            <a:lnRef idx="1">
-              <a:schemeClr val="accent3"/>
-            </a:lnRef>
-            <a:fillRef idx="0">
-              <a:schemeClr val="accent3"/>
-            </a:fillRef>
-            <a:effectRef idx="0">
-              <a:schemeClr val="accent3"/>
-            </a:effectRef>
-            <a:fontRef idx="minor">
-              <a:schemeClr val="tx1"/>
-            </a:fontRef>
-          </p:style>
-        </p:cxnSp>
-        <p:cxnSp>
-          <p:nvCxnSpPr>
-            <p:cNvPr id="112" name="Connector: Elbow 110">
-              <a:extLst>
-                <a:ext uri="{FF2B5EF4-FFF2-40B4-BE49-F238E27FC236}">
-                  <a16:creationId xmlns:a16="http://schemas.microsoft.com/office/drawing/2014/main" id="{59C30902-3835-43DF-B681-95A5128C802D}"/>
-                </a:ext>
-              </a:extLst>
-            </p:cNvPr>
-            <p:cNvCxnSpPr>
-              <a:cxnSpLocks/>
-              <a:endCxn id="100" idx="3"/>
-            </p:cNvCxnSpPr>
-            <p:nvPr/>
-          </p:nvCxnSpPr>
-          <p:spPr>
-            <a:xfrm flipH="1">
-              <a:off x="3468332" y="4457222"/>
-              <a:ext cx="1133512" cy="0"/>
-            </a:xfrm>
-            <a:prstGeom prst="straightConnector1">
-              <a:avLst/>
-            </a:prstGeom>
-            <a:ln w="19050">
-              <a:solidFill>
-                <a:schemeClr val="accent5"/>
-              </a:solidFill>
-              <a:prstDash val="solid"/>
-              <a:tailEnd type="triangle"/>
-            </a:ln>
-          </p:spPr>
-          <p:style>
-            <a:lnRef idx="1">
-              <a:schemeClr val="accent3"/>
-            </a:lnRef>
-            <a:fillRef idx="0">
-              <a:schemeClr val="accent3"/>
-            </a:fillRef>
-            <a:effectRef idx="0">
-              <a:schemeClr val="accent3"/>
-            </a:effectRef>
-            <a:fontRef idx="minor">
-              <a:schemeClr val="tx1"/>
-            </a:fontRef>
-          </p:style>
-        </p:cxnSp>
-        <p:pic>
-          <p:nvPicPr>
-            <p:cNvPr id="93" name="Picture 92">
-              <a:extLst>
-                <a:ext uri="{FF2B5EF4-FFF2-40B4-BE49-F238E27FC236}">
-                  <a16:creationId xmlns:a16="http://schemas.microsoft.com/office/drawing/2014/main" id="{EB8C1937-E4A0-4EF6-BC40-3BD994591070}"/>
-                </a:ext>
-              </a:extLst>
-            </p:cNvPr>
-            <p:cNvPicPr>
-              <a:picLocks noChangeAspect="1"/>
-            </p:cNvPicPr>
-            <p:nvPr/>
-          </p:nvPicPr>
-          <p:blipFill>
-            <a:blip r:embed="rId8"/>
-            <a:stretch>
-              <a:fillRect/>
-            </a:stretch>
-          </p:blipFill>
-          <p:spPr>
-            <a:xfrm>
-              <a:off x="2763228" y="5332245"/>
-              <a:ext cx="583908" cy="497676"/>
-            </a:xfrm>
-            <a:prstGeom prst="rect">
-              <a:avLst/>
-            </a:prstGeom>
-          </p:spPr>
-        </p:pic>
-        <p:sp>
-          <p:nvSpPr>
-            <p:cNvPr id="188" name="Rectangle 187">
-              <a:extLst>
-                <a:ext uri="{FF2B5EF4-FFF2-40B4-BE49-F238E27FC236}">
-                  <a16:creationId xmlns:a16="http://schemas.microsoft.com/office/drawing/2014/main" id="{846F9722-6605-43DF-848B-998099F44944}"/>
-                </a:ext>
-              </a:extLst>
-            </p:cNvPr>
-            <p:cNvSpPr/>
-            <p:nvPr/>
-          </p:nvSpPr>
-          <p:spPr>
-            <a:xfrm rot="5400000">
-              <a:off x="2836381" y="5159563"/>
-              <a:ext cx="437602" cy="1814968"/>
-            </a:xfrm>
-            <a:prstGeom prst="rect">
-              <a:avLst/>
-            </a:prstGeom>
-            <a:noFill/>
-            <a:ln w="19050">
-              <a:noFill/>
-            </a:ln>
-          </p:spPr>
-          <p:style>
-            <a:lnRef idx="2">
-              <a:schemeClr val="accent2"/>
-            </a:lnRef>
-            <a:fillRef idx="1">
-              <a:schemeClr val="lt1"/>
-            </a:fillRef>
-            <a:effectRef idx="0">
-              <a:schemeClr val="accent2"/>
-            </a:effectRef>
-            <a:fontRef idx="minor">
-              <a:schemeClr val="dk1"/>
-            </a:fontRef>
-          </p:style>
-          <p:txBody>
-            <a:bodyPr vert="vert270" rtlCol="0" anchor="ctr"/>
-            <a:lstStyle/>
-            <a:p>
-              <a:pPr algn="ctr"/>
-              <a:r>
-                <a:rPr lang="en-US" sz="1200" dirty="0">
-                  <a:solidFill>
-                    <a:srgbClr val="080808"/>
-                  </a:solidFill>
-                  <a:latin typeface="Segoe UI (Body)"/>
-                  <a:cs typeface="Tahoma"/>
-                </a:rPr>
-                <a:t>Deployment Template</a:t>
-              </a:r>
-              <a:br>
-                <a:rPr lang="en-US" sz="1200" dirty="0">
-                  <a:solidFill>
-                    <a:srgbClr val="080808"/>
-                  </a:solidFill>
-                  <a:latin typeface="Segoe UI (Body)"/>
-                  <a:cs typeface="Tahoma"/>
-                </a:rPr>
-              </a:br>
-              <a:r>
-                <a:rPr lang="en-US" sz="1200" dirty="0">
-                  <a:solidFill>
-                    <a:srgbClr val="080808"/>
-                  </a:solidFill>
-                  <a:latin typeface="Segoe UI (Body)"/>
-                  <a:cs typeface="Tahoma"/>
-                </a:rPr>
-                <a:t>Catalog</a:t>
-              </a:r>
-              <a:endParaRPr lang="en-BE" sz="1200" dirty="0" err="1">
-                <a:solidFill>
-                  <a:srgbClr val="080808"/>
-                </a:solidFill>
-                <a:latin typeface="Segoe UI (Body)"/>
-                <a:cs typeface="Tahoma"/>
-              </a:endParaRPr>
-            </a:p>
-          </p:txBody>
-        </p:sp>
-      </p:grpSp>
-      <p:cxnSp>
-        <p:nvCxnSpPr>
-          <p:cNvPr id="162" name="Connector: Elbow 161">
-            <a:extLst>
-              <a:ext uri="{FF2B5EF4-FFF2-40B4-BE49-F238E27FC236}">
-                <a16:creationId xmlns:a16="http://schemas.microsoft.com/office/drawing/2014/main" id="{7C04F6AB-144B-4DD6-8608-33AD2C170864}"/>
-              </a:ext>
-            </a:extLst>
-          </p:cNvPr>
-          <p:cNvCxnSpPr>
-            <a:cxnSpLocks/>
-            <a:stCxn id="136" idx="2"/>
-            <a:endCxn id="22" idx="0"/>
-          </p:cNvCxnSpPr>
-          <p:nvPr/>
-        </p:nvCxnSpPr>
-        <p:spPr>
-          <a:xfrm rot="5400000">
-            <a:off x="5154258" y="2063527"/>
-            <a:ext cx="802475" cy="1081001"/>
-          </a:xfrm>
-          <a:prstGeom prst="bentConnector3">
-            <a:avLst>
-              <a:gd name="adj1" fmla="val 50000"/>
-            </a:avLst>
-          </a:prstGeom>
-          <a:ln w="19050">
-            <a:solidFill>
-              <a:schemeClr val="accent5"/>
-            </a:solidFill>
-            <a:prstDash val="sysDot"/>
-            <a:tailEnd type="triangle"/>
-          </a:ln>
-        </p:spPr>
-        <p:style>
-          <a:lnRef idx="1">
-            <a:schemeClr val="accent3"/>
-          </a:lnRef>
-          <a:fillRef idx="0">
-            <a:schemeClr val="accent3"/>
-          </a:fillRef>
-          <a:effectRef idx="0">
-            <a:schemeClr val="accent3"/>
-          </a:effectRef>
-          <a:fontRef idx="minor">
-            <a:schemeClr val="tx1"/>
-          </a:fontRef>
-        </p:style>
-      </p:cxnSp>
-      <p:cxnSp>
-        <p:nvCxnSpPr>
-          <p:cNvPr id="168" name="Connector: Elbow 167">
-            <a:extLst>
-              <a:ext uri="{FF2B5EF4-FFF2-40B4-BE49-F238E27FC236}">
-                <a16:creationId xmlns:a16="http://schemas.microsoft.com/office/drawing/2014/main" id="{D2A783FA-776D-4C77-B939-62EE2DFAF96E}"/>
-              </a:ext>
-            </a:extLst>
-          </p:cNvPr>
-          <p:cNvCxnSpPr>
-            <a:cxnSpLocks/>
-            <a:stCxn id="136" idx="2"/>
-            <a:endCxn id="38" idx="0"/>
-          </p:cNvCxnSpPr>
-          <p:nvPr/>
-        </p:nvCxnSpPr>
-        <p:spPr>
-          <a:xfrm rot="16200000" flipH="1">
-            <a:off x="6311984" y="1986801"/>
-            <a:ext cx="787398" cy="1219376"/>
-          </a:xfrm>
-          <a:prstGeom prst="bentConnector3">
-            <a:avLst>
-              <a:gd name="adj1" fmla="val 50000"/>
-            </a:avLst>
-          </a:prstGeom>
-          <a:ln w="19050">
-            <a:solidFill>
-              <a:schemeClr val="accent5"/>
-            </a:solidFill>
-            <a:prstDash val="sysDot"/>
-            <a:tailEnd type="triangle"/>
-          </a:ln>
-        </p:spPr>
-        <p:style>
-          <a:lnRef idx="1">
-            <a:schemeClr val="accent3"/>
-          </a:lnRef>
-          <a:fillRef idx="0">
-            <a:schemeClr val="accent3"/>
-          </a:fillRef>
-          <a:effectRef idx="0">
-            <a:schemeClr val="accent3"/>
-          </a:effectRef>
-          <a:fontRef idx="minor">
-            <a:schemeClr val="tx1"/>
-          </a:fontRef>
-        </p:style>
-      </p:cxnSp>
-      <p:cxnSp>
-        <p:nvCxnSpPr>
-          <p:cNvPr id="171" name="Connector: Elbow 110">
-            <a:extLst>
-              <a:ext uri="{FF2B5EF4-FFF2-40B4-BE49-F238E27FC236}">
-                <a16:creationId xmlns:a16="http://schemas.microsoft.com/office/drawing/2014/main" id="{94D0376E-6CB6-4018-901B-8629035D7989}"/>
-              </a:ext>
-            </a:extLst>
-          </p:cNvPr>
-          <p:cNvCxnSpPr>
-            <a:cxnSpLocks/>
-            <a:stCxn id="38" idx="2"/>
-            <a:endCxn id="62" idx="0"/>
-          </p:cNvCxnSpPr>
-          <p:nvPr/>
-        </p:nvCxnSpPr>
-        <p:spPr>
-          <a:xfrm>
-            <a:off x="7315371" y="3428872"/>
-            <a:ext cx="0" cy="1029955"/>
-          </a:xfrm>
-          <a:prstGeom prst="straightConnector1">
-            <a:avLst/>
-          </a:prstGeom>
-          <a:ln w="19050">
-            <a:solidFill>
-              <a:schemeClr val="accent5"/>
-            </a:solidFill>
-            <a:prstDash val="solid"/>
-            <a:tailEnd type="triangle"/>
-          </a:ln>
-        </p:spPr>
-        <p:style>
-          <a:lnRef idx="1">
-            <a:schemeClr val="accent3"/>
-          </a:lnRef>
-          <a:fillRef idx="0">
-            <a:schemeClr val="accent3"/>
-          </a:fillRef>
-          <a:effectRef idx="0">
-            <a:schemeClr val="accent3"/>
-          </a:effectRef>
-          <a:fontRef idx="minor">
-            <a:schemeClr val="tx1"/>
-          </a:fontRef>
-        </p:style>
-      </p:cxnSp>
-      <p:cxnSp>
-        <p:nvCxnSpPr>
-          <p:cNvPr id="174" name="Connector: Elbow 110">
-            <a:extLst>
-              <a:ext uri="{FF2B5EF4-FFF2-40B4-BE49-F238E27FC236}">
-                <a16:creationId xmlns:a16="http://schemas.microsoft.com/office/drawing/2014/main" id="{10EA3EB8-3DF6-4A86-956B-C27E2CB6338A}"/>
-              </a:ext>
-            </a:extLst>
-          </p:cNvPr>
-          <p:cNvCxnSpPr>
-            <a:cxnSpLocks/>
-            <a:stCxn id="22" idx="2"/>
-            <a:endCxn id="11" idx="0"/>
-          </p:cNvCxnSpPr>
-          <p:nvPr/>
-        </p:nvCxnSpPr>
-        <p:spPr>
-          <a:xfrm>
-            <a:off x="5014994" y="3443949"/>
-            <a:ext cx="0" cy="1014878"/>
-          </a:xfrm>
-          <a:prstGeom prst="straightConnector1">
-            <a:avLst/>
-          </a:prstGeom>
-          <a:ln w="19050">
-            <a:solidFill>
-              <a:schemeClr val="accent5"/>
-            </a:solidFill>
-            <a:prstDash val="solid"/>
-            <a:tailEnd type="triangle"/>
-          </a:ln>
-        </p:spPr>
-        <p:style>
-          <a:lnRef idx="1">
-            <a:schemeClr val="accent3"/>
-          </a:lnRef>
-          <a:fillRef idx="0">
-            <a:schemeClr val="accent3"/>
-          </a:fillRef>
-          <a:effectRef idx="0">
-            <a:schemeClr val="accent3"/>
-          </a:effectRef>
-          <a:fontRef idx="minor">
-            <a:schemeClr val="tx1"/>
-          </a:fontRef>
-        </p:style>
-      </p:cxnSp>
-      <p:cxnSp>
-        <p:nvCxnSpPr>
-          <p:cNvPr id="119" name="Connector: Elbow 110">
-            <a:extLst>
-              <a:ext uri="{FF2B5EF4-FFF2-40B4-BE49-F238E27FC236}">
-                <a16:creationId xmlns:a16="http://schemas.microsoft.com/office/drawing/2014/main" id="{0C30A895-D198-4F9C-88DD-F3CC45D71CB4}"/>
-              </a:ext>
-            </a:extLst>
-          </p:cNvPr>
-          <p:cNvCxnSpPr>
-            <a:cxnSpLocks/>
-            <a:stCxn id="103" idx="3"/>
-            <a:endCxn id="13" idx="3"/>
-          </p:cNvCxnSpPr>
-          <p:nvPr/>
-        </p:nvCxnSpPr>
-        <p:spPr>
-          <a:xfrm flipV="1">
-            <a:off x="9691103" y="1323915"/>
-            <a:ext cx="838874" cy="3457459"/>
-          </a:xfrm>
-          <a:prstGeom prst="bentConnector3">
-            <a:avLst>
-              <a:gd name="adj1" fmla="val 144283"/>
-            </a:avLst>
-          </a:prstGeom>
-          <a:ln w="19050">
-            <a:solidFill>
-              <a:schemeClr val="accent5"/>
-            </a:solidFill>
-            <a:prstDash val="solid"/>
-            <a:tailEnd type="triangle"/>
-          </a:ln>
-        </p:spPr>
-        <p:style>
-          <a:lnRef idx="1">
-            <a:schemeClr val="accent3"/>
-          </a:lnRef>
-          <a:fillRef idx="0">
-            <a:schemeClr val="accent3"/>
-          </a:fillRef>
-          <a:effectRef idx="0">
-            <a:schemeClr val="accent3"/>
-          </a:effectRef>
-          <a:fontRef idx="minor">
-            <a:schemeClr val="tx1"/>
-          </a:fontRef>
-        </p:style>
-      </p:cxnSp>
-      <p:cxnSp>
-        <p:nvCxnSpPr>
-          <p:cNvPr id="122" name="Connector: Elbow 110">
-            <a:extLst>
-              <a:ext uri="{FF2B5EF4-FFF2-40B4-BE49-F238E27FC236}">
-                <a16:creationId xmlns:a16="http://schemas.microsoft.com/office/drawing/2014/main" id="{F61CBF00-2D4A-4B8E-95F0-054C3C7ACC63}"/>
-              </a:ext>
-            </a:extLst>
-          </p:cNvPr>
-          <p:cNvCxnSpPr>
-            <a:cxnSpLocks/>
-            <a:stCxn id="100" idx="1"/>
-            <a:endCxn id="201" idx="3"/>
-          </p:cNvCxnSpPr>
-          <p:nvPr/>
-        </p:nvCxnSpPr>
-        <p:spPr>
-          <a:xfrm rot="10800000">
-            <a:off x="773248" y="3482080"/>
-            <a:ext cx="1868784" cy="1299294"/>
-          </a:xfrm>
-          <a:prstGeom prst="bentConnector2">
-            <a:avLst/>
-          </a:prstGeom>
-          <a:ln w="19050">
-            <a:solidFill>
-              <a:schemeClr val="accent5"/>
-            </a:solidFill>
-            <a:prstDash val="solid"/>
-            <a:tailEnd type="triangle"/>
-          </a:ln>
-        </p:spPr>
-        <p:style>
-          <a:lnRef idx="1">
-            <a:schemeClr val="accent3"/>
-          </a:lnRef>
-          <a:fillRef idx="0">
-            <a:schemeClr val="accent3"/>
-          </a:fillRef>
-          <a:effectRef idx="0">
-            <a:schemeClr val="accent3"/>
-          </a:effectRef>
-          <a:fontRef idx="minor">
-            <a:schemeClr val="tx1"/>
-          </a:fontRef>
-        </p:style>
-      </p:cxnSp>
-      <p:cxnSp>
-        <p:nvCxnSpPr>
-          <p:cNvPr id="130" name="Connector: Elbow 129">
-            <a:extLst>
-              <a:ext uri="{FF2B5EF4-FFF2-40B4-BE49-F238E27FC236}">
-                <a16:creationId xmlns:a16="http://schemas.microsoft.com/office/drawing/2014/main" id="{1F24883C-9F99-43FE-AF1F-BBBC4D237694}"/>
-              </a:ext>
-            </a:extLst>
-          </p:cNvPr>
-          <p:cNvCxnSpPr>
-            <a:cxnSpLocks/>
-            <a:endCxn id="93" idx="1"/>
-          </p:cNvCxnSpPr>
-          <p:nvPr/>
-        </p:nvCxnSpPr>
-        <p:spPr>
-          <a:xfrm rot="16200000" flipH="1">
-            <a:off x="476538" y="3618544"/>
-            <a:ext cx="2461773" cy="2111608"/>
-          </a:xfrm>
-          <a:prstGeom prst="bentConnector2">
-            <a:avLst/>
-          </a:prstGeom>
-          <a:ln w="19050">
-            <a:solidFill>
-              <a:schemeClr val="accent5"/>
-            </a:solidFill>
-            <a:prstDash val="sysDot"/>
-            <a:tailEnd type="triangle"/>
-          </a:ln>
-        </p:spPr>
-        <p:style>
-          <a:lnRef idx="1">
-            <a:schemeClr val="accent3"/>
-          </a:lnRef>
-          <a:fillRef idx="0">
-            <a:schemeClr val="accent3"/>
-          </a:fillRef>
-          <a:effectRef idx="0">
-            <a:schemeClr val="accent3"/>
-          </a:effectRef>
-          <a:fontRef idx="minor">
-            <a:schemeClr val="tx1"/>
-          </a:fontRef>
-        </p:style>
-      </p:cxnSp>
-      <p:sp>
-        <p:nvSpPr>
-          <p:cNvPr id="201" name="Rectangle 200">
-            <a:extLst>
-              <a:ext uri="{FF2B5EF4-FFF2-40B4-BE49-F238E27FC236}">
-                <a16:creationId xmlns:a16="http://schemas.microsoft.com/office/drawing/2014/main" id="{87071062-6E4A-43C3-9B23-830C66D48280}"/>
-              </a:ext>
-            </a:extLst>
-          </p:cNvPr>
-          <p:cNvSpPr/>
-          <p:nvPr/>
-        </p:nvSpPr>
-        <p:spPr>
-          <a:xfrm rot="5400000">
-            <a:off x="554447" y="2355795"/>
-            <a:ext cx="437602" cy="1814968"/>
-          </a:xfrm>
-          <a:prstGeom prst="rect">
-            <a:avLst/>
-          </a:prstGeom>
-          <a:noFill/>
-          <a:ln w="19050">
-            <a:noFill/>
-          </a:ln>
-        </p:spPr>
-        <p:style>
-          <a:lnRef idx="2">
-            <a:schemeClr val="accent2"/>
-          </a:lnRef>
-          <a:fillRef idx="1">
-            <a:schemeClr val="lt1"/>
-          </a:fillRef>
-          <a:effectRef idx="0">
-            <a:schemeClr val="accent2"/>
-          </a:effectRef>
-          <a:fontRef idx="minor">
-            <a:schemeClr val="dk1"/>
-          </a:fontRef>
-        </p:style>
-        <p:txBody>
-          <a:bodyPr vert="vert270" rtlCol="0" anchor="ctr"/>
-          <a:lstStyle/>
-          <a:p>
-            <a:pPr algn="ctr"/>
-            <a:r>
-              <a:rPr lang="en-US" sz="1200" dirty="0">
-                <a:solidFill>
-                  <a:srgbClr val="080808"/>
-                </a:solidFill>
-                <a:latin typeface="Segoe UI (Body)"/>
-                <a:cs typeface="Tahoma"/>
-              </a:rPr>
-              <a:t>Deploy Instance</a:t>
-            </a:r>
-            <a:endParaRPr lang="en-BE" sz="1200" dirty="0" err="1">
-              <a:solidFill>
-                <a:srgbClr val="080808"/>
-              </a:solidFill>
-              <a:latin typeface="Segoe UI (Body)"/>
-              <a:cs typeface="Tahoma"/>
-            </a:endParaRPr>
-          </a:p>
-        </p:txBody>
-      </p:sp>
-      <p:grpSp>
-        <p:nvGrpSpPr>
-          <p:cNvPr id="33" name="Group 32">
-            <a:extLst>
-              <a:ext uri="{FF2B5EF4-FFF2-40B4-BE49-F238E27FC236}">
-                <a16:creationId xmlns:a16="http://schemas.microsoft.com/office/drawing/2014/main" id="{6C6E3BC0-4B1F-4F6C-AC68-75592248D943}"/>
-              </a:ext>
-            </a:extLst>
-          </p:cNvPr>
-          <p:cNvGrpSpPr/>
-          <p:nvPr/>
-        </p:nvGrpSpPr>
-        <p:grpSpPr>
-          <a:xfrm>
-            <a:off x="1662022" y="347115"/>
-            <a:ext cx="8867955" cy="1953599"/>
-            <a:chOff x="1662022" y="347115"/>
-            <a:chExt cx="8867955" cy="1953599"/>
-          </a:xfrm>
-        </p:grpSpPr>
         <p:sp>
           <p:nvSpPr>
             <p:cNvPr id="13" name="Rectangle 12">
@@ -27263,8 +25830,8 @@
           </p:nvSpPr>
           <p:spPr>
             <a:xfrm>
-              <a:off x="1662022" y="347115"/>
-              <a:ext cx="8867955" cy="1953599"/>
+              <a:off x="1555629" y="347115"/>
+              <a:ext cx="9080742" cy="1839683"/>
             </a:xfrm>
             <a:prstGeom prst="rect">
               <a:avLst/>
@@ -27339,7 +25906,7 @@
               <p:nvPr/>
             </p:nvPicPr>
             <p:blipFill>
-              <a:blip r:embed="rId9"/>
+              <a:blip r:embed="rId3"/>
               <a:stretch>
                 <a:fillRect/>
               </a:stretch>
@@ -27369,7 +25936,7 @@
               <p:nvPr/>
             </p:nvPicPr>
             <p:blipFill>
-              <a:blip r:embed="rId9"/>
+              <a:blip r:embed="rId3"/>
               <a:stretch>
                 <a:fillRect/>
               </a:stretch>
@@ -27399,7 +25966,7 @@
               <p:nvPr/>
             </p:nvPicPr>
             <p:blipFill>
-              <a:blip r:embed="rId9"/>
+              <a:blip r:embed="rId3"/>
               <a:stretch>
                 <a:fillRect/>
               </a:stretch>
@@ -27429,7 +25996,7 @@
               <p:nvPr/>
             </p:nvPicPr>
             <p:blipFill>
-              <a:blip r:embed="rId9"/>
+              <a:blip r:embed="rId3"/>
               <a:stretch>
                 <a:fillRect/>
               </a:stretch>
@@ -27524,14 +26091,14 @@
             <p:nvPr/>
           </p:nvPicPr>
           <p:blipFill>
-            <a:blip r:embed="rId10"/>
+            <a:blip r:embed="rId4"/>
             <a:stretch>
               <a:fillRect/>
             </a:stretch>
           </p:blipFill>
           <p:spPr>
             <a:xfrm>
-              <a:off x="5872663" y="1756127"/>
+              <a:off x="5872663" y="1628473"/>
               <a:ext cx="446663" cy="446663"/>
             </a:xfrm>
             <a:prstGeom prst="rect">
@@ -27556,8 +26123,8 @@
           </p:nvCxnSpPr>
           <p:spPr>
             <a:xfrm rot="16200000" flipH="1">
-              <a:off x="5428740" y="1484384"/>
-              <a:ext cx="342573" cy="496653"/>
+              <a:off x="5469436" y="1443689"/>
+              <a:ext cx="257558" cy="493030"/>
             </a:xfrm>
             <a:prstGeom prst="bentConnector2">
               <a:avLst/>
@@ -27602,8 +26169,8 @@
           </p:nvCxnSpPr>
           <p:spPr>
             <a:xfrm rot="16200000" flipH="1">
-              <a:off x="4854783" y="1075255"/>
-              <a:ext cx="512110" cy="1475029"/>
+              <a:off x="4918136" y="1011903"/>
+              <a:ext cx="381784" cy="1471408"/>
             </a:xfrm>
             <a:prstGeom prst="bentConnector2">
               <a:avLst/>
@@ -27648,8 +26215,8 @@
           </p:nvCxnSpPr>
           <p:spPr>
             <a:xfrm rot="5400000">
-              <a:off x="6829361" y="1079511"/>
-              <a:ext cx="503599" cy="1475029"/>
+              <a:off x="6886010" y="1016978"/>
+              <a:ext cx="384417" cy="1480913"/>
             </a:xfrm>
             <a:prstGeom prst="bentConnector2">
               <a:avLst/>
@@ -27694,8 +26261,8 @@
           </p:nvCxnSpPr>
           <p:spPr>
             <a:xfrm rot="5400000">
-              <a:off x="6431287" y="1477586"/>
-              <a:ext cx="321370" cy="496652"/>
+              <a:off x="6465259" y="1437730"/>
+              <a:ext cx="247542" cy="502537"/>
             </a:xfrm>
             <a:prstGeom prst="bentConnector2">
               <a:avLst/>
@@ -27738,7 +26305,7 @@
             <p:nvPr/>
           </p:nvPicPr>
           <p:blipFill>
-            <a:blip r:embed="rId11"/>
+            <a:blip r:embed="rId5"/>
             <a:stretch>
               <a:fillRect/>
             </a:stretch>
@@ -27944,10 +26511,10 @@
       </p:grpSp>
       <p:sp>
         <p:nvSpPr>
-          <p:cNvPr id="39" name="Oval 38">
+          <p:cNvPr id="46" name="Oval 45">
             <a:extLst>
               <a:ext uri="{FF2B5EF4-FFF2-40B4-BE49-F238E27FC236}">
-                <a16:creationId xmlns:a16="http://schemas.microsoft.com/office/drawing/2014/main" id="{C2DD5394-0E51-4EA4-9850-C1A444DE83DF}"/>
+                <a16:creationId xmlns:a16="http://schemas.microsoft.com/office/drawing/2014/main" id="{1C46153B-1E86-43AE-890A-B25987E43972}"/>
               </a:ext>
             </a:extLst>
           </p:cNvPr>
@@ -27956,7 +26523,7 @@
         </p:nvSpPr>
         <p:spPr>
           <a:xfrm>
-            <a:off x="6003563" y="3104707"/>
+            <a:off x="988757" y="3495997"/>
             <a:ext cx="202242" cy="194557"/>
           </a:xfrm>
           <a:prstGeom prst="ellipse">
@@ -27990,7 +26557,7 @@
                 </a:solidFill>
                 <a:cs typeface="Tahoma"/>
               </a:rPr>
-              <a:t>1</a:t>
+              <a:t>6</a:t>
             </a:r>
             <a:endParaRPr lang="LID4096" sz="1400" dirty="0" err="1">
               <a:solidFill>
@@ -28001,246 +26568,2529 @@
           </a:p>
         </p:txBody>
       </p:sp>
-      <p:sp>
-        <p:nvSpPr>
-          <p:cNvPr id="43" name="Oval 42">
+      <p:grpSp>
+        <p:nvGrpSpPr>
+          <p:cNvPr id="10" name="Group 9">
             <a:extLst>
               <a:ext uri="{FF2B5EF4-FFF2-40B4-BE49-F238E27FC236}">
-                <a16:creationId xmlns:a16="http://schemas.microsoft.com/office/drawing/2014/main" id="{919D2FB1-190A-4BD5-BEC3-F2B3A3415CAF}"/>
+                <a16:creationId xmlns:a16="http://schemas.microsoft.com/office/drawing/2014/main" id="{85948441-2071-4022-AA84-69BE26FB14FB}"/>
               </a:ext>
             </a:extLst>
           </p:cNvPr>
-          <p:cNvSpPr/>
+          <p:cNvGrpSpPr/>
           <p:nvPr/>
-        </p:nvSpPr>
-        <p:spPr>
-          <a:xfrm>
-            <a:off x="5994873" y="4439989"/>
-            <a:ext cx="202242" cy="194557"/>
-          </a:xfrm>
-          <a:prstGeom prst="ellipse">
-            <a:avLst/>
-          </a:prstGeom>
-          <a:ln w="12700"/>
-        </p:spPr>
-        <p:style>
-          <a:lnRef idx="2">
-            <a:schemeClr val="dk1"/>
-          </a:lnRef>
-          <a:fillRef idx="1">
-            <a:schemeClr val="lt1"/>
-          </a:fillRef>
-          <a:effectRef idx="0">
-            <a:schemeClr val="dk1"/>
-          </a:effectRef>
-          <a:fontRef idx="minor">
-            <a:schemeClr val="dk1"/>
-          </a:fontRef>
-        </p:style>
-        <p:txBody>
-          <a:bodyPr rtlCol="0" anchor="ctr"/>
-          <a:lstStyle/>
-          <a:p>
-            <a:pPr algn="ctr"/>
-            <a:r>
-              <a:rPr lang="en-US" sz="1400" dirty="0">
+        </p:nvGrpSpPr>
+        <p:grpSpPr>
+          <a:xfrm>
+            <a:off x="1555628" y="4286734"/>
+            <a:ext cx="9080744" cy="2401427"/>
+            <a:chOff x="1555628" y="4286734"/>
+            <a:chExt cx="9080744" cy="2401427"/>
+          </a:xfrm>
+        </p:grpSpPr>
+        <p:sp>
+          <p:nvSpPr>
+            <p:cNvPr id="37" name="Rectangle 36">
+              <a:extLst>
+                <a:ext uri="{FF2B5EF4-FFF2-40B4-BE49-F238E27FC236}">
+                  <a16:creationId xmlns:a16="http://schemas.microsoft.com/office/drawing/2014/main" id="{35750910-2495-44F8-A322-D8559608832A}"/>
+                </a:ext>
+              </a:extLst>
+            </p:cNvPr>
+            <p:cNvSpPr/>
+            <p:nvPr/>
+          </p:nvSpPr>
+          <p:spPr>
+            <a:xfrm rot="5400000">
+              <a:off x="5909542" y="39209"/>
+              <a:ext cx="372907" cy="8867957"/>
+            </a:xfrm>
+            <a:prstGeom prst="rect">
+              <a:avLst/>
+            </a:prstGeom>
+            <a:noFill/>
+            <a:ln w="19050">
+              <a:noFill/>
+            </a:ln>
+          </p:spPr>
+          <p:style>
+            <a:lnRef idx="2">
+              <a:schemeClr val="accent2"/>
+            </a:lnRef>
+            <a:fillRef idx="1">
+              <a:schemeClr val="lt1"/>
+            </a:fillRef>
+            <a:effectRef idx="0">
+              <a:schemeClr val="accent2"/>
+            </a:effectRef>
+            <a:fontRef idx="minor">
+              <a:schemeClr val="dk1"/>
+            </a:fontRef>
+          </p:style>
+          <p:txBody>
+            <a:bodyPr vert="vert270" rtlCol="0" anchor="ctr"/>
+            <a:lstStyle/>
+            <a:p>
+              <a:r>
+                <a:rPr lang="en-US" sz="1400" b="1" dirty="0">
+                  <a:solidFill>
+                    <a:srgbClr val="0070C0"/>
+                  </a:solidFill>
+                  <a:latin typeface="Segoe UI (Body)"/>
+                  <a:cs typeface="Tahoma"/>
+                </a:rPr>
+                <a:t>Autoscaling Resource Group</a:t>
+              </a:r>
+              <a:endParaRPr lang="en-BE" sz="1400" b="1" dirty="0" err="1">
+                <a:solidFill>
+                  <a:srgbClr val="0070C0"/>
+                </a:solidFill>
+                <a:latin typeface="Segoe UI (Body)"/>
+                <a:cs typeface="Tahoma"/>
+              </a:endParaRPr>
+            </a:p>
+          </p:txBody>
+        </p:sp>
+        <p:sp>
+          <p:nvSpPr>
+            <p:cNvPr id="4" name="Rectangle 3">
+              <a:extLst>
+                <a:ext uri="{FF2B5EF4-FFF2-40B4-BE49-F238E27FC236}">
+                  <a16:creationId xmlns:a16="http://schemas.microsoft.com/office/drawing/2014/main" id="{CE38808B-6FDA-40E6-AB7C-74B0ADA195CB}"/>
+                </a:ext>
+              </a:extLst>
+            </p:cNvPr>
+            <p:cNvSpPr/>
+            <p:nvPr/>
+          </p:nvSpPr>
+          <p:spPr>
+            <a:xfrm>
+              <a:off x="1555628" y="4680194"/>
+              <a:ext cx="9080744" cy="2007967"/>
+            </a:xfrm>
+            <a:prstGeom prst="rect">
+              <a:avLst/>
+            </a:prstGeom>
+            <a:ln>
+              <a:solidFill>
+                <a:srgbClr val="0070C0"/>
+              </a:solidFill>
+            </a:ln>
+          </p:spPr>
+          <p:style>
+            <a:lnRef idx="2">
+              <a:schemeClr val="accent3"/>
+            </a:lnRef>
+            <a:fillRef idx="1">
+              <a:schemeClr val="lt1"/>
+            </a:fillRef>
+            <a:effectRef idx="0">
+              <a:schemeClr val="accent3"/>
+            </a:effectRef>
+            <a:fontRef idx="minor">
+              <a:schemeClr val="dk1"/>
+            </a:fontRef>
+          </p:style>
+          <p:txBody>
+            <a:bodyPr rtlCol="0" anchor="ctr"/>
+            <a:lstStyle/>
+            <a:p>
+              <a:pPr algn="ctr"/>
+              <a:endParaRPr lang="en-BE" dirty="0" err="1">
+                <a:solidFill>
+                  <a:schemeClr val="bg1"/>
+                </a:solidFill>
+                <a:latin typeface="Tahoma"/>
+                <a:cs typeface="Tahoma"/>
+              </a:endParaRPr>
+            </a:p>
+          </p:txBody>
+        </p:sp>
+        <p:grpSp>
+          <p:nvGrpSpPr>
+            <p:cNvPr id="24" name="Group 23">
+              <a:extLst>
+                <a:ext uri="{FF2B5EF4-FFF2-40B4-BE49-F238E27FC236}">
+                  <a16:creationId xmlns:a16="http://schemas.microsoft.com/office/drawing/2014/main" id="{82B177E6-1275-4035-A10A-A8E42B9C2DD6}"/>
+                </a:ext>
+              </a:extLst>
+            </p:cNvPr>
+            <p:cNvGrpSpPr/>
+            <p:nvPr/>
+          </p:nvGrpSpPr>
+          <p:grpSpPr>
+            <a:xfrm>
+              <a:off x="4241663" y="4926852"/>
+              <a:ext cx="1546662" cy="688943"/>
+              <a:chOff x="4241663" y="4553443"/>
+              <a:chExt cx="1546662" cy="688943"/>
+            </a:xfrm>
+          </p:grpSpPr>
+          <p:pic>
+            <p:nvPicPr>
+              <p:cNvPr id="11" name="Picture 10">
+                <a:extLst>
+                  <a:ext uri="{FF2B5EF4-FFF2-40B4-BE49-F238E27FC236}">
+                    <a16:creationId xmlns:a16="http://schemas.microsoft.com/office/drawing/2014/main" id="{34BFD849-9E2F-40D7-A921-46AB74EA8630}"/>
+                  </a:ext>
+                </a:extLst>
+              </p:cNvPr>
+              <p:cNvPicPr>
+                <a:picLocks noChangeAspect="1"/>
+              </p:cNvPicPr>
+              <p:nvPr/>
+            </p:nvPicPr>
+            <p:blipFill>
+              <a:blip r:embed="rId6"/>
+              <a:stretch>
+                <a:fillRect/>
+              </a:stretch>
+            </p:blipFill>
+            <p:spPr>
+              <a:xfrm>
+                <a:off x="4723038" y="4553443"/>
+                <a:ext cx="583912" cy="455862"/>
+              </a:xfrm>
+              <a:prstGeom prst="rect">
+                <a:avLst/>
+              </a:prstGeom>
+            </p:spPr>
+          </p:pic>
+          <p:sp>
+            <p:nvSpPr>
+              <p:cNvPr id="14" name="Rectangle 13">
+                <a:extLst>
+                  <a:ext uri="{FF2B5EF4-FFF2-40B4-BE49-F238E27FC236}">
+                    <a16:creationId xmlns:a16="http://schemas.microsoft.com/office/drawing/2014/main" id="{679C8248-5E52-4539-AB77-1F838A2A22DE}"/>
+                  </a:ext>
+                </a:extLst>
+              </p:cNvPr>
+              <p:cNvSpPr/>
+              <p:nvPr/>
+            </p:nvSpPr>
+            <p:spPr>
+              <a:xfrm rot="5400000">
+                <a:off x="4898453" y="4352515"/>
+                <a:ext cx="233081" cy="1546662"/>
+              </a:xfrm>
+              <a:prstGeom prst="rect">
+                <a:avLst/>
+              </a:prstGeom>
+              <a:noFill/>
+              <a:ln w="19050">
+                <a:noFill/>
+              </a:ln>
+            </p:spPr>
+            <p:style>
+              <a:lnRef idx="2">
+                <a:schemeClr val="accent2"/>
+              </a:lnRef>
+              <a:fillRef idx="1">
+                <a:schemeClr val="lt1"/>
+              </a:fillRef>
+              <a:effectRef idx="0">
+                <a:schemeClr val="accent2"/>
+              </a:effectRef>
+              <a:fontRef idx="minor">
+                <a:schemeClr val="dk1"/>
+              </a:fontRef>
+            </p:style>
+            <p:txBody>
+              <a:bodyPr vert="vert270" rtlCol="0" anchor="ctr"/>
+              <a:lstStyle/>
+              <a:p>
+                <a:pPr algn="ctr"/>
+                <a:r>
+                  <a:rPr lang="en-US" sz="1050" b="1" dirty="0">
+                    <a:solidFill>
+                      <a:srgbClr val="080808"/>
+                    </a:solidFill>
+                    <a:latin typeface="Segoe UI (Body)"/>
+                    <a:cs typeface="Tahoma"/>
+                  </a:rPr>
+                  <a:t>Scale Controller (Out)</a:t>
+                </a:r>
+                <a:endParaRPr lang="en-BE" sz="1050" b="1" dirty="0" err="1">
+                  <a:solidFill>
+                    <a:srgbClr val="080808"/>
+                  </a:solidFill>
+                  <a:latin typeface="Segoe UI (Body)"/>
+                  <a:cs typeface="Tahoma"/>
+                </a:endParaRPr>
+              </a:p>
+            </p:txBody>
+          </p:sp>
+        </p:grpSp>
+        <p:grpSp>
+          <p:nvGrpSpPr>
+            <p:cNvPr id="29" name="Group 28">
+              <a:extLst>
+                <a:ext uri="{FF2B5EF4-FFF2-40B4-BE49-F238E27FC236}">
+                  <a16:creationId xmlns:a16="http://schemas.microsoft.com/office/drawing/2014/main" id="{E37289CD-0394-4197-8800-433447338F83}"/>
+                </a:ext>
+              </a:extLst>
+            </p:cNvPr>
+            <p:cNvGrpSpPr/>
+            <p:nvPr/>
+          </p:nvGrpSpPr>
+          <p:grpSpPr>
+            <a:xfrm>
+              <a:off x="6542040" y="4926852"/>
+              <a:ext cx="1546662" cy="828770"/>
+              <a:chOff x="6542040" y="4553443"/>
+              <a:chExt cx="1546662" cy="828770"/>
+            </a:xfrm>
+          </p:grpSpPr>
+          <p:pic>
+            <p:nvPicPr>
+              <p:cNvPr id="62" name="Picture 61">
+                <a:extLst>
+                  <a:ext uri="{FF2B5EF4-FFF2-40B4-BE49-F238E27FC236}">
+                    <a16:creationId xmlns:a16="http://schemas.microsoft.com/office/drawing/2014/main" id="{3B05CADA-D53F-4ADC-8E3D-CEF959B51E93}"/>
+                  </a:ext>
+                </a:extLst>
+              </p:cNvPr>
+              <p:cNvPicPr>
+                <a:picLocks noChangeAspect="1"/>
+              </p:cNvPicPr>
+              <p:nvPr/>
+            </p:nvPicPr>
+            <p:blipFill>
+              <a:blip r:embed="rId6"/>
+              <a:stretch>
+                <a:fillRect/>
+              </a:stretch>
+            </p:blipFill>
+            <p:spPr>
+              <a:xfrm>
+                <a:off x="7023415" y="4553443"/>
+                <a:ext cx="583912" cy="455862"/>
+              </a:xfrm>
+              <a:prstGeom prst="rect">
+                <a:avLst/>
+              </a:prstGeom>
+            </p:spPr>
+          </p:pic>
+          <p:sp>
+            <p:nvSpPr>
+              <p:cNvPr id="63" name="Rectangle 62">
+                <a:extLst>
+                  <a:ext uri="{FF2B5EF4-FFF2-40B4-BE49-F238E27FC236}">
+                    <a16:creationId xmlns:a16="http://schemas.microsoft.com/office/drawing/2014/main" id="{28896B78-4D78-4BE0-8091-2D95FAFEFE0D}"/>
+                  </a:ext>
+                </a:extLst>
+              </p:cNvPr>
+              <p:cNvSpPr/>
+              <p:nvPr/>
+            </p:nvSpPr>
+            <p:spPr>
+              <a:xfrm rot="5400000">
+                <a:off x="7096570" y="4390081"/>
+                <a:ext cx="437602" cy="1546662"/>
+              </a:xfrm>
+              <a:prstGeom prst="rect">
+                <a:avLst/>
+              </a:prstGeom>
+              <a:noFill/>
+              <a:ln w="19050">
+                <a:noFill/>
+              </a:ln>
+            </p:spPr>
+            <p:style>
+              <a:lnRef idx="2">
+                <a:schemeClr val="accent2"/>
+              </a:lnRef>
+              <a:fillRef idx="1">
+                <a:schemeClr val="lt1"/>
+              </a:fillRef>
+              <a:effectRef idx="0">
+                <a:schemeClr val="accent2"/>
+              </a:effectRef>
+              <a:fontRef idx="minor">
+                <a:schemeClr val="dk1"/>
+              </a:fontRef>
+            </p:style>
+            <p:txBody>
+              <a:bodyPr vert="vert270" rtlCol="0" anchor="t"/>
+              <a:lstStyle/>
+              <a:p>
+                <a:pPr algn="ctr"/>
+                <a:r>
+                  <a:rPr lang="en-US" sz="1050" b="1" dirty="0">
+                    <a:solidFill>
+                      <a:srgbClr val="080808"/>
+                    </a:solidFill>
+                    <a:latin typeface="Segoe UI (Body)"/>
+                    <a:cs typeface="Tahoma"/>
+                  </a:rPr>
+                  <a:t>Scale Controller (In)</a:t>
+                </a:r>
+                <a:endParaRPr lang="en-BE" sz="1050" b="1" dirty="0" err="1">
+                  <a:solidFill>
+                    <a:srgbClr val="080808"/>
+                  </a:solidFill>
+                  <a:latin typeface="Segoe UI (Body)"/>
+                  <a:cs typeface="Tahoma"/>
+                </a:endParaRPr>
+              </a:p>
+            </p:txBody>
+          </p:sp>
+        </p:grpSp>
+        <p:grpSp>
+          <p:nvGrpSpPr>
+            <p:cNvPr id="50" name="Group 49">
+              <a:extLst>
+                <a:ext uri="{FF2B5EF4-FFF2-40B4-BE49-F238E27FC236}">
+                  <a16:creationId xmlns:a16="http://schemas.microsoft.com/office/drawing/2014/main" id="{613BA51B-D2AA-4450-9AAF-7392522A750F}"/>
+                </a:ext>
+              </a:extLst>
+            </p:cNvPr>
+            <p:cNvGrpSpPr/>
+            <p:nvPr/>
+          </p:nvGrpSpPr>
+          <p:grpSpPr>
+            <a:xfrm>
+              <a:off x="5337121" y="5789221"/>
+              <a:ext cx="1546662" cy="811538"/>
+              <a:chOff x="5358119" y="5578937"/>
+              <a:chExt cx="1546662" cy="811538"/>
+            </a:xfrm>
+          </p:grpSpPr>
+          <p:pic>
+            <p:nvPicPr>
+              <p:cNvPr id="40" name="Picture 39">
+                <a:extLst>
+                  <a:ext uri="{FF2B5EF4-FFF2-40B4-BE49-F238E27FC236}">
+                    <a16:creationId xmlns:a16="http://schemas.microsoft.com/office/drawing/2014/main" id="{C31D04D2-6CEA-4C91-BC78-E46596619B34}"/>
+                  </a:ext>
+                </a:extLst>
+              </p:cNvPr>
+              <p:cNvPicPr>
+                <a:picLocks noChangeAspect="1"/>
+              </p:cNvPicPr>
+              <p:nvPr/>
+            </p:nvPicPr>
+            <p:blipFill>
+              <a:blip r:embed="rId7"/>
+              <a:stretch>
+                <a:fillRect/>
+              </a:stretch>
+            </p:blipFill>
+            <p:spPr>
+              <a:xfrm>
+                <a:off x="5901881" y="5578937"/>
+                <a:ext cx="459138" cy="457200"/>
+              </a:xfrm>
+              <a:prstGeom prst="rect">
+                <a:avLst/>
+              </a:prstGeom>
+            </p:spPr>
+          </p:pic>
+          <p:sp>
+            <p:nvSpPr>
+              <p:cNvPr id="41" name="Rectangle 40">
+                <a:extLst>
+                  <a:ext uri="{FF2B5EF4-FFF2-40B4-BE49-F238E27FC236}">
+                    <a16:creationId xmlns:a16="http://schemas.microsoft.com/office/drawing/2014/main" id="{03C3FEAE-7DB3-4094-83E3-25F81C04CF60}"/>
+                  </a:ext>
+                </a:extLst>
+              </p:cNvPr>
+              <p:cNvSpPr/>
+              <p:nvPr/>
+            </p:nvSpPr>
+            <p:spPr>
+              <a:xfrm rot="5400000">
+                <a:off x="5912649" y="5398343"/>
+                <a:ext cx="437602" cy="1546662"/>
+              </a:xfrm>
+              <a:prstGeom prst="rect">
+                <a:avLst/>
+              </a:prstGeom>
+              <a:noFill/>
+              <a:ln w="19050">
+                <a:noFill/>
+              </a:ln>
+            </p:spPr>
+            <p:style>
+              <a:lnRef idx="2">
+                <a:schemeClr val="accent2"/>
+              </a:lnRef>
+              <a:fillRef idx="1">
+                <a:schemeClr val="lt1"/>
+              </a:fillRef>
+              <a:effectRef idx="0">
+                <a:schemeClr val="accent2"/>
+              </a:effectRef>
+              <a:fontRef idx="minor">
+                <a:schemeClr val="dk1"/>
+              </a:fontRef>
+            </p:style>
+            <p:txBody>
+              <a:bodyPr vert="vert270" rtlCol="0" anchor="ctr"/>
+              <a:lstStyle/>
+              <a:p>
+                <a:pPr algn="ctr"/>
+                <a:r>
+                  <a:rPr lang="en-US" sz="1100" dirty="0">
+                    <a:solidFill>
+                      <a:srgbClr val="080808"/>
+                    </a:solidFill>
+                    <a:latin typeface="Segoe UI (Body)"/>
+                    <a:cs typeface="Tahoma"/>
+                  </a:rPr>
+                  <a:t>Scaling Events</a:t>
+                </a:r>
+                <a:endParaRPr lang="en-BE" sz="1100" dirty="0" err="1">
+                  <a:solidFill>
+                    <a:srgbClr val="080808"/>
+                  </a:solidFill>
+                  <a:latin typeface="Segoe UI (Body)"/>
+                  <a:cs typeface="Tahoma"/>
+                </a:endParaRPr>
+              </a:p>
+            </p:txBody>
+          </p:sp>
+        </p:grpSp>
+        <p:cxnSp>
+          <p:nvCxnSpPr>
+            <p:cNvPr id="49" name="Connector: Elbow 48">
+              <a:extLst>
+                <a:ext uri="{FF2B5EF4-FFF2-40B4-BE49-F238E27FC236}">
+                  <a16:creationId xmlns:a16="http://schemas.microsoft.com/office/drawing/2014/main" id="{0150E758-89EC-47FF-8F30-0415FAF58E86}"/>
+                </a:ext>
+              </a:extLst>
+            </p:cNvPr>
+            <p:cNvCxnSpPr>
+              <a:cxnSpLocks/>
+              <a:stCxn id="11" idx="3"/>
+            </p:cNvCxnSpPr>
+            <p:nvPr/>
+          </p:nvCxnSpPr>
+          <p:spPr>
+            <a:xfrm>
+              <a:off x="5306950" y="5154783"/>
+              <a:ext cx="738047" cy="529394"/>
+            </a:xfrm>
+            <a:prstGeom prst="bentConnector3">
+              <a:avLst>
+                <a:gd name="adj1" fmla="val 100332"/>
+              </a:avLst>
+            </a:prstGeom>
+            <a:ln w="19050">
+              <a:solidFill>
+                <a:schemeClr val="accent5"/>
+              </a:solidFill>
+              <a:prstDash val="sysDot"/>
+              <a:tailEnd type="triangle"/>
+            </a:ln>
+          </p:spPr>
+          <p:style>
+            <a:lnRef idx="1">
+              <a:schemeClr val="accent3"/>
+            </a:lnRef>
+            <a:fillRef idx="0">
+              <a:schemeClr val="accent3"/>
+            </a:fillRef>
+            <a:effectRef idx="0">
+              <a:schemeClr val="accent3"/>
+            </a:effectRef>
+            <a:fontRef idx="minor">
+              <a:schemeClr val="tx1"/>
+            </a:fontRef>
+          </p:style>
+        </p:cxnSp>
+        <p:cxnSp>
+          <p:nvCxnSpPr>
+            <p:cNvPr id="92" name="Connector: Elbow 91">
+              <a:extLst>
+                <a:ext uri="{FF2B5EF4-FFF2-40B4-BE49-F238E27FC236}">
+                  <a16:creationId xmlns:a16="http://schemas.microsoft.com/office/drawing/2014/main" id="{3A2A65DB-5C09-456C-A503-900BE30679B5}"/>
+                </a:ext>
+              </a:extLst>
+            </p:cNvPr>
+            <p:cNvCxnSpPr>
+              <a:cxnSpLocks/>
+              <a:stCxn id="62" idx="1"/>
+            </p:cNvCxnSpPr>
+            <p:nvPr/>
+          </p:nvCxnSpPr>
+          <p:spPr>
+            <a:xfrm rot="10800000" flipV="1">
+              <a:off x="6218205" y="5154783"/>
+              <a:ext cx="805210" cy="529394"/>
+            </a:xfrm>
+            <a:prstGeom prst="bentConnector3">
+              <a:avLst>
+                <a:gd name="adj1" fmla="val 99683"/>
+              </a:avLst>
+            </a:prstGeom>
+            <a:ln w="19050">
+              <a:solidFill>
+                <a:schemeClr val="accent5"/>
+              </a:solidFill>
+              <a:prstDash val="sysDot"/>
+              <a:tailEnd type="triangle"/>
+            </a:ln>
+          </p:spPr>
+          <p:style>
+            <a:lnRef idx="1">
+              <a:schemeClr val="accent3"/>
+            </a:lnRef>
+            <a:fillRef idx="0">
+              <a:schemeClr val="accent3"/>
+            </a:fillRef>
+            <a:effectRef idx="0">
+              <a:schemeClr val="accent3"/>
+            </a:effectRef>
+            <a:fontRef idx="minor">
+              <a:schemeClr val="tx1"/>
+            </a:fontRef>
+          </p:style>
+        </p:cxnSp>
+        <p:grpSp>
+          <p:nvGrpSpPr>
+            <p:cNvPr id="23" name="Group 22">
+              <a:extLst>
+                <a:ext uri="{FF2B5EF4-FFF2-40B4-BE49-F238E27FC236}">
+                  <a16:creationId xmlns:a16="http://schemas.microsoft.com/office/drawing/2014/main" id="{CC4F9785-C271-40BF-BC7F-D1BBE5B25C71}"/>
+                </a:ext>
+              </a:extLst>
+            </p:cNvPr>
+            <p:cNvGrpSpPr/>
+            <p:nvPr/>
+          </p:nvGrpSpPr>
+          <p:grpSpPr>
+            <a:xfrm>
+              <a:off x="2281851" y="4926854"/>
+              <a:ext cx="1546662" cy="846997"/>
+              <a:chOff x="2281851" y="4553445"/>
+              <a:chExt cx="1546662" cy="846997"/>
+            </a:xfrm>
+          </p:grpSpPr>
+          <p:pic>
+            <p:nvPicPr>
+              <p:cNvPr id="100" name="Picture 99">
+                <a:extLst>
+                  <a:ext uri="{FF2B5EF4-FFF2-40B4-BE49-F238E27FC236}">
+                    <a16:creationId xmlns:a16="http://schemas.microsoft.com/office/drawing/2014/main" id="{80340BD3-0E48-4FC3-94E3-454F3B2CFE70}"/>
+                  </a:ext>
+                </a:extLst>
+              </p:cNvPr>
+              <p:cNvPicPr>
+                <a:picLocks noChangeAspect="1"/>
+              </p:cNvPicPr>
+              <p:nvPr/>
+            </p:nvPicPr>
+            <p:blipFill>
+              <a:blip r:embed="rId6"/>
+              <a:stretch>
+                <a:fillRect/>
+              </a:stretch>
+            </p:blipFill>
+            <p:spPr>
+              <a:xfrm>
+                <a:off x="2763228" y="4553445"/>
+                <a:ext cx="583908" cy="455858"/>
+              </a:xfrm>
+              <a:prstGeom prst="rect">
+                <a:avLst/>
+              </a:prstGeom>
+            </p:spPr>
+          </p:pic>
+          <p:sp>
+            <p:nvSpPr>
+              <p:cNvPr id="101" name="Rectangle 100">
+                <a:extLst>
+                  <a:ext uri="{FF2B5EF4-FFF2-40B4-BE49-F238E27FC236}">
+                    <a16:creationId xmlns:a16="http://schemas.microsoft.com/office/drawing/2014/main" id="{8676A514-6DD0-483F-9F5D-3DC6FDBC6C38}"/>
+                  </a:ext>
+                </a:extLst>
+              </p:cNvPr>
+              <p:cNvSpPr/>
+              <p:nvPr/>
+            </p:nvSpPr>
+            <p:spPr>
+              <a:xfrm rot="5400000">
+                <a:off x="2836381" y="4408310"/>
+                <a:ext cx="437602" cy="1546662"/>
+              </a:xfrm>
+              <a:prstGeom prst="rect">
+                <a:avLst/>
+              </a:prstGeom>
+              <a:noFill/>
+              <a:ln w="19050">
+                <a:noFill/>
+              </a:ln>
+            </p:spPr>
+            <p:style>
+              <a:lnRef idx="2">
+                <a:schemeClr val="accent2"/>
+              </a:lnRef>
+              <a:fillRef idx="1">
+                <a:schemeClr val="lt1"/>
+              </a:fillRef>
+              <a:effectRef idx="0">
+                <a:schemeClr val="accent2"/>
+              </a:effectRef>
+              <a:fontRef idx="minor">
+                <a:schemeClr val="dk1"/>
+              </a:fontRef>
+            </p:style>
+            <p:txBody>
+              <a:bodyPr vert="vert270" rtlCol="0" anchor="t"/>
+              <a:lstStyle/>
+              <a:p>
+                <a:pPr algn="ctr"/>
+                <a:r>
+                  <a:rPr lang="en-US" sz="1050" b="1" dirty="0">
+                    <a:solidFill>
+                      <a:srgbClr val="080808"/>
+                    </a:solidFill>
+                    <a:latin typeface="Segoe UI (Body)"/>
+                    <a:cs typeface="Tahoma"/>
+                  </a:rPr>
+                  <a:t>Scale Out</a:t>
+                </a:r>
+                <a:endParaRPr lang="en-BE" sz="1050" b="1" dirty="0" err="1">
+                  <a:solidFill>
+                    <a:srgbClr val="080808"/>
+                  </a:solidFill>
+                  <a:latin typeface="Segoe UI (Body)"/>
+                  <a:cs typeface="Tahoma"/>
+                </a:endParaRPr>
+              </a:p>
+            </p:txBody>
+          </p:sp>
+        </p:grpSp>
+        <p:grpSp>
+          <p:nvGrpSpPr>
+            <p:cNvPr id="28" name="Group 27">
+              <a:extLst>
+                <a:ext uri="{FF2B5EF4-FFF2-40B4-BE49-F238E27FC236}">
+                  <a16:creationId xmlns:a16="http://schemas.microsoft.com/office/drawing/2014/main" id="{A5A02383-B128-4B3E-8B58-9313CABAB90E}"/>
+                </a:ext>
+              </a:extLst>
+            </p:cNvPr>
+            <p:cNvGrpSpPr/>
+            <p:nvPr/>
+          </p:nvGrpSpPr>
+          <p:grpSpPr>
+            <a:xfrm>
+              <a:off x="8504622" y="4926855"/>
+              <a:ext cx="1546662" cy="844242"/>
+              <a:chOff x="8504622" y="4553446"/>
+              <a:chExt cx="1546662" cy="844242"/>
+            </a:xfrm>
+          </p:grpSpPr>
+          <p:pic>
+            <p:nvPicPr>
+              <p:cNvPr id="103" name="Picture 102">
+                <a:extLst>
+                  <a:ext uri="{FF2B5EF4-FFF2-40B4-BE49-F238E27FC236}">
+                    <a16:creationId xmlns:a16="http://schemas.microsoft.com/office/drawing/2014/main" id="{84D7E7D6-2F5E-45B3-87C0-30CC904C72A6}"/>
+                  </a:ext>
+                </a:extLst>
+              </p:cNvPr>
+              <p:cNvPicPr>
+                <a:picLocks noChangeAspect="1"/>
+              </p:cNvPicPr>
+              <p:nvPr/>
+            </p:nvPicPr>
+            <p:blipFill>
+              <a:blip r:embed="rId6"/>
+              <a:stretch>
+                <a:fillRect/>
+              </a:stretch>
+            </p:blipFill>
+            <p:spPr>
+              <a:xfrm>
+                <a:off x="8986000" y="4553446"/>
+                <a:ext cx="583906" cy="455856"/>
+              </a:xfrm>
+              <a:prstGeom prst="rect">
+                <a:avLst/>
+              </a:prstGeom>
+            </p:spPr>
+          </p:pic>
+          <p:sp>
+            <p:nvSpPr>
+              <p:cNvPr id="108" name="Rectangle 107">
+                <a:extLst>
+                  <a:ext uri="{FF2B5EF4-FFF2-40B4-BE49-F238E27FC236}">
+                    <a16:creationId xmlns:a16="http://schemas.microsoft.com/office/drawing/2014/main" id="{806D4719-98F1-49AD-8577-723C4A0A837F}"/>
+                  </a:ext>
+                </a:extLst>
+              </p:cNvPr>
+              <p:cNvSpPr/>
+              <p:nvPr/>
+            </p:nvSpPr>
+            <p:spPr>
+              <a:xfrm rot="5400000">
+                <a:off x="9059152" y="4405556"/>
+                <a:ext cx="437602" cy="1546662"/>
+              </a:xfrm>
+              <a:prstGeom prst="rect">
+                <a:avLst/>
+              </a:prstGeom>
+              <a:noFill/>
+              <a:ln w="19050">
+                <a:noFill/>
+              </a:ln>
+            </p:spPr>
+            <p:style>
+              <a:lnRef idx="2">
+                <a:schemeClr val="accent2"/>
+              </a:lnRef>
+              <a:fillRef idx="1">
+                <a:schemeClr val="lt1"/>
+              </a:fillRef>
+              <a:effectRef idx="0">
+                <a:schemeClr val="accent2"/>
+              </a:effectRef>
+              <a:fontRef idx="minor">
+                <a:schemeClr val="dk1"/>
+              </a:fontRef>
+            </p:style>
+            <p:txBody>
+              <a:bodyPr vert="vert270" rtlCol="0" anchor="t"/>
+              <a:lstStyle/>
+              <a:p>
+                <a:pPr algn="ctr"/>
+                <a:r>
+                  <a:rPr lang="en-US" sz="1050" b="1" dirty="0">
+                    <a:solidFill>
+                      <a:srgbClr val="080808"/>
+                    </a:solidFill>
+                    <a:latin typeface="Segoe UI (Body)"/>
+                    <a:cs typeface="Tahoma"/>
+                  </a:rPr>
+                  <a:t>Scale In</a:t>
+                </a:r>
+                <a:endParaRPr lang="en-BE" sz="1050" b="1" dirty="0" err="1">
+                  <a:solidFill>
+                    <a:srgbClr val="080808"/>
+                  </a:solidFill>
+                  <a:latin typeface="Segoe UI (Body)"/>
+                  <a:cs typeface="Tahoma"/>
+                </a:endParaRPr>
+              </a:p>
+            </p:txBody>
+          </p:sp>
+        </p:grpSp>
+        <p:cxnSp>
+          <p:nvCxnSpPr>
+            <p:cNvPr id="111" name="Connector: Elbow 110">
+              <a:extLst>
+                <a:ext uri="{FF2B5EF4-FFF2-40B4-BE49-F238E27FC236}">
+                  <a16:creationId xmlns:a16="http://schemas.microsoft.com/office/drawing/2014/main" id="{A7C30A02-B126-4BA1-AF0D-B100A74FE28A}"/>
+                </a:ext>
+              </a:extLst>
+            </p:cNvPr>
+            <p:cNvCxnSpPr>
+              <a:cxnSpLocks/>
+              <a:stCxn id="62" idx="3"/>
+              <a:endCxn id="103" idx="1"/>
+            </p:cNvCxnSpPr>
+            <p:nvPr/>
+          </p:nvCxnSpPr>
+          <p:spPr>
+            <a:xfrm>
+              <a:off x="7607327" y="5154783"/>
+              <a:ext cx="1378673" cy="0"/>
+            </a:xfrm>
+            <a:prstGeom prst="straightConnector1">
+              <a:avLst/>
+            </a:prstGeom>
+            <a:ln w="19050">
+              <a:solidFill>
+                <a:schemeClr val="accent5"/>
+              </a:solidFill>
+              <a:prstDash val="solid"/>
+              <a:tailEnd type="triangle"/>
+            </a:ln>
+          </p:spPr>
+          <p:style>
+            <a:lnRef idx="1">
+              <a:schemeClr val="accent3"/>
+            </a:lnRef>
+            <a:fillRef idx="0">
+              <a:schemeClr val="accent3"/>
+            </a:fillRef>
+            <a:effectRef idx="0">
+              <a:schemeClr val="accent3"/>
+            </a:effectRef>
+            <a:fontRef idx="minor">
+              <a:schemeClr val="tx1"/>
+            </a:fontRef>
+          </p:style>
+        </p:cxnSp>
+        <p:cxnSp>
+          <p:nvCxnSpPr>
+            <p:cNvPr id="112" name="Connector: Elbow 110">
+              <a:extLst>
+                <a:ext uri="{FF2B5EF4-FFF2-40B4-BE49-F238E27FC236}">
+                  <a16:creationId xmlns:a16="http://schemas.microsoft.com/office/drawing/2014/main" id="{59C30902-3835-43DF-B681-95A5128C802D}"/>
+                </a:ext>
+              </a:extLst>
+            </p:cNvPr>
+            <p:cNvCxnSpPr>
+              <a:cxnSpLocks/>
+              <a:endCxn id="100" idx="3"/>
+            </p:cNvCxnSpPr>
+            <p:nvPr/>
+          </p:nvCxnSpPr>
+          <p:spPr>
+            <a:xfrm flipH="1">
+              <a:off x="3347136" y="5154783"/>
+              <a:ext cx="1254710" cy="0"/>
+            </a:xfrm>
+            <a:prstGeom prst="straightConnector1">
+              <a:avLst/>
+            </a:prstGeom>
+            <a:ln w="19050">
+              <a:solidFill>
+                <a:schemeClr val="accent5"/>
+              </a:solidFill>
+              <a:prstDash val="solid"/>
+              <a:tailEnd type="triangle"/>
+            </a:ln>
+          </p:spPr>
+          <p:style>
+            <a:lnRef idx="1">
+              <a:schemeClr val="accent3"/>
+            </a:lnRef>
+            <a:fillRef idx="0">
+              <a:schemeClr val="accent3"/>
+            </a:fillRef>
+            <a:effectRef idx="0">
+              <a:schemeClr val="accent3"/>
+            </a:effectRef>
+            <a:fontRef idx="minor">
+              <a:schemeClr val="tx1"/>
+            </a:fontRef>
+          </p:style>
+        </p:cxnSp>
+        <p:grpSp>
+          <p:nvGrpSpPr>
+            <p:cNvPr id="48" name="Group 47">
+              <a:extLst>
+                <a:ext uri="{FF2B5EF4-FFF2-40B4-BE49-F238E27FC236}">
+                  <a16:creationId xmlns:a16="http://schemas.microsoft.com/office/drawing/2014/main" id="{86A55FCC-1B62-47DB-B171-6601EEC301EC}"/>
+                </a:ext>
+              </a:extLst>
+            </p:cNvPr>
+            <p:cNvGrpSpPr/>
+            <p:nvPr/>
+          </p:nvGrpSpPr>
+          <p:grpSpPr>
+            <a:xfrm>
+              <a:off x="2092925" y="5771097"/>
+              <a:ext cx="1814968" cy="865891"/>
+              <a:chOff x="2092925" y="5656397"/>
+              <a:chExt cx="1814968" cy="865891"/>
+            </a:xfrm>
+          </p:grpSpPr>
+          <p:pic>
+            <p:nvPicPr>
+              <p:cNvPr id="93" name="Picture 92">
+                <a:extLst>
+                  <a:ext uri="{FF2B5EF4-FFF2-40B4-BE49-F238E27FC236}">
+                    <a16:creationId xmlns:a16="http://schemas.microsoft.com/office/drawing/2014/main" id="{EB8C1937-E4A0-4EF6-BC40-3BD994591070}"/>
+                  </a:ext>
+                </a:extLst>
+              </p:cNvPr>
+              <p:cNvPicPr>
+                <a:picLocks noChangeAspect="1"/>
+              </p:cNvPicPr>
+              <p:nvPr/>
+            </p:nvPicPr>
+            <p:blipFill>
+              <a:blip r:embed="rId8"/>
+              <a:stretch>
+                <a:fillRect/>
+              </a:stretch>
+            </p:blipFill>
+            <p:spPr>
+              <a:xfrm>
+                <a:off x="2763228" y="5656397"/>
+                <a:ext cx="474362" cy="404308"/>
+              </a:xfrm>
+              <a:prstGeom prst="rect">
+                <a:avLst/>
+              </a:prstGeom>
+            </p:spPr>
+          </p:pic>
+          <p:sp>
+            <p:nvSpPr>
+              <p:cNvPr id="188" name="Rectangle 187">
+                <a:extLst>
+                  <a:ext uri="{FF2B5EF4-FFF2-40B4-BE49-F238E27FC236}">
+                    <a16:creationId xmlns:a16="http://schemas.microsoft.com/office/drawing/2014/main" id="{846F9722-6605-43DF-848B-998099F44944}"/>
+                  </a:ext>
+                </a:extLst>
+              </p:cNvPr>
+              <p:cNvSpPr/>
+              <p:nvPr/>
+            </p:nvSpPr>
+            <p:spPr>
+              <a:xfrm rot="5400000">
+                <a:off x="2781608" y="5396003"/>
+                <a:ext cx="437602" cy="1814968"/>
+              </a:xfrm>
+              <a:prstGeom prst="rect">
+                <a:avLst/>
+              </a:prstGeom>
+              <a:noFill/>
+              <a:ln w="19050">
+                <a:noFill/>
+              </a:ln>
+            </p:spPr>
+            <p:style>
+              <a:lnRef idx="2">
+                <a:schemeClr val="accent2"/>
+              </a:lnRef>
+              <a:fillRef idx="1">
+                <a:schemeClr val="lt1"/>
+              </a:fillRef>
+              <a:effectRef idx="0">
+                <a:schemeClr val="accent2"/>
+              </a:effectRef>
+              <a:fontRef idx="minor">
+                <a:schemeClr val="dk1"/>
+              </a:fontRef>
+            </p:style>
+            <p:txBody>
+              <a:bodyPr vert="vert270" rtlCol="0" anchor="ctr"/>
+              <a:lstStyle/>
+              <a:p>
+                <a:pPr algn="ctr"/>
+                <a:r>
+                  <a:rPr lang="en-US" sz="1100" dirty="0">
+                    <a:solidFill>
+                      <a:srgbClr val="080808"/>
+                    </a:solidFill>
+                    <a:latin typeface="Segoe UI (Body)"/>
+                    <a:cs typeface="Tahoma"/>
+                  </a:rPr>
+                  <a:t>Deployment Template</a:t>
+                </a:r>
+                <a:br>
+                  <a:rPr lang="en-US" sz="1100" dirty="0">
+                    <a:solidFill>
+                      <a:srgbClr val="080808"/>
+                    </a:solidFill>
+                    <a:latin typeface="Segoe UI (Body)"/>
+                    <a:cs typeface="Tahoma"/>
+                  </a:rPr>
+                </a:br>
+                <a:r>
+                  <a:rPr lang="en-US" sz="1100" dirty="0">
+                    <a:solidFill>
+                      <a:srgbClr val="080808"/>
+                    </a:solidFill>
+                    <a:latin typeface="Segoe UI (Body)"/>
+                    <a:cs typeface="Tahoma"/>
+                  </a:rPr>
+                  <a:t>Catalog</a:t>
+                </a:r>
+                <a:endParaRPr lang="en-BE" sz="1100" dirty="0" err="1">
+                  <a:solidFill>
+                    <a:srgbClr val="080808"/>
+                  </a:solidFill>
+                  <a:latin typeface="Segoe UI (Body)"/>
+                  <a:cs typeface="Tahoma"/>
+                </a:endParaRPr>
+              </a:p>
+            </p:txBody>
+          </p:sp>
+        </p:grpSp>
+        <p:sp>
+          <p:nvSpPr>
+            <p:cNvPr id="44" name="Oval 43">
+              <a:extLst>
+                <a:ext uri="{FF2B5EF4-FFF2-40B4-BE49-F238E27FC236}">
+                  <a16:creationId xmlns:a16="http://schemas.microsoft.com/office/drawing/2014/main" id="{52D19C66-EED4-4C79-95C0-1EC3EBBD84A7}"/>
+                </a:ext>
+              </a:extLst>
+            </p:cNvPr>
+            <p:cNvSpPr/>
+            <p:nvPr/>
+          </p:nvSpPr>
+          <p:spPr>
+            <a:xfrm>
+              <a:off x="6000762" y="4887573"/>
+              <a:ext cx="202242" cy="194557"/>
+            </a:xfrm>
+            <a:prstGeom prst="ellipse">
+              <a:avLst/>
+            </a:prstGeom>
+            <a:ln w="12700"/>
+          </p:spPr>
+          <p:style>
+            <a:lnRef idx="2">
+              <a:schemeClr val="dk1"/>
+            </a:lnRef>
+            <a:fillRef idx="1">
+              <a:schemeClr val="lt1"/>
+            </a:fillRef>
+            <a:effectRef idx="0">
+              <a:schemeClr val="dk1"/>
+            </a:effectRef>
+            <a:fontRef idx="minor">
+              <a:schemeClr val="dk1"/>
+            </a:fontRef>
+          </p:style>
+          <p:txBody>
+            <a:bodyPr rtlCol="0" anchor="ctr"/>
+            <a:lstStyle/>
+            <a:p>
+              <a:pPr algn="ctr"/>
+              <a:r>
+                <a:rPr lang="en-US" sz="1400" dirty="0">
+                  <a:solidFill>
+                    <a:srgbClr val="080808"/>
+                  </a:solidFill>
+                  <a:cs typeface="Tahoma"/>
+                </a:rPr>
+                <a:t>3</a:t>
+              </a:r>
+              <a:endParaRPr lang="LID4096" sz="1400" dirty="0" err="1">
                 <a:solidFill>
                   <a:srgbClr val="080808"/>
                 </a:solidFill>
                 <a:cs typeface="Tahoma"/>
-              </a:rPr>
-              <a:t>2</a:t>
-            </a:r>
-            <a:endParaRPr lang="LID4096" sz="1400" dirty="0" err="1">
-              <a:solidFill>
-                <a:srgbClr val="080808"/>
-              </a:solidFill>
-              <a:cs typeface="Tahoma"/>
-            </a:endParaRPr>
-          </a:p>
-        </p:txBody>
-      </p:sp>
-      <p:sp>
-        <p:nvSpPr>
-          <p:cNvPr id="44" name="Oval 43">
-            <a:extLst>
-              <a:ext uri="{FF2B5EF4-FFF2-40B4-BE49-F238E27FC236}">
-                <a16:creationId xmlns:a16="http://schemas.microsoft.com/office/drawing/2014/main" id="{52D19C66-EED4-4C79-95C0-1EC3EBBD84A7}"/>
-              </a:ext>
-            </a:extLst>
-          </p:cNvPr>
-          <p:cNvSpPr/>
-          <p:nvPr/>
-        </p:nvSpPr>
-        <p:spPr>
-          <a:xfrm>
-            <a:off x="9768518" y="5140684"/>
-            <a:ext cx="202242" cy="194557"/>
-          </a:xfrm>
-          <a:prstGeom prst="ellipse">
-            <a:avLst/>
-          </a:prstGeom>
-          <a:ln w="12700"/>
-        </p:spPr>
-        <p:style>
-          <a:lnRef idx="2">
-            <a:schemeClr val="dk1"/>
-          </a:lnRef>
-          <a:fillRef idx="1">
-            <a:schemeClr val="lt1"/>
-          </a:fillRef>
-          <a:effectRef idx="0">
-            <a:schemeClr val="dk1"/>
-          </a:effectRef>
-          <a:fontRef idx="minor">
-            <a:schemeClr val="dk1"/>
-          </a:fontRef>
-        </p:style>
-        <p:txBody>
-          <a:bodyPr rtlCol="0" anchor="ctr"/>
-          <a:lstStyle/>
-          <a:p>
-            <a:pPr algn="ctr"/>
-            <a:r>
-              <a:rPr lang="en-US" sz="1400" dirty="0">
+              </a:endParaRPr>
+            </a:p>
+          </p:txBody>
+        </p:sp>
+        <p:sp>
+          <p:nvSpPr>
+            <p:cNvPr id="45" name="Oval 44">
+              <a:extLst>
+                <a:ext uri="{FF2B5EF4-FFF2-40B4-BE49-F238E27FC236}">
+                  <a16:creationId xmlns:a16="http://schemas.microsoft.com/office/drawing/2014/main" id="{9604885A-B68A-48BB-8898-CD5C96CF5ADC}"/>
+                </a:ext>
+              </a:extLst>
+            </p:cNvPr>
+            <p:cNvSpPr/>
+            <p:nvPr/>
+          </p:nvSpPr>
+          <p:spPr>
+            <a:xfrm>
+              <a:off x="3525150" y="5061175"/>
+              <a:ext cx="202242" cy="194557"/>
+            </a:xfrm>
+            <a:prstGeom prst="ellipse">
+              <a:avLst/>
+            </a:prstGeom>
+            <a:ln w="12700"/>
+          </p:spPr>
+          <p:style>
+            <a:lnRef idx="2">
+              <a:schemeClr val="dk1"/>
+            </a:lnRef>
+            <a:fillRef idx="1">
+              <a:schemeClr val="lt1"/>
+            </a:fillRef>
+            <a:effectRef idx="0">
+              <a:schemeClr val="dk1"/>
+            </a:effectRef>
+            <a:fontRef idx="minor">
+              <a:schemeClr val="dk1"/>
+            </a:fontRef>
+          </p:style>
+          <p:txBody>
+            <a:bodyPr rtlCol="0" anchor="ctr"/>
+            <a:lstStyle/>
+            <a:p>
+              <a:pPr algn="ctr"/>
+              <a:r>
+                <a:rPr lang="en-US" sz="1400" dirty="0">
+                  <a:solidFill>
+                    <a:srgbClr val="080808"/>
+                  </a:solidFill>
+                  <a:cs typeface="Tahoma"/>
+                </a:rPr>
+                <a:t>5</a:t>
+              </a:r>
+              <a:endParaRPr lang="LID4096" sz="1400" dirty="0" err="1">
                 <a:solidFill>
                   <a:srgbClr val="080808"/>
                 </a:solidFill>
                 <a:cs typeface="Tahoma"/>
-              </a:rPr>
-              <a:t>3</a:t>
-            </a:r>
-            <a:endParaRPr lang="LID4096" sz="1400" dirty="0" err="1">
-              <a:solidFill>
-                <a:srgbClr val="080808"/>
-              </a:solidFill>
-              <a:cs typeface="Tahoma"/>
-            </a:endParaRPr>
-          </a:p>
-        </p:txBody>
-      </p:sp>
-      <p:sp>
-        <p:nvSpPr>
-          <p:cNvPr id="45" name="Oval 44">
-            <a:extLst>
-              <a:ext uri="{FF2B5EF4-FFF2-40B4-BE49-F238E27FC236}">
-                <a16:creationId xmlns:a16="http://schemas.microsoft.com/office/drawing/2014/main" id="{9604885A-B68A-48BB-8898-CD5C96CF5ADC}"/>
-              </a:ext>
-            </a:extLst>
-          </p:cNvPr>
-          <p:cNvSpPr/>
-          <p:nvPr/>
-        </p:nvSpPr>
-        <p:spPr>
-          <a:xfrm>
-            <a:off x="3525150" y="5061175"/>
-            <a:ext cx="202242" cy="194557"/>
-          </a:xfrm>
-          <a:prstGeom prst="ellipse">
-            <a:avLst/>
-          </a:prstGeom>
-          <a:ln w="12700"/>
-        </p:spPr>
-        <p:style>
-          <a:lnRef idx="2">
-            <a:schemeClr val="dk1"/>
-          </a:lnRef>
-          <a:fillRef idx="1">
-            <a:schemeClr val="lt1"/>
-          </a:fillRef>
-          <a:effectRef idx="0">
-            <a:schemeClr val="dk1"/>
-          </a:effectRef>
-          <a:fontRef idx="minor">
-            <a:schemeClr val="dk1"/>
-          </a:fontRef>
-        </p:style>
-        <p:txBody>
-          <a:bodyPr rtlCol="0" anchor="ctr"/>
-          <a:lstStyle/>
-          <a:p>
-            <a:pPr algn="ctr"/>
-            <a:r>
-              <a:rPr lang="en-US" sz="1400" dirty="0">
+              </a:endParaRPr>
+            </a:p>
+          </p:txBody>
+        </p:sp>
+        <p:sp>
+          <p:nvSpPr>
+            <p:cNvPr id="95" name="Oval 94">
+              <a:extLst>
+                <a:ext uri="{FF2B5EF4-FFF2-40B4-BE49-F238E27FC236}">
+                  <a16:creationId xmlns:a16="http://schemas.microsoft.com/office/drawing/2014/main" id="{FB2DECD0-61C4-4D04-BDB0-B6DE5F85A0E3}"/>
+                </a:ext>
+              </a:extLst>
+            </p:cNvPr>
+            <p:cNvSpPr/>
+            <p:nvPr/>
+          </p:nvSpPr>
+          <p:spPr>
+            <a:xfrm>
+              <a:off x="10059710" y="5061175"/>
+              <a:ext cx="202242" cy="194557"/>
+            </a:xfrm>
+            <a:prstGeom prst="ellipse">
+              <a:avLst/>
+            </a:prstGeom>
+            <a:ln w="12700"/>
+          </p:spPr>
+          <p:style>
+            <a:lnRef idx="2">
+              <a:schemeClr val="dk1"/>
+            </a:lnRef>
+            <a:fillRef idx="1">
+              <a:schemeClr val="lt1"/>
+            </a:fillRef>
+            <a:effectRef idx="0">
+              <a:schemeClr val="dk1"/>
+            </a:effectRef>
+            <a:fontRef idx="minor">
+              <a:schemeClr val="dk1"/>
+            </a:fontRef>
+          </p:style>
+          <p:txBody>
+            <a:bodyPr rtlCol="0" anchor="ctr"/>
+            <a:lstStyle/>
+            <a:p>
+              <a:pPr algn="ctr"/>
+              <a:r>
+                <a:rPr lang="en-US" sz="1400" dirty="0">
+                  <a:solidFill>
+                    <a:srgbClr val="080808"/>
+                  </a:solidFill>
+                  <a:cs typeface="Tahoma"/>
+                </a:rPr>
+                <a:t>4</a:t>
+              </a:r>
+              <a:endParaRPr lang="LID4096" sz="1400" dirty="0" err="1">
                 <a:solidFill>
                   <a:srgbClr val="080808"/>
                 </a:solidFill>
                 <a:cs typeface="Tahoma"/>
-              </a:rPr>
-              <a:t>4</a:t>
-            </a:r>
-            <a:endParaRPr lang="LID4096" sz="1400" dirty="0" err="1">
-              <a:solidFill>
-                <a:srgbClr val="080808"/>
-              </a:solidFill>
-              <a:cs typeface="Tahoma"/>
-            </a:endParaRPr>
-          </a:p>
-        </p:txBody>
-      </p:sp>
-      <p:sp>
-        <p:nvSpPr>
-          <p:cNvPr id="46" name="Oval 45">
+              </a:endParaRPr>
+            </a:p>
+          </p:txBody>
+        </p:sp>
+      </p:grpSp>
+      <p:grpSp>
+        <p:nvGrpSpPr>
+          <p:cNvPr id="9" name="Group 8">
             <a:extLst>
               <a:ext uri="{FF2B5EF4-FFF2-40B4-BE49-F238E27FC236}">
-                <a16:creationId xmlns:a16="http://schemas.microsoft.com/office/drawing/2014/main" id="{1C46153B-1E86-43AE-890A-B25987E43972}"/>
+                <a16:creationId xmlns:a16="http://schemas.microsoft.com/office/drawing/2014/main" id="{7EF2921C-260D-4166-8250-FC2A21A56474}"/>
               </a:ext>
             </a:extLst>
           </p:cNvPr>
-          <p:cNvSpPr/>
+          <p:cNvGrpSpPr/>
           <p:nvPr/>
-        </p:nvSpPr>
-        <p:spPr>
-          <a:xfrm>
-            <a:off x="988757" y="3495997"/>
-            <a:ext cx="202242" cy="194557"/>
-          </a:xfrm>
-          <a:prstGeom prst="ellipse">
-            <a:avLst/>
-          </a:prstGeom>
-          <a:ln w="12700"/>
-        </p:spPr>
-        <p:style>
-          <a:lnRef idx="2">
-            <a:schemeClr val="dk1"/>
-          </a:lnRef>
-          <a:fillRef idx="1">
-            <a:schemeClr val="lt1"/>
-          </a:fillRef>
-          <a:effectRef idx="0">
-            <a:schemeClr val="dk1"/>
-          </a:effectRef>
-          <a:fontRef idx="minor">
-            <a:schemeClr val="dk1"/>
-          </a:fontRef>
-        </p:style>
-        <p:txBody>
-          <a:bodyPr rtlCol="0" anchor="ctr"/>
-          <a:lstStyle/>
-          <a:p>
-            <a:pPr algn="ctr"/>
-            <a:r>
-              <a:rPr lang="en-US" sz="1400" dirty="0">
+        </p:nvGrpSpPr>
+        <p:grpSpPr>
+          <a:xfrm>
+            <a:off x="1555629" y="2241834"/>
+            <a:ext cx="9080742" cy="1964383"/>
+            <a:chOff x="1555629" y="2241834"/>
+            <a:chExt cx="9080742" cy="1964383"/>
+          </a:xfrm>
+        </p:grpSpPr>
+        <p:sp>
+          <p:nvSpPr>
+            <p:cNvPr id="2" name="Rectangle 1">
+              <a:extLst>
+                <a:ext uri="{FF2B5EF4-FFF2-40B4-BE49-F238E27FC236}">
+                  <a16:creationId xmlns:a16="http://schemas.microsoft.com/office/drawing/2014/main" id="{E13621ED-8B6D-4151-9FC3-7DD03B8C702A}"/>
+                </a:ext>
+              </a:extLst>
+            </p:cNvPr>
+            <p:cNvSpPr/>
+            <p:nvPr/>
+          </p:nvSpPr>
+          <p:spPr>
+            <a:xfrm>
+              <a:off x="1555629" y="2674253"/>
+              <a:ext cx="9080742" cy="1531964"/>
+            </a:xfrm>
+            <a:prstGeom prst="rect">
+              <a:avLst/>
+            </a:prstGeom>
+            <a:ln>
+              <a:solidFill>
+                <a:srgbClr val="0070C0"/>
+              </a:solidFill>
+            </a:ln>
+          </p:spPr>
+          <p:style>
+            <a:lnRef idx="2">
+              <a:schemeClr val="accent3"/>
+            </a:lnRef>
+            <a:fillRef idx="1">
+              <a:schemeClr val="lt1"/>
+            </a:fillRef>
+            <a:effectRef idx="0">
+              <a:schemeClr val="accent3"/>
+            </a:effectRef>
+            <a:fontRef idx="minor">
+              <a:schemeClr val="dk1"/>
+            </a:fontRef>
+          </p:style>
+          <p:txBody>
+            <a:bodyPr rtlCol="0" anchor="ctr"/>
+            <a:lstStyle/>
+            <a:p>
+              <a:pPr algn="ctr"/>
+              <a:endParaRPr lang="en-BE" dirty="0" err="1">
+                <a:solidFill>
+                  <a:schemeClr val="bg1"/>
+                </a:solidFill>
+                <a:latin typeface="Tahoma"/>
+                <a:cs typeface="Tahoma"/>
+              </a:endParaRPr>
+            </a:p>
+          </p:txBody>
+        </p:sp>
+        <p:sp>
+          <p:nvSpPr>
+            <p:cNvPr id="42" name="Rectangle 41">
+              <a:extLst>
+                <a:ext uri="{FF2B5EF4-FFF2-40B4-BE49-F238E27FC236}">
+                  <a16:creationId xmlns:a16="http://schemas.microsoft.com/office/drawing/2014/main" id="{07324EFD-449D-4823-B732-BD7D32346F48}"/>
+                </a:ext>
+              </a:extLst>
+            </p:cNvPr>
+            <p:cNvSpPr/>
+            <p:nvPr/>
+          </p:nvSpPr>
+          <p:spPr>
+            <a:xfrm rot="5400000">
+              <a:off x="5915430" y="-2005691"/>
+              <a:ext cx="372907" cy="8867957"/>
+            </a:xfrm>
+            <a:prstGeom prst="rect">
+              <a:avLst/>
+            </a:prstGeom>
+            <a:noFill/>
+            <a:ln w="19050">
+              <a:noFill/>
+            </a:ln>
+          </p:spPr>
+          <p:style>
+            <a:lnRef idx="2">
+              <a:schemeClr val="accent2"/>
+            </a:lnRef>
+            <a:fillRef idx="1">
+              <a:schemeClr val="lt1"/>
+            </a:fillRef>
+            <a:effectRef idx="0">
+              <a:schemeClr val="accent2"/>
+            </a:effectRef>
+            <a:fontRef idx="minor">
+              <a:schemeClr val="dk1"/>
+            </a:fontRef>
+          </p:style>
+          <p:txBody>
+            <a:bodyPr vert="vert270" rtlCol="0" anchor="ctr"/>
+            <a:lstStyle/>
+            <a:p>
+              <a:r>
+                <a:rPr lang="en-US" sz="1400" b="1" dirty="0">
+                  <a:solidFill>
+                    <a:srgbClr val="0070C0"/>
+                  </a:solidFill>
+                  <a:latin typeface="Segoe UI (Body)"/>
+                  <a:cs typeface="Tahoma"/>
+                </a:rPr>
+                <a:t>Monitoring &amp; Scaling Triggers</a:t>
+              </a:r>
+              <a:endParaRPr lang="en-BE" sz="1400" b="1" dirty="0" err="1">
+                <a:solidFill>
+                  <a:srgbClr val="0070C0"/>
+                </a:solidFill>
+                <a:latin typeface="Segoe UI (Body)"/>
+                <a:cs typeface="Tahoma"/>
+              </a:endParaRPr>
+            </a:p>
+          </p:txBody>
+        </p:sp>
+        <p:grpSp>
+          <p:nvGrpSpPr>
+            <p:cNvPr id="178" name="Group 177">
+              <a:extLst>
+                <a:ext uri="{FF2B5EF4-FFF2-40B4-BE49-F238E27FC236}">
+                  <a16:creationId xmlns:a16="http://schemas.microsoft.com/office/drawing/2014/main" id="{EC0685BD-6C68-48E1-AEB1-DE90A10413B1}"/>
+                </a:ext>
+              </a:extLst>
+            </p:cNvPr>
+            <p:cNvGrpSpPr/>
+            <p:nvPr/>
+          </p:nvGrpSpPr>
+          <p:grpSpPr>
+            <a:xfrm>
+              <a:off x="7096029" y="2776349"/>
+              <a:ext cx="1997171" cy="493625"/>
+              <a:chOff x="7096029" y="2520353"/>
+              <a:chExt cx="1997171" cy="493625"/>
+            </a:xfrm>
+          </p:grpSpPr>
+          <p:pic>
+            <p:nvPicPr>
+              <p:cNvPr id="38" name="Graphic 37">
+                <a:extLst>
+                  <a:ext uri="{FF2B5EF4-FFF2-40B4-BE49-F238E27FC236}">
+                    <a16:creationId xmlns:a16="http://schemas.microsoft.com/office/drawing/2014/main" id="{F9D90FAD-DFB0-4AB8-BDE8-1CEB982B9B93}"/>
+                  </a:ext>
+                </a:extLst>
+              </p:cNvPr>
+              <p:cNvPicPr>
+                <a:picLocks noChangeAspect="1"/>
+              </p:cNvPicPr>
+              <p:nvPr/>
+            </p:nvPicPr>
+            <p:blipFill>
+              <a:blip r:embed="rId9">
+                <a:extLst>
+                  <a:ext uri="{28A0092B-C50C-407E-A947-70E740481C1C}">
+                    <a14:useLocalDpi xmlns:a14="http://schemas.microsoft.com/office/drawing/2010/main" val="0"/>
+                  </a:ext>
+                  <a:ext uri="{96DAC541-7B7A-43D3-8B79-37D633B846F1}">
+                    <asvg:svgBlip xmlns:asvg="http://schemas.microsoft.com/office/drawing/2016/SVG/main" r:embed="rId10"/>
+                  </a:ext>
+                </a:extLst>
+              </a:blip>
+              <a:stretch>
+                <a:fillRect/>
+              </a:stretch>
+            </p:blipFill>
+            <p:spPr>
+              <a:xfrm>
+                <a:off x="7096029" y="2575294"/>
+                <a:ext cx="438684" cy="438684"/>
+              </a:xfrm>
+              <a:prstGeom prst="rect">
+                <a:avLst/>
+              </a:prstGeom>
+            </p:spPr>
+          </p:pic>
+          <p:sp>
+            <p:nvSpPr>
+              <p:cNvPr id="176" name="Rectangle 175">
+                <a:extLst>
+                  <a:ext uri="{FF2B5EF4-FFF2-40B4-BE49-F238E27FC236}">
+                    <a16:creationId xmlns:a16="http://schemas.microsoft.com/office/drawing/2014/main" id="{A47E53A5-AE66-4D01-9196-3A0200105286}"/>
+                  </a:ext>
+                </a:extLst>
+              </p:cNvPr>
+              <p:cNvSpPr/>
+              <p:nvPr/>
+            </p:nvSpPr>
+            <p:spPr>
+              <a:xfrm rot="5400000">
+                <a:off x="8132365" y="1936918"/>
+                <a:ext cx="377399" cy="1544270"/>
+              </a:xfrm>
+              <a:prstGeom prst="rect">
+                <a:avLst/>
+              </a:prstGeom>
+              <a:noFill/>
+              <a:ln w="19050">
+                <a:noFill/>
+              </a:ln>
+            </p:spPr>
+            <p:style>
+              <a:lnRef idx="2">
+                <a:schemeClr val="accent2"/>
+              </a:lnRef>
+              <a:fillRef idx="1">
+                <a:schemeClr val="lt1"/>
+              </a:fillRef>
+              <a:effectRef idx="0">
+                <a:schemeClr val="accent2"/>
+              </a:effectRef>
+              <a:fontRef idx="minor">
+                <a:schemeClr val="dk1"/>
+              </a:fontRef>
+            </p:style>
+            <p:txBody>
+              <a:bodyPr vert="vert270" rtlCol="0" anchor="t"/>
+              <a:lstStyle/>
+              <a:p>
+                <a:r>
+                  <a:rPr lang="en-US" sz="1000" b="1" dirty="0">
+                    <a:solidFill>
+                      <a:srgbClr val="080808"/>
+                    </a:solidFill>
+                    <a:latin typeface="Segoe UI (Body)"/>
+                    <a:cs typeface="Tahoma"/>
+                  </a:rPr>
+                  <a:t>Active Messages &lt;= 100</a:t>
+                </a:r>
+              </a:p>
+              <a:p>
+                <a:r>
+                  <a:rPr lang="en-US" sz="1000" i="1" dirty="0">
+                    <a:solidFill>
+                      <a:srgbClr val="080808"/>
+                    </a:solidFill>
+                    <a:latin typeface="Segoe UI (Body)"/>
+                    <a:cs typeface="Tahoma"/>
+                  </a:rPr>
+                  <a:t>Scaling Criteria</a:t>
+                </a:r>
+                <a:endParaRPr lang="en-BE" sz="1000" i="1" dirty="0" err="1">
+                  <a:solidFill>
+                    <a:srgbClr val="080808"/>
+                  </a:solidFill>
+                  <a:latin typeface="Segoe UI (Body)"/>
+                  <a:cs typeface="Tahoma"/>
+                </a:endParaRPr>
+              </a:p>
+            </p:txBody>
+          </p:sp>
+        </p:grpSp>
+        <p:grpSp>
+          <p:nvGrpSpPr>
+            <p:cNvPr id="183" name="Group 182">
+              <a:extLst>
+                <a:ext uri="{FF2B5EF4-FFF2-40B4-BE49-F238E27FC236}">
+                  <a16:creationId xmlns:a16="http://schemas.microsoft.com/office/drawing/2014/main" id="{88394F1E-B25C-4D0C-8DD8-6BBABC749922}"/>
+                </a:ext>
+              </a:extLst>
+            </p:cNvPr>
+            <p:cNvGrpSpPr/>
+            <p:nvPr/>
+          </p:nvGrpSpPr>
+          <p:grpSpPr>
+            <a:xfrm>
+              <a:off x="3237589" y="2786911"/>
+              <a:ext cx="1996747" cy="498140"/>
+              <a:chOff x="3237589" y="2530915"/>
+              <a:chExt cx="1996747" cy="498140"/>
+            </a:xfrm>
+          </p:grpSpPr>
+          <p:pic>
+            <p:nvPicPr>
+              <p:cNvPr id="22" name="Graphic 21">
+                <a:extLst>
+                  <a:ext uri="{FF2B5EF4-FFF2-40B4-BE49-F238E27FC236}">
+                    <a16:creationId xmlns:a16="http://schemas.microsoft.com/office/drawing/2014/main" id="{D63A3D3B-121F-4F55-876D-46DCD7B9F71D}"/>
+                  </a:ext>
+                </a:extLst>
+              </p:cNvPr>
+              <p:cNvPicPr>
+                <a:picLocks noChangeAspect="1"/>
+              </p:cNvPicPr>
+              <p:nvPr/>
+            </p:nvPicPr>
+            <p:blipFill>
+              <a:blip r:embed="rId9">
+                <a:extLst>
+                  <a:ext uri="{28A0092B-C50C-407E-A947-70E740481C1C}">
+                    <a14:useLocalDpi xmlns:a14="http://schemas.microsoft.com/office/drawing/2010/main" val="0"/>
+                  </a:ext>
+                  <a:ext uri="{96DAC541-7B7A-43D3-8B79-37D633B846F1}">
+                    <asvg:svgBlip xmlns:asvg="http://schemas.microsoft.com/office/drawing/2016/SVG/main" r:embed="rId10"/>
+                  </a:ext>
+                </a:extLst>
+              </a:blip>
+              <a:stretch>
+                <a:fillRect/>
+              </a:stretch>
+            </p:blipFill>
+            <p:spPr>
+              <a:xfrm>
+                <a:off x="4795652" y="2590371"/>
+                <a:ext cx="438684" cy="438684"/>
+              </a:xfrm>
+              <a:prstGeom prst="rect">
+                <a:avLst/>
+              </a:prstGeom>
+            </p:spPr>
+          </p:pic>
+          <p:sp>
+            <p:nvSpPr>
+              <p:cNvPr id="177" name="Rectangle 176">
+                <a:extLst>
+                  <a:ext uri="{FF2B5EF4-FFF2-40B4-BE49-F238E27FC236}">
+                    <a16:creationId xmlns:a16="http://schemas.microsoft.com/office/drawing/2014/main" id="{E9838BBB-AF32-44D6-951D-CC5E9F1CE98A}"/>
+                  </a:ext>
+                </a:extLst>
+              </p:cNvPr>
+              <p:cNvSpPr/>
+              <p:nvPr/>
+            </p:nvSpPr>
+            <p:spPr>
+              <a:xfrm rot="5400000">
+                <a:off x="3825551" y="1942953"/>
+                <a:ext cx="377399" cy="1553324"/>
+              </a:xfrm>
+              <a:prstGeom prst="rect">
+                <a:avLst/>
+              </a:prstGeom>
+              <a:noFill/>
+              <a:ln w="19050">
+                <a:noFill/>
+              </a:ln>
+            </p:spPr>
+            <p:style>
+              <a:lnRef idx="2">
+                <a:schemeClr val="accent2"/>
+              </a:lnRef>
+              <a:fillRef idx="1">
+                <a:schemeClr val="lt1"/>
+              </a:fillRef>
+              <a:effectRef idx="0">
+                <a:schemeClr val="accent2"/>
+              </a:effectRef>
+              <a:fontRef idx="minor">
+                <a:schemeClr val="dk1"/>
+              </a:fontRef>
+            </p:style>
+            <p:txBody>
+              <a:bodyPr vert="vert270" rtlCol="0" anchor="t"/>
+              <a:lstStyle/>
+              <a:p>
+                <a:pPr algn="r"/>
+                <a:r>
+                  <a:rPr lang="en-US" sz="1000" b="1" dirty="0">
+                    <a:solidFill>
+                      <a:srgbClr val="080808"/>
+                    </a:solidFill>
+                    <a:latin typeface="Segoe UI (Body)"/>
+                    <a:cs typeface="Tahoma"/>
+                  </a:rPr>
+                  <a:t>Active Messages &gt; 250</a:t>
+                </a:r>
+              </a:p>
+              <a:p>
+                <a:pPr algn="r"/>
+                <a:r>
+                  <a:rPr lang="en-US" sz="1000" i="1" dirty="0">
+                    <a:solidFill>
+                      <a:srgbClr val="080808"/>
+                    </a:solidFill>
+                    <a:latin typeface="Segoe UI (Body)"/>
+                    <a:cs typeface="Tahoma"/>
+                  </a:rPr>
+                  <a:t>Scaling Criteria</a:t>
+                </a:r>
+                <a:endParaRPr lang="en-BE" sz="1000" i="1" dirty="0" err="1">
+                  <a:solidFill>
+                    <a:srgbClr val="080808"/>
+                  </a:solidFill>
+                  <a:latin typeface="Segoe UI (Body)"/>
+                  <a:cs typeface="Tahoma"/>
+                </a:endParaRPr>
+              </a:p>
+            </p:txBody>
+          </p:sp>
+        </p:grpSp>
+        <p:sp>
+          <p:nvSpPr>
+            <p:cNvPr id="39" name="Oval 38">
+              <a:extLst>
+                <a:ext uri="{FF2B5EF4-FFF2-40B4-BE49-F238E27FC236}">
+                  <a16:creationId xmlns:a16="http://schemas.microsoft.com/office/drawing/2014/main" id="{C2DD5394-0E51-4EA4-9850-C1A444DE83DF}"/>
+                </a:ext>
+              </a:extLst>
+            </p:cNvPr>
+            <p:cNvSpPr/>
+            <p:nvPr/>
+          </p:nvSpPr>
+          <p:spPr>
+            <a:xfrm>
+              <a:off x="6003563" y="2952421"/>
+              <a:ext cx="202242" cy="194557"/>
+            </a:xfrm>
+            <a:prstGeom prst="ellipse">
+              <a:avLst/>
+            </a:prstGeom>
+            <a:ln w="12700"/>
+          </p:spPr>
+          <p:style>
+            <a:lnRef idx="2">
+              <a:schemeClr val="dk1"/>
+            </a:lnRef>
+            <a:fillRef idx="1">
+              <a:schemeClr val="lt1"/>
+            </a:fillRef>
+            <a:effectRef idx="0">
+              <a:schemeClr val="dk1"/>
+            </a:effectRef>
+            <a:fontRef idx="minor">
+              <a:schemeClr val="dk1"/>
+            </a:fontRef>
+          </p:style>
+          <p:txBody>
+            <a:bodyPr rtlCol="0" anchor="ctr"/>
+            <a:lstStyle/>
+            <a:p>
+              <a:pPr algn="ctr"/>
+              <a:r>
+                <a:rPr lang="en-US" sz="1400" dirty="0">
+                  <a:solidFill>
+                    <a:srgbClr val="080808"/>
+                  </a:solidFill>
+                  <a:cs typeface="Tahoma"/>
+                </a:rPr>
+                <a:t>1</a:t>
+              </a:r>
+              <a:endParaRPr lang="LID4096" sz="1400" dirty="0" err="1">
                 <a:solidFill>
                   <a:srgbClr val="080808"/>
                 </a:solidFill>
                 <a:cs typeface="Tahoma"/>
-              </a:rPr>
-              <a:t>5</a:t>
-            </a:r>
-            <a:endParaRPr lang="LID4096" sz="1400" dirty="0" err="1">
+              </a:endParaRPr>
+            </a:p>
+          </p:txBody>
+        </p:sp>
+        <p:sp>
+          <p:nvSpPr>
+            <p:cNvPr id="43" name="Oval 42">
+              <a:extLst>
+                <a:ext uri="{FF2B5EF4-FFF2-40B4-BE49-F238E27FC236}">
+                  <a16:creationId xmlns:a16="http://schemas.microsoft.com/office/drawing/2014/main" id="{919D2FB1-190A-4BD5-BEC3-F2B3A3415CAF}"/>
+                </a:ext>
+              </a:extLst>
+            </p:cNvPr>
+            <p:cNvSpPr/>
+            <p:nvPr/>
+          </p:nvSpPr>
+          <p:spPr>
+            <a:xfrm>
+              <a:off x="6000762" y="3495997"/>
+              <a:ext cx="202242" cy="194557"/>
+            </a:xfrm>
+            <a:prstGeom prst="ellipse">
+              <a:avLst/>
+            </a:prstGeom>
+            <a:ln w="12700"/>
+          </p:spPr>
+          <p:style>
+            <a:lnRef idx="2">
+              <a:schemeClr val="dk1"/>
+            </a:lnRef>
+            <a:fillRef idx="1">
+              <a:schemeClr val="lt1"/>
+            </a:fillRef>
+            <a:effectRef idx="0">
+              <a:schemeClr val="dk1"/>
+            </a:effectRef>
+            <a:fontRef idx="minor">
+              <a:schemeClr val="dk1"/>
+            </a:fontRef>
+          </p:style>
+          <p:txBody>
+            <a:bodyPr rtlCol="0" anchor="ctr"/>
+            <a:lstStyle/>
+            <a:p>
+              <a:pPr algn="ctr"/>
+              <a:r>
+                <a:rPr lang="en-US" sz="1400" dirty="0">
+                  <a:solidFill>
+                    <a:srgbClr val="080808"/>
+                  </a:solidFill>
+                  <a:cs typeface="Tahoma"/>
+                </a:rPr>
+                <a:t>2</a:t>
+              </a:r>
+              <a:endParaRPr lang="LID4096" sz="1400" dirty="0" err="1">
+                <a:solidFill>
+                  <a:srgbClr val="080808"/>
+                </a:solidFill>
+                <a:cs typeface="Tahoma"/>
+              </a:endParaRPr>
+            </a:p>
+          </p:txBody>
+        </p:sp>
+        <p:grpSp>
+          <p:nvGrpSpPr>
+            <p:cNvPr id="61" name="Group 60">
+              <a:extLst>
+                <a:ext uri="{FF2B5EF4-FFF2-40B4-BE49-F238E27FC236}">
+                  <a16:creationId xmlns:a16="http://schemas.microsoft.com/office/drawing/2014/main" id="{5B1913B6-8332-44BE-8B4F-C2B5404A8AD4}"/>
+                </a:ext>
+              </a:extLst>
+            </p:cNvPr>
+            <p:cNvGrpSpPr/>
+            <p:nvPr/>
+          </p:nvGrpSpPr>
+          <p:grpSpPr>
+            <a:xfrm>
+              <a:off x="4035118" y="3394116"/>
+              <a:ext cx="1959752" cy="703074"/>
+              <a:chOff x="4035118" y="3394116"/>
+              <a:chExt cx="1959752" cy="703074"/>
+            </a:xfrm>
+          </p:grpSpPr>
+          <p:pic>
+            <p:nvPicPr>
+              <p:cNvPr id="90" name="Picture 89">
+                <a:extLst>
+                  <a:ext uri="{FF2B5EF4-FFF2-40B4-BE49-F238E27FC236}">
+                    <a16:creationId xmlns:a16="http://schemas.microsoft.com/office/drawing/2014/main" id="{E008A42A-2B2F-443F-93B8-A007B255FCFF}"/>
+                  </a:ext>
+                </a:extLst>
+              </p:cNvPr>
+              <p:cNvPicPr>
+                <a:picLocks noChangeAspect="1"/>
+              </p:cNvPicPr>
+              <p:nvPr/>
+            </p:nvPicPr>
+            <p:blipFill>
+              <a:blip r:embed="rId6"/>
+              <a:stretch>
+                <a:fillRect/>
+              </a:stretch>
+            </p:blipFill>
+            <p:spPr>
+              <a:xfrm>
+                <a:off x="4723038" y="3394116"/>
+                <a:ext cx="583912" cy="455862"/>
+              </a:xfrm>
+              <a:prstGeom prst="rect">
+                <a:avLst/>
+              </a:prstGeom>
+            </p:spPr>
+          </p:pic>
+          <p:sp>
+            <p:nvSpPr>
+              <p:cNvPr id="91" name="Rectangle 90">
+                <a:extLst>
+                  <a:ext uri="{FF2B5EF4-FFF2-40B4-BE49-F238E27FC236}">
+                    <a16:creationId xmlns:a16="http://schemas.microsoft.com/office/drawing/2014/main" id="{52D99E51-E899-4132-8279-5525AD232FA0}"/>
+                  </a:ext>
+                </a:extLst>
+              </p:cNvPr>
+              <p:cNvSpPr/>
+              <p:nvPr/>
+            </p:nvSpPr>
+            <p:spPr>
+              <a:xfrm rot="5400000">
+                <a:off x="4877021" y="2979341"/>
+                <a:ext cx="275946" cy="1959752"/>
+              </a:xfrm>
+              <a:prstGeom prst="rect">
+                <a:avLst/>
+              </a:prstGeom>
+              <a:noFill/>
+              <a:ln w="19050">
+                <a:noFill/>
+              </a:ln>
+            </p:spPr>
+            <p:style>
+              <a:lnRef idx="2">
+                <a:schemeClr val="accent2"/>
+              </a:lnRef>
+              <a:fillRef idx="1">
+                <a:schemeClr val="lt1"/>
+              </a:fillRef>
+              <a:effectRef idx="0">
+                <a:schemeClr val="accent2"/>
+              </a:effectRef>
+              <a:fontRef idx="minor">
+                <a:schemeClr val="dk1"/>
+              </a:fontRef>
+            </p:style>
+            <p:txBody>
+              <a:bodyPr vert="vert270" rtlCol="0" anchor="ctr"/>
+              <a:lstStyle/>
+              <a:p>
+                <a:pPr algn="ctr"/>
+                <a:r>
+                  <a:rPr lang="en-US" sz="1050" b="1" dirty="0">
+                    <a:solidFill>
+                      <a:srgbClr val="080808"/>
+                    </a:solidFill>
+                    <a:latin typeface="Segoe UI (Body)"/>
+                    <a:cs typeface="Tahoma"/>
+                  </a:rPr>
+                  <a:t>Scale Trigger Request (Out)</a:t>
+                </a:r>
+                <a:endParaRPr lang="en-BE" sz="1050" b="1" dirty="0" err="1">
+                  <a:solidFill>
+                    <a:srgbClr val="080808"/>
+                  </a:solidFill>
+                  <a:latin typeface="Segoe UI (Body)"/>
+                  <a:cs typeface="Tahoma"/>
+                </a:endParaRPr>
+              </a:p>
+            </p:txBody>
+          </p:sp>
+        </p:grpSp>
+        <p:grpSp>
+          <p:nvGrpSpPr>
+            <p:cNvPr id="104" name="Group 103">
+              <a:extLst>
+                <a:ext uri="{FF2B5EF4-FFF2-40B4-BE49-F238E27FC236}">
+                  <a16:creationId xmlns:a16="http://schemas.microsoft.com/office/drawing/2014/main" id="{277F7088-C257-42A2-ABEF-D153470F5646}"/>
+                </a:ext>
+              </a:extLst>
+            </p:cNvPr>
+            <p:cNvGrpSpPr/>
+            <p:nvPr/>
+          </p:nvGrpSpPr>
+          <p:grpSpPr>
+            <a:xfrm>
+              <a:off x="6257529" y="3400406"/>
+              <a:ext cx="2115683" cy="703074"/>
+              <a:chOff x="4035118" y="3394116"/>
+              <a:chExt cx="1959752" cy="703074"/>
+            </a:xfrm>
+          </p:grpSpPr>
+          <p:pic>
+            <p:nvPicPr>
+              <p:cNvPr id="105" name="Picture 104">
+                <a:extLst>
+                  <a:ext uri="{FF2B5EF4-FFF2-40B4-BE49-F238E27FC236}">
+                    <a16:creationId xmlns:a16="http://schemas.microsoft.com/office/drawing/2014/main" id="{1FE5D6DA-E428-450C-877F-9896C434E067}"/>
+                  </a:ext>
+                </a:extLst>
+              </p:cNvPr>
+              <p:cNvPicPr>
+                <a:picLocks noChangeAspect="1"/>
+              </p:cNvPicPr>
+              <p:nvPr/>
+            </p:nvPicPr>
+            <p:blipFill>
+              <a:blip r:embed="rId6"/>
+              <a:stretch>
+                <a:fillRect/>
+              </a:stretch>
+            </p:blipFill>
+            <p:spPr>
+              <a:xfrm>
+                <a:off x="4723038" y="3394116"/>
+                <a:ext cx="583912" cy="455862"/>
+              </a:xfrm>
+              <a:prstGeom prst="rect">
+                <a:avLst/>
+              </a:prstGeom>
+            </p:spPr>
+          </p:pic>
+          <p:sp>
+            <p:nvSpPr>
+              <p:cNvPr id="106" name="Rectangle 105">
+                <a:extLst>
+                  <a:ext uri="{FF2B5EF4-FFF2-40B4-BE49-F238E27FC236}">
+                    <a16:creationId xmlns:a16="http://schemas.microsoft.com/office/drawing/2014/main" id="{5F05F9EB-145D-42C4-9B73-43480AFD97EE}"/>
+                  </a:ext>
+                </a:extLst>
+              </p:cNvPr>
+              <p:cNvSpPr/>
+              <p:nvPr/>
+            </p:nvSpPr>
+            <p:spPr>
+              <a:xfrm rot="5400000">
+                <a:off x="4877021" y="2979341"/>
+                <a:ext cx="275946" cy="1959752"/>
+              </a:xfrm>
+              <a:prstGeom prst="rect">
+                <a:avLst/>
+              </a:prstGeom>
+              <a:noFill/>
+              <a:ln w="19050">
+                <a:noFill/>
+              </a:ln>
+            </p:spPr>
+            <p:style>
+              <a:lnRef idx="2">
+                <a:schemeClr val="accent2"/>
+              </a:lnRef>
+              <a:fillRef idx="1">
+                <a:schemeClr val="lt1"/>
+              </a:fillRef>
+              <a:effectRef idx="0">
+                <a:schemeClr val="accent2"/>
+              </a:effectRef>
+              <a:fontRef idx="minor">
+                <a:schemeClr val="dk1"/>
+              </a:fontRef>
+            </p:style>
+            <p:txBody>
+              <a:bodyPr vert="vert270" rtlCol="0" anchor="ctr"/>
+              <a:lstStyle/>
+              <a:p>
+                <a:pPr algn="ctr"/>
+                <a:r>
+                  <a:rPr lang="en-US" sz="1050" b="1" dirty="0">
+                    <a:solidFill>
+                      <a:srgbClr val="080808"/>
+                    </a:solidFill>
+                    <a:latin typeface="Segoe UI (Body)"/>
+                    <a:cs typeface="Tahoma"/>
+                  </a:rPr>
+                  <a:t>Scale Trigger Request (In)</a:t>
+                </a:r>
+                <a:endParaRPr lang="en-BE" sz="1050" b="1" dirty="0" err="1">
+                  <a:solidFill>
+                    <a:srgbClr val="080808"/>
+                  </a:solidFill>
+                  <a:latin typeface="Segoe UI (Body)"/>
+                  <a:cs typeface="Tahoma"/>
+                </a:endParaRPr>
+              </a:p>
+            </p:txBody>
+          </p:sp>
+        </p:grpSp>
+        <p:grpSp>
+          <p:nvGrpSpPr>
+            <p:cNvPr id="109" name="Group 108">
+              <a:extLst>
+                <a:ext uri="{FF2B5EF4-FFF2-40B4-BE49-F238E27FC236}">
+                  <a16:creationId xmlns:a16="http://schemas.microsoft.com/office/drawing/2014/main" id="{96992EB7-3CDB-4880-B81A-C98E4C1EB6A5}"/>
+                </a:ext>
+              </a:extLst>
+            </p:cNvPr>
+            <p:cNvGrpSpPr/>
+            <p:nvPr/>
+          </p:nvGrpSpPr>
+          <p:grpSpPr>
+            <a:xfrm>
+              <a:off x="8448888" y="3393477"/>
+              <a:ext cx="2115683" cy="701506"/>
+              <a:chOff x="4035118" y="3394116"/>
+              <a:chExt cx="1959752" cy="701506"/>
+            </a:xfrm>
+          </p:grpSpPr>
+          <p:pic>
+            <p:nvPicPr>
+              <p:cNvPr id="110" name="Picture 109">
+                <a:extLst>
+                  <a:ext uri="{FF2B5EF4-FFF2-40B4-BE49-F238E27FC236}">
+                    <a16:creationId xmlns:a16="http://schemas.microsoft.com/office/drawing/2014/main" id="{C94F4759-606A-4455-A2E7-79C4D0522EBD}"/>
+                  </a:ext>
+                </a:extLst>
+              </p:cNvPr>
+              <p:cNvPicPr>
+                <a:picLocks noChangeAspect="1"/>
+              </p:cNvPicPr>
+              <p:nvPr/>
+            </p:nvPicPr>
+            <p:blipFill>
+              <a:blip r:embed="rId6"/>
+              <a:stretch>
+                <a:fillRect/>
+              </a:stretch>
+            </p:blipFill>
+            <p:spPr>
+              <a:xfrm>
+                <a:off x="4723038" y="3394116"/>
+                <a:ext cx="583912" cy="455862"/>
+              </a:xfrm>
+              <a:prstGeom prst="rect">
+                <a:avLst/>
+              </a:prstGeom>
+            </p:spPr>
+          </p:pic>
+          <p:sp>
+            <p:nvSpPr>
+              <p:cNvPr id="113" name="Rectangle 112">
+                <a:extLst>
+                  <a:ext uri="{FF2B5EF4-FFF2-40B4-BE49-F238E27FC236}">
+                    <a16:creationId xmlns:a16="http://schemas.microsoft.com/office/drawing/2014/main" id="{975DE49F-64FC-47B8-9144-645C564607D0}"/>
+                  </a:ext>
+                </a:extLst>
+              </p:cNvPr>
+              <p:cNvSpPr/>
+              <p:nvPr/>
+            </p:nvSpPr>
+            <p:spPr>
+              <a:xfrm rot="5400000">
+                <a:off x="4877021" y="2977773"/>
+                <a:ext cx="275946" cy="1959752"/>
+              </a:xfrm>
+              <a:prstGeom prst="rect">
+                <a:avLst/>
+              </a:prstGeom>
+              <a:noFill/>
+              <a:ln w="19050">
+                <a:noFill/>
+              </a:ln>
+            </p:spPr>
+            <p:style>
+              <a:lnRef idx="2">
+                <a:schemeClr val="accent2"/>
+              </a:lnRef>
+              <a:fillRef idx="1">
+                <a:schemeClr val="lt1"/>
+              </a:fillRef>
+              <a:effectRef idx="0">
+                <a:schemeClr val="accent2"/>
+              </a:effectRef>
+              <a:fontRef idx="minor">
+                <a:schemeClr val="dk1"/>
+              </a:fontRef>
+            </p:style>
+            <p:txBody>
+              <a:bodyPr vert="vert270" rtlCol="0" anchor="ctr"/>
+              <a:lstStyle/>
+              <a:p>
+                <a:pPr algn="ctr"/>
+                <a:r>
+                  <a:rPr lang="en-US" sz="1050" b="1" dirty="0">
+                    <a:solidFill>
+                      <a:srgbClr val="080808"/>
+                    </a:solidFill>
+                    <a:latin typeface="Segoe UI (Body)"/>
+                    <a:cs typeface="Tahoma"/>
+                  </a:rPr>
+                  <a:t>Scale Trigger Orchestrator (In)</a:t>
+                </a:r>
+                <a:endParaRPr lang="en-BE" sz="1050" b="1" dirty="0" err="1">
+                  <a:solidFill>
+                    <a:srgbClr val="080808"/>
+                  </a:solidFill>
+                  <a:latin typeface="Segoe UI (Body)"/>
+                  <a:cs typeface="Tahoma"/>
+                </a:endParaRPr>
+              </a:p>
+            </p:txBody>
+          </p:sp>
+        </p:grpSp>
+        <p:cxnSp>
+          <p:nvCxnSpPr>
+            <p:cNvPr id="114" name="Connector: Elbow 110">
+              <a:extLst>
+                <a:ext uri="{FF2B5EF4-FFF2-40B4-BE49-F238E27FC236}">
+                  <a16:creationId xmlns:a16="http://schemas.microsoft.com/office/drawing/2014/main" id="{82C5C636-44C5-4053-8988-EBB0CBCE5A02}"/>
+                </a:ext>
+              </a:extLst>
+            </p:cNvPr>
+            <p:cNvCxnSpPr>
+              <a:cxnSpLocks/>
+              <a:stCxn id="110" idx="1"/>
+              <a:endCxn id="105" idx="3"/>
+            </p:cNvCxnSpPr>
+            <p:nvPr/>
+          </p:nvCxnSpPr>
+          <p:spPr>
+            <a:xfrm flipH="1">
+              <a:off x="7630557" y="3621408"/>
+              <a:ext cx="1560987" cy="6929"/>
+            </a:xfrm>
+            <a:prstGeom prst="straightConnector1">
+              <a:avLst/>
+            </a:prstGeom>
+            <a:ln w="19050">
               <a:solidFill>
-                <a:srgbClr val="080808"/>
+                <a:schemeClr val="accent5"/>
               </a:solidFill>
-              <a:cs typeface="Tahoma"/>
-            </a:endParaRPr>
-          </a:p>
-        </p:txBody>
-      </p:sp>
+              <a:prstDash val="sysDash"/>
+              <a:tailEnd type="triangle"/>
+            </a:ln>
+          </p:spPr>
+          <p:style>
+            <a:lnRef idx="1">
+              <a:schemeClr val="accent3"/>
+            </a:lnRef>
+            <a:fillRef idx="0">
+              <a:schemeClr val="accent3"/>
+            </a:fillRef>
+            <a:effectRef idx="0">
+              <a:schemeClr val="accent3"/>
+            </a:effectRef>
+            <a:fontRef idx="minor">
+              <a:schemeClr val="tx1"/>
+            </a:fontRef>
+          </p:style>
+        </p:cxnSp>
+        <p:sp>
+          <p:nvSpPr>
+            <p:cNvPr id="68" name="Rectangle 67">
+              <a:extLst>
+                <a:ext uri="{FF2B5EF4-FFF2-40B4-BE49-F238E27FC236}">
+                  <a16:creationId xmlns:a16="http://schemas.microsoft.com/office/drawing/2014/main" id="{B155F7E5-0465-40F4-B233-AFC372E50376}"/>
+                </a:ext>
+              </a:extLst>
+            </p:cNvPr>
+            <p:cNvSpPr/>
+            <p:nvPr/>
+          </p:nvSpPr>
+          <p:spPr>
+            <a:xfrm rot="5400000">
+              <a:off x="8283254" y="2694322"/>
+              <a:ext cx="350255" cy="1655650"/>
+            </a:xfrm>
+            <a:prstGeom prst="rect">
+              <a:avLst/>
+            </a:prstGeom>
+            <a:noFill/>
+            <a:ln w="19050">
+              <a:noFill/>
+            </a:ln>
+          </p:spPr>
+          <p:style>
+            <a:lnRef idx="2">
+              <a:schemeClr val="accent2"/>
+            </a:lnRef>
+            <a:fillRef idx="1">
+              <a:schemeClr val="lt1"/>
+            </a:fillRef>
+            <a:effectRef idx="0">
+              <a:schemeClr val="accent2"/>
+            </a:effectRef>
+            <a:fontRef idx="minor">
+              <a:schemeClr val="dk1"/>
+            </a:fontRef>
+          </p:style>
+          <p:txBody>
+            <a:bodyPr vert="vert270" rtlCol="0" anchor="ctr"/>
+            <a:lstStyle/>
+            <a:p>
+              <a:pPr algn="ctr"/>
+              <a:r>
+                <a:rPr lang="en-US" sz="900" i="1" dirty="0">
+                  <a:solidFill>
+                    <a:srgbClr val="080808"/>
+                  </a:solidFill>
+                  <a:latin typeface="Segoe UI (Body)"/>
+                  <a:cs typeface="Tahoma"/>
+                </a:rPr>
+                <a:t>Enable / Disable</a:t>
+              </a:r>
+              <a:endParaRPr lang="en-BE" sz="900" i="1" dirty="0" err="1">
+                <a:solidFill>
+                  <a:srgbClr val="080808"/>
+                </a:solidFill>
+                <a:latin typeface="Segoe UI (Body)"/>
+                <a:cs typeface="Tahoma"/>
+              </a:endParaRPr>
+            </a:p>
+          </p:txBody>
+        </p:sp>
+        <p:grpSp>
+          <p:nvGrpSpPr>
+            <p:cNvPr id="117" name="Group 116">
+              <a:extLst>
+                <a:ext uri="{FF2B5EF4-FFF2-40B4-BE49-F238E27FC236}">
+                  <a16:creationId xmlns:a16="http://schemas.microsoft.com/office/drawing/2014/main" id="{97302A35-EB46-4CDA-9056-F52A128FCE31}"/>
+                </a:ext>
+              </a:extLst>
+            </p:cNvPr>
+            <p:cNvGrpSpPr/>
+            <p:nvPr/>
+          </p:nvGrpSpPr>
+          <p:grpSpPr>
+            <a:xfrm>
+              <a:off x="1683951" y="3383074"/>
+              <a:ext cx="2115683" cy="701506"/>
+              <a:chOff x="4035118" y="3394116"/>
+              <a:chExt cx="1959752" cy="701506"/>
+            </a:xfrm>
+          </p:grpSpPr>
+          <p:pic>
+            <p:nvPicPr>
+              <p:cNvPr id="118" name="Picture 117">
+                <a:extLst>
+                  <a:ext uri="{FF2B5EF4-FFF2-40B4-BE49-F238E27FC236}">
+                    <a16:creationId xmlns:a16="http://schemas.microsoft.com/office/drawing/2014/main" id="{6C9869AB-3B11-4631-9355-C737848A3506}"/>
+                  </a:ext>
+                </a:extLst>
+              </p:cNvPr>
+              <p:cNvPicPr>
+                <a:picLocks noChangeAspect="1"/>
+              </p:cNvPicPr>
+              <p:nvPr/>
+            </p:nvPicPr>
+            <p:blipFill>
+              <a:blip r:embed="rId6"/>
+              <a:stretch>
+                <a:fillRect/>
+              </a:stretch>
+            </p:blipFill>
+            <p:spPr>
+              <a:xfrm>
+                <a:off x="4723038" y="3394116"/>
+                <a:ext cx="583912" cy="455862"/>
+              </a:xfrm>
+              <a:prstGeom prst="rect">
+                <a:avLst/>
+              </a:prstGeom>
+            </p:spPr>
+          </p:pic>
+          <p:sp>
+            <p:nvSpPr>
+              <p:cNvPr id="120" name="Rectangle 119">
+                <a:extLst>
+                  <a:ext uri="{FF2B5EF4-FFF2-40B4-BE49-F238E27FC236}">
+                    <a16:creationId xmlns:a16="http://schemas.microsoft.com/office/drawing/2014/main" id="{629C048C-29C7-4CC8-BBEE-5AC4D5DB9BB6}"/>
+                  </a:ext>
+                </a:extLst>
+              </p:cNvPr>
+              <p:cNvSpPr/>
+              <p:nvPr/>
+            </p:nvSpPr>
+            <p:spPr>
+              <a:xfrm rot="5400000">
+                <a:off x="4877021" y="2977773"/>
+                <a:ext cx="275946" cy="1959752"/>
+              </a:xfrm>
+              <a:prstGeom prst="rect">
+                <a:avLst/>
+              </a:prstGeom>
+              <a:noFill/>
+              <a:ln w="19050">
+                <a:noFill/>
+              </a:ln>
+            </p:spPr>
+            <p:style>
+              <a:lnRef idx="2">
+                <a:schemeClr val="accent2"/>
+              </a:lnRef>
+              <a:fillRef idx="1">
+                <a:schemeClr val="lt1"/>
+              </a:fillRef>
+              <a:effectRef idx="0">
+                <a:schemeClr val="accent2"/>
+              </a:effectRef>
+              <a:fontRef idx="minor">
+                <a:schemeClr val="dk1"/>
+              </a:fontRef>
+            </p:style>
+            <p:txBody>
+              <a:bodyPr vert="vert270" rtlCol="0" anchor="ctr"/>
+              <a:lstStyle/>
+              <a:p>
+                <a:pPr algn="ctr"/>
+                <a:r>
+                  <a:rPr lang="en-US" sz="1050" b="1" dirty="0">
+                    <a:solidFill>
+                      <a:srgbClr val="080808"/>
+                    </a:solidFill>
+                    <a:latin typeface="Segoe UI (Body)"/>
+                    <a:cs typeface="Tahoma"/>
+                  </a:rPr>
+                  <a:t>Scale Trigger Orchestrator (Out)</a:t>
+                </a:r>
+                <a:endParaRPr lang="en-BE" sz="1050" b="1" dirty="0" err="1">
+                  <a:solidFill>
+                    <a:srgbClr val="080808"/>
+                  </a:solidFill>
+                  <a:latin typeface="Segoe UI (Body)"/>
+                  <a:cs typeface="Tahoma"/>
+                </a:endParaRPr>
+              </a:p>
+            </p:txBody>
+          </p:sp>
+        </p:grpSp>
+        <p:cxnSp>
+          <p:nvCxnSpPr>
+            <p:cNvPr id="121" name="Connector: Elbow 110">
+              <a:extLst>
+                <a:ext uri="{FF2B5EF4-FFF2-40B4-BE49-F238E27FC236}">
+                  <a16:creationId xmlns:a16="http://schemas.microsoft.com/office/drawing/2014/main" id="{02E7779B-28A3-4C8B-9B3E-68FC39063CE7}"/>
+                </a:ext>
+              </a:extLst>
+            </p:cNvPr>
+            <p:cNvCxnSpPr>
+              <a:cxnSpLocks/>
+              <a:stCxn id="118" idx="3"/>
+              <a:endCxn id="90" idx="1"/>
+            </p:cNvCxnSpPr>
+            <p:nvPr/>
+          </p:nvCxnSpPr>
+          <p:spPr>
+            <a:xfrm>
+              <a:off x="3056979" y="3611005"/>
+              <a:ext cx="1666059" cy="11042"/>
+            </a:xfrm>
+            <a:prstGeom prst="straightConnector1">
+              <a:avLst/>
+            </a:prstGeom>
+            <a:ln w="19050">
+              <a:solidFill>
+                <a:schemeClr val="accent5"/>
+              </a:solidFill>
+              <a:prstDash val="sysDash"/>
+              <a:tailEnd type="triangle"/>
+            </a:ln>
+          </p:spPr>
+          <p:style>
+            <a:lnRef idx="1">
+              <a:schemeClr val="accent3"/>
+            </a:lnRef>
+            <a:fillRef idx="0">
+              <a:schemeClr val="accent3"/>
+            </a:fillRef>
+            <a:effectRef idx="0">
+              <a:schemeClr val="accent3"/>
+            </a:effectRef>
+            <a:fontRef idx="minor">
+              <a:schemeClr val="tx1"/>
+            </a:fontRef>
+          </p:style>
+        </p:cxnSp>
+        <p:sp>
+          <p:nvSpPr>
+            <p:cNvPr id="72" name="Rectangle 71">
+              <a:extLst>
+                <a:ext uri="{FF2B5EF4-FFF2-40B4-BE49-F238E27FC236}">
+                  <a16:creationId xmlns:a16="http://schemas.microsoft.com/office/drawing/2014/main" id="{3504F3AA-DE18-4252-BDF3-CF0F329EABDA}"/>
+                </a:ext>
+              </a:extLst>
+            </p:cNvPr>
+            <p:cNvSpPr/>
+            <p:nvPr/>
+          </p:nvSpPr>
+          <p:spPr>
+            <a:xfrm rot="5400000">
+              <a:off x="3749903" y="2682175"/>
+              <a:ext cx="350255" cy="1655650"/>
+            </a:xfrm>
+            <a:prstGeom prst="rect">
+              <a:avLst/>
+            </a:prstGeom>
+            <a:noFill/>
+            <a:ln w="19050">
+              <a:noFill/>
+            </a:ln>
+          </p:spPr>
+          <p:style>
+            <a:lnRef idx="2">
+              <a:schemeClr val="accent2"/>
+            </a:lnRef>
+            <a:fillRef idx="1">
+              <a:schemeClr val="lt1"/>
+            </a:fillRef>
+            <a:effectRef idx="0">
+              <a:schemeClr val="accent2"/>
+            </a:effectRef>
+            <a:fontRef idx="minor">
+              <a:schemeClr val="dk1"/>
+            </a:fontRef>
+          </p:style>
+          <p:txBody>
+            <a:bodyPr vert="vert270" rtlCol="0" anchor="ctr"/>
+            <a:lstStyle/>
+            <a:p>
+              <a:pPr algn="ctr"/>
+              <a:r>
+                <a:rPr lang="en-US" sz="900" i="1" dirty="0">
+                  <a:solidFill>
+                    <a:srgbClr val="080808"/>
+                  </a:solidFill>
+                  <a:latin typeface="Segoe UI (Body)"/>
+                  <a:cs typeface="Tahoma"/>
+                </a:rPr>
+                <a:t>Enable / Disable</a:t>
+              </a:r>
+              <a:endParaRPr lang="en-BE" sz="900" i="1" dirty="0" err="1">
+                <a:solidFill>
+                  <a:srgbClr val="080808"/>
+                </a:solidFill>
+                <a:latin typeface="Segoe UI (Body)"/>
+                <a:cs typeface="Tahoma"/>
+              </a:endParaRPr>
+            </a:p>
+          </p:txBody>
+        </p:sp>
+        <p:cxnSp>
+          <p:nvCxnSpPr>
+            <p:cNvPr id="124" name="Connector: Elbow 110">
+              <a:extLst>
+                <a:ext uri="{FF2B5EF4-FFF2-40B4-BE49-F238E27FC236}">
+                  <a16:creationId xmlns:a16="http://schemas.microsoft.com/office/drawing/2014/main" id="{BE106D3F-3D7E-4BE1-8F66-61ED38751873}"/>
+                </a:ext>
+              </a:extLst>
+            </p:cNvPr>
+            <p:cNvCxnSpPr>
+              <a:cxnSpLocks/>
+            </p:cNvCxnSpPr>
+            <p:nvPr/>
+          </p:nvCxnSpPr>
+          <p:spPr>
+            <a:xfrm rot="10800000" flipV="1">
+              <a:off x="2763228" y="2981520"/>
+              <a:ext cx="474360" cy="390506"/>
+            </a:xfrm>
+            <a:prstGeom prst="bentConnector3">
+              <a:avLst>
+                <a:gd name="adj1" fmla="val 100199"/>
+              </a:avLst>
+            </a:prstGeom>
+            <a:ln w="19050">
+              <a:solidFill>
+                <a:schemeClr val="accent5"/>
+              </a:solidFill>
+              <a:prstDash val="solid"/>
+              <a:tailEnd type="triangle"/>
+            </a:ln>
+          </p:spPr>
+          <p:style>
+            <a:lnRef idx="1">
+              <a:schemeClr val="accent3"/>
+            </a:lnRef>
+            <a:fillRef idx="0">
+              <a:schemeClr val="accent3"/>
+            </a:fillRef>
+            <a:effectRef idx="0">
+              <a:schemeClr val="accent3"/>
+            </a:effectRef>
+            <a:fontRef idx="minor">
+              <a:schemeClr val="tx1"/>
+            </a:fontRef>
+          </p:style>
+        </p:cxnSp>
+        <p:cxnSp>
+          <p:nvCxnSpPr>
+            <p:cNvPr id="141" name="Connector: Elbow 110">
+              <a:extLst>
+                <a:ext uri="{FF2B5EF4-FFF2-40B4-BE49-F238E27FC236}">
+                  <a16:creationId xmlns:a16="http://schemas.microsoft.com/office/drawing/2014/main" id="{A5A2EEAF-B1B0-4D21-B7E6-2052E2D93B4A}"/>
+                </a:ext>
+              </a:extLst>
+            </p:cNvPr>
+            <p:cNvCxnSpPr>
+              <a:cxnSpLocks/>
+              <a:stCxn id="176" idx="0"/>
+              <a:endCxn id="110" idx="0"/>
+            </p:cNvCxnSpPr>
+            <p:nvPr/>
+          </p:nvCxnSpPr>
+          <p:spPr>
+            <a:xfrm>
+              <a:off x="9093200" y="2965050"/>
+              <a:ext cx="413530" cy="428427"/>
+            </a:xfrm>
+            <a:prstGeom prst="bentConnector2">
+              <a:avLst/>
+            </a:prstGeom>
+            <a:ln w="19050">
+              <a:solidFill>
+                <a:schemeClr val="accent5"/>
+              </a:solidFill>
+              <a:prstDash val="solid"/>
+              <a:tailEnd type="triangle"/>
+            </a:ln>
+          </p:spPr>
+          <p:style>
+            <a:lnRef idx="1">
+              <a:schemeClr val="accent3"/>
+            </a:lnRef>
+            <a:fillRef idx="0">
+              <a:schemeClr val="accent3"/>
+            </a:fillRef>
+            <a:effectRef idx="0">
+              <a:schemeClr val="accent3"/>
+            </a:effectRef>
+            <a:fontRef idx="minor">
+              <a:schemeClr val="tx1"/>
+            </a:fontRef>
+          </p:style>
+        </p:cxnSp>
+      </p:grpSp>
     </p:spTree>
     <p:extLst>
       <p:ext uri="{BB962C8B-B14F-4D97-AF65-F5344CB8AC3E}">
-        <p14:creationId xmlns:p14="http://schemas.microsoft.com/office/powerpoint/2010/main" val="3025580234"/>
+        <p14:creationId xmlns:p14="http://schemas.microsoft.com/office/powerpoint/2010/main" val="3669059076"/>
       </p:ext>
     </p:extLst>
   </p:cSld>

--- a/media/schematics.pptx
+++ b/media/schematics.pptx
@@ -25509,148 +25509,6 @@
               <a:schemeClr val="accent5"/>
             </a:solidFill>
             <a:prstDash val="solid"/>
-            <a:tailEnd type="triangle"/>
-          </a:ln>
-        </p:spPr>
-        <p:style>
-          <a:lnRef idx="1">
-            <a:schemeClr val="accent3"/>
-          </a:lnRef>
-          <a:fillRef idx="0">
-            <a:schemeClr val="accent3"/>
-          </a:fillRef>
-          <a:effectRef idx="0">
-            <a:schemeClr val="accent3"/>
-          </a:effectRef>
-          <a:fontRef idx="minor">
-            <a:schemeClr val="tx1"/>
-          </a:fontRef>
-        </p:style>
-      </p:cxnSp>
-      <p:cxnSp>
-        <p:nvCxnSpPr>
-          <p:cNvPr id="119" name="Connector: Elbow 110">
-            <a:extLst>
-              <a:ext uri="{FF2B5EF4-FFF2-40B4-BE49-F238E27FC236}">
-                <a16:creationId xmlns:a16="http://schemas.microsoft.com/office/drawing/2014/main" id="{0C30A895-D198-4F9C-88DD-F3CC45D71CB4}"/>
-              </a:ext>
-            </a:extLst>
-          </p:cNvPr>
-          <p:cNvCxnSpPr>
-            <a:cxnSpLocks/>
-            <a:stCxn id="103" idx="3"/>
-            <a:endCxn id="13" idx="3"/>
-          </p:cNvCxnSpPr>
-          <p:nvPr/>
-        </p:nvCxnSpPr>
-        <p:spPr>
-          <a:xfrm flipV="1">
-            <a:off x="9569906" y="1266957"/>
-            <a:ext cx="1066465" cy="3887826"/>
-          </a:xfrm>
-          <a:prstGeom prst="bentConnector3">
-            <a:avLst>
-              <a:gd name="adj1" fmla="val 121435"/>
-            </a:avLst>
-          </a:prstGeom>
-          <a:ln w="19050">
-            <a:solidFill>
-              <a:schemeClr val="accent5"/>
-            </a:solidFill>
-            <a:prstDash val="solid"/>
-            <a:tailEnd type="triangle"/>
-          </a:ln>
-        </p:spPr>
-        <p:style>
-          <a:lnRef idx="1">
-            <a:schemeClr val="accent3"/>
-          </a:lnRef>
-          <a:fillRef idx="0">
-            <a:schemeClr val="accent3"/>
-          </a:fillRef>
-          <a:effectRef idx="0">
-            <a:schemeClr val="accent3"/>
-          </a:effectRef>
-          <a:fontRef idx="minor">
-            <a:schemeClr val="tx1"/>
-          </a:fontRef>
-        </p:style>
-      </p:cxnSp>
-      <p:cxnSp>
-        <p:nvCxnSpPr>
-          <p:cNvPr id="122" name="Connector: Elbow 110">
-            <a:extLst>
-              <a:ext uri="{FF2B5EF4-FFF2-40B4-BE49-F238E27FC236}">
-                <a16:creationId xmlns:a16="http://schemas.microsoft.com/office/drawing/2014/main" id="{F61CBF00-2D4A-4B8E-95F0-054C3C7ACC63}"/>
-              </a:ext>
-            </a:extLst>
-          </p:cNvPr>
-          <p:cNvCxnSpPr>
-            <a:cxnSpLocks/>
-            <a:stCxn id="100" idx="1"/>
-            <a:endCxn id="201" idx="3"/>
-          </p:cNvCxnSpPr>
-          <p:nvPr/>
-        </p:nvCxnSpPr>
-        <p:spPr>
-          <a:xfrm rot="10800000">
-            <a:off x="773248" y="3482081"/>
-            <a:ext cx="1989980" cy="1672703"/>
-          </a:xfrm>
-          <a:prstGeom prst="bentConnector2">
-            <a:avLst/>
-          </a:prstGeom>
-          <a:ln w="19050">
-            <a:solidFill>
-              <a:schemeClr val="accent5"/>
-            </a:solidFill>
-            <a:prstDash val="solid"/>
-            <a:tailEnd type="triangle"/>
-          </a:ln>
-        </p:spPr>
-        <p:style>
-          <a:lnRef idx="1">
-            <a:schemeClr val="accent3"/>
-          </a:lnRef>
-          <a:fillRef idx="0">
-            <a:schemeClr val="accent3"/>
-          </a:fillRef>
-          <a:effectRef idx="0">
-            <a:schemeClr val="accent3"/>
-          </a:effectRef>
-          <a:fontRef idx="minor">
-            <a:schemeClr val="tx1"/>
-          </a:fontRef>
-        </p:style>
-      </p:cxnSp>
-      <p:cxnSp>
-        <p:nvCxnSpPr>
-          <p:cNvPr id="130" name="Connector: Elbow 129">
-            <a:extLst>
-              <a:ext uri="{FF2B5EF4-FFF2-40B4-BE49-F238E27FC236}">
-                <a16:creationId xmlns:a16="http://schemas.microsoft.com/office/drawing/2014/main" id="{1F24883C-9F99-43FE-AF1F-BBBC4D237694}"/>
-              </a:ext>
-            </a:extLst>
-          </p:cNvPr>
-          <p:cNvCxnSpPr>
-            <a:cxnSpLocks/>
-            <a:endCxn id="93" idx="1"/>
-          </p:cNvCxnSpPr>
-          <p:nvPr/>
-        </p:nvCxnSpPr>
-        <p:spPr>
-          <a:xfrm rot="16200000" flipH="1">
-            <a:off x="499879" y="3709902"/>
-            <a:ext cx="2415090" cy="2111608"/>
-          </a:xfrm>
-          <a:prstGeom prst="bentConnector2">
-            <a:avLst/>
-          </a:prstGeom>
-          <a:ln w="19050">
-            <a:solidFill>
-              <a:schemeClr val="accent5"/>
-            </a:solidFill>
-            <a:prstDash val="sysDot"/>
             <a:tailEnd type="triangle"/>
           </a:ln>
         </p:spPr>
@@ -26570,1220 +26428,6 @@
       </p:sp>
       <p:grpSp>
         <p:nvGrpSpPr>
-          <p:cNvPr id="10" name="Group 9">
-            <a:extLst>
-              <a:ext uri="{FF2B5EF4-FFF2-40B4-BE49-F238E27FC236}">
-                <a16:creationId xmlns:a16="http://schemas.microsoft.com/office/drawing/2014/main" id="{85948441-2071-4022-AA84-69BE26FB14FB}"/>
-              </a:ext>
-            </a:extLst>
-          </p:cNvPr>
-          <p:cNvGrpSpPr/>
-          <p:nvPr/>
-        </p:nvGrpSpPr>
-        <p:grpSpPr>
-          <a:xfrm>
-            <a:off x="1555628" y="4286734"/>
-            <a:ext cx="9080744" cy="2401427"/>
-            <a:chOff x="1555628" y="4286734"/>
-            <a:chExt cx="9080744" cy="2401427"/>
-          </a:xfrm>
-        </p:grpSpPr>
-        <p:sp>
-          <p:nvSpPr>
-            <p:cNvPr id="37" name="Rectangle 36">
-              <a:extLst>
-                <a:ext uri="{FF2B5EF4-FFF2-40B4-BE49-F238E27FC236}">
-                  <a16:creationId xmlns:a16="http://schemas.microsoft.com/office/drawing/2014/main" id="{35750910-2495-44F8-A322-D8559608832A}"/>
-                </a:ext>
-              </a:extLst>
-            </p:cNvPr>
-            <p:cNvSpPr/>
-            <p:nvPr/>
-          </p:nvSpPr>
-          <p:spPr>
-            <a:xfrm rot="5400000">
-              <a:off x="5909542" y="39209"/>
-              <a:ext cx="372907" cy="8867957"/>
-            </a:xfrm>
-            <a:prstGeom prst="rect">
-              <a:avLst/>
-            </a:prstGeom>
-            <a:noFill/>
-            <a:ln w="19050">
-              <a:noFill/>
-            </a:ln>
-          </p:spPr>
-          <p:style>
-            <a:lnRef idx="2">
-              <a:schemeClr val="accent2"/>
-            </a:lnRef>
-            <a:fillRef idx="1">
-              <a:schemeClr val="lt1"/>
-            </a:fillRef>
-            <a:effectRef idx="0">
-              <a:schemeClr val="accent2"/>
-            </a:effectRef>
-            <a:fontRef idx="minor">
-              <a:schemeClr val="dk1"/>
-            </a:fontRef>
-          </p:style>
-          <p:txBody>
-            <a:bodyPr vert="vert270" rtlCol="0" anchor="ctr"/>
-            <a:lstStyle/>
-            <a:p>
-              <a:r>
-                <a:rPr lang="en-US" sz="1400" b="1" dirty="0">
-                  <a:solidFill>
-                    <a:srgbClr val="0070C0"/>
-                  </a:solidFill>
-                  <a:latin typeface="Segoe UI (Body)"/>
-                  <a:cs typeface="Tahoma"/>
-                </a:rPr>
-                <a:t>Autoscaling Resource Group</a:t>
-              </a:r>
-              <a:endParaRPr lang="en-BE" sz="1400" b="1" dirty="0" err="1">
-                <a:solidFill>
-                  <a:srgbClr val="0070C0"/>
-                </a:solidFill>
-                <a:latin typeface="Segoe UI (Body)"/>
-                <a:cs typeface="Tahoma"/>
-              </a:endParaRPr>
-            </a:p>
-          </p:txBody>
-        </p:sp>
-        <p:sp>
-          <p:nvSpPr>
-            <p:cNvPr id="4" name="Rectangle 3">
-              <a:extLst>
-                <a:ext uri="{FF2B5EF4-FFF2-40B4-BE49-F238E27FC236}">
-                  <a16:creationId xmlns:a16="http://schemas.microsoft.com/office/drawing/2014/main" id="{CE38808B-6FDA-40E6-AB7C-74B0ADA195CB}"/>
-                </a:ext>
-              </a:extLst>
-            </p:cNvPr>
-            <p:cNvSpPr/>
-            <p:nvPr/>
-          </p:nvSpPr>
-          <p:spPr>
-            <a:xfrm>
-              <a:off x="1555628" y="4680194"/>
-              <a:ext cx="9080744" cy="2007967"/>
-            </a:xfrm>
-            <a:prstGeom prst="rect">
-              <a:avLst/>
-            </a:prstGeom>
-            <a:ln>
-              <a:solidFill>
-                <a:srgbClr val="0070C0"/>
-              </a:solidFill>
-            </a:ln>
-          </p:spPr>
-          <p:style>
-            <a:lnRef idx="2">
-              <a:schemeClr val="accent3"/>
-            </a:lnRef>
-            <a:fillRef idx="1">
-              <a:schemeClr val="lt1"/>
-            </a:fillRef>
-            <a:effectRef idx="0">
-              <a:schemeClr val="accent3"/>
-            </a:effectRef>
-            <a:fontRef idx="minor">
-              <a:schemeClr val="dk1"/>
-            </a:fontRef>
-          </p:style>
-          <p:txBody>
-            <a:bodyPr rtlCol="0" anchor="ctr"/>
-            <a:lstStyle/>
-            <a:p>
-              <a:pPr algn="ctr"/>
-              <a:endParaRPr lang="en-BE" dirty="0" err="1">
-                <a:solidFill>
-                  <a:schemeClr val="bg1"/>
-                </a:solidFill>
-                <a:latin typeface="Tahoma"/>
-                <a:cs typeface="Tahoma"/>
-              </a:endParaRPr>
-            </a:p>
-          </p:txBody>
-        </p:sp>
-        <p:grpSp>
-          <p:nvGrpSpPr>
-            <p:cNvPr id="24" name="Group 23">
-              <a:extLst>
-                <a:ext uri="{FF2B5EF4-FFF2-40B4-BE49-F238E27FC236}">
-                  <a16:creationId xmlns:a16="http://schemas.microsoft.com/office/drawing/2014/main" id="{82B177E6-1275-4035-A10A-A8E42B9C2DD6}"/>
-                </a:ext>
-              </a:extLst>
-            </p:cNvPr>
-            <p:cNvGrpSpPr/>
-            <p:nvPr/>
-          </p:nvGrpSpPr>
-          <p:grpSpPr>
-            <a:xfrm>
-              <a:off x="4241663" y="4926852"/>
-              <a:ext cx="1546662" cy="688943"/>
-              <a:chOff x="4241663" y="4553443"/>
-              <a:chExt cx="1546662" cy="688943"/>
-            </a:xfrm>
-          </p:grpSpPr>
-          <p:pic>
-            <p:nvPicPr>
-              <p:cNvPr id="11" name="Picture 10">
-                <a:extLst>
-                  <a:ext uri="{FF2B5EF4-FFF2-40B4-BE49-F238E27FC236}">
-                    <a16:creationId xmlns:a16="http://schemas.microsoft.com/office/drawing/2014/main" id="{34BFD849-9E2F-40D7-A921-46AB74EA8630}"/>
-                  </a:ext>
-                </a:extLst>
-              </p:cNvPr>
-              <p:cNvPicPr>
-                <a:picLocks noChangeAspect="1"/>
-              </p:cNvPicPr>
-              <p:nvPr/>
-            </p:nvPicPr>
-            <p:blipFill>
-              <a:blip r:embed="rId6"/>
-              <a:stretch>
-                <a:fillRect/>
-              </a:stretch>
-            </p:blipFill>
-            <p:spPr>
-              <a:xfrm>
-                <a:off x="4723038" y="4553443"/>
-                <a:ext cx="583912" cy="455862"/>
-              </a:xfrm>
-              <a:prstGeom prst="rect">
-                <a:avLst/>
-              </a:prstGeom>
-            </p:spPr>
-          </p:pic>
-          <p:sp>
-            <p:nvSpPr>
-              <p:cNvPr id="14" name="Rectangle 13">
-                <a:extLst>
-                  <a:ext uri="{FF2B5EF4-FFF2-40B4-BE49-F238E27FC236}">
-                    <a16:creationId xmlns:a16="http://schemas.microsoft.com/office/drawing/2014/main" id="{679C8248-5E52-4539-AB77-1F838A2A22DE}"/>
-                  </a:ext>
-                </a:extLst>
-              </p:cNvPr>
-              <p:cNvSpPr/>
-              <p:nvPr/>
-            </p:nvSpPr>
-            <p:spPr>
-              <a:xfrm rot="5400000">
-                <a:off x="4898453" y="4352515"/>
-                <a:ext cx="233081" cy="1546662"/>
-              </a:xfrm>
-              <a:prstGeom prst="rect">
-                <a:avLst/>
-              </a:prstGeom>
-              <a:noFill/>
-              <a:ln w="19050">
-                <a:noFill/>
-              </a:ln>
-            </p:spPr>
-            <p:style>
-              <a:lnRef idx="2">
-                <a:schemeClr val="accent2"/>
-              </a:lnRef>
-              <a:fillRef idx="1">
-                <a:schemeClr val="lt1"/>
-              </a:fillRef>
-              <a:effectRef idx="0">
-                <a:schemeClr val="accent2"/>
-              </a:effectRef>
-              <a:fontRef idx="minor">
-                <a:schemeClr val="dk1"/>
-              </a:fontRef>
-            </p:style>
-            <p:txBody>
-              <a:bodyPr vert="vert270" rtlCol="0" anchor="ctr"/>
-              <a:lstStyle/>
-              <a:p>
-                <a:pPr algn="ctr"/>
-                <a:r>
-                  <a:rPr lang="en-US" sz="1050" b="1" dirty="0">
-                    <a:solidFill>
-                      <a:srgbClr val="080808"/>
-                    </a:solidFill>
-                    <a:latin typeface="Segoe UI (Body)"/>
-                    <a:cs typeface="Tahoma"/>
-                  </a:rPr>
-                  <a:t>Scale Controller (Out)</a:t>
-                </a:r>
-                <a:endParaRPr lang="en-BE" sz="1050" b="1" dirty="0" err="1">
-                  <a:solidFill>
-                    <a:srgbClr val="080808"/>
-                  </a:solidFill>
-                  <a:latin typeface="Segoe UI (Body)"/>
-                  <a:cs typeface="Tahoma"/>
-                </a:endParaRPr>
-              </a:p>
-            </p:txBody>
-          </p:sp>
-        </p:grpSp>
-        <p:grpSp>
-          <p:nvGrpSpPr>
-            <p:cNvPr id="29" name="Group 28">
-              <a:extLst>
-                <a:ext uri="{FF2B5EF4-FFF2-40B4-BE49-F238E27FC236}">
-                  <a16:creationId xmlns:a16="http://schemas.microsoft.com/office/drawing/2014/main" id="{E37289CD-0394-4197-8800-433447338F83}"/>
-                </a:ext>
-              </a:extLst>
-            </p:cNvPr>
-            <p:cNvGrpSpPr/>
-            <p:nvPr/>
-          </p:nvGrpSpPr>
-          <p:grpSpPr>
-            <a:xfrm>
-              <a:off x="6542040" y="4926852"/>
-              <a:ext cx="1546662" cy="828770"/>
-              <a:chOff x="6542040" y="4553443"/>
-              <a:chExt cx="1546662" cy="828770"/>
-            </a:xfrm>
-          </p:grpSpPr>
-          <p:pic>
-            <p:nvPicPr>
-              <p:cNvPr id="62" name="Picture 61">
-                <a:extLst>
-                  <a:ext uri="{FF2B5EF4-FFF2-40B4-BE49-F238E27FC236}">
-                    <a16:creationId xmlns:a16="http://schemas.microsoft.com/office/drawing/2014/main" id="{3B05CADA-D53F-4ADC-8E3D-CEF959B51E93}"/>
-                  </a:ext>
-                </a:extLst>
-              </p:cNvPr>
-              <p:cNvPicPr>
-                <a:picLocks noChangeAspect="1"/>
-              </p:cNvPicPr>
-              <p:nvPr/>
-            </p:nvPicPr>
-            <p:blipFill>
-              <a:blip r:embed="rId6"/>
-              <a:stretch>
-                <a:fillRect/>
-              </a:stretch>
-            </p:blipFill>
-            <p:spPr>
-              <a:xfrm>
-                <a:off x="7023415" y="4553443"/>
-                <a:ext cx="583912" cy="455862"/>
-              </a:xfrm>
-              <a:prstGeom prst="rect">
-                <a:avLst/>
-              </a:prstGeom>
-            </p:spPr>
-          </p:pic>
-          <p:sp>
-            <p:nvSpPr>
-              <p:cNvPr id="63" name="Rectangle 62">
-                <a:extLst>
-                  <a:ext uri="{FF2B5EF4-FFF2-40B4-BE49-F238E27FC236}">
-                    <a16:creationId xmlns:a16="http://schemas.microsoft.com/office/drawing/2014/main" id="{28896B78-4D78-4BE0-8091-2D95FAFEFE0D}"/>
-                  </a:ext>
-                </a:extLst>
-              </p:cNvPr>
-              <p:cNvSpPr/>
-              <p:nvPr/>
-            </p:nvSpPr>
-            <p:spPr>
-              <a:xfrm rot="5400000">
-                <a:off x="7096570" y="4390081"/>
-                <a:ext cx="437602" cy="1546662"/>
-              </a:xfrm>
-              <a:prstGeom prst="rect">
-                <a:avLst/>
-              </a:prstGeom>
-              <a:noFill/>
-              <a:ln w="19050">
-                <a:noFill/>
-              </a:ln>
-            </p:spPr>
-            <p:style>
-              <a:lnRef idx="2">
-                <a:schemeClr val="accent2"/>
-              </a:lnRef>
-              <a:fillRef idx="1">
-                <a:schemeClr val="lt1"/>
-              </a:fillRef>
-              <a:effectRef idx="0">
-                <a:schemeClr val="accent2"/>
-              </a:effectRef>
-              <a:fontRef idx="minor">
-                <a:schemeClr val="dk1"/>
-              </a:fontRef>
-            </p:style>
-            <p:txBody>
-              <a:bodyPr vert="vert270" rtlCol="0" anchor="t"/>
-              <a:lstStyle/>
-              <a:p>
-                <a:pPr algn="ctr"/>
-                <a:r>
-                  <a:rPr lang="en-US" sz="1050" b="1" dirty="0">
-                    <a:solidFill>
-                      <a:srgbClr val="080808"/>
-                    </a:solidFill>
-                    <a:latin typeface="Segoe UI (Body)"/>
-                    <a:cs typeface="Tahoma"/>
-                  </a:rPr>
-                  <a:t>Scale Controller (In)</a:t>
-                </a:r>
-                <a:endParaRPr lang="en-BE" sz="1050" b="1" dirty="0" err="1">
-                  <a:solidFill>
-                    <a:srgbClr val="080808"/>
-                  </a:solidFill>
-                  <a:latin typeface="Segoe UI (Body)"/>
-                  <a:cs typeface="Tahoma"/>
-                </a:endParaRPr>
-              </a:p>
-            </p:txBody>
-          </p:sp>
-        </p:grpSp>
-        <p:grpSp>
-          <p:nvGrpSpPr>
-            <p:cNvPr id="50" name="Group 49">
-              <a:extLst>
-                <a:ext uri="{FF2B5EF4-FFF2-40B4-BE49-F238E27FC236}">
-                  <a16:creationId xmlns:a16="http://schemas.microsoft.com/office/drawing/2014/main" id="{613BA51B-D2AA-4450-9AAF-7392522A750F}"/>
-                </a:ext>
-              </a:extLst>
-            </p:cNvPr>
-            <p:cNvGrpSpPr/>
-            <p:nvPr/>
-          </p:nvGrpSpPr>
-          <p:grpSpPr>
-            <a:xfrm>
-              <a:off x="5337121" y="5789221"/>
-              <a:ext cx="1546662" cy="811538"/>
-              <a:chOff x="5358119" y="5578937"/>
-              <a:chExt cx="1546662" cy="811538"/>
-            </a:xfrm>
-          </p:grpSpPr>
-          <p:pic>
-            <p:nvPicPr>
-              <p:cNvPr id="40" name="Picture 39">
-                <a:extLst>
-                  <a:ext uri="{FF2B5EF4-FFF2-40B4-BE49-F238E27FC236}">
-                    <a16:creationId xmlns:a16="http://schemas.microsoft.com/office/drawing/2014/main" id="{C31D04D2-6CEA-4C91-BC78-E46596619B34}"/>
-                  </a:ext>
-                </a:extLst>
-              </p:cNvPr>
-              <p:cNvPicPr>
-                <a:picLocks noChangeAspect="1"/>
-              </p:cNvPicPr>
-              <p:nvPr/>
-            </p:nvPicPr>
-            <p:blipFill>
-              <a:blip r:embed="rId7"/>
-              <a:stretch>
-                <a:fillRect/>
-              </a:stretch>
-            </p:blipFill>
-            <p:spPr>
-              <a:xfrm>
-                <a:off x="5901881" y="5578937"/>
-                <a:ext cx="459138" cy="457200"/>
-              </a:xfrm>
-              <a:prstGeom prst="rect">
-                <a:avLst/>
-              </a:prstGeom>
-            </p:spPr>
-          </p:pic>
-          <p:sp>
-            <p:nvSpPr>
-              <p:cNvPr id="41" name="Rectangle 40">
-                <a:extLst>
-                  <a:ext uri="{FF2B5EF4-FFF2-40B4-BE49-F238E27FC236}">
-                    <a16:creationId xmlns:a16="http://schemas.microsoft.com/office/drawing/2014/main" id="{03C3FEAE-7DB3-4094-83E3-25F81C04CF60}"/>
-                  </a:ext>
-                </a:extLst>
-              </p:cNvPr>
-              <p:cNvSpPr/>
-              <p:nvPr/>
-            </p:nvSpPr>
-            <p:spPr>
-              <a:xfrm rot="5400000">
-                <a:off x="5912649" y="5398343"/>
-                <a:ext cx="437602" cy="1546662"/>
-              </a:xfrm>
-              <a:prstGeom prst="rect">
-                <a:avLst/>
-              </a:prstGeom>
-              <a:noFill/>
-              <a:ln w="19050">
-                <a:noFill/>
-              </a:ln>
-            </p:spPr>
-            <p:style>
-              <a:lnRef idx="2">
-                <a:schemeClr val="accent2"/>
-              </a:lnRef>
-              <a:fillRef idx="1">
-                <a:schemeClr val="lt1"/>
-              </a:fillRef>
-              <a:effectRef idx="0">
-                <a:schemeClr val="accent2"/>
-              </a:effectRef>
-              <a:fontRef idx="minor">
-                <a:schemeClr val="dk1"/>
-              </a:fontRef>
-            </p:style>
-            <p:txBody>
-              <a:bodyPr vert="vert270" rtlCol="0" anchor="ctr"/>
-              <a:lstStyle/>
-              <a:p>
-                <a:pPr algn="ctr"/>
-                <a:r>
-                  <a:rPr lang="en-US" sz="1100" dirty="0">
-                    <a:solidFill>
-                      <a:srgbClr val="080808"/>
-                    </a:solidFill>
-                    <a:latin typeface="Segoe UI (Body)"/>
-                    <a:cs typeface="Tahoma"/>
-                  </a:rPr>
-                  <a:t>Scaling Events</a:t>
-                </a:r>
-                <a:endParaRPr lang="en-BE" sz="1100" dirty="0" err="1">
-                  <a:solidFill>
-                    <a:srgbClr val="080808"/>
-                  </a:solidFill>
-                  <a:latin typeface="Segoe UI (Body)"/>
-                  <a:cs typeface="Tahoma"/>
-                </a:endParaRPr>
-              </a:p>
-            </p:txBody>
-          </p:sp>
-        </p:grpSp>
-        <p:cxnSp>
-          <p:nvCxnSpPr>
-            <p:cNvPr id="49" name="Connector: Elbow 48">
-              <a:extLst>
-                <a:ext uri="{FF2B5EF4-FFF2-40B4-BE49-F238E27FC236}">
-                  <a16:creationId xmlns:a16="http://schemas.microsoft.com/office/drawing/2014/main" id="{0150E758-89EC-47FF-8F30-0415FAF58E86}"/>
-                </a:ext>
-              </a:extLst>
-            </p:cNvPr>
-            <p:cNvCxnSpPr>
-              <a:cxnSpLocks/>
-              <a:stCxn id="11" idx="3"/>
-            </p:cNvCxnSpPr>
-            <p:nvPr/>
-          </p:nvCxnSpPr>
-          <p:spPr>
-            <a:xfrm>
-              <a:off x="5306950" y="5154783"/>
-              <a:ext cx="738047" cy="529394"/>
-            </a:xfrm>
-            <a:prstGeom prst="bentConnector3">
-              <a:avLst>
-                <a:gd name="adj1" fmla="val 100332"/>
-              </a:avLst>
-            </a:prstGeom>
-            <a:ln w="19050">
-              <a:solidFill>
-                <a:schemeClr val="accent5"/>
-              </a:solidFill>
-              <a:prstDash val="sysDot"/>
-              <a:tailEnd type="triangle"/>
-            </a:ln>
-          </p:spPr>
-          <p:style>
-            <a:lnRef idx="1">
-              <a:schemeClr val="accent3"/>
-            </a:lnRef>
-            <a:fillRef idx="0">
-              <a:schemeClr val="accent3"/>
-            </a:fillRef>
-            <a:effectRef idx="0">
-              <a:schemeClr val="accent3"/>
-            </a:effectRef>
-            <a:fontRef idx="minor">
-              <a:schemeClr val="tx1"/>
-            </a:fontRef>
-          </p:style>
-        </p:cxnSp>
-        <p:cxnSp>
-          <p:nvCxnSpPr>
-            <p:cNvPr id="92" name="Connector: Elbow 91">
-              <a:extLst>
-                <a:ext uri="{FF2B5EF4-FFF2-40B4-BE49-F238E27FC236}">
-                  <a16:creationId xmlns:a16="http://schemas.microsoft.com/office/drawing/2014/main" id="{3A2A65DB-5C09-456C-A503-900BE30679B5}"/>
-                </a:ext>
-              </a:extLst>
-            </p:cNvPr>
-            <p:cNvCxnSpPr>
-              <a:cxnSpLocks/>
-              <a:stCxn id="62" idx="1"/>
-            </p:cNvCxnSpPr>
-            <p:nvPr/>
-          </p:nvCxnSpPr>
-          <p:spPr>
-            <a:xfrm rot="10800000" flipV="1">
-              <a:off x="6218205" y="5154783"/>
-              <a:ext cx="805210" cy="529394"/>
-            </a:xfrm>
-            <a:prstGeom prst="bentConnector3">
-              <a:avLst>
-                <a:gd name="adj1" fmla="val 99683"/>
-              </a:avLst>
-            </a:prstGeom>
-            <a:ln w="19050">
-              <a:solidFill>
-                <a:schemeClr val="accent5"/>
-              </a:solidFill>
-              <a:prstDash val="sysDot"/>
-              <a:tailEnd type="triangle"/>
-            </a:ln>
-          </p:spPr>
-          <p:style>
-            <a:lnRef idx="1">
-              <a:schemeClr val="accent3"/>
-            </a:lnRef>
-            <a:fillRef idx="0">
-              <a:schemeClr val="accent3"/>
-            </a:fillRef>
-            <a:effectRef idx="0">
-              <a:schemeClr val="accent3"/>
-            </a:effectRef>
-            <a:fontRef idx="minor">
-              <a:schemeClr val="tx1"/>
-            </a:fontRef>
-          </p:style>
-        </p:cxnSp>
-        <p:grpSp>
-          <p:nvGrpSpPr>
-            <p:cNvPr id="23" name="Group 22">
-              <a:extLst>
-                <a:ext uri="{FF2B5EF4-FFF2-40B4-BE49-F238E27FC236}">
-                  <a16:creationId xmlns:a16="http://schemas.microsoft.com/office/drawing/2014/main" id="{CC4F9785-C271-40BF-BC7F-D1BBE5B25C71}"/>
-                </a:ext>
-              </a:extLst>
-            </p:cNvPr>
-            <p:cNvGrpSpPr/>
-            <p:nvPr/>
-          </p:nvGrpSpPr>
-          <p:grpSpPr>
-            <a:xfrm>
-              <a:off x="2281851" y="4926854"/>
-              <a:ext cx="1546662" cy="846997"/>
-              <a:chOff x="2281851" y="4553445"/>
-              <a:chExt cx="1546662" cy="846997"/>
-            </a:xfrm>
-          </p:grpSpPr>
-          <p:pic>
-            <p:nvPicPr>
-              <p:cNvPr id="100" name="Picture 99">
-                <a:extLst>
-                  <a:ext uri="{FF2B5EF4-FFF2-40B4-BE49-F238E27FC236}">
-                    <a16:creationId xmlns:a16="http://schemas.microsoft.com/office/drawing/2014/main" id="{80340BD3-0E48-4FC3-94E3-454F3B2CFE70}"/>
-                  </a:ext>
-                </a:extLst>
-              </p:cNvPr>
-              <p:cNvPicPr>
-                <a:picLocks noChangeAspect="1"/>
-              </p:cNvPicPr>
-              <p:nvPr/>
-            </p:nvPicPr>
-            <p:blipFill>
-              <a:blip r:embed="rId6"/>
-              <a:stretch>
-                <a:fillRect/>
-              </a:stretch>
-            </p:blipFill>
-            <p:spPr>
-              <a:xfrm>
-                <a:off x="2763228" y="4553445"/>
-                <a:ext cx="583908" cy="455858"/>
-              </a:xfrm>
-              <a:prstGeom prst="rect">
-                <a:avLst/>
-              </a:prstGeom>
-            </p:spPr>
-          </p:pic>
-          <p:sp>
-            <p:nvSpPr>
-              <p:cNvPr id="101" name="Rectangle 100">
-                <a:extLst>
-                  <a:ext uri="{FF2B5EF4-FFF2-40B4-BE49-F238E27FC236}">
-                    <a16:creationId xmlns:a16="http://schemas.microsoft.com/office/drawing/2014/main" id="{8676A514-6DD0-483F-9F5D-3DC6FDBC6C38}"/>
-                  </a:ext>
-                </a:extLst>
-              </p:cNvPr>
-              <p:cNvSpPr/>
-              <p:nvPr/>
-            </p:nvSpPr>
-            <p:spPr>
-              <a:xfrm rot="5400000">
-                <a:off x="2836381" y="4408310"/>
-                <a:ext cx="437602" cy="1546662"/>
-              </a:xfrm>
-              <a:prstGeom prst="rect">
-                <a:avLst/>
-              </a:prstGeom>
-              <a:noFill/>
-              <a:ln w="19050">
-                <a:noFill/>
-              </a:ln>
-            </p:spPr>
-            <p:style>
-              <a:lnRef idx="2">
-                <a:schemeClr val="accent2"/>
-              </a:lnRef>
-              <a:fillRef idx="1">
-                <a:schemeClr val="lt1"/>
-              </a:fillRef>
-              <a:effectRef idx="0">
-                <a:schemeClr val="accent2"/>
-              </a:effectRef>
-              <a:fontRef idx="minor">
-                <a:schemeClr val="dk1"/>
-              </a:fontRef>
-            </p:style>
-            <p:txBody>
-              <a:bodyPr vert="vert270" rtlCol="0" anchor="t"/>
-              <a:lstStyle/>
-              <a:p>
-                <a:pPr algn="ctr"/>
-                <a:r>
-                  <a:rPr lang="en-US" sz="1050" b="1" dirty="0">
-                    <a:solidFill>
-                      <a:srgbClr val="080808"/>
-                    </a:solidFill>
-                    <a:latin typeface="Segoe UI (Body)"/>
-                    <a:cs typeface="Tahoma"/>
-                  </a:rPr>
-                  <a:t>Scale Out</a:t>
-                </a:r>
-                <a:endParaRPr lang="en-BE" sz="1050" b="1" dirty="0" err="1">
-                  <a:solidFill>
-                    <a:srgbClr val="080808"/>
-                  </a:solidFill>
-                  <a:latin typeface="Segoe UI (Body)"/>
-                  <a:cs typeface="Tahoma"/>
-                </a:endParaRPr>
-              </a:p>
-            </p:txBody>
-          </p:sp>
-        </p:grpSp>
-        <p:grpSp>
-          <p:nvGrpSpPr>
-            <p:cNvPr id="28" name="Group 27">
-              <a:extLst>
-                <a:ext uri="{FF2B5EF4-FFF2-40B4-BE49-F238E27FC236}">
-                  <a16:creationId xmlns:a16="http://schemas.microsoft.com/office/drawing/2014/main" id="{A5A02383-B128-4B3E-8B58-9313CABAB90E}"/>
-                </a:ext>
-              </a:extLst>
-            </p:cNvPr>
-            <p:cNvGrpSpPr/>
-            <p:nvPr/>
-          </p:nvGrpSpPr>
-          <p:grpSpPr>
-            <a:xfrm>
-              <a:off x="8504622" y="4926855"/>
-              <a:ext cx="1546662" cy="844242"/>
-              <a:chOff x="8504622" y="4553446"/>
-              <a:chExt cx="1546662" cy="844242"/>
-            </a:xfrm>
-          </p:grpSpPr>
-          <p:pic>
-            <p:nvPicPr>
-              <p:cNvPr id="103" name="Picture 102">
-                <a:extLst>
-                  <a:ext uri="{FF2B5EF4-FFF2-40B4-BE49-F238E27FC236}">
-                    <a16:creationId xmlns:a16="http://schemas.microsoft.com/office/drawing/2014/main" id="{84D7E7D6-2F5E-45B3-87C0-30CC904C72A6}"/>
-                  </a:ext>
-                </a:extLst>
-              </p:cNvPr>
-              <p:cNvPicPr>
-                <a:picLocks noChangeAspect="1"/>
-              </p:cNvPicPr>
-              <p:nvPr/>
-            </p:nvPicPr>
-            <p:blipFill>
-              <a:blip r:embed="rId6"/>
-              <a:stretch>
-                <a:fillRect/>
-              </a:stretch>
-            </p:blipFill>
-            <p:spPr>
-              <a:xfrm>
-                <a:off x="8986000" y="4553446"/>
-                <a:ext cx="583906" cy="455856"/>
-              </a:xfrm>
-              <a:prstGeom prst="rect">
-                <a:avLst/>
-              </a:prstGeom>
-            </p:spPr>
-          </p:pic>
-          <p:sp>
-            <p:nvSpPr>
-              <p:cNvPr id="108" name="Rectangle 107">
-                <a:extLst>
-                  <a:ext uri="{FF2B5EF4-FFF2-40B4-BE49-F238E27FC236}">
-                    <a16:creationId xmlns:a16="http://schemas.microsoft.com/office/drawing/2014/main" id="{806D4719-98F1-49AD-8577-723C4A0A837F}"/>
-                  </a:ext>
-                </a:extLst>
-              </p:cNvPr>
-              <p:cNvSpPr/>
-              <p:nvPr/>
-            </p:nvSpPr>
-            <p:spPr>
-              <a:xfrm rot="5400000">
-                <a:off x="9059152" y="4405556"/>
-                <a:ext cx="437602" cy="1546662"/>
-              </a:xfrm>
-              <a:prstGeom prst="rect">
-                <a:avLst/>
-              </a:prstGeom>
-              <a:noFill/>
-              <a:ln w="19050">
-                <a:noFill/>
-              </a:ln>
-            </p:spPr>
-            <p:style>
-              <a:lnRef idx="2">
-                <a:schemeClr val="accent2"/>
-              </a:lnRef>
-              <a:fillRef idx="1">
-                <a:schemeClr val="lt1"/>
-              </a:fillRef>
-              <a:effectRef idx="0">
-                <a:schemeClr val="accent2"/>
-              </a:effectRef>
-              <a:fontRef idx="minor">
-                <a:schemeClr val="dk1"/>
-              </a:fontRef>
-            </p:style>
-            <p:txBody>
-              <a:bodyPr vert="vert270" rtlCol="0" anchor="t"/>
-              <a:lstStyle/>
-              <a:p>
-                <a:pPr algn="ctr"/>
-                <a:r>
-                  <a:rPr lang="en-US" sz="1050" b="1" dirty="0">
-                    <a:solidFill>
-                      <a:srgbClr val="080808"/>
-                    </a:solidFill>
-                    <a:latin typeface="Segoe UI (Body)"/>
-                    <a:cs typeface="Tahoma"/>
-                  </a:rPr>
-                  <a:t>Scale In</a:t>
-                </a:r>
-                <a:endParaRPr lang="en-BE" sz="1050" b="1" dirty="0" err="1">
-                  <a:solidFill>
-                    <a:srgbClr val="080808"/>
-                  </a:solidFill>
-                  <a:latin typeface="Segoe UI (Body)"/>
-                  <a:cs typeface="Tahoma"/>
-                </a:endParaRPr>
-              </a:p>
-            </p:txBody>
-          </p:sp>
-        </p:grpSp>
-        <p:cxnSp>
-          <p:nvCxnSpPr>
-            <p:cNvPr id="111" name="Connector: Elbow 110">
-              <a:extLst>
-                <a:ext uri="{FF2B5EF4-FFF2-40B4-BE49-F238E27FC236}">
-                  <a16:creationId xmlns:a16="http://schemas.microsoft.com/office/drawing/2014/main" id="{A7C30A02-B126-4BA1-AF0D-B100A74FE28A}"/>
-                </a:ext>
-              </a:extLst>
-            </p:cNvPr>
-            <p:cNvCxnSpPr>
-              <a:cxnSpLocks/>
-              <a:stCxn id="62" idx="3"/>
-              <a:endCxn id="103" idx="1"/>
-            </p:cNvCxnSpPr>
-            <p:nvPr/>
-          </p:nvCxnSpPr>
-          <p:spPr>
-            <a:xfrm>
-              <a:off x="7607327" y="5154783"/>
-              <a:ext cx="1378673" cy="0"/>
-            </a:xfrm>
-            <a:prstGeom prst="straightConnector1">
-              <a:avLst/>
-            </a:prstGeom>
-            <a:ln w="19050">
-              <a:solidFill>
-                <a:schemeClr val="accent5"/>
-              </a:solidFill>
-              <a:prstDash val="solid"/>
-              <a:tailEnd type="triangle"/>
-            </a:ln>
-          </p:spPr>
-          <p:style>
-            <a:lnRef idx="1">
-              <a:schemeClr val="accent3"/>
-            </a:lnRef>
-            <a:fillRef idx="0">
-              <a:schemeClr val="accent3"/>
-            </a:fillRef>
-            <a:effectRef idx="0">
-              <a:schemeClr val="accent3"/>
-            </a:effectRef>
-            <a:fontRef idx="minor">
-              <a:schemeClr val="tx1"/>
-            </a:fontRef>
-          </p:style>
-        </p:cxnSp>
-        <p:cxnSp>
-          <p:nvCxnSpPr>
-            <p:cNvPr id="112" name="Connector: Elbow 110">
-              <a:extLst>
-                <a:ext uri="{FF2B5EF4-FFF2-40B4-BE49-F238E27FC236}">
-                  <a16:creationId xmlns:a16="http://schemas.microsoft.com/office/drawing/2014/main" id="{59C30902-3835-43DF-B681-95A5128C802D}"/>
-                </a:ext>
-              </a:extLst>
-            </p:cNvPr>
-            <p:cNvCxnSpPr>
-              <a:cxnSpLocks/>
-              <a:endCxn id="100" idx="3"/>
-            </p:cNvCxnSpPr>
-            <p:nvPr/>
-          </p:nvCxnSpPr>
-          <p:spPr>
-            <a:xfrm flipH="1">
-              <a:off x="3347136" y="5154783"/>
-              <a:ext cx="1254710" cy="0"/>
-            </a:xfrm>
-            <a:prstGeom prst="straightConnector1">
-              <a:avLst/>
-            </a:prstGeom>
-            <a:ln w="19050">
-              <a:solidFill>
-                <a:schemeClr val="accent5"/>
-              </a:solidFill>
-              <a:prstDash val="solid"/>
-              <a:tailEnd type="triangle"/>
-            </a:ln>
-          </p:spPr>
-          <p:style>
-            <a:lnRef idx="1">
-              <a:schemeClr val="accent3"/>
-            </a:lnRef>
-            <a:fillRef idx="0">
-              <a:schemeClr val="accent3"/>
-            </a:fillRef>
-            <a:effectRef idx="0">
-              <a:schemeClr val="accent3"/>
-            </a:effectRef>
-            <a:fontRef idx="minor">
-              <a:schemeClr val="tx1"/>
-            </a:fontRef>
-          </p:style>
-        </p:cxnSp>
-        <p:grpSp>
-          <p:nvGrpSpPr>
-            <p:cNvPr id="48" name="Group 47">
-              <a:extLst>
-                <a:ext uri="{FF2B5EF4-FFF2-40B4-BE49-F238E27FC236}">
-                  <a16:creationId xmlns:a16="http://schemas.microsoft.com/office/drawing/2014/main" id="{86A55FCC-1B62-47DB-B171-6601EEC301EC}"/>
-                </a:ext>
-              </a:extLst>
-            </p:cNvPr>
-            <p:cNvGrpSpPr/>
-            <p:nvPr/>
-          </p:nvGrpSpPr>
-          <p:grpSpPr>
-            <a:xfrm>
-              <a:off x="2092925" y="5771097"/>
-              <a:ext cx="1814968" cy="865891"/>
-              <a:chOff x="2092925" y="5656397"/>
-              <a:chExt cx="1814968" cy="865891"/>
-            </a:xfrm>
-          </p:grpSpPr>
-          <p:pic>
-            <p:nvPicPr>
-              <p:cNvPr id="93" name="Picture 92">
-                <a:extLst>
-                  <a:ext uri="{FF2B5EF4-FFF2-40B4-BE49-F238E27FC236}">
-                    <a16:creationId xmlns:a16="http://schemas.microsoft.com/office/drawing/2014/main" id="{EB8C1937-E4A0-4EF6-BC40-3BD994591070}"/>
-                  </a:ext>
-                </a:extLst>
-              </p:cNvPr>
-              <p:cNvPicPr>
-                <a:picLocks noChangeAspect="1"/>
-              </p:cNvPicPr>
-              <p:nvPr/>
-            </p:nvPicPr>
-            <p:blipFill>
-              <a:blip r:embed="rId8"/>
-              <a:stretch>
-                <a:fillRect/>
-              </a:stretch>
-            </p:blipFill>
-            <p:spPr>
-              <a:xfrm>
-                <a:off x="2763228" y="5656397"/>
-                <a:ext cx="474362" cy="404308"/>
-              </a:xfrm>
-              <a:prstGeom prst="rect">
-                <a:avLst/>
-              </a:prstGeom>
-            </p:spPr>
-          </p:pic>
-          <p:sp>
-            <p:nvSpPr>
-              <p:cNvPr id="188" name="Rectangle 187">
-                <a:extLst>
-                  <a:ext uri="{FF2B5EF4-FFF2-40B4-BE49-F238E27FC236}">
-                    <a16:creationId xmlns:a16="http://schemas.microsoft.com/office/drawing/2014/main" id="{846F9722-6605-43DF-848B-998099F44944}"/>
-                  </a:ext>
-                </a:extLst>
-              </p:cNvPr>
-              <p:cNvSpPr/>
-              <p:nvPr/>
-            </p:nvSpPr>
-            <p:spPr>
-              <a:xfrm rot="5400000">
-                <a:off x="2781608" y="5396003"/>
-                <a:ext cx="437602" cy="1814968"/>
-              </a:xfrm>
-              <a:prstGeom prst="rect">
-                <a:avLst/>
-              </a:prstGeom>
-              <a:noFill/>
-              <a:ln w="19050">
-                <a:noFill/>
-              </a:ln>
-            </p:spPr>
-            <p:style>
-              <a:lnRef idx="2">
-                <a:schemeClr val="accent2"/>
-              </a:lnRef>
-              <a:fillRef idx="1">
-                <a:schemeClr val="lt1"/>
-              </a:fillRef>
-              <a:effectRef idx="0">
-                <a:schemeClr val="accent2"/>
-              </a:effectRef>
-              <a:fontRef idx="minor">
-                <a:schemeClr val="dk1"/>
-              </a:fontRef>
-            </p:style>
-            <p:txBody>
-              <a:bodyPr vert="vert270" rtlCol="0" anchor="ctr"/>
-              <a:lstStyle/>
-              <a:p>
-                <a:pPr algn="ctr"/>
-                <a:r>
-                  <a:rPr lang="en-US" sz="1100" dirty="0">
-                    <a:solidFill>
-                      <a:srgbClr val="080808"/>
-                    </a:solidFill>
-                    <a:latin typeface="Segoe UI (Body)"/>
-                    <a:cs typeface="Tahoma"/>
-                  </a:rPr>
-                  <a:t>Deployment Template</a:t>
-                </a:r>
-                <a:br>
-                  <a:rPr lang="en-US" sz="1100" dirty="0">
-                    <a:solidFill>
-                      <a:srgbClr val="080808"/>
-                    </a:solidFill>
-                    <a:latin typeface="Segoe UI (Body)"/>
-                    <a:cs typeface="Tahoma"/>
-                  </a:rPr>
-                </a:br>
-                <a:r>
-                  <a:rPr lang="en-US" sz="1100" dirty="0">
-                    <a:solidFill>
-                      <a:srgbClr val="080808"/>
-                    </a:solidFill>
-                    <a:latin typeface="Segoe UI (Body)"/>
-                    <a:cs typeface="Tahoma"/>
-                  </a:rPr>
-                  <a:t>Catalog</a:t>
-                </a:r>
-                <a:endParaRPr lang="en-BE" sz="1100" dirty="0" err="1">
-                  <a:solidFill>
-                    <a:srgbClr val="080808"/>
-                  </a:solidFill>
-                  <a:latin typeface="Segoe UI (Body)"/>
-                  <a:cs typeface="Tahoma"/>
-                </a:endParaRPr>
-              </a:p>
-            </p:txBody>
-          </p:sp>
-        </p:grpSp>
-        <p:sp>
-          <p:nvSpPr>
-            <p:cNvPr id="44" name="Oval 43">
-              <a:extLst>
-                <a:ext uri="{FF2B5EF4-FFF2-40B4-BE49-F238E27FC236}">
-                  <a16:creationId xmlns:a16="http://schemas.microsoft.com/office/drawing/2014/main" id="{52D19C66-EED4-4C79-95C0-1EC3EBBD84A7}"/>
-                </a:ext>
-              </a:extLst>
-            </p:cNvPr>
-            <p:cNvSpPr/>
-            <p:nvPr/>
-          </p:nvSpPr>
-          <p:spPr>
-            <a:xfrm>
-              <a:off x="6000762" y="4887573"/>
-              <a:ext cx="202242" cy="194557"/>
-            </a:xfrm>
-            <a:prstGeom prst="ellipse">
-              <a:avLst/>
-            </a:prstGeom>
-            <a:ln w="12700"/>
-          </p:spPr>
-          <p:style>
-            <a:lnRef idx="2">
-              <a:schemeClr val="dk1"/>
-            </a:lnRef>
-            <a:fillRef idx="1">
-              <a:schemeClr val="lt1"/>
-            </a:fillRef>
-            <a:effectRef idx="0">
-              <a:schemeClr val="dk1"/>
-            </a:effectRef>
-            <a:fontRef idx="minor">
-              <a:schemeClr val="dk1"/>
-            </a:fontRef>
-          </p:style>
-          <p:txBody>
-            <a:bodyPr rtlCol="0" anchor="ctr"/>
-            <a:lstStyle/>
-            <a:p>
-              <a:pPr algn="ctr"/>
-              <a:r>
-                <a:rPr lang="en-US" sz="1400" dirty="0">
-                  <a:solidFill>
-                    <a:srgbClr val="080808"/>
-                  </a:solidFill>
-                  <a:cs typeface="Tahoma"/>
-                </a:rPr>
-                <a:t>3</a:t>
-              </a:r>
-              <a:endParaRPr lang="LID4096" sz="1400" dirty="0" err="1">
-                <a:solidFill>
-                  <a:srgbClr val="080808"/>
-                </a:solidFill>
-                <a:cs typeface="Tahoma"/>
-              </a:endParaRPr>
-            </a:p>
-          </p:txBody>
-        </p:sp>
-        <p:sp>
-          <p:nvSpPr>
-            <p:cNvPr id="45" name="Oval 44">
-              <a:extLst>
-                <a:ext uri="{FF2B5EF4-FFF2-40B4-BE49-F238E27FC236}">
-                  <a16:creationId xmlns:a16="http://schemas.microsoft.com/office/drawing/2014/main" id="{9604885A-B68A-48BB-8898-CD5C96CF5ADC}"/>
-                </a:ext>
-              </a:extLst>
-            </p:cNvPr>
-            <p:cNvSpPr/>
-            <p:nvPr/>
-          </p:nvSpPr>
-          <p:spPr>
-            <a:xfrm>
-              <a:off x="3525150" y="5061175"/>
-              <a:ext cx="202242" cy="194557"/>
-            </a:xfrm>
-            <a:prstGeom prst="ellipse">
-              <a:avLst/>
-            </a:prstGeom>
-            <a:ln w="12700"/>
-          </p:spPr>
-          <p:style>
-            <a:lnRef idx="2">
-              <a:schemeClr val="dk1"/>
-            </a:lnRef>
-            <a:fillRef idx="1">
-              <a:schemeClr val="lt1"/>
-            </a:fillRef>
-            <a:effectRef idx="0">
-              <a:schemeClr val="dk1"/>
-            </a:effectRef>
-            <a:fontRef idx="minor">
-              <a:schemeClr val="dk1"/>
-            </a:fontRef>
-          </p:style>
-          <p:txBody>
-            <a:bodyPr rtlCol="0" anchor="ctr"/>
-            <a:lstStyle/>
-            <a:p>
-              <a:pPr algn="ctr"/>
-              <a:r>
-                <a:rPr lang="en-US" sz="1400" dirty="0">
-                  <a:solidFill>
-                    <a:srgbClr val="080808"/>
-                  </a:solidFill>
-                  <a:cs typeface="Tahoma"/>
-                </a:rPr>
-                <a:t>5</a:t>
-              </a:r>
-              <a:endParaRPr lang="LID4096" sz="1400" dirty="0" err="1">
-                <a:solidFill>
-                  <a:srgbClr val="080808"/>
-                </a:solidFill>
-                <a:cs typeface="Tahoma"/>
-              </a:endParaRPr>
-            </a:p>
-          </p:txBody>
-        </p:sp>
-        <p:sp>
-          <p:nvSpPr>
-            <p:cNvPr id="95" name="Oval 94">
-              <a:extLst>
-                <a:ext uri="{FF2B5EF4-FFF2-40B4-BE49-F238E27FC236}">
-                  <a16:creationId xmlns:a16="http://schemas.microsoft.com/office/drawing/2014/main" id="{FB2DECD0-61C4-4D04-BDB0-B6DE5F85A0E3}"/>
-                </a:ext>
-              </a:extLst>
-            </p:cNvPr>
-            <p:cNvSpPr/>
-            <p:nvPr/>
-          </p:nvSpPr>
-          <p:spPr>
-            <a:xfrm>
-              <a:off x="10059710" y="5061175"/>
-              <a:ext cx="202242" cy="194557"/>
-            </a:xfrm>
-            <a:prstGeom prst="ellipse">
-              <a:avLst/>
-            </a:prstGeom>
-            <a:ln w="12700"/>
-          </p:spPr>
-          <p:style>
-            <a:lnRef idx="2">
-              <a:schemeClr val="dk1"/>
-            </a:lnRef>
-            <a:fillRef idx="1">
-              <a:schemeClr val="lt1"/>
-            </a:fillRef>
-            <a:effectRef idx="0">
-              <a:schemeClr val="dk1"/>
-            </a:effectRef>
-            <a:fontRef idx="minor">
-              <a:schemeClr val="dk1"/>
-            </a:fontRef>
-          </p:style>
-          <p:txBody>
-            <a:bodyPr rtlCol="0" anchor="ctr"/>
-            <a:lstStyle/>
-            <a:p>
-              <a:pPr algn="ctr"/>
-              <a:r>
-                <a:rPr lang="en-US" sz="1400" dirty="0">
-                  <a:solidFill>
-                    <a:srgbClr val="080808"/>
-                  </a:solidFill>
-                  <a:cs typeface="Tahoma"/>
-                </a:rPr>
-                <a:t>4</a:t>
-              </a:r>
-              <a:endParaRPr lang="LID4096" sz="1400" dirty="0" err="1">
-                <a:solidFill>
-                  <a:srgbClr val="080808"/>
-                </a:solidFill>
-                <a:cs typeface="Tahoma"/>
-              </a:endParaRPr>
-            </a:p>
-          </p:txBody>
-        </p:sp>
-      </p:grpSp>
-      <p:grpSp>
-        <p:nvGrpSpPr>
           <p:cNvPr id="9" name="Group 8">
             <a:extLst>
               <a:ext uri="{FF2B5EF4-FFF2-40B4-BE49-F238E27FC236}">
@@ -27955,13 +26599,13 @@
               <p:nvPr/>
             </p:nvPicPr>
             <p:blipFill>
-              <a:blip r:embed="rId9">
+              <a:blip r:embed="rId6">
                 <a:extLst>
                   <a:ext uri="{28A0092B-C50C-407E-A947-70E740481C1C}">
                     <a14:useLocalDpi xmlns:a14="http://schemas.microsoft.com/office/drawing/2010/main" val="0"/>
                   </a:ext>
                   <a:ext uri="{96DAC541-7B7A-43D3-8B79-37D633B846F1}">
-                    <asvg:svgBlip xmlns:asvg="http://schemas.microsoft.com/office/drawing/2016/SVG/main" r:embed="rId10"/>
+                    <asvg:svgBlip xmlns:asvg="http://schemas.microsoft.com/office/drawing/2016/SVG/main" r:embed="rId7"/>
                   </a:ext>
                 </a:extLst>
               </a:blip>
@@ -28090,13 +26734,13 @@
               <p:nvPr/>
             </p:nvPicPr>
             <p:blipFill>
-              <a:blip r:embed="rId9">
+              <a:blip r:embed="rId6">
                 <a:extLst>
                   <a:ext uri="{28A0092B-C50C-407E-A947-70E740481C1C}">
                     <a14:useLocalDpi xmlns:a14="http://schemas.microsoft.com/office/drawing/2010/main" val="0"/>
                   </a:ext>
                   <a:ext uri="{96DAC541-7B7A-43D3-8B79-37D633B846F1}">
-                    <asvg:svgBlip xmlns:asvg="http://schemas.microsoft.com/office/drawing/2016/SVG/main" r:embed="rId10"/>
+                    <asvg:svgBlip xmlns:asvg="http://schemas.microsoft.com/office/drawing/2016/SVG/main" r:embed="rId7"/>
                   </a:ext>
                 </a:extLst>
               </a:blip>
@@ -28345,7 +26989,7 @@
               <p:nvPr/>
             </p:nvPicPr>
             <p:blipFill>
-              <a:blip r:embed="rId6"/>
+              <a:blip r:embed="rId8"/>
               <a:stretch>
                 <a:fillRect/>
               </a:stretch>
@@ -28460,7 +27104,7 @@
               <p:nvPr/>
             </p:nvPicPr>
             <p:blipFill>
-              <a:blip r:embed="rId6"/>
+              <a:blip r:embed="rId8"/>
               <a:stretch>
                 <a:fillRect/>
               </a:stretch>
@@ -28575,7 +27219,7 @@
               <p:nvPr/>
             </p:nvPicPr>
             <p:blipFill>
-              <a:blip r:embed="rId6"/>
+              <a:blip r:embed="rId8"/>
               <a:stretch>
                 <a:fillRect/>
               </a:stretch>
@@ -28801,7 +27445,7 @@
               <p:nvPr/>
             </p:nvPicPr>
             <p:blipFill>
-              <a:blip r:embed="rId6"/>
+              <a:blip r:embed="rId8"/>
               <a:stretch>
                 <a:fillRect/>
               </a:stretch>
@@ -29087,6 +27731,1362 @@
           </p:style>
         </p:cxnSp>
       </p:grpSp>
+      <p:grpSp>
+        <p:nvGrpSpPr>
+          <p:cNvPr id="3" name="Group 2">
+            <a:extLst>
+              <a:ext uri="{FF2B5EF4-FFF2-40B4-BE49-F238E27FC236}">
+                <a16:creationId xmlns:a16="http://schemas.microsoft.com/office/drawing/2014/main" id="{DA0A1EC6-1891-49F5-95C8-586BE42DB4D4}"/>
+              </a:ext>
+            </a:extLst>
+          </p:cNvPr>
+          <p:cNvGrpSpPr/>
+          <p:nvPr/>
+        </p:nvGrpSpPr>
+        <p:grpSpPr>
+          <a:xfrm>
+            <a:off x="1555628" y="4286734"/>
+            <a:ext cx="9080744" cy="2401427"/>
+            <a:chOff x="1555628" y="4286734"/>
+            <a:chExt cx="9080744" cy="2401427"/>
+          </a:xfrm>
+        </p:grpSpPr>
+        <p:sp>
+          <p:nvSpPr>
+            <p:cNvPr id="4" name="Rectangle 3">
+              <a:extLst>
+                <a:ext uri="{FF2B5EF4-FFF2-40B4-BE49-F238E27FC236}">
+                  <a16:creationId xmlns:a16="http://schemas.microsoft.com/office/drawing/2014/main" id="{CE38808B-6FDA-40E6-AB7C-74B0ADA195CB}"/>
+                </a:ext>
+              </a:extLst>
+            </p:cNvPr>
+            <p:cNvSpPr/>
+            <p:nvPr/>
+          </p:nvSpPr>
+          <p:spPr>
+            <a:xfrm>
+              <a:off x="1555628" y="4680194"/>
+              <a:ext cx="9080744" cy="2007967"/>
+            </a:xfrm>
+            <a:prstGeom prst="rect">
+              <a:avLst/>
+            </a:prstGeom>
+            <a:ln>
+              <a:solidFill>
+                <a:srgbClr val="0070C0"/>
+              </a:solidFill>
+            </a:ln>
+          </p:spPr>
+          <p:style>
+            <a:lnRef idx="2">
+              <a:schemeClr val="accent3"/>
+            </a:lnRef>
+            <a:fillRef idx="1">
+              <a:schemeClr val="lt1"/>
+            </a:fillRef>
+            <a:effectRef idx="0">
+              <a:schemeClr val="accent3"/>
+            </a:effectRef>
+            <a:fontRef idx="minor">
+              <a:schemeClr val="dk1"/>
+            </a:fontRef>
+          </p:style>
+          <p:txBody>
+            <a:bodyPr rtlCol="0" anchor="ctr"/>
+            <a:lstStyle/>
+            <a:p>
+              <a:pPr algn="ctr"/>
+              <a:endParaRPr lang="en-BE" dirty="0" err="1">
+                <a:solidFill>
+                  <a:schemeClr val="bg1"/>
+                </a:solidFill>
+                <a:latin typeface="Tahoma"/>
+                <a:cs typeface="Tahoma"/>
+              </a:endParaRPr>
+            </a:p>
+          </p:txBody>
+        </p:sp>
+        <p:sp>
+          <p:nvSpPr>
+            <p:cNvPr id="37" name="Rectangle 36">
+              <a:extLst>
+                <a:ext uri="{FF2B5EF4-FFF2-40B4-BE49-F238E27FC236}">
+                  <a16:creationId xmlns:a16="http://schemas.microsoft.com/office/drawing/2014/main" id="{35750910-2495-44F8-A322-D8559608832A}"/>
+                </a:ext>
+              </a:extLst>
+            </p:cNvPr>
+            <p:cNvSpPr/>
+            <p:nvPr/>
+          </p:nvSpPr>
+          <p:spPr>
+            <a:xfrm rot="5400000">
+              <a:off x="5909542" y="39209"/>
+              <a:ext cx="372907" cy="8867957"/>
+            </a:xfrm>
+            <a:prstGeom prst="rect">
+              <a:avLst/>
+            </a:prstGeom>
+            <a:noFill/>
+            <a:ln w="19050">
+              <a:noFill/>
+            </a:ln>
+          </p:spPr>
+          <p:style>
+            <a:lnRef idx="2">
+              <a:schemeClr val="accent2"/>
+            </a:lnRef>
+            <a:fillRef idx="1">
+              <a:schemeClr val="lt1"/>
+            </a:fillRef>
+            <a:effectRef idx="0">
+              <a:schemeClr val="accent2"/>
+            </a:effectRef>
+            <a:fontRef idx="minor">
+              <a:schemeClr val="dk1"/>
+            </a:fontRef>
+          </p:style>
+          <p:txBody>
+            <a:bodyPr vert="vert270" rtlCol="0" anchor="ctr"/>
+            <a:lstStyle/>
+            <a:p>
+              <a:r>
+                <a:rPr lang="en-US" sz="1400" b="1" dirty="0">
+                  <a:solidFill>
+                    <a:srgbClr val="0070C0"/>
+                  </a:solidFill>
+                  <a:latin typeface="Segoe UI (Body)"/>
+                  <a:cs typeface="Tahoma"/>
+                </a:rPr>
+                <a:t>Autoscaling Resource Group</a:t>
+              </a:r>
+              <a:endParaRPr lang="en-BE" sz="1400" b="1" dirty="0" err="1">
+                <a:solidFill>
+                  <a:srgbClr val="0070C0"/>
+                </a:solidFill>
+                <a:latin typeface="Segoe UI (Body)"/>
+                <a:cs typeface="Tahoma"/>
+              </a:endParaRPr>
+            </a:p>
+          </p:txBody>
+        </p:sp>
+        <p:grpSp>
+          <p:nvGrpSpPr>
+            <p:cNvPr id="24" name="Group 23">
+              <a:extLst>
+                <a:ext uri="{FF2B5EF4-FFF2-40B4-BE49-F238E27FC236}">
+                  <a16:creationId xmlns:a16="http://schemas.microsoft.com/office/drawing/2014/main" id="{82B177E6-1275-4035-A10A-A8E42B9C2DD6}"/>
+                </a:ext>
+              </a:extLst>
+            </p:cNvPr>
+            <p:cNvGrpSpPr/>
+            <p:nvPr/>
+          </p:nvGrpSpPr>
+          <p:grpSpPr>
+            <a:xfrm>
+              <a:off x="4241663" y="4926852"/>
+              <a:ext cx="1546662" cy="688943"/>
+              <a:chOff x="4241663" y="4553443"/>
+              <a:chExt cx="1546662" cy="688943"/>
+            </a:xfrm>
+          </p:grpSpPr>
+          <p:pic>
+            <p:nvPicPr>
+              <p:cNvPr id="11" name="Picture 10">
+                <a:extLst>
+                  <a:ext uri="{FF2B5EF4-FFF2-40B4-BE49-F238E27FC236}">
+                    <a16:creationId xmlns:a16="http://schemas.microsoft.com/office/drawing/2014/main" id="{34BFD849-9E2F-40D7-A921-46AB74EA8630}"/>
+                  </a:ext>
+                </a:extLst>
+              </p:cNvPr>
+              <p:cNvPicPr>
+                <a:picLocks noChangeAspect="1"/>
+              </p:cNvPicPr>
+              <p:nvPr/>
+            </p:nvPicPr>
+            <p:blipFill>
+              <a:blip r:embed="rId8"/>
+              <a:stretch>
+                <a:fillRect/>
+              </a:stretch>
+            </p:blipFill>
+            <p:spPr>
+              <a:xfrm>
+                <a:off x="4723038" y="4553443"/>
+                <a:ext cx="583912" cy="455862"/>
+              </a:xfrm>
+              <a:prstGeom prst="rect">
+                <a:avLst/>
+              </a:prstGeom>
+            </p:spPr>
+          </p:pic>
+          <p:sp>
+            <p:nvSpPr>
+              <p:cNvPr id="14" name="Rectangle 13">
+                <a:extLst>
+                  <a:ext uri="{FF2B5EF4-FFF2-40B4-BE49-F238E27FC236}">
+                    <a16:creationId xmlns:a16="http://schemas.microsoft.com/office/drawing/2014/main" id="{679C8248-5E52-4539-AB77-1F838A2A22DE}"/>
+                  </a:ext>
+                </a:extLst>
+              </p:cNvPr>
+              <p:cNvSpPr/>
+              <p:nvPr/>
+            </p:nvSpPr>
+            <p:spPr>
+              <a:xfrm rot="5400000">
+                <a:off x="4898453" y="4352515"/>
+                <a:ext cx="233081" cy="1546662"/>
+              </a:xfrm>
+              <a:prstGeom prst="rect">
+                <a:avLst/>
+              </a:prstGeom>
+              <a:noFill/>
+              <a:ln w="19050">
+                <a:noFill/>
+              </a:ln>
+            </p:spPr>
+            <p:style>
+              <a:lnRef idx="2">
+                <a:schemeClr val="accent2"/>
+              </a:lnRef>
+              <a:fillRef idx="1">
+                <a:schemeClr val="lt1"/>
+              </a:fillRef>
+              <a:effectRef idx="0">
+                <a:schemeClr val="accent2"/>
+              </a:effectRef>
+              <a:fontRef idx="minor">
+                <a:schemeClr val="dk1"/>
+              </a:fontRef>
+            </p:style>
+            <p:txBody>
+              <a:bodyPr vert="vert270" rtlCol="0" anchor="ctr"/>
+              <a:lstStyle/>
+              <a:p>
+                <a:pPr algn="ctr"/>
+                <a:r>
+                  <a:rPr lang="en-US" sz="1050" b="1" dirty="0">
+                    <a:solidFill>
+                      <a:srgbClr val="080808"/>
+                    </a:solidFill>
+                    <a:latin typeface="Segoe UI (Body)"/>
+                    <a:cs typeface="Tahoma"/>
+                  </a:rPr>
+                  <a:t>Scale Controller (Out)</a:t>
+                </a:r>
+                <a:endParaRPr lang="en-BE" sz="1050" b="1" dirty="0" err="1">
+                  <a:solidFill>
+                    <a:srgbClr val="080808"/>
+                  </a:solidFill>
+                  <a:latin typeface="Segoe UI (Body)"/>
+                  <a:cs typeface="Tahoma"/>
+                </a:endParaRPr>
+              </a:p>
+            </p:txBody>
+          </p:sp>
+        </p:grpSp>
+        <p:grpSp>
+          <p:nvGrpSpPr>
+            <p:cNvPr id="29" name="Group 28">
+              <a:extLst>
+                <a:ext uri="{FF2B5EF4-FFF2-40B4-BE49-F238E27FC236}">
+                  <a16:creationId xmlns:a16="http://schemas.microsoft.com/office/drawing/2014/main" id="{E37289CD-0394-4197-8800-433447338F83}"/>
+                </a:ext>
+              </a:extLst>
+            </p:cNvPr>
+            <p:cNvGrpSpPr/>
+            <p:nvPr/>
+          </p:nvGrpSpPr>
+          <p:grpSpPr>
+            <a:xfrm>
+              <a:off x="6542040" y="4926852"/>
+              <a:ext cx="1546662" cy="828770"/>
+              <a:chOff x="6542040" y="4553443"/>
+              <a:chExt cx="1546662" cy="828770"/>
+            </a:xfrm>
+          </p:grpSpPr>
+          <p:pic>
+            <p:nvPicPr>
+              <p:cNvPr id="62" name="Picture 61">
+                <a:extLst>
+                  <a:ext uri="{FF2B5EF4-FFF2-40B4-BE49-F238E27FC236}">
+                    <a16:creationId xmlns:a16="http://schemas.microsoft.com/office/drawing/2014/main" id="{3B05CADA-D53F-4ADC-8E3D-CEF959B51E93}"/>
+                  </a:ext>
+                </a:extLst>
+              </p:cNvPr>
+              <p:cNvPicPr>
+                <a:picLocks noChangeAspect="1"/>
+              </p:cNvPicPr>
+              <p:nvPr/>
+            </p:nvPicPr>
+            <p:blipFill>
+              <a:blip r:embed="rId8"/>
+              <a:stretch>
+                <a:fillRect/>
+              </a:stretch>
+            </p:blipFill>
+            <p:spPr>
+              <a:xfrm>
+                <a:off x="7023415" y="4553443"/>
+                <a:ext cx="583912" cy="455862"/>
+              </a:xfrm>
+              <a:prstGeom prst="rect">
+                <a:avLst/>
+              </a:prstGeom>
+            </p:spPr>
+          </p:pic>
+          <p:sp>
+            <p:nvSpPr>
+              <p:cNvPr id="63" name="Rectangle 62">
+                <a:extLst>
+                  <a:ext uri="{FF2B5EF4-FFF2-40B4-BE49-F238E27FC236}">
+                    <a16:creationId xmlns:a16="http://schemas.microsoft.com/office/drawing/2014/main" id="{28896B78-4D78-4BE0-8091-2D95FAFEFE0D}"/>
+                  </a:ext>
+                </a:extLst>
+              </p:cNvPr>
+              <p:cNvSpPr/>
+              <p:nvPr/>
+            </p:nvSpPr>
+            <p:spPr>
+              <a:xfrm rot="5400000">
+                <a:off x="7096570" y="4390081"/>
+                <a:ext cx="437602" cy="1546662"/>
+              </a:xfrm>
+              <a:prstGeom prst="rect">
+                <a:avLst/>
+              </a:prstGeom>
+              <a:noFill/>
+              <a:ln w="19050">
+                <a:noFill/>
+              </a:ln>
+            </p:spPr>
+            <p:style>
+              <a:lnRef idx="2">
+                <a:schemeClr val="accent2"/>
+              </a:lnRef>
+              <a:fillRef idx="1">
+                <a:schemeClr val="lt1"/>
+              </a:fillRef>
+              <a:effectRef idx="0">
+                <a:schemeClr val="accent2"/>
+              </a:effectRef>
+              <a:fontRef idx="minor">
+                <a:schemeClr val="dk1"/>
+              </a:fontRef>
+            </p:style>
+            <p:txBody>
+              <a:bodyPr vert="vert270" rtlCol="0" anchor="t"/>
+              <a:lstStyle/>
+              <a:p>
+                <a:pPr algn="ctr"/>
+                <a:r>
+                  <a:rPr lang="en-US" sz="1050" b="1" dirty="0">
+                    <a:solidFill>
+                      <a:srgbClr val="080808"/>
+                    </a:solidFill>
+                    <a:latin typeface="Segoe UI (Body)"/>
+                    <a:cs typeface="Tahoma"/>
+                  </a:rPr>
+                  <a:t>Scale Controller (In)</a:t>
+                </a:r>
+                <a:endParaRPr lang="en-BE" sz="1050" b="1" dirty="0" err="1">
+                  <a:solidFill>
+                    <a:srgbClr val="080808"/>
+                  </a:solidFill>
+                  <a:latin typeface="Segoe UI (Body)"/>
+                  <a:cs typeface="Tahoma"/>
+                </a:endParaRPr>
+              </a:p>
+            </p:txBody>
+          </p:sp>
+        </p:grpSp>
+        <p:grpSp>
+          <p:nvGrpSpPr>
+            <p:cNvPr id="50" name="Group 49">
+              <a:extLst>
+                <a:ext uri="{FF2B5EF4-FFF2-40B4-BE49-F238E27FC236}">
+                  <a16:creationId xmlns:a16="http://schemas.microsoft.com/office/drawing/2014/main" id="{613BA51B-D2AA-4450-9AAF-7392522A750F}"/>
+                </a:ext>
+              </a:extLst>
+            </p:cNvPr>
+            <p:cNvGrpSpPr/>
+            <p:nvPr/>
+          </p:nvGrpSpPr>
+          <p:grpSpPr>
+            <a:xfrm>
+              <a:off x="5337121" y="5789221"/>
+              <a:ext cx="1546662" cy="811538"/>
+              <a:chOff x="5358119" y="5578937"/>
+              <a:chExt cx="1546662" cy="811538"/>
+            </a:xfrm>
+          </p:grpSpPr>
+          <p:pic>
+            <p:nvPicPr>
+              <p:cNvPr id="40" name="Picture 39">
+                <a:extLst>
+                  <a:ext uri="{FF2B5EF4-FFF2-40B4-BE49-F238E27FC236}">
+                    <a16:creationId xmlns:a16="http://schemas.microsoft.com/office/drawing/2014/main" id="{C31D04D2-6CEA-4C91-BC78-E46596619B34}"/>
+                  </a:ext>
+                </a:extLst>
+              </p:cNvPr>
+              <p:cNvPicPr>
+                <a:picLocks noChangeAspect="1"/>
+              </p:cNvPicPr>
+              <p:nvPr/>
+            </p:nvPicPr>
+            <p:blipFill>
+              <a:blip r:embed="rId9"/>
+              <a:stretch>
+                <a:fillRect/>
+              </a:stretch>
+            </p:blipFill>
+            <p:spPr>
+              <a:xfrm>
+                <a:off x="5901881" y="5578937"/>
+                <a:ext cx="459138" cy="457200"/>
+              </a:xfrm>
+              <a:prstGeom prst="rect">
+                <a:avLst/>
+              </a:prstGeom>
+            </p:spPr>
+          </p:pic>
+          <p:sp>
+            <p:nvSpPr>
+              <p:cNvPr id="41" name="Rectangle 40">
+                <a:extLst>
+                  <a:ext uri="{FF2B5EF4-FFF2-40B4-BE49-F238E27FC236}">
+                    <a16:creationId xmlns:a16="http://schemas.microsoft.com/office/drawing/2014/main" id="{03C3FEAE-7DB3-4094-83E3-25F81C04CF60}"/>
+                  </a:ext>
+                </a:extLst>
+              </p:cNvPr>
+              <p:cNvSpPr/>
+              <p:nvPr/>
+            </p:nvSpPr>
+            <p:spPr>
+              <a:xfrm rot="5400000">
+                <a:off x="5912649" y="5398343"/>
+                <a:ext cx="437602" cy="1546662"/>
+              </a:xfrm>
+              <a:prstGeom prst="rect">
+                <a:avLst/>
+              </a:prstGeom>
+              <a:noFill/>
+              <a:ln w="19050">
+                <a:noFill/>
+              </a:ln>
+            </p:spPr>
+            <p:style>
+              <a:lnRef idx="2">
+                <a:schemeClr val="accent2"/>
+              </a:lnRef>
+              <a:fillRef idx="1">
+                <a:schemeClr val="lt1"/>
+              </a:fillRef>
+              <a:effectRef idx="0">
+                <a:schemeClr val="accent2"/>
+              </a:effectRef>
+              <a:fontRef idx="minor">
+                <a:schemeClr val="dk1"/>
+              </a:fontRef>
+            </p:style>
+            <p:txBody>
+              <a:bodyPr vert="vert270" rtlCol="0" anchor="ctr"/>
+              <a:lstStyle/>
+              <a:p>
+                <a:pPr algn="ctr"/>
+                <a:r>
+                  <a:rPr lang="en-US" sz="1100" dirty="0">
+                    <a:solidFill>
+                      <a:srgbClr val="080808"/>
+                    </a:solidFill>
+                    <a:latin typeface="Segoe UI (Body)"/>
+                    <a:cs typeface="Tahoma"/>
+                  </a:rPr>
+                  <a:t>Scaling Events</a:t>
+                </a:r>
+                <a:endParaRPr lang="en-BE" sz="1100" dirty="0" err="1">
+                  <a:solidFill>
+                    <a:srgbClr val="080808"/>
+                  </a:solidFill>
+                  <a:latin typeface="Segoe UI (Body)"/>
+                  <a:cs typeface="Tahoma"/>
+                </a:endParaRPr>
+              </a:p>
+            </p:txBody>
+          </p:sp>
+        </p:grpSp>
+        <p:cxnSp>
+          <p:nvCxnSpPr>
+            <p:cNvPr id="49" name="Connector: Elbow 48">
+              <a:extLst>
+                <a:ext uri="{FF2B5EF4-FFF2-40B4-BE49-F238E27FC236}">
+                  <a16:creationId xmlns:a16="http://schemas.microsoft.com/office/drawing/2014/main" id="{0150E758-89EC-47FF-8F30-0415FAF58E86}"/>
+                </a:ext>
+              </a:extLst>
+            </p:cNvPr>
+            <p:cNvCxnSpPr>
+              <a:cxnSpLocks/>
+              <a:stCxn id="11" idx="3"/>
+            </p:cNvCxnSpPr>
+            <p:nvPr/>
+          </p:nvCxnSpPr>
+          <p:spPr>
+            <a:xfrm>
+              <a:off x="5306950" y="5154783"/>
+              <a:ext cx="738047" cy="529394"/>
+            </a:xfrm>
+            <a:prstGeom prst="bentConnector3">
+              <a:avLst>
+                <a:gd name="adj1" fmla="val 100332"/>
+              </a:avLst>
+            </a:prstGeom>
+            <a:ln w="19050">
+              <a:solidFill>
+                <a:schemeClr val="accent5"/>
+              </a:solidFill>
+              <a:prstDash val="sysDot"/>
+              <a:tailEnd type="triangle"/>
+            </a:ln>
+          </p:spPr>
+          <p:style>
+            <a:lnRef idx="1">
+              <a:schemeClr val="accent3"/>
+            </a:lnRef>
+            <a:fillRef idx="0">
+              <a:schemeClr val="accent3"/>
+            </a:fillRef>
+            <a:effectRef idx="0">
+              <a:schemeClr val="accent3"/>
+            </a:effectRef>
+            <a:fontRef idx="minor">
+              <a:schemeClr val="tx1"/>
+            </a:fontRef>
+          </p:style>
+        </p:cxnSp>
+        <p:cxnSp>
+          <p:nvCxnSpPr>
+            <p:cNvPr id="92" name="Connector: Elbow 91">
+              <a:extLst>
+                <a:ext uri="{FF2B5EF4-FFF2-40B4-BE49-F238E27FC236}">
+                  <a16:creationId xmlns:a16="http://schemas.microsoft.com/office/drawing/2014/main" id="{3A2A65DB-5C09-456C-A503-900BE30679B5}"/>
+                </a:ext>
+              </a:extLst>
+            </p:cNvPr>
+            <p:cNvCxnSpPr>
+              <a:cxnSpLocks/>
+              <a:stCxn id="62" idx="1"/>
+            </p:cNvCxnSpPr>
+            <p:nvPr/>
+          </p:nvCxnSpPr>
+          <p:spPr>
+            <a:xfrm rot="10800000" flipV="1">
+              <a:off x="6218205" y="5154783"/>
+              <a:ext cx="805210" cy="529394"/>
+            </a:xfrm>
+            <a:prstGeom prst="bentConnector3">
+              <a:avLst>
+                <a:gd name="adj1" fmla="val 99683"/>
+              </a:avLst>
+            </a:prstGeom>
+            <a:ln w="19050">
+              <a:solidFill>
+                <a:schemeClr val="accent5"/>
+              </a:solidFill>
+              <a:prstDash val="sysDot"/>
+              <a:tailEnd type="triangle"/>
+            </a:ln>
+          </p:spPr>
+          <p:style>
+            <a:lnRef idx="1">
+              <a:schemeClr val="accent3"/>
+            </a:lnRef>
+            <a:fillRef idx="0">
+              <a:schemeClr val="accent3"/>
+            </a:fillRef>
+            <a:effectRef idx="0">
+              <a:schemeClr val="accent3"/>
+            </a:effectRef>
+            <a:fontRef idx="minor">
+              <a:schemeClr val="tx1"/>
+            </a:fontRef>
+          </p:style>
+        </p:cxnSp>
+        <p:grpSp>
+          <p:nvGrpSpPr>
+            <p:cNvPr id="23" name="Group 22">
+              <a:extLst>
+                <a:ext uri="{FF2B5EF4-FFF2-40B4-BE49-F238E27FC236}">
+                  <a16:creationId xmlns:a16="http://schemas.microsoft.com/office/drawing/2014/main" id="{CC4F9785-C271-40BF-BC7F-D1BBE5B25C71}"/>
+                </a:ext>
+              </a:extLst>
+            </p:cNvPr>
+            <p:cNvGrpSpPr/>
+            <p:nvPr/>
+          </p:nvGrpSpPr>
+          <p:grpSpPr>
+            <a:xfrm>
+              <a:off x="2281851" y="4926854"/>
+              <a:ext cx="1546662" cy="846997"/>
+              <a:chOff x="2281851" y="4553445"/>
+              <a:chExt cx="1546662" cy="846997"/>
+            </a:xfrm>
+          </p:grpSpPr>
+          <p:pic>
+            <p:nvPicPr>
+              <p:cNvPr id="100" name="Picture 99">
+                <a:extLst>
+                  <a:ext uri="{FF2B5EF4-FFF2-40B4-BE49-F238E27FC236}">
+                    <a16:creationId xmlns:a16="http://schemas.microsoft.com/office/drawing/2014/main" id="{80340BD3-0E48-4FC3-94E3-454F3B2CFE70}"/>
+                  </a:ext>
+                </a:extLst>
+              </p:cNvPr>
+              <p:cNvPicPr>
+                <a:picLocks noChangeAspect="1"/>
+              </p:cNvPicPr>
+              <p:nvPr/>
+            </p:nvPicPr>
+            <p:blipFill>
+              <a:blip r:embed="rId8"/>
+              <a:stretch>
+                <a:fillRect/>
+              </a:stretch>
+            </p:blipFill>
+            <p:spPr>
+              <a:xfrm>
+                <a:off x="2763228" y="4553445"/>
+                <a:ext cx="583908" cy="455858"/>
+              </a:xfrm>
+              <a:prstGeom prst="rect">
+                <a:avLst/>
+              </a:prstGeom>
+            </p:spPr>
+          </p:pic>
+          <p:sp>
+            <p:nvSpPr>
+              <p:cNvPr id="101" name="Rectangle 100">
+                <a:extLst>
+                  <a:ext uri="{FF2B5EF4-FFF2-40B4-BE49-F238E27FC236}">
+                    <a16:creationId xmlns:a16="http://schemas.microsoft.com/office/drawing/2014/main" id="{8676A514-6DD0-483F-9F5D-3DC6FDBC6C38}"/>
+                  </a:ext>
+                </a:extLst>
+              </p:cNvPr>
+              <p:cNvSpPr/>
+              <p:nvPr/>
+            </p:nvSpPr>
+            <p:spPr>
+              <a:xfrm rot="5400000">
+                <a:off x="2836381" y="4408310"/>
+                <a:ext cx="437602" cy="1546662"/>
+              </a:xfrm>
+              <a:prstGeom prst="rect">
+                <a:avLst/>
+              </a:prstGeom>
+              <a:noFill/>
+              <a:ln w="19050">
+                <a:noFill/>
+              </a:ln>
+            </p:spPr>
+            <p:style>
+              <a:lnRef idx="2">
+                <a:schemeClr val="accent2"/>
+              </a:lnRef>
+              <a:fillRef idx="1">
+                <a:schemeClr val="lt1"/>
+              </a:fillRef>
+              <a:effectRef idx="0">
+                <a:schemeClr val="accent2"/>
+              </a:effectRef>
+              <a:fontRef idx="minor">
+                <a:schemeClr val="dk1"/>
+              </a:fontRef>
+            </p:style>
+            <p:txBody>
+              <a:bodyPr vert="vert270" rtlCol="0" anchor="t"/>
+              <a:lstStyle/>
+              <a:p>
+                <a:pPr algn="ctr"/>
+                <a:r>
+                  <a:rPr lang="en-US" sz="1050" b="1" dirty="0">
+                    <a:solidFill>
+                      <a:srgbClr val="080808"/>
+                    </a:solidFill>
+                    <a:latin typeface="Segoe UI (Body)"/>
+                    <a:cs typeface="Tahoma"/>
+                  </a:rPr>
+                  <a:t>Scale Out</a:t>
+                </a:r>
+                <a:endParaRPr lang="en-BE" sz="1050" b="1" dirty="0" err="1">
+                  <a:solidFill>
+                    <a:srgbClr val="080808"/>
+                  </a:solidFill>
+                  <a:latin typeface="Segoe UI (Body)"/>
+                  <a:cs typeface="Tahoma"/>
+                </a:endParaRPr>
+              </a:p>
+            </p:txBody>
+          </p:sp>
+        </p:grpSp>
+        <p:grpSp>
+          <p:nvGrpSpPr>
+            <p:cNvPr id="28" name="Group 27">
+              <a:extLst>
+                <a:ext uri="{FF2B5EF4-FFF2-40B4-BE49-F238E27FC236}">
+                  <a16:creationId xmlns:a16="http://schemas.microsoft.com/office/drawing/2014/main" id="{A5A02383-B128-4B3E-8B58-9313CABAB90E}"/>
+                </a:ext>
+              </a:extLst>
+            </p:cNvPr>
+            <p:cNvGrpSpPr/>
+            <p:nvPr/>
+          </p:nvGrpSpPr>
+          <p:grpSpPr>
+            <a:xfrm>
+              <a:off x="8504622" y="4926855"/>
+              <a:ext cx="1546662" cy="844242"/>
+              <a:chOff x="8504622" y="4553446"/>
+              <a:chExt cx="1546662" cy="844242"/>
+            </a:xfrm>
+          </p:grpSpPr>
+          <p:pic>
+            <p:nvPicPr>
+              <p:cNvPr id="103" name="Picture 102">
+                <a:extLst>
+                  <a:ext uri="{FF2B5EF4-FFF2-40B4-BE49-F238E27FC236}">
+                    <a16:creationId xmlns:a16="http://schemas.microsoft.com/office/drawing/2014/main" id="{84D7E7D6-2F5E-45B3-87C0-30CC904C72A6}"/>
+                  </a:ext>
+                </a:extLst>
+              </p:cNvPr>
+              <p:cNvPicPr>
+                <a:picLocks noChangeAspect="1"/>
+              </p:cNvPicPr>
+              <p:nvPr/>
+            </p:nvPicPr>
+            <p:blipFill>
+              <a:blip r:embed="rId8"/>
+              <a:stretch>
+                <a:fillRect/>
+              </a:stretch>
+            </p:blipFill>
+            <p:spPr>
+              <a:xfrm>
+                <a:off x="8986000" y="4553446"/>
+                <a:ext cx="583906" cy="455856"/>
+              </a:xfrm>
+              <a:prstGeom prst="rect">
+                <a:avLst/>
+              </a:prstGeom>
+            </p:spPr>
+          </p:pic>
+          <p:sp>
+            <p:nvSpPr>
+              <p:cNvPr id="108" name="Rectangle 107">
+                <a:extLst>
+                  <a:ext uri="{FF2B5EF4-FFF2-40B4-BE49-F238E27FC236}">
+                    <a16:creationId xmlns:a16="http://schemas.microsoft.com/office/drawing/2014/main" id="{806D4719-98F1-49AD-8577-723C4A0A837F}"/>
+                  </a:ext>
+                </a:extLst>
+              </p:cNvPr>
+              <p:cNvSpPr/>
+              <p:nvPr/>
+            </p:nvSpPr>
+            <p:spPr>
+              <a:xfrm rot="5400000">
+                <a:off x="9059152" y="4405556"/>
+                <a:ext cx="437602" cy="1546662"/>
+              </a:xfrm>
+              <a:prstGeom prst="rect">
+                <a:avLst/>
+              </a:prstGeom>
+              <a:noFill/>
+              <a:ln w="19050">
+                <a:noFill/>
+              </a:ln>
+            </p:spPr>
+            <p:style>
+              <a:lnRef idx="2">
+                <a:schemeClr val="accent2"/>
+              </a:lnRef>
+              <a:fillRef idx="1">
+                <a:schemeClr val="lt1"/>
+              </a:fillRef>
+              <a:effectRef idx="0">
+                <a:schemeClr val="accent2"/>
+              </a:effectRef>
+              <a:fontRef idx="minor">
+                <a:schemeClr val="dk1"/>
+              </a:fontRef>
+            </p:style>
+            <p:txBody>
+              <a:bodyPr vert="vert270" rtlCol="0" anchor="t"/>
+              <a:lstStyle/>
+              <a:p>
+                <a:pPr algn="ctr"/>
+                <a:r>
+                  <a:rPr lang="en-US" sz="1050" b="1" dirty="0">
+                    <a:solidFill>
+                      <a:srgbClr val="080808"/>
+                    </a:solidFill>
+                    <a:latin typeface="Segoe UI (Body)"/>
+                    <a:cs typeface="Tahoma"/>
+                  </a:rPr>
+                  <a:t>Scale In</a:t>
+                </a:r>
+                <a:endParaRPr lang="en-BE" sz="1050" b="1" dirty="0" err="1">
+                  <a:solidFill>
+                    <a:srgbClr val="080808"/>
+                  </a:solidFill>
+                  <a:latin typeface="Segoe UI (Body)"/>
+                  <a:cs typeface="Tahoma"/>
+                </a:endParaRPr>
+              </a:p>
+            </p:txBody>
+          </p:sp>
+        </p:grpSp>
+        <p:cxnSp>
+          <p:nvCxnSpPr>
+            <p:cNvPr id="111" name="Connector: Elbow 110">
+              <a:extLst>
+                <a:ext uri="{FF2B5EF4-FFF2-40B4-BE49-F238E27FC236}">
+                  <a16:creationId xmlns:a16="http://schemas.microsoft.com/office/drawing/2014/main" id="{A7C30A02-B126-4BA1-AF0D-B100A74FE28A}"/>
+                </a:ext>
+              </a:extLst>
+            </p:cNvPr>
+            <p:cNvCxnSpPr>
+              <a:cxnSpLocks/>
+              <a:stCxn id="62" idx="3"/>
+              <a:endCxn id="103" idx="1"/>
+            </p:cNvCxnSpPr>
+            <p:nvPr/>
+          </p:nvCxnSpPr>
+          <p:spPr>
+            <a:xfrm>
+              <a:off x="7607327" y="5154783"/>
+              <a:ext cx="1378673" cy="0"/>
+            </a:xfrm>
+            <a:prstGeom prst="straightConnector1">
+              <a:avLst/>
+            </a:prstGeom>
+            <a:ln w="19050">
+              <a:solidFill>
+                <a:schemeClr val="accent5"/>
+              </a:solidFill>
+              <a:prstDash val="solid"/>
+              <a:tailEnd type="triangle"/>
+            </a:ln>
+          </p:spPr>
+          <p:style>
+            <a:lnRef idx="1">
+              <a:schemeClr val="accent3"/>
+            </a:lnRef>
+            <a:fillRef idx="0">
+              <a:schemeClr val="accent3"/>
+            </a:fillRef>
+            <a:effectRef idx="0">
+              <a:schemeClr val="accent3"/>
+            </a:effectRef>
+            <a:fontRef idx="minor">
+              <a:schemeClr val="tx1"/>
+            </a:fontRef>
+          </p:style>
+        </p:cxnSp>
+        <p:cxnSp>
+          <p:nvCxnSpPr>
+            <p:cNvPr id="112" name="Connector: Elbow 110">
+              <a:extLst>
+                <a:ext uri="{FF2B5EF4-FFF2-40B4-BE49-F238E27FC236}">
+                  <a16:creationId xmlns:a16="http://schemas.microsoft.com/office/drawing/2014/main" id="{59C30902-3835-43DF-B681-95A5128C802D}"/>
+                </a:ext>
+              </a:extLst>
+            </p:cNvPr>
+            <p:cNvCxnSpPr>
+              <a:cxnSpLocks/>
+              <a:endCxn id="100" idx="3"/>
+            </p:cNvCxnSpPr>
+            <p:nvPr/>
+          </p:nvCxnSpPr>
+          <p:spPr>
+            <a:xfrm flipH="1">
+              <a:off x="3347136" y="5154783"/>
+              <a:ext cx="1254710" cy="0"/>
+            </a:xfrm>
+            <a:prstGeom prst="straightConnector1">
+              <a:avLst/>
+            </a:prstGeom>
+            <a:ln w="19050">
+              <a:solidFill>
+                <a:schemeClr val="accent5"/>
+              </a:solidFill>
+              <a:prstDash val="solid"/>
+              <a:tailEnd type="triangle"/>
+            </a:ln>
+          </p:spPr>
+          <p:style>
+            <a:lnRef idx="1">
+              <a:schemeClr val="accent3"/>
+            </a:lnRef>
+            <a:fillRef idx="0">
+              <a:schemeClr val="accent3"/>
+            </a:fillRef>
+            <a:effectRef idx="0">
+              <a:schemeClr val="accent3"/>
+            </a:effectRef>
+            <a:fontRef idx="minor">
+              <a:schemeClr val="tx1"/>
+            </a:fontRef>
+          </p:style>
+        </p:cxnSp>
+        <p:grpSp>
+          <p:nvGrpSpPr>
+            <p:cNvPr id="48" name="Group 47">
+              <a:extLst>
+                <a:ext uri="{FF2B5EF4-FFF2-40B4-BE49-F238E27FC236}">
+                  <a16:creationId xmlns:a16="http://schemas.microsoft.com/office/drawing/2014/main" id="{86A55FCC-1B62-47DB-B171-6601EEC301EC}"/>
+                </a:ext>
+              </a:extLst>
+            </p:cNvPr>
+            <p:cNvGrpSpPr/>
+            <p:nvPr/>
+          </p:nvGrpSpPr>
+          <p:grpSpPr>
+            <a:xfrm>
+              <a:off x="2092925" y="5771097"/>
+              <a:ext cx="1814968" cy="865891"/>
+              <a:chOff x="2092925" y="5656397"/>
+              <a:chExt cx="1814968" cy="865891"/>
+            </a:xfrm>
+          </p:grpSpPr>
+          <p:pic>
+            <p:nvPicPr>
+              <p:cNvPr id="93" name="Picture 92">
+                <a:extLst>
+                  <a:ext uri="{FF2B5EF4-FFF2-40B4-BE49-F238E27FC236}">
+                    <a16:creationId xmlns:a16="http://schemas.microsoft.com/office/drawing/2014/main" id="{EB8C1937-E4A0-4EF6-BC40-3BD994591070}"/>
+                  </a:ext>
+                </a:extLst>
+              </p:cNvPr>
+              <p:cNvPicPr>
+                <a:picLocks noChangeAspect="1"/>
+              </p:cNvPicPr>
+              <p:nvPr/>
+            </p:nvPicPr>
+            <p:blipFill>
+              <a:blip r:embed="rId10"/>
+              <a:stretch>
+                <a:fillRect/>
+              </a:stretch>
+            </p:blipFill>
+            <p:spPr>
+              <a:xfrm>
+                <a:off x="2763228" y="5656397"/>
+                <a:ext cx="474362" cy="404308"/>
+              </a:xfrm>
+              <a:prstGeom prst="rect">
+                <a:avLst/>
+              </a:prstGeom>
+            </p:spPr>
+          </p:pic>
+          <p:sp>
+            <p:nvSpPr>
+              <p:cNvPr id="188" name="Rectangle 187">
+                <a:extLst>
+                  <a:ext uri="{FF2B5EF4-FFF2-40B4-BE49-F238E27FC236}">
+                    <a16:creationId xmlns:a16="http://schemas.microsoft.com/office/drawing/2014/main" id="{846F9722-6605-43DF-848B-998099F44944}"/>
+                  </a:ext>
+                </a:extLst>
+              </p:cNvPr>
+              <p:cNvSpPr/>
+              <p:nvPr/>
+            </p:nvSpPr>
+            <p:spPr>
+              <a:xfrm rot="5400000">
+                <a:off x="2781608" y="5396003"/>
+                <a:ext cx="437602" cy="1814968"/>
+              </a:xfrm>
+              <a:prstGeom prst="rect">
+                <a:avLst/>
+              </a:prstGeom>
+              <a:noFill/>
+              <a:ln w="19050">
+                <a:noFill/>
+              </a:ln>
+            </p:spPr>
+            <p:style>
+              <a:lnRef idx="2">
+                <a:schemeClr val="accent2"/>
+              </a:lnRef>
+              <a:fillRef idx="1">
+                <a:schemeClr val="lt1"/>
+              </a:fillRef>
+              <a:effectRef idx="0">
+                <a:schemeClr val="accent2"/>
+              </a:effectRef>
+              <a:fontRef idx="minor">
+                <a:schemeClr val="dk1"/>
+              </a:fontRef>
+            </p:style>
+            <p:txBody>
+              <a:bodyPr vert="vert270" rtlCol="0" anchor="ctr"/>
+              <a:lstStyle/>
+              <a:p>
+                <a:pPr algn="ctr"/>
+                <a:r>
+                  <a:rPr lang="en-US" sz="1100" dirty="0">
+                    <a:solidFill>
+                      <a:srgbClr val="080808"/>
+                    </a:solidFill>
+                    <a:latin typeface="Segoe UI (Body)"/>
+                    <a:cs typeface="Tahoma"/>
+                  </a:rPr>
+                  <a:t>Deployment Template</a:t>
+                </a:r>
+                <a:br>
+                  <a:rPr lang="en-US" sz="1100" dirty="0">
+                    <a:solidFill>
+                      <a:srgbClr val="080808"/>
+                    </a:solidFill>
+                    <a:latin typeface="Segoe UI (Body)"/>
+                    <a:cs typeface="Tahoma"/>
+                  </a:rPr>
+                </a:br>
+                <a:r>
+                  <a:rPr lang="en-US" sz="1100" dirty="0">
+                    <a:solidFill>
+                      <a:srgbClr val="080808"/>
+                    </a:solidFill>
+                    <a:latin typeface="Segoe UI (Body)"/>
+                    <a:cs typeface="Tahoma"/>
+                  </a:rPr>
+                  <a:t>Catalog</a:t>
+                </a:r>
+                <a:endParaRPr lang="en-BE" sz="1100" dirty="0" err="1">
+                  <a:solidFill>
+                    <a:srgbClr val="080808"/>
+                  </a:solidFill>
+                  <a:latin typeface="Segoe UI (Body)"/>
+                  <a:cs typeface="Tahoma"/>
+                </a:endParaRPr>
+              </a:p>
+            </p:txBody>
+          </p:sp>
+        </p:grpSp>
+        <p:sp>
+          <p:nvSpPr>
+            <p:cNvPr id="44" name="Oval 43">
+              <a:extLst>
+                <a:ext uri="{FF2B5EF4-FFF2-40B4-BE49-F238E27FC236}">
+                  <a16:creationId xmlns:a16="http://schemas.microsoft.com/office/drawing/2014/main" id="{52D19C66-EED4-4C79-95C0-1EC3EBBD84A7}"/>
+                </a:ext>
+              </a:extLst>
+            </p:cNvPr>
+            <p:cNvSpPr/>
+            <p:nvPr/>
+          </p:nvSpPr>
+          <p:spPr>
+            <a:xfrm>
+              <a:off x="6000762" y="4887573"/>
+              <a:ext cx="202242" cy="194557"/>
+            </a:xfrm>
+            <a:prstGeom prst="ellipse">
+              <a:avLst/>
+            </a:prstGeom>
+            <a:ln w="12700"/>
+          </p:spPr>
+          <p:style>
+            <a:lnRef idx="2">
+              <a:schemeClr val="dk1"/>
+            </a:lnRef>
+            <a:fillRef idx="1">
+              <a:schemeClr val="lt1"/>
+            </a:fillRef>
+            <a:effectRef idx="0">
+              <a:schemeClr val="dk1"/>
+            </a:effectRef>
+            <a:fontRef idx="minor">
+              <a:schemeClr val="dk1"/>
+            </a:fontRef>
+          </p:style>
+          <p:txBody>
+            <a:bodyPr rtlCol="0" anchor="ctr"/>
+            <a:lstStyle/>
+            <a:p>
+              <a:pPr algn="ctr"/>
+              <a:r>
+                <a:rPr lang="en-US" sz="1400" dirty="0">
+                  <a:solidFill>
+                    <a:srgbClr val="080808"/>
+                  </a:solidFill>
+                  <a:cs typeface="Tahoma"/>
+                </a:rPr>
+                <a:t>3</a:t>
+              </a:r>
+              <a:endParaRPr lang="LID4096" sz="1400" dirty="0" err="1">
+                <a:solidFill>
+                  <a:srgbClr val="080808"/>
+                </a:solidFill>
+                <a:cs typeface="Tahoma"/>
+              </a:endParaRPr>
+            </a:p>
+          </p:txBody>
+        </p:sp>
+        <p:sp>
+          <p:nvSpPr>
+            <p:cNvPr id="45" name="Oval 44">
+              <a:extLst>
+                <a:ext uri="{FF2B5EF4-FFF2-40B4-BE49-F238E27FC236}">
+                  <a16:creationId xmlns:a16="http://schemas.microsoft.com/office/drawing/2014/main" id="{9604885A-B68A-48BB-8898-CD5C96CF5ADC}"/>
+                </a:ext>
+              </a:extLst>
+            </p:cNvPr>
+            <p:cNvSpPr/>
+            <p:nvPr/>
+          </p:nvSpPr>
+          <p:spPr>
+            <a:xfrm>
+              <a:off x="2063757" y="4885785"/>
+              <a:ext cx="192024" cy="194557"/>
+            </a:xfrm>
+            <a:prstGeom prst="ellipse">
+              <a:avLst/>
+            </a:prstGeom>
+            <a:ln w="12700"/>
+          </p:spPr>
+          <p:style>
+            <a:lnRef idx="2">
+              <a:schemeClr val="dk1"/>
+            </a:lnRef>
+            <a:fillRef idx="1">
+              <a:schemeClr val="lt1"/>
+            </a:fillRef>
+            <a:effectRef idx="0">
+              <a:schemeClr val="dk1"/>
+            </a:effectRef>
+            <a:fontRef idx="minor">
+              <a:schemeClr val="dk1"/>
+            </a:fontRef>
+          </p:style>
+          <p:txBody>
+            <a:bodyPr rtlCol="0" anchor="ctr"/>
+            <a:lstStyle/>
+            <a:p>
+              <a:pPr algn="ctr"/>
+              <a:r>
+                <a:rPr lang="en-US" sz="1400" dirty="0">
+                  <a:solidFill>
+                    <a:srgbClr val="080808"/>
+                  </a:solidFill>
+                  <a:cs typeface="Tahoma"/>
+                </a:rPr>
+                <a:t>5</a:t>
+              </a:r>
+              <a:endParaRPr lang="LID4096" sz="1400" dirty="0" err="1">
+                <a:solidFill>
+                  <a:srgbClr val="080808"/>
+                </a:solidFill>
+                <a:cs typeface="Tahoma"/>
+              </a:endParaRPr>
+            </a:p>
+          </p:txBody>
+        </p:sp>
+        <p:sp>
+          <p:nvSpPr>
+            <p:cNvPr id="95" name="Oval 94">
+              <a:extLst>
+                <a:ext uri="{FF2B5EF4-FFF2-40B4-BE49-F238E27FC236}">
+                  <a16:creationId xmlns:a16="http://schemas.microsoft.com/office/drawing/2014/main" id="{FB2DECD0-61C4-4D04-BDB0-B6DE5F85A0E3}"/>
+                </a:ext>
+              </a:extLst>
+            </p:cNvPr>
+            <p:cNvSpPr/>
+            <p:nvPr/>
+          </p:nvSpPr>
+          <p:spPr>
+            <a:xfrm>
+              <a:off x="10059710" y="4887573"/>
+              <a:ext cx="202242" cy="194557"/>
+            </a:xfrm>
+            <a:prstGeom prst="ellipse">
+              <a:avLst/>
+            </a:prstGeom>
+            <a:ln w="12700"/>
+          </p:spPr>
+          <p:style>
+            <a:lnRef idx="2">
+              <a:schemeClr val="dk1"/>
+            </a:lnRef>
+            <a:fillRef idx="1">
+              <a:schemeClr val="lt1"/>
+            </a:fillRef>
+            <a:effectRef idx="0">
+              <a:schemeClr val="dk1"/>
+            </a:effectRef>
+            <a:fontRef idx="minor">
+              <a:schemeClr val="dk1"/>
+            </a:fontRef>
+          </p:style>
+          <p:txBody>
+            <a:bodyPr rtlCol="0" anchor="ctr"/>
+            <a:lstStyle/>
+            <a:p>
+              <a:pPr algn="ctr"/>
+              <a:r>
+                <a:rPr lang="en-US" sz="1400" dirty="0">
+                  <a:solidFill>
+                    <a:srgbClr val="080808"/>
+                  </a:solidFill>
+                  <a:cs typeface="Tahoma"/>
+                </a:rPr>
+                <a:t>4</a:t>
+              </a:r>
+              <a:endParaRPr lang="LID4096" sz="1400" dirty="0" err="1">
+                <a:solidFill>
+                  <a:srgbClr val="080808"/>
+                </a:solidFill>
+                <a:cs typeface="Tahoma"/>
+              </a:endParaRPr>
+            </a:p>
+          </p:txBody>
+        </p:sp>
+      </p:grpSp>
+      <p:cxnSp>
+        <p:nvCxnSpPr>
+          <p:cNvPr id="122" name="Connector: Elbow 110">
+            <a:extLst>
+              <a:ext uri="{FF2B5EF4-FFF2-40B4-BE49-F238E27FC236}">
+                <a16:creationId xmlns:a16="http://schemas.microsoft.com/office/drawing/2014/main" id="{F61CBF00-2D4A-4B8E-95F0-054C3C7ACC63}"/>
+              </a:ext>
+            </a:extLst>
+          </p:cNvPr>
+          <p:cNvCxnSpPr>
+            <a:cxnSpLocks/>
+            <a:stCxn id="100" idx="1"/>
+            <a:endCxn id="201" idx="3"/>
+          </p:cNvCxnSpPr>
+          <p:nvPr/>
+        </p:nvCxnSpPr>
+        <p:spPr>
+          <a:xfrm rot="10800000">
+            <a:off x="773248" y="3482081"/>
+            <a:ext cx="1989980" cy="1672703"/>
+          </a:xfrm>
+          <a:prstGeom prst="bentConnector2">
+            <a:avLst/>
+          </a:prstGeom>
+          <a:ln w="19050">
+            <a:solidFill>
+              <a:schemeClr val="accent5"/>
+            </a:solidFill>
+            <a:prstDash val="solid"/>
+            <a:tailEnd type="triangle"/>
+          </a:ln>
+        </p:spPr>
+        <p:style>
+          <a:lnRef idx="1">
+            <a:schemeClr val="accent3"/>
+          </a:lnRef>
+          <a:fillRef idx="0">
+            <a:schemeClr val="accent3"/>
+          </a:fillRef>
+          <a:effectRef idx="0">
+            <a:schemeClr val="accent3"/>
+          </a:effectRef>
+          <a:fontRef idx="minor">
+            <a:schemeClr val="tx1"/>
+          </a:fontRef>
+        </p:style>
+      </p:cxnSp>
+      <p:cxnSp>
+        <p:nvCxnSpPr>
+          <p:cNvPr id="130" name="Connector: Elbow 129">
+            <a:extLst>
+              <a:ext uri="{FF2B5EF4-FFF2-40B4-BE49-F238E27FC236}">
+                <a16:creationId xmlns:a16="http://schemas.microsoft.com/office/drawing/2014/main" id="{1F24883C-9F99-43FE-AF1F-BBBC4D237694}"/>
+              </a:ext>
+            </a:extLst>
+          </p:cNvPr>
+          <p:cNvCxnSpPr>
+            <a:cxnSpLocks/>
+            <a:endCxn id="93" idx="1"/>
+          </p:cNvCxnSpPr>
+          <p:nvPr/>
+        </p:nvCxnSpPr>
+        <p:spPr>
+          <a:xfrm rot="16200000" flipH="1">
+            <a:off x="499879" y="3709902"/>
+            <a:ext cx="2415090" cy="2111608"/>
+          </a:xfrm>
+          <a:prstGeom prst="bentConnector2">
+            <a:avLst/>
+          </a:prstGeom>
+          <a:ln w="19050">
+            <a:solidFill>
+              <a:schemeClr val="accent5"/>
+            </a:solidFill>
+            <a:prstDash val="sysDot"/>
+            <a:tailEnd type="triangle"/>
+          </a:ln>
+        </p:spPr>
+        <p:style>
+          <a:lnRef idx="1">
+            <a:schemeClr val="accent3"/>
+          </a:lnRef>
+          <a:fillRef idx="0">
+            <a:schemeClr val="accent3"/>
+          </a:fillRef>
+          <a:effectRef idx="0">
+            <a:schemeClr val="accent3"/>
+          </a:effectRef>
+          <a:fontRef idx="minor">
+            <a:schemeClr val="tx1"/>
+          </a:fontRef>
+        </p:style>
+      </p:cxnSp>
+      <p:cxnSp>
+        <p:nvCxnSpPr>
+          <p:cNvPr id="119" name="Connector: Elbow 110">
+            <a:extLst>
+              <a:ext uri="{FF2B5EF4-FFF2-40B4-BE49-F238E27FC236}">
+                <a16:creationId xmlns:a16="http://schemas.microsoft.com/office/drawing/2014/main" id="{0C30A895-D198-4F9C-88DD-F3CC45D71CB4}"/>
+              </a:ext>
+            </a:extLst>
+          </p:cNvPr>
+          <p:cNvCxnSpPr>
+            <a:cxnSpLocks/>
+            <a:stCxn id="103" idx="3"/>
+            <a:endCxn id="13" idx="3"/>
+          </p:cNvCxnSpPr>
+          <p:nvPr/>
+        </p:nvCxnSpPr>
+        <p:spPr>
+          <a:xfrm flipV="1">
+            <a:off x="9569906" y="1266957"/>
+            <a:ext cx="1066465" cy="3887826"/>
+          </a:xfrm>
+          <a:prstGeom prst="bentConnector3">
+            <a:avLst>
+              <a:gd name="adj1" fmla="val 121435"/>
+            </a:avLst>
+          </a:prstGeom>
+          <a:ln w="19050">
+            <a:solidFill>
+              <a:schemeClr val="accent5"/>
+            </a:solidFill>
+            <a:prstDash val="solid"/>
+            <a:tailEnd type="triangle"/>
+          </a:ln>
+        </p:spPr>
+        <p:style>
+          <a:lnRef idx="1">
+            <a:schemeClr val="accent3"/>
+          </a:lnRef>
+          <a:fillRef idx="0">
+            <a:schemeClr val="accent3"/>
+          </a:fillRef>
+          <a:effectRef idx="0">
+            <a:schemeClr val="accent3"/>
+          </a:effectRef>
+          <a:fontRef idx="minor">
+            <a:schemeClr val="tx1"/>
+          </a:fontRef>
+        </p:style>
+      </p:cxnSp>
     </p:spTree>
     <p:extLst>
       <p:ext uri="{BB962C8B-B14F-4D97-AF65-F5344CB8AC3E}">
@@ -30415,44 +30415,6 @@
 </file>
 
 <file path=customXml/item1.xml><?xml version="1.0" encoding="utf-8"?>
-<p:properties xmlns:p="http://schemas.microsoft.com/office/2006/metadata/properties" xmlns:xsi="http://www.w3.org/2001/XMLSchema-instance" xmlns:pc="http://schemas.microsoft.com/office/infopath/2007/PartnerControls">
-  <documentManagement>
-    <SharedWithUsers xmlns="fee67b93-6974-4599-bd16-a295bb27cfe1">
-      <UserInfo>
-        <DisplayName>Stijn Degrieck</DisplayName>
-        <AccountId>13</AccountId>
-        <AccountType/>
-      </UserInfo>
-      <UserInfo>
-        <DisplayName>Henk Buysschaert</DisplayName>
-        <AccountId>73</AccountId>
-        <AccountType/>
-      </UserInfo>
-      <UserInfo>
-        <DisplayName>Sean MacGillavry</DisplayName>
-        <AccountId>69</AccountId>
-        <AccountType/>
-      </UserInfo>
-      <UserInfo>
-        <DisplayName>Joachim De Roissart</DisplayName>
-        <AccountId>90</AccountId>
-        <AccountType/>
-      </UserInfo>
-    </SharedWithUsers>
-  </documentManagement>
-</p:properties>
-</file>
-
-<file path=customXml/item2.xml><?xml version="1.0" encoding="utf-8"?>
-<?mso-contentType ?>
-<FormTemplates xmlns="http://schemas.microsoft.com/sharepoint/v3/contenttype/forms">
-  <Display>DocumentLibraryForm</Display>
-  <Edit>DocumentLibraryForm</Edit>
-  <New>DocumentLibraryForm</New>
-</FormTemplates>
-</file>
-
-<file path=customXml/item3.xml><?xml version="1.0" encoding="utf-8"?>
 <ct:contentTypeSchema xmlns:ct="http://schemas.microsoft.com/office/2006/metadata/contentType" xmlns:ma="http://schemas.microsoft.com/office/2006/metadata/properties/metaAttributes" ct:_="" ma:_="" ma:contentTypeName="Document" ma:contentTypeID="0x010100BAB604DF092D3D49B351D6278F007E19" ma:contentTypeVersion="7" ma:contentTypeDescription="Create a new document." ma:contentTypeScope="" ma:versionID="a741f742da3336562cd50a39a69eaa15">
   <xsd:schema xmlns:xsd="http://www.w3.org/2001/XMLSchema" xmlns:xs="http://www.w3.org/2001/XMLSchema" xmlns:p="http://schemas.microsoft.com/office/2006/metadata/properties" xmlns:ns2="fee67b93-6974-4599-bd16-a295bb27cfe1" xmlns:ns3="ca5330bd-c563-4e65-982c-c703f4b94ec3" targetNamespace="http://schemas.microsoft.com/office/2006/metadata/properties" ma:root="true" ma:fieldsID="38f3fb98fb601c9cb6e194579c7111d9" ns2:_="" ns3:_="">
     <xsd:import namespace="fee67b93-6974-4599-bd16-a295bb27cfe1"/>
@@ -30637,32 +30599,45 @@
 </ct:contentTypeSchema>
 </file>
 
-<file path=customXml/itemProps1.xml><?xml version="1.0" encoding="utf-8"?>
-<ds:datastoreItem xmlns:ds="http://schemas.openxmlformats.org/officeDocument/2006/customXml" ds:itemID="{BB868E38-3883-485C-AA72-FE197350C91A}">
-  <ds:schemaRefs>
-    <ds:schemaRef ds:uri="http://purl.org/dc/dcmitype/"/>
-    <ds:schemaRef ds:uri="http://purl.org/dc/elements/1.1/"/>
-    <ds:schemaRef ds:uri="http://schemas.openxmlformats.org/package/2006/metadata/core-properties"/>
-    <ds:schemaRef ds:uri="http://purl.org/dc/terms/"/>
-    <ds:schemaRef ds:uri="http://schemas.microsoft.com/office/2006/documentManagement/types"/>
-    <ds:schemaRef ds:uri="http://www.w3.org/XML/1998/namespace"/>
-    <ds:schemaRef ds:uri="http://schemas.microsoft.com/office/infopath/2007/PartnerControls"/>
-    <ds:schemaRef ds:uri="ca5330bd-c563-4e65-982c-c703f4b94ec3"/>
-    <ds:schemaRef ds:uri="fee67b93-6974-4599-bd16-a295bb27cfe1"/>
-    <ds:schemaRef ds:uri="http://schemas.microsoft.com/office/2006/metadata/properties"/>
-  </ds:schemaRefs>
-</ds:datastoreItem>
+<file path=customXml/item2.xml><?xml version="1.0" encoding="utf-8"?>
+<?mso-contentType ?>
+<FormTemplates xmlns="http://schemas.microsoft.com/sharepoint/v3/contenttype/forms">
+  <Display>DocumentLibraryForm</Display>
+  <Edit>DocumentLibraryForm</Edit>
+  <New>DocumentLibraryForm</New>
+</FormTemplates>
 </file>
 
-<file path=customXml/itemProps2.xml><?xml version="1.0" encoding="utf-8"?>
-<ds:datastoreItem xmlns:ds="http://schemas.openxmlformats.org/officeDocument/2006/customXml" ds:itemID="{BD1960A6-4BE3-42B6-BC04-74E06DF22BF7}">
-  <ds:schemaRefs>
-    <ds:schemaRef ds:uri="http://schemas.microsoft.com/sharepoint/v3/contenttype/forms"/>
-  </ds:schemaRefs>
-</ds:datastoreItem>
+<file path=customXml/item3.xml><?xml version="1.0" encoding="utf-8"?>
+<p:properties xmlns:p="http://schemas.microsoft.com/office/2006/metadata/properties" xmlns:xsi="http://www.w3.org/2001/XMLSchema-instance" xmlns:pc="http://schemas.microsoft.com/office/infopath/2007/PartnerControls">
+  <documentManagement>
+    <SharedWithUsers xmlns="fee67b93-6974-4599-bd16-a295bb27cfe1">
+      <UserInfo>
+        <DisplayName>Stijn Degrieck</DisplayName>
+        <AccountId>13</AccountId>
+        <AccountType/>
+      </UserInfo>
+      <UserInfo>
+        <DisplayName>Henk Buysschaert</DisplayName>
+        <AccountId>73</AccountId>
+        <AccountType/>
+      </UserInfo>
+      <UserInfo>
+        <DisplayName>Sean MacGillavry</DisplayName>
+        <AccountId>69</AccountId>
+        <AccountType/>
+      </UserInfo>
+      <UserInfo>
+        <DisplayName>Joachim De Roissart</DisplayName>
+        <AccountId>90</AccountId>
+        <AccountType/>
+      </UserInfo>
+    </SharedWithUsers>
+  </documentManagement>
+</p:properties>
 </file>
 
-<file path=customXml/itemProps3.xml><?xml version="1.0" encoding="utf-8"?>
+<file path=customXml/itemProps1.xml><?xml version="1.0" encoding="utf-8"?>
 <ds:datastoreItem xmlns:ds="http://schemas.openxmlformats.org/officeDocument/2006/customXml" ds:itemID="{B84ED37A-3E41-4079-B161-B36C644DBC25}">
   <ds:schemaRefs>
     <ds:schemaRef ds:uri="http://schemas.microsoft.com/office/2006/metadata/contentType"/>
@@ -30679,4 +30654,29 @@
     <ds:schemaRef ds:uri="http://schemas.microsoft.com/internal/obd"/>
   </ds:schemaRefs>
 </ds:datastoreItem>
+</file>
+
+<file path=customXml/itemProps2.xml><?xml version="1.0" encoding="utf-8"?>
+<ds:datastoreItem xmlns:ds="http://schemas.openxmlformats.org/officeDocument/2006/customXml" ds:itemID="{BD1960A6-4BE3-42B6-BC04-74E06DF22BF7}">
+  <ds:schemaRefs>
+    <ds:schemaRef ds:uri="http://schemas.microsoft.com/sharepoint/v3/contenttype/forms"/>
+  </ds:schemaRefs>
+</ds:datastoreItem>
+</file>
+
+<file path=customXml/itemProps3.xml><?xml version="1.0" encoding="utf-8"?>
+<ds:datastoreItem xmlns:ds="http://schemas.openxmlformats.org/officeDocument/2006/customXml" ds:itemID="{BB868E38-3883-485C-AA72-FE197350C91A}">
+  <ds:schemaRefs>
+    <ds:schemaRef ds:uri="http://purl.org/dc/dcmitype/"/>
+    <ds:schemaRef ds:uri="http://purl.org/dc/elements/1.1/"/>
+    <ds:schemaRef ds:uri="http://schemas.openxmlformats.org/package/2006/metadata/core-properties"/>
+    <ds:schemaRef ds:uri="http://purl.org/dc/terms/"/>
+    <ds:schemaRef ds:uri="http://schemas.microsoft.com/office/2006/documentManagement/types"/>
+    <ds:schemaRef ds:uri="http://www.w3.org/XML/1998/namespace"/>
+    <ds:schemaRef ds:uri="http://schemas.microsoft.com/office/infopath/2007/PartnerControls"/>
+    <ds:schemaRef ds:uri="ca5330bd-c563-4e65-982c-c703f4b94ec3"/>
+    <ds:schemaRef ds:uri="fee67b93-6974-4599-bd16-a295bb27cfe1"/>
+    <ds:schemaRef ds:uri="http://schemas.microsoft.com/office/2006/metadata/properties"/>
+  </ds:schemaRefs>
+</ds:datastoreItem>
 </file>
--- a/media/schematics.pptx
+++ b/media/schematics.pptx
@@ -25311,197 +25311,6 @@
             <a:ext cx="1378832" cy="814856"/>
           </a:xfrm>
           <a:prstGeom prst="bentConnector2">
-            <a:avLst/>
-          </a:prstGeom>
-          <a:ln w="19050">
-            <a:solidFill>
-              <a:schemeClr val="accent5"/>
-            </a:solidFill>
-            <a:prstDash val="solid"/>
-            <a:tailEnd type="triangle"/>
-          </a:ln>
-        </p:spPr>
-        <p:style>
-          <a:lnRef idx="1">
-            <a:schemeClr val="accent3"/>
-          </a:lnRef>
-          <a:fillRef idx="0">
-            <a:schemeClr val="accent3"/>
-          </a:fillRef>
-          <a:effectRef idx="0">
-            <a:schemeClr val="accent3"/>
-          </a:effectRef>
-          <a:fontRef idx="minor">
-            <a:schemeClr val="tx1"/>
-          </a:fontRef>
-        </p:style>
-      </p:cxnSp>
-      <p:cxnSp>
-        <p:nvCxnSpPr>
-          <p:cNvPr id="162" name="Connector: Elbow 161">
-            <a:extLst>
-              <a:ext uri="{FF2B5EF4-FFF2-40B4-BE49-F238E27FC236}">
-                <a16:creationId xmlns:a16="http://schemas.microsoft.com/office/drawing/2014/main" id="{7C04F6AB-144B-4DD6-8608-33AD2C170864}"/>
-              </a:ext>
-            </a:extLst>
-          </p:cNvPr>
-          <p:cNvCxnSpPr>
-            <a:cxnSpLocks/>
-            <a:stCxn id="136" idx="2"/>
-            <a:endCxn id="22" idx="0"/>
-          </p:cNvCxnSpPr>
-          <p:nvPr/>
-        </p:nvCxnSpPr>
-        <p:spPr>
-          <a:xfrm rot="5400000">
-            <a:off x="5169880" y="1920251"/>
-            <a:ext cx="771231" cy="1081001"/>
-          </a:xfrm>
-          <a:prstGeom prst="bentConnector3">
-            <a:avLst>
-              <a:gd name="adj1" fmla="val 50000"/>
-            </a:avLst>
-          </a:prstGeom>
-          <a:ln w="19050">
-            <a:solidFill>
-              <a:schemeClr val="accent5"/>
-            </a:solidFill>
-            <a:prstDash val="sysDot"/>
-            <a:tailEnd type="triangle"/>
-          </a:ln>
-        </p:spPr>
-        <p:style>
-          <a:lnRef idx="1">
-            <a:schemeClr val="accent3"/>
-          </a:lnRef>
-          <a:fillRef idx="0">
-            <a:schemeClr val="accent3"/>
-          </a:fillRef>
-          <a:effectRef idx="0">
-            <a:schemeClr val="accent3"/>
-          </a:effectRef>
-          <a:fontRef idx="minor">
-            <a:schemeClr val="tx1"/>
-          </a:fontRef>
-        </p:style>
-      </p:cxnSp>
-      <p:cxnSp>
-        <p:nvCxnSpPr>
-          <p:cNvPr id="168" name="Connector: Elbow 167">
-            <a:extLst>
-              <a:ext uri="{FF2B5EF4-FFF2-40B4-BE49-F238E27FC236}">
-                <a16:creationId xmlns:a16="http://schemas.microsoft.com/office/drawing/2014/main" id="{D2A783FA-776D-4C77-B939-62EE2DFAF96E}"/>
-              </a:ext>
-            </a:extLst>
-          </p:cNvPr>
-          <p:cNvCxnSpPr>
-            <a:cxnSpLocks/>
-            <a:stCxn id="136" idx="2"/>
-            <a:endCxn id="38" idx="0"/>
-          </p:cNvCxnSpPr>
-          <p:nvPr/>
-        </p:nvCxnSpPr>
-        <p:spPr>
-          <a:xfrm rot="16200000" flipH="1">
-            <a:off x="6327606" y="1843525"/>
-            <a:ext cx="756154" cy="1219376"/>
-          </a:xfrm>
-          <a:prstGeom prst="bentConnector3">
-            <a:avLst>
-              <a:gd name="adj1" fmla="val 50000"/>
-            </a:avLst>
-          </a:prstGeom>
-          <a:ln w="19050">
-            <a:solidFill>
-              <a:schemeClr val="accent5"/>
-            </a:solidFill>
-            <a:prstDash val="sysDot"/>
-            <a:tailEnd type="triangle"/>
-          </a:ln>
-        </p:spPr>
-        <p:style>
-          <a:lnRef idx="1">
-            <a:schemeClr val="accent3"/>
-          </a:lnRef>
-          <a:fillRef idx="0">
-            <a:schemeClr val="accent3"/>
-          </a:fillRef>
-          <a:effectRef idx="0">
-            <a:schemeClr val="accent3"/>
-          </a:effectRef>
-          <a:fontRef idx="minor">
-            <a:schemeClr val="tx1"/>
-          </a:fontRef>
-        </p:style>
-      </p:cxnSp>
-      <p:cxnSp>
-        <p:nvCxnSpPr>
-          <p:cNvPr id="171" name="Connector: Elbow 110">
-            <a:extLst>
-              <a:ext uri="{FF2B5EF4-FFF2-40B4-BE49-F238E27FC236}">
-                <a16:creationId xmlns:a16="http://schemas.microsoft.com/office/drawing/2014/main" id="{94D0376E-6CB6-4018-901B-8629035D7989}"/>
-              </a:ext>
-            </a:extLst>
-          </p:cNvPr>
-          <p:cNvCxnSpPr>
-            <a:cxnSpLocks/>
-            <a:endCxn id="62" idx="0"/>
-          </p:cNvCxnSpPr>
-          <p:nvPr/>
-        </p:nvCxnSpPr>
-        <p:spPr>
-          <a:xfrm>
-            <a:off x="7315371" y="4097190"/>
-            <a:ext cx="0" cy="829662"/>
-          </a:xfrm>
-          <a:prstGeom prst="straightConnector1">
-            <a:avLst/>
-          </a:prstGeom>
-          <a:ln w="19050">
-            <a:solidFill>
-              <a:schemeClr val="accent5"/>
-            </a:solidFill>
-            <a:prstDash val="solid"/>
-            <a:tailEnd type="triangle"/>
-          </a:ln>
-        </p:spPr>
-        <p:style>
-          <a:lnRef idx="1">
-            <a:schemeClr val="accent3"/>
-          </a:lnRef>
-          <a:fillRef idx="0">
-            <a:schemeClr val="accent3"/>
-          </a:fillRef>
-          <a:effectRef idx="0">
-            <a:schemeClr val="accent3"/>
-          </a:effectRef>
-          <a:fontRef idx="minor">
-            <a:schemeClr val="tx1"/>
-          </a:fontRef>
-        </p:style>
-      </p:cxnSp>
-      <p:cxnSp>
-        <p:nvCxnSpPr>
-          <p:cNvPr id="174" name="Connector: Elbow 110">
-            <a:extLst>
-              <a:ext uri="{FF2B5EF4-FFF2-40B4-BE49-F238E27FC236}">
-                <a16:creationId xmlns:a16="http://schemas.microsoft.com/office/drawing/2014/main" id="{10EA3EB8-3DF6-4A86-956B-C27E2CB6338A}"/>
-              </a:ext>
-            </a:extLst>
-          </p:cNvPr>
-          <p:cNvCxnSpPr>
-            <a:cxnSpLocks/>
-            <a:stCxn id="91" idx="3"/>
-            <a:endCxn id="11" idx="0"/>
-          </p:cNvCxnSpPr>
-          <p:nvPr/>
-        </p:nvCxnSpPr>
-        <p:spPr>
-          <a:xfrm>
-            <a:off x="5014994" y="4097190"/>
-            <a:ext cx="0" cy="829662"/>
-          </a:xfrm>
-          <a:prstGeom prst="straightConnector1">
             <a:avLst/>
           </a:prstGeom>
           <a:ln w="19050">
@@ -29087,6 +28896,197 @@
           </a:fontRef>
         </p:style>
       </p:cxnSp>
+      <p:cxnSp>
+        <p:nvCxnSpPr>
+          <p:cNvPr id="162" name="Connector: Elbow 161">
+            <a:extLst>
+              <a:ext uri="{FF2B5EF4-FFF2-40B4-BE49-F238E27FC236}">
+                <a16:creationId xmlns:a16="http://schemas.microsoft.com/office/drawing/2014/main" id="{7C04F6AB-144B-4DD6-8608-33AD2C170864}"/>
+              </a:ext>
+            </a:extLst>
+          </p:cNvPr>
+          <p:cNvCxnSpPr>
+            <a:cxnSpLocks/>
+            <a:stCxn id="136" idx="2"/>
+            <a:endCxn id="22" idx="0"/>
+          </p:cNvCxnSpPr>
+          <p:nvPr/>
+        </p:nvCxnSpPr>
+        <p:spPr>
+          <a:xfrm rot="5400000">
+            <a:off x="5169880" y="1920251"/>
+            <a:ext cx="771231" cy="1081001"/>
+          </a:xfrm>
+          <a:prstGeom prst="bentConnector3">
+            <a:avLst>
+              <a:gd name="adj1" fmla="val 50000"/>
+            </a:avLst>
+          </a:prstGeom>
+          <a:ln w="19050">
+            <a:solidFill>
+              <a:schemeClr val="accent5"/>
+            </a:solidFill>
+            <a:prstDash val="sysDot"/>
+            <a:tailEnd type="triangle"/>
+          </a:ln>
+        </p:spPr>
+        <p:style>
+          <a:lnRef idx="1">
+            <a:schemeClr val="accent3"/>
+          </a:lnRef>
+          <a:fillRef idx="0">
+            <a:schemeClr val="accent3"/>
+          </a:fillRef>
+          <a:effectRef idx="0">
+            <a:schemeClr val="accent3"/>
+          </a:effectRef>
+          <a:fontRef idx="minor">
+            <a:schemeClr val="tx1"/>
+          </a:fontRef>
+        </p:style>
+      </p:cxnSp>
+      <p:cxnSp>
+        <p:nvCxnSpPr>
+          <p:cNvPr id="168" name="Connector: Elbow 167">
+            <a:extLst>
+              <a:ext uri="{FF2B5EF4-FFF2-40B4-BE49-F238E27FC236}">
+                <a16:creationId xmlns:a16="http://schemas.microsoft.com/office/drawing/2014/main" id="{D2A783FA-776D-4C77-B939-62EE2DFAF96E}"/>
+              </a:ext>
+            </a:extLst>
+          </p:cNvPr>
+          <p:cNvCxnSpPr>
+            <a:cxnSpLocks/>
+            <a:stCxn id="136" idx="2"/>
+            <a:endCxn id="38" idx="0"/>
+          </p:cNvCxnSpPr>
+          <p:nvPr/>
+        </p:nvCxnSpPr>
+        <p:spPr>
+          <a:xfrm rot="16200000" flipH="1">
+            <a:off x="6327606" y="1843525"/>
+            <a:ext cx="756154" cy="1219376"/>
+          </a:xfrm>
+          <a:prstGeom prst="bentConnector3">
+            <a:avLst>
+              <a:gd name="adj1" fmla="val 50000"/>
+            </a:avLst>
+          </a:prstGeom>
+          <a:ln w="19050">
+            <a:solidFill>
+              <a:schemeClr val="accent5"/>
+            </a:solidFill>
+            <a:prstDash val="sysDot"/>
+            <a:tailEnd type="triangle"/>
+          </a:ln>
+        </p:spPr>
+        <p:style>
+          <a:lnRef idx="1">
+            <a:schemeClr val="accent3"/>
+          </a:lnRef>
+          <a:fillRef idx="0">
+            <a:schemeClr val="accent3"/>
+          </a:fillRef>
+          <a:effectRef idx="0">
+            <a:schemeClr val="accent3"/>
+          </a:effectRef>
+          <a:fontRef idx="minor">
+            <a:schemeClr val="tx1"/>
+          </a:fontRef>
+        </p:style>
+      </p:cxnSp>
+      <p:cxnSp>
+        <p:nvCxnSpPr>
+          <p:cNvPr id="171" name="Connector: Elbow 110">
+            <a:extLst>
+              <a:ext uri="{FF2B5EF4-FFF2-40B4-BE49-F238E27FC236}">
+                <a16:creationId xmlns:a16="http://schemas.microsoft.com/office/drawing/2014/main" id="{94D0376E-6CB6-4018-901B-8629035D7989}"/>
+              </a:ext>
+            </a:extLst>
+          </p:cNvPr>
+          <p:cNvCxnSpPr>
+            <a:cxnSpLocks/>
+            <a:endCxn id="62" idx="0"/>
+          </p:cNvCxnSpPr>
+          <p:nvPr/>
+        </p:nvCxnSpPr>
+        <p:spPr>
+          <a:xfrm>
+            <a:off x="7315371" y="4097190"/>
+            <a:ext cx="0" cy="829662"/>
+          </a:xfrm>
+          <a:prstGeom prst="straightConnector1">
+            <a:avLst/>
+          </a:prstGeom>
+          <a:ln w="19050">
+            <a:solidFill>
+              <a:schemeClr val="accent5"/>
+            </a:solidFill>
+            <a:prstDash val="solid"/>
+            <a:tailEnd type="triangle"/>
+          </a:ln>
+        </p:spPr>
+        <p:style>
+          <a:lnRef idx="1">
+            <a:schemeClr val="accent3"/>
+          </a:lnRef>
+          <a:fillRef idx="0">
+            <a:schemeClr val="accent3"/>
+          </a:fillRef>
+          <a:effectRef idx="0">
+            <a:schemeClr val="accent3"/>
+          </a:effectRef>
+          <a:fontRef idx="minor">
+            <a:schemeClr val="tx1"/>
+          </a:fontRef>
+        </p:style>
+      </p:cxnSp>
+      <p:cxnSp>
+        <p:nvCxnSpPr>
+          <p:cNvPr id="174" name="Connector: Elbow 110">
+            <a:extLst>
+              <a:ext uri="{FF2B5EF4-FFF2-40B4-BE49-F238E27FC236}">
+                <a16:creationId xmlns:a16="http://schemas.microsoft.com/office/drawing/2014/main" id="{10EA3EB8-3DF6-4A86-956B-C27E2CB6338A}"/>
+              </a:ext>
+            </a:extLst>
+          </p:cNvPr>
+          <p:cNvCxnSpPr>
+            <a:cxnSpLocks/>
+            <a:stCxn id="91" idx="3"/>
+            <a:endCxn id="11" idx="0"/>
+          </p:cNvCxnSpPr>
+          <p:nvPr/>
+        </p:nvCxnSpPr>
+        <p:spPr>
+          <a:xfrm>
+            <a:off x="5014994" y="4097190"/>
+            <a:ext cx="0" cy="829662"/>
+          </a:xfrm>
+          <a:prstGeom prst="straightConnector1">
+            <a:avLst/>
+          </a:prstGeom>
+          <a:ln w="19050">
+            <a:solidFill>
+              <a:schemeClr val="accent5"/>
+            </a:solidFill>
+            <a:prstDash val="solid"/>
+            <a:tailEnd type="triangle"/>
+          </a:ln>
+        </p:spPr>
+        <p:style>
+          <a:lnRef idx="1">
+            <a:schemeClr val="accent3"/>
+          </a:lnRef>
+          <a:fillRef idx="0">
+            <a:schemeClr val="accent3"/>
+          </a:fillRef>
+          <a:effectRef idx="0">
+            <a:schemeClr val="accent3"/>
+          </a:effectRef>
+          <a:fontRef idx="minor">
+            <a:schemeClr val="tx1"/>
+          </a:fontRef>
+        </p:style>
+      </p:cxnSp>
     </p:spTree>
     <p:extLst>
       <p:ext uri="{BB962C8B-B14F-4D97-AF65-F5344CB8AC3E}">
@@ -30415,6 +30415,44 @@
 </file>
 
 <file path=customXml/item1.xml><?xml version="1.0" encoding="utf-8"?>
+<p:properties xmlns:p="http://schemas.microsoft.com/office/2006/metadata/properties" xmlns:xsi="http://www.w3.org/2001/XMLSchema-instance" xmlns:pc="http://schemas.microsoft.com/office/infopath/2007/PartnerControls">
+  <documentManagement>
+    <SharedWithUsers xmlns="fee67b93-6974-4599-bd16-a295bb27cfe1">
+      <UserInfo>
+        <DisplayName>Stijn Degrieck</DisplayName>
+        <AccountId>13</AccountId>
+        <AccountType/>
+      </UserInfo>
+      <UserInfo>
+        <DisplayName>Henk Buysschaert</DisplayName>
+        <AccountId>73</AccountId>
+        <AccountType/>
+      </UserInfo>
+      <UserInfo>
+        <DisplayName>Sean MacGillavry</DisplayName>
+        <AccountId>69</AccountId>
+        <AccountType/>
+      </UserInfo>
+      <UserInfo>
+        <DisplayName>Joachim De Roissart</DisplayName>
+        <AccountId>90</AccountId>
+        <AccountType/>
+      </UserInfo>
+    </SharedWithUsers>
+  </documentManagement>
+</p:properties>
+</file>
+
+<file path=customXml/item2.xml><?xml version="1.0" encoding="utf-8"?>
+<?mso-contentType ?>
+<FormTemplates xmlns="http://schemas.microsoft.com/sharepoint/v3/contenttype/forms">
+  <Display>DocumentLibraryForm</Display>
+  <Edit>DocumentLibraryForm</Edit>
+  <New>DocumentLibraryForm</New>
+</FormTemplates>
+</file>
+
+<file path=customXml/item3.xml><?xml version="1.0" encoding="utf-8"?>
 <ct:contentTypeSchema xmlns:ct="http://schemas.microsoft.com/office/2006/metadata/contentType" xmlns:ma="http://schemas.microsoft.com/office/2006/metadata/properties/metaAttributes" ct:_="" ma:_="" ma:contentTypeName="Document" ma:contentTypeID="0x010100BAB604DF092D3D49B351D6278F007E19" ma:contentTypeVersion="7" ma:contentTypeDescription="Create a new document." ma:contentTypeScope="" ma:versionID="a741f742da3336562cd50a39a69eaa15">
   <xsd:schema xmlns:xsd="http://www.w3.org/2001/XMLSchema" xmlns:xs="http://www.w3.org/2001/XMLSchema" xmlns:p="http://schemas.microsoft.com/office/2006/metadata/properties" xmlns:ns2="fee67b93-6974-4599-bd16-a295bb27cfe1" xmlns:ns3="ca5330bd-c563-4e65-982c-c703f4b94ec3" targetNamespace="http://schemas.microsoft.com/office/2006/metadata/properties" ma:root="true" ma:fieldsID="38f3fb98fb601c9cb6e194579c7111d9" ns2:_="" ns3:_="">
     <xsd:import namespace="fee67b93-6974-4599-bd16-a295bb27cfe1"/>
@@ -30599,45 +30637,32 @@
 </ct:contentTypeSchema>
 </file>
 
-<file path=customXml/item2.xml><?xml version="1.0" encoding="utf-8"?>
-<?mso-contentType ?>
-<FormTemplates xmlns="http://schemas.microsoft.com/sharepoint/v3/contenttype/forms">
-  <Display>DocumentLibraryForm</Display>
-  <Edit>DocumentLibraryForm</Edit>
-  <New>DocumentLibraryForm</New>
-</FormTemplates>
+<file path=customXml/itemProps1.xml><?xml version="1.0" encoding="utf-8"?>
+<ds:datastoreItem xmlns:ds="http://schemas.openxmlformats.org/officeDocument/2006/customXml" ds:itemID="{BB868E38-3883-485C-AA72-FE197350C91A}">
+  <ds:schemaRefs>
+    <ds:schemaRef ds:uri="http://purl.org/dc/dcmitype/"/>
+    <ds:schemaRef ds:uri="http://purl.org/dc/elements/1.1/"/>
+    <ds:schemaRef ds:uri="http://schemas.openxmlformats.org/package/2006/metadata/core-properties"/>
+    <ds:schemaRef ds:uri="http://purl.org/dc/terms/"/>
+    <ds:schemaRef ds:uri="http://schemas.microsoft.com/office/2006/documentManagement/types"/>
+    <ds:schemaRef ds:uri="http://www.w3.org/XML/1998/namespace"/>
+    <ds:schemaRef ds:uri="http://schemas.microsoft.com/office/infopath/2007/PartnerControls"/>
+    <ds:schemaRef ds:uri="ca5330bd-c563-4e65-982c-c703f4b94ec3"/>
+    <ds:schemaRef ds:uri="fee67b93-6974-4599-bd16-a295bb27cfe1"/>
+    <ds:schemaRef ds:uri="http://schemas.microsoft.com/office/2006/metadata/properties"/>
+  </ds:schemaRefs>
+</ds:datastoreItem>
 </file>
 
-<file path=customXml/item3.xml><?xml version="1.0" encoding="utf-8"?>
-<p:properties xmlns:p="http://schemas.microsoft.com/office/2006/metadata/properties" xmlns:xsi="http://www.w3.org/2001/XMLSchema-instance" xmlns:pc="http://schemas.microsoft.com/office/infopath/2007/PartnerControls">
-  <documentManagement>
-    <SharedWithUsers xmlns="fee67b93-6974-4599-bd16-a295bb27cfe1">
-      <UserInfo>
-        <DisplayName>Stijn Degrieck</DisplayName>
-        <AccountId>13</AccountId>
-        <AccountType/>
-      </UserInfo>
-      <UserInfo>
-        <DisplayName>Henk Buysschaert</DisplayName>
-        <AccountId>73</AccountId>
-        <AccountType/>
-      </UserInfo>
-      <UserInfo>
-        <DisplayName>Sean MacGillavry</DisplayName>
-        <AccountId>69</AccountId>
-        <AccountType/>
-      </UserInfo>
-      <UserInfo>
-        <DisplayName>Joachim De Roissart</DisplayName>
-        <AccountId>90</AccountId>
-        <AccountType/>
-      </UserInfo>
-    </SharedWithUsers>
-  </documentManagement>
-</p:properties>
+<file path=customXml/itemProps2.xml><?xml version="1.0" encoding="utf-8"?>
+<ds:datastoreItem xmlns:ds="http://schemas.openxmlformats.org/officeDocument/2006/customXml" ds:itemID="{BD1960A6-4BE3-42B6-BC04-74E06DF22BF7}">
+  <ds:schemaRefs>
+    <ds:schemaRef ds:uri="http://schemas.microsoft.com/sharepoint/v3/contenttype/forms"/>
+  </ds:schemaRefs>
+</ds:datastoreItem>
 </file>
 
-<file path=customXml/itemProps1.xml><?xml version="1.0" encoding="utf-8"?>
+<file path=customXml/itemProps3.xml><?xml version="1.0" encoding="utf-8"?>
 <ds:datastoreItem xmlns:ds="http://schemas.openxmlformats.org/officeDocument/2006/customXml" ds:itemID="{B84ED37A-3E41-4079-B161-B36C644DBC25}">
   <ds:schemaRefs>
     <ds:schemaRef ds:uri="http://schemas.microsoft.com/office/2006/metadata/contentType"/>
@@ -30654,29 +30679,4 @@
     <ds:schemaRef ds:uri="http://schemas.microsoft.com/internal/obd"/>
   </ds:schemaRefs>
 </ds:datastoreItem>
-</file>
-
-<file path=customXml/itemProps2.xml><?xml version="1.0" encoding="utf-8"?>
-<ds:datastoreItem xmlns:ds="http://schemas.openxmlformats.org/officeDocument/2006/customXml" ds:itemID="{BD1960A6-4BE3-42B6-BC04-74E06DF22BF7}">
-  <ds:schemaRefs>
-    <ds:schemaRef ds:uri="http://schemas.microsoft.com/sharepoint/v3/contenttype/forms"/>
-  </ds:schemaRefs>
-</ds:datastoreItem>
-</file>
-
-<file path=customXml/itemProps3.xml><?xml version="1.0" encoding="utf-8"?>
-<ds:datastoreItem xmlns:ds="http://schemas.openxmlformats.org/officeDocument/2006/customXml" ds:itemID="{BB868E38-3883-485C-AA72-FE197350C91A}">
-  <ds:schemaRefs>
-    <ds:schemaRef ds:uri="http://purl.org/dc/dcmitype/"/>
-    <ds:schemaRef ds:uri="http://purl.org/dc/elements/1.1/"/>
-    <ds:schemaRef ds:uri="http://schemas.openxmlformats.org/package/2006/metadata/core-properties"/>
-    <ds:schemaRef ds:uri="http://purl.org/dc/terms/"/>
-    <ds:schemaRef ds:uri="http://schemas.microsoft.com/office/2006/documentManagement/types"/>
-    <ds:schemaRef ds:uri="http://www.w3.org/XML/1998/namespace"/>
-    <ds:schemaRef ds:uri="http://schemas.microsoft.com/office/infopath/2007/PartnerControls"/>
-    <ds:schemaRef ds:uri="ca5330bd-c563-4e65-982c-c703f4b94ec3"/>
-    <ds:schemaRef ds:uri="fee67b93-6974-4599-bd16-a295bb27cfe1"/>
-    <ds:schemaRef ds:uri="http://schemas.microsoft.com/office/2006/metadata/properties"/>
-  </ds:schemaRefs>
-</ds:datastoreItem>
 </file>
--- a/media/schematics.pptx
+++ b/media/schematics.pptx
@@ -11,7 +11,7 @@
     <p:handoutMasterId r:id="rId8"/>
   </p:handoutMasterIdLst>
   <p:sldIdLst>
-    <p:sldId id="311" r:id="rId5"/>
+    <p:sldId id="309" r:id="rId5"/>
     <p:sldId id="310" r:id="rId6"/>
   </p:sldIdLst>
   <p:sldSz cx="12192000" cy="6858000"/>
@@ -224,7 +224,7 @@
           <a:p>
             <a:fld id="{95C1CFC4-D863-8C4F-A7C8-23B82AC551F6}" type="datetimeFigureOut">
               <a:rPr lang="en-US" smtClean="0"/>
-              <a:t>11/13/2020</a:t>
+              <a:t>11/19/2020</a:t>
             </a:fld>
             <a:endParaRPr lang="en-US"/>
           </a:p>
@@ -390,7 +390,7 @@
           <a:p>
             <a:fld id="{1B0457A4-AE58-44C7-9387-D2D184BECA68}" type="datetimeFigureOut">
               <a:rPr lang="en-US" smtClean="0"/>
-              <a:t>11/13/2020</a:t>
+              <a:t>11/19/2020</a:t>
             </a:fld>
             <a:endParaRPr lang="en-US"/>
           </a:p>
@@ -25307,8 +25307,8 @@
         </p:nvCxnSpPr>
         <p:spPr>
           <a:xfrm rot="5400000" flipH="1" flipV="1">
-            <a:off x="458785" y="1548945"/>
-            <a:ext cx="1378832" cy="814856"/>
+            <a:off x="540460" y="1524228"/>
+            <a:ext cx="1321874" cy="921249"/>
           </a:xfrm>
           <a:prstGeom prst="bentConnector2">
             <a:avLst/>
@@ -25338,10 +25338,10 @@
       </p:cxnSp>
       <p:sp>
         <p:nvSpPr>
-          <p:cNvPr id="201" name="Rectangle 200">
+          <p:cNvPr id="36" name="Rectangle 35">
             <a:extLst>
               <a:ext uri="{FF2B5EF4-FFF2-40B4-BE49-F238E27FC236}">
-                <a16:creationId xmlns:a16="http://schemas.microsoft.com/office/drawing/2014/main" id="{87071062-6E4A-43C3-9B23-830C66D48280}"/>
+                <a16:creationId xmlns:a16="http://schemas.microsoft.com/office/drawing/2014/main" id="{9920AF8D-6C1D-4930-B101-E3BFE5FA51B3}"/>
               </a:ext>
             </a:extLst>
           </p:cNvPr>
@@ -25350,8 +25350,8 @@
         </p:nvSpPr>
         <p:spPr>
           <a:xfrm rot="5400000">
-            <a:off x="554447" y="2355795"/>
-            <a:ext cx="437602" cy="1814968"/>
+            <a:off x="5909545" y="-4273315"/>
+            <a:ext cx="372907" cy="8867955"/>
           </a:xfrm>
           <a:prstGeom prst="rect">
             <a:avLst/>
@@ -25379,20 +25379,19 @@
           <a:bodyPr vert="vert270" rtlCol="0" anchor="ctr"/>
           <a:lstStyle/>
           <a:p>
-            <a:pPr algn="ctr"/>
-            <a:r>
-              <a:rPr lang="en-US" sz="1200" dirty="0">
+            <a:r>
+              <a:rPr lang="en-US" sz="1400" b="1" dirty="0">
                 <a:solidFill>
-                  <a:srgbClr val="080808"/>
+                  <a:srgbClr val="0070C0"/>
                 </a:solidFill>
                 <a:latin typeface="Segoe UI (Body)"/>
                 <a:cs typeface="Tahoma"/>
               </a:rPr>
-              <a:t>Deploy Instance</a:t>
-            </a:r>
-            <a:endParaRPr lang="en-BE" sz="1200" dirty="0" err="1">
+              <a:t>Application Resource Group</a:t>
+            </a:r>
+            <a:endParaRPr lang="en-BE" sz="1400" b="1" dirty="0" err="1">
               <a:solidFill>
-                <a:srgbClr val="080808"/>
+                <a:srgbClr val="0070C0"/>
               </a:solidFill>
               <a:latin typeface="Segoe UI (Body)"/>
               <a:cs typeface="Tahoma"/>
@@ -25402,10 +25401,10 @@
       </p:sp>
       <p:grpSp>
         <p:nvGrpSpPr>
-          <p:cNvPr id="8" name="Group 7">
+          <p:cNvPr id="184" name="Group 183">
             <a:extLst>
               <a:ext uri="{FF2B5EF4-FFF2-40B4-BE49-F238E27FC236}">
-                <a16:creationId xmlns:a16="http://schemas.microsoft.com/office/drawing/2014/main" id="{37A00946-520A-44E4-85A5-B2D1E351DEBC}"/>
+                <a16:creationId xmlns:a16="http://schemas.microsoft.com/office/drawing/2014/main" id="{BE8E66AD-0F16-47C5-94B1-7119AA1E7FA1}"/>
               </a:ext>
             </a:extLst>
           </p:cNvPr>
@@ -25414,18 +25413,103 @@
         </p:nvGrpSpPr>
         <p:grpSpPr>
           <a:xfrm>
-            <a:off x="1555629" y="-25791"/>
-            <a:ext cx="9080742" cy="2212589"/>
-            <a:chOff x="1555629" y="-25791"/>
-            <a:chExt cx="9080742" cy="2212589"/>
+            <a:off x="1662022" y="2381520"/>
+            <a:ext cx="8873840" cy="1283113"/>
+            <a:chOff x="1662022" y="2048901"/>
+            <a:chExt cx="8873840" cy="1283113"/>
           </a:xfrm>
         </p:grpSpPr>
         <p:sp>
           <p:nvSpPr>
-            <p:cNvPr id="36" name="Rectangle 35">
+            <p:cNvPr id="2" name="Rectangle 1">
               <a:extLst>
                 <a:ext uri="{FF2B5EF4-FFF2-40B4-BE49-F238E27FC236}">
-                  <a16:creationId xmlns:a16="http://schemas.microsoft.com/office/drawing/2014/main" id="{9920AF8D-6C1D-4930-B101-E3BFE5FA51B3}"/>
+                  <a16:creationId xmlns:a16="http://schemas.microsoft.com/office/drawing/2014/main" id="{E13621ED-8B6D-4151-9FC3-7DD03B8C702A}"/>
+                </a:ext>
+              </a:extLst>
+            </p:cNvPr>
+            <p:cNvSpPr/>
+            <p:nvPr/>
+          </p:nvSpPr>
+          <p:spPr>
+            <a:xfrm>
+              <a:off x="1662022" y="2451962"/>
+              <a:ext cx="8867955" cy="880052"/>
+            </a:xfrm>
+            <a:prstGeom prst="rect">
+              <a:avLst/>
+            </a:prstGeom>
+            <a:ln>
+              <a:solidFill>
+                <a:srgbClr val="0070C0"/>
+              </a:solidFill>
+            </a:ln>
+          </p:spPr>
+          <p:style>
+            <a:lnRef idx="2">
+              <a:schemeClr val="accent3"/>
+            </a:lnRef>
+            <a:fillRef idx="1">
+              <a:schemeClr val="lt1"/>
+            </a:fillRef>
+            <a:effectRef idx="0">
+              <a:schemeClr val="accent3"/>
+            </a:effectRef>
+            <a:fontRef idx="minor">
+              <a:schemeClr val="dk1"/>
+            </a:fontRef>
+          </p:style>
+          <p:txBody>
+            <a:bodyPr rtlCol="0" anchor="ctr"/>
+            <a:lstStyle/>
+            <a:p>
+              <a:pPr algn="ctr"/>
+              <a:endParaRPr lang="en-BE" dirty="0" err="1">
+                <a:solidFill>
+                  <a:schemeClr val="bg1"/>
+                </a:solidFill>
+                <a:latin typeface="Tahoma"/>
+                <a:cs typeface="Tahoma"/>
+              </a:endParaRPr>
+            </a:p>
+          </p:txBody>
+        </p:sp>
+        <p:pic>
+          <p:nvPicPr>
+            <p:cNvPr id="8" name="Picture 7">
+              <a:extLst>
+                <a:ext uri="{FF2B5EF4-FFF2-40B4-BE49-F238E27FC236}">
+                  <a16:creationId xmlns:a16="http://schemas.microsoft.com/office/drawing/2014/main" id="{F8FEA726-C914-4C81-BB0C-862B8345EFEB}"/>
+                </a:ext>
+              </a:extLst>
+            </p:cNvPr>
+            <p:cNvPicPr>
+              <a:picLocks noChangeAspect="1"/>
+            </p:cNvPicPr>
+            <p:nvPr/>
+          </p:nvPicPr>
+          <p:blipFill>
+            <a:blip r:embed="rId3"/>
+            <a:stretch>
+              <a:fillRect/>
+            </a:stretch>
+          </p:blipFill>
+          <p:spPr>
+            <a:xfrm>
+              <a:off x="1844334" y="2610677"/>
+              <a:ext cx="562622" cy="562622"/>
+            </a:xfrm>
+            <a:prstGeom prst="rect">
+              <a:avLst/>
+            </a:prstGeom>
+          </p:spPr>
+        </p:pic>
+        <p:sp>
+          <p:nvSpPr>
+            <p:cNvPr id="42" name="Rectangle 41">
+              <a:extLst>
+                <a:ext uri="{FF2B5EF4-FFF2-40B4-BE49-F238E27FC236}">
+                  <a16:creationId xmlns:a16="http://schemas.microsoft.com/office/drawing/2014/main" id="{07324EFD-449D-4823-B732-BD7D32346F48}"/>
                 </a:ext>
               </a:extLst>
             </p:cNvPr>
@@ -25434,8 +25518,8 @@
           </p:nvSpPr>
           <p:spPr>
             <a:xfrm rot="5400000">
-              <a:off x="5909545" y="-4273315"/>
-              <a:ext cx="372907" cy="8867955"/>
+              <a:off x="5915430" y="-2198624"/>
+              <a:ext cx="372907" cy="8867957"/>
             </a:xfrm>
             <a:prstGeom prst="rect">
               <a:avLst/>
@@ -25471,7 +25555,7 @@
                   <a:latin typeface="Segoe UI (Body)"/>
                   <a:cs typeface="Tahoma"/>
                 </a:rPr>
-                <a:t>Application Resource Group</a:t>
+                <a:t>Monitoring &amp; Scaling Triggers</a:t>
               </a:r>
               <a:endParaRPr lang="en-BE" sz="1400" b="1" dirty="0" err="1">
                 <a:solidFill>
@@ -25483,6 +25567,1688 @@
             </a:p>
           </p:txBody>
         </p:sp>
+        <p:grpSp>
+          <p:nvGrpSpPr>
+            <p:cNvPr id="178" name="Group 177">
+              <a:extLst>
+                <a:ext uri="{FF2B5EF4-FFF2-40B4-BE49-F238E27FC236}">
+                  <a16:creationId xmlns:a16="http://schemas.microsoft.com/office/drawing/2014/main" id="{EC0685BD-6C68-48E1-AEB1-DE90A10413B1}"/>
+                </a:ext>
+              </a:extLst>
+            </p:cNvPr>
+            <p:cNvGrpSpPr/>
+            <p:nvPr/>
+          </p:nvGrpSpPr>
+          <p:grpSpPr>
+            <a:xfrm>
+              <a:off x="7096029" y="2602628"/>
+              <a:ext cx="2773610" cy="493625"/>
+              <a:chOff x="7096029" y="2520353"/>
+              <a:chExt cx="2773610" cy="493625"/>
+            </a:xfrm>
+          </p:grpSpPr>
+          <p:pic>
+            <p:nvPicPr>
+              <p:cNvPr id="38" name="Graphic 37">
+                <a:extLst>
+                  <a:ext uri="{FF2B5EF4-FFF2-40B4-BE49-F238E27FC236}">
+                    <a16:creationId xmlns:a16="http://schemas.microsoft.com/office/drawing/2014/main" id="{F9D90FAD-DFB0-4AB8-BDE8-1CEB982B9B93}"/>
+                  </a:ext>
+                </a:extLst>
+              </p:cNvPr>
+              <p:cNvPicPr>
+                <a:picLocks noChangeAspect="1"/>
+              </p:cNvPicPr>
+              <p:nvPr/>
+            </p:nvPicPr>
+            <p:blipFill>
+              <a:blip r:embed="rId4">
+                <a:extLst>
+                  <a:ext uri="{28A0092B-C50C-407E-A947-70E740481C1C}">
+                    <a14:useLocalDpi xmlns:a14="http://schemas.microsoft.com/office/drawing/2010/main" val="0"/>
+                  </a:ext>
+                  <a:ext uri="{96DAC541-7B7A-43D3-8B79-37D633B846F1}">
+                    <asvg:svgBlip xmlns:asvg="http://schemas.microsoft.com/office/drawing/2016/SVG/main" r:embed="rId5"/>
+                  </a:ext>
+                </a:extLst>
+              </a:blip>
+              <a:stretch>
+                <a:fillRect/>
+              </a:stretch>
+            </p:blipFill>
+            <p:spPr>
+              <a:xfrm>
+                <a:off x="7096029" y="2575294"/>
+                <a:ext cx="438684" cy="438684"/>
+              </a:xfrm>
+              <a:prstGeom prst="rect">
+                <a:avLst/>
+              </a:prstGeom>
+            </p:spPr>
+          </p:pic>
+          <p:sp>
+            <p:nvSpPr>
+              <p:cNvPr id="176" name="Rectangle 175">
+                <a:extLst>
+                  <a:ext uri="{FF2B5EF4-FFF2-40B4-BE49-F238E27FC236}">
+                    <a16:creationId xmlns:a16="http://schemas.microsoft.com/office/drawing/2014/main" id="{A47E53A5-AE66-4D01-9196-3A0200105286}"/>
+                  </a:ext>
+                </a:extLst>
+              </p:cNvPr>
+              <p:cNvSpPr/>
+              <p:nvPr/>
+            </p:nvSpPr>
+            <p:spPr>
+              <a:xfrm rot="5400000">
+                <a:off x="8520585" y="1548698"/>
+                <a:ext cx="377399" cy="2320709"/>
+              </a:xfrm>
+              <a:prstGeom prst="rect">
+                <a:avLst/>
+              </a:prstGeom>
+              <a:noFill/>
+              <a:ln w="19050">
+                <a:noFill/>
+              </a:ln>
+            </p:spPr>
+            <p:style>
+              <a:lnRef idx="2">
+                <a:schemeClr val="accent2"/>
+              </a:lnRef>
+              <a:fillRef idx="1">
+                <a:schemeClr val="lt1"/>
+              </a:fillRef>
+              <a:effectRef idx="0">
+                <a:schemeClr val="accent2"/>
+              </a:effectRef>
+              <a:fontRef idx="minor">
+                <a:schemeClr val="dk1"/>
+              </a:fontRef>
+            </p:style>
+            <p:txBody>
+              <a:bodyPr vert="vert270" rtlCol="0" anchor="t"/>
+              <a:lstStyle/>
+              <a:p>
+                <a:r>
+                  <a:rPr lang="en-US" sz="1000" b="1" dirty="0">
+                    <a:solidFill>
+                      <a:srgbClr val="080808"/>
+                    </a:solidFill>
+                    <a:latin typeface="Segoe UI (Body)"/>
+                    <a:cs typeface="Tahoma"/>
+                  </a:rPr>
+                  <a:t>Active Messages &gt; 250</a:t>
+                </a:r>
+              </a:p>
+              <a:p>
+                <a:r>
+                  <a:rPr lang="en-US" sz="1000" i="1" dirty="0">
+                    <a:solidFill>
+                      <a:srgbClr val="080808"/>
+                    </a:solidFill>
+                    <a:latin typeface="Segoe UI (Body)"/>
+                    <a:cs typeface="Tahoma"/>
+                  </a:rPr>
+                  <a:t>Scaling Criteria</a:t>
+                </a:r>
+                <a:endParaRPr lang="en-BE" sz="1000" i="1" dirty="0" err="1">
+                  <a:solidFill>
+                    <a:srgbClr val="080808"/>
+                  </a:solidFill>
+                  <a:latin typeface="Segoe UI (Body)"/>
+                  <a:cs typeface="Tahoma"/>
+                </a:endParaRPr>
+              </a:p>
+            </p:txBody>
+          </p:sp>
+        </p:grpSp>
+        <p:grpSp>
+          <p:nvGrpSpPr>
+            <p:cNvPr id="183" name="Group 182">
+              <a:extLst>
+                <a:ext uri="{FF2B5EF4-FFF2-40B4-BE49-F238E27FC236}">
+                  <a16:creationId xmlns:a16="http://schemas.microsoft.com/office/drawing/2014/main" id="{88394F1E-B25C-4D0C-8DD8-6BBABC749922}"/>
+                </a:ext>
+              </a:extLst>
+            </p:cNvPr>
+            <p:cNvGrpSpPr/>
+            <p:nvPr/>
+          </p:nvGrpSpPr>
+          <p:grpSpPr>
+            <a:xfrm>
+              <a:off x="2470205" y="2613190"/>
+              <a:ext cx="2764131" cy="498140"/>
+              <a:chOff x="2470205" y="2530915"/>
+              <a:chExt cx="2764131" cy="498140"/>
+            </a:xfrm>
+          </p:grpSpPr>
+          <p:pic>
+            <p:nvPicPr>
+              <p:cNvPr id="22" name="Graphic 21">
+                <a:extLst>
+                  <a:ext uri="{FF2B5EF4-FFF2-40B4-BE49-F238E27FC236}">
+                    <a16:creationId xmlns:a16="http://schemas.microsoft.com/office/drawing/2014/main" id="{D63A3D3B-121F-4F55-876D-46DCD7B9F71D}"/>
+                  </a:ext>
+                </a:extLst>
+              </p:cNvPr>
+              <p:cNvPicPr>
+                <a:picLocks noChangeAspect="1"/>
+              </p:cNvPicPr>
+              <p:nvPr/>
+            </p:nvPicPr>
+            <p:blipFill>
+              <a:blip r:embed="rId4">
+                <a:extLst>
+                  <a:ext uri="{28A0092B-C50C-407E-A947-70E740481C1C}">
+                    <a14:useLocalDpi xmlns:a14="http://schemas.microsoft.com/office/drawing/2010/main" val="0"/>
+                  </a:ext>
+                  <a:ext uri="{96DAC541-7B7A-43D3-8B79-37D633B846F1}">
+                    <asvg:svgBlip xmlns:asvg="http://schemas.microsoft.com/office/drawing/2016/SVG/main" r:embed="rId5"/>
+                  </a:ext>
+                </a:extLst>
+              </a:blip>
+              <a:stretch>
+                <a:fillRect/>
+              </a:stretch>
+            </p:blipFill>
+            <p:spPr>
+              <a:xfrm>
+                <a:off x="4795652" y="2590371"/>
+                <a:ext cx="438684" cy="438684"/>
+              </a:xfrm>
+              <a:prstGeom prst="rect">
+                <a:avLst/>
+              </a:prstGeom>
+            </p:spPr>
+          </p:pic>
+          <p:sp>
+            <p:nvSpPr>
+              <p:cNvPr id="177" name="Rectangle 176">
+                <a:extLst>
+                  <a:ext uri="{FF2B5EF4-FFF2-40B4-BE49-F238E27FC236}">
+                    <a16:creationId xmlns:a16="http://schemas.microsoft.com/office/drawing/2014/main" id="{E9838BBB-AF32-44D6-951D-CC5E9F1CE98A}"/>
+                  </a:ext>
+                </a:extLst>
+              </p:cNvPr>
+              <p:cNvSpPr/>
+              <p:nvPr/>
+            </p:nvSpPr>
+            <p:spPr>
+              <a:xfrm rot="5400000">
+                <a:off x="3441860" y="1559260"/>
+                <a:ext cx="377399" cy="2320709"/>
+              </a:xfrm>
+              <a:prstGeom prst="rect">
+                <a:avLst/>
+              </a:prstGeom>
+              <a:noFill/>
+              <a:ln w="19050">
+                <a:noFill/>
+              </a:ln>
+            </p:spPr>
+            <p:style>
+              <a:lnRef idx="2">
+                <a:schemeClr val="accent2"/>
+              </a:lnRef>
+              <a:fillRef idx="1">
+                <a:schemeClr val="lt1"/>
+              </a:fillRef>
+              <a:effectRef idx="0">
+                <a:schemeClr val="accent2"/>
+              </a:effectRef>
+              <a:fontRef idx="minor">
+                <a:schemeClr val="dk1"/>
+              </a:fontRef>
+            </p:style>
+            <p:txBody>
+              <a:bodyPr vert="vert270" rtlCol="0" anchor="t"/>
+              <a:lstStyle/>
+              <a:p>
+                <a:pPr algn="r"/>
+                <a:r>
+                  <a:rPr lang="en-US" sz="1000" b="1" dirty="0">
+                    <a:solidFill>
+                      <a:srgbClr val="080808"/>
+                    </a:solidFill>
+                    <a:latin typeface="Segoe UI (Body)"/>
+                    <a:cs typeface="Tahoma"/>
+                  </a:rPr>
+                  <a:t>Active Messages &lt;= 100</a:t>
+                </a:r>
+              </a:p>
+              <a:p>
+                <a:pPr algn="r"/>
+                <a:r>
+                  <a:rPr lang="en-US" sz="1000" i="1" dirty="0">
+                    <a:solidFill>
+                      <a:srgbClr val="080808"/>
+                    </a:solidFill>
+                    <a:latin typeface="Segoe UI (Body)"/>
+                    <a:cs typeface="Tahoma"/>
+                  </a:rPr>
+                  <a:t>Scaling Criteria</a:t>
+                </a:r>
+                <a:endParaRPr lang="en-BE" sz="1000" i="1" dirty="0" err="1">
+                  <a:solidFill>
+                    <a:srgbClr val="080808"/>
+                  </a:solidFill>
+                  <a:latin typeface="Segoe UI (Body)"/>
+                  <a:cs typeface="Tahoma"/>
+                </a:endParaRPr>
+              </a:p>
+            </p:txBody>
+          </p:sp>
+        </p:grpSp>
+      </p:grpSp>
+      <p:grpSp>
+        <p:nvGrpSpPr>
+          <p:cNvPr id="6" name="Group 5">
+            <a:extLst>
+              <a:ext uri="{FF2B5EF4-FFF2-40B4-BE49-F238E27FC236}">
+                <a16:creationId xmlns:a16="http://schemas.microsoft.com/office/drawing/2014/main" id="{90B3181F-8FE4-47CB-BC67-8FC436CF2500}"/>
+              </a:ext>
+            </a:extLst>
+          </p:cNvPr>
+          <p:cNvGrpSpPr/>
+          <p:nvPr/>
+        </p:nvGrpSpPr>
+        <p:grpSpPr>
+          <a:xfrm>
+            <a:off x="1662017" y="3820466"/>
+            <a:ext cx="8867960" cy="2867695"/>
+            <a:chOff x="1662017" y="3496314"/>
+            <a:chExt cx="8867960" cy="2867695"/>
+          </a:xfrm>
+        </p:grpSpPr>
+        <p:sp>
+          <p:nvSpPr>
+            <p:cNvPr id="4" name="Rectangle 3">
+              <a:extLst>
+                <a:ext uri="{FF2B5EF4-FFF2-40B4-BE49-F238E27FC236}">
+                  <a16:creationId xmlns:a16="http://schemas.microsoft.com/office/drawing/2014/main" id="{CE38808B-6FDA-40E6-AB7C-74B0ADA195CB}"/>
+                </a:ext>
+              </a:extLst>
+            </p:cNvPr>
+            <p:cNvSpPr/>
+            <p:nvPr/>
+          </p:nvSpPr>
+          <p:spPr>
+            <a:xfrm>
+              <a:off x="1662022" y="3869222"/>
+              <a:ext cx="8867955" cy="2494787"/>
+            </a:xfrm>
+            <a:prstGeom prst="rect">
+              <a:avLst/>
+            </a:prstGeom>
+            <a:ln>
+              <a:solidFill>
+                <a:srgbClr val="0070C0"/>
+              </a:solidFill>
+            </a:ln>
+          </p:spPr>
+          <p:style>
+            <a:lnRef idx="2">
+              <a:schemeClr val="accent3"/>
+            </a:lnRef>
+            <a:fillRef idx="1">
+              <a:schemeClr val="lt1"/>
+            </a:fillRef>
+            <a:effectRef idx="0">
+              <a:schemeClr val="accent3"/>
+            </a:effectRef>
+            <a:fontRef idx="minor">
+              <a:schemeClr val="dk1"/>
+            </a:fontRef>
+          </p:style>
+          <p:txBody>
+            <a:bodyPr rtlCol="0" anchor="ctr"/>
+            <a:lstStyle/>
+            <a:p>
+              <a:pPr algn="ctr"/>
+              <a:endParaRPr lang="en-BE" dirty="0" err="1">
+                <a:solidFill>
+                  <a:schemeClr val="bg1"/>
+                </a:solidFill>
+                <a:latin typeface="Tahoma"/>
+                <a:cs typeface="Tahoma"/>
+              </a:endParaRPr>
+            </a:p>
+          </p:txBody>
+        </p:sp>
+        <p:grpSp>
+          <p:nvGrpSpPr>
+            <p:cNvPr id="18" name="Group 17">
+              <a:extLst>
+                <a:ext uri="{FF2B5EF4-FFF2-40B4-BE49-F238E27FC236}">
+                  <a16:creationId xmlns:a16="http://schemas.microsoft.com/office/drawing/2014/main" id="{1E1D4218-4EE2-4323-96B5-231DFA4804E1}"/>
+                </a:ext>
+              </a:extLst>
+            </p:cNvPr>
+            <p:cNvGrpSpPr/>
+            <p:nvPr/>
+          </p:nvGrpSpPr>
+          <p:grpSpPr>
+            <a:xfrm>
+              <a:off x="4241663" y="4134675"/>
+              <a:ext cx="1546662" cy="1164569"/>
+              <a:chOff x="3706825" y="4839419"/>
+              <a:chExt cx="1546662" cy="1164569"/>
+            </a:xfrm>
+          </p:grpSpPr>
+          <p:pic>
+            <p:nvPicPr>
+              <p:cNvPr id="11" name="Picture 10">
+                <a:extLst>
+                  <a:ext uri="{FF2B5EF4-FFF2-40B4-BE49-F238E27FC236}">
+                    <a16:creationId xmlns:a16="http://schemas.microsoft.com/office/drawing/2014/main" id="{34BFD849-9E2F-40D7-A921-46AB74EA8630}"/>
+                  </a:ext>
+                </a:extLst>
+              </p:cNvPr>
+              <p:cNvPicPr>
+                <a:picLocks noChangeAspect="1"/>
+              </p:cNvPicPr>
+              <p:nvPr/>
+            </p:nvPicPr>
+            <p:blipFill>
+              <a:blip r:embed="rId6"/>
+              <a:stretch>
+                <a:fillRect/>
+              </a:stretch>
+            </p:blipFill>
+            <p:spPr>
+              <a:xfrm>
+                <a:off x="4067006" y="4839419"/>
+                <a:ext cx="826300" cy="645094"/>
+              </a:xfrm>
+              <a:prstGeom prst="rect">
+                <a:avLst/>
+              </a:prstGeom>
+            </p:spPr>
+          </p:pic>
+          <p:sp>
+            <p:nvSpPr>
+              <p:cNvPr id="14" name="Rectangle 13">
+                <a:extLst>
+                  <a:ext uri="{FF2B5EF4-FFF2-40B4-BE49-F238E27FC236}">
+                    <a16:creationId xmlns:a16="http://schemas.microsoft.com/office/drawing/2014/main" id="{679C8248-5E52-4539-AB77-1F838A2A22DE}"/>
+                  </a:ext>
+                </a:extLst>
+              </p:cNvPr>
+              <p:cNvSpPr/>
+              <p:nvPr/>
+            </p:nvSpPr>
+            <p:spPr>
+              <a:xfrm rot="5400000">
+                <a:off x="4261355" y="5011856"/>
+                <a:ext cx="437602" cy="1546662"/>
+              </a:xfrm>
+              <a:prstGeom prst="rect">
+                <a:avLst/>
+              </a:prstGeom>
+              <a:noFill/>
+              <a:ln w="19050">
+                <a:noFill/>
+              </a:ln>
+            </p:spPr>
+            <p:style>
+              <a:lnRef idx="2">
+                <a:schemeClr val="accent2"/>
+              </a:lnRef>
+              <a:fillRef idx="1">
+                <a:schemeClr val="lt1"/>
+              </a:fillRef>
+              <a:effectRef idx="0">
+                <a:schemeClr val="accent2"/>
+              </a:effectRef>
+              <a:fontRef idx="minor">
+                <a:schemeClr val="dk1"/>
+              </a:fontRef>
+            </p:style>
+            <p:txBody>
+              <a:bodyPr vert="vert270" rtlCol="0" anchor="ctr"/>
+              <a:lstStyle/>
+              <a:p>
+                <a:pPr algn="ctr"/>
+                <a:r>
+                  <a:rPr lang="en-US" sz="1200" b="1" dirty="0">
+                    <a:solidFill>
+                      <a:srgbClr val="080808"/>
+                    </a:solidFill>
+                    <a:latin typeface="Segoe UI (Body)"/>
+                    <a:cs typeface="Tahoma"/>
+                  </a:rPr>
+                  <a:t>Scale Controller (Out)</a:t>
+                </a:r>
+                <a:endParaRPr lang="en-BE" sz="1200" b="1" dirty="0" err="1">
+                  <a:solidFill>
+                    <a:srgbClr val="080808"/>
+                  </a:solidFill>
+                  <a:latin typeface="Segoe UI (Body)"/>
+                  <a:cs typeface="Tahoma"/>
+                </a:endParaRPr>
+              </a:p>
+            </p:txBody>
+          </p:sp>
+        </p:grpSp>
+        <p:grpSp>
+          <p:nvGrpSpPr>
+            <p:cNvPr id="75" name="Group 74">
+              <a:extLst>
+                <a:ext uri="{FF2B5EF4-FFF2-40B4-BE49-F238E27FC236}">
+                  <a16:creationId xmlns:a16="http://schemas.microsoft.com/office/drawing/2014/main" id="{2FF99622-3999-44E0-9CE9-CB9A4A367AA7}"/>
+                </a:ext>
+              </a:extLst>
+            </p:cNvPr>
+            <p:cNvGrpSpPr/>
+            <p:nvPr/>
+          </p:nvGrpSpPr>
+          <p:grpSpPr>
+            <a:xfrm>
+              <a:off x="6542040" y="4134675"/>
+              <a:ext cx="1546662" cy="1123465"/>
+              <a:chOff x="6542040" y="4134675"/>
+              <a:chExt cx="1546662" cy="1123465"/>
+            </a:xfrm>
+          </p:grpSpPr>
+          <p:pic>
+            <p:nvPicPr>
+              <p:cNvPr id="62" name="Picture 61">
+                <a:extLst>
+                  <a:ext uri="{FF2B5EF4-FFF2-40B4-BE49-F238E27FC236}">
+                    <a16:creationId xmlns:a16="http://schemas.microsoft.com/office/drawing/2014/main" id="{3B05CADA-D53F-4ADC-8E3D-CEF959B51E93}"/>
+                  </a:ext>
+                </a:extLst>
+              </p:cNvPr>
+              <p:cNvPicPr>
+                <a:picLocks noChangeAspect="1"/>
+              </p:cNvPicPr>
+              <p:nvPr/>
+            </p:nvPicPr>
+            <p:blipFill>
+              <a:blip r:embed="rId6"/>
+              <a:stretch>
+                <a:fillRect/>
+              </a:stretch>
+            </p:blipFill>
+            <p:spPr>
+              <a:xfrm>
+                <a:off x="6902221" y="4134675"/>
+                <a:ext cx="826300" cy="645094"/>
+              </a:xfrm>
+              <a:prstGeom prst="rect">
+                <a:avLst/>
+              </a:prstGeom>
+            </p:spPr>
+          </p:pic>
+          <p:sp>
+            <p:nvSpPr>
+              <p:cNvPr id="63" name="Rectangle 62">
+                <a:extLst>
+                  <a:ext uri="{FF2B5EF4-FFF2-40B4-BE49-F238E27FC236}">
+                    <a16:creationId xmlns:a16="http://schemas.microsoft.com/office/drawing/2014/main" id="{28896B78-4D78-4BE0-8091-2D95FAFEFE0D}"/>
+                  </a:ext>
+                </a:extLst>
+              </p:cNvPr>
+              <p:cNvSpPr/>
+              <p:nvPr/>
+            </p:nvSpPr>
+            <p:spPr>
+              <a:xfrm rot="5400000">
+                <a:off x="7096570" y="4266008"/>
+                <a:ext cx="437602" cy="1546662"/>
+              </a:xfrm>
+              <a:prstGeom prst="rect">
+                <a:avLst/>
+              </a:prstGeom>
+              <a:noFill/>
+              <a:ln w="19050">
+                <a:noFill/>
+              </a:ln>
+            </p:spPr>
+            <p:style>
+              <a:lnRef idx="2">
+                <a:schemeClr val="accent2"/>
+              </a:lnRef>
+              <a:fillRef idx="1">
+                <a:schemeClr val="lt1"/>
+              </a:fillRef>
+              <a:effectRef idx="0">
+                <a:schemeClr val="accent2"/>
+              </a:effectRef>
+              <a:fontRef idx="minor">
+                <a:schemeClr val="dk1"/>
+              </a:fontRef>
+            </p:style>
+            <p:txBody>
+              <a:bodyPr vert="vert270" rtlCol="0" anchor="t"/>
+              <a:lstStyle/>
+              <a:p>
+                <a:pPr algn="ctr"/>
+                <a:r>
+                  <a:rPr lang="en-US" sz="1200" b="1" dirty="0">
+                    <a:solidFill>
+                      <a:srgbClr val="080808"/>
+                    </a:solidFill>
+                    <a:latin typeface="Segoe UI (Body)"/>
+                    <a:cs typeface="Tahoma"/>
+                  </a:rPr>
+                  <a:t>Scale Controller (In)</a:t>
+                </a:r>
+                <a:endParaRPr lang="en-BE" sz="1200" b="1" dirty="0" err="1">
+                  <a:solidFill>
+                    <a:srgbClr val="080808"/>
+                  </a:solidFill>
+                  <a:latin typeface="Segoe UI (Body)"/>
+                  <a:cs typeface="Tahoma"/>
+                </a:endParaRPr>
+              </a:p>
+            </p:txBody>
+          </p:sp>
+        </p:grpSp>
+        <p:sp>
+          <p:nvSpPr>
+            <p:cNvPr id="37" name="Rectangle 36">
+              <a:extLst>
+                <a:ext uri="{FF2B5EF4-FFF2-40B4-BE49-F238E27FC236}">
+                  <a16:creationId xmlns:a16="http://schemas.microsoft.com/office/drawing/2014/main" id="{35750910-2495-44F8-A322-D8559608832A}"/>
+                </a:ext>
+              </a:extLst>
+            </p:cNvPr>
+            <p:cNvSpPr/>
+            <p:nvPr/>
+          </p:nvSpPr>
+          <p:spPr>
+            <a:xfrm rot="5400000">
+              <a:off x="5909542" y="-751211"/>
+              <a:ext cx="372907" cy="8867957"/>
+            </a:xfrm>
+            <a:prstGeom prst="rect">
+              <a:avLst/>
+            </a:prstGeom>
+            <a:noFill/>
+            <a:ln w="19050">
+              <a:noFill/>
+            </a:ln>
+          </p:spPr>
+          <p:style>
+            <a:lnRef idx="2">
+              <a:schemeClr val="accent2"/>
+            </a:lnRef>
+            <a:fillRef idx="1">
+              <a:schemeClr val="lt1"/>
+            </a:fillRef>
+            <a:effectRef idx="0">
+              <a:schemeClr val="accent2"/>
+            </a:effectRef>
+            <a:fontRef idx="minor">
+              <a:schemeClr val="dk1"/>
+            </a:fontRef>
+          </p:style>
+          <p:txBody>
+            <a:bodyPr vert="vert270" rtlCol="0" anchor="ctr"/>
+            <a:lstStyle/>
+            <a:p>
+              <a:r>
+                <a:rPr lang="en-US" sz="1400" b="1" dirty="0">
+                  <a:solidFill>
+                    <a:srgbClr val="0070C0"/>
+                  </a:solidFill>
+                  <a:latin typeface="Segoe UI (Body)"/>
+                  <a:cs typeface="Tahoma"/>
+                </a:rPr>
+                <a:t>Autoscaling Resource Group</a:t>
+              </a:r>
+              <a:endParaRPr lang="en-BE" sz="1400" b="1" dirty="0" err="1">
+                <a:solidFill>
+                  <a:srgbClr val="0070C0"/>
+                </a:solidFill>
+                <a:latin typeface="Segoe UI (Body)"/>
+                <a:cs typeface="Tahoma"/>
+              </a:endParaRPr>
+            </a:p>
+          </p:txBody>
+        </p:sp>
+        <p:pic>
+          <p:nvPicPr>
+            <p:cNvPr id="40" name="Picture 39">
+              <a:extLst>
+                <a:ext uri="{FF2B5EF4-FFF2-40B4-BE49-F238E27FC236}">
+                  <a16:creationId xmlns:a16="http://schemas.microsoft.com/office/drawing/2014/main" id="{C31D04D2-6CEA-4C91-BC78-E46596619B34}"/>
+                </a:ext>
+              </a:extLst>
+            </p:cNvPr>
+            <p:cNvPicPr>
+              <a:picLocks noChangeAspect="1"/>
+            </p:cNvPicPr>
+            <p:nvPr/>
+          </p:nvPicPr>
+          <p:blipFill>
+            <a:blip r:embed="rId7"/>
+            <a:stretch>
+              <a:fillRect/>
+            </a:stretch>
+          </p:blipFill>
+          <p:spPr>
+            <a:xfrm>
+              <a:off x="5814684" y="5279353"/>
+              <a:ext cx="562622" cy="560248"/>
+            </a:xfrm>
+            <a:prstGeom prst="rect">
+              <a:avLst/>
+            </a:prstGeom>
+          </p:spPr>
+        </p:pic>
+        <p:sp>
+          <p:nvSpPr>
+            <p:cNvPr id="41" name="Rectangle 40">
+              <a:extLst>
+                <a:ext uri="{FF2B5EF4-FFF2-40B4-BE49-F238E27FC236}">
+                  <a16:creationId xmlns:a16="http://schemas.microsoft.com/office/drawing/2014/main" id="{03C3FEAE-7DB3-4094-83E3-25F81C04CF60}"/>
+                </a:ext>
+              </a:extLst>
+            </p:cNvPr>
+            <p:cNvSpPr/>
+            <p:nvPr/>
+          </p:nvSpPr>
+          <p:spPr>
+            <a:xfrm rot="5400000">
+              <a:off x="5877194" y="5243965"/>
+              <a:ext cx="437602" cy="1546662"/>
+            </a:xfrm>
+            <a:prstGeom prst="rect">
+              <a:avLst/>
+            </a:prstGeom>
+            <a:noFill/>
+            <a:ln w="19050">
+              <a:noFill/>
+            </a:ln>
+          </p:spPr>
+          <p:style>
+            <a:lnRef idx="2">
+              <a:schemeClr val="accent2"/>
+            </a:lnRef>
+            <a:fillRef idx="1">
+              <a:schemeClr val="lt1"/>
+            </a:fillRef>
+            <a:effectRef idx="0">
+              <a:schemeClr val="accent2"/>
+            </a:effectRef>
+            <a:fontRef idx="minor">
+              <a:schemeClr val="dk1"/>
+            </a:fontRef>
+          </p:style>
+          <p:txBody>
+            <a:bodyPr vert="vert270" rtlCol="0" anchor="ctr"/>
+            <a:lstStyle/>
+            <a:p>
+              <a:pPr algn="ctr"/>
+              <a:r>
+                <a:rPr lang="en-US" sz="1200" dirty="0">
+                  <a:solidFill>
+                    <a:srgbClr val="080808"/>
+                  </a:solidFill>
+                  <a:latin typeface="Segoe UI (Body)"/>
+                  <a:cs typeface="Tahoma"/>
+                </a:rPr>
+                <a:t>Scaling Events</a:t>
+              </a:r>
+              <a:endParaRPr lang="en-BE" sz="1200" dirty="0" err="1">
+                <a:solidFill>
+                  <a:srgbClr val="080808"/>
+                </a:solidFill>
+                <a:latin typeface="Segoe UI (Body)"/>
+                <a:cs typeface="Tahoma"/>
+              </a:endParaRPr>
+            </a:p>
+          </p:txBody>
+        </p:sp>
+        <p:cxnSp>
+          <p:nvCxnSpPr>
+            <p:cNvPr id="49" name="Connector: Elbow 48">
+              <a:extLst>
+                <a:ext uri="{FF2B5EF4-FFF2-40B4-BE49-F238E27FC236}">
+                  <a16:creationId xmlns:a16="http://schemas.microsoft.com/office/drawing/2014/main" id="{0150E758-89EC-47FF-8F30-0415FAF58E86}"/>
+                </a:ext>
+              </a:extLst>
+            </p:cNvPr>
+            <p:cNvCxnSpPr>
+              <a:cxnSpLocks/>
+              <a:stCxn id="11" idx="3"/>
+            </p:cNvCxnSpPr>
+            <p:nvPr/>
+          </p:nvCxnSpPr>
+          <p:spPr>
+            <a:xfrm>
+              <a:off x="5428144" y="4457222"/>
+              <a:ext cx="585665" cy="780331"/>
+            </a:xfrm>
+            <a:prstGeom prst="bentConnector2">
+              <a:avLst/>
+            </a:prstGeom>
+            <a:ln w="19050">
+              <a:solidFill>
+                <a:schemeClr val="accent5"/>
+              </a:solidFill>
+              <a:prstDash val="sysDot"/>
+              <a:tailEnd type="triangle"/>
+            </a:ln>
+          </p:spPr>
+          <p:style>
+            <a:lnRef idx="1">
+              <a:schemeClr val="accent3"/>
+            </a:lnRef>
+            <a:fillRef idx="0">
+              <a:schemeClr val="accent3"/>
+            </a:fillRef>
+            <a:effectRef idx="0">
+              <a:schemeClr val="accent3"/>
+            </a:effectRef>
+            <a:fontRef idx="minor">
+              <a:schemeClr val="tx1"/>
+            </a:fontRef>
+          </p:style>
+        </p:cxnSp>
+        <p:cxnSp>
+          <p:nvCxnSpPr>
+            <p:cNvPr id="92" name="Connector: Elbow 91">
+              <a:extLst>
+                <a:ext uri="{FF2B5EF4-FFF2-40B4-BE49-F238E27FC236}">
+                  <a16:creationId xmlns:a16="http://schemas.microsoft.com/office/drawing/2014/main" id="{3A2A65DB-5C09-456C-A503-900BE30679B5}"/>
+                </a:ext>
+              </a:extLst>
+            </p:cNvPr>
+            <p:cNvCxnSpPr>
+              <a:cxnSpLocks/>
+              <a:stCxn id="62" idx="1"/>
+            </p:cNvCxnSpPr>
+            <p:nvPr/>
+          </p:nvCxnSpPr>
+          <p:spPr>
+            <a:xfrm rot="10800000" flipV="1">
+              <a:off x="6244257" y="4457221"/>
+              <a:ext cx="657964" cy="780331"/>
+            </a:xfrm>
+            <a:prstGeom prst="bentConnector2">
+              <a:avLst/>
+            </a:prstGeom>
+            <a:ln w="19050">
+              <a:solidFill>
+                <a:schemeClr val="accent5"/>
+              </a:solidFill>
+              <a:prstDash val="sysDot"/>
+              <a:tailEnd type="triangle"/>
+            </a:ln>
+          </p:spPr>
+          <p:style>
+            <a:lnRef idx="1">
+              <a:schemeClr val="accent3"/>
+            </a:lnRef>
+            <a:fillRef idx="0">
+              <a:schemeClr val="accent3"/>
+            </a:fillRef>
+            <a:effectRef idx="0">
+              <a:schemeClr val="accent3"/>
+            </a:effectRef>
+            <a:fontRef idx="minor">
+              <a:schemeClr val="tx1"/>
+            </a:fontRef>
+          </p:style>
+        </p:cxnSp>
+        <p:grpSp>
+          <p:nvGrpSpPr>
+            <p:cNvPr id="99" name="Group 98">
+              <a:extLst>
+                <a:ext uri="{FF2B5EF4-FFF2-40B4-BE49-F238E27FC236}">
+                  <a16:creationId xmlns:a16="http://schemas.microsoft.com/office/drawing/2014/main" id="{2C7E4F9E-C596-46B7-BEE0-D6B54CF6081C}"/>
+                </a:ext>
+              </a:extLst>
+            </p:cNvPr>
+            <p:cNvGrpSpPr/>
+            <p:nvPr/>
+          </p:nvGrpSpPr>
+          <p:grpSpPr>
+            <a:xfrm>
+              <a:off x="2281851" y="4134675"/>
+              <a:ext cx="1546662" cy="1164569"/>
+              <a:chOff x="3706825" y="4839419"/>
+              <a:chExt cx="1546662" cy="1164569"/>
+            </a:xfrm>
+          </p:grpSpPr>
+          <p:pic>
+            <p:nvPicPr>
+              <p:cNvPr id="100" name="Picture 99">
+                <a:extLst>
+                  <a:ext uri="{FF2B5EF4-FFF2-40B4-BE49-F238E27FC236}">
+                    <a16:creationId xmlns:a16="http://schemas.microsoft.com/office/drawing/2014/main" id="{80340BD3-0E48-4FC3-94E3-454F3B2CFE70}"/>
+                  </a:ext>
+                </a:extLst>
+              </p:cNvPr>
+              <p:cNvPicPr>
+                <a:picLocks noChangeAspect="1"/>
+              </p:cNvPicPr>
+              <p:nvPr/>
+            </p:nvPicPr>
+            <p:blipFill>
+              <a:blip r:embed="rId6"/>
+              <a:stretch>
+                <a:fillRect/>
+              </a:stretch>
+            </p:blipFill>
+            <p:spPr>
+              <a:xfrm>
+                <a:off x="4067006" y="4839419"/>
+                <a:ext cx="826300" cy="645094"/>
+              </a:xfrm>
+              <a:prstGeom prst="rect">
+                <a:avLst/>
+              </a:prstGeom>
+            </p:spPr>
+          </p:pic>
+          <p:sp>
+            <p:nvSpPr>
+              <p:cNvPr id="101" name="Rectangle 100">
+                <a:extLst>
+                  <a:ext uri="{FF2B5EF4-FFF2-40B4-BE49-F238E27FC236}">
+                    <a16:creationId xmlns:a16="http://schemas.microsoft.com/office/drawing/2014/main" id="{8676A514-6DD0-483F-9F5D-3DC6FDBC6C38}"/>
+                  </a:ext>
+                </a:extLst>
+              </p:cNvPr>
+              <p:cNvSpPr/>
+              <p:nvPr/>
+            </p:nvSpPr>
+            <p:spPr>
+              <a:xfrm rot="5400000">
+                <a:off x="4261355" y="5011856"/>
+                <a:ext cx="437602" cy="1546662"/>
+              </a:xfrm>
+              <a:prstGeom prst="rect">
+                <a:avLst/>
+              </a:prstGeom>
+              <a:noFill/>
+              <a:ln w="19050">
+                <a:noFill/>
+              </a:ln>
+            </p:spPr>
+            <p:style>
+              <a:lnRef idx="2">
+                <a:schemeClr val="accent2"/>
+              </a:lnRef>
+              <a:fillRef idx="1">
+                <a:schemeClr val="lt1"/>
+              </a:fillRef>
+              <a:effectRef idx="0">
+                <a:schemeClr val="accent2"/>
+              </a:effectRef>
+              <a:fontRef idx="minor">
+                <a:schemeClr val="dk1"/>
+              </a:fontRef>
+            </p:style>
+            <p:txBody>
+              <a:bodyPr vert="vert270" rtlCol="0" anchor="t"/>
+              <a:lstStyle/>
+              <a:p>
+                <a:pPr algn="ctr"/>
+                <a:r>
+                  <a:rPr lang="en-US" sz="1200" b="1" dirty="0">
+                    <a:solidFill>
+                      <a:srgbClr val="080808"/>
+                    </a:solidFill>
+                    <a:latin typeface="Segoe UI (Body)"/>
+                    <a:cs typeface="Tahoma"/>
+                  </a:rPr>
+                  <a:t>Scale Out</a:t>
+                </a:r>
+                <a:endParaRPr lang="en-BE" sz="1200" b="1" dirty="0" err="1">
+                  <a:solidFill>
+                    <a:srgbClr val="080808"/>
+                  </a:solidFill>
+                  <a:latin typeface="Segoe UI (Body)"/>
+                  <a:cs typeface="Tahoma"/>
+                </a:endParaRPr>
+              </a:p>
+            </p:txBody>
+          </p:sp>
+        </p:grpSp>
+        <p:grpSp>
+          <p:nvGrpSpPr>
+            <p:cNvPr id="102" name="Group 101">
+              <a:extLst>
+                <a:ext uri="{FF2B5EF4-FFF2-40B4-BE49-F238E27FC236}">
+                  <a16:creationId xmlns:a16="http://schemas.microsoft.com/office/drawing/2014/main" id="{DF6C8BF8-80F5-46A7-BCD3-3E833D60699C}"/>
+                </a:ext>
+              </a:extLst>
+            </p:cNvPr>
+            <p:cNvGrpSpPr/>
+            <p:nvPr/>
+          </p:nvGrpSpPr>
+          <p:grpSpPr>
+            <a:xfrm>
+              <a:off x="8504622" y="4134675"/>
+              <a:ext cx="1546662" cy="1164569"/>
+              <a:chOff x="3706825" y="4839419"/>
+              <a:chExt cx="1546662" cy="1164569"/>
+            </a:xfrm>
+          </p:grpSpPr>
+          <p:pic>
+            <p:nvPicPr>
+              <p:cNvPr id="103" name="Picture 102">
+                <a:extLst>
+                  <a:ext uri="{FF2B5EF4-FFF2-40B4-BE49-F238E27FC236}">
+                    <a16:creationId xmlns:a16="http://schemas.microsoft.com/office/drawing/2014/main" id="{84D7E7D6-2F5E-45B3-87C0-30CC904C72A6}"/>
+                  </a:ext>
+                </a:extLst>
+              </p:cNvPr>
+              <p:cNvPicPr>
+                <a:picLocks noChangeAspect="1"/>
+              </p:cNvPicPr>
+              <p:nvPr/>
+            </p:nvPicPr>
+            <p:blipFill>
+              <a:blip r:embed="rId6"/>
+              <a:stretch>
+                <a:fillRect/>
+              </a:stretch>
+            </p:blipFill>
+            <p:spPr>
+              <a:xfrm>
+                <a:off x="4067006" y="4839419"/>
+                <a:ext cx="826300" cy="645094"/>
+              </a:xfrm>
+              <a:prstGeom prst="rect">
+                <a:avLst/>
+              </a:prstGeom>
+            </p:spPr>
+          </p:pic>
+          <p:sp>
+            <p:nvSpPr>
+              <p:cNvPr id="108" name="Rectangle 107">
+                <a:extLst>
+                  <a:ext uri="{FF2B5EF4-FFF2-40B4-BE49-F238E27FC236}">
+                    <a16:creationId xmlns:a16="http://schemas.microsoft.com/office/drawing/2014/main" id="{806D4719-98F1-49AD-8577-723C4A0A837F}"/>
+                  </a:ext>
+                </a:extLst>
+              </p:cNvPr>
+              <p:cNvSpPr/>
+              <p:nvPr/>
+            </p:nvSpPr>
+            <p:spPr>
+              <a:xfrm rot="5400000">
+                <a:off x="4261355" y="5011856"/>
+                <a:ext cx="437602" cy="1546662"/>
+              </a:xfrm>
+              <a:prstGeom prst="rect">
+                <a:avLst/>
+              </a:prstGeom>
+              <a:noFill/>
+              <a:ln w="19050">
+                <a:noFill/>
+              </a:ln>
+            </p:spPr>
+            <p:style>
+              <a:lnRef idx="2">
+                <a:schemeClr val="accent2"/>
+              </a:lnRef>
+              <a:fillRef idx="1">
+                <a:schemeClr val="lt1"/>
+              </a:fillRef>
+              <a:effectRef idx="0">
+                <a:schemeClr val="accent2"/>
+              </a:effectRef>
+              <a:fontRef idx="minor">
+                <a:schemeClr val="dk1"/>
+              </a:fontRef>
+            </p:style>
+            <p:txBody>
+              <a:bodyPr vert="vert270" rtlCol="0" anchor="t"/>
+              <a:lstStyle/>
+              <a:p>
+                <a:pPr algn="ctr"/>
+                <a:r>
+                  <a:rPr lang="en-US" sz="1200" b="1" dirty="0">
+                    <a:solidFill>
+                      <a:srgbClr val="080808"/>
+                    </a:solidFill>
+                    <a:latin typeface="Segoe UI (Body)"/>
+                    <a:cs typeface="Tahoma"/>
+                  </a:rPr>
+                  <a:t>Scale In</a:t>
+                </a:r>
+                <a:endParaRPr lang="en-BE" sz="1200" b="1" dirty="0" err="1">
+                  <a:solidFill>
+                    <a:srgbClr val="080808"/>
+                  </a:solidFill>
+                  <a:latin typeface="Segoe UI (Body)"/>
+                  <a:cs typeface="Tahoma"/>
+                </a:endParaRPr>
+              </a:p>
+            </p:txBody>
+          </p:sp>
+        </p:grpSp>
+        <p:cxnSp>
+          <p:nvCxnSpPr>
+            <p:cNvPr id="111" name="Connector: Elbow 110">
+              <a:extLst>
+                <a:ext uri="{FF2B5EF4-FFF2-40B4-BE49-F238E27FC236}">
+                  <a16:creationId xmlns:a16="http://schemas.microsoft.com/office/drawing/2014/main" id="{A7C30A02-B126-4BA1-AF0D-B100A74FE28A}"/>
+                </a:ext>
+              </a:extLst>
+            </p:cNvPr>
+            <p:cNvCxnSpPr>
+              <a:cxnSpLocks/>
+              <a:stCxn id="62" idx="3"/>
+              <a:endCxn id="103" idx="1"/>
+            </p:cNvCxnSpPr>
+            <p:nvPr/>
+          </p:nvCxnSpPr>
+          <p:spPr>
+            <a:xfrm>
+              <a:off x="7728521" y="4457222"/>
+              <a:ext cx="1136282" cy="0"/>
+            </a:xfrm>
+            <a:prstGeom prst="straightConnector1">
+              <a:avLst/>
+            </a:prstGeom>
+            <a:ln w="19050">
+              <a:solidFill>
+                <a:schemeClr val="accent5"/>
+              </a:solidFill>
+              <a:prstDash val="solid"/>
+              <a:tailEnd type="triangle"/>
+            </a:ln>
+          </p:spPr>
+          <p:style>
+            <a:lnRef idx="1">
+              <a:schemeClr val="accent3"/>
+            </a:lnRef>
+            <a:fillRef idx="0">
+              <a:schemeClr val="accent3"/>
+            </a:fillRef>
+            <a:effectRef idx="0">
+              <a:schemeClr val="accent3"/>
+            </a:effectRef>
+            <a:fontRef idx="minor">
+              <a:schemeClr val="tx1"/>
+            </a:fontRef>
+          </p:style>
+        </p:cxnSp>
+        <p:cxnSp>
+          <p:nvCxnSpPr>
+            <p:cNvPr id="112" name="Connector: Elbow 110">
+              <a:extLst>
+                <a:ext uri="{FF2B5EF4-FFF2-40B4-BE49-F238E27FC236}">
+                  <a16:creationId xmlns:a16="http://schemas.microsoft.com/office/drawing/2014/main" id="{59C30902-3835-43DF-B681-95A5128C802D}"/>
+                </a:ext>
+              </a:extLst>
+            </p:cNvPr>
+            <p:cNvCxnSpPr>
+              <a:cxnSpLocks/>
+              <a:endCxn id="100" idx="3"/>
+            </p:cNvCxnSpPr>
+            <p:nvPr/>
+          </p:nvCxnSpPr>
+          <p:spPr>
+            <a:xfrm flipH="1">
+              <a:off x="3468332" y="4457222"/>
+              <a:ext cx="1133512" cy="0"/>
+            </a:xfrm>
+            <a:prstGeom prst="straightConnector1">
+              <a:avLst/>
+            </a:prstGeom>
+            <a:ln w="19050">
+              <a:solidFill>
+                <a:schemeClr val="accent5"/>
+              </a:solidFill>
+              <a:prstDash val="solid"/>
+              <a:tailEnd type="triangle"/>
+            </a:ln>
+          </p:spPr>
+          <p:style>
+            <a:lnRef idx="1">
+              <a:schemeClr val="accent3"/>
+            </a:lnRef>
+            <a:fillRef idx="0">
+              <a:schemeClr val="accent3"/>
+            </a:fillRef>
+            <a:effectRef idx="0">
+              <a:schemeClr val="accent3"/>
+            </a:effectRef>
+            <a:fontRef idx="minor">
+              <a:schemeClr val="tx1"/>
+            </a:fontRef>
+          </p:style>
+        </p:cxnSp>
+        <p:pic>
+          <p:nvPicPr>
+            <p:cNvPr id="93" name="Picture 92">
+              <a:extLst>
+                <a:ext uri="{FF2B5EF4-FFF2-40B4-BE49-F238E27FC236}">
+                  <a16:creationId xmlns:a16="http://schemas.microsoft.com/office/drawing/2014/main" id="{EB8C1937-E4A0-4EF6-BC40-3BD994591070}"/>
+                </a:ext>
+              </a:extLst>
+            </p:cNvPr>
+            <p:cNvPicPr>
+              <a:picLocks noChangeAspect="1"/>
+            </p:cNvPicPr>
+            <p:nvPr/>
+          </p:nvPicPr>
+          <p:blipFill>
+            <a:blip r:embed="rId8"/>
+            <a:stretch>
+              <a:fillRect/>
+            </a:stretch>
+          </p:blipFill>
+          <p:spPr>
+            <a:xfrm>
+              <a:off x="2763228" y="5332245"/>
+              <a:ext cx="583908" cy="497676"/>
+            </a:xfrm>
+            <a:prstGeom prst="rect">
+              <a:avLst/>
+            </a:prstGeom>
+          </p:spPr>
+        </p:pic>
+        <p:sp>
+          <p:nvSpPr>
+            <p:cNvPr id="188" name="Rectangle 187">
+              <a:extLst>
+                <a:ext uri="{FF2B5EF4-FFF2-40B4-BE49-F238E27FC236}">
+                  <a16:creationId xmlns:a16="http://schemas.microsoft.com/office/drawing/2014/main" id="{846F9722-6605-43DF-848B-998099F44944}"/>
+                </a:ext>
+              </a:extLst>
+            </p:cNvPr>
+            <p:cNvSpPr/>
+            <p:nvPr/>
+          </p:nvSpPr>
+          <p:spPr>
+            <a:xfrm rot="5400000">
+              <a:off x="2836381" y="5159563"/>
+              <a:ext cx="437602" cy="1814968"/>
+            </a:xfrm>
+            <a:prstGeom prst="rect">
+              <a:avLst/>
+            </a:prstGeom>
+            <a:noFill/>
+            <a:ln w="19050">
+              <a:noFill/>
+            </a:ln>
+          </p:spPr>
+          <p:style>
+            <a:lnRef idx="2">
+              <a:schemeClr val="accent2"/>
+            </a:lnRef>
+            <a:fillRef idx="1">
+              <a:schemeClr val="lt1"/>
+            </a:fillRef>
+            <a:effectRef idx="0">
+              <a:schemeClr val="accent2"/>
+            </a:effectRef>
+            <a:fontRef idx="minor">
+              <a:schemeClr val="dk1"/>
+            </a:fontRef>
+          </p:style>
+          <p:txBody>
+            <a:bodyPr vert="vert270" rtlCol="0" anchor="ctr"/>
+            <a:lstStyle/>
+            <a:p>
+              <a:pPr algn="ctr"/>
+              <a:r>
+                <a:rPr lang="en-US" sz="1200" dirty="0">
+                  <a:solidFill>
+                    <a:srgbClr val="080808"/>
+                  </a:solidFill>
+                  <a:latin typeface="Segoe UI (Body)"/>
+                  <a:cs typeface="Tahoma"/>
+                </a:rPr>
+                <a:t>Deployment Template</a:t>
+              </a:r>
+              <a:br>
+                <a:rPr lang="en-US" sz="1200" dirty="0">
+                  <a:solidFill>
+                    <a:srgbClr val="080808"/>
+                  </a:solidFill>
+                  <a:latin typeface="Segoe UI (Body)"/>
+                  <a:cs typeface="Tahoma"/>
+                </a:rPr>
+              </a:br>
+              <a:r>
+                <a:rPr lang="en-US" sz="1200" dirty="0">
+                  <a:solidFill>
+                    <a:srgbClr val="080808"/>
+                  </a:solidFill>
+                  <a:latin typeface="Segoe UI (Body)"/>
+                  <a:cs typeface="Tahoma"/>
+                </a:rPr>
+                <a:t>Catalog</a:t>
+              </a:r>
+              <a:endParaRPr lang="en-BE" sz="1200" dirty="0" err="1">
+                <a:solidFill>
+                  <a:srgbClr val="080808"/>
+                </a:solidFill>
+                <a:latin typeface="Segoe UI (Body)"/>
+                <a:cs typeface="Tahoma"/>
+              </a:endParaRPr>
+            </a:p>
+          </p:txBody>
+        </p:sp>
+      </p:grpSp>
+      <p:cxnSp>
+        <p:nvCxnSpPr>
+          <p:cNvPr id="162" name="Connector: Elbow 161">
+            <a:extLst>
+              <a:ext uri="{FF2B5EF4-FFF2-40B4-BE49-F238E27FC236}">
+                <a16:creationId xmlns:a16="http://schemas.microsoft.com/office/drawing/2014/main" id="{7C04F6AB-144B-4DD6-8608-33AD2C170864}"/>
+              </a:ext>
+            </a:extLst>
+          </p:cNvPr>
+          <p:cNvCxnSpPr>
+            <a:cxnSpLocks/>
+            <a:stCxn id="136" idx="2"/>
+            <a:endCxn id="22" idx="0"/>
+          </p:cNvCxnSpPr>
+          <p:nvPr/>
+        </p:nvCxnSpPr>
+        <p:spPr>
+          <a:xfrm rot="5400000">
+            <a:off x="5154258" y="2063527"/>
+            <a:ext cx="802475" cy="1081001"/>
+          </a:xfrm>
+          <a:prstGeom prst="bentConnector3">
+            <a:avLst>
+              <a:gd name="adj1" fmla="val 50000"/>
+            </a:avLst>
+          </a:prstGeom>
+          <a:ln w="19050">
+            <a:solidFill>
+              <a:schemeClr val="accent5"/>
+            </a:solidFill>
+            <a:prstDash val="sysDot"/>
+            <a:tailEnd type="triangle"/>
+          </a:ln>
+        </p:spPr>
+        <p:style>
+          <a:lnRef idx="1">
+            <a:schemeClr val="accent3"/>
+          </a:lnRef>
+          <a:fillRef idx="0">
+            <a:schemeClr val="accent3"/>
+          </a:fillRef>
+          <a:effectRef idx="0">
+            <a:schemeClr val="accent3"/>
+          </a:effectRef>
+          <a:fontRef idx="minor">
+            <a:schemeClr val="tx1"/>
+          </a:fontRef>
+        </p:style>
+      </p:cxnSp>
+      <p:cxnSp>
+        <p:nvCxnSpPr>
+          <p:cNvPr id="168" name="Connector: Elbow 167">
+            <a:extLst>
+              <a:ext uri="{FF2B5EF4-FFF2-40B4-BE49-F238E27FC236}">
+                <a16:creationId xmlns:a16="http://schemas.microsoft.com/office/drawing/2014/main" id="{D2A783FA-776D-4C77-B939-62EE2DFAF96E}"/>
+              </a:ext>
+            </a:extLst>
+          </p:cNvPr>
+          <p:cNvCxnSpPr>
+            <a:cxnSpLocks/>
+            <a:stCxn id="136" idx="2"/>
+            <a:endCxn id="38" idx="0"/>
+          </p:cNvCxnSpPr>
+          <p:nvPr/>
+        </p:nvCxnSpPr>
+        <p:spPr>
+          <a:xfrm rot="16200000" flipH="1">
+            <a:off x="6311984" y="1986801"/>
+            <a:ext cx="787398" cy="1219376"/>
+          </a:xfrm>
+          <a:prstGeom prst="bentConnector3">
+            <a:avLst>
+              <a:gd name="adj1" fmla="val 50000"/>
+            </a:avLst>
+          </a:prstGeom>
+          <a:ln w="19050">
+            <a:solidFill>
+              <a:schemeClr val="accent5"/>
+            </a:solidFill>
+            <a:prstDash val="sysDot"/>
+            <a:tailEnd type="triangle"/>
+          </a:ln>
+        </p:spPr>
+        <p:style>
+          <a:lnRef idx="1">
+            <a:schemeClr val="accent3"/>
+          </a:lnRef>
+          <a:fillRef idx="0">
+            <a:schemeClr val="accent3"/>
+          </a:fillRef>
+          <a:effectRef idx="0">
+            <a:schemeClr val="accent3"/>
+          </a:effectRef>
+          <a:fontRef idx="minor">
+            <a:schemeClr val="tx1"/>
+          </a:fontRef>
+        </p:style>
+      </p:cxnSp>
+      <p:cxnSp>
+        <p:nvCxnSpPr>
+          <p:cNvPr id="171" name="Connector: Elbow 110">
+            <a:extLst>
+              <a:ext uri="{FF2B5EF4-FFF2-40B4-BE49-F238E27FC236}">
+                <a16:creationId xmlns:a16="http://schemas.microsoft.com/office/drawing/2014/main" id="{94D0376E-6CB6-4018-901B-8629035D7989}"/>
+              </a:ext>
+            </a:extLst>
+          </p:cNvPr>
+          <p:cNvCxnSpPr>
+            <a:cxnSpLocks/>
+            <a:stCxn id="38" idx="2"/>
+            <a:endCxn id="62" idx="0"/>
+          </p:cNvCxnSpPr>
+          <p:nvPr/>
+        </p:nvCxnSpPr>
+        <p:spPr>
+          <a:xfrm>
+            <a:off x="7315371" y="3428872"/>
+            <a:ext cx="0" cy="1029955"/>
+          </a:xfrm>
+          <a:prstGeom prst="straightConnector1">
+            <a:avLst/>
+          </a:prstGeom>
+          <a:ln w="19050">
+            <a:solidFill>
+              <a:schemeClr val="accent5"/>
+            </a:solidFill>
+            <a:prstDash val="solid"/>
+            <a:tailEnd type="triangle"/>
+          </a:ln>
+        </p:spPr>
+        <p:style>
+          <a:lnRef idx="1">
+            <a:schemeClr val="accent3"/>
+          </a:lnRef>
+          <a:fillRef idx="0">
+            <a:schemeClr val="accent3"/>
+          </a:fillRef>
+          <a:effectRef idx="0">
+            <a:schemeClr val="accent3"/>
+          </a:effectRef>
+          <a:fontRef idx="minor">
+            <a:schemeClr val="tx1"/>
+          </a:fontRef>
+        </p:style>
+      </p:cxnSp>
+      <p:cxnSp>
+        <p:nvCxnSpPr>
+          <p:cNvPr id="174" name="Connector: Elbow 110">
+            <a:extLst>
+              <a:ext uri="{FF2B5EF4-FFF2-40B4-BE49-F238E27FC236}">
+                <a16:creationId xmlns:a16="http://schemas.microsoft.com/office/drawing/2014/main" id="{10EA3EB8-3DF6-4A86-956B-C27E2CB6338A}"/>
+              </a:ext>
+            </a:extLst>
+          </p:cNvPr>
+          <p:cNvCxnSpPr>
+            <a:cxnSpLocks/>
+            <a:stCxn id="22" idx="2"/>
+            <a:endCxn id="11" idx="0"/>
+          </p:cNvCxnSpPr>
+          <p:nvPr/>
+        </p:nvCxnSpPr>
+        <p:spPr>
+          <a:xfrm>
+            <a:off x="5014994" y="3443949"/>
+            <a:ext cx="0" cy="1014878"/>
+          </a:xfrm>
+          <a:prstGeom prst="straightConnector1">
+            <a:avLst/>
+          </a:prstGeom>
+          <a:ln w="19050">
+            <a:solidFill>
+              <a:schemeClr val="accent5"/>
+            </a:solidFill>
+            <a:prstDash val="solid"/>
+            <a:tailEnd type="triangle"/>
+          </a:ln>
+        </p:spPr>
+        <p:style>
+          <a:lnRef idx="1">
+            <a:schemeClr val="accent3"/>
+          </a:lnRef>
+          <a:fillRef idx="0">
+            <a:schemeClr val="accent3"/>
+          </a:fillRef>
+          <a:effectRef idx="0">
+            <a:schemeClr val="accent3"/>
+          </a:effectRef>
+          <a:fontRef idx="minor">
+            <a:schemeClr val="tx1"/>
+          </a:fontRef>
+        </p:style>
+      </p:cxnSp>
+      <p:cxnSp>
+        <p:nvCxnSpPr>
+          <p:cNvPr id="119" name="Connector: Elbow 110">
+            <a:extLst>
+              <a:ext uri="{FF2B5EF4-FFF2-40B4-BE49-F238E27FC236}">
+                <a16:creationId xmlns:a16="http://schemas.microsoft.com/office/drawing/2014/main" id="{0C30A895-D198-4F9C-88DD-F3CC45D71CB4}"/>
+              </a:ext>
+            </a:extLst>
+          </p:cNvPr>
+          <p:cNvCxnSpPr>
+            <a:cxnSpLocks/>
+            <a:stCxn id="103" idx="3"/>
+            <a:endCxn id="13" idx="3"/>
+          </p:cNvCxnSpPr>
+          <p:nvPr/>
+        </p:nvCxnSpPr>
+        <p:spPr>
+          <a:xfrm flipV="1">
+            <a:off x="9691103" y="1323915"/>
+            <a:ext cx="838874" cy="3457459"/>
+          </a:xfrm>
+          <a:prstGeom prst="bentConnector3">
+            <a:avLst>
+              <a:gd name="adj1" fmla="val 144283"/>
+            </a:avLst>
+          </a:prstGeom>
+          <a:ln w="19050">
+            <a:solidFill>
+              <a:schemeClr val="accent5"/>
+            </a:solidFill>
+            <a:prstDash val="solid"/>
+            <a:tailEnd type="triangle"/>
+          </a:ln>
+        </p:spPr>
+        <p:style>
+          <a:lnRef idx="1">
+            <a:schemeClr val="accent3"/>
+          </a:lnRef>
+          <a:fillRef idx="0">
+            <a:schemeClr val="accent3"/>
+          </a:fillRef>
+          <a:effectRef idx="0">
+            <a:schemeClr val="accent3"/>
+          </a:effectRef>
+          <a:fontRef idx="minor">
+            <a:schemeClr val="tx1"/>
+          </a:fontRef>
+        </p:style>
+      </p:cxnSp>
+      <p:cxnSp>
+        <p:nvCxnSpPr>
+          <p:cNvPr id="122" name="Connector: Elbow 110">
+            <a:extLst>
+              <a:ext uri="{FF2B5EF4-FFF2-40B4-BE49-F238E27FC236}">
+                <a16:creationId xmlns:a16="http://schemas.microsoft.com/office/drawing/2014/main" id="{F61CBF00-2D4A-4B8E-95F0-054C3C7ACC63}"/>
+              </a:ext>
+            </a:extLst>
+          </p:cNvPr>
+          <p:cNvCxnSpPr>
+            <a:cxnSpLocks/>
+            <a:stCxn id="100" idx="1"/>
+            <a:endCxn id="201" idx="3"/>
+          </p:cNvCxnSpPr>
+          <p:nvPr/>
+        </p:nvCxnSpPr>
+        <p:spPr>
+          <a:xfrm rot="10800000">
+            <a:off x="773248" y="3482080"/>
+            <a:ext cx="1868784" cy="1299294"/>
+          </a:xfrm>
+          <a:prstGeom prst="bentConnector2">
+            <a:avLst/>
+          </a:prstGeom>
+          <a:ln w="19050">
+            <a:solidFill>
+              <a:schemeClr val="accent5"/>
+            </a:solidFill>
+            <a:prstDash val="solid"/>
+            <a:tailEnd type="triangle"/>
+          </a:ln>
+        </p:spPr>
+        <p:style>
+          <a:lnRef idx="1">
+            <a:schemeClr val="accent3"/>
+          </a:lnRef>
+          <a:fillRef idx="0">
+            <a:schemeClr val="accent3"/>
+          </a:fillRef>
+          <a:effectRef idx="0">
+            <a:schemeClr val="accent3"/>
+          </a:effectRef>
+          <a:fontRef idx="minor">
+            <a:schemeClr val="tx1"/>
+          </a:fontRef>
+        </p:style>
+      </p:cxnSp>
+      <p:cxnSp>
+        <p:nvCxnSpPr>
+          <p:cNvPr id="130" name="Connector: Elbow 129">
+            <a:extLst>
+              <a:ext uri="{FF2B5EF4-FFF2-40B4-BE49-F238E27FC236}">
+                <a16:creationId xmlns:a16="http://schemas.microsoft.com/office/drawing/2014/main" id="{1F24883C-9F99-43FE-AF1F-BBBC4D237694}"/>
+              </a:ext>
+            </a:extLst>
+          </p:cNvPr>
+          <p:cNvCxnSpPr>
+            <a:cxnSpLocks/>
+            <a:endCxn id="93" idx="1"/>
+          </p:cNvCxnSpPr>
+          <p:nvPr/>
+        </p:nvCxnSpPr>
+        <p:spPr>
+          <a:xfrm rot="16200000" flipH="1">
+            <a:off x="476538" y="3618544"/>
+            <a:ext cx="2461773" cy="2111608"/>
+          </a:xfrm>
+          <a:prstGeom prst="bentConnector2">
+            <a:avLst/>
+          </a:prstGeom>
+          <a:ln w="19050">
+            <a:solidFill>
+              <a:schemeClr val="accent5"/>
+            </a:solidFill>
+            <a:prstDash val="sysDot"/>
+            <a:tailEnd type="triangle"/>
+          </a:ln>
+        </p:spPr>
+        <p:style>
+          <a:lnRef idx="1">
+            <a:schemeClr val="accent3"/>
+          </a:lnRef>
+          <a:fillRef idx="0">
+            <a:schemeClr val="accent3"/>
+          </a:fillRef>
+          <a:effectRef idx="0">
+            <a:schemeClr val="accent3"/>
+          </a:effectRef>
+          <a:fontRef idx="minor">
+            <a:schemeClr val="tx1"/>
+          </a:fontRef>
+        </p:style>
+      </p:cxnSp>
+      <p:sp>
+        <p:nvSpPr>
+          <p:cNvPr id="201" name="Rectangle 200">
+            <a:extLst>
+              <a:ext uri="{FF2B5EF4-FFF2-40B4-BE49-F238E27FC236}">
+                <a16:creationId xmlns:a16="http://schemas.microsoft.com/office/drawing/2014/main" id="{87071062-6E4A-43C3-9B23-830C66D48280}"/>
+              </a:ext>
+            </a:extLst>
+          </p:cNvPr>
+          <p:cNvSpPr/>
+          <p:nvPr/>
+        </p:nvSpPr>
+        <p:spPr>
+          <a:xfrm rot="5400000">
+            <a:off x="554447" y="2355795"/>
+            <a:ext cx="437602" cy="1814968"/>
+          </a:xfrm>
+          <a:prstGeom prst="rect">
+            <a:avLst/>
+          </a:prstGeom>
+          <a:noFill/>
+          <a:ln w="19050">
+            <a:noFill/>
+          </a:ln>
+        </p:spPr>
+        <p:style>
+          <a:lnRef idx="2">
+            <a:schemeClr val="accent2"/>
+          </a:lnRef>
+          <a:fillRef idx="1">
+            <a:schemeClr val="lt1"/>
+          </a:fillRef>
+          <a:effectRef idx="0">
+            <a:schemeClr val="accent2"/>
+          </a:effectRef>
+          <a:fontRef idx="minor">
+            <a:schemeClr val="dk1"/>
+          </a:fontRef>
+        </p:style>
+        <p:txBody>
+          <a:bodyPr vert="vert270" rtlCol="0" anchor="ctr"/>
+          <a:lstStyle/>
+          <a:p>
+            <a:pPr algn="ctr"/>
+            <a:r>
+              <a:rPr lang="en-US" sz="1200" dirty="0">
+                <a:solidFill>
+                  <a:srgbClr val="080808"/>
+                </a:solidFill>
+                <a:latin typeface="Segoe UI (Body)"/>
+                <a:cs typeface="Tahoma"/>
+              </a:rPr>
+              <a:t>Deploy Instance</a:t>
+            </a:r>
+            <a:endParaRPr lang="en-BE" sz="1200" dirty="0" err="1">
+              <a:solidFill>
+                <a:srgbClr val="080808"/>
+              </a:solidFill>
+              <a:latin typeface="Segoe UI (Body)"/>
+              <a:cs typeface="Tahoma"/>
+            </a:endParaRPr>
+          </a:p>
+        </p:txBody>
+      </p:sp>
+      <p:grpSp>
+        <p:nvGrpSpPr>
+          <p:cNvPr id="33" name="Group 32">
+            <a:extLst>
+              <a:ext uri="{FF2B5EF4-FFF2-40B4-BE49-F238E27FC236}">
+                <a16:creationId xmlns:a16="http://schemas.microsoft.com/office/drawing/2014/main" id="{6C6E3BC0-4B1F-4F6C-AC68-75592248D943}"/>
+              </a:ext>
+            </a:extLst>
+          </p:cNvPr>
+          <p:cNvGrpSpPr/>
+          <p:nvPr/>
+        </p:nvGrpSpPr>
+        <p:grpSpPr>
+          <a:xfrm>
+            <a:off x="1662022" y="347115"/>
+            <a:ext cx="8867955" cy="1953599"/>
+            <a:chOff x="1662022" y="347115"/>
+            <a:chExt cx="8867955" cy="1953599"/>
+          </a:xfrm>
+        </p:grpSpPr>
         <p:sp>
           <p:nvSpPr>
             <p:cNvPr id="13" name="Rectangle 12">
@@ -25497,8 +27263,8 @@
           </p:nvSpPr>
           <p:spPr>
             <a:xfrm>
-              <a:off x="1555629" y="347115"/>
-              <a:ext cx="9080742" cy="1839683"/>
+              <a:off x="1662022" y="347115"/>
+              <a:ext cx="8867955" cy="1953599"/>
             </a:xfrm>
             <a:prstGeom prst="rect">
               <a:avLst/>
@@ -25573,7 +27339,7 @@
               <p:nvPr/>
             </p:nvPicPr>
             <p:blipFill>
-              <a:blip r:embed="rId3"/>
+              <a:blip r:embed="rId9"/>
               <a:stretch>
                 <a:fillRect/>
               </a:stretch>
@@ -25603,7 +27369,7 @@
               <p:nvPr/>
             </p:nvPicPr>
             <p:blipFill>
-              <a:blip r:embed="rId3"/>
+              <a:blip r:embed="rId9"/>
               <a:stretch>
                 <a:fillRect/>
               </a:stretch>
@@ -25633,7 +27399,7 @@
               <p:nvPr/>
             </p:nvPicPr>
             <p:blipFill>
-              <a:blip r:embed="rId3"/>
+              <a:blip r:embed="rId9"/>
               <a:stretch>
                 <a:fillRect/>
               </a:stretch>
@@ -25663,7 +27429,7 @@
               <p:nvPr/>
             </p:nvPicPr>
             <p:blipFill>
-              <a:blip r:embed="rId3"/>
+              <a:blip r:embed="rId9"/>
               <a:stretch>
                 <a:fillRect/>
               </a:stretch>
@@ -25758,14 +27524,14 @@
             <p:nvPr/>
           </p:nvPicPr>
           <p:blipFill>
-            <a:blip r:embed="rId4"/>
+            <a:blip r:embed="rId10"/>
             <a:stretch>
               <a:fillRect/>
             </a:stretch>
           </p:blipFill>
           <p:spPr>
             <a:xfrm>
-              <a:off x="5872663" y="1628473"/>
+              <a:off x="5872663" y="1756127"/>
               <a:ext cx="446663" cy="446663"/>
             </a:xfrm>
             <a:prstGeom prst="rect">
@@ -25790,8 +27556,8 @@
           </p:nvCxnSpPr>
           <p:spPr>
             <a:xfrm rot="16200000" flipH="1">
-              <a:off x="5469436" y="1443689"/>
-              <a:ext cx="257558" cy="493030"/>
+              <a:off x="5428740" y="1484384"/>
+              <a:ext cx="342573" cy="496653"/>
             </a:xfrm>
             <a:prstGeom prst="bentConnector2">
               <a:avLst/>
@@ -25836,8 +27602,8 @@
           </p:nvCxnSpPr>
           <p:spPr>
             <a:xfrm rot="16200000" flipH="1">
-              <a:off x="4918136" y="1011903"/>
-              <a:ext cx="381784" cy="1471408"/>
+              <a:off x="4854783" y="1075255"/>
+              <a:ext cx="512110" cy="1475029"/>
             </a:xfrm>
             <a:prstGeom prst="bentConnector2">
               <a:avLst/>
@@ -25882,8 +27648,8 @@
           </p:nvCxnSpPr>
           <p:spPr>
             <a:xfrm rot="5400000">
-              <a:off x="6886010" y="1016978"/>
-              <a:ext cx="384417" cy="1480913"/>
+              <a:off x="6829361" y="1079511"/>
+              <a:ext cx="503599" cy="1475029"/>
             </a:xfrm>
             <a:prstGeom prst="bentConnector2">
               <a:avLst/>
@@ -25928,8 +27694,8 @@
           </p:nvCxnSpPr>
           <p:spPr>
             <a:xfrm rot="5400000">
-              <a:off x="6465259" y="1437730"/>
-              <a:ext cx="247542" cy="502537"/>
+              <a:off x="6431287" y="1477586"/>
+              <a:ext cx="321370" cy="496652"/>
             </a:xfrm>
             <a:prstGeom prst="bentConnector2">
               <a:avLst/>
@@ -25972,7 +27738,7 @@
             <p:nvPr/>
           </p:nvPicPr>
           <p:blipFill>
-            <a:blip r:embed="rId5"/>
+            <a:blip r:embed="rId11"/>
             <a:stretch>
               <a:fillRect/>
             </a:stretch>
@@ -26178,10 +27944,10 @@
       </p:grpSp>
       <p:sp>
         <p:nvSpPr>
-          <p:cNvPr id="46" name="Oval 45">
+          <p:cNvPr id="39" name="Oval 38">
             <a:extLst>
               <a:ext uri="{FF2B5EF4-FFF2-40B4-BE49-F238E27FC236}">
-                <a16:creationId xmlns:a16="http://schemas.microsoft.com/office/drawing/2014/main" id="{1C46153B-1E86-43AE-890A-B25987E43972}"/>
+                <a16:creationId xmlns:a16="http://schemas.microsoft.com/office/drawing/2014/main" id="{C2DD5394-0E51-4EA4-9850-C1A444DE83DF}"/>
               </a:ext>
             </a:extLst>
           </p:cNvPr>
@@ -26190,7 +27956,7 @@
         </p:nvSpPr>
         <p:spPr>
           <a:xfrm>
-            <a:off x="988757" y="3495997"/>
+            <a:off x="6003563" y="3104707"/>
             <a:ext cx="202242" cy="194557"/>
           </a:xfrm>
           <a:prstGeom prst="ellipse">
@@ -26224,7 +27990,7 @@
                 </a:solidFill>
                 <a:cs typeface="Tahoma"/>
               </a:rPr>
-              <a:t>6</a:t>
+              <a:t>1</a:t>
             </a:r>
             <a:endParaRPr lang="LID4096" sz="1400" dirty="0" err="1">
               <a:solidFill>
@@ -26235,2862 +28001,246 @@
           </a:p>
         </p:txBody>
       </p:sp>
-      <p:grpSp>
-        <p:nvGrpSpPr>
-          <p:cNvPr id="9" name="Group 8">
+      <p:sp>
+        <p:nvSpPr>
+          <p:cNvPr id="43" name="Oval 42">
             <a:extLst>
               <a:ext uri="{FF2B5EF4-FFF2-40B4-BE49-F238E27FC236}">
-                <a16:creationId xmlns:a16="http://schemas.microsoft.com/office/drawing/2014/main" id="{7EF2921C-260D-4166-8250-FC2A21A56474}"/>
+                <a16:creationId xmlns:a16="http://schemas.microsoft.com/office/drawing/2014/main" id="{919D2FB1-190A-4BD5-BEC3-F2B3A3415CAF}"/>
               </a:ext>
             </a:extLst>
           </p:cNvPr>
-          <p:cNvGrpSpPr/>
+          <p:cNvSpPr/>
           <p:nvPr/>
-        </p:nvGrpSpPr>
-        <p:grpSpPr>
-          <a:xfrm>
-            <a:off x="1555629" y="2241834"/>
-            <a:ext cx="9080742" cy="1964383"/>
-            <a:chOff x="1555629" y="2241834"/>
-            <a:chExt cx="9080742" cy="1964383"/>
-          </a:xfrm>
-        </p:grpSpPr>
-        <p:sp>
-          <p:nvSpPr>
-            <p:cNvPr id="2" name="Rectangle 1">
-              <a:extLst>
-                <a:ext uri="{FF2B5EF4-FFF2-40B4-BE49-F238E27FC236}">
-                  <a16:creationId xmlns:a16="http://schemas.microsoft.com/office/drawing/2014/main" id="{E13621ED-8B6D-4151-9FC3-7DD03B8C702A}"/>
-                </a:ext>
-              </a:extLst>
-            </p:cNvPr>
-            <p:cNvSpPr/>
-            <p:nvPr/>
-          </p:nvSpPr>
-          <p:spPr>
-            <a:xfrm>
-              <a:off x="1555629" y="2674253"/>
-              <a:ext cx="9080742" cy="1531964"/>
-            </a:xfrm>
-            <a:prstGeom prst="rect">
-              <a:avLst/>
-            </a:prstGeom>
-            <a:ln>
-              <a:solidFill>
-                <a:srgbClr val="0070C0"/>
-              </a:solidFill>
-            </a:ln>
-          </p:spPr>
-          <p:style>
-            <a:lnRef idx="2">
-              <a:schemeClr val="accent3"/>
-            </a:lnRef>
-            <a:fillRef idx="1">
-              <a:schemeClr val="lt1"/>
-            </a:fillRef>
-            <a:effectRef idx="0">
-              <a:schemeClr val="accent3"/>
-            </a:effectRef>
-            <a:fontRef idx="minor">
-              <a:schemeClr val="dk1"/>
-            </a:fontRef>
-          </p:style>
-          <p:txBody>
-            <a:bodyPr rtlCol="0" anchor="ctr"/>
-            <a:lstStyle/>
-            <a:p>
-              <a:pPr algn="ctr"/>
-              <a:endParaRPr lang="en-BE" dirty="0" err="1">
-                <a:solidFill>
-                  <a:schemeClr val="bg1"/>
-                </a:solidFill>
-                <a:latin typeface="Tahoma"/>
-                <a:cs typeface="Tahoma"/>
-              </a:endParaRPr>
-            </a:p>
-          </p:txBody>
-        </p:sp>
-        <p:sp>
-          <p:nvSpPr>
-            <p:cNvPr id="42" name="Rectangle 41">
-              <a:extLst>
-                <a:ext uri="{FF2B5EF4-FFF2-40B4-BE49-F238E27FC236}">
-                  <a16:creationId xmlns:a16="http://schemas.microsoft.com/office/drawing/2014/main" id="{07324EFD-449D-4823-B732-BD7D32346F48}"/>
-                </a:ext>
-              </a:extLst>
-            </p:cNvPr>
-            <p:cNvSpPr/>
-            <p:nvPr/>
-          </p:nvSpPr>
-          <p:spPr>
-            <a:xfrm rot="5400000">
-              <a:off x="5915430" y="-2005691"/>
-              <a:ext cx="372907" cy="8867957"/>
-            </a:xfrm>
-            <a:prstGeom prst="rect">
-              <a:avLst/>
-            </a:prstGeom>
-            <a:noFill/>
-            <a:ln w="19050">
-              <a:noFill/>
-            </a:ln>
-          </p:spPr>
-          <p:style>
-            <a:lnRef idx="2">
-              <a:schemeClr val="accent2"/>
-            </a:lnRef>
-            <a:fillRef idx="1">
-              <a:schemeClr val="lt1"/>
-            </a:fillRef>
-            <a:effectRef idx="0">
-              <a:schemeClr val="accent2"/>
-            </a:effectRef>
-            <a:fontRef idx="minor">
-              <a:schemeClr val="dk1"/>
-            </a:fontRef>
-          </p:style>
-          <p:txBody>
-            <a:bodyPr vert="vert270" rtlCol="0" anchor="ctr"/>
-            <a:lstStyle/>
-            <a:p>
-              <a:r>
-                <a:rPr lang="en-US" sz="1400" b="1" dirty="0">
-                  <a:solidFill>
-                    <a:srgbClr val="0070C0"/>
-                  </a:solidFill>
-                  <a:latin typeface="Segoe UI (Body)"/>
-                  <a:cs typeface="Tahoma"/>
-                </a:rPr>
-                <a:t>Monitoring &amp; Scaling Triggers</a:t>
-              </a:r>
-              <a:endParaRPr lang="en-BE" sz="1400" b="1" dirty="0" err="1">
-                <a:solidFill>
-                  <a:srgbClr val="0070C0"/>
-                </a:solidFill>
-                <a:latin typeface="Segoe UI (Body)"/>
-                <a:cs typeface="Tahoma"/>
-              </a:endParaRPr>
-            </a:p>
-          </p:txBody>
-        </p:sp>
-        <p:grpSp>
-          <p:nvGrpSpPr>
-            <p:cNvPr id="178" name="Group 177">
-              <a:extLst>
-                <a:ext uri="{FF2B5EF4-FFF2-40B4-BE49-F238E27FC236}">
-                  <a16:creationId xmlns:a16="http://schemas.microsoft.com/office/drawing/2014/main" id="{EC0685BD-6C68-48E1-AEB1-DE90A10413B1}"/>
-                </a:ext>
-              </a:extLst>
-            </p:cNvPr>
-            <p:cNvGrpSpPr/>
-            <p:nvPr/>
-          </p:nvGrpSpPr>
-          <p:grpSpPr>
-            <a:xfrm>
-              <a:off x="7096029" y="2776349"/>
-              <a:ext cx="1997171" cy="493625"/>
-              <a:chOff x="7096029" y="2520353"/>
-              <a:chExt cx="1997171" cy="493625"/>
-            </a:xfrm>
-          </p:grpSpPr>
-          <p:pic>
-            <p:nvPicPr>
-              <p:cNvPr id="38" name="Graphic 37">
-                <a:extLst>
-                  <a:ext uri="{FF2B5EF4-FFF2-40B4-BE49-F238E27FC236}">
-                    <a16:creationId xmlns:a16="http://schemas.microsoft.com/office/drawing/2014/main" id="{F9D90FAD-DFB0-4AB8-BDE8-1CEB982B9B93}"/>
-                  </a:ext>
-                </a:extLst>
-              </p:cNvPr>
-              <p:cNvPicPr>
-                <a:picLocks noChangeAspect="1"/>
-              </p:cNvPicPr>
-              <p:nvPr/>
-            </p:nvPicPr>
-            <p:blipFill>
-              <a:blip r:embed="rId6">
-                <a:extLst>
-                  <a:ext uri="{28A0092B-C50C-407E-A947-70E740481C1C}">
-                    <a14:useLocalDpi xmlns:a14="http://schemas.microsoft.com/office/drawing/2010/main" val="0"/>
-                  </a:ext>
-                  <a:ext uri="{96DAC541-7B7A-43D3-8B79-37D633B846F1}">
-                    <asvg:svgBlip xmlns:asvg="http://schemas.microsoft.com/office/drawing/2016/SVG/main" r:embed="rId7"/>
-                  </a:ext>
-                </a:extLst>
-              </a:blip>
-              <a:stretch>
-                <a:fillRect/>
-              </a:stretch>
-            </p:blipFill>
-            <p:spPr>
-              <a:xfrm>
-                <a:off x="7096029" y="2575294"/>
-                <a:ext cx="438684" cy="438684"/>
-              </a:xfrm>
-              <a:prstGeom prst="rect">
-                <a:avLst/>
-              </a:prstGeom>
-            </p:spPr>
-          </p:pic>
-          <p:sp>
-            <p:nvSpPr>
-              <p:cNvPr id="176" name="Rectangle 175">
-                <a:extLst>
-                  <a:ext uri="{FF2B5EF4-FFF2-40B4-BE49-F238E27FC236}">
-                    <a16:creationId xmlns:a16="http://schemas.microsoft.com/office/drawing/2014/main" id="{A47E53A5-AE66-4D01-9196-3A0200105286}"/>
-                  </a:ext>
-                </a:extLst>
-              </p:cNvPr>
-              <p:cNvSpPr/>
-              <p:nvPr/>
-            </p:nvSpPr>
-            <p:spPr>
-              <a:xfrm rot="5400000">
-                <a:off x="8132365" y="1936918"/>
-                <a:ext cx="377399" cy="1544270"/>
-              </a:xfrm>
-              <a:prstGeom prst="rect">
-                <a:avLst/>
-              </a:prstGeom>
-              <a:noFill/>
-              <a:ln w="19050">
-                <a:noFill/>
-              </a:ln>
-            </p:spPr>
-            <p:style>
-              <a:lnRef idx="2">
-                <a:schemeClr val="accent2"/>
-              </a:lnRef>
-              <a:fillRef idx="1">
-                <a:schemeClr val="lt1"/>
-              </a:fillRef>
-              <a:effectRef idx="0">
-                <a:schemeClr val="accent2"/>
-              </a:effectRef>
-              <a:fontRef idx="minor">
-                <a:schemeClr val="dk1"/>
-              </a:fontRef>
-            </p:style>
-            <p:txBody>
-              <a:bodyPr vert="vert270" rtlCol="0" anchor="t"/>
-              <a:lstStyle/>
-              <a:p>
-                <a:r>
-                  <a:rPr lang="en-US" sz="1000" b="1" dirty="0">
-                    <a:solidFill>
-                      <a:srgbClr val="080808"/>
-                    </a:solidFill>
-                    <a:latin typeface="Segoe UI (Body)"/>
-                    <a:cs typeface="Tahoma"/>
-                  </a:rPr>
-                  <a:t>Active Messages &lt;= 100</a:t>
-                </a:r>
-              </a:p>
-              <a:p>
-                <a:r>
-                  <a:rPr lang="en-US" sz="1000" i="1" dirty="0">
-                    <a:solidFill>
-                      <a:srgbClr val="080808"/>
-                    </a:solidFill>
-                    <a:latin typeface="Segoe UI (Body)"/>
-                    <a:cs typeface="Tahoma"/>
-                  </a:rPr>
-                  <a:t>Scaling Criteria</a:t>
-                </a:r>
-                <a:endParaRPr lang="en-BE" sz="1000" i="1" dirty="0" err="1">
-                  <a:solidFill>
-                    <a:srgbClr val="080808"/>
-                  </a:solidFill>
-                  <a:latin typeface="Segoe UI (Body)"/>
-                  <a:cs typeface="Tahoma"/>
-                </a:endParaRPr>
-              </a:p>
-            </p:txBody>
-          </p:sp>
-        </p:grpSp>
-        <p:grpSp>
-          <p:nvGrpSpPr>
-            <p:cNvPr id="183" name="Group 182">
-              <a:extLst>
-                <a:ext uri="{FF2B5EF4-FFF2-40B4-BE49-F238E27FC236}">
-                  <a16:creationId xmlns:a16="http://schemas.microsoft.com/office/drawing/2014/main" id="{88394F1E-B25C-4D0C-8DD8-6BBABC749922}"/>
-                </a:ext>
-              </a:extLst>
-            </p:cNvPr>
-            <p:cNvGrpSpPr/>
-            <p:nvPr/>
-          </p:nvGrpSpPr>
-          <p:grpSpPr>
-            <a:xfrm>
-              <a:off x="3237589" y="2786911"/>
-              <a:ext cx="1996747" cy="498140"/>
-              <a:chOff x="3237589" y="2530915"/>
-              <a:chExt cx="1996747" cy="498140"/>
-            </a:xfrm>
-          </p:grpSpPr>
-          <p:pic>
-            <p:nvPicPr>
-              <p:cNvPr id="22" name="Graphic 21">
-                <a:extLst>
-                  <a:ext uri="{FF2B5EF4-FFF2-40B4-BE49-F238E27FC236}">
-                    <a16:creationId xmlns:a16="http://schemas.microsoft.com/office/drawing/2014/main" id="{D63A3D3B-121F-4F55-876D-46DCD7B9F71D}"/>
-                  </a:ext>
-                </a:extLst>
-              </p:cNvPr>
-              <p:cNvPicPr>
-                <a:picLocks noChangeAspect="1"/>
-              </p:cNvPicPr>
-              <p:nvPr/>
-            </p:nvPicPr>
-            <p:blipFill>
-              <a:blip r:embed="rId6">
-                <a:extLst>
-                  <a:ext uri="{28A0092B-C50C-407E-A947-70E740481C1C}">
-                    <a14:useLocalDpi xmlns:a14="http://schemas.microsoft.com/office/drawing/2010/main" val="0"/>
-                  </a:ext>
-                  <a:ext uri="{96DAC541-7B7A-43D3-8B79-37D633B846F1}">
-                    <asvg:svgBlip xmlns:asvg="http://schemas.microsoft.com/office/drawing/2016/SVG/main" r:embed="rId7"/>
-                  </a:ext>
-                </a:extLst>
-              </a:blip>
-              <a:stretch>
-                <a:fillRect/>
-              </a:stretch>
-            </p:blipFill>
-            <p:spPr>
-              <a:xfrm>
-                <a:off x="4795652" y="2590371"/>
-                <a:ext cx="438684" cy="438684"/>
-              </a:xfrm>
-              <a:prstGeom prst="rect">
-                <a:avLst/>
-              </a:prstGeom>
-            </p:spPr>
-          </p:pic>
-          <p:sp>
-            <p:nvSpPr>
-              <p:cNvPr id="177" name="Rectangle 176">
-                <a:extLst>
-                  <a:ext uri="{FF2B5EF4-FFF2-40B4-BE49-F238E27FC236}">
-                    <a16:creationId xmlns:a16="http://schemas.microsoft.com/office/drawing/2014/main" id="{E9838BBB-AF32-44D6-951D-CC5E9F1CE98A}"/>
-                  </a:ext>
-                </a:extLst>
-              </p:cNvPr>
-              <p:cNvSpPr/>
-              <p:nvPr/>
-            </p:nvSpPr>
-            <p:spPr>
-              <a:xfrm rot="5400000">
-                <a:off x="3825551" y="1942953"/>
-                <a:ext cx="377399" cy="1553324"/>
-              </a:xfrm>
-              <a:prstGeom prst="rect">
-                <a:avLst/>
-              </a:prstGeom>
-              <a:noFill/>
-              <a:ln w="19050">
-                <a:noFill/>
-              </a:ln>
-            </p:spPr>
-            <p:style>
-              <a:lnRef idx="2">
-                <a:schemeClr val="accent2"/>
-              </a:lnRef>
-              <a:fillRef idx="1">
-                <a:schemeClr val="lt1"/>
-              </a:fillRef>
-              <a:effectRef idx="0">
-                <a:schemeClr val="accent2"/>
-              </a:effectRef>
-              <a:fontRef idx="minor">
-                <a:schemeClr val="dk1"/>
-              </a:fontRef>
-            </p:style>
-            <p:txBody>
-              <a:bodyPr vert="vert270" rtlCol="0" anchor="t"/>
-              <a:lstStyle/>
-              <a:p>
-                <a:pPr algn="r"/>
-                <a:r>
-                  <a:rPr lang="en-US" sz="1000" b="1" dirty="0">
-                    <a:solidFill>
-                      <a:srgbClr val="080808"/>
-                    </a:solidFill>
-                    <a:latin typeface="Segoe UI (Body)"/>
-                    <a:cs typeface="Tahoma"/>
-                  </a:rPr>
-                  <a:t>Active Messages &gt; 250</a:t>
-                </a:r>
-              </a:p>
-              <a:p>
-                <a:pPr algn="r"/>
-                <a:r>
-                  <a:rPr lang="en-US" sz="1000" i="1" dirty="0">
-                    <a:solidFill>
-                      <a:srgbClr val="080808"/>
-                    </a:solidFill>
-                    <a:latin typeface="Segoe UI (Body)"/>
-                    <a:cs typeface="Tahoma"/>
-                  </a:rPr>
-                  <a:t>Scaling Criteria</a:t>
-                </a:r>
-                <a:endParaRPr lang="en-BE" sz="1000" i="1" dirty="0" err="1">
-                  <a:solidFill>
-                    <a:srgbClr val="080808"/>
-                  </a:solidFill>
-                  <a:latin typeface="Segoe UI (Body)"/>
-                  <a:cs typeface="Tahoma"/>
-                </a:endParaRPr>
-              </a:p>
-            </p:txBody>
-          </p:sp>
-        </p:grpSp>
-        <p:sp>
-          <p:nvSpPr>
-            <p:cNvPr id="39" name="Oval 38">
-              <a:extLst>
-                <a:ext uri="{FF2B5EF4-FFF2-40B4-BE49-F238E27FC236}">
-                  <a16:creationId xmlns:a16="http://schemas.microsoft.com/office/drawing/2014/main" id="{C2DD5394-0E51-4EA4-9850-C1A444DE83DF}"/>
-                </a:ext>
-              </a:extLst>
-            </p:cNvPr>
-            <p:cNvSpPr/>
-            <p:nvPr/>
-          </p:nvSpPr>
-          <p:spPr>
-            <a:xfrm>
-              <a:off x="6003563" y="2952421"/>
-              <a:ext cx="202242" cy="194557"/>
-            </a:xfrm>
-            <a:prstGeom prst="ellipse">
-              <a:avLst/>
-            </a:prstGeom>
-            <a:ln w="12700"/>
-          </p:spPr>
-          <p:style>
-            <a:lnRef idx="2">
-              <a:schemeClr val="dk1"/>
-            </a:lnRef>
-            <a:fillRef idx="1">
-              <a:schemeClr val="lt1"/>
-            </a:fillRef>
-            <a:effectRef idx="0">
-              <a:schemeClr val="dk1"/>
-            </a:effectRef>
-            <a:fontRef idx="minor">
-              <a:schemeClr val="dk1"/>
-            </a:fontRef>
-          </p:style>
-          <p:txBody>
-            <a:bodyPr rtlCol="0" anchor="ctr"/>
-            <a:lstStyle/>
-            <a:p>
-              <a:pPr algn="ctr"/>
-              <a:r>
-                <a:rPr lang="en-US" sz="1400" dirty="0">
-                  <a:solidFill>
-                    <a:srgbClr val="080808"/>
-                  </a:solidFill>
-                  <a:cs typeface="Tahoma"/>
-                </a:rPr>
-                <a:t>1</a:t>
-              </a:r>
-              <a:endParaRPr lang="LID4096" sz="1400" dirty="0" err="1">
+        </p:nvSpPr>
+        <p:spPr>
+          <a:xfrm>
+            <a:off x="5994873" y="4439989"/>
+            <a:ext cx="202242" cy="194557"/>
+          </a:xfrm>
+          <a:prstGeom prst="ellipse">
+            <a:avLst/>
+          </a:prstGeom>
+          <a:ln w="12700"/>
+        </p:spPr>
+        <p:style>
+          <a:lnRef idx="2">
+            <a:schemeClr val="dk1"/>
+          </a:lnRef>
+          <a:fillRef idx="1">
+            <a:schemeClr val="lt1"/>
+          </a:fillRef>
+          <a:effectRef idx="0">
+            <a:schemeClr val="dk1"/>
+          </a:effectRef>
+          <a:fontRef idx="minor">
+            <a:schemeClr val="dk1"/>
+          </a:fontRef>
+        </p:style>
+        <p:txBody>
+          <a:bodyPr rtlCol="0" anchor="ctr"/>
+          <a:lstStyle/>
+          <a:p>
+            <a:pPr algn="ctr"/>
+            <a:r>
+              <a:rPr lang="en-US" sz="1400" dirty="0">
                 <a:solidFill>
                   <a:srgbClr val="080808"/>
                 </a:solidFill>
                 <a:cs typeface="Tahoma"/>
-              </a:endParaRPr>
-            </a:p>
-          </p:txBody>
-        </p:sp>
-        <p:sp>
-          <p:nvSpPr>
-            <p:cNvPr id="43" name="Oval 42">
-              <a:extLst>
-                <a:ext uri="{FF2B5EF4-FFF2-40B4-BE49-F238E27FC236}">
-                  <a16:creationId xmlns:a16="http://schemas.microsoft.com/office/drawing/2014/main" id="{919D2FB1-190A-4BD5-BEC3-F2B3A3415CAF}"/>
-                </a:ext>
-              </a:extLst>
-            </p:cNvPr>
-            <p:cNvSpPr/>
-            <p:nvPr/>
-          </p:nvSpPr>
-          <p:spPr>
-            <a:xfrm>
-              <a:off x="6000762" y="3495997"/>
-              <a:ext cx="202242" cy="194557"/>
-            </a:xfrm>
-            <a:prstGeom prst="ellipse">
-              <a:avLst/>
-            </a:prstGeom>
-            <a:ln w="12700"/>
-          </p:spPr>
-          <p:style>
-            <a:lnRef idx="2">
-              <a:schemeClr val="dk1"/>
-            </a:lnRef>
-            <a:fillRef idx="1">
-              <a:schemeClr val="lt1"/>
-            </a:fillRef>
-            <a:effectRef idx="0">
-              <a:schemeClr val="dk1"/>
-            </a:effectRef>
-            <a:fontRef idx="minor">
-              <a:schemeClr val="dk1"/>
-            </a:fontRef>
-          </p:style>
-          <p:txBody>
-            <a:bodyPr rtlCol="0" anchor="ctr"/>
-            <a:lstStyle/>
-            <a:p>
-              <a:pPr algn="ctr"/>
-              <a:r>
-                <a:rPr lang="en-US" sz="1400" dirty="0">
-                  <a:solidFill>
-                    <a:srgbClr val="080808"/>
-                  </a:solidFill>
-                  <a:cs typeface="Tahoma"/>
-                </a:rPr>
-                <a:t>2</a:t>
-              </a:r>
-              <a:endParaRPr lang="LID4096" sz="1400" dirty="0" err="1">
+              </a:rPr>
+              <a:t>2</a:t>
+            </a:r>
+            <a:endParaRPr lang="LID4096" sz="1400" dirty="0" err="1">
+              <a:solidFill>
+                <a:srgbClr val="080808"/>
+              </a:solidFill>
+              <a:cs typeface="Tahoma"/>
+            </a:endParaRPr>
+          </a:p>
+        </p:txBody>
+      </p:sp>
+      <p:sp>
+        <p:nvSpPr>
+          <p:cNvPr id="44" name="Oval 43">
+            <a:extLst>
+              <a:ext uri="{FF2B5EF4-FFF2-40B4-BE49-F238E27FC236}">
+                <a16:creationId xmlns:a16="http://schemas.microsoft.com/office/drawing/2014/main" id="{52D19C66-EED4-4C79-95C0-1EC3EBBD84A7}"/>
+              </a:ext>
+            </a:extLst>
+          </p:cNvPr>
+          <p:cNvSpPr/>
+          <p:nvPr/>
+        </p:nvSpPr>
+        <p:spPr>
+          <a:xfrm>
+            <a:off x="9768518" y="5140684"/>
+            <a:ext cx="202242" cy="194557"/>
+          </a:xfrm>
+          <a:prstGeom prst="ellipse">
+            <a:avLst/>
+          </a:prstGeom>
+          <a:ln w="12700"/>
+        </p:spPr>
+        <p:style>
+          <a:lnRef idx="2">
+            <a:schemeClr val="dk1"/>
+          </a:lnRef>
+          <a:fillRef idx="1">
+            <a:schemeClr val="lt1"/>
+          </a:fillRef>
+          <a:effectRef idx="0">
+            <a:schemeClr val="dk1"/>
+          </a:effectRef>
+          <a:fontRef idx="minor">
+            <a:schemeClr val="dk1"/>
+          </a:fontRef>
+        </p:style>
+        <p:txBody>
+          <a:bodyPr rtlCol="0" anchor="ctr"/>
+          <a:lstStyle/>
+          <a:p>
+            <a:pPr algn="ctr"/>
+            <a:r>
+              <a:rPr lang="en-US" sz="1400" dirty="0">
                 <a:solidFill>
                   <a:srgbClr val="080808"/>
                 </a:solidFill>
                 <a:cs typeface="Tahoma"/>
-              </a:endParaRPr>
-            </a:p>
-          </p:txBody>
-        </p:sp>
-        <p:grpSp>
-          <p:nvGrpSpPr>
-            <p:cNvPr id="61" name="Group 60">
-              <a:extLst>
-                <a:ext uri="{FF2B5EF4-FFF2-40B4-BE49-F238E27FC236}">
-                  <a16:creationId xmlns:a16="http://schemas.microsoft.com/office/drawing/2014/main" id="{5B1913B6-8332-44BE-8B4F-C2B5404A8AD4}"/>
-                </a:ext>
-              </a:extLst>
-            </p:cNvPr>
-            <p:cNvGrpSpPr/>
-            <p:nvPr/>
-          </p:nvGrpSpPr>
-          <p:grpSpPr>
-            <a:xfrm>
-              <a:off x="4035118" y="3394116"/>
-              <a:ext cx="1959752" cy="703074"/>
-              <a:chOff x="4035118" y="3394116"/>
-              <a:chExt cx="1959752" cy="703074"/>
-            </a:xfrm>
-          </p:grpSpPr>
-          <p:pic>
-            <p:nvPicPr>
-              <p:cNvPr id="90" name="Picture 89">
-                <a:extLst>
-                  <a:ext uri="{FF2B5EF4-FFF2-40B4-BE49-F238E27FC236}">
-                    <a16:creationId xmlns:a16="http://schemas.microsoft.com/office/drawing/2014/main" id="{E008A42A-2B2F-443F-93B8-A007B255FCFF}"/>
-                  </a:ext>
-                </a:extLst>
-              </p:cNvPr>
-              <p:cNvPicPr>
-                <a:picLocks noChangeAspect="1"/>
-              </p:cNvPicPr>
-              <p:nvPr/>
-            </p:nvPicPr>
-            <p:blipFill>
-              <a:blip r:embed="rId8"/>
-              <a:stretch>
-                <a:fillRect/>
-              </a:stretch>
-            </p:blipFill>
-            <p:spPr>
-              <a:xfrm>
-                <a:off x="4723038" y="3394116"/>
-                <a:ext cx="583912" cy="455862"/>
-              </a:xfrm>
-              <a:prstGeom prst="rect">
-                <a:avLst/>
-              </a:prstGeom>
-            </p:spPr>
-          </p:pic>
-          <p:sp>
-            <p:nvSpPr>
-              <p:cNvPr id="91" name="Rectangle 90">
-                <a:extLst>
-                  <a:ext uri="{FF2B5EF4-FFF2-40B4-BE49-F238E27FC236}">
-                    <a16:creationId xmlns:a16="http://schemas.microsoft.com/office/drawing/2014/main" id="{52D99E51-E899-4132-8279-5525AD232FA0}"/>
-                  </a:ext>
-                </a:extLst>
-              </p:cNvPr>
-              <p:cNvSpPr/>
-              <p:nvPr/>
-            </p:nvSpPr>
-            <p:spPr>
-              <a:xfrm rot="5400000">
-                <a:off x="4877021" y="2979341"/>
-                <a:ext cx="275946" cy="1959752"/>
-              </a:xfrm>
-              <a:prstGeom prst="rect">
-                <a:avLst/>
-              </a:prstGeom>
-              <a:noFill/>
-              <a:ln w="19050">
-                <a:noFill/>
-              </a:ln>
-            </p:spPr>
-            <p:style>
-              <a:lnRef idx="2">
-                <a:schemeClr val="accent2"/>
-              </a:lnRef>
-              <a:fillRef idx="1">
-                <a:schemeClr val="lt1"/>
-              </a:fillRef>
-              <a:effectRef idx="0">
-                <a:schemeClr val="accent2"/>
-              </a:effectRef>
-              <a:fontRef idx="minor">
-                <a:schemeClr val="dk1"/>
-              </a:fontRef>
-            </p:style>
-            <p:txBody>
-              <a:bodyPr vert="vert270" rtlCol="0" anchor="ctr"/>
-              <a:lstStyle/>
-              <a:p>
-                <a:pPr algn="ctr"/>
-                <a:r>
-                  <a:rPr lang="en-US" sz="1050" b="1" dirty="0">
-                    <a:solidFill>
-                      <a:srgbClr val="080808"/>
-                    </a:solidFill>
-                    <a:latin typeface="Segoe UI (Body)"/>
-                    <a:cs typeface="Tahoma"/>
-                  </a:rPr>
-                  <a:t>Scale Trigger Request (Out)</a:t>
-                </a:r>
-                <a:endParaRPr lang="en-BE" sz="1050" b="1" dirty="0" err="1">
-                  <a:solidFill>
-                    <a:srgbClr val="080808"/>
-                  </a:solidFill>
-                  <a:latin typeface="Segoe UI (Body)"/>
-                  <a:cs typeface="Tahoma"/>
-                </a:endParaRPr>
-              </a:p>
-            </p:txBody>
-          </p:sp>
-        </p:grpSp>
-        <p:grpSp>
-          <p:nvGrpSpPr>
-            <p:cNvPr id="104" name="Group 103">
-              <a:extLst>
-                <a:ext uri="{FF2B5EF4-FFF2-40B4-BE49-F238E27FC236}">
-                  <a16:creationId xmlns:a16="http://schemas.microsoft.com/office/drawing/2014/main" id="{277F7088-C257-42A2-ABEF-D153470F5646}"/>
-                </a:ext>
-              </a:extLst>
-            </p:cNvPr>
-            <p:cNvGrpSpPr/>
-            <p:nvPr/>
-          </p:nvGrpSpPr>
-          <p:grpSpPr>
-            <a:xfrm>
-              <a:off x="6257529" y="3400406"/>
-              <a:ext cx="2115683" cy="703074"/>
-              <a:chOff x="4035118" y="3394116"/>
-              <a:chExt cx="1959752" cy="703074"/>
-            </a:xfrm>
-          </p:grpSpPr>
-          <p:pic>
-            <p:nvPicPr>
-              <p:cNvPr id="105" name="Picture 104">
-                <a:extLst>
-                  <a:ext uri="{FF2B5EF4-FFF2-40B4-BE49-F238E27FC236}">
-                    <a16:creationId xmlns:a16="http://schemas.microsoft.com/office/drawing/2014/main" id="{1FE5D6DA-E428-450C-877F-9896C434E067}"/>
-                  </a:ext>
-                </a:extLst>
-              </p:cNvPr>
-              <p:cNvPicPr>
-                <a:picLocks noChangeAspect="1"/>
-              </p:cNvPicPr>
-              <p:nvPr/>
-            </p:nvPicPr>
-            <p:blipFill>
-              <a:blip r:embed="rId8"/>
-              <a:stretch>
-                <a:fillRect/>
-              </a:stretch>
-            </p:blipFill>
-            <p:spPr>
-              <a:xfrm>
-                <a:off x="4723038" y="3394116"/>
-                <a:ext cx="583912" cy="455862"/>
-              </a:xfrm>
-              <a:prstGeom prst="rect">
-                <a:avLst/>
-              </a:prstGeom>
-            </p:spPr>
-          </p:pic>
-          <p:sp>
-            <p:nvSpPr>
-              <p:cNvPr id="106" name="Rectangle 105">
-                <a:extLst>
-                  <a:ext uri="{FF2B5EF4-FFF2-40B4-BE49-F238E27FC236}">
-                    <a16:creationId xmlns:a16="http://schemas.microsoft.com/office/drawing/2014/main" id="{5F05F9EB-145D-42C4-9B73-43480AFD97EE}"/>
-                  </a:ext>
-                </a:extLst>
-              </p:cNvPr>
-              <p:cNvSpPr/>
-              <p:nvPr/>
-            </p:nvSpPr>
-            <p:spPr>
-              <a:xfrm rot="5400000">
-                <a:off x="4877021" y="2979341"/>
-                <a:ext cx="275946" cy="1959752"/>
-              </a:xfrm>
-              <a:prstGeom prst="rect">
-                <a:avLst/>
-              </a:prstGeom>
-              <a:noFill/>
-              <a:ln w="19050">
-                <a:noFill/>
-              </a:ln>
-            </p:spPr>
-            <p:style>
-              <a:lnRef idx="2">
-                <a:schemeClr val="accent2"/>
-              </a:lnRef>
-              <a:fillRef idx="1">
-                <a:schemeClr val="lt1"/>
-              </a:fillRef>
-              <a:effectRef idx="0">
-                <a:schemeClr val="accent2"/>
-              </a:effectRef>
-              <a:fontRef idx="minor">
-                <a:schemeClr val="dk1"/>
-              </a:fontRef>
-            </p:style>
-            <p:txBody>
-              <a:bodyPr vert="vert270" rtlCol="0" anchor="ctr"/>
-              <a:lstStyle/>
-              <a:p>
-                <a:pPr algn="ctr"/>
-                <a:r>
-                  <a:rPr lang="en-US" sz="1050" b="1" dirty="0">
-                    <a:solidFill>
-                      <a:srgbClr val="080808"/>
-                    </a:solidFill>
-                    <a:latin typeface="Segoe UI (Body)"/>
-                    <a:cs typeface="Tahoma"/>
-                  </a:rPr>
-                  <a:t>Scale Trigger Request (In)</a:t>
-                </a:r>
-                <a:endParaRPr lang="en-BE" sz="1050" b="1" dirty="0" err="1">
-                  <a:solidFill>
-                    <a:srgbClr val="080808"/>
-                  </a:solidFill>
-                  <a:latin typeface="Segoe UI (Body)"/>
-                  <a:cs typeface="Tahoma"/>
-                </a:endParaRPr>
-              </a:p>
-            </p:txBody>
-          </p:sp>
-        </p:grpSp>
-        <p:grpSp>
-          <p:nvGrpSpPr>
-            <p:cNvPr id="109" name="Group 108">
-              <a:extLst>
-                <a:ext uri="{FF2B5EF4-FFF2-40B4-BE49-F238E27FC236}">
-                  <a16:creationId xmlns:a16="http://schemas.microsoft.com/office/drawing/2014/main" id="{96992EB7-3CDB-4880-B81A-C98E4C1EB6A5}"/>
-                </a:ext>
-              </a:extLst>
-            </p:cNvPr>
-            <p:cNvGrpSpPr/>
-            <p:nvPr/>
-          </p:nvGrpSpPr>
-          <p:grpSpPr>
-            <a:xfrm>
-              <a:off x="8448888" y="3393477"/>
-              <a:ext cx="2115683" cy="701506"/>
-              <a:chOff x="4035118" y="3394116"/>
-              <a:chExt cx="1959752" cy="701506"/>
-            </a:xfrm>
-          </p:grpSpPr>
-          <p:pic>
-            <p:nvPicPr>
-              <p:cNvPr id="110" name="Picture 109">
-                <a:extLst>
-                  <a:ext uri="{FF2B5EF4-FFF2-40B4-BE49-F238E27FC236}">
-                    <a16:creationId xmlns:a16="http://schemas.microsoft.com/office/drawing/2014/main" id="{C94F4759-606A-4455-A2E7-79C4D0522EBD}"/>
-                  </a:ext>
-                </a:extLst>
-              </p:cNvPr>
-              <p:cNvPicPr>
-                <a:picLocks noChangeAspect="1"/>
-              </p:cNvPicPr>
-              <p:nvPr/>
-            </p:nvPicPr>
-            <p:blipFill>
-              <a:blip r:embed="rId8"/>
-              <a:stretch>
-                <a:fillRect/>
-              </a:stretch>
-            </p:blipFill>
-            <p:spPr>
-              <a:xfrm>
-                <a:off x="4723038" y="3394116"/>
-                <a:ext cx="583912" cy="455862"/>
-              </a:xfrm>
-              <a:prstGeom prst="rect">
-                <a:avLst/>
-              </a:prstGeom>
-            </p:spPr>
-          </p:pic>
-          <p:sp>
-            <p:nvSpPr>
-              <p:cNvPr id="113" name="Rectangle 112">
-                <a:extLst>
-                  <a:ext uri="{FF2B5EF4-FFF2-40B4-BE49-F238E27FC236}">
-                    <a16:creationId xmlns:a16="http://schemas.microsoft.com/office/drawing/2014/main" id="{975DE49F-64FC-47B8-9144-645C564607D0}"/>
-                  </a:ext>
-                </a:extLst>
-              </p:cNvPr>
-              <p:cNvSpPr/>
-              <p:nvPr/>
-            </p:nvSpPr>
-            <p:spPr>
-              <a:xfrm rot="5400000">
-                <a:off x="4877021" y="2977773"/>
-                <a:ext cx="275946" cy="1959752"/>
-              </a:xfrm>
-              <a:prstGeom prst="rect">
-                <a:avLst/>
-              </a:prstGeom>
-              <a:noFill/>
-              <a:ln w="19050">
-                <a:noFill/>
-              </a:ln>
-            </p:spPr>
-            <p:style>
-              <a:lnRef idx="2">
-                <a:schemeClr val="accent2"/>
-              </a:lnRef>
-              <a:fillRef idx="1">
-                <a:schemeClr val="lt1"/>
-              </a:fillRef>
-              <a:effectRef idx="0">
-                <a:schemeClr val="accent2"/>
-              </a:effectRef>
-              <a:fontRef idx="minor">
-                <a:schemeClr val="dk1"/>
-              </a:fontRef>
-            </p:style>
-            <p:txBody>
-              <a:bodyPr vert="vert270" rtlCol="0" anchor="ctr"/>
-              <a:lstStyle/>
-              <a:p>
-                <a:pPr algn="ctr"/>
-                <a:r>
-                  <a:rPr lang="en-US" sz="1050" b="1" dirty="0">
-                    <a:solidFill>
-                      <a:srgbClr val="080808"/>
-                    </a:solidFill>
-                    <a:latin typeface="Segoe UI (Body)"/>
-                    <a:cs typeface="Tahoma"/>
-                  </a:rPr>
-                  <a:t>Scale Trigger Orchestrator (In)</a:t>
-                </a:r>
-                <a:endParaRPr lang="en-BE" sz="1050" b="1" dirty="0" err="1">
-                  <a:solidFill>
-                    <a:srgbClr val="080808"/>
-                  </a:solidFill>
-                  <a:latin typeface="Segoe UI (Body)"/>
-                  <a:cs typeface="Tahoma"/>
-                </a:endParaRPr>
-              </a:p>
-            </p:txBody>
-          </p:sp>
-        </p:grpSp>
-        <p:cxnSp>
-          <p:nvCxnSpPr>
-            <p:cNvPr id="114" name="Connector: Elbow 110">
-              <a:extLst>
-                <a:ext uri="{FF2B5EF4-FFF2-40B4-BE49-F238E27FC236}">
-                  <a16:creationId xmlns:a16="http://schemas.microsoft.com/office/drawing/2014/main" id="{82C5C636-44C5-4053-8988-EBB0CBCE5A02}"/>
-                </a:ext>
-              </a:extLst>
-            </p:cNvPr>
-            <p:cNvCxnSpPr>
-              <a:cxnSpLocks/>
-              <a:stCxn id="110" idx="1"/>
-              <a:endCxn id="105" idx="3"/>
-            </p:cNvCxnSpPr>
-            <p:nvPr/>
-          </p:nvCxnSpPr>
-          <p:spPr>
-            <a:xfrm flipH="1">
-              <a:off x="7630557" y="3621408"/>
-              <a:ext cx="1560987" cy="6929"/>
-            </a:xfrm>
-            <a:prstGeom prst="straightConnector1">
-              <a:avLst/>
-            </a:prstGeom>
-            <a:ln w="19050">
+              </a:rPr>
+              <a:t>3</a:t>
+            </a:r>
+            <a:endParaRPr lang="LID4096" sz="1400" dirty="0" err="1">
               <a:solidFill>
-                <a:schemeClr val="accent5"/>
+                <a:srgbClr val="080808"/>
               </a:solidFill>
-              <a:prstDash val="sysDash"/>
-              <a:tailEnd type="triangle"/>
-            </a:ln>
-          </p:spPr>
-          <p:style>
-            <a:lnRef idx="1">
-              <a:schemeClr val="accent3"/>
-            </a:lnRef>
-            <a:fillRef idx="0">
-              <a:schemeClr val="accent3"/>
-            </a:fillRef>
-            <a:effectRef idx="0">
-              <a:schemeClr val="accent3"/>
-            </a:effectRef>
-            <a:fontRef idx="minor">
-              <a:schemeClr val="tx1"/>
-            </a:fontRef>
-          </p:style>
-        </p:cxnSp>
-        <p:sp>
-          <p:nvSpPr>
-            <p:cNvPr id="68" name="Rectangle 67">
-              <a:extLst>
-                <a:ext uri="{FF2B5EF4-FFF2-40B4-BE49-F238E27FC236}">
-                  <a16:creationId xmlns:a16="http://schemas.microsoft.com/office/drawing/2014/main" id="{B155F7E5-0465-40F4-B233-AFC372E50376}"/>
-                </a:ext>
-              </a:extLst>
-            </p:cNvPr>
-            <p:cNvSpPr/>
-            <p:nvPr/>
-          </p:nvSpPr>
-          <p:spPr>
-            <a:xfrm rot="5400000">
-              <a:off x="8283254" y="2694322"/>
-              <a:ext cx="350255" cy="1655650"/>
-            </a:xfrm>
-            <a:prstGeom prst="rect">
-              <a:avLst/>
-            </a:prstGeom>
-            <a:noFill/>
-            <a:ln w="19050">
-              <a:noFill/>
-            </a:ln>
-          </p:spPr>
-          <p:style>
-            <a:lnRef idx="2">
-              <a:schemeClr val="accent2"/>
-            </a:lnRef>
-            <a:fillRef idx="1">
-              <a:schemeClr val="lt1"/>
-            </a:fillRef>
-            <a:effectRef idx="0">
-              <a:schemeClr val="accent2"/>
-            </a:effectRef>
-            <a:fontRef idx="minor">
-              <a:schemeClr val="dk1"/>
-            </a:fontRef>
-          </p:style>
-          <p:txBody>
-            <a:bodyPr vert="vert270" rtlCol="0" anchor="ctr"/>
-            <a:lstStyle/>
-            <a:p>
-              <a:pPr algn="ctr"/>
-              <a:r>
-                <a:rPr lang="en-US" sz="900" i="1" dirty="0">
-                  <a:solidFill>
-                    <a:srgbClr val="080808"/>
-                  </a:solidFill>
-                  <a:latin typeface="Segoe UI (Body)"/>
-                  <a:cs typeface="Tahoma"/>
-                </a:rPr>
-                <a:t>Enable / Disable</a:t>
-              </a:r>
-              <a:endParaRPr lang="en-BE" sz="900" i="1" dirty="0" err="1">
-                <a:solidFill>
-                  <a:srgbClr val="080808"/>
-                </a:solidFill>
-                <a:latin typeface="Segoe UI (Body)"/>
-                <a:cs typeface="Tahoma"/>
-              </a:endParaRPr>
-            </a:p>
-          </p:txBody>
-        </p:sp>
-        <p:grpSp>
-          <p:nvGrpSpPr>
-            <p:cNvPr id="117" name="Group 116">
-              <a:extLst>
-                <a:ext uri="{FF2B5EF4-FFF2-40B4-BE49-F238E27FC236}">
-                  <a16:creationId xmlns:a16="http://schemas.microsoft.com/office/drawing/2014/main" id="{97302A35-EB46-4CDA-9056-F52A128FCE31}"/>
-                </a:ext>
-              </a:extLst>
-            </p:cNvPr>
-            <p:cNvGrpSpPr/>
-            <p:nvPr/>
-          </p:nvGrpSpPr>
-          <p:grpSpPr>
-            <a:xfrm>
-              <a:off x="1683951" y="3383074"/>
-              <a:ext cx="2115683" cy="701506"/>
-              <a:chOff x="4035118" y="3394116"/>
-              <a:chExt cx="1959752" cy="701506"/>
-            </a:xfrm>
-          </p:grpSpPr>
-          <p:pic>
-            <p:nvPicPr>
-              <p:cNvPr id="118" name="Picture 117">
-                <a:extLst>
-                  <a:ext uri="{FF2B5EF4-FFF2-40B4-BE49-F238E27FC236}">
-                    <a16:creationId xmlns:a16="http://schemas.microsoft.com/office/drawing/2014/main" id="{6C9869AB-3B11-4631-9355-C737848A3506}"/>
-                  </a:ext>
-                </a:extLst>
-              </p:cNvPr>
-              <p:cNvPicPr>
-                <a:picLocks noChangeAspect="1"/>
-              </p:cNvPicPr>
-              <p:nvPr/>
-            </p:nvPicPr>
-            <p:blipFill>
-              <a:blip r:embed="rId8"/>
-              <a:stretch>
-                <a:fillRect/>
-              </a:stretch>
-            </p:blipFill>
-            <p:spPr>
-              <a:xfrm>
-                <a:off x="4723038" y="3394116"/>
-                <a:ext cx="583912" cy="455862"/>
-              </a:xfrm>
-              <a:prstGeom prst="rect">
-                <a:avLst/>
-              </a:prstGeom>
-            </p:spPr>
-          </p:pic>
-          <p:sp>
-            <p:nvSpPr>
-              <p:cNvPr id="120" name="Rectangle 119">
-                <a:extLst>
-                  <a:ext uri="{FF2B5EF4-FFF2-40B4-BE49-F238E27FC236}">
-                    <a16:creationId xmlns:a16="http://schemas.microsoft.com/office/drawing/2014/main" id="{629C048C-29C7-4CC8-BBEE-5AC4D5DB9BB6}"/>
-                  </a:ext>
-                </a:extLst>
-              </p:cNvPr>
-              <p:cNvSpPr/>
-              <p:nvPr/>
-            </p:nvSpPr>
-            <p:spPr>
-              <a:xfrm rot="5400000">
-                <a:off x="4877021" y="2977773"/>
-                <a:ext cx="275946" cy="1959752"/>
-              </a:xfrm>
-              <a:prstGeom prst="rect">
-                <a:avLst/>
-              </a:prstGeom>
-              <a:noFill/>
-              <a:ln w="19050">
-                <a:noFill/>
-              </a:ln>
-            </p:spPr>
-            <p:style>
-              <a:lnRef idx="2">
-                <a:schemeClr val="accent2"/>
-              </a:lnRef>
-              <a:fillRef idx="1">
-                <a:schemeClr val="lt1"/>
-              </a:fillRef>
-              <a:effectRef idx="0">
-                <a:schemeClr val="accent2"/>
-              </a:effectRef>
-              <a:fontRef idx="minor">
-                <a:schemeClr val="dk1"/>
-              </a:fontRef>
-            </p:style>
-            <p:txBody>
-              <a:bodyPr vert="vert270" rtlCol="0" anchor="ctr"/>
-              <a:lstStyle/>
-              <a:p>
-                <a:pPr algn="ctr"/>
-                <a:r>
-                  <a:rPr lang="en-US" sz="1050" b="1" dirty="0">
-                    <a:solidFill>
-                      <a:srgbClr val="080808"/>
-                    </a:solidFill>
-                    <a:latin typeface="Segoe UI (Body)"/>
-                    <a:cs typeface="Tahoma"/>
-                  </a:rPr>
-                  <a:t>Scale Trigger Orchestrator (Out)</a:t>
-                </a:r>
-                <a:endParaRPr lang="en-BE" sz="1050" b="1" dirty="0" err="1">
-                  <a:solidFill>
-                    <a:srgbClr val="080808"/>
-                  </a:solidFill>
-                  <a:latin typeface="Segoe UI (Body)"/>
-                  <a:cs typeface="Tahoma"/>
-                </a:endParaRPr>
-              </a:p>
-            </p:txBody>
-          </p:sp>
-        </p:grpSp>
-        <p:cxnSp>
-          <p:nvCxnSpPr>
-            <p:cNvPr id="121" name="Connector: Elbow 110">
-              <a:extLst>
-                <a:ext uri="{FF2B5EF4-FFF2-40B4-BE49-F238E27FC236}">
-                  <a16:creationId xmlns:a16="http://schemas.microsoft.com/office/drawing/2014/main" id="{02E7779B-28A3-4C8B-9B3E-68FC39063CE7}"/>
-                </a:ext>
-              </a:extLst>
-            </p:cNvPr>
-            <p:cNvCxnSpPr>
-              <a:cxnSpLocks/>
-              <a:stCxn id="118" idx="3"/>
-              <a:endCxn id="90" idx="1"/>
-            </p:cNvCxnSpPr>
-            <p:nvPr/>
-          </p:nvCxnSpPr>
-          <p:spPr>
-            <a:xfrm>
-              <a:off x="3056979" y="3611005"/>
-              <a:ext cx="1666059" cy="11042"/>
-            </a:xfrm>
-            <a:prstGeom prst="straightConnector1">
-              <a:avLst/>
-            </a:prstGeom>
-            <a:ln w="19050">
-              <a:solidFill>
-                <a:schemeClr val="accent5"/>
-              </a:solidFill>
-              <a:prstDash val="sysDash"/>
-              <a:tailEnd type="triangle"/>
-            </a:ln>
-          </p:spPr>
-          <p:style>
-            <a:lnRef idx="1">
-              <a:schemeClr val="accent3"/>
-            </a:lnRef>
-            <a:fillRef idx="0">
-              <a:schemeClr val="accent3"/>
-            </a:fillRef>
-            <a:effectRef idx="0">
-              <a:schemeClr val="accent3"/>
-            </a:effectRef>
-            <a:fontRef idx="minor">
-              <a:schemeClr val="tx1"/>
-            </a:fontRef>
-          </p:style>
-        </p:cxnSp>
-        <p:sp>
-          <p:nvSpPr>
-            <p:cNvPr id="72" name="Rectangle 71">
-              <a:extLst>
-                <a:ext uri="{FF2B5EF4-FFF2-40B4-BE49-F238E27FC236}">
-                  <a16:creationId xmlns:a16="http://schemas.microsoft.com/office/drawing/2014/main" id="{3504F3AA-DE18-4252-BDF3-CF0F329EABDA}"/>
-                </a:ext>
-              </a:extLst>
-            </p:cNvPr>
-            <p:cNvSpPr/>
-            <p:nvPr/>
-          </p:nvSpPr>
-          <p:spPr>
-            <a:xfrm rot="5400000">
-              <a:off x="3749903" y="2682175"/>
-              <a:ext cx="350255" cy="1655650"/>
-            </a:xfrm>
-            <a:prstGeom prst="rect">
-              <a:avLst/>
-            </a:prstGeom>
-            <a:noFill/>
-            <a:ln w="19050">
-              <a:noFill/>
-            </a:ln>
-          </p:spPr>
-          <p:style>
-            <a:lnRef idx="2">
-              <a:schemeClr val="accent2"/>
-            </a:lnRef>
-            <a:fillRef idx="1">
-              <a:schemeClr val="lt1"/>
-            </a:fillRef>
-            <a:effectRef idx="0">
-              <a:schemeClr val="accent2"/>
-            </a:effectRef>
-            <a:fontRef idx="minor">
-              <a:schemeClr val="dk1"/>
-            </a:fontRef>
-          </p:style>
-          <p:txBody>
-            <a:bodyPr vert="vert270" rtlCol="0" anchor="ctr"/>
-            <a:lstStyle/>
-            <a:p>
-              <a:pPr algn="ctr"/>
-              <a:r>
-                <a:rPr lang="en-US" sz="900" i="1" dirty="0">
-                  <a:solidFill>
-                    <a:srgbClr val="080808"/>
-                  </a:solidFill>
-                  <a:latin typeface="Segoe UI (Body)"/>
-                  <a:cs typeface="Tahoma"/>
-                </a:rPr>
-                <a:t>Enable / Disable</a:t>
-              </a:r>
-              <a:endParaRPr lang="en-BE" sz="900" i="1" dirty="0" err="1">
-                <a:solidFill>
-                  <a:srgbClr val="080808"/>
-                </a:solidFill>
-                <a:latin typeface="Segoe UI (Body)"/>
-                <a:cs typeface="Tahoma"/>
-              </a:endParaRPr>
-            </a:p>
-          </p:txBody>
-        </p:sp>
-        <p:cxnSp>
-          <p:nvCxnSpPr>
-            <p:cNvPr id="124" name="Connector: Elbow 110">
-              <a:extLst>
-                <a:ext uri="{FF2B5EF4-FFF2-40B4-BE49-F238E27FC236}">
-                  <a16:creationId xmlns:a16="http://schemas.microsoft.com/office/drawing/2014/main" id="{BE106D3F-3D7E-4BE1-8F66-61ED38751873}"/>
-                </a:ext>
-              </a:extLst>
-            </p:cNvPr>
-            <p:cNvCxnSpPr>
-              <a:cxnSpLocks/>
-            </p:cNvCxnSpPr>
-            <p:nvPr/>
-          </p:nvCxnSpPr>
-          <p:spPr>
-            <a:xfrm rot="10800000" flipV="1">
-              <a:off x="2763228" y="2981520"/>
-              <a:ext cx="474360" cy="390506"/>
-            </a:xfrm>
-            <a:prstGeom prst="bentConnector3">
-              <a:avLst>
-                <a:gd name="adj1" fmla="val 100199"/>
-              </a:avLst>
-            </a:prstGeom>
-            <a:ln w="19050">
-              <a:solidFill>
-                <a:schemeClr val="accent5"/>
-              </a:solidFill>
-              <a:prstDash val="solid"/>
-              <a:tailEnd type="triangle"/>
-            </a:ln>
-          </p:spPr>
-          <p:style>
-            <a:lnRef idx="1">
-              <a:schemeClr val="accent3"/>
-            </a:lnRef>
-            <a:fillRef idx="0">
-              <a:schemeClr val="accent3"/>
-            </a:fillRef>
-            <a:effectRef idx="0">
-              <a:schemeClr val="accent3"/>
-            </a:effectRef>
-            <a:fontRef idx="minor">
-              <a:schemeClr val="tx1"/>
-            </a:fontRef>
-          </p:style>
-        </p:cxnSp>
-        <p:cxnSp>
-          <p:nvCxnSpPr>
-            <p:cNvPr id="141" name="Connector: Elbow 110">
-              <a:extLst>
-                <a:ext uri="{FF2B5EF4-FFF2-40B4-BE49-F238E27FC236}">
-                  <a16:creationId xmlns:a16="http://schemas.microsoft.com/office/drawing/2014/main" id="{A5A2EEAF-B1B0-4D21-B7E6-2052E2D93B4A}"/>
-                </a:ext>
-              </a:extLst>
-            </p:cNvPr>
-            <p:cNvCxnSpPr>
-              <a:cxnSpLocks/>
-              <a:stCxn id="176" idx="0"/>
-              <a:endCxn id="110" idx="0"/>
-            </p:cNvCxnSpPr>
-            <p:nvPr/>
-          </p:nvCxnSpPr>
-          <p:spPr>
-            <a:xfrm>
-              <a:off x="9093200" y="2965050"/>
-              <a:ext cx="413530" cy="428427"/>
-            </a:xfrm>
-            <a:prstGeom prst="bentConnector2">
-              <a:avLst/>
-            </a:prstGeom>
-            <a:ln w="19050">
-              <a:solidFill>
-                <a:schemeClr val="accent5"/>
-              </a:solidFill>
-              <a:prstDash val="solid"/>
-              <a:tailEnd type="triangle"/>
-            </a:ln>
-          </p:spPr>
-          <p:style>
-            <a:lnRef idx="1">
-              <a:schemeClr val="accent3"/>
-            </a:lnRef>
-            <a:fillRef idx="0">
-              <a:schemeClr val="accent3"/>
-            </a:fillRef>
-            <a:effectRef idx="0">
-              <a:schemeClr val="accent3"/>
-            </a:effectRef>
-            <a:fontRef idx="minor">
-              <a:schemeClr val="tx1"/>
-            </a:fontRef>
-          </p:style>
-        </p:cxnSp>
-      </p:grpSp>
-      <p:grpSp>
-        <p:nvGrpSpPr>
-          <p:cNvPr id="3" name="Group 2">
+              <a:cs typeface="Tahoma"/>
+            </a:endParaRPr>
+          </a:p>
+        </p:txBody>
+      </p:sp>
+      <p:sp>
+        <p:nvSpPr>
+          <p:cNvPr id="45" name="Oval 44">
             <a:extLst>
               <a:ext uri="{FF2B5EF4-FFF2-40B4-BE49-F238E27FC236}">
-                <a16:creationId xmlns:a16="http://schemas.microsoft.com/office/drawing/2014/main" id="{DA0A1EC6-1891-49F5-95C8-586BE42DB4D4}"/>
+                <a16:creationId xmlns:a16="http://schemas.microsoft.com/office/drawing/2014/main" id="{9604885A-B68A-48BB-8898-CD5C96CF5ADC}"/>
               </a:ext>
             </a:extLst>
           </p:cNvPr>
-          <p:cNvGrpSpPr/>
+          <p:cNvSpPr/>
           <p:nvPr/>
-        </p:nvGrpSpPr>
-        <p:grpSpPr>
-          <a:xfrm>
-            <a:off x="1555628" y="4286734"/>
-            <a:ext cx="9080744" cy="2401427"/>
-            <a:chOff x="1555628" y="4286734"/>
-            <a:chExt cx="9080744" cy="2401427"/>
-          </a:xfrm>
-        </p:grpSpPr>
-        <p:sp>
-          <p:nvSpPr>
-            <p:cNvPr id="4" name="Rectangle 3">
-              <a:extLst>
-                <a:ext uri="{FF2B5EF4-FFF2-40B4-BE49-F238E27FC236}">
-                  <a16:creationId xmlns:a16="http://schemas.microsoft.com/office/drawing/2014/main" id="{CE38808B-6FDA-40E6-AB7C-74B0ADA195CB}"/>
-                </a:ext>
-              </a:extLst>
-            </p:cNvPr>
-            <p:cNvSpPr/>
-            <p:nvPr/>
-          </p:nvSpPr>
-          <p:spPr>
-            <a:xfrm>
-              <a:off x="1555628" y="4680194"/>
-              <a:ext cx="9080744" cy="2007967"/>
-            </a:xfrm>
-            <a:prstGeom prst="rect">
-              <a:avLst/>
-            </a:prstGeom>
-            <a:ln>
-              <a:solidFill>
-                <a:srgbClr val="0070C0"/>
-              </a:solidFill>
-            </a:ln>
-          </p:spPr>
-          <p:style>
-            <a:lnRef idx="2">
-              <a:schemeClr val="accent3"/>
-            </a:lnRef>
-            <a:fillRef idx="1">
-              <a:schemeClr val="lt1"/>
-            </a:fillRef>
-            <a:effectRef idx="0">
-              <a:schemeClr val="accent3"/>
-            </a:effectRef>
-            <a:fontRef idx="minor">
-              <a:schemeClr val="dk1"/>
-            </a:fontRef>
-          </p:style>
-          <p:txBody>
-            <a:bodyPr rtlCol="0" anchor="ctr"/>
-            <a:lstStyle/>
-            <a:p>
-              <a:pPr algn="ctr"/>
-              <a:endParaRPr lang="en-BE" dirty="0" err="1">
-                <a:solidFill>
-                  <a:schemeClr val="bg1"/>
-                </a:solidFill>
-                <a:latin typeface="Tahoma"/>
-                <a:cs typeface="Tahoma"/>
-              </a:endParaRPr>
-            </a:p>
-          </p:txBody>
-        </p:sp>
-        <p:sp>
-          <p:nvSpPr>
-            <p:cNvPr id="37" name="Rectangle 36">
-              <a:extLst>
-                <a:ext uri="{FF2B5EF4-FFF2-40B4-BE49-F238E27FC236}">
-                  <a16:creationId xmlns:a16="http://schemas.microsoft.com/office/drawing/2014/main" id="{35750910-2495-44F8-A322-D8559608832A}"/>
-                </a:ext>
-              </a:extLst>
-            </p:cNvPr>
-            <p:cNvSpPr/>
-            <p:nvPr/>
-          </p:nvSpPr>
-          <p:spPr>
-            <a:xfrm rot="5400000">
-              <a:off x="5909542" y="39209"/>
-              <a:ext cx="372907" cy="8867957"/>
-            </a:xfrm>
-            <a:prstGeom prst="rect">
-              <a:avLst/>
-            </a:prstGeom>
-            <a:noFill/>
-            <a:ln w="19050">
-              <a:noFill/>
-            </a:ln>
-          </p:spPr>
-          <p:style>
-            <a:lnRef idx="2">
-              <a:schemeClr val="accent2"/>
-            </a:lnRef>
-            <a:fillRef idx="1">
-              <a:schemeClr val="lt1"/>
-            </a:fillRef>
-            <a:effectRef idx="0">
-              <a:schemeClr val="accent2"/>
-            </a:effectRef>
-            <a:fontRef idx="minor">
-              <a:schemeClr val="dk1"/>
-            </a:fontRef>
-          </p:style>
-          <p:txBody>
-            <a:bodyPr vert="vert270" rtlCol="0" anchor="ctr"/>
-            <a:lstStyle/>
-            <a:p>
-              <a:r>
-                <a:rPr lang="en-US" sz="1400" b="1" dirty="0">
-                  <a:solidFill>
-                    <a:srgbClr val="0070C0"/>
-                  </a:solidFill>
-                  <a:latin typeface="Segoe UI (Body)"/>
-                  <a:cs typeface="Tahoma"/>
-                </a:rPr>
-                <a:t>Autoscaling Resource Group</a:t>
-              </a:r>
-              <a:endParaRPr lang="en-BE" sz="1400" b="1" dirty="0" err="1">
-                <a:solidFill>
-                  <a:srgbClr val="0070C0"/>
-                </a:solidFill>
-                <a:latin typeface="Segoe UI (Body)"/>
-                <a:cs typeface="Tahoma"/>
-              </a:endParaRPr>
-            </a:p>
-          </p:txBody>
-        </p:sp>
-        <p:grpSp>
-          <p:nvGrpSpPr>
-            <p:cNvPr id="24" name="Group 23">
-              <a:extLst>
-                <a:ext uri="{FF2B5EF4-FFF2-40B4-BE49-F238E27FC236}">
-                  <a16:creationId xmlns:a16="http://schemas.microsoft.com/office/drawing/2014/main" id="{82B177E6-1275-4035-A10A-A8E42B9C2DD6}"/>
-                </a:ext>
-              </a:extLst>
-            </p:cNvPr>
-            <p:cNvGrpSpPr/>
-            <p:nvPr/>
-          </p:nvGrpSpPr>
-          <p:grpSpPr>
-            <a:xfrm>
-              <a:off x="4241663" y="4926852"/>
-              <a:ext cx="1546662" cy="688943"/>
-              <a:chOff x="4241663" y="4553443"/>
-              <a:chExt cx="1546662" cy="688943"/>
-            </a:xfrm>
-          </p:grpSpPr>
-          <p:pic>
-            <p:nvPicPr>
-              <p:cNvPr id="11" name="Picture 10">
-                <a:extLst>
-                  <a:ext uri="{FF2B5EF4-FFF2-40B4-BE49-F238E27FC236}">
-                    <a16:creationId xmlns:a16="http://schemas.microsoft.com/office/drawing/2014/main" id="{34BFD849-9E2F-40D7-A921-46AB74EA8630}"/>
-                  </a:ext>
-                </a:extLst>
-              </p:cNvPr>
-              <p:cNvPicPr>
-                <a:picLocks noChangeAspect="1"/>
-              </p:cNvPicPr>
-              <p:nvPr/>
-            </p:nvPicPr>
-            <p:blipFill>
-              <a:blip r:embed="rId8"/>
-              <a:stretch>
-                <a:fillRect/>
-              </a:stretch>
-            </p:blipFill>
-            <p:spPr>
-              <a:xfrm>
-                <a:off x="4723038" y="4553443"/>
-                <a:ext cx="583912" cy="455862"/>
-              </a:xfrm>
-              <a:prstGeom prst="rect">
-                <a:avLst/>
-              </a:prstGeom>
-            </p:spPr>
-          </p:pic>
-          <p:sp>
-            <p:nvSpPr>
-              <p:cNvPr id="14" name="Rectangle 13">
-                <a:extLst>
-                  <a:ext uri="{FF2B5EF4-FFF2-40B4-BE49-F238E27FC236}">
-                    <a16:creationId xmlns:a16="http://schemas.microsoft.com/office/drawing/2014/main" id="{679C8248-5E52-4539-AB77-1F838A2A22DE}"/>
-                  </a:ext>
-                </a:extLst>
-              </p:cNvPr>
-              <p:cNvSpPr/>
-              <p:nvPr/>
-            </p:nvSpPr>
-            <p:spPr>
-              <a:xfrm rot="5400000">
-                <a:off x="4898453" y="4352515"/>
-                <a:ext cx="233081" cy="1546662"/>
-              </a:xfrm>
-              <a:prstGeom prst="rect">
-                <a:avLst/>
-              </a:prstGeom>
-              <a:noFill/>
-              <a:ln w="19050">
-                <a:noFill/>
-              </a:ln>
-            </p:spPr>
-            <p:style>
-              <a:lnRef idx="2">
-                <a:schemeClr val="accent2"/>
-              </a:lnRef>
-              <a:fillRef idx="1">
-                <a:schemeClr val="lt1"/>
-              </a:fillRef>
-              <a:effectRef idx="0">
-                <a:schemeClr val="accent2"/>
-              </a:effectRef>
-              <a:fontRef idx="minor">
-                <a:schemeClr val="dk1"/>
-              </a:fontRef>
-            </p:style>
-            <p:txBody>
-              <a:bodyPr vert="vert270" rtlCol="0" anchor="ctr"/>
-              <a:lstStyle/>
-              <a:p>
-                <a:pPr algn="ctr"/>
-                <a:r>
-                  <a:rPr lang="en-US" sz="1050" b="1" dirty="0">
-                    <a:solidFill>
-                      <a:srgbClr val="080808"/>
-                    </a:solidFill>
-                    <a:latin typeface="Segoe UI (Body)"/>
-                    <a:cs typeface="Tahoma"/>
-                  </a:rPr>
-                  <a:t>Scale Controller (Out)</a:t>
-                </a:r>
-                <a:endParaRPr lang="en-BE" sz="1050" b="1" dirty="0" err="1">
-                  <a:solidFill>
-                    <a:srgbClr val="080808"/>
-                  </a:solidFill>
-                  <a:latin typeface="Segoe UI (Body)"/>
-                  <a:cs typeface="Tahoma"/>
-                </a:endParaRPr>
-              </a:p>
-            </p:txBody>
-          </p:sp>
-        </p:grpSp>
-        <p:grpSp>
-          <p:nvGrpSpPr>
-            <p:cNvPr id="29" name="Group 28">
-              <a:extLst>
-                <a:ext uri="{FF2B5EF4-FFF2-40B4-BE49-F238E27FC236}">
-                  <a16:creationId xmlns:a16="http://schemas.microsoft.com/office/drawing/2014/main" id="{E37289CD-0394-4197-8800-433447338F83}"/>
-                </a:ext>
-              </a:extLst>
-            </p:cNvPr>
-            <p:cNvGrpSpPr/>
-            <p:nvPr/>
-          </p:nvGrpSpPr>
-          <p:grpSpPr>
-            <a:xfrm>
-              <a:off x="6542040" y="4926852"/>
-              <a:ext cx="1546662" cy="828770"/>
-              <a:chOff x="6542040" y="4553443"/>
-              <a:chExt cx="1546662" cy="828770"/>
-            </a:xfrm>
-          </p:grpSpPr>
-          <p:pic>
-            <p:nvPicPr>
-              <p:cNvPr id="62" name="Picture 61">
-                <a:extLst>
-                  <a:ext uri="{FF2B5EF4-FFF2-40B4-BE49-F238E27FC236}">
-                    <a16:creationId xmlns:a16="http://schemas.microsoft.com/office/drawing/2014/main" id="{3B05CADA-D53F-4ADC-8E3D-CEF959B51E93}"/>
-                  </a:ext>
-                </a:extLst>
-              </p:cNvPr>
-              <p:cNvPicPr>
-                <a:picLocks noChangeAspect="1"/>
-              </p:cNvPicPr>
-              <p:nvPr/>
-            </p:nvPicPr>
-            <p:blipFill>
-              <a:blip r:embed="rId8"/>
-              <a:stretch>
-                <a:fillRect/>
-              </a:stretch>
-            </p:blipFill>
-            <p:spPr>
-              <a:xfrm>
-                <a:off x="7023415" y="4553443"/>
-                <a:ext cx="583912" cy="455862"/>
-              </a:xfrm>
-              <a:prstGeom prst="rect">
-                <a:avLst/>
-              </a:prstGeom>
-            </p:spPr>
-          </p:pic>
-          <p:sp>
-            <p:nvSpPr>
-              <p:cNvPr id="63" name="Rectangle 62">
-                <a:extLst>
-                  <a:ext uri="{FF2B5EF4-FFF2-40B4-BE49-F238E27FC236}">
-                    <a16:creationId xmlns:a16="http://schemas.microsoft.com/office/drawing/2014/main" id="{28896B78-4D78-4BE0-8091-2D95FAFEFE0D}"/>
-                  </a:ext>
-                </a:extLst>
-              </p:cNvPr>
-              <p:cNvSpPr/>
-              <p:nvPr/>
-            </p:nvSpPr>
-            <p:spPr>
-              <a:xfrm rot="5400000">
-                <a:off x="7096570" y="4390081"/>
-                <a:ext cx="437602" cy="1546662"/>
-              </a:xfrm>
-              <a:prstGeom prst="rect">
-                <a:avLst/>
-              </a:prstGeom>
-              <a:noFill/>
-              <a:ln w="19050">
-                <a:noFill/>
-              </a:ln>
-            </p:spPr>
-            <p:style>
-              <a:lnRef idx="2">
-                <a:schemeClr val="accent2"/>
-              </a:lnRef>
-              <a:fillRef idx="1">
-                <a:schemeClr val="lt1"/>
-              </a:fillRef>
-              <a:effectRef idx="0">
-                <a:schemeClr val="accent2"/>
-              </a:effectRef>
-              <a:fontRef idx="minor">
-                <a:schemeClr val="dk1"/>
-              </a:fontRef>
-            </p:style>
-            <p:txBody>
-              <a:bodyPr vert="vert270" rtlCol="0" anchor="t"/>
-              <a:lstStyle/>
-              <a:p>
-                <a:pPr algn="ctr"/>
-                <a:r>
-                  <a:rPr lang="en-US" sz="1050" b="1" dirty="0">
-                    <a:solidFill>
-                      <a:srgbClr val="080808"/>
-                    </a:solidFill>
-                    <a:latin typeface="Segoe UI (Body)"/>
-                    <a:cs typeface="Tahoma"/>
-                  </a:rPr>
-                  <a:t>Scale Controller (In)</a:t>
-                </a:r>
-                <a:endParaRPr lang="en-BE" sz="1050" b="1" dirty="0" err="1">
-                  <a:solidFill>
-                    <a:srgbClr val="080808"/>
-                  </a:solidFill>
-                  <a:latin typeface="Segoe UI (Body)"/>
-                  <a:cs typeface="Tahoma"/>
-                </a:endParaRPr>
-              </a:p>
-            </p:txBody>
-          </p:sp>
-        </p:grpSp>
-        <p:grpSp>
-          <p:nvGrpSpPr>
-            <p:cNvPr id="50" name="Group 49">
-              <a:extLst>
-                <a:ext uri="{FF2B5EF4-FFF2-40B4-BE49-F238E27FC236}">
-                  <a16:creationId xmlns:a16="http://schemas.microsoft.com/office/drawing/2014/main" id="{613BA51B-D2AA-4450-9AAF-7392522A750F}"/>
-                </a:ext>
-              </a:extLst>
-            </p:cNvPr>
-            <p:cNvGrpSpPr/>
-            <p:nvPr/>
-          </p:nvGrpSpPr>
-          <p:grpSpPr>
-            <a:xfrm>
-              <a:off x="5337121" y="5789221"/>
-              <a:ext cx="1546662" cy="811538"/>
-              <a:chOff x="5358119" y="5578937"/>
-              <a:chExt cx="1546662" cy="811538"/>
-            </a:xfrm>
-          </p:grpSpPr>
-          <p:pic>
-            <p:nvPicPr>
-              <p:cNvPr id="40" name="Picture 39">
-                <a:extLst>
-                  <a:ext uri="{FF2B5EF4-FFF2-40B4-BE49-F238E27FC236}">
-                    <a16:creationId xmlns:a16="http://schemas.microsoft.com/office/drawing/2014/main" id="{C31D04D2-6CEA-4C91-BC78-E46596619B34}"/>
-                  </a:ext>
-                </a:extLst>
-              </p:cNvPr>
-              <p:cNvPicPr>
-                <a:picLocks noChangeAspect="1"/>
-              </p:cNvPicPr>
-              <p:nvPr/>
-            </p:nvPicPr>
-            <p:blipFill>
-              <a:blip r:embed="rId9"/>
-              <a:stretch>
-                <a:fillRect/>
-              </a:stretch>
-            </p:blipFill>
-            <p:spPr>
-              <a:xfrm>
-                <a:off x="5901881" y="5578937"/>
-                <a:ext cx="459138" cy="457200"/>
-              </a:xfrm>
-              <a:prstGeom prst="rect">
-                <a:avLst/>
-              </a:prstGeom>
-            </p:spPr>
-          </p:pic>
-          <p:sp>
-            <p:nvSpPr>
-              <p:cNvPr id="41" name="Rectangle 40">
-                <a:extLst>
-                  <a:ext uri="{FF2B5EF4-FFF2-40B4-BE49-F238E27FC236}">
-                    <a16:creationId xmlns:a16="http://schemas.microsoft.com/office/drawing/2014/main" id="{03C3FEAE-7DB3-4094-83E3-25F81C04CF60}"/>
-                  </a:ext>
-                </a:extLst>
-              </p:cNvPr>
-              <p:cNvSpPr/>
-              <p:nvPr/>
-            </p:nvSpPr>
-            <p:spPr>
-              <a:xfrm rot="5400000">
-                <a:off x="5912649" y="5398343"/>
-                <a:ext cx="437602" cy="1546662"/>
-              </a:xfrm>
-              <a:prstGeom prst="rect">
-                <a:avLst/>
-              </a:prstGeom>
-              <a:noFill/>
-              <a:ln w="19050">
-                <a:noFill/>
-              </a:ln>
-            </p:spPr>
-            <p:style>
-              <a:lnRef idx="2">
-                <a:schemeClr val="accent2"/>
-              </a:lnRef>
-              <a:fillRef idx="1">
-                <a:schemeClr val="lt1"/>
-              </a:fillRef>
-              <a:effectRef idx="0">
-                <a:schemeClr val="accent2"/>
-              </a:effectRef>
-              <a:fontRef idx="minor">
-                <a:schemeClr val="dk1"/>
-              </a:fontRef>
-            </p:style>
-            <p:txBody>
-              <a:bodyPr vert="vert270" rtlCol="0" anchor="ctr"/>
-              <a:lstStyle/>
-              <a:p>
-                <a:pPr algn="ctr"/>
-                <a:r>
-                  <a:rPr lang="en-US" sz="1100" dirty="0">
-                    <a:solidFill>
-                      <a:srgbClr val="080808"/>
-                    </a:solidFill>
-                    <a:latin typeface="Segoe UI (Body)"/>
-                    <a:cs typeface="Tahoma"/>
-                  </a:rPr>
-                  <a:t>Scaling Events</a:t>
-                </a:r>
-                <a:endParaRPr lang="en-BE" sz="1100" dirty="0" err="1">
-                  <a:solidFill>
-                    <a:srgbClr val="080808"/>
-                  </a:solidFill>
-                  <a:latin typeface="Segoe UI (Body)"/>
-                  <a:cs typeface="Tahoma"/>
-                </a:endParaRPr>
-              </a:p>
-            </p:txBody>
-          </p:sp>
-        </p:grpSp>
-        <p:cxnSp>
-          <p:nvCxnSpPr>
-            <p:cNvPr id="49" name="Connector: Elbow 48">
-              <a:extLst>
-                <a:ext uri="{FF2B5EF4-FFF2-40B4-BE49-F238E27FC236}">
-                  <a16:creationId xmlns:a16="http://schemas.microsoft.com/office/drawing/2014/main" id="{0150E758-89EC-47FF-8F30-0415FAF58E86}"/>
-                </a:ext>
-              </a:extLst>
-            </p:cNvPr>
-            <p:cNvCxnSpPr>
-              <a:cxnSpLocks/>
-              <a:stCxn id="11" idx="3"/>
-            </p:cNvCxnSpPr>
-            <p:nvPr/>
-          </p:nvCxnSpPr>
-          <p:spPr>
-            <a:xfrm>
-              <a:off x="5306950" y="5154783"/>
-              <a:ext cx="738047" cy="529394"/>
-            </a:xfrm>
-            <a:prstGeom prst="bentConnector3">
-              <a:avLst>
-                <a:gd name="adj1" fmla="val 100332"/>
-              </a:avLst>
-            </a:prstGeom>
-            <a:ln w="19050">
-              <a:solidFill>
-                <a:schemeClr val="accent5"/>
-              </a:solidFill>
-              <a:prstDash val="sysDot"/>
-              <a:tailEnd type="triangle"/>
-            </a:ln>
-          </p:spPr>
-          <p:style>
-            <a:lnRef idx="1">
-              <a:schemeClr val="accent3"/>
-            </a:lnRef>
-            <a:fillRef idx="0">
-              <a:schemeClr val="accent3"/>
-            </a:fillRef>
-            <a:effectRef idx="0">
-              <a:schemeClr val="accent3"/>
-            </a:effectRef>
-            <a:fontRef idx="minor">
-              <a:schemeClr val="tx1"/>
-            </a:fontRef>
-          </p:style>
-        </p:cxnSp>
-        <p:cxnSp>
-          <p:nvCxnSpPr>
-            <p:cNvPr id="92" name="Connector: Elbow 91">
-              <a:extLst>
-                <a:ext uri="{FF2B5EF4-FFF2-40B4-BE49-F238E27FC236}">
-                  <a16:creationId xmlns:a16="http://schemas.microsoft.com/office/drawing/2014/main" id="{3A2A65DB-5C09-456C-A503-900BE30679B5}"/>
-                </a:ext>
-              </a:extLst>
-            </p:cNvPr>
-            <p:cNvCxnSpPr>
-              <a:cxnSpLocks/>
-              <a:stCxn id="62" idx="1"/>
-            </p:cNvCxnSpPr>
-            <p:nvPr/>
-          </p:nvCxnSpPr>
-          <p:spPr>
-            <a:xfrm rot="10800000" flipV="1">
-              <a:off x="6218205" y="5154783"/>
-              <a:ext cx="805210" cy="529394"/>
-            </a:xfrm>
-            <a:prstGeom prst="bentConnector3">
-              <a:avLst>
-                <a:gd name="adj1" fmla="val 99683"/>
-              </a:avLst>
-            </a:prstGeom>
-            <a:ln w="19050">
-              <a:solidFill>
-                <a:schemeClr val="accent5"/>
-              </a:solidFill>
-              <a:prstDash val="sysDot"/>
-              <a:tailEnd type="triangle"/>
-            </a:ln>
-          </p:spPr>
-          <p:style>
-            <a:lnRef idx="1">
-              <a:schemeClr val="accent3"/>
-            </a:lnRef>
-            <a:fillRef idx="0">
-              <a:schemeClr val="accent3"/>
-            </a:fillRef>
-            <a:effectRef idx="0">
-              <a:schemeClr val="accent3"/>
-            </a:effectRef>
-            <a:fontRef idx="minor">
-              <a:schemeClr val="tx1"/>
-            </a:fontRef>
-          </p:style>
-        </p:cxnSp>
-        <p:grpSp>
-          <p:nvGrpSpPr>
-            <p:cNvPr id="23" name="Group 22">
-              <a:extLst>
-                <a:ext uri="{FF2B5EF4-FFF2-40B4-BE49-F238E27FC236}">
-                  <a16:creationId xmlns:a16="http://schemas.microsoft.com/office/drawing/2014/main" id="{CC4F9785-C271-40BF-BC7F-D1BBE5B25C71}"/>
-                </a:ext>
-              </a:extLst>
-            </p:cNvPr>
-            <p:cNvGrpSpPr/>
-            <p:nvPr/>
-          </p:nvGrpSpPr>
-          <p:grpSpPr>
-            <a:xfrm>
-              <a:off x="2281851" y="4926854"/>
-              <a:ext cx="1546662" cy="846997"/>
-              <a:chOff x="2281851" y="4553445"/>
-              <a:chExt cx="1546662" cy="846997"/>
-            </a:xfrm>
-          </p:grpSpPr>
-          <p:pic>
-            <p:nvPicPr>
-              <p:cNvPr id="100" name="Picture 99">
-                <a:extLst>
-                  <a:ext uri="{FF2B5EF4-FFF2-40B4-BE49-F238E27FC236}">
-                    <a16:creationId xmlns:a16="http://schemas.microsoft.com/office/drawing/2014/main" id="{80340BD3-0E48-4FC3-94E3-454F3B2CFE70}"/>
-                  </a:ext>
-                </a:extLst>
-              </p:cNvPr>
-              <p:cNvPicPr>
-                <a:picLocks noChangeAspect="1"/>
-              </p:cNvPicPr>
-              <p:nvPr/>
-            </p:nvPicPr>
-            <p:blipFill>
-              <a:blip r:embed="rId8"/>
-              <a:stretch>
-                <a:fillRect/>
-              </a:stretch>
-            </p:blipFill>
-            <p:spPr>
-              <a:xfrm>
-                <a:off x="2763228" y="4553445"/>
-                <a:ext cx="583908" cy="455858"/>
-              </a:xfrm>
-              <a:prstGeom prst="rect">
-                <a:avLst/>
-              </a:prstGeom>
-            </p:spPr>
-          </p:pic>
-          <p:sp>
-            <p:nvSpPr>
-              <p:cNvPr id="101" name="Rectangle 100">
-                <a:extLst>
-                  <a:ext uri="{FF2B5EF4-FFF2-40B4-BE49-F238E27FC236}">
-                    <a16:creationId xmlns:a16="http://schemas.microsoft.com/office/drawing/2014/main" id="{8676A514-6DD0-483F-9F5D-3DC6FDBC6C38}"/>
-                  </a:ext>
-                </a:extLst>
-              </p:cNvPr>
-              <p:cNvSpPr/>
-              <p:nvPr/>
-            </p:nvSpPr>
-            <p:spPr>
-              <a:xfrm rot="5400000">
-                <a:off x="2836381" y="4408310"/>
-                <a:ext cx="437602" cy="1546662"/>
-              </a:xfrm>
-              <a:prstGeom prst="rect">
-                <a:avLst/>
-              </a:prstGeom>
-              <a:noFill/>
-              <a:ln w="19050">
-                <a:noFill/>
-              </a:ln>
-            </p:spPr>
-            <p:style>
-              <a:lnRef idx="2">
-                <a:schemeClr val="accent2"/>
-              </a:lnRef>
-              <a:fillRef idx="1">
-                <a:schemeClr val="lt1"/>
-              </a:fillRef>
-              <a:effectRef idx="0">
-                <a:schemeClr val="accent2"/>
-              </a:effectRef>
-              <a:fontRef idx="minor">
-                <a:schemeClr val="dk1"/>
-              </a:fontRef>
-            </p:style>
-            <p:txBody>
-              <a:bodyPr vert="vert270" rtlCol="0" anchor="t"/>
-              <a:lstStyle/>
-              <a:p>
-                <a:pPr algn="ctr"/>
-                <a:r>
-                  <a:rPr lang="en-US" sz="1050" b="1" dirty="0">
-                    <a:solidFill>
-                      <a:srgbClr val="080808"/>
-                    </a:solidFill>
-                    <a:latin typeface="Segoe UI (Body)"/>
-                    <a:cs typeface="Tahoma"/>
-                  </a:rPr>
-                  <a:t>Scale Out</a:t>
-                </a:r>
-                <a:endParaRPr lang="en-BE" sz="1050" b="1" dirty="0" err="1">
-                  <a:solidFill>
-                    <a:srgbClr val="080808"/>
-                  </a:solidFill>
-                  <a:latin typeface="Segoe UI (Body)"/>
-                  <a:cs typeface="Tahoma"/>
-                </a:endParaRPr>
-              </a:p>
-            </p:txBody>
-          </p:sp>
-        </p:grpSp>
-        <p:grpSp>
-          <p:nvGrpSpPr>
-            <p:cNvPr id="28" name="Group 27">
-              <a:extLst>
-                <a:ext uri="{FF2B5EF4-FFF2-40B4-BE49-F238E27FC236}">
-                  <a16:creationId xmlns:a16="http://schemas.microsoft.com/office/drawing/2014/main" id="{A5A02383-B128-4B3E-8B58-9313CABAB90E}"/>
-                </a:ext>
-              </a:extLst>
-            </p:cNvPr>
-            <p:cNvGrpSpPr/>
-            <p:nvPr/>
-          </p:nvGrpSpPr>
-          <p:grpSpPr>
-            <a:xfrm>
-              <a:off x="8504622" y="4926855"/>
-              <a:ext cx="1546662" cy="844242"/>
-              <a:chOff x="8504622" y="4553446"/>
-              <a:chExt cx="1546662" cy="844242"/>
-            </a:xfrm>
-          </p:grpSpPr>
-          <p:pic>
-            <p:nvPicPr>
-              <p:cNvPr id="103" name="Picture 102">
-                <a:extLst>
-                  <a:ext uri="{FF2B5EF4-FFF2-40B4-BE49-F238E27FC236}">
-                    <a16:creationId xmlns:a16="http://schemas.microsoft.com/office/drawing/2014/main" id="{84D7E7D6-2F5E-45B3-87C0-30CC904C72A6}"/>
-                  </a:ext>
-                </a:extLst>
-              </p:cNvPr>
-              <p:cNvPicPr>
-                <a:picLocks noChangeAspect="1"/>
-              </p:cNvPicPr>
-              <p:nvPr/>
-            </p:nvPicPr>
-            <p:blipFill>
-              <a:blip r:embed="rId8"/>
-              <a:stretch>
-                <a:fillRect/>
-              </a:stretch>
-            </p:blipFill>
-            <p:spPr>
-              <a:xfrm>
-                <a:off x="8986000" y="4553446"/>
-                <a:ext cx="583906" cy="455856"/>
-              </a:xfrm>
-              <a:prstGeom prst="rect">
-                <a:avLst/>
-              </a:prstGeom>
-            </p:spPr>
-          </p:pic>
-          <p:sp>
-            <p:nvSpPr>
-              <p:cNvPr id="108" name="Rectangle 107">
-                <a:extLst>
-                  <a:ext uri="{FF2B5EF4-FFF2-40B4-BE49-F238E27FC236}">
-                    <a16:creationId xmlns:a16="http://schemas.microsoft.com/office/drawing/2014/main" id="{806D4719-98F1-49AD-8577-723C4A0A837F}"/>
-                  </a:ext>
-                </a:extLst>
-              </p:cNvPr>
-              <p:cNvSpPr/>
-              <p:nvPr/>
-            </p:nvSpPr>
-            <p:spPr>
-              <a:xfrm rot="5400000">
-                <a:off x="9059152" y="4405556"/>
-                <a:ext cx="437602" cy="1546662"/>
-              </a:xfrm>
-              <a:prstGeom prst="rect">
-                <a:avLst/>
-              </a:prstGeom>
-              <a:noFill/>
-              <a:ln w="19050">
-                <a:noFill/>
-              </a:ln>
-            </p:spPr>
-            <p:style>
-              <a:lnRef idx="2">
-                <a:schemeClr val="accent2"/>
-              </a:lnRef>
-              <a:fillRef idx="1">
-                <a:schemeClr val="lt1"/>
-              </a:fillRef>
-              <a:effectRef idx="0">
-                <a:schemeClr val="accent2"/>
-              </a:effectRef>
-              <a:fontRef idx="minor">
-                <a:schemeClr val="dk1"/>
-              </a:fontRef>
-            </p:style>
-            <p:txBody>
-              <a:bodyPr vert="vert270" rtlCol="0" anchor="t"/>
-              <a:lstStyle/>
-              <a:p>
-                <a:pPr algn="ctr"/>
-                <a:r>
-                  <a:rPr lang="en-US" sz="1050" b="1" dirty="0">
-                    <a:solidFill>
-                      <a:srgbClr val="080808"/>
-                    </a:solidFill>
-                    <a:latin typeface="Segoe UI (Body)"/>
-                    <a:cs typeface="Tahoma"/>
-                  </a:rPr>
-                  <a:t>Scale In</a:t>
-                </a:r>
-                <a:endParaRPr lang="en-BE" sz="1050" b="1" dirty="0" err="1">
-                  <a:solidFill>
-                    <a:srgbClr val="080808"/>
-                  </a:solidFill>
-                  <a:latin typeface="Segoe UI (Body)"/>
-                  <a:cs typeface="Tahoma"/>
-                </a:endParaRPr>
-              </a:p>
-            </p:txBody>
-          </p:sp>
-        </p:grpSp>
-        <p:cxnSp>
-          <p:nvCxnSpPr>
-            <p:cNvPr id="111" name="Connector: Elbow 110">
-              <a:extLst>
-                <a:ext uri="{FF2B5EF4-FFF2-40B4-BE49-F238E27FC236}">
-                  <a16:creationId xmlns:a16="http://schemas.microsoft.com/office/drawing/2014/main" id="{A7C30A02-B126-4BA1-AF0D-B100A74FE28A}"/>
-                </a:ext>
-              </a:extLst>
-            </p:cNvPr>
-            <p:cNvCxnSpPr>
-              <a:cxnSpLocks/>
-              <a:stCxn id="62" idx="3"/>
-              <a:endCxn id="103" idx="1"/>
-            </p:cNvCxnSpPr>
-            <p:nvPr/>
-          </p:nvCxnSpPr>
-          <p:spPr>
-            <a:xfrm>
-              <a:off x="7607327" y="5154783"/>
-              <a:ext cx="1378673" cy="0"/>
-            </a:xfrm>
-            <a:prstGeom prst="straightConnector1">
-              <a:avLst/>
-            </a:prstGeom>
-            <a:ln w="19050">
-              <a:solidFill>
-                <a:schemeClr val="accent5"/>
-              </a:solidFill>
-              <a:prstDash val="solid"/>
-              <a:tailEnd type="triangle"/>
-            </a:ln>
-          </p:spPr>
-          <p:style>
-            <a:lnRef idx="1">
-              <a:schemeClr val="accent3"/>
-            </a:lnRef>
-            <a:fillRef idx="0">
-              <a:schemeClr val="accent3"/>
-            </a:fillRef>
-            <a:effectRef idx="0">
-              <a:schemeClr val="accent3"/>
-            </a:effectRef>
-            <a:fontRef idx="minor">
-              <a:schemeClr val="tx1"/>
-            </a:fontRef>
-          </p:style>
-        </p:cxnSp>
-        <p:cxnSp>
-          <p:nvCxnSpPr>
-            <p:cNvPr id="112" name="Connector: Elbow 110">
-              <a:extLst>
-                <a:ext uri="{FF2B5EF4-FFF2-40B4-BE49-F238E27FC236}">
-                  <a16:creationId xmlns:a16="http://schemas.microsoft.com/office/drawing/2014/main" id="{59C30902-3835-43DF-B681-95A5128C802D}"/>
-                </a:ext>
-              </a:extLst>
-            </p:cNvPr>
-            <p:cNvCxnSpPr>
-              <a:cxnSpLocks/>
-              <a:endCxn id="100" idx="3"/>
-            </p:cNvCxnSpPr>
-            <p:nvPr/>
-          </p:nvCxnSpPr>
-          <p:spPr>
-            <a:xfrm flipH="1">
-              <a:off x="3347136" y="5154783"/>
-              <a:ext cx="1254710" cy="0"/>
-            </a:xfrm>
-            <a:prstGeom prst="straightConnector1">
-              <a:avLst/>
-            </a:prstGeom>
-            <a:ln w="19050">
-              <a:solidFill>
-                <a:schemeClr val="accent5"/>
-              </a:solidFill>
-              <a:prstDash val="solid"/>
-              <a:tailEnd type="triangle"/>
-            </a:ln>
-          </p:spPr>
-          <p:style>
-            <a:lnRef idx="1">
-              <a:schemeClr val="accent3"/>
-            </a:lnRef>
-            <a:fillRef idx="0">
-              <a:schemeClr val="accent3"/>
-            </a:fillRef>
-            <a:effectRef idx="0">
-              <a:schemeClr val="accent3"/>
-            </a:effectRef>
-            <a:fontRef idx="minor">
-              <a:schemeClr val="tx1"/>
-            </a:fontRef>
-          </p:style>
-        </p:cxnSp>
-        <p:grpSp>
-          <p:nvGrpSpPr>
-            <p:cNvPr id="48" name="Group 47">
-              <a:extLst>
-                <a:ext uri="{FF2B5EF4-FFF2-40B4-BE49-F238E27FC236}">
-                  <a16:creationId xmlns:a16="http://schemas.microsoft.com/office/drawing/2014/main" id="{86A55FCC-1B62-47DB-B171-6601EEC301EC}"/>
-                </a:ext>
-              </a:extLst>
-            </p:cNvPr>
-            <p:cNvGrpSpPr/>
-            <p:nvPr/>
-          </p:nvGrpSpPr>
-          <p:grpSpPr>
-            <a:xfrm>
-              <a:off x="2092925" y="5771097"/>
-              <a:ext cx="1814968" cy="865891"/>
-              <a:chOff x="2092925" y="5656397"/>
-              <a:chExt cx="1814968" cy="865891"/>
-            </a:xfrm>
-          </p:grpSpPr>
-          <p:pic>
-            <p:nvPicPr>
-              <p:cNvPr id="93" name="Picture 92">
-                <a:extLst>
-                  <a:ext uri="{FF2B5EF4-FFF2-40B4-BE49-F238E27FC236}">
-                    <a16:creationId xmlns:a16="http://schemas.microsoft.com/office/drawing/2014/main" id="{EB8C1937-E4A0-4EF6-BC40-3BD994591070}"/>
-                  </a:ext>
-                </a:extLst>
-              </p:cNvPr>
-              <p:cNvPicPr>
-                <a:picLocks noChangeAspect="1"/>
-              </p:cNvPicPr>
-              <p:nvPr/>
-            </p:nvPicPr>
-            <p:blipFill>
-              <a:blip r:embed="rId10"/>
-              <a:stretch>
-                <a:fillRect/>
-              </a:stretch>
-            </p:blipFill>
-            <p:spPr>
-              <a:xfrm>
-                <a:off x="2763228" y="5656397"/>
-                <a:ext cx="474362" cy="404308"/>
-              </a:xfrm>
-              <a:prstGeom prst="rect">
-                <a:avLst/>
-              </a:prstGeom>
-            </p:spPr>
-          </p:pic>
-          <p:sp>
-            <p:nvSpPr>
-              <p:cNvPr id="188" name="Rectangle 187">
-                <a:extLst>
-                  <a:ext uri="{FF2B5EF4-FFF2-40B4-BE49-F238E27FC236}">
-                    <a16:creationId xmlns:a16="http://schemas.microsoft.com/office/drawing/2014/main" id="{846F9722-6605-43DF-848B-998099F44944}"/>
-                  </a:ext>
-                </a:extLst>
-              </p:cNvPr>
-              <p:cNvSpPr/>
-              <p:nvPr/>
-            </p:nvSpPr>
-            <p:spPr>
-              <a:xfrm rot="5400000">
-                <a:off x="2781608" y="5396003"/>
-                <a:ext cx="437602" cy="1814968"/>
-              </a:xfrm>
-              <a:prstGeom prst="rect">
-                <a:avLst/>
-              </a:prstGeom>
-              <a:noFill/>
-              <a:ln w="19050">
-                <a:noFill/>
-              </a:ln>
-            </p:spPr>
-            <p:style>
-              <a:lnRef idx="2">
-                <a:schemeClr val="accent2"/>
-              </a:lnRef>
-              <a:fillRef idx="1">
-                <a:schemeClr val="lt1"/>
-              </a:fillRef>
-              <a:effectRef idx="0">
-                <a:schemeClr val="accent2"/>
-              </a:effectRef>
-              <a:fontRef idx="minor">
-                <a:schemeClr val="dk1"/>
-              </a:fontRef>
-            </p:style>
-            <p:txBody>
-              <a:bodyPr vert="vert270" rtlCol="0" anchor="ctr"/>
-              <a:lstStyle/>
-              <a:p>
-                <a:pPr algn="ctr"/>
-                <a:r>
-                  <a:rPr lang="en-US" sz="1100" dirty="0">
-                    <a:solidFill>
-                      <a:srgbClr val="080808"/>
-                    </a:solidFill>
-                    <a:latin typeface="Segoe UI (Body)"/>
-                    <a:cs typeface="Tahoma"/>
-                  </a:rPr>
-                  <a:t>Deployment Template</a:t>
-                </a:r>
-                <a:br>
-                  <a:rPr lang="en-US" sz="1100" dirty="0">
-                    <a:solidFill>
-                      <a:srgbClr val="080808"/>
-                    </a:solidFill>
-                    <a:latin typeface="Segoe UI (Body)"/>
-                    <a:cs typeface="Tahoma"/>
-                  </a:rPr>
-                </a:br>
-                <a:r>
-                  <a:rPr lang="en-US" sz="1100" dirty="0">
-                    <a:solidFill>
-                      <a:srgbClr val="080808"/>
-                    </a:solidFill>
-                    <a:latin typeface="Segoe UI (Body)"/>
-                    <a:cs typeface="Tahoma"/>
-                  </a:rPr>
-                  <a:t>Catalog</a:t>
-                </a:r>
-                <a:endParaRPr lang="en-BE" sz="1100" dirty="0" err="1">
-                  <a:solidFill>
-                    <a:srgbClr val="080808"/>
-                  </a:solidFill>
-                  <a:latin typeface="Segoe UI (Body)"/>
-                  <a:cs typeface="Tahoma"/>
-                </a:endParaRPr>
-              </a:p>
-            </p:txBody>
-          </p:sp>
-        </p:grpSp>
-        <p:sp>
-          <p:nvSpPr>
-            <p:cNvPr id="44" name="Oval 43">
-              <a:extLst>
-                <a:ext uri="{FF2B5EF4-FFF2-40B4-BE49-F238E27FC236}">
-                  <a16:creationId xmlns:a16="http://schemas.microsoft.com/office/drawing/2014/main" id="{52D19C66-EED4-4C79-95C0-1EC3EBBD84A7}"/>
-                </a:ext>
-              </a:extLst>
-            </p:cNvPr>
-            <p:cNvSpPr/>
-            <p:nvPr/>
-          </p:nvSpPr>
-          <p:spPr>
-            <a:xfrm>
-              <a:off x="6000762" y="4887573"/>
-              <a:ext cx="202242" cy="194557"/>
-            </a:xfrm>
-            <a:prstGeom prst="ellipse">
-              <a:avLst/>
-            </a:prstGeom>
-            <a:ln w="12700"/>
-          </p:spPr>
-          <p:style>
-            <a:lnRef idx="2">
-              <a:schemeClr val="dk1"/>
-            </a:lnRef>
-            <a:fillRef idx="1">
-              <a:schemeClr val="lt1"/>
-            </a:fillRef>
-            <a:effectRef idx="0">
-              <a:schemeClr val="dk1"/>
-            </a:effectRef>
-            <a:fontRef idx="minor">
-              <a:schemeClr val="dk1"/>
-            </a:fontRef>
-          </p:style>
-          <p:txBody>
-            <a:bodyPr rtlCol="0" anchor="ctr"/>
-            <a:lstStyle/>
-            <a:p>
-              <a:pPr algn="ctr"/>
-              <a:r>
-                <a:rPr lang="en-US" sz="1400" dirty="0">
-                  <a:solidFill>
-                    <a:srgbClr val="080808"/>
-                  </a:solidFill>
-                  <a:cs typeface="Tahoma"/>
-                </a:rPr>
-                <a:t>3</a:t>
-              </a:r>
-              <a:endParaRPr lang="LID4096" sz="1400" dirty="0" err="1">
+        </p:nvSpPr>
+        <p:spPr>
+          <a:xfrm>
+            <a:off x="3525150" y="5061175"/>
+            <a:ext cx="202242" cy="194557"/>
+          </a:xfrm>
+          <a:prstGeom prst="ellipse">
+            <a:avLst/>
+          </a:prstGeom>
+          <a:ln w="12700"/>
+        </p:spPr>
+        <p:style>
+          <a:lnRef idx="2">
+            <a:schemeClr val="dk1"/>
+          </a:lnRef>
+          <a:fillRef idx="1">
+            <a:schemeClr val="lt1"/>
+          </a:fillRef>
+          <a:effectRef idx="0">
+            <a:schemeClr val="dk1"/>
+          </a:effectRef>
+          <a:fontRef idx="minor">
+            <a:schemeClr val="dk1"/>
+          </a:fontRef>
+        </p:style>
+        <p:txBody>
+          <a:bodyPr rtlCol="0" anchor="ctr"/>
+          <a:lstStyle/>
+          <a:p>
+            <a:pPr algn="ctr"/>
+            <a:r>
+              <a:rPr lang="en-US" sz="1400" dirty="0">
                 <a:solidFill>
                   <a:srgbClr val="080808"/>
                 </a:solidFill>
                 <a:cs typeface="Tahoma"/>
-              </a:endParaRPr>
-            </a:p>
-          </p:txBody>
-        </p:sp>
-        <p:sp>
-          <p:nvSpPr>
-            <p:cNvPr id="45" name="Oval 44">
-              <a:extLst>
-                <a:ext uri="{FF2B5EF4-FFF2-40B4-BE49-F238E27FC236}">
-                  <a16:creationId xmlns:a16="http://schemas.microsoft.com/office/drawing/2014/main" id="{9604885A-B68A-48BB-8898-CD5C96CF5ADC}"/>
-                </a:ext>
-              </a:extLst>
-            </p:cNvPr>
-            <p:cNvSpPr/>
-            <p:nvPr/>
-          </p:nvSpPr>
-          <p:spPr>
-            <a:xfrm>
-              <a:off x="2063757" y="4885785"/>
-              <a:ext cx="192024" cy="194557"/>
-            </a:xfrm>
-            <a:prstGeom prst="ellipse">
-              <a:avLst/>
-            </a:prstGeom>
-            <a:ln w="12700"/>
-          </p:spPr>
-          <p:style>
-            <a:lnRef idx="2">
-              <a:schemeClr val="dk1"/>
-            </a:lnRef>
-            <a:fillRef idx="1">
-              <a:schemeClr val="lt1"/>
-            </a:fillRef>
-            <a:effectRef idx="0">
-              <a:schemeClr val="dk1"/>
-            </a:effectRef>
-            <a:fontRef idx="minor">
-              <a:schemeClr val="dk1"/>
-            </a:fontRef>
-          </p:style>
-          <p:txBody>
-            <a:bodyPr rtlCol="0" anchor="ctr"/>
-            <a:lstStyle/>
-            <a:p>
-              <a:pPr algn="ctr"/>
-              <a:r>
-                <a:rPr lang="en-US" sz="1400" dirty="0">
-                  <a:solidFill>
-                    <a:srgbClr val="080808"/>
-                  </a:solidFill>
-                  <a:cs typeface="Tahoma"/>
-                </a:rPr>
-                <a:t>5</a:t>
-              </a:r>
-              <a:endParaRPr lang="LID4096" sz="1400" dirty="0" err="1">
+              </a:rPr>
+              <a:t>4</a:t>
+            </a:r>
+            <a:endParaRPr lang="LID4096" sz="1400" dirty="0" err="1">
+              <a:solidFill>
+                <a:srgbClr val="080808"/>
+              </a:solidFill>
+              <a:cs typeface="Tahoma"/>
+            </a:endParaRPr>
+          </a:p>
+        </p:txBody>
+      </p:sp>
+      <p:sp>
+        <p:nvSpPr>
+          <p:cNvPr id="46" name="Oval 45">
+            <a:extLst>
+              <a:ext uri="{FF2B5EF4-FFF2-40B4-BE49-F238E27FC236}">
+                <a16:creationId xmlns:a16="http://schemas.microsoft.com/office/drawing/2014/main" id="{1C46153B-1E86-43AE-890A-B25987E43972}"/>
+              </a:ext>
+            </a:extLst>
+          </p:cNvPr>
+          <p:cNvSpPr/>
+          <p:nvPr/>
+        </p:nvSpPr>
+        <p:spPr>
+          <a:xfrm>
+            <a:off x="988757" y="3495997"/>
+            <a:ext cx="202242" cy="194557"/>
+          </a:xfrm>
+          <a:prstGeom prst="ellipse">
+            <a:avLst/>
+          </a:prstGeom>
+          <a:ln w="12700"/>
+        </p:spPr>
+        <p:style>
+          <a:lnRef idx="2">
+            <a:schemeClr val="dk1"/>
+          </a:lnRef>
+          <a:fillRef idx="1">
+            <a:schemeClr val="lt1"/>
+          </a:fillRef>
+          <a:effectRef idx="0">
+            <a:schemeClr val="dk1"/>
+          </a:effectRef>
+          <a:fontRef idx="minor">
+            <a:schemeClr val="dk1"/>
+          </a:fontRef>
+        </p:style>
+        <p:txBody>
+          <a:bodyPr rtlCol="0" anchor="ctr"/>
+          <a:lstStyle/>
+          <a:p>
+            <a:pPr algn="ctr"/>
+            <a:r>
+              <a:rPr lang="en-US" sz="1400" dirty="0">
                 <a:solidFill>
                   <a:srgbClr val="080808"/>
                 </a:solidFill>
                 <a:cs typeface="Tahoma"/>
-              </a:endParaRPr>
-            </a:p>
-          </p:txBody>
-        </p:sp>
-        <p:sp>
-          <p:nvSpPr>
-            <p:cNvPr id="95" name="Oval 94">
-              <a:extLst>
-                <a:ext uri="{FF2B5EF4-FFF2-40B4-BE49-F238E27FC236}">
-                  <a16:creationId xmlns:a16="http://schemas.microsoft.com/office/drawing/2014/main" id="{FB2DECD0-61C4-4D04-BDB0-B6DE5F85A0E3}"/>
-                </a:ext>
-              </a:extLst>
-            </p:cNvPr>
-            <p:cNvSpPr/>
-            <p:nvPr/>
-          </p:nvSpPr>
-          <p:spPr>
-            <a:xfrm>
-              <a:off x="10059710" y="4887573"/>
-              <a:ext cx="202242" cy="194557"/>
-            </a:xfrm>
-            <a:prstGeom prst="ellipse">
-              <a:avLst/>
-            </a:prstGeom>
-            <a:ln w="12700"/>
-          </p:spPr>
-          <p:style>
-            <a:lnRef idx="2">
-              <a:schemeClr val="dk1"/>
-            </a:lnRef>
-            <a:fillRef idx="1">
-              <a:schemeClr val="lt1"/>
-            </a:fillRef>
-            <a:effectRef idx="0">
-              <a:schemeClr val="dk1"/>
-            </a:effectRef>
-            <a:fontRef idx="minor">
-              <a:schemeClr val="dk1"/>
-            </a:fontRef>
-          </p:style>
-          <p:txBody>
-            <a:bodyPr rtlCol="0" anchor="ctr"/>
-            <a:lstStyle/>
-            <a:p>
-              <a:pPr algn="ctr"/>
-              <a:r>
-                <a:rPr lang="en-US" sz="1400" dirty="0">
-                  <a:solidFill>
-                    <a:srgbClr val="080808"/>
-                  </a:solidFill>
-                  <a:cs typeface="Tahoma"/>
-                </a:rPr>
-                <a:t>4</a:t>
-              </a:r>
-              <a:endParaRPr lang="LID4096" sz="1400" dirty="0" err="1">
-                <a:solidFill>
-                  <a:srgbClr val="080808"/>
-                </a:solidFill>
-                <a:cs typeface="Tahoma"/>
-              </a:endParaRPr>
-            </a:p>
-          </p:txBody>
-        </p:sp>
-      </p:grpSp>
-      <p:cxnSp>
-        <p:nvCxnSpPr>
-          <p:cNvPr id="122" name="Connector: Elbow 110">
-            <a:extLst>
-              <a:ext uri="{FF2B5EF4-FFF2-40B4-BE49-F238E27FC236}">
-                <a16:creationId xmlns:a16="http://schemas.microsoft.com/office/drawing/2014/main" id="{F61CBF00-2D4A-4B8E-95F0-054C3C7ACC63}"/>
-              </a:ext>
-            </a:extLst>
-          </p:cNvPr>
-          <p:cNvCxnSpPr>
-            <a:cxnSpLocks/>
-            <a:stCxn id="100" idx="1"/>
-            <a:endCxn id="201" idx="3"/>
-          </p:cNvCxnSpPr>
-          <p:nvPr/>
-        </p:nvCxnSpPr>
-        <p:spPr>
-          <a:xfrm rot="10800000">
-            <a:off x="773248" y="3482081"/>
-            <a:ext cx="1989980" cy="1672703"/>
-          </a:xfrm>
-          <a:prstGeom prst="bentConnector2">
-            <a:avLst/>
-          </a:prstGeom>
-          <a:ln w="19050">
-            <a:solidFill>
-              <a:schemeClr val="accent5"/>
-            </a:solidFill>
-            <a:prstDash val="solid"/>
-            <a:tailEnd type="triangle"/>
-          </a:ln>
-        </p:spPr>
-        <p:style>
-          <a:lnRef idx="1">
-            <a:schemeClr val="accent3"/>
-          </a:lnRef>
-          <a:fillRef idx="0">
-            <a:schemeClr val="accent3"/>
-          </a:fillRef>
-          <a:effectRef idx="0">
-            <a:schemeClr val="accent3"/>
-          </a:effectRef>
-          <a:fontRef idx="minor">
-            <a:schemeClr val="tx1"/>
-          </a:fontRef>
-        </p:style>
-      </p:cxnSp>
-      <p:cxnSp>
-        <p:nvCxnSpPr>
-          <p:cNvPr id="130" name="Connector: Elbow 129">
-            <a:extLst>
-              <a:ext uri="{FF2B5EF4-FFF2-40B4-BE49-F238E27FC236}">
-                <a16:creationId xmlns:a16="http://schemas.microsoft.com/office/drawing/2014/main" id="{1F24883C-9F99-43FE-AF1F-BBBC4D237694}"/>
-              </a:ext>
-            </a:extLst>
-          </p:cNvPr>
-          <p:cNvCxnSpPr>
-            <a:cxnSpLocks/>
-            <a:endCxn id="93" idx="1"/>
-          </p:cNvCxnSpPr>
-          <p:nvPr/>
-        </p:nvCxnSpPr>
-        <p:spPr>
-          <a:xfrm rot="16200000" flipH="1">
-            <a:off x="499879" y="3709902"/>
-            <a:ext cx="2415090" cy="2111608"/>
-          </a:xfrm>
-          <a:prstGeom prst="bentConnector2">
-            <a:avLst/>
-          </a:prstGeom>
-          <a:ln w="19050">
-            <a:solidFill>
-              <a:schemeClr val="accent5"/>
-            </a:solidFill>
-            <a:prstDash val="sysDot"/>
-            <a:tailEnd type="triangle"/>
-          </a:ln>
-        </p:spPr>
-        <p:style>
-          <a:lnRef idx="1">
-            <a:schemeClr val="accent3"/>
-          </a:lnRef>
-          <a:fillRef idx="0">
-            <a:schemeClr val="accent3"/>
-          </a:fillRef>
-          <a:effectRef idx="0">
-            <a:schemeClr val="accent3"/>
-          </a:effectRef>
-          <a:fontRef idx="minor">
-            <a:schemeClr val="tx1"/>
-          </a:fontRef>
-        </p:style>
-      </p:cxnSp>
-      <p:cxnSp>
-        <p:nvCxnSpPr>
-          <p:cNvPr id="119" name="Connector: Elbow 110">
-            <a:extLst>
-              <a:ext uri="{FF2B5EF4-FFF2-40B4-BE49-F238E27FC236}">
-                <a16:creationId xmlns:a16="http://schemas.microsoft.com/office/drawing/2014/main" id="{0C30A895-D198-4F9C-88DD-F3CC45D71CB4}"/>
-              </a:ext>
-            </a:extLst>
-          </p:cNvPr>
-          <p:cNvCxnSpPr>
-            <a:cxnSpLocks/>
-            <a:stCxn id="103" idx="3"/>
-            <a:endCxn id="13" idx="3"/>
-          </p:cNvCxnSpPr>
-          <p:nvPr/>
-        </p:nvCxnSpPr>
-        <p:spPr>
-          <a:xfrm flipV="1">
-            <a:off x="9569906" y="1266957"/>
-            <a:ext cx="1066465" cy="3887826"/>
-          </a:xfrm>
-          <a:prstGeom prst="bentConnector3">
-            <a:avLst>
-              <a:gd name="adj1" fmla="val 121435"/>
-            </a:avLst>
-          </a:prstGeom>
-          <a:ln w="19050">
-            <a:solidFill>
-              <a:schemeClr val="accent5"/>
-            </a:solidFill>
-            <a:prstDash val="solid"/>
-            <a:tailEnd type="triangle"/>
-          </a:ln>
-        </p:spPr>
-        <p:style>
-          <a:lnRef idx="1">
-            <a:schemeClr val="accent3"/>
-          </a:lnRef>
-          <a:fillRef idx="0">
-            <a:schemeClr val="accent3"/>
-          </a:fillRef>
-          <a:effectRef idx="0">
-            <a:schemeClr val="accent3"/>
-          </a:effectRef>
-          <a:fontRef idx="minor">
-            <a:schemeClr val="tx1"/>
-          </a:fontRef>
-        </p:style>
-      </p:cxnSp>
-      <p:cxnSp>
-        <p:nvCxnSpPr>
-          <p:cNvPr id="162" name="Connector: Elbow 161">
-            <a:extLst>
-              <a:ext uri="{FF2B5EF4-FFF2-40B4-BE49-F238E27FC236}">
-                <a16:creationId xmlns:a16="http://schemas.microsoft.com/office/drawing/2014/main" id="{7C04F6AB-144B-4DD6-8608-33AD2C170864}"/>
-              </a:ext>
-            </a:extLst>
-          </p:cNvPr>
-          <p:cNvCxnSpPr>
-            <a:cxnSpLocks/>
-            <a:stCxn id="136" idx="2"/>
-            <a:endCxn id="22" idx="0"/>
-          </p:cNvCxnSpPr>
-          <p:nvPr/>
-        </p:nvCxnSpPr>
-        <p:spPr>
-          <a:xfrm rot="5400000">
-            <a:off x="5169880" y="1920251"/>
-            <a:ext cx="771231" cy="1081001"/>
-          </a:xfrm>
-          <a:prstGeom prst="bentConnector3">
-            <a:avLst>
-              <a:gd name="adj1" fmla="val 50000"/>
-            </a:avLst>
-          </a:prstGeom>
-          <a:ln w="19050">
-            <a:solidFill>
-              <a:schemeClr val="accent5"/>
-            </a:solidFill>
-            <a:prstDash val="sysDot"/>
-            <a:tailEnd type="triangle"/>
-          </a:ln>
-        </p:spPr>
-        <p:style>
-          <a:lnRef idx="1">
-            <a:schemeClr val="accent3"/>
-          </a:lnRef>
-          <a:fillRef idx="0">
-            <a:schemeClr val="accent3"/>
-          </a:fillRef>
-          <a:effectRef idx="0">
-            <a:schemeClr val="accent3"/>
-          </a:effectRef>
-          <a:fontRef idx="minor">
-            <a:schemeClr val="tx1"/>
-          </a:fontRef>
-        </p:style>
-      </p:cxnSp>
-      <p:cxnSp>
-        <p:nvCxnSpPr>
-          <p:cNvPr id="168" name="Connector: Elbow 167">
-            <a:extLst>
-              <a:ext uri="{FF2B5EF4-FFF2-40B4-BE49-F238E27FC236}">
-                <a16:creationId xmlns:a16="http://schemas.microsoft.com/office/drawing/2014/main" id="{D2A783FA-776D-4C77-B939-62EE2DFAF96E}"/>
-              </a:ext>
-            </a:extLst>
-          </p:cNvPr>
-          <p:cNvCxnSpPr>
-            <a:cxnSpLocks/>
-            <a:stCxn id="136" idx="2"/>
-            <a:endCxn id="38" idx="0"/>
-          </p:cNvCxnSpPr>
-          <p:nvPr/>
-        </p:nvCxnSpPr>
-        <p:spPr>
-          <a:xfrm rot="16200000" flipH="1">
-            <a:off x="6327606" y="1843525"/>
-            <a:ext cx="756154" cy="1219376"/>
-          </a:xfrm>
-          <a:prstGeom prst="bentConnector3">
-            <a:avLst>
-              <a:gd name="adj1" fmla="val 50000"/>
-            </a:avLst>
-          </a:prstGeom>
-          <a:ln w="19050">
-            <a:solidFill>
-              <a:schemeClr val="accent5"/>
-            </a:solidFill>
-            <a:prstDash val="sysDot"/>
-            <a:tailEnd type="triangle"/>
-          </a:ln>
-        </p:spPr>
-        <p:style>
-          <a:lnRef idx="1">
-            <a:schemeClr val="accent3"/>
-          </a:lnRef>
-          <a:fillRef idx="0">
-            <a:schemeClr val="accent3"/>
-          </a:fillRef>
-          <a:effectRef idx="0">
-            <a:schemeClr val="accent3"/>
-          </a:effectRef>
-          <a:fontRef idx="minor">
-            <a:schemeClr val="tx1"/>
-          </a:fontRef>
-        </p:style>
-      </p:cxnSp>
-      <p:cxnSp>
-        <p:nvCxnSpPr>
-          <p:cNvPr id="171" name="Connector: Elbow 110">
-            <a:extLst>
-              <a:ext uri="{FF2B5EF4-FFF2-40B4-BE49-F238E27FC236}">
-                <a16:creationId xmlns:a16="http://schemas.microsoft.com/office/drawing/2014/main" id="{94D0376E-6CB6-4018-901B-8629035D7989}"/>
-              </a:ext>
-            </a:extLst>
-          </p:cNvPr>
-          <p:cNvCxnSpPr>
-            <a:cxnSpLocks/>
-            <a:endCxn id="62" idx="0"/>
-          </p:cNvCxnSpPr>
-          <p:nvPr/>
-        </p:nvCxnSpPr>
-        <p:spPr>
-          <a:xfrm>
-            <a:off x="7315371" y="4097190"/>
-            <a:ext cx="0" cy="829662"/>
-          </a:xfrm>
-          <a:prstGeom prst="straightConnector1">
-            <a:avLst/>
-          </a:prstGeom>
-          <a:ln w="19050">
-            <a:solidFill>
-              <a:schemeClr val="accent5"/>
-            </a:solidFill>
-            <a:prstDash val="solid"/>
-            <a:tailEnd type="triangle"/>
-          </a:ln>
-        </p:spPr>
-        <p:style>
-          <a:lnRef idx="1">
-            <a:schemeClr val="accent3"/>
-          </a:lnRef>
-          <a:fillRef idx="0">
-            <a:schemeClr val="accent3"/>
-          </a:fillRef>
-          <a:effectRef idx="0">
-            <a:schemeClr val="accent3"/>
-          </a:effectRef>
-          <a:fontRef idx="minor">
-            <a:schemeClr val="tx1"/>
-          </a:fontRef>
-        </p:style>
-      </p:cxnSp>
-      <p:cxnSp>
-        <p:nvCxnSpPr>
-          <p:cNvPr id="174" name="Connector: Elbow 110">
-            <a:extLst>
-              <a:ext uri="{FF2B5EF4-FFF2-40B4-BE49-F238E27FC236}">
-                <a16:creationId xmlns:a16="http://schemas.microsoft.com/office/drawing/2014/main" id="{10EA3EB8-3DF6-4A86-956B-C27E2CB6338A}"/>
-              </a:ext>
-            </a:extLst>
-          </p:cNvPr>
-          <p:cNvCxnSpPr>
-            <a:cxnSpLocks/>
-            <a:stCxn id="91" idx="3"/>
-            <a:endCxn id="11" idx="0"/>
-          </p:cNvCxnSpPr>
-          <p:nvPr/>
-        </p:nvCxnSpPr>
-        <p:spPr>
-          <a:xfrm>
-            <a:off x="5014994" y="4097190"/>
-            <a:ext cx="0" cy="829662"/>
-          </a:xfrm>
-          <a:prstGeom prst="straightConnector1">
-            <a:avLst/>
-          </a:prstGeom>
-          <a:ln w="19050">
-            <a:solidFill>
-              <a:schemeClr val="accent5"/>
-            </a:solidFill>
-            <a:prstDash val="solid"/>
-            <a:tailEnd type="triangle"/>
-          </a:ln>
-        </p:spPr>
-        <p:style>
-          <a:lnRef idx="1">
-            <a:schemeClr val="accent3"/>
-          </a:lnRef>
-          <a:fillRef idx="0">
-            <a:schemeClr val="accent3"/>
-          </a:fillRef>
-          <a:effectRef idx="0">
-            <a:schemeClr val="accent3"/>
-          </a:effectRef>
-          <a:fontRef idx="minor">
-            <a:schemeClr val="tx1"/>
-          </a:fontRef>
-        </p:style>
-      </p:cxnSp>
+              </a:rPr>
+              <a:t>5</a:t>
+            </a:r>
+            <a:endParaRPr lang="LID4096" sz="1400" dirty="0" err="1">
+              <a:solidFill>
+                <a:srgbClr val="080808"/>
+              </a:solidFill>
+              <a:cs typeface="Tahoma"/>
+            </a:endParaRPr>
+          </a:p>
+        </p:txBody>
+      </p:sp>
     </p:spTree>
     <p:extLst>
       <p:ext uri="{BB962C8B-B14F-4D97-AF65-F5344CB8AC3E}">
-        <p14:creationId xmlns:p14="http://schemas.microsoft.com/office/powerpoint/2010/main" val="3669059076"/>
+        <p14:creationId xmlns:p14="http://schemas.microsoft.com/office/powerpoint/2010/main" val="3025580234"/>
       </p:ext>
     </p:extLst>
   </p:cSld>
@@ -30415,6 +29565,15 @@
 </file>
 
 <file path=customXml/item1.xml><?xml version="1.0" encoding="utf-8"?>
+<?mso-contentType ?>
+<FormTemplates xmlns="http://schemas.microsoft.com/sharepoint/v3/contenttype/forms">
+  <Display>DocumentLibraryForm</Display>
+  <Edit>DocumentLibraryForm</Edit>
+  <New>DocumentLibraryForm</New>
+</FormTemplates>
+</file>
+
+<file path=customXml/item2.xml><?xml version="1.0" encoding="utf-8"?>
 <p:properties xmlns:p="http://schemas.microsoft.com/office/2006/metadata/properties" xmlns:xsi="http://www.w3.org/2001/XMLSchema-instance" xmlns:pc="http://schemas.microsoft.com/office/infopath/2007/PartnerControls">
   <documentManagement>
     <SharedWithUsers xmlns="fee67b93-6974-4599-bd16-a295bb27cfe1">
@@ -30441,15 +29600,6 @@
     </SharedWithUsers>
   </documentManagement>
 </p:properties>
-</file>
-
-<file path=customXml/item2.xml><?xml version="1.0" encoding="utf-8"?>
-<?mso-contentType ?>
-<FormTemplates xmlns="http://schemas.microsoft.com/sharepoint/v3/contenttype/forms">
-  <Display>DocumentLibraryForm</Display>
-  <Edit>DocumentLibraryForm</Edit>
-  <New>DocumentLibraryForm</New>
-</FormTemplates>
 </file>
 
 <file path=customXml/item3.xml><?xml version="1.0" encoding="utf-8"?>
@@ -30638,6 +29788,14 @@
 </file>
 
 <file path=customXml/itemProps1.xml><?xml version="1.0" encoding="utf-8"?>
+<ds:datastoreItem xmlns:ds="http://schemas.openxmlformats.org/officeDocument/2006/customXml" ds:itemID="{BD1960A6-4BE3-42B6-BC04-74E06DF22BF7}">
+  <ds:schemaRefs>
+    <ds:schemaRef ds:uri="http://schemas.microsoft.com/sharepoint/v3/contenttype/forms"/>
+  </ds:schemaRefs>
+</ds:datastoreItem>
+</file>
+
+<file path=customXml/itemProps2.xml><?xml version="1.0" encoding="utf-8"?>
 <ds:datastoreItem xmlns:ds="http://schemas.openxmlformats.org/officeDocument/2006/customXml" ds:itemID="{BB868E38-3883-485C-AA72-FE197350C91A}">
   <ds:schemaRefs>
     <ds:schemaRef ds:uri="http://purl.org/dc/dcmitype/"/>
@@ -30650,14 +29808,6 @@
     <ds:schemaRef ds:uri="ca5330bd-c563-4e65-982c-c703f4b94ec3"/>
     <ds:schemaRef ds:uri="fee67b93-6974-4599-bd16-a295bb27cfe1"/>
     <ds:schemaRef ds:uri="http://schemas.microsoft.com/office/2006/metadata/properties"/>
-  </ds:schemaRefs>
-</ds:datastoreItem>
-</file>
-
-<file path=customXml/itemProps2.xml><?xml version="1.0" encoding="utf-8"?>
-<ds:datastoreItem xmlns:ds="http://schemas.openxmlformats.org/officeDocument/2006/customXml" ds:itemID="{BD1960A6-4BE3-42B6-BC04-74E06DF22BF7}">
-  <ds:schemaRefs>
-    <ds:schemaRef ds:uri="http://schemas.microsoft.com/sharepoint/v3/contenttype/forms"/>
   </ds:schemaRefs>
 </ds:datastoreItem>
 </file>
